--- a/report.pptx
+++ b/report.pptx
@@ -1,14 +1,18 @@
 
 <file path=ppt/presentation.xml><?xml version="1.0" encoding="utf-8"?>
-<p:presentation xmlns:a="http://schemas.openxmlformats.org/drawingml/2006/main" xmlns:r="http://schemas.openxmlformats.org/officeDocument/2006/relationships" xmlns:p="http://schemas.openxmlformats.org/presentationml/2006/main" saveSubsetFonts="1">
+<p:presentation xmlns:a="http://schemas.openxmlformats.org/drawingml/2006/main" xmlns:r="http://schemas.openxmlformats.org/officeDocument/2006/relationships" xmlns:p="http://schemas.openxmlformats.org/presentationml/2006/main" showSpecialPlsOnTitleSld="0" saveSubsetFonts="1">
   <p:sldMasterIdLst>
-    <p:sldMasterId id="2147483648" r:id="rId1"/>
+    <p:sldMasterId id="2147483678" r:id="rId1"/>
   </p:sldMasterIdLst>
+  <p:notesMasterIdLst>
+    <p:notesMasterId r:id="rId7"/>
+  </p:notesMasterIdLst>
   <p:sldIdLst>
     <p:sldId id="256" r:id="rId2"/>
     <p:sldId id="257" r:id="rId3"/>
     <p:sldId id="258" r:id="rId4"/>
     <p:sldId id="259" r:id="rId5"/>
+    <p:sldId id="260" r:id="rId6"/>
   </p:sldIdLst>
   <p:sldSz cx="12192000" cy="6858000"/>
   <p:notesSz cx="6858000" cy="9144000"/>
@@ -107,11 +111,450 @@
       </a:defRPr>
     </a:lvl9pPr>
   </p:defaultTextStyle>
+  <p:extLst>
+    <p:ext uri="{EFAFB233-063F-42B5-8137-9DF3F51BA10A}">
+      <p15:sldGuideLst xmlns:p15="http://schemas.microsoft.com/office/powerpoint/2012/main"/>
+    </p:ext>
+  </p:extLst>
 </p:presentation>
 </file>
 
+<file path=ppt/notesMasters/notesMaster1.xml><?xml version="1.0" encoding="utf-8"?>
+<p:notesMaster xmlns:a="http://schemas.openxmlformats.org/drawingml/2006/main" xmlns:r="http://schemas.openxmlformats.org/officeDocument/2006/relationships" xmlns:p="http://schemas.openxmlformats.org/presentationml/2006/main">
+  <p:cSld>
+    <p:bg>
+      <p:bgRef idx="1001">
+        <a:schemeClr val="bg1"/>
+      </p:bgRef>
+    </p:bg>
+    <p:spTree>
+      <p:nvGrpSpPr>
+        <p:cNvPr id="1" name=""/>
+        <p:cNvGrpSpPr/>
+        <p:nvPr/>
+      </p:nvGrpSpPr>
+      <p:grpSpPr>
+        <a:xfrm>
+          <a:off x="0" y="0"/>
+          <a:ext cx="0" cy="0"/>
+          <a:chOff x="0" y="0"/>
+          <a:chExt cx="0" cy="0"/>
+        </a:xfrm>
+      </p:grpSpPr>
+      <p:sp>
+        <p:nvSpPr>
+          <p:cNvPr id="2" name="Верхний колонтитул 1"/>
+          <p:cNvSpPr>
+            <a:spLocks noGrp="1"/>
+          </p:cNvSpPr>
+          <p:nvPr>
+            <p:ph type="hdr" sz="quarter"/>
+          </p:nvPr>
+        </p:nvSpPr>
+        <p:spPr>
+          <a:xfrm>
+            <a:off x="0" y="0"/>
+            <a:ext cx="2971800" cy="458788"/>
+          </a:xfrm>
+          <a:prstGeom prst="rect">
+            <a:avLst/>
+          </a:prstGeom>
+        </p:spPr>
+        <p:txBody>
+          <a:bodyPr vert="horz" lIns="91440" tIns="45720" rIns="91440" bIns="45720" rtlCol="0"/>
+          <a:lstStyle>
+            <a:lvl1pPr algn="l">
+              <a:defRPr sz="1200"/>
+            </a:lvl1pPr>
+          </a:lstStyle>
+          <a:p>
+            <a:endParaRPr lang="ru-RU"/>
+          </a:p>
+        </p:txBody>
+      </p:sp>
+      <p:sp>
+        <p:nvSpPr>
+          <p:cNvPr id="3" name="Дата 2"/>
+          <p:cNvSpPr>
+            <a:spLocks noGrp="1"/>
+          </p:cNvSpPr>
+          <p:nvPr>
+            <p:ph type="dt" idx="1"/>
+          </p:nvPr>
+        </p:nvSpPr>
+        <p:spPr>
+          <a:xfrm>
+            <a:off x="3884613" y="0"/>
+            <a:ext cx="2971800" cy="458788"/>
+          </a:xfrm>
+          <a:prstGeom prst="rect">
+            <a:avLst/>
+          </a:prstGeom>
+        </p:spPr>
+        <p:txBody>
+          <a:bodyPr vert="horz" lIns="91440" tIns="45720" rIns="91440" bIns="45720" rtlCol="0"/>
+          <a:lstStyle>
+            <a:lvl1pPr algn="r">
+              <a:defRPr sz="1200"/>
+            </a:lvl1pPr>
+          </a:lstStyle>
+          <a:p>
+            <a:fld id="{D766DA2C-6D91-4888-A01C-01981EF51355}" type="datetimeFigureOut">
+              <a:rPr lang="ru-RU" smtClean="0"/>
+              <a:t>27.04.2018</a:t>
+            </a:fld>
+            <a:endParaRPr lang="ru-RU"/>
+          </a:p>
+        </p:txBody>
+      </p:sp>
+      <p:sp>
+        <p:nvSpPr>
+          <p:cNvPr id="4" name="Образ слайда 3"/>
+          <p:cNvSpPr>
+            <a:spLocks noGrp="1" noRot="1" noChangeAspect="1"/>
+          </p:cNvSpPr>
+          <p:nvPr>
+            <p:ph type="sldImg" idx="2"/>
+          </p:nvPr>
+        </p:nvSpPr>
+        <p:spPr>
+          <a:xfrm>
+            <a:off x="685800" y="1143000"/>
+            <a:ext cx="5486400" cy="3086100"/>
+          </a:xfrm>
+          <a:prstGeom prst="rect">
+            <a:avLst/>
+          </a:prstGeom>
+          <a:noFill/>
+          <a:ln w="12700">
+            <a:solidFill>
+              <a:prstClr val="black"/>
+            </a:solidFill>
+          </a:ln>
+        </p:spPr>
+        <p:txBody>
+          <a:bodyPr vert="horz" lIns="91440" tIns="45720" rIns="91440" bIns="45720" rtlCol="0" anchor="ctr"/>
+          <a:lstStyle/>
+          <a:p>
+            <a:endParaRPr lang="ru-RU"/>
+          </a:p>
+        </p:txBody>
+      </p:sp>
+      <p:sp>
+        <p:nvSpPr>
+          <p:cNvPr id="5" name="Заметки 4"/>
+          <p:cNvSpPr>
+            <a:spLocks noGrp="1"/>
+          </p:cNvSpPr>
+          <p:nvPr>
+            <p:ph type="body" sz="quarter" idx="3"/>
+          </p:nvPr>
+        </p:nvSpPr>
+        <p:spPr>
+          <a:xfrm>
+            <a:off x="685800" y="4400550"/>
+            <a:ext cx="5486400" cy="3600450"/>
+          </a:xfrm>
+          <a:prstGeom prst="rect">
+            <a:avLst/>
+          </a:prstGeom>
+        </p:spPr>
+        <p:txBody>
+          <a:bodyPr vert="horz" lIns="91440" tIns="45720" rIns="91440" bIns="45720" rtlCol="0"/>
+          <a:lstStyle/>
+          <a:p>
+            <a:pPr lvl="0"/>
+            <a:r>
+              <a:rPr lang="ru-RU" smtClean="0"/>
+              <a:t>Образец текста</a:t>
+            </a:r>
+          </a:p>
+          <a:p>
+            <a:pPr lvl="1"/>
+            <a:r>
+              <a:rPr lang="ru-RU" smtClean="0"/>
+              <a:t>Второй уровень</a:t>
+            </a:r>
+          </a:p>
+          <a:p>
+            <a:pPr lvl="2"/>
+            <a:r>
+              <a:rPr lang="ru-RU" smtClean="0"/>
+              <a:t>Третий уровень</a:t>
+            </a:r>
+          </a:p>
+          <a:p>
+            <a:pPr lvl="3"/>
+            <a:r>
+              <a:rPr lang="ru-RU" smtClean="0"/>
+              <a:t>Четвертый уровень</a:t>
+            </a:r>
+          </a:p>
+          <a:p>
+            <a:pPr lvl="4"/>
+            <a:r>
+              <a:rPr lang="ru-RU" smtClean="0"/>
+              <a:t>Пятый уровень</a:t>
+            </a:r>
+            <a:endParaRPr lang="ru-RU"/>
+          </a:p>
+        </p:txBody>
+      </p:sp>
+      <p:sp>
+        <p:nvSpPr>
+          <p:cNvPr id="6" name="Нижний колонтитул 5"/>
+          <p:cNvSpPr>
+            <a:spLocks noGrp="1"/>
+          </p:cNvSpPr>
+          <p:nvPr>
+            <p:ph type="ftr" sz="quarter" idx="4"/>
+          </p:nvPr>
+        </p:nvSpPr>
+        <p:spPr>
+          <a:xfrm>
+            <a:off x="0" y="8685213"/>
+            <a:ext cx="2971800" cy="458787"/>
+          </a:xfrm>
+          <a:prstGeom prst="rect">
+            <a:avLst/>
+          </a:prstGeom>
+        </p:spPr>
+        <p:txBody>
+          <a:bodyPr vert="horz" lIns="91440" tIns="45720" rIns="91440" bIns="45720" rtlCol="0" anchor="b"/>
+          <a:lstStyle>
+            <a:lvl1pPr algn="l">
+              <a:defRPr sz="1200"/>
+            </a:lvl1pPr>
+          </a:lstStyle>
+          <a:p>
+            <a:endParaRPr lang="ru-RU"/>
+          </a:p>
+        </p:txBody>
+      </p:sp>
+      <p:sp>
+        <p:nvSpPr>
+          <p:cNvPr id="7" name="Номер слайда 6"/>
+          <p:cNvSpPr>
+            <a:spLocks noGrp="1"/>
+          </p:cNvSpPr>
+          <p:nvPr>
+            <p:ph type="sldNum" sz="quarter" idx="5"/>
+          </p:nvPr>
+        </p:nvSpPr>
+        <p:spPr>
+          <a:xfrm>
+            <a:off x="3884613" y="8685213"/>
+            <a:ext cx="2971800" cy="458787"/>
+          </a:xfrm>
+          <a:prstGeom prst="rect">
+            <a:avLst/>
+          </a:prstGeom>
+        </p:spPr>
+        <p:txBody>
+          <a:bodyPr vert="horz" lIns="91440" tIns="45720" rIns="91440" bIns="45720" rtlCol="0" anchor="b"/>
+          <a:lstStyle>
+            <a:lvl1pPr algn="r">
+              <a:defRPr sz="1200"/>
+            </a:lvl1pPr>
+          </a:lstStyle>
+          <a:p>
+            <a:fld id="{5F96BB40-A219-4818-920B-230C1D1D102D}" type="slidenum">
+              <a:rPr lang="ru-RU" smtClean="0"/>
+              <a:t>‹#›</a:t>
+            </a:fld>
+            <a:endParaRPr lang="ru-RU"/>
+          </a:p>
+        </p:txBody>
+      </p:sp>
+    </p:spTree>
+    <p:extLst>
+      <p:ext uri="{BB962C8B-B14F-4D97-AF65-F5344CB8AC3E}">
+        <p14:creationId xmlns:p14="http://schemas.microsoft.com/office/powerpoint/2010/main" val="2163198547"/>
+      </p:ext>
+    </p:extLst>
+  </p:cSld>
+  <p:clrMap bg1="lt1" tx1="dk1" bg2="lt2" tx2="dk2" accent1="accent1" accent2="accent2" accent3="accent3" accent4="accent4" accent5="accent5" accent6="accent6" hlink="hlink" folHlink="folHlink"/>
+  <p:notesStyle>
+    <a:lvl1pPr marL="0" algn="l" defTabSz="914400" rtl="0" eaLnBrk="1" latinLnBrk="0" hangingPunct="1">
+      <a:defRPr sz="1200" kern="1200">
+        <a:solidFill>
+          <a:schemeClr val="tx1"/>
+        </a:solidFill>
+        <a:latin typeface="+mn-lt"/>
+        <a:ea typeface="+mn-ea"/>
+        <a:cs typeface="+mn-cs"/>
+      </a:defRPr>
+    </a:lvl1pPr>
+    <a:lvl2pPr marL="457200" algn="l" defTabSz="914400" rtl="0" eaLnBrk="1" latinLnBrk="0" hangingPunct="1">
+      <a:defRPr sz="1200" kern="1200">
+        <a:solidFill>
+          <a:schemeClr val="tx1"/>
+        </a:solidFill>
+        <a:latin typeface="+mn-lt"/>
+        <a:ea typeface="+mn-ea"/>
+        <a:cs typeface="+mn-cs"/>
+      </a:defRPr>
+    </a:lvl2pPr>
+    <a:lvl3pPr marL="914400" algn="l" defTabSz="914400" rtl="0" eaLnBrk="1" latinLnBrk="0" hangingPunct="1">
+      <a:defRPr sz="1200" kern="1200">
+        <a:solidFill>
+          <a:schemeClr val="tx1"/>
+        </a:solidFill>
+        <a:latin typeface="+mn-lt"/>
+        <a:ea typeface="+mn-ea"/>
+        <a:cs typeface="+mn-cs"/>
+      </a:defRPr>
+    </a:lvl3pPr>
+    <a:lvl4pPr marL="1371600" algn="l" defTabSz="914400" rtl="0" eaLnBrk="1" latinLnBrk="0" hangingPunct="1">
+      <a:defRPr sz="1200" kern="1200">
+        <a:solidFill>
+          <a:schemeClr val="tx1"/>
+        </a:solidFill>
+        <a:latin typeface="+mn-lt"/>
+        <a:ea typeface="+mn-ea"/>
+        <a:cs typeface="+mn-cs"/>
+      </a:defRPr>
+    </a:lvl4pPr>
+    <a:lvl5pPr marL="1828800" algn="l" defTabSz="914400" rtl="0" eaLnBrk="1" latinLnBrk="0" hangingPunct="1">
+      <a:defRPr sz="1200" kern="1200">
+        <a:solidFill>
+          <a:schemeClr val="tx1"/>
+        </a:solidFill>
+        <a:latin typeface="+mn-lt"/>
+        <a:ea typeface="+mn-ea"/>
+        <a:cs typeface="+mn-cs"/>
+      </a:defRPr>
+    </a:lvl5pPr>
+    <a:lvl6pPr marL="2286000" algn="l" defTabSz="914400" rtl="0" eaLnBrk="1" latinLnBrk="0" hangingPunct="1">
+      <a:defRPr sz="1200" kern="1200">
+        <a:solidFill>
+          <a:schemeClr val="tx1"/>
+        </a:solidFill>
+        <a:latin typeface="+mn-lt"/>
+        <a:ea typeface="+mn-ea"/>
+        <a:cs typeface="+mn-cs"/>
+      </a:defRPr>
+    </a:lvl6pPr>
+    <a:lvl7pPr marL="2743200" algn="l" defTabSz="914400" rtl="0" eaLnBrk="1" latinLnBrk="0" hangingPunct="1">
+      <a:defRPr sz="1200" kern="1200">
+        <a:solidFill>
+          <a:schemeClr val="tx1"/>
+        </a:solidFill>
+        <a:latin typeface="+mn-lt"/>
+        <a:ea typeface="+mn-ea"/>
+        <a:cs typeface="+mn-cs"/>
+      </a:defRPr>
+    </a:lvl7pPr>
+    <a:lvl8pPr marL="3200400" algn="l" defTabSz="914400" rtl="0" eaLnBrk="1" latinLnBrk="0" hangingPunct="1">
+      <a:defRPr sz="1200" kern="1200">
+        <a:solidFill>
+          <a:schemeClr val="tx1"/>
+        </a:solidFill>
+        <a:latin typeface="+mn-lt"/>
+        <a:ea typeface="+mn-ea"/>
+        <a:cs typeface="+mn-cs"/>
+      </a:defRPr>
+    </a:lvl8pPr>
+    <a:lvl9pPr marL="3657600" algn="l" defTabSz="914400" rtl="0" eaLnBrk="1" latinLnBrk="0" hangingPunct="1">
+      <a:defRPr sz="1200" kern="1200">
+        <a:solidFill>
+          <a:schemeClr val="tx1"/>
+        </a:solidFill>
+        <a:latin typeface="+mn-lt"/>
+        <a:ea typeface="+mn-ea"/>
+        <a:cs typeface="+mn-cs"/>
+      </a:defRPr>
+    </a:lvl9pPr>
+  </p:notesStyle>
+</p:notesMaster>
+</file>
+
+<file path=ppt/notesSlides/notesSlide1.xml><?xml version="1.0" encoding="utf-8"?>
+<p:notes xmlns:a="http://schemas.openxmlformats.org/drawingml/2006/main" xmlns:r="http://schemas.openxmlformats.org/officeDocument/2006/relationships" xmlns:p="http://schemas.openxmlformats.org/presentationml/2006/main">
+  <p:cSld>
+    <p:spTree>
+      <p:nvGrpSpPr>
+        <p:cNvPr id="1" name=""/>
+        <p:cNvGrpSpPr/>
+        <p:nvPr/>
+      </p:nvGrpSpPr>
+      <p:grpSpPr>
+        <a:xfrm>
+          <a:off x="0" y="0"/>
+          <a:ext cx="0" cy="0"/>
+          <a:chOff x="0" y="0"/>
+          <a:chExt cx="0" cy="0"/>
+        </a:xfrm>
+      </p:grpSpPr>
+      <p:sp>
+        <p:nvSpPr>
+          <p:cNvPr id="2" name="Образ слайда 1"/>
+          <p:cNvSpPr>
+            <a:spLocks noGrp="1" noRot="1" noChangeAspect="1"/>
+          </p:cNvSpPr>
+          <p:nvPr>
+            <p:ph type="sldImg"/>
+          </p:nvPr>
+        </p:nvSpPr>
+        <p:spPr/>
+      </p:sp>
+      <p:sp>
+        <p:nvSpPr>
+          <p:cNvPr id="3" name="Заметки 2"/>
+          <p:cNvSpPr>
+            <a:spLocks noGrp="1"/>
+          </p:cNvSpPr>
+          <p:nvPr>
+            <p:ph type="body" idx="1"/>
+          </p:nvPr>
+        </p:nvSpPr>
+        <p:spPr/>
+        <p:txBody>
+          <a:bodyPr/>
+          <a:lstStyle/>
+          <a:p>
+            <a:endParaRPr lang="ru-RU"/>
+          </a:p>
+        </p:txBody>
+      </p:sp>
+      <p:sp>
+        <p:nvSpPr>
+          <p:cNvPr id="4" name="Номер слайда 3"/>
+          <p:cNvSpPr>
+            <a:spLocks noGrp="1"/>
+          </p:cNvSpPr>
+          <p:nvPr>
+            <p:ph type="sldNum" sz="quarter" idx="10"/>
+          </p:nvPr>
+        </p:nvSpPr>
+        <p:spPr/>
+        <p:txBody>
+          <a:bodyPr/>
+          <a:lstStyle/>
+          <a:p>
+            <a:fld id="{5F96BB40-A219-4818-920B-230C1D1D102D}" type="slidenum">
+              <a:rPr lang="ru-RU" smtClean="0"/>
+              <a:t>2</a:t>
+            </a:fld>
+            <a:endParaRPr lang="ru-RU"/>
+          </a:p>
+        </p:txBody>
+      </p:sp>
+    </p:spTree>
+    <p:extLst>
+      <p:ext uri="{BB962C8B-B14F-4D97-AF65-F5344CB8AC3E}">
+        <p14:creationId xmlns:p14="http://schemas.microsoft.com/office/powerpoint/2010/main" val="1377402958"/>
+      </p:ext>
+    </p:extLst>
+  </p:cSld>
+  <p:clrMapOvr>
+    <a:masterClrMapping/>
+  </p:clrMapOvr>
+</p:notes>
+</file>
+
 <file path=ppt/slideLayouts/slideLayout1.xml><?xml version="1.0" encoding="utf-8"?>
-<p:sldLayout xmlns:a="http://schemas.openxmlformats.org/drawingml/2006/main" xmlns:r="http://schemas.openxmlformats.org/officeDocument/2006/relationships" xmlns:p="http://schemas.openxmlformats.org/presentationml/2006/main" type="title" preserve="1">
+<p:sldLayout xmlns:a="http://schemas.openxmlformats.org/drawingml/2006/main" xmlns:r="http://schemas.openxmlformats.org/officeDocument/2006/relationships" xmlns:p="http://schemas.openxmlformats.org/presentationml/2006/main" showMasterSp="0" type="title" preserve="1">
   <p:cSld name="Титульный слайд">
     <p:spTree>
       <p:nvGrpSpPr>
@@ -129,7 +572,83 @@
       </p:grpSpPr>
       <p:sp>
         <p:nvSpPr>
-          <p:cNvPr id="2" name="Заголовок 1"/>
+          <p:cNvPr id="7" name="Rectangle 6"/>
+          <p:cNvSpPr/>
+          <p:nvPr/>
+        </p:nvSpPr>
+        <p:spPr>
+          <a:xfrm>
+            <a:off x="3175" y="6400800"/>
+            <a:ext cx="12188825" cy="457200"/>
+          </a:xfrm>
+          <a:prstGeom prst="rect">
+            <a:avLst/>
+          </a:prstGeom>
+          <a:solidFill>
+            <a:schemeClr val="accent2"/>
+          </a:solidFill>
+          <a:ln>
+            <a:noFill/>
+          </a:ln>
+        </p:spPr>
+        <p:style>
+          <a:lnRef idx="2">
+            <a:schemeClr val="accent1">
+              <a:shade val="50000"/>
+            </a:schemeClr>
+          </a:lnRef>
+          <a:fillRef idx="1">
+            <a:schemeClr val="accent1"/>
+          </a:fillRef>
+          <a:effectRef idx="0">
+            <a:schemeClr val="accent1"/>
+          </a:effectRef>
+          <a:fontRef idx="minor">
+            <a:schemeClr val="lt1"/>
+          </a:fontRef>
+        </p:style>
+      </p:sp>
+      <p:sp>
+        <p:nvSpPr>
+          <p:cNvPr id="8" name="Rectangle 7"/>
+          <p:cNvSpPr/>
+          <p:nvPr/>
+        </p:nvSpPr>
+        <p:spPr>
+          <a:xfrm>
+            <a:off x="15" y="6334316"/>
+            <a:ext cx="12188825" cy="64008"/>
+          </a:xfrm>
+          <a:prstGeom prst="rect">
+            <a:avLst/>
+          </a:prstGeom>
+          <a:solidFill>
+            <a:schemeClr val="accent1"/>
+          </a:solidFill>
+          <a:ln>
+            <a:noFill/>
+          </a:ln>
+        </p:spPr>
+        <p:style>
+          <a:lnRef idx="2">
+            <a:schemeClr val="accent1">
+              <a:shade val="50000"/>
+            </a:schemeClr>
+          </a:lnRef>
+          <a:fillRef idx="1">
+            <a:schemeClr val="accent1"/>
+          </a:fillRef>
+          <a:effectRef idx="0">
+            <a:schemeClr val="accent1"/>
+          </a:effectRef>
+          <a:fontRef idx="minor">
+            <a:schemeClr val="lt1"/>
+          </a:fontRef>
+        </p:style>
+      </p:sp>
+      <p:sp>
+        <p:nvSpPr>
+          <p:cNvPr id="2" name="Title 1"/>
           <p:cNvSpPr>
             <a:spLocks noGrp="1"/>
           </p:cNvSpPr>
@@ -139,15 +658,27 @@
         </p:nvSpPr>
         <p:spPr>
           <a:xfrm>
-            <a:off x="1524000" y="1122363"/>
-            <a:ext cx="9144000" cy="2387600"/>
-          </a:xfrm>
-        </p:spPr>
-        <p:txBody>
-          <a:bodyPr anchor="b"/>
+            <a:off x="1097280" y="758952"/>
+            <a:ext cx="10058400" cy="3566160"/>
+          </a:xfrm>
+        </p:spPr>
+        <p:txBody>
+          <a:bodyPr anchor="b">
+            <a:normAutofit/>
+          </a:bodyPr>
           <a:lstStyle>
-            <a:lvl1pPr algn="ctr">
-              <a:defRPr sz="6000"/>
+            <a:lvl1pPr algn="l">
+              <a:lnSpc>
+                <a:spcPct val="85000"/>
+              </a:lnSpc>
+              <a:defRPr sz="8000" spc="-50" baseline="0">
+                <a:solidFill>
+                  <a:schemeClr val="tx1">
+                    <a:lumMod val="85000"/>
+                    <a:lumOff val="15000"/>
+                  </a:schemeClr>
+                </a:solidFill>
+              </a:defRPr>
             </a:lvl1pPr>
           </a:lstStyle>
           <a:p>
@@ -155,13 +686,13 @@
               <a:rPr lang="ru-RU" smtClean="0"/>
               <a:t>Образец заголовка</a:t>
             </a:r>
-            <a:endParaRPr lang="ru-RU"/>
-          </a:p>
-        </p:txBody>
-      </p:sp>
-      <p:sp>
-        <p:nvSpPr>
-          <p:cNvPr id="3" name="Подзаголовок 2"/>
+            <a:endParaRPr lang="en-US" dirty="0"/>
+          </a:p>
+        </p:txBody>
+      </p:sp>
+      <p:sp>
+        <p:nvSpPr>
+          <p:cNvPr id="3" name="Subtitle 2"/>
           <p:cNvSpPr>
             <a:spLocks noGrp="1"/>
           </p:cNvSpPr>
@@ -171,48 +702,55 @@
         </p:nvSpPr>
         <p:spPr>
           <a:xfrm>
-            <a:off x="1524000" y="3602038"/>
-            <a:ext cx="9144000" cy="1655762"/>
-          </a:xfrm>
-        </p:spPr>
-        <p:txBody>
-          <a:bodyPr/>
+            <a:off x="1100051" y="4455620"/>
+            <a:ext cx="10058400" cy="1143000"/>
+          </a:xfrm>
+        </p:spPr>
+        <p:txBody>
+          <a:bodyPr lIns="91440" rIns="91440">
+            <a:normAutofit/>
+          </a:bodyPr>
           <a:lstStyle>
-            <a:lvl1pPr marL="0" indent="0" algn="ctr">
-              <a:buNone/>
-              <a:defRPr sz="2400"/>
+            <a:lvl1pPr marL="0" indent="0" algn="l">
+              <a:buNone/>
+              <a:defRPr sz="2400" cap="all" spc="200" baseline="0">
+                <a:solidFill>
+                  <a:schemeClr val="tx2"/>
+                </a:solidFill>
+                <a:latin typeface="+mj-lt"/>
+              </a:defRPr>
             </a:lvl1pPr>
             <a:lvl2pPr marL="457200" indent="0" algn="ctr">
               <a:buNone/>
-              <a:defRPr sz="2000"/>
+              <a:defRPr sz="2400"/>
             </a:lvl2pPr>
             <a:lvl3pPr marL="914400" indent="0" algn="ctr">
               <a:buNone/>
-              <a:defRPr sz="1800"/>
+              <a:defRPr sz="2400"/>
             </a:lvl3pPr>
             <a:lvl4pPr marL="1371600" indent="0" algn="ctr">
               <a:buNone/>
-              <a:defRPr sz="1600"/>
+              <a:defRPr sz="2000"/>
             </a:lvl4pPr>
             <a:lvl5pPr marL="1828800" indent="0" algn="ctr">
               <a:buNone/>
-              <a:defRPr sz="1600"/>
+              <a:defRPr sz="2000"/>
             </a:lvl5pPr>
             <a:lvl6pPr marL="2286000" indent="0" algn="ctr">
               <a:buNone/>
-              <a:defRPr sz="1600"/>
+              <a:defRPr sz="2000"/>
             </a:lvl6pPr>
             <a:lvl7pPr marL="2743200" indent="0" algn="ctr">
               <a:buNone/>
-              <a:defRPr sz="1600"/>
+              <a:defRPr sz="2000"/>
             </a:lvl7pPr>
             <a:lvl8pPr marL="3200400" indent="0" algn="ctr">
               <a:buNone/>
-              <a:defRPr sz="1600"/>
+              <a:defRPr sz="2000"/>
             </a:lvl8pPr>
             <a:lvl9pPr marL="3657600" indent="0" algn="ctr">
               <a:buNone/>
-              <a:defRPr sz="1600"/>
+              <a:defRPr sz="2000"/>
             </a:lvl9pPr>
           </a:lstStyle>
           <a:p>
@@ -220,13 +758,13 @@
               <a:rPr lang="ru-RU" smtClean="0"/>
               <a:t>Образец подзаголовка</a:t>
             </a:r>
-            <a:endParaRPr lang="ru-RU"/>
-          </a:p>
-        </p:txBody>
-      </p:sp>
-      <p:sp>
-        <p:nvSpPr>
-          <p:cNvPr id="4" name="Дата 3"/>
+            <a:endParaRPr lang="en-US" dirty="0"/>
+          </a:p>
+        </p:txBody>
+      </p:sp>
+      <p:sp>
+        <p:nvSpPr>
+          <p:cNvPr id="4" name="Date Placeholder 3"/>
           <p:cNvSpPr>
             <a:spLocks noGrp="1"/>
           </p:cNvSpPr>
@@ -239,9 +777,9 @@
           <a:bodyPr/>
           <a:lstStyle/>
           <a:p>
-            <a:fld id="{4C5189D3-71F6-4B6B-B14B-B0870956A70A}" type="datetimeFigureOut">
-              <a:rPr lang="ru-RU" smtClean="0"/>
-              <a:t>20.04.2018</a:t>
+            <a:fld id="{18837A14-3D39-42D9-9056-F1062FE5D0F9}" type="datetime1">
+              <a:rPr lang="ru-RU" smtClean="0"/>
+              <a:t>27.04.2018</a:t>
             </a:fld>
             <a:endParaRPr lang="ru-RU"/>
           </a:p>
@@ -249,7 +787,7 @@
       </p:sp>
       <p:sp>
         <p:nvSpPr>
-          <p:cNvPr id="5" name="Нижний колонтитул 4"/>
+          <p:cNvPr id="5" name="Footer Placeholder 4"/>
           <p:cNvSpPr>
             <a:spLocks noGrp="1"/>
           </p:cNvSpPr>
@@ -268,7 +806,7 @@
       </p:sp>
       <p:sp>
         <p:nvSpPr>
-          <p:cNvPr id="6" name="Номер слайда 5"/>
+          <p:cNvPr id="6" name="Slide Number Placeholder 5"/>
           <p:cNvSpPr>
             <a:spLocks noGrp="1"/>
           </p:cNvSpPr>
@@ -289,10 +827,48 @@
           </a:p>
         </p:txBody>
       </p:sp>
+      <p:cxnSp>
+        <p:nvCxnSpPr>
+          <p:cNvPr id="9" name="Straight Connector 8"/>
+          <p:cNvCxnSpPr/>
+          <p:nvPr/>
+        </p:nvCxnSpPr>
+        <p:spPr>
+          <a:xfrm>
+            <a:off x="1207658" y="4343400"/>
+            <a:ext cx="9875520" cy="0"/>
+          </a:xfrm>
+          <a:prstGeom prst="line">
+            <a:avLst/>
+          </a:prstGeom>
+          <a:ln w="6350">
+            <a:solidFill>
+              <a:schemeClr val="tx1">
+                <a:lumMod val="50000"/>
+                <a:lumOff val="50000"/>
+              </a:schemeClr>
+            </a:solidFill>
+          </a:ln>
+        </p:spPr>
+        <p:style>
+          <a:lnRef idx="1">
+            <a:schemeClr val="accent1"/>
+          </a:lnRef>
+          <a:fillRef idx="0">
+            <a:schemeClr val="accent1"/>
+          </a:fillRef>
+          <a:effectRef idx="0">
+            <a:schemeClr val="accent1"/>
+          </a:effectRef>
+          <a:fontRef idx="minor">
+            <a:schemeClr val="tx1"/>
+          </a:fontRef>
+        </p:style>
+      </p:cxnSp>
     </p:spTree>
     <p:extLst>
       <p:ext uri="{BB962C8B-B14F-4D97-AF65-F5344CB8AC3E}">
-        <p14:creationId xmlns:p14="http://schemas.microsoft.com/office/powerpoint/2010/main" val="3221369184"/>
+        <p14:creationId xmlns:p14="http://schemas.microsoft.com/office/powerpoint/2010/main" val="3649755969"/>
       </p:ext>
     </p:extLst>
   </p:cSld>
@@ -321,7 +897,7 @@
       </p:grpSpPr>
       <p:sp>
         <p:nvSpPr>
-          <p:cNvPr id="2" name="Заголовок 1"/>
+          <p:cNvPr id="2" name="Title 1"/>
           <p:cNvSpPr>
             <a:spLocks noGrp="1"/>
           </p:cNvSpPr>
@@ -338,13 +914,13 @@
               <a:rPr lang="ru-RU" smtClean="0"/>
               <a:t>Образец заголовка</a:t>
             </a:r>
-            <a:endParaRPr lang="ru-RU"/>
-          </a:p>
-        </p:txBody>
-      </p:sp>
-      <p:sp>
-        <p:nvSpPr>
-          <p:cNvPr id="3" name="Вертикальный текст 2"/>
+            <a:endParaRPr lang="en-US" dirty="0"/>
+          </a:p>
+        </p:txBody>
+      </p:sp>
+      <p:sp>
+        <p:nvSpPr>
+          <p:cNvPr id="3" name="Vertical Text Placeholder 2"/>
           <p:cNvSpPr>
             <a:spLocks noGrp="1"/>
           </p:cNvSpPr>
@@ -354,7 +930,7 @@
         </p:nvSpPr>
         <p:spPr/>
         <p:txBody>
-          <a:bodyPr vert="eaVert"/>
+          <a:bodyPr vert="eaVert" lIns="45720" tIns="0" rIns="45720" bIns="0"/>
           <a:lstStyle/>
           <a:p>
             <a:pPr lvl="0"/>
@@ -390,13 +966,13 @@
               <a:rPr lang="ru-RU" smtClean="0"/>
               <a:t>Пятый уровень</a:t>
             </a:r>
-            <a:endParaRPr lang="ru-RU"/>
-          </a:p>
-        </p:txBody>
-      </p:sp>
-      <p:sp>
-        <p:nvSpPr>
-          <p:cNvPr id="4" name="Дата 3"/>
+            <a:endParaRPr lang="en-US" dirty="0"/>
+          </a:p>
+        </p:txBody>
+      </p:sp>
+      <p:sp>
+        <p:nvSpPr>
+          <p:cNvPr id="4" name="Date Placeholder 3"/>
           <p:cNvSpPr>
             <a:spLocks noGrp="1"/>
           </p:cNvSpPr>
@@ -409,9 +985,9 @@
           <a:bodyPr/>
           <a:lstStyle/>
           <a:p>
-            <a:fld id="{4C5189D3-71F6-4B6B-B14B-B0870956A70A}" type="datetimeFigureOut">
-              <a:rPr lang="ru-RU" smtClean="0"/>
-              <a:t>20.04.2018</a:t>
+            <a:fld id="{3820FA97-3B9C-4C9F-86D0-2D0822049852}" type="datetime1">
+              <a:rPr lang="ru-RU" smtClean="0"/>
+              <a:t>27.04.2018</a:t>
             </a:fld>
             <a:endParaRPr lang="ru-RU"/>
           </a:p>
@@ -419,7 +995,7 @@
       </p:sp>
       <p:sp>
         <p:nvSpPr>
-          <p:cNvPr id="5" name="Нижний колонтитул 4"/>
+          <p:cNvPr id="5" name="Footer Placeholder 4"/>
           <p:cNvSpPr>
             <a:spLocks noGrp="1"/>
           </p:cNvSpPr>
@@ -438,7 +1014,7 @@
       </p:sp>
       <p:sp>
         <p:nvSpPr>
-          <p:cNvPr id="6" name="Номер слайда 5"/>
+          <p:cNvPr id="6" name="Slide Number Placeholder 5"/>
           <p:cNvSpPr>
             <a:spLocks noGrp="1"/>
           </p:cNvSpPr>
@@ -462,7 +1038,7 @@
     </p:spTree>
     <p:extLst>
       <p:ext uri="{BB962C8B-B14F-4D97-AF65-F5344CB8AC3E}">
-        <p14:creationId xmlns:p14="http://schemas.microsoft.com/office/powerpoint/2010/main" val="4068690475"/>
+        <p14:creationId xmlns:p14="http://schemas.microsoft.com/office/powerpoint/2010/main" val="1935385150"/>
       </p:ext>
     </p:extLst>
   </p:cSld>
@@ -473,7 +1049,7 @@
 </file>
 
 <file path=ppt/slideLayouts/slideLayout11.xml><?xml version="1.0" encoding="utf-8"?>
-<p:sldLayout xmlns:a="http://schemas.openxmlformats.org/drawingml/2006/main" xmlns:r="http://schemas.openxmlformats.org/officeDocument/2006/relationships" xmlns:p="http://schemas.openxmlformats.org/presentationml/2006/main" type="vertTitleAndTx" preserve="1">
+<p:sldLayout xmlns:a="http://schemas.openxmlformats.org/drawingml/2006/main" xmlns:r="http://schemas.openxmlformats.org/officeDocument/2006/relationships" xmlns:p="http://schemas.openxmlformats.org/presentationml/2006/main" showMasterSp="0" type="vertTitleAndTx" preserve="1">
   <p:cSld name="Вертикальный заголовок и текст">
     <p:spTree>
       <p:nvGrpSpPr>
@@ -491,7 +1067,83 @@
       </p:grpSpPr>
       <p:sp>
         <p:nvSpPr>
-          <p:cNvPr id="2" name="Вертикальный заголовок 1"/>
+          <p:cNvPr id="7" name="Rectangle 6"/>
+          <p:cNvSpPr/>
+          <p:nvPr/>
+        </p:nvSpPr>
+        <p:spPr>
+          <a:xfrm>
+            <a:off x="3175" y="6400800"/>
+            <a:ext cx="12188825" cy="457200"/>
+          </a:xfrm>
+          <a:prstGeom prst="rect">
+            <a:avLst/>
+          </a:prstGeom>
+          <a:solidFill>
+            <a:schemeClr val="accent2"/>
+          </a:solidFill>
+          <a:ln>
+            <a:noFill/>
+          </a:ln>
+        </p:spPr>
+        <p:style>
+          <a:lnRef idx="2">
+            <a:schemeClr val="accent1">
+              <a:shade val="50000"/>
+            </a:schemeClr>
+          </a:lnRef>
+          <a:fillRef idx="1">
+            <a:schemeClr val="accent1"/>
+          </a:fillRef>
+          <a:effectRef idx="0">
+            <a:schemeClr val="accent1"/>
+          </a:effectRef>
+          <a:fontRef idx="minor">
+            <a:schemeClr val="lt1"/>
+          </a:fontRef>
+        </p:style>
+      </p:sp>
+      <p:sp>
+        <p:nvSpPr>
+          <p:cNvPr id="8" name="Rectangle 7"/>
+          <p:cNvSpPr/>
+          <p:nvPr/>
+        </p:nvSpPr>
+        <p:spPr>
+          <a:xfrm>
+            <a:off x="15" y="6334316"/>
+            <a:ext cx="12188825" cy="64008"/>
+          </a:xfrm>
+          <a:prstGeom prst="rect">
+            <a:avLst/>
+          </a:prstGeom>
+          <a:solidFill>
+            <a:schemeClr val="accent1"/>
+          </a:solidFill>
+          <a:ln>
+            <a:noFill/>
+          </a:ln>
+        </p:spPr>
+        <p:style>
+          <a:lnRef idx="2">
+            <a:schemeClr val="accent1">
+              <a:shade val="50000"/>
+            </a:schemeClr>
+          </a:lnRef>
+          <a:fillRef idx="1">
+            <a:schemeClr val="accent1"/>
+          </a:fillRef>
+          <a:effectRef idx="0">
+            <a:schemeClr val="accent1"/>
+          </a:effectRef>
+          <a:fontRef idx="minor">
+            <a:schemeClr val="lt1"/>
+          </a:fontRef>
+        </p:style>
+      </p:sp>
+      <p:sp>
+        <p:nvSpPr>
+          <p:cNvPr id="2" name="Vertical Title 1"/>
           <p:cNvSpPr>
             <a:spLocks noGrp="1"/>
           </p:cNvSpPr>
@@ -501,8 +1153,8 @@
         </p:nvSpPr>
         <p:spPr>
           <a:xfrm>
-            <a:off x="8724900" y="365125"/>
-            <a:ext cx="2628900" cy="5811838"/>
+            <a:off x="8724900" y="414778"/>
+            <a:ext cx="2628900" cy="5757421"/>
           </a:xfrm>
         </p:spPr>
         <p:txBody>
@@ -513,13 +1165,13 @@
               <a:rPr lang="ru-RU" smtClean="0"/>
               <a:t>Образец заголовка</a:t>
             </a:r>
-            <a:endParaRPr lang="ru-RU"/>
-          </a:p>
-        </p:txBody>
-      </p:sp>
-      <p:sp>
-        <p:nvSpPr>
-          <p:cNvPr id="3" name="Вертикальный текст 2"/>
+            <a:endParaRPr lang="en-US" dirty="0"/>
+          </a:p>
+        </p:txBody>
+      </p:sp>
+      <p:sp>
+        <p:nvSpPr>
+          <p:cNvPr id="3" name="Vertical Text Placeholder 2"/>
           <p:cNvSpPr>
             <a:spLocks noGrp="1"/>
           </p:cNvSpPr>
@@ -529,12 +1181,12 @@
         </p:nvSpPr>
         <p:spPr>
           <a:xfrm>
-            <a:off x="838200" y="365125"/>
-            <a:ext cx="7734300" cy="5811838"/>
-          </a:xfrm>
-        </p:spPr>
-        <p:txBody>
-          <a:bodyPr vert="eaVert"/>
+            <a:off x="838200" y="414778"/>
+            <a:ext cx="7734300" cy="5757422"/>
+          </a:xfrm>
+        </p:spPr>
+        <p:txBody>
+          <a:bodyPr vert="eaVert" lIns="45720" tIns="0" rIns="45720" bIns="0"/>
           <a:lstStyle/>
           <a:p>
             <a:pPr lvl="0"/>
@@ -570,13 +1222,13 @@
               <a:rPr lang="ru-RU" smtClean="0"/>
               <a:t>Пятый уровень</a:t>
             </a:r>
-            <a:endParaRPr lang="ru-RU"/>
-          </a:p>
-        </p:txBody>
-      </p:sp>
-      <p:sp>
-        <p:nvSpPr>
-          <p:cNvPr id="4" name="Дата 3"/>
+            <a:endParaRPr lang="en-US" dirty="0"/>
+          </a:p>
+        </p:txBody>
+      </p:sp>
+      <p:sp>
+        <p:nvSpPr>
+          <p:cNvPr id="4" name="Date Placeholder 3"/>
           <p:cNvSpPr>
             <a:spLocks noGrp="1"/>
           </p:cNvSpPr>
@@ -589,9 +1241,9 @@
           <a:bodyPr/>
           <a:lstStyle/>
           <a:p>
-            <a:fld id="{4C5189D3-71F6-4B6B-B14B-B0870956A70A}" type="datetimeFigureOut">
-              <a:rPr lang="ru-RU" smtClean="0"/>
-              <a:t>20.04.2018</a:t>
+            <a:fld id="{96A5DF4A-BDB0-4A4F-8016-D636757619FD}" type="datetime1">
+              <a:rPr lang="ru-RU" smtClean="0"/>
+              <a:t>27.04.2018</a:t>
             </a:fld>
             <a:endParaRPr lang="ru-RU"/>
           </a:p>
@@ -599,7 +1251,7 @@
       </p:sp>
       <p:sp>
         <p:nvSpPr>
-          <p:cNvPr id="5" name="Нижний колонтитул 4"/>
+          <p:cNvPr id="5" name="Footer Placeholder 4"/>
           <p:cNvSpPr>
             <a:spLocks noGrp="1"/>
           </p:cNvSpPr>
@@ -618,7 +1270,7 @@
       </p:sp>
       <p:sp>
         <p:nvSpPr>
-          <p:cNvPr id="6" name="Номер слайда 5"/>
+          <p:cNvPr id="6" name="Slide Number Placeholder 5"/>
           <p:cNvSpPr>
             <a:spLocks noGrp="1"/>
           </p:cNvSpPr>
@@ -642,7 +1294,7 @@
     </p:spTree>
     <p:extLst>
       <p:ext uri="{BB962C8B-B14F-4D97-AF65-F5344CB8AC3E}">
-        <p14:creationId xmlns:p14="http://schemas.microsoft.com/office/powerpoint/2010/main" val="2397305919"/>
+        <p14:creationId xmlns:p14="http://schemas.microsoft.com/office/powerpoint/2010/main" val="3372788360"/>
       </p:ext>
     </p:extLst>
   </p:cSld>
@@ -671,7 +1323,7 @@
       </p:grpSpPr>
       <p:sp>
         <p:nvSpPr>
-          <p:cNvPr id="2" name="Заголовок 1"/>
+          <p:cNvPr id="2" name="Title 1"/>
           <p:cNvSpPr>
             <a:spLocks noGrp="1"/>
           </p:cNvSpPr>
@@ -682,19 +1334,23 @@
         <p:spPr/>
         <p:txBody>
           <a:bodyPr/>
-          <a:lstStyle/>
+          <a:lstStyle>
+            <a:lvl1pPr marL="0">
+              <a:defRPr/>
+            </a:lvl1pPr>
+          </a:lstStyle>
           <a:p>
             <a:r>
               <a:rPr lang="ru-RU" smtClean="0"/>
               <a:t>Образец заголовка</a:t>
             </a:r>
-            <a:endParaRPr lang="ru-RU"/>
-          </a:p>
-        </p:txBody>
-      </p:sp>
-      <p:sp>
-        <p:nvSpPr>
-          <p:cNvPr id="3" name="Объект 2"/>
+            <a:endParaRPr lang="en-US" dirty="0"/>
+          </a:p>
+        </p:txBody>
+      </p:sp>
+      <p:sp>
+        <p:nvSpPr>
+          <p:cNvPr id="3" name="Content Placeholder 2"/>
           <p:cNvSpPr>
             <a:spLocks noGrp="1"/>
           </p:cNvSpPr>
@@ -740,13 +1396,13 @@
               <a:rPr lang="ru-RU" smtClean="0"/>
               <a:t>Пятый уровень</a:t>
             </a:r>
-            <a:endParaRPr lang="ru-RU"/>
-          </a:p>
-        </p:txBody>
-      </p:sp>
-      <p:sp>
-        <p:nvSpPr>
-          <p:cNvPr id="4" name="Дата 3"/>
+            <a:endParaRPr lang="en-US" dirty="0"/>
+          </a:p>
+        </p:txBody>
+      </p:sp>
+      <p:sp>
+        <p:nvSpPr>
+          <p:cNvPr id="4" name="Date Placeholder 3"/>
           <p:cNvSpPr>
             <a:spLocks noGrp="1"/>
           </p:cNvSpPr>
@@ -759,9 +1415,9 @@
           <a:bodyPr/>
           <a:lstStyle/>
           <a:p>
-            <a:fld id="{4C5189D3-71F6-4B6B-B14B-B0870956A70A}" type="datetimeFigureOut">
-              <a:rPr lang="ru-RU" smtClean="0"/>
-              <a:t>20.04.2018</a:t>
+            <a:fld id="{FE59C463-7644-4BCC-9DCC-EC8C567A0F36}" type="datetime1">
+              <a:rPr lang="ru-RU" smtClean="0"/>
+              <a:t>27.04.2018</a:t>
             </a:fld>
             <a:endParaRPr lang="ru-RU"/>
           </a:p>
@@ -769,7 +1425,7 @@
       </p:sp>
       <p:sp>
         <p:nvSpPr>
-          <p:cNvPr id="5" name="Нижний колонтитул 4"/>
+          <p:cNvPr id="5" name="Footer Placeholder 4"/>
           <p:cNvSpPr>
             <a:spLocks noGrp="1"/>
           </p:cNvSpPr>
@@ -788,7 +1444,7 @@
       </p:sp>
       <p:sp>
         <p:nvSpPr>
-          <p:cNvPr id="6" name="Номер слайда 5"/>
+          <p:cNvPr id="6" name="Slide Number Placeholder 5"/>
           <p:cNvSpPr>
             <a:spLocks noGrp="1"/>
           </p:cNvSpPr>
@@ -812,7 +1468,7 @@
     </p:spTree>
     <p:extLst>
       <p:ext uri="{BB962C8B-B14F-4D97-AF65-F5344CB8AC3E}">
-        <p14:creationId xmlns:p14="http://schemas.microsoft.com/office/powerpoint/2010/main" val="2404811663"/>
+        <p14:creationId xmlns:p14="http://schemas.microsoft.com/office/powerpoint/2010/main" val="3513641291"/>
       </p:ext>
     </p:extLst>
   </p:cSld>
@@ -823,8 +1479,16 @@
 </file>
 
 <file path=ppt/slideLayouts/slideLayout3.xml><?xml version="1.0" encoding="utf-8"?>
-<p:sldLayout xmlns:a="http://schemas.openxmlformats.org/drawingml/2006/main" xmlns:r="http://schemas.openxmlformats.org/officeDocument/2006/relationships" xmlns:p="http://schemas.openxmlformats.org/presentationml/2006/main" type="secHead" preserve="1">
+<p:sldLayout xmlns:a="http://schemas.openxmlformats.org/drawingml/2006/main" xmlns:r="http://schemas.openxmlformats.org/officeDocument/2006/relationships" xmlns:p="http://schemas.openxmlformats.org/presentationml/2006/main" showMasterSp="0" type="secHead" preserve="1">
   <p:cSld name="Заголовок раздела">
+    <p:bg>
+      <p:bgPr>
+        <a:solidFill>
+          <a:schemeClr val="bg1"/>
+        </a:solidFill>
+        <a:effectLst/>
+      </p:bgPr>
+    </p:bg>
     <p:spTree>
       <p:nvGrpSpPr>
         <p:cNvPr id="1" name=""/>
@@ -841,7 +1505,83 @@
       </p:grpSpPr>
       <p:sp>
         <p:nvSpPr>
-          <p:cNvPr id="2" name="Заголовок 1"/>
+          <p:cNvPr id="7" name="Rectangle 6"/>
+          <p:cNvSpPr/>
+          <p:nvPr/>
+        </p:nvSpPr>
+        <p:spPr>
+          <a:xfrm>
+            <a:off x="3175" y="6400800"/>
+            <a:ext cx="12188825" cy="457200"/>
+          </a:xfrm>
+          <a:prstGeom prst="rect">
+            <a:avLst/>
+          </a:prstGeom>
+          <a:solidFill>
+            <a:schemeClr val="accent2"/>
+          </a:solidFill>
+          <a:ln>
+            <a:noFill/>
+          </a:ln>
+        </p:spPr>
+        <p:style>
+          <a:lnRef idx="2">
+            <a:schemeClr val="accent1">
+              <a:shade val="50000"/>
+            </a:schemeClr>
+          </a:lnRef>
+          <a:fillRef idx="1">
+            <a:schemeClr val="accent1"/>
+          </a:fillRef>
+          <a:effectRef idx="0">
+            <a:schemeClr val="accent1"/>
+          </a:effectRef>
+          <a:fontRef idx="minor">
+            <a:schemeClr val="lt1"/>
+          </a:fontRef>
+        </p:style>
+      </p:sp>
+      <p:sp>
+        <p:nvSpPr>
+          <p:cNvPr id="8" name="Rectangle 7"/>
+          <p:cNvSpPr/>
+          <p:nvPr/>
+        </p:nvSpPr>
+        <p:spPr>
+          <a:xfrm>
+            <a:off x="15" y="6334316"/>
+            <a:ext cx="12188825" cy="64008"/>
+          </a:xfrm>
+          <a:prstGeom prst="rect">
+            <a:avLst/>
+          </a:prstGeom>
+          <a:solidFill>
+            <a:schemeClr val="accent1"/>
+          </a:solidFill>
+          <a:ln>
+            <a:noFill/>
+          </a:ln>
+        </p:spPr>
+        <p:style>
+          <a:lnRef idx="2">
+            <a:schemeClr val="accent1">
+              <a:shade val="50000"/>
+            </a:schemeClr>
+          </a:lnRef>
+          <a:fillRef idx="1">
+            <a:schemeClr val="accent1"/>
+          </a:fillRef>
+          <a:effectRef idx="0">
+            <a:schemeClr val="accent1"/>
+          </a:effectRef>
+          <a:fontRef idx="minor">
+            <a:schemeClr val="lt1"/>
+          </a:fontRef>
+        </p:style>
+      </p:sp>
+      <p:sp>
+        <p:nvSpPr>
+          <p:cNvPr id="2" name="Title 1"/>
           <p:cNvSpPr>
             <a:spLocks noGrp="1"/>
           </p:cNvSpPr>
@@ -851,58 +1591,71 @@
         </p:nvSpPr>
         <p:spPr>
           <a:xfrm>
-            <a:off x="831850" y="1709738"/>
-            <a:ext cx="10515600" cy="2852737"/>
-          </a:xfrm>
-        </p:spPr>
-        <p:txBody>
-          <a:bodyPr anchor="b"/>
+            <a:off x="1097280" y="758952"/>
+            <a:ext cx="10058400" cy="3566160"/>
+          </a:xfrm>
+        </p:spPr>
+        <p:txBody>
+          <a:bodyPr anchor="b" anchorCtr="0">
+            <a:normAutofit/>
+          </a:bodyPr>
           <a:lstStyle>
             <a:lvl1pPr>
-              <a:defRPr sz="6000"/>
-            </a:lvl1pPr>
-          </a:lstStyle>
-          <a:p>
-            <a:r>
-              <a:rPr lang="ru-RU" smtClean="0"/>
-              <a:t>Образец заголовка</a:t>
-            </a:r>
-            <a:endParaRPr lang="ru-RU"/>
-          </a:p>
-        </p:txBody>
-      </p:sp>
-      <p:sp>
-        <p:nvSpPr>
-          <p:cNvPr id="3" name="Текст 2"/>
-          <p:cNvSpPr>
-            <a:spLocks noGrp="1"/>
-          </p:cNvSpPr>
-          <p:nvPr>
-            <p:ph type="body" idx="1"/>
-          </p:nvPr>
-        </p:nvSpPr>
-        <p:spPr>
-          <a:xfrm>
-            <a:off x="831850" y="4589463"/>
-            <a:ext cx="10515600" cy="1500187"/>
-          </a:xfrm>
-        </p:spPr>
-        <p:txBody>
-          <a:bodyPr/>
-          <a:lstStyle>
-            <a:lvl1pPr marL="0" indent="0">
-              <a:buNone/>
-              <a:defRPr sz="2400">
+              <a:lnSpc>
+                <a:spcPct val="85000"/>
+              </a:lnSpc>
+              <a:defRPr sz="8000" b="0">
                 <a:solidFill>
                   <a:schemeClr val="tx1">
-                    <a:tint val="75000"/>
+                    <a:lumMod val="85000"/>
+                    <a:lumOff val="15000"/>
                   </a:schemeClr>
                 </a:solidFill>
               </a:defRPr>
             </a:lvl1pPr>
+          </a:lstStyle>
+          <a:p>
+            <a:r>
+              <a:rPr lang="ru-RU" smtClean="0"/>
+              <a:t>Образец заголовка</a:t>
+            </a:r>
+            <a:endParaRPr lang="en-US" dirty="0"/>
+          </a:p>
+        </p:txBody>
+      </p:sp>
+      <p:sp>
+        <p:nvSpPr>
+          <p:cNvPr id="3" name="Text Placeholder 2"/>
+          <p:cNvSpPr>
+            <a:spLocks noGrp="1"/>
+          </p:cNvSpPr>
+          <p:nvPr>
+            <p:ph type="body" idx="1"/>
+          </p:nvPr>
+        </p:nvSpPr>
+        <p:spPr>
+          <a:xfrm>
+            <a:off x="1097280" y="4453128"/>
+            <a:ext cx="10058400" cy="1143000"/>
+          </a:xfrm>
+        </p:spPr>
+        <p:txBody>
+          <a:bodyPr lIns="91440" rIns="91440" anchor="t" anchorCtr="0">
+            <a:normAutofit/>
+          </a:bodyPr>
+          <a:lstStyle>
+            <a:lvl1pPr marL="0" indent="0">
+              <a:buNone/>
+              <a:defRPr sz="2400" cap="all" spc="200" baseline="0">
+                <a:solidFill>
+                  <a:schemeClr val="tx2"/>
+                </a:solidFill>
+                <a:latin typeface="+mj-lt"/>
+              </a:defRPr>
+            </a:lvl1pPr>
             <a:lvl2pPr marL="457200" indent="0">
               <a:buNone/>
-              <a:defRPr sz="2000">
+              <a:defRPr sz="1800">
                 <a:solidFill>
                   <a:schemeClr val="tx1">
                     <a:tint val="75000"/>
@@ -912,7 +1665,7 @@
             </a:lvl2pPr>
             <a:lvl3pPr marL="914400" indent="0">
               <a:buNone/>
-              <a:defRPr sz="1800">
+              <a:defRPr sz="1600">
                 <a:solidFill>
                   <a:schemeClr val="tx1">
                     <a:tint val="75000"/>
@@ -922,7 +1675,7 @@
             </a:lvl3pPr>
             <a:lvl4pPr marL="1371600" indent="0">
               <a:buNone/>
-              <a:defRPr sz="1600">
+              <a:defRPr sz="1400">
                 <a:solidFill>
                   <a:schemeClr val="tx1">
                     <a:tint val="75000"/>
@@ -932,7 +1685,7 @@
             </a:lvl4pPr>
             <a:lvl5pPr marL="1828800" indent="0">
               <a:buNone/>
-              <a:defRPr sz="1600">
+              <a:defRPr sz="1400">
                 <a:solidFill>
                   <a:schemeClr val="tx1">
                     <a:tint val="75000"/>
@@ -942,7 +1695,7 @@
             </a:lvl5pPr>
             <a:lvl6pPr marL="2286000" indent="0">
               <a:buNone/>
-              <a:defRPr sz="1600">
+              <a:defRPr sz="1400">
                 <a:solidFill>
                   <a:schemeClr val="tx1">
                     <a:tint val="75000"/>
@@ -952,7 +1705,7 @@
             </a:lvl6pPr>
             <a:lvl7pPr marL="2743200" indent="0">
               <a:buNone/>
-              <a:defRPr sz="1600">
+              <a:defRPr sz="1400">
                 <a:solidFill>
                   <a:schemeClr val="tx1">
                     <a:tint val="75000"/>
@@ -962,7 +1715,7 @@
             </a:lvl7pPr>
             <a:lvl8pPr marL="3200400" indent="0">
               <a:buNone/>
-              <a:defRPr sz="1600">
+              <a:defRPr sz="1400">
                 <a:solidFill>
                   <a:schemeClr val="tx1">
                     <a:tint val="75000"/>
@@ -972,7 +1725,7 @@
             </a:lvl8pPr>
             <a:lvl9pPr marL="3657600" indent="0">
               <a:buNone/>
-              <a:defRPr sz="1600">
+              <a:defRPr sz="1400">
                 <a:solidFill>
                   <a:schemeClr val="tx1">
                     <a:tint val="75000"/>
@@ -992,7 +1745,7 @@
       </p:sp>
       <p:sp>
         <p:nvSpPr>
-          <p:cNvPr id="4" name="Дата 3"/>
+          <p:cNvPr id="4" name="Date Placeholder 3"/>
           <p:cNvSpPr>
             <a:spLocks noGrp="1"/>
           </p:cNvSpPr>
@@ -1005,9 +1758,9 @@
           <a:bodyPr/>
           <a:lstStyle/>
           <a:p>
-            <a:fld id="{4C5189D3-71F6-4B6B-B14B-B0870956A70A}" type="datetimeFigureOut">
-              <a:rPr lang="ru-RU" smtClean="0"/>
-              <a:t>20.04.2018</a:t>
+            <a:fld id="{6D1229F1-4B30-47BD-8CCF-94D6BFC7AE8E}" type="datetime1">
+              <a:rPr lang="ru-RU" smtClean="0"/>
+              <a:t>27.04.2018</a:t>
             </a:fld>
             <a:endParaRPr lang="ru-RU"/>
           </a:p>
@@ -1015,7 +1768,7 @@
       </p:sp>
       <p:sp>
         <p:nvSpPr>
-          <p:cNvPr id="5" name="Нижний колонтитул 4"/>
+          <p:cNvPr id="5" name="Footer Placeholder 4"/>
           <p:cNvSpPr>
             <a:spLocks noGrp="1"/>
           </p:cNvSpPr>
@@ -1034,7 +1787,7 @@
       </p:sp>
       <p:sp>
         <p:nvSpPr>
-          <p:cNvPr id="6" name="Номер слайда 5"/>
+          <p:cNvPr id="6" name="Slide Number Placeholder 5"/>
           <p:cNvSpPr>
             <a:spLocks noGrp="1"/>
           </p:cNvSpPr>
@@ -1055,10 +1808,48 @@
           </a:p>
         </p:txBody>
       </p:sp>
+      <p:cxnSp>
+        <p:nvCxnSpPr>
+          <p:cNvPr id="9" name="Straight Connector 8"/>
+          <p:cNvCxnSpPr/>
+          <p:nvPr/>
+        </p:nvCxnSpPr>
+        <p:spPr>
+          <a:xfrm>
+            <a:off x="1207658" y="4343400"/>
+            <a:ext cx="9875520" cy="0"/>
+          </a:xfrm>
+          <a:prstGeom prst="line">
+            <a:avLst/>
+          </a:prstGeom>
+          <a:ln w="6350">
+            <a:solidFill>
+              <a:schemeClr val="tx1">
+                <a:lumMod val="50000"/>
+                <a:lumOff val="50000"/>
+              </a:schemeClr>
+            </a:solidFill>
+          </a:ln>
+        </p:spPr>
+        <p:style>
+          <a:lnRef idx="1">
+            <a:schemeClr val="accent1"/>
+          </a:lnRef>
+          <a:fillRef idx="0">
+            <a:schemeClr val="accent1"/>
+          </a:fillRef>
+          <a:effectRef idx="0">
+            <a:schemeClr val="accent1"/>
+          </a:effectRef>
+          <a:fontRef idx="minor">
+            <a:schemeClr val="tx1"/>
+          </a:fontRef>
+        </p:style>
+      </p:cxnSp>
     </p:spTree>
     <p:extLst>
       <p:ext uri="{BB962C8B-B14F-4D97-AF65-F5344CB8AC3E}">
-        <p14:creationId xmlns:p14="http://schemas.microsoft.com/office/powerpoint/2010/main" val="541434969"/>
+        <p14:creationId xmlns:p14="http://schemas.microsoft.com/office/powerpoint/2010/main" val="178540044"/>
       </p:ext>
     </p:extLst>
   </p:cSld>
@@ -1087,7 +1878,7 @@
       </p:grpSpPr>
       <p:sp>
         <p:nvSpPr>
-          <p:cNvPr id="2" name="Заголовок 1"/>
+          <p:cNvPr id="8" name="Title 7"/>
           <p:cNvSpPr>
             <a:spLocks noGrp="1"/>
           </p:cNvSpPr>
@@ -1095,151 +1886,156 @@
             <p:ph type="title"/>
           </p:nvPr>
         </p:nvSpPr>
+        <p:spPr>
+          <a:xfrm>
+            <a:off x="1097280" y="286603"/>
+            <a:ext cx="10058400" cy="1450757"/>
+          </a:xfrm>
+        </p:spPr>
+        <p:txBody>
+          <a:bodyPr/>
+          <a:lstStyle/>
+          <a:p>
+            <a:r>
+              <a:rPr lang="ru-RU" smtClean="0"/>
+              <a:t>Образец заголовка</a:t>
+            </a:r>
+            <a:endParaRPr lang="en-US" dirty="0"/>
+          </a:p>
+        </p:txBody>
+      </p:sp>
+      <p:sp>
+        <p:nvSpPr>
+          <p:cNvPr id="3" name="Content Placeholder 2"/>
+          <p:cNvSpPr>
+            <a:spLocks noGrp="1"/>
+          </p:cNvSpPr>
+          <p:nvPr>
+            <p:ph sz="half" idx="1"/>
+          </p:nvPr>
+        </p:nvSpPr>
+        <p:spPr>
+          <a:xfrm>
+            <a:off x="1097279" y="1845734"/>
+            <a:ext cx="4937760" cy="4023360"/>
+          </a:xfrm>
+        </p:spPr>
+        <p:txBody>
+          <a:bodyPr/>
+          <a:lstStyle/>
+          <a:p>
+            <a:pPr lvl="0"/>
+            <a:r>
+              <a:rPr lang="ru-RU" smtClean="0"/>
+              <a:t>Образец текста</a:t>
+            </a:r>
+          </a:p>
+          <a:p>
+            <a:pPr lvl="1"/>
+            <a:r>
+              <a:rPr lang="ru-RU" smtClean="0"/>
+              <a:t>Второй уровень</a:t>
+            </a:r>
+          </a:p>
+          <a:p>
+            <a:pPr lvl="2"/>
+            <a:r>
+              <a:rPr lang="ru-RU" smtClean="0"/>
+              <a:t>Третий уровень</a:t>
+            </a:r>
+          </a:p>
+          <a:p>
+            <a:pPr lvl="3"/>
+            <a:r>
+              <a:rPr lang="ru-RU" smtClean="0"/>
+              <a:t>Четвертый уровень</a:t>
+            </a:r>
+          </a:p>
+          <a:p>
+            <a:pPr lvl="4"/>
+            <a:r>
+              <a:rPr lang="ru-RU" smtClean="0"/>
+              <a:t>Пятый уровень</a:t>
+            </a:r>
+            <a:endParaRPr lang="en-US" dirty="0"/>
+          </a:p>
+        </p:txBody>
+      </p:sp>
+      <p:sp>
+        <p:nvSpPr>
+          <p:cNvPr id="4" name="Content Placeholder 3"/>
+          <p:cNvSpPr>
+            <a:spLocks noGrp="1"/>
+          </p:cNvSpPr>
+          <p:nvPr>
+            <p:ph sz="half" idx="2"/>
+          </p:nvPr>
+        </p:nvSpPr>
+        <p:spPr>
+          <a:xfrm>
+            <a:off x="6217920" y="1845735"/>
+            <a:ext cx="4937760" cy="4023360"/>
+          </a:xfrm>
+        </p:spPr>
+        <p:txBody>
+          <a:bodyPr/>
+          <a:lstStyle/>
+          <a:p>
+            <a:pPr lvl="0"/>
+            <a:r>
+              <a:rPr lang="ru-RU" smtClean="0"/>
+              <a:t>Образец текста</a:t>
+            </a:r>
+          </a:p>
+          <a:p>
+            <a:pPr lvl="1"/>
+            <a:r>
+              <a:rPr lang="ru-RU" smtClean="0"/>
+              <a:t>Второй уровень</a:t>
+            </a:r>
+          </a:p>
+          <a:p>
+            <a:pPr lvl="2"/>
+            <a:r>
+              <a:rPr lang="ru-RU" smtClean="0"/>
+              <a:t>Третий уровень</a:t>
+            </a:r>
+          </a:p>
+          <a:p>
+            <a:pPr lvl="3"/>
+            <a:r>
+              <a:rPr lang="ru-RU" smtClean="0"/>
+              <a:t>Четвертый уровень</a:t>
+            </a:r>
+          </a:p>
+          <a:p>
+            <a:pPr lvl="4"/>
+            <a:r>
+              <a:rPr lang="ru-RU" smtClean="0"/>
+              <a:t>Пятый уровень</a:t>
+            </a:r>
+            <a:endParaRPr lang="en-US" dirty="0"/>
+          </a:p>
+        </p:txBody>
+      </p:sp>
+      <p:sp>
+        <p:nvSpPr>
+          <p:cNvPr id="5" name="Date Placeholder 4"/>
+          <p:cNvSpPr>
+            <a:spLocks noGrp="1"/>
+          </p:cNvSpPr>
+          <p:nvPr>
+            <p:ph type="dt" sz="half" idx="10"/>
+          </p:nvPr>
+        </p:nvSpPr>
         <p:spPr/>
         <p:txBody>
           <a:bodyPr/>
           <a:lstStyle/>
           <a:p>
-            <a:r>
-              <a:rPr lang="ru-RU" smtClean="0"/>
-              <a:t>Образец заголовка</a:t>
-            </a:r>
-            <a:endParaRPr lang="ru-RU"/>
-          </a:p>
-        </p:txBody>
-      </p:sp>
-      <p:sp>
-        <p:nvSpPr>
-          <p:cNvPr id="3" name="Объект 2"/>
-          <p:cNvSpPr>
-            <a:spLocks noGrp="1"/>
-          </p:cNvSpPr>
-          <p:nvPr>
-            <p:ph sz="half" idx="1"/>
-          </p:nvPr>
-        </p:nvSpPr>
-        <p:spPr>
-          <a:xfrm>
-            <a:off x="838200" y="1825625"/>
-            <a:ext cx="5181600" cy="4351338"/>
-          </a:xfrm>
-        </p:spPr>
-        <p:txBody>
-          <a:bodyPr/>
-          <a:lstStyle/>
-          <a:p>
-            <a:pPr lvl="0"/>
-            <a:r>
-              <a:rPr lang="ru-RU" smtClean="0"/>
-              <a:t>Образец текста</a:t>
-            </a:r>
-          </a:p>
-          <a:p>
-            <a:pPr lvl="1"/>
-            <a:r>
-              <a:rPr lang="ru-RU" smtClean="0"/>
-              <a:t>Второй уровень</a:t>
-            </a:r>
-          </a:p>
-          <a:p>
-            <a:pPr lvl="2"/>
-            <a:r>
-              <a:rPr lang="ru-RU" smtClean="0"/>
-              <a:t>Третий уровень</a:t>
-            </a:r>
-          </a:p>
-          <a:p>
-            <a:pPr lvl="3"/>
-            <a:r>
-              <a:rPr lang="ru-RU" smtClean="0"/>
-              <a:t>Четвертый уровень</a:t>
-            </a:r>
-          </a:p>
-          <a:p>
-            <a:pPr lvl="4"/>
-            <a:r>
-              <a:rPr lang="ru-RU" smtClean="0"/>
-              <a:t>Пятый уровень</a:t>
-            </a:r>
-            <a:endParaRPr lang="ru-RU"/>
-          </a:p>
-        </p:txBody>
-      </p:sp>
-      <p:sp>
-        <p:nvSpPr>
-          <p:cNvPr id="4" name="Объект 3"/>
-          <p:cNvSpPr>
-            <a:spLocks noGrp="1"/>
-          </p:cNvSpPr>
-          <p:nvPr>
-            <p:ph sz="half" idx="2"/>
-          </p:nvPr>
-        </p:nvSpPr>
-        <p:spPr>
-          <a:xfrm>
-            <a:off x="6172200" y="1825625"/>
-            <a:ext cx="5181600" cy="4351338"/>
-          </a:xfrm>
-        </p:spPr>
-        <p:txBody>
-          <a:bodyPr/>
-          <a:lstStyle/>
-          <a:p>
-            <a:pPr lvl="0"/>
-            <a:r>
-              <a:rPr lang="ru-RU" smtClean="0"/>
-              <a:t>Образец текста</a:t>
-            </a:r>
-          </a:p>
-          <a:p>
-            <a:pPr lvl="1"/>
-            <a:r>
-              <a:rPr lang="ru-RU" smtClean="0"/>
-              <a:t>Второй уровень</a:t>
-            </a:r>
-          </a:p>
-          <a:p>
-            <a:pPr lvl="2"/>
-            <a:r>
-              <a:rPr lang="ru-RU" smtClean="0"/>
-              <a:t>Третий уровень</a:t>
-            </a:r>
-          </a:p>
-          <a:p>
-            <a:pPr lvl="3"/>
-            <a:r>
-              <a:rPr lang="ru-RU" smtClean="0"/>
-              <a:t>Четвертый уровень</a:t>
-            </a:r>
-          </a:p>
-          <a:p>
-            <a:pPr lvl="4"/>
-            <a:r>
-              <a:rPr lang="ru-RU" smtClean="0"/>
-              <a:t>Пятый уровень</a:t>
-            </a:r>
-            <a:endParaRPr lang="ru-RU"/>
-          </a:p>
-        </p:txBody>
-      </p:sp>
-      <p:sp>
-        <p:nvSpPr>
-          <p:cNvPr id="5" name="Дата 4"/>
-          <p:cNvSpPr>
-            <a:spLocks noGrp="1"/>
-          </p:cNvSpPr>
-          <p:nvPr>
-            <p:ph type="dt" sz="half" idx="10"/>
-          </p:nvPr>
-        </p:nvSpPr>
-        <p:spPr/>
-        <p:txBody>
-          <a:bodyPr/>
-          <a:lstStyle/>
-          <a:p>
-            <a:fld id="{4C5189D3-71F6-4B6B-B14B-B0870956A70A}" type="datetimeFigureOut">
-              <a:rPr lang="ru-RU" smtClean="0"/>
-              <a:t>20.04.2018</a:t>
+            <a:fld id="{7D3E3913-5AFD-44C6-8B4C-158E5793D2A4}" type="datetime1">
+              <a:rPr lang="ru-RU" smtClean="0"/>
+              <a:t>27.04.2018</a:t>
             </a:fld>
             <a:endParaRPr lang="ru-RU"/>
           </a:p>
@@ -1247,7 +2043,7 @@
       </p:sp>
       <p:sp>
         <p:nvSpPr>
-          <p:cNvPr id="6" name="Нижний колонтитул 5"/>
+          <p:cNvPr id="6" name="Footer Placeholder 5"/>
           <p:cNvSpPr>
             <a:spLocks noGrp="1"/>
           </p:cNvSpPr>
@@ -1266,7 +2062,7 @@
       </p:sp>
       <p:sp>
         <p:nvSpPr>
-          <p:cNvPr id="7" name="Номер слайда 6"/>
+          <p:cNvPr id="7" name="Slide Number Placeholder 6"/>
           <p:cNvSpPr>
             <a:spLocks noGrp="1"/>
           </p:cNvSpPr>
@@ -1290,7 +2086,7 @@
     </p:spTree>
     <p:extLst>
       <p:ext uri="{BB962C8B-B14F-4D97-AF65-F5344CB8AC3E}">
-        <p14:creationId xmlns:p14="http://schemas.microsoft.com/office/powerpoint/2010/main" val="365838407"/>
+        <p14:creationId xmlns:p14="http://schemas.microsoft.com/office/powerpoint/2010/main" val="51427186"/>
       </p:ext>
     </p:extLst>
   </p:cSld>
@@ -1319,7 +2115,7 @@
       </p:grpSpPr>
       <p:sp>
         <p:nvSpPr>
-          <p:cNvPr id="2" name="Заголовок 1"/>
+          <p:cNvPr id="10" name="Title 9"/>
           <p:cNvSpPr>
             <a:spLocks noGrp="1"/>
           </p:cNvSpPr>
@@ -1329,8 +2125,8 @@
         </p:nvSpPr>
         <p:spPr>
           <a:xfrm>
-            <a:off x="839788" y="365125"/>
-            <a:ext cx="10515600" cy="1325563"/>
+            <a:off x="1097280" y="286603"/>
+            <a:ext cx="10058400" cy="1450757"/>
           </a:xfrm>
         </p:spPr>
         <p:txBody>
@@ -1341,13 +2137,13 @@
               <a:rPr lang="ru-RU" smtClean="0"/>
               <a:t>Образец заголовка</a:t>
             </a:r>
-            <a:endParaRPr lang="ru-RU"/>
-          </a:p>
-        </p:txBody>
-      </p:sp>
-      <p:sp>
-        <p:nvSpPr>
-          <p:cNvPr id="3" name="Текст 2"/>
+            <a:endParaRPr lang="en-US" dirty="0"/>
+          </a:p>
+        </p:txBody>
+      </p:sp>
+      <p:sp>
+        <p:nvSpPr>
+          <p:cNvPr id="3" name="Text Placeholder 2"/>
           <p:cNvSpPr>
             <a:spLocks noGrp="1"/>
           </p:cNvSpPr>
@@ -1357,16 +2153,22 @@
         </p:nvSpPr>
         <p:spPr>
           <a:xfrm>
-            <a:off x="839788" y="1681163"/>
-            <a:ext cx="5157787" cy="823912"/>
-          </a:xfrm>
-        </p:spPr>
-        <p:txBody>
-          <a:bodyPr anchor="b"/>
+            <a:off x="1097280" y="1846052"/>
+            <a:ext cx="4937760" cy="736282"/>
+          </a:xfrm>
+        </p:spPr>
+        <p:txBody>
+          <a:bodyPr lIns="91440" rIns="91440" anchor="ctr">
+            <a:normAutofit/>
+          </a:bodyPr>
           <a:lstStyle>
             <a:lvl1pPr marL="0" indent="0">
               <a:buNone/>
-              <a:defRPr sz="2400" b="1"/>
+              <a:defRPr sz="2000" b="0" cap="all" baseline="0">
+                <a:solidFill>
+                  <a:schemeClr val="tx2"/>
+                </a:solidFill>
+              </a:defRPr>
             </a:lvl1pPr>
             <a:lvl2pPr marL="457200" indent="0">
               <a:buNone/>
@@ -1412,7 +2214,7 @@
       </p:sp>
       <p:sp>
         <p:nvSpPr>
-          <p:cNvPr id="4" name="Объект 3"/>
+          <p:cNvPr id="4" name="Content Placeholder 3"/>
           <p:cNvSpPr>
             <a:spLocks noGrp="1"/>
           </p:cNvSpPr>
@@ -1422,8 +2224,8 @@
         </p:nvSpPr>
         <p:spPr>
           <a:xfrm>
-            <a:off x="839788" y="2505075"/>
-            <a:ext cx="5157787" cy="3684588"/>
+            <a:off x="1097280" y="2582334"/>
+            <a:ext cx="4937760" cy="3378200"/>
           </a:xfrm>
         </p:spPr>
         <p:txBody>
@@ -1463,13 +2265,13 @@
               <a:rPr lang="ru-RU" smtClean="0"/>
               <a:t>Пятый уровень</a:t>
             </a:r>
-            <a:endParaRPr lang="ru-RU"/>
-          </a:p>
-        </p:txBody>
-      </p:sp>
-      <p:sp>
-        <p:nvSpPr>
-          <p:cNvPr id="5" name="Текст 4"/>
+            <a:endParaRPr lang="en-US" dirty="0"/>
+          </a:p>
+        </p:txBody>
+      </p:sp>
+      <p:sp>
+        <p:nvSpPr>
+          <p:cNvPr id="5" name="Text Placeholder 4"/>
           <p:cNvSpPr>
             <a:spLocks noGrp="1"/>
           </p:cNvSpPr>
@@ -1479,16 +2281,22 @@
         </p:nvSpPr>
         <p:spPr>
           <a:xfrm>
-            <a:off x="6172200" y="1681163"/>
-            <a:ext cx="5183188" cy="823912"/>
-          </a:xfrm>
-        </p:spPr>
-        <p:txBody>
-          <a:bodyPr anchor="b"/>
+            <a:off x="6217920" y="1846052"/>
+            <a:ext cx="4937760" cy="736282"/>
+          </a:xfrm>
+        </p:spPr>
+        <p:txBody>
+          <a:bodyPr lIns="91440" rIns="91440" anchor="ctr">
+            <a:normAutofit/>
+          </a:bodyPr>
           <a:lstStyle>
             <a:lvl1pPr marL="0" indent="0">
               <a:buNone/>
-              <a:defRPr sz="2400" b="1"/>
+              <a:defRPr sz="2000" b="0" cap="all" baseline="0">
+                <a:solidFill>
+                  <a:schemeClr val="tx2"/>
+                </a:solidFill>
+              </a:defRPr>
             </a:lvl1pPr>
             <a:lvl2pPr marL="457200" indent="0">
               <a:buNone/>
@@ -1534,7 +2342,7 @@
       </p:sp>
       <p:sp>
         <p:nvSpPr>
-          <p:cNvPr id="6" name="Объект 5"/>
+          <p:cNvPr id="6" name="Content Placeholder 5"/>
           <p:cNvSpPr>
             <a:spLocks noGrp="1"/>
           </p:cNvSpPr>
@@ -1544,8 +2352,8 @@
         </p:nvSpPr>
         <p:spPr>
           <a:xfrm>
-            <a:off x="6172200" y="2505075"/>
-            <a:ext cx="5183188" cy="3684588"/>
+            <a:off x="6217920" y="2582334"/>
+            <a:ext cx="4937760" cy="3378200"/>
           </a:xfrm>
         </p:spPr>
         <p:txBody>
@@ -1585,13 +2393,13 @@
               <a:rPr lang="ru-RU" smtClean="0"/>
               <a:t>Пятый уровень</a:t>
             </a:r>
-            <a:endParaRPr lang="ru-RU"/>
-          </a:p>
-        </p:txBody>
-      </p:sp>
-      <p:sp>
-        <p:nvSpPr>
-          <p:cNvPr id="7" name="Дата 6"/>
+            <a:endParaRPr lang="en-US" dirty="0"/>
+          </a:p>
+        </p:txBody>
+      </p:sp>
+      <p:sp>
+        <p:nvSpPr>
+          <p:cNvPr id="7" name="Date Placeholder 6"/>
           <p:cNvSpPr>
             <a:spLocks noGrp="1"/>
           </p:cNvSpPr>
@@ -1604,9 +2412,9 @@
           <a:bodyPr/>
           <a:lstStyle/>
           <a:p>
-            <a:fld id="{4C5189D3-71F6-4B6B-B14B-B0870956A70A}" type="datetimeFigureOut">
-              <a:rPr lang="ru-RU" smtClean="0"/>
-              <a:t>20.04.2018</a:t>
+            <a:fld id="{AF6518BD-5A14-48F4-8C85-7EB83F6CA3F8}" type="datetime1">
+              <a:rPr lang="ru-RU" smtClean="0"/>
+              <a:t>27.04.2018</a:t>
             </a:fld>
             <a:endParaRPr lang="ru-RU"/>
           </a:p>
@@ -1614,7 +2422,7 @@
       </p:sp>
       <p:sp>
         <p:nvSpPr>
-          <p:cNvPr id="8" name="Нижний колонтитул 7"/>
+          <p:cNvPr id="8" name="Footer Placeholder 7"/>
           <p:cNvSpPr>
             <a:spLocks noGrp="1"/>
           </p:cNvSpPr>
@@ -1633,7 +2441,7 @@
       </p:sp>
       <p:sp>
         <p:nvSpPr>
-          <p:cNvPr id="9" name="Номер слайда 8"/>
+          <p:cNvPr id="9" name="Slide Number Placeholder 8"/>
           <p:cNvSpPr>
             <a:spLocks noGrp="1"/>
           </p:cNvSpPr>
@@ -1657,7 +2465,7 @@
     </p:spTree>
     <p:extLst>
       <p:ext uri="{BB962C8B-B14F-4D97-AF65-F5344CB8AC3E}">
-        <p14:creationId xmlns:p14="http://schemas.microsoft.com/office/powerpoint/2010/main" val="3899430246"/>
+        <p14:creationId xmlns:p14="http://schemas.microsoft.com/office/powerpoint/2010/main" val="1720854069"/>
       </p:ext>
     </p:extLst>
   </p:cSld>
@@ -1686,7 +2494,7 @@
       </p:grpSpPr>
       <p:sp>
         <p:nvSpPr>
-          <p:cNvPr id="2" name="Заголовок 1"/>
+          <p:cNvPr id="2" name="Title 1"/>
           <p:cNvSpPr>
             <a:spLocks noGrp="1"/>
           </p:cNvSpPr>
@@ -1703,13 +2511,13 @@
               <a:rPr lang="ru-RU" smtClean="0"/>
               <a:t>Образец заголовка</a:t>
             </a:r>
-            <a:endParaRPr lang="ru-RU"/>
-          </a:p>
-        </p:txBody>
-      </p:sp>
-      <p:sp>
-        <p:nvSpPr>
-          <p:cNvPr id="3" name="Дата 2"/>
+            <a:endParaRPr lang="en-US" dirty="0"/>
+          </a:p>
+        </p:txBody>
+      </p:sp>
+      <p:sp>
+        <p:nvSpPr>
+          <p:cNvPr id="3" name="Date Placeholder 2"/>
           <p:cNvSpPr>
             <a:spLocks noGrp="1"/>
           </p:cNvSpPr>
@@ -1722,9 +2530,9 @@
           <a:bodyPr/>
           <a:lstStyle/>
           <a:p>
-            <a:fld id="{4C5189D3-71F6-4B6B-B14B-B0870956A70A}" type="datetimeFigureOut">
-              <a:rPr lang="ru-RU" smtClean="0"/>
-              <a:t>20.04.2018</a:t>
+            <a:fld id="{2C7BE2EB-2075-4761-9D0C-5FF2BAC03B84}" type="datetime1">
+              <a:rPr lang="ru-RU" smtClean="0"/>
+              <a:t>27.04.2018</a:t>
             </a:fld>
             <a:endParaRPr lang="ru-RU"/>
           </a:p>
@@ -1732,7 +2540,7 @@
       </p:sp>
       <p:sp>
         <p:nvSpPr>
-          <p:cNvPr id="4" name="Нижний колонтитул 3"/>
+          <p:cNvPr id="4" name="Footer Placeholder 3"/>
           <p:cNvSpPr>
             <a:spLocks noGrp="1"/>
           </p:cNvSpPr>
@@ -1751,7 +2559,7 @@
       </p:sp>
       <p:sp>
         <p:nvSpPr>
-          <p:cNvPr id="5" name="Номер слайда 4"/>
+          <p:cNvPr id="5" name="Slide Number Placeholder 4"/>
           <p:cNvSpPr>
             <a:spLocks noGrp="1"/>
           </p:cNvSpPr>
@@ -1775,7 +2583,7 @@
     </p:spTree>
     <p:extLst>
       <p:ext uri="{BB962C8B-B14F-4D97-AF65-F5344CB8AC3E}">
-        <p14:creationId xmlns:p14="http://schemas.microsoft.com/office/powerpoint/2010/main" val="3310079863"/>
+        <p14:creationId xmlns:p14="http://schemas.microsoft.com/office/powerpoint/2010/main" val="2537462522"/>
       </p:ext>
     </p:extLst>
   </p:cSld>
@@ -1786,7 +2594,7 @@
 </file>
 
 <file path=ppt/slideLayouts/slideLayout7.xml><?xml version="1.0" encoding="utf-8"?>
-<p:sldLayout xmlns:a="http://schemas.openxmlformats.org/drawingml/2006/main" xmlns:r="http://schemas.openxmlformats.org/officeDocument/2006/relationships" xmlns:p="http://schemas.openxmlformats.org/presentationml/2006/main" type="blank" preserve="1">
+<p:sldLayout xmlns:a="http://schemas.openxmlformats.org/drawingml/2006/main" xmlns:r="http://schemas.openxmlformats.org/officeDocument/2006/relationships" xmlns:p="http://schemas.openxmlformats.org/presentationml/2006/main" showMasterSp="0" type="blank" preserve="1">
   <p:cSld name="Пустой слайд">
     <p:spTree>
       <p:nvGrpSpPr>
@@ -1804,7 +2612,83 @@
       </p:grpSpPr>
       <p:sp>
         <p:nvSpPr>
-          <p:cNvPr id="2" name="Дата 1"/>
+          <p:cNvPr id="5" name="Rectangle 4"/>
+          <p:cNvSpPr/>
+          <p:nvPr/>
+        </p:nvSpPr>
+        <p:spPr>
+          <a:xfrm>
+            <a:off x="3175" y="6400800"/>
+            <a:ext cx="12188825" cy="457200"/>
+          </a:xfrm>
+          <a:prstGeom prst="rect">
+            <a:avLst/>
+          </a:prstGeom>
+          <a:solidFill>
+            <a:schemeClr val="accent2"/>
+          </a:solidFill>
+          <a:ln>
+            <a:noFill/>
+          </a:ln>
+        </p:spPr>
+        <p:style>
+          <a:lnRef idx="2">
+            <a:schemeClr val="accent1">
+              <a:shade val="50000"/>
+            </a:schemeClr>
+          </a:lnRef>
+          <a:fillRef idx="1">
+            <a:schemeClr val="accent1"/>
+          </a:fillRef>
+          <a:effectRef idx="0">
+            <a:schemeClr val="accent1"/>
+          </a:effectRef>
+          <a:fontRef idx="minor">
+            <a:schemeClr val="lt1"/>
+          </a:fontRef>
+        </p:style>
+      </p:sp>
+      <p:sp>
+        <p:nvSpPr>
+          <p:cNvPr id="6" name="Rectangle 5"/>
+          <p:cNvSpPr/>
+          <p:nvPr/>
+        </p:nvSpPr>
+        <p:spPr>
+          <a:xfrm>
+            <a:off x="15" y="6334316"/>
+            <a:ext cx="12188825" cy="64008"/>
+          </a:xfrm>
+          <a:prstGeom prst="rect">
+            <a:avLst/>
+          </a:prstGeom>
+          <a:solidFill>
+            <a:schemeClr val="accent1"/>
+          </a:solidFill>
+          <a:ln>
+            <a:noFill/>
+          </a:ln>
+        </p:spPr>
+        <p:style>
+          <a:lnRef idx="2">
+            <a:schemeClr val="accent1">
+              <a:shade val="50000"/>
+            </a:schemeClr>
+          </a:lnRef>
+          <a:fillRef idx="1">
+            <a:schemeClr val="accent1"/>
+          </a:fillRef>
+          <a:effectRef idx="0">
+            <a:schemeClr val="accent1"/>
+          </a:effectRef>
+          <a:fontRef idx="minor">
+            <a:schemeClr val="lt1"/>
+          </a:fontRef>
+        </p:style>
+      </p:sp>
+      <p:sp>
+        <p:nvSpPr>
+          <p:cNvPr id="7" name="Date Placeholder 6"/>
           <p:cNvSpPr>
             <a:spLocks noGrp="1"/>
           </p:cNvSpPr>
@@ -1817,9 +2701,9 @@
           <a:bodyPr/>
           <a:lstStyle/>
           <a:p>
-            <a:fld id="{4C5189D3-71F6-4B6B-B14B-B0870956A70A}" type="datetimeFigureOut">
-              <a:rPr lang="ru-RU" smtClean="0"/>
-              <a:t>20.04.2018</a:t>
+            <a:fld id="{C5FED122-B1B9-4197-AD73-80AAB00358F0}" type="datetime1">
+              <a:rPr lang="ru-RU" smtClean="0"/>
+              <a:t>27.04.2018</a:t>
             </a:fld>
             <a:endParaRPr lang="ru-RU"/>
           </a:p>
@@ -1827,7 +2711,7 @@
       </p:sp>
       <p:sp>
         <p:nvSpPr>
-          <p:cNvPr id="3" name="Нижний колонтитул 2"/>
+          <p:cNvPr id="8" name="Footer Placeholder 7"/>
           <p:cNvSpPr>
             <a:spLocks noGrp="1"/>
           </p:cNvSpPr>
@@ -1838,7 +2722,15 @@
         <p:spPr/>
         <p:txBody>
           <a:bodyPr/>
-          <a:lstStyle/>
+          <a:lstStyle>
+            <a:lvl1pPr>
+              <a:defRPr>
+                <a:solidFill>
+                  <a:srgbClr val="FFFFFF"/>
+                </a:solidFill>
+              </a:defRPr>
+            </a:lvl1pPr>
+          </a:lstStyle>
           <a:p>
             <a:endParaRPr lang="ru-RU"/>
           </a:p>
@@ -1846,7 +2738,7 @@
       </p:sp>
       <p:sp>
         <p:nvSpPr>
-          <p:cNvPr id="4" name="Номер слайда 3"/>
+          <p:cNvPr id="9" name="Slide Number Placeholder 8"/>
           <p:cNvSpPr>
             <a:spLocks noGrp="1"/>
           </p:cNvSpPr>
@@ -1870,7 +2762,7 @@
     </p:spTree>
     <p:extLst>
       <p:ext uri="{BB962C8B-B14F-4D97-AF65-F5344CB8AC3E}">
-        <p14:creationId xmlns:p14="http://schemas.microsoft.com/office/powerpoint/2010/main" val="1800155509"/>
+        <p14:creationId xmlns:p14="http://schemas.microsoft.com/office/powerpoint/2010/main" val="1853640353"/>
       </p:ext>
     </p:extLst>
   </p:cSld>
@@ -1881,7 +2773,7 @@
 </file>
 
 <file path=ppt/slideLayouts/slideLayout8.xml><?xml version="1.0" encoding="utf-8"?>
-<p:sldLayout xmlns:a="http://schemas.openxmlformats.org/drawingml/2006/main" xmlns:r="http://schemas.openxmlformats.org/officeDocument/2006/relationships" xmlns:p="http://schemas.openxmlformats.org/presentationml/2006/main" type="objTx" preserve="1">
+<p:sldLayout xmlns:a="http://schemas.openxmlformats.org/drawingml/2006/main" xmlns:r="http://schemas.openxmlformats.org/officeDocument/2006/relationships" xmlns:p="http://schemas.openxmlformats.org/presentationml/2006/main" showMasterSp="0" type="objTx" preserve="1">
   <p:cSld name="Объект с подписью">
     <p:spTree>
       <p:nvGrpSpPr>
@@ -1899,7 +2791,83 @@
       </p:grpSpPr>
       <p:sp>
         <p:nvSpPr>
-          <p:cNvPr id="2" name="Заголовок 1"/>
+          <p:cNvPr id="8" name="Rectangle 7"/>
+          <p:cNvSpPr/>
+          <p:nvPr/>
+        </p:nvSpPr>
+        <p:spPr>
+          <a:xfrm>
+            <a:off x="16" y="0"/>
+            <a:ext cx="4050791" cy="6858000"/>
+          </a:xfrm>
+          <a:prstGeom prst="rect">
+            <a:avLst/>
+          </a:prstGeom>
+          <a:solidFill>
+            <a:schemeClr val="accent2"/>
+          </a:solidFill>
+          <a:ln>
+            <a:noFill/>
+          </a:ln>
+        </p:spPr>
+        <p:style>
+          <a:lnRef idx="2">
+            <a:schemeClr val="accent1">
+              <a:shade val="50000"/>
+            </a:schemeClr>
+          </a:lnRef>
+          <a:fillRef idx="1">
+            <a:schemeClr val="accent1"/>
+          </a:fillRef>
+          <a:effectRef idx="0">
+            <a:schemeClr val="accent1"/>
+          </a:effectRef>
+          <a:fontRef idx="minor">
+            <a:schemeClr val="lt1"/>
+          </a:fontRef>
+        </p:style>
+      </p:sp>
+      <p:sp>
+        <p:nvSpPr>
+          <p:cNvPr id="9" name="Rectangle 8"/>
+          <p:cNvSpPr/>
+          <p:nvPr/>
+        </p:nvSpPr>
+        <p:spPr>
+          <a:xfrm>
+            <a:off x="4040071" y="0"/>
+            <a:ext cx="64008" cy="6858000"/>
+          </a:xfrm>
+          <a:prstGeom prst="rect">
+            <a:avLst/>
+          </a:prstGeom>
+          <a:solidFill>
+            <a:schemeClr val="accent1"/>
+          </a:solidFill>
+          <a:ln>
+            <a:noFill/>
+          </a:ln>
+        </p:spPr>
+        <p:style>
+          <a:lnRef idx="2">
+            <a:schemeClr val="accent1">
+              <a:shade val="50000"/>
+            </a:schemeClr>
+          </a:lnRef>
+          <a:fillRef idx="1">
+            <a:schemeClr val="accent1"/>
+          </a:fillRef>
+          <a:effectRef idx="0">
+            <a:schemeClr val="accent1"/>
+          </a:effectRef>
+          <a:fontRef idx="minor">
+            <a:schemeClr val="lt1"/>
+          </a:fontRef>
+        </p:style>
+      </p:sp>
+      <p:sp>
+        <p:nvSpPr>
+          <p:cNvPr id="2" name="Title 1"/>
           <p:cNvSpPr>
             <a:spLocks noGrp="1"/>
           </p:cNvSpPr>
@@ -1909,15 +2877,21 @@
         </p:nvSpPr>
         <p:spPr>
           <a:xfrm>
-            <a:off x="839788" y="457200"/>
-            <a:ext cx="3932237" cy="1600200"/>
-          </a:xfrm>
-        </p:spPr>
-        <p:txBody>
-          <a:bodyPr anchor="b"/>
+            <a:off x="457200" y="594359"/>
+            <a:ext cx="3200400" cy="2286000"/>
+          </a:xfrm>
+        </p:spPr>
+        <p:txBody>
+          <a:bodyPr anchor="b">
+            <a:normAutofit/>
+          </a:bodyPr>
           <a:lstStyle>
             <a:lvl1pPr>
-              <a:defRPr sz="3200"/>
+              <a:defRPr sz="3600" b="0">
+                <a:solidFill>
+                  <a:srgbClr val="FFFFFF"/>
+                </a:solidFill>
+              </a:defRPr>
             </a:lvl1pPr>
           </a:lstStyle>
           <a:p>
@@ -1925,216 +2899,224 @@
               <a:rPr lang="ru-RU" smtClean="0"/>
               <a:t>Образец заголовка</a:t>
             </a:r>
+            <a:endParaRPr lang="en-US" dirty="0"/>
+          </a:p>
+        </p:txBody>
+      </p:sp>
+      <p:sp>
+        <p:nvSpPr>
+          <p:cNvPr id="3" name="Content Placeholder 2"/>
+          <p:cNvSpPr>
+            <a:spLocks noGrp="1"/>
+          </p:cNvSpPr>
+          <p:nvPr>
+            <p:ph idx="1"/>
+          </p:nvPr>
+        </p:nvSpPr>
+        <p:spPr>
+          <a:xfrm>
+            <a:off x="4800600" y="731520"/>
+            <a:ext cx="6492240" cy="5257800"/>
+          </a:xfrm>
+        </p:spPr>
+        <p:txBody>
+          <a:bodyPr/>
+          <a:lstStyle/>
+          <a:p>
+            <a:pPr lvl="0"/>
+            <a:r>
+              <a:rPr lang="ru-RU" smtClean="0"/>
+              <a:t>Образец текста</a:t>
+            </a:r>
+          </a:p>
+          <a:p>
+            <a:pPr lvl="1"/>
+            <a:r>
+              <a:rPr lang="ru-RU" smtClean="0"/>
+              <a:t>Второй уровень</a:t>
+            </a:r>
+          </a:p>
+          <a:p>
+            <a:pPr lvl="2"/>
+            <a:r>
+              <a:rPr lang="ru-RU" smtClean="0"/>
+              <a:t>Третий уровень</a:t>
+            </a:r>
+          </a:p>
+          <a:p>
+            <a:pPr lvl="3"/>
+            <a:r>
+              <a:rPr lang="ru-RU" smtClean="0"/>
+              <a:t>Четвертый уровень</a:t>
+            </a:r>
+          </a:p>
+          <a:p>
+            <a:pPr lvl="4"/>
+            <a:r>
+              <a:rPr lang="ru-RU" smtClean="0"/>
+              <a:t>Пятый уровень</a:t>
+            </a:r>
+            <a:endParaRPr lang="en-US" dirty="0"/>
+          </a:p>
+        </p:txBody>
+      </p:sp>
+      <p:sp>
+        <p:nvSpPr>
+          <p:cNvPr id="4" name="Text Placeholder 3"/>
+          <p:cNvSpPr>
+            <a:spLocks noGrp="1"/>
+          </p:cNvSpPr>
+          <p:nvPr>
+            <p:ph type="body" sz="half" idx="2"/>
+          </p:nvPr>
+        </p:nvSpPr>
+        <p:spPr>
+          <a:xfrm>
+            <a:off x="457200" y="2926080"/>
+            <a:ext cx="3200400" cy="3379124"/>
+          </a:xfrm>
+        </p:spPr>
+        <p:txBody>
+          <a:bodyPr lIns="91440" rIns="91440">
+            <a:normAutofit/>
+          </a:bodyPr>
+          <a:lstStyle>
+            <a:lvl1pPr marL="0" indent="0">
+              <a:buNone/>
+              <a:defRPr sz="1500">
+                <a:solidFill>
+                  <a:srgbClr val="FFFFFF"/>
+                </a:solidFill>
+              </a:defRPr>
+            </a:lvl1pPr>
+            <a:lvl2pPr marL="457200" indent="0">
+              <a:buNone/>
+              <a:defRPr sz="1200"/>
+            </a:lvl2pPr>
+            <a:lvl3pPr marL="914400" indent="0">
+              <a:buNone/>
+              <a:defRPr sz="1000"/>
+            </a:lvl3pPr>
+            <a:lvl4pPr marL="1371600" indent="0">
+              <a:buNone/>
+              <a:defRPr sz="900"/>
+            </a:lvl4pPr>
+            <a:lvl5pPr marL="1828800" indent="0">
+              <a:buNone/>
+              <a:defRPr sz="900"/>
+            </a:lvl5pPr>
+            <a:lvl6pPr marL="2286000" indent="0">
+              <a:buNone/>
+              <a:defRPr sz="900"/>
+            </a:lvl6pPr>
+            <a:lvl7pPr marL="2743200" indent="0">
+              <a:buNone/>
+              <a:defRPr sz="900"/>
+            </a:lvl7pPr>
+            <a:lvl8pPr marL="3200400" indent="0">
+              <a:buNone/>
+              <a:defRPr sz="900"/>
+            </a:lvl8pPr>
+            <a:lvl9pPr marL="3657600" indent="0">
+              <a:buNone/>
+              <a:defRPr sz="900"/>
+            </a:lvl9pPr>
+          </a:lstStyle>
+          <a:p>
+            <a:pPr lvl="0"/>
+            <a:r>
+              <a:rPr lang="ru-RU" smtClean="0"/>
+              <a:t>Образец текста</a:t>
+            </a:r>
+          </a:p>
+        </p:txBody>
+      </p:sp>
+      <p:sp>
+        <p:nvSpPr>
+          <p:cNvPr id="5" name="Date Placeholder 4"/>
+          <p:cNvSpPr>
+            <a:spLocks noGrp="1"/>
+          </p:cNvSpPr>
+          <p:nvPr>
+            <p:ph type="dt" sz="half" idx="10"/>
+          </p:nvPr>
+        </p:nvSpPr>
+        <p:spPr>
+          <a:xfrm>
+            <a:off x="465512" y="6459785"/>
+            <a:ext cx="2618510" cy="365125"/>
+          </a:xfrm>
+        </p:spPr>
+        <p:txBody>
+          <a:bodyPr/>
+          <a:lstStyle>
+            <a:lvl1pPr algn="l">
+              <a:defRPr/>
+            </a:lvl1pPr>
+          </a:lstStyle>
+          <a:p>
+            <a:fld id="{F6FAD313-3015-49C8-90D4-336FF46AF479}" type="datetime1">
+              <a:rPr lang="ru-RU" smtClean="0"/>
+              <a:t>27.04.2018</a:t>
+            </a:fld>
             <a:endParaRPr lang="ru-RU"/>
           </a:p>
         </p:txBody>
       </p:sp>
       <p:sp>
         <p:nvSpPr>
-          <p:cNvPr id="3" name="Объект 2"/>
-          <p:cNvSpPr>
-            <a:spLocks noGrp="1"/>
-          </p:cNvSpPr>
-          <p:nvPr>
-            <p:ph idx="1"/>
-          </p:nvPr>
-        </p:nvSpPr>
-        <p:spPr>
-          <a:xfrm>
-            <a:off x="5183188" y="987425"/>
-            <a:ext cx="6172200" cy="4873625"/>
-          </a:xfrm>
-        </p:spPr>
+          <p:cNvPr id="6" name="Footer Placeholder 5"/>
+          <p:cNvSpPr>
+            <a:spLocks noGrp="1"/>
+          </p:cNvSpPr>
+          <p:nvPr>
+            <p:ph type="ftr" sz="quarter" idx="11"/>
+          </p:nvPr>
+        </p:nvSpPr>
+        <p:spPr>
+          <a:xfrm>
+            <a:off x="4800600" y="6459785"/>
+            <a:ext cx="4648200" cy="365125"/>
+          </a:xfrm>
+        </p:spPr>
+        <p:txBody>
+          <a:bodyPr/>
+          <a:lstStyle>
+            <a:lvl1pPr algn="l">
+              <a:defRPr>
+                <a:solidFill>
+                  <a:schemeClr val="tx2"/>
+                </a:solidFill>
+              </a:defRPr>
+            </a:lvl1pPr>
+          </a:lstStyle>
+          <a:p>
+            <a:endParaRPr lang="ru-RU"/>
+          </a:p>
+        </p:txBody>
+      </p:sp>
+      <p:sp>
+        <p:nvSpPr>
+          <p:cNvPr id="7" name="Slide Number Placeholder 6"/>
+          <p:cNvSpPr>
+            <a:spLocks noGrp="1"/>
+          </p:cNvSpPr>
+          <p:nvPr>
+            <p:ph type="sldNum" sz="quarter" idx="12"/>
+          </p:nvPr>
+        </p:nvSpPr>
+        <p:spPr/>
         <p:txBody>
           <a:bodyPr/>
           <a:lstStyle>
             <a:lvl1pPr>
-              <a:defRPr sz="3200"/>
+              <a:defRPr>
+                <a:solidFill>
+                  <a:schemeClr val="tx2"/>
+                </a:solidFill>
+              </a:defRPr>
             </a:lvl1pPr>
-            <a:lvl2pPr>
-              <a:defRPr sz="2800"/>
-            </a:lvl2pPr>
-            <a:lvl3pPr>
-              <a:defRPr sz="2400"/>
-            </a:lvl3pPr>
-            <a:lvl4pPr>
-              <a:defRPr sz="2000"/>
-            </a:lvl4pPr>
-            <a:lvl5pPr>
-              <a:defRPr sz="2000"/>
-            </a:lvl5pPr>
-            <a:lvl6pPr>
-              <a:defRPr sz="2000"/>
-            </a:lvl6pPr>
-            <a:lvl7pPr>
-              <a:defRPr sz="2000"/>
-            </a:lvl7pPr>
-            <a:lvl8pPr>
-              <a:defRPr sz="2000"/>
-            </a:lvl8pPr>
-            <a:lvl9pPr>
-              <a:defRPr sz="2000"/>
-            </a:lvl9pPr>
           </a:lstStyle>
-          <a:p>
-            <a:pPr lvl="0"/>
-            <a:r>
-              <a:rPr lang="ru-RU" smtClean="0"/>
-              <a:t>Образец текста</a:t>
-            </a:r>
-          </a:p>
-          <a:p>
-            <a:pPr lvl="1"/>
-            <a:r>
-              <a:rPr lang="ru-RU" smtClean="0"/>
-              <a:t>Второй уровень</a:t>
-            </a:r>
-          </a:p>
-          <a:p>
-            <a:pPr lvl="2"/>
-            <a:r>
-              <a:rPr lang="ru-RU" smtClean="0"/>
-              <a:t>Третий уровень</a:t>
-            </a:r>
-          </a:p>
-          <a:p>
-            <a:pPr lvl="3"/>
-            <a:r>
-              <a:rPr lang="ru-RU" smtClean="0"/>
-              <a:t>Четвертый уровень</a:t>
-            </a:r>
-          </a:p>
-          <a:p>
-            <a:pPr lvl="4"/>
-            <a:r>
-              <a:rPr lang="ru-RU" smtClean="0"/>
-              <a:t>Пятый уровень</a:t>
-            </a:r>
-            <a:endParaRPr lang="ru-RU"/>
-          </a:p>
-        </p:txBody>
-      </p:sp>
-      <p:sp>
-        <p:nvSpPr>
-          <p:cNvPr id="4" name="Текст 3"/>
-          <p:cNvSpPr>
-            <a:spLocks noGrp="1"/>
-          </p:cNvSpPr>
-          <p:nvPr>
-            <p:ph type="body" sz="half" idx="2"/>
-          </p:nvPr>
-        </p:nvSpPr>
-        <p:spPr>
-          <a:xfrm>
-            <a:off x="839788" y="2057400"/>
-            <a:ext cx="3932237" cy="3811588"/>
-          </a:xfrm>
-        </p:spPr>
-        <p:txBody>
-          <a:bodyPr/>
-          <a:lstStyle>
-            <a:lvl1pPr marL="0" indent="0">
-              <a:buNone/>
-              <a:defRPr sz="1600"/>
-            </a:lvl1pPr>
-            <a:lvl2pPr marL="457200" indent="0">
-              <a:buNone/>
-              <a:defRPr sz="1400"/>
-            </a:lvl2pPr>
-            <a:lvl3pPr marL="914400" indent="0">
-              <a:buNone/>
-              <a:defRPr sz="1200"/>
-            </a:lvl3pPr>
-            <a:lvl4pPr marL="1371600" indent="0">
-              <a:buNone/>
-              <a:defRPr sz="1000"/>
-            </a:lvl4pPr>
-            <a:lvl5pPr marL="1828800" indent="0">
-              <a:buNone/>
-              <a:defRPr sz="1000"/>
-            </a:lvl5pPr>
-            <a:lvl6pPr marL="2286000" indent="0">
-              <a:buNone/>
-              <a:defRPr sz="1000"/>
-            </a:lvl6pPr>
-            <a:lvl7pPr marL="2743200" indent="0">
-              <a:buNone/>
-              <a:defRPr sz="1000"/>
-            </a:lvl7pPr>
-            <a:lvl8pPr marL="3200400" indent="0">
-              <a:buNone/>
-              <a:defRPr sz="1000"/>
-            </a:lvl8pPr>
-            <a:lvl9pPr marL="3657600" indent="0">
-              <a:buNone/>
-              <a:defRPr sz="1000"/>
-            </a:lvl9pPr>
-          </a:lstStyle>
-          <a:p>
-            <a:pPr lvl="0"/>
-            <a:r>
-              <a:rPr lang="ru-RU" smtClean="0"/>
-              <a:t>Образец текста</a:t>
-            </a:r>
-          </a:p>
-        </p:txBody>
-      </p:sp>
-      <p:sp>
-        <p:nvSpPr>
-          <p:cNvPr id="5" name="Дата 4"/>
-          <p:cNvSpPr>
-            <a:spLocks noGrp="1"/>
-          </p:cNvSpPr>
-          <p:nvPr>
-            <p:ph type="dt" sz="half" idx="10"/>
-          </p:nvPr>
-        </p:nvSpPr>
-        <p:spPr/>
-        <p:txBody>
-          <a:bodyPr/>
-          <a:lstStyle/>
-          <a:p>
-            <a:fld id="{4C5189D3-71F6-4B6B-B14B-B0870956A70A}" type="datetimeFigureOut">
-              <a:rPr lang="ru-RU" smtClean="0"/>
-              <a:t>20.04.2018</a:t>
-            </a:fld>
-            <a:endParaRPr lang="ru-RU"/>
-          </a:p>
-        </p:txBody>
-      </p:sp>
-      <p:sp>
-        <p:nvSpPr>
-          <p:cNvPr id="6" name="Нижний колонтитул 5"/>
-          <p:cNvSpPr>
-            <a:spLocks noGrp="1"/>
-          </p:cNvSpPr>
-          <p:nvPr>
-            <p:ph type="ftr" sz="quarter" idx="11"/>
-          </p:nvPr>
-        </p:nvSpPr>
-        <p:spPr/>
-        <p:txBody>
-          <a:bodyPr/>
-          <a:lstStyle/>
-          <a:p>
-            <a:endParaRPr lang="ru-RU"/>
-          </a:p>
-        </p:txBody>
-      </p:sp>
-      <p:sp>
-        <p:nvSpPr>
-          <p:cNvPr id="7" name="Номер слайда 6"/>
-          <p:cNvSpPr>
-            <a:spLocks noGrp="1"/>
-          </p:cNvSpPr>
-          <p:nvPr>
-            <p:ph type="sldNum" sz="quarter" idx="12"/>
-          </p:nvPr>
-        </p:nvSpPr>
-        <p:spPr/>
-        <p:txBody>
-          <a:bodyPr/>
-          <a:lstStyle/>
           <a:p>
             <a:fld id="{54312719-E188-4125-8FBE-1E251BCF9D85}" type="slidenum">
               <a:rPr lang="ru-RU" smtClean="0"/>
@@ -2147,7 +3129,7 @@
     </p:spTree>
     <p:extLst>
       <p:ext uri="{BB962C8B-B14F-4D97-AF65-F5344CB8AC3E}">
-        <p14:creationId xmlns:p14="http://schemas.microsoft.com/office/powerpoint/2010/main" val="1607665261"/>
+        <p14:creationId xmlns:p14="http://schemas.microsoft.com/office/powerpoint/2010/main" val="4135983944"/>
       </p:ext>
     </p:extLst>
   </p:cSld>
@@ -2158,7 +3140,7 @@
 </file>
 
 <file path=ppt/slideLayouts/slideLayout9.xml><?xml version="1.0" encoding="utf-8"?>
-<p:sldLayout xmlns:a="http://schemas.openxmlformats.org/drawingml/2006/main" xmlns:r="http://schemas.openxmlformats.org/officeDocument/2006/relationships" xmlns:p="http://schemas.openxmlformats.org/presentationml/2006/main" type="picTx" preserve="1">
+<p:sldLayout xmlns:a="http://schemas.openxmlformats.org/drawingml/2006/main" xmlns:r="http://schemas.openxmlformats.org/officeDocument/2006/relationships" xmlns:p="http://schemas.openxmlformats.org/presentationml/2006/main" showMasterSp="0" type="picTx" preserve="1">
   <p:cSld name="Рисунок с подписью">
     <p:spTree>
       <p:nvGrpSpPr>
@@ -2176,7 +3158,83 @@
       </p:grpSpPr>
       <p:sp>
         <p:nvSpPr>
-          <p:cNvPr id="2" name="Заголовок 1"/>
+          <p:cNvPr id="8" name="Rectangle 7"/>
+          <p:cNvSpPr/>
+          <p:nvPr/>
+        </p:nvSpPr>
+        <p:spPr>
+          <a:xfrm>
+            <a:off x="0" y="4953000"/>
+            <a:ext cx="12188825" cy="1905000"/>
+          </a:xfrm>
+          <a:prstGeom prst="rect">
+            <a:avLst/>
+          </a:prstGeom>
+          <a:solidFill>
+            <a:schemeClr val="accent2"/>
+          </a:solidFill>
+          <a:ln>
+            <a:noFill/>
+          </a:ln>
+        </p:spPr>
+        <p:style>
+          <a:lnRef idx="2">
+            <a:schemeClr val="accent1">
+              <a:shade val="50000"/>
+            </a:schemeClr>
+          </a:lnRef>
+          <a:fillRef idx="1">
+            <a:schemeClr val="accent1"/>
+          </a:fillRef>
+          <a:effectRef idx="0">
+            <a:schemeClr val="accent1"/>
+          </a:effectRef>
+          <a:fontRef idx="minor">
+            <a:schemeClr val="lt1"/>
+          </a:fontRef>
+        </p:style>
+      </p:sp>
+      <p:sp>
+        <p:nvSpPr>
+          <p:cNvPr id="9" name="Rectangle 8"/>
+          <p:cNvSpPr/>
+          <p:nvPr/>
+        </p:nvSpPr>
+        <p:spPr>
+          <a:xfrm>
+            <a:off x="15" y="4915076"/>
+            <a:ext cx="12188825" cy="64008"/>
+          </a:xfrm>
+          <a:prstGeom prst="rect">
+            <a:avLst/>
+          </a:prstGeom>
+          <a:solidFill>
+            <a:schemeClr val="accent1"/>
+          </a:solidFill>
+          <a:ln>
+            <a:noFill/>
+          </a:ln>
+        </p:spPr>
+        <p:style>
+          <a:lnRef idx="2">
+            <a:schemeClr val="accent1">
+              <a:shade val="50000"/>
+            </a:schemeClr>
+          </a:lnRef>
+          <a:fillRef idx="1">
+            <a:schemeClr val="accent1"/>
+          </a:fillRef>
+          <a:effectRef idx="0">
+            <a:schemeClr val="accent1"/>
+          </a:effectRef>
+          <a:fontRef idx="minor">
+            <a:schemeClr val="lt1"/>
+          </a:fontRef>
+        </p:style>
+      </p:sp>
+      <p:sp>
+        <p:nvSpPr>
+          <p:cNvPr id="2" name="Title 1"/>
           <p:cNvSpPr>
             <a:spLocks noGrp="1"/>
           </p:cNvSpPr>
@@ -2186,15 +3244,21 @@
         </p:nvSpPr>
         <p:spPr>
           <a:xfrm>
-            <a:off x="839788" y="457200"/>
-            <a:ext cx="3932237" cy="1600200"/>
-          </a:xfrm>
-        </p:spPr>
-        <p:txBody>
-          <a:bodyPr anchor="b"/>
+            <a:off x="1097280" y="5074920"/>
+            <a:ext cx="10113264" cy="822960"/>
+          </a:xfrm>
+        </p:spPr>
+        <p:txBody>
+          <a:bodyPr lIns="91440" tIns="0" rIns="91440" bIns="0" anchor="b">
+            <a:noAutofit/>
+          </a:bodyPr>
           <a:lstStyle>
             <a:lvl1pPr>
-              <a:defRPr sz="3200"/>
+              <a:defRPr sz="3600" b="0">
+                <a:solidFill>
+                  <a:srgbClr val="FFFFFF"/>
+                </a:solidFill>
+              </a:defRPr>
             </a:lvl1pPr>
           </a:lstStyle>
           <a:p>
@@ -2202,15 +3266,15 @@
               <a:rPr lang="ru-RU" smtClean="0"/>
               <a:t>Образец заголовка</a:t>
             </a:r>
-            <a:endParaRPr lang="ru-RU"/>
-          </a:p>
-        </p:txBody>
-      </p:sp>
-      <p:sp>
-        <p:nvSpPr>
-          <p:cNvPr id="3" name="Рисунок 2"/>
-          <p:cNvSpPr>
-            <a:spLocks noGrp="1"/>
+            <a:endParaRPr lang="en-US" dirty="0"/>
+          </a:p>
+        </p:txBody>
+      </p:sp>
+      <p:sp>
+        <p:nvSpPr>
+          <p:cNvPr id="3" name="Picture Placeholder 2"/>
+          <p:cNvSpPr>
+            <a:spLocks noGrp="1" noChangeAspect="1"/>
           </p:cNvSpPr>
           <p:nvPr>
             <p:ph type="pic" idx="1"/>
@@ -2218,16 +3282,26 @@
         </p:nvSpPr>
         <p:spPr>
           <a:xfrm>
-            <a:off x="5183188" y="987425"/>
-            <a:ext cx="6172200" cy="4873625"/>
-          </a:xfrm>
-        </p:spPr>
-        <p:txBody>
-          <a:bodyPr/>
+            <a:off x="15" y="0"/>
+            <a:ext cx="12191985" cy="4915076"/>
+          </a:xfrm>
+          <a:blipFill>
+            <a:blip r:embed="rId2"/>
+            <a:stretch>
+              <a:fillRect/>
+            </a:stretch>
+          </a:blipFill>
+        </p:spPr>
+        <p:txBody>
+          <a:bodyPr lIns="457200" tIns="457200" anchor="t"/>
           <a:lstStyle>
             <a:lvl1pPr marL="0" indent="0">
               <a:buNone/>
-              <a:defRPr sz="3200"/>
+              <a:defRPr sz="3200">
+                <a:solidFill>
+                  <a:schemeClr val="bg1"/>
+                </a:solidFill>
+              </a:defRPr>
             </a:lvl1pPr>
             <a:lvl2pPr marL="457200" indent="0">
               <a:buNone/>
@@ -2263,13 +3337,17 @@
             </a:lvl9pPr>
           </a:lstStyle>
           <a:p>
-            <a:endParaRPr lang="ru-RU"/>
-          </a:p>
-        </p:txBody>
-      </p:sp>
-      <p:sp>
-        <p:nvSpPr>
-          <p:cNvPr id="4" name="Текст 3"/>
+            <a:r>
+              <a:rPr lang="ru-RU" smtClean="0"/>
+              <a:t>Вставка рисунка</a:t>
+            </a:r>
+            <a:endParaRPr lang="en-US" dirty="0"/>
+          </a:p>
+        </p:txBody>
+      </p:sp>
+      <p:sp>
+        <p:nvSpPr>
+          <p:cNvPr id="4" name="Text Placeholder 3"/>
           <p:cNvSpPr>
             <a:spLocks noGrp="1"/>
           </p:cNvSpPr>
@@ -2279,48 +3357,60 @@
         </p:nvSpPr>
         <p:spPr>
           <a:xfrm>
-            <a:off x="839788" y="2057400"/>
-            <a:ext cx="3932237" cy="3811588"/>
-          </a:xfrm>
-        </p:spPr>
-        <p:txBody>
-          <a:bodyPr/>
+            <a:off x="1097280" y="5907023"/>
+            <a:ext cx="10113264" cy="594360"/>
+          </a:xfrm>
+        </p:spPr>
+        <p:txBody>
+          <a:bodyPr lIns="91440" tIns="0" rIns="91440" bIns="0">
+            <a:normAutofit/>
+          </a:bodyPr>
           <a:lstStyle>
             <a:lvl1pPr marL="0" indent="0">
-              <a:buNone/>
-              <a:defRPr sz="1600"/>
+              <a:spcBef>
+                <a:spcPts val="0"/>
+              </a:spcBef>
+              <a:spcAft>
+                <a:spcPts val="600"/>
+              </a:spcAft>
+              <a:buNone/>
+              <a:defRPr sz="1500">
+                <a:solidFill>
+                  <a:srgbClr val="FFFFFF"/>
+                </a:solidFill>
+              </a:defRPr>
             </a:lvl1pPr>
             <a:lvl2pPr marL="457200" indent="0">
               <a:buNone/>
-              <a:defRPr sz="1400"/>
+              <a:defRPr sz="1200"/>
             </a:lvl2pPr>
             <a:lvl3pPr marL="914400" indent="0">
               <a:buNone/>
-              <a:defRPr sz="1200"/>
+              <a:defRPr sz="1000"/>
             </a:lvl3pPr>
             <a:lvl4pPr marL="1371600" indent="0">
               <a:buNone/>
-              <a:defRPr sz="1000"/>
+              <a:defRPr sz="900"/>
             </a:lvl4pPr>
             <a:lvl5pPr marL="1828800" indent="0">
               <a:buNone/>
-              <a:defRPr sz="1000"/>
+              <a:defRPr sz="900"/>
             </a:lvl5pPr>
             <a:lvl6pPr marL="2286000" indent="0">
               <a:buNone/>
-              <a:defRPr sz="1000"/>
+              <a:defRPr sz="900"/>
             </a:lvl6pPr>
             <a:lvl7pPr marL="2743200" indent="0">
               <a:buNone/>
-              <a:defRPr sz="1000"/>
+              <a:defRPr sz="900"/>
             </a:lvl7pPr>
             <a:lvl8pPr marL="3200400" indent="0">
               <a:buNone/>
-              <a:defRPr sz="1000"/>
+              <a:defRPr sz="900"/>
             </a:lvl8pPr>
             <a:lvl9pPr marL="3657600" indent="0">
               <a:buNone/>
-              <a:defRPr sz="1000"/>
+              <a:defRPr sz="900"/>
             </a:lvl9pPr>
           </a:lstStyle>
           <a:p>
@@ -2334,7 +3424,7 @@
       </p:sp>
       <p:sp>
         <p:nvSpPr>
-          <p:cNvPr id="5" name="Дата 4"/>
+          <p:cNvPr id="5" name="Date Placeholder 4"/>
           <p:cNvSpPr>
             <a:spLocks noGrp="1"/>
           </p:cNvSpPr>
@@ -2347,9 +3437,9 @@
           <a:bodyPr/>
           <a:lstStyle/>
           <a:p>
-            <a:fld id="{4C5189D3-71F6-4B6B-B14B-B0870956A70A}" type="datetimeFigureOut">
-              <a:rPr lang="ru-RU" smtClean="0"/>
-              <a:t>20.04.2018</a:t>
+            <a:fld id="{82C1DDF3-30EC-40D8-869B-0E53F1E7B123}" type="datetime1">
+              <a:rPr lang="ru-RU" smtClean="0"/>
+              <a:t>27.04.2018</a:t>
             </a:fld>
             <a:endParaRPr lang="ru-RU"/>
           </a:p>
@@ -2357,7 +3447,7 @@
       </p:sp>
       <p:sp>
         <p:nvSpPr>
-          <p:cNvPr id="6" name="Нижний колонтитул 5"/>
+          <p:cNvPr id="6" name="Footer Placeholder 5"/>
           <p:cNvSpPr>
             <a:spLocks noGrp="1"/>
           </p:cNvSpPr>
@@ -2376,7 +3466,7 @@
       </p:sp>
       <p:sp>
         <p:nvSpPr>
-          <p:cNvPr id="7" name="Номер слайда 6"/>
+          <p:cNvPr id="7" name="Slide Number Placeholder 6"/>
           <p:cNvSpPr>
             <a:spLocks noGrp="1"/>
           </p:cNvSpPr>
@@ -2400,7 +3490,7 @@
     </p:spTree>
     <p:extLst>
       <p:ext uri="{BB962C8B-B14F-4D97-AF65-F5344CB8AC3E}">
-        <p14:creationId xmlns:p14="http://schemas.microsoft.com/office/powerpoint/2010/main" val="2646399508"/>
+        <p14:creationId xmlns:p14="http://schemas.microsoft.com/office/powerpoint/2010/main" val="1985522924"/>
       </p:ext>
     </p:extLst>
   </p:cSld>
@@ -2434,135 +3524,209 @@
       </p:grpSpPr>
       <p:sp>
         <p:nvSpPr>
-          <p:cNvPr id="2" name="Заголовок 1"/>
-          <p:cNvSpPr>
-            <a:spLocks noGrp="1"/>
-          </p:cNvSpPr>
-          <p:nvPr>
-            <p:ph type="title"/>
-          </p:nvPr>
-        </p:nvSpPr>
-        <p:spPr>
-          <a:xfrm>
-            <a:off x="838200" y="365125"/>
-            <a:ext cx="10515600" cy="1325563"/>
+          <p:cNvPr id="7" name="Rectangle 6"/>
+          <p:cNvSpPr/>
+          <p:nvPr/>
+        </p:nvSpPr>
+        <p:spPr>
+          <a:xfrm>
+            <a:off x="1" y="6400800"/>
+            <a:ext cx="12192000" cy="457200"/>
           </a:xfrm>
           <a:prstGeom prst="rect">
             <a:avLst/>
           </a:prstGeom>
-        </p:spPr>
-        <p:txBody>
-          <a:bodyPr vert="horz" lIns="91440" tIns="45720" rIns="91440" bIns="45720" rtlCol="0" anchor="ctr">
-            <a:normAutofit/>
-          </a:bodyPr>
-          <a:lstStyle/>
-          <a:p>
-            <a:r>
-              <a:rPr lang="ru-RU" smtClean="0"/>
-              <a:t>Образец заголовка</a:t>
-            </a:r>
-            <a:endParaRPr lang="ru-RU"/>
-          </a:p>
-        </p:txBody>
-      </p:sp>
-      <p:sp>
-        <p:nvSpPr>
-          <p:cNvPr id="3" name="Текст 2"/>
-          <p:cNvSpPr>
-            <a:spLocks noGrp="1"/>
-          </p:cNvSpPr>
-          <p:nvPr>
-            <p:ph type="body" idx="1"/>
-          </p:nvPr>
-        </p:nvSpPr>
-        <p:spPr>
-          <a:xfrm>
-            <a:off x="838200" y="1825625"/>
-            <a:ext cx="10515600" cy="4351338"/>
+          <a:solidFill>
+            <a:schemeClr val="accent2"/>
+          </a:solidFill>
+          <a:ln>
+            <a:noFill/>
+          </a:ln>
+        </p:spPr>
+        <p:style>
+          <a:lnRef idx="2">
+            <a:schemeClr val="accent1">
+              <a:shade val="50000"/>
+            </a:schemeClr>
+          </a:lnRef>
+          <a:fillRef idx="1">
+            <a:schemeClr val="accent1"/>
+          </a:fillRef>
+          <a:effectRef idx="0">
+            <a:schemeClr val="accent1"/>
+          </a:effectRef>
+          <a:fontRef idx="minor">
+            <a:schemeClr val="lt1"/>
+          </a:fontRef>
+        </p:style>
+      </p:sp>
+      <p:sp>
+        <p:nvSpPr>
+          <p:cNvPr id="9" name="Rectangle 8"/>
+          <p:cNvSpPr/>
+          <p:nvPr/>
+        </p:nvSpPr>
+        <p:spPr>
+          <a:xfrm>
+            <a:off x="0" y="6334316"/>
+            <a:ext cx="12192001" cy="65998"/>
           </a:xfrm>
           <a:prstGeom prst="rect">
             <a:avLst/>
           </a:prstGeom>
-        </p:spPr>
-        <p:txBody>
-          <a:bodyPr vert="horz" lIns="91440" tIns="45720" rIns="91440" bIns="45720" rtlCol="0">
-            <a:normAutofit/>
-          </a:bodyPr>
-          <a:lstStyle/>
-          <a:p>
-            <a:pPr lvl="0"/>
-            <a:r>
-              <a:rPr lang="ru-RU" smtClean="0"/>
-              <a:t>Образец текста</a:t>
-            </a:r>
-          </a:p>
-          <a:p>
-            <a:pPr lvl="1"/>
-            <a:r>
-              <a:rPr lang="ru-RU" smtClean="0"/>
-              <a:t>Второй уровень</a:t>
-            </a:r>
-          </a:p>
-          <a:p>
-            <a:pPr lvl="2"/>
-            <a:r>
-              <a:rPr lang="ru-RU" smtClean="0"/>
-              <a:t>Третий уровень</a:t>
-            </a:r>
-          </a:p>
-          <a:p>
-            <a:pPr lvl="3"/>
-            <a:r>
-              <a:rPr lang="ru-RU" smtClean="0"/>
-              <a:t>Четвертый уровень</a:t>
-            </a:r>
-          </a:p>
-          <a:p>
-            <a:pPr lvl="4"/>
-            <a:r>
-              <a:rPr lang="ru-RU" smtClean="0"/>
-              <a:t>Пятый уровень</a:t>
-            </a:r>
-            <a:endParaRPr lang="ru-RU"/>
-          </a:p>
-        </p:txBody>
-      </p:sp>
-      <p:sp>
-        <p:nvSpPr>
-          <p:cNvPr id="4" name="Дата 3"/>
-          <p:cNvSpPr>
-            <a:spLocks noGrp="1"/>
-          </p:cNvSpPr>
-          <p:nvPr>
-            <p:ph type="dt" sz="half" idx="2"/>
-          </p:nvPr>
-        </p:nvSpPr>
-        <p:spPr>
-          <a:xfrm>
-            <a:off x="838200" y="6356350"/>
-            <a:ext cx="2743200" cy="365125"/>
+          <a:solidFill>
+            <a:schemeClr val="accent1"/>
+          </a:solidFill>
+          <a:ln>
+            <a:noFill/>
+          </a:ln>
+        </p:spPr>
+        <p:style>
+          <a:lnRef idx="2">
+            <a:schemeClr val="accent1">
+              <a:shade val="50000"/>
+            </a:schemeClr>
+          </a:lnRef>
+          <a:fillRef idx="1">
+            <a:schemeClr val="accent1"/>
+          </a:fillRef>
+          <a:effectRef idx="0">
+            <a:schemeClr val="accent1"/>
+          </a:effectRef>
+          <a:fontRef idx="minor">
+            <a:schemeClr val="lt1"/>
+          </a:fontRef>
+        </p:style>
+      </p:sp>
+      <p:sp>
+        <p:nvSpPr>
+          <p:cNvPr id="2" name="Title Placeholder 1"/>
+          <p:cNvSpPr>
+            <a:spLocks noGrp="1"/>
+          </p:cNvSpPr>
+          <p:nvPr>
+            <p:ph type="title"/>
+          </p:nvPr>
+        </p:nvSpPr>
+        <p:spPr>
+          <a:xfrm>
+            <a:off x="1097280" y="286603"/>
+            <a:ext cx="10058400" cy="1450757"/>
           </a:xfrm>
           <a:prstGeom prst="rect">
             <a:avLst/>
           </a:prstGeom>
         </p:spPr>
         <p:txBody>
+          <a:bodyPr vert="horz" lIns="91440" tIns="45720" rIns="91440" bIns="45720" rtlCol="0" anchor="b">
+            <a:normAutofit/>
+          </a:bodyPr>
+          <a:lstStyle/>
+          <a:p>
+            <a:r>
+              <a:rPr lang="ru-RU" smtClean="0"/>
+              <a:t>Образец заголовка</a:t>
+            </a:r>
+            <a:endParaRPr lang="en-US" dirty="0"/>
+          </a:p>
+        </p:txBody>
+      </p:sp>
+      <p:sp>
+        <p:nvSpPr>
+          <p:cNvPr id="3" name="Text Placeholder 2"/>
+          <p:cNvSpPr>
+            <a:spLocks noGrp="1"/>
+          </p:cNvSpPr>
+          <p:nvPr>
+            <p:ph type="body" idx="1"/>
+          </p:nvPr>
+        </p:nvSpPr>
+        <p:spPr>
+          <a:xfrm>
+            <a:off x="1097280" y="1845734"/>
+            <a:ext cx="10058400" cy="4023360"/>
+          </a:xfrm>
+          <a:prstGeom prst="rect">
+            <a:avLst/>
+          </a:prstGeom>
+        </p:spPr>
+        <p:txBody>
+          <a:bodyPr vert="horz" lIns="0" tIns="45720" rIns="0" bIns="45720" rtlCol="0">
+            <a:normAutofit/>
+          </a:bodyPr>
+          <a:lstStyle/>
+          <a:p>
+            <a:pPr lvl="0"/>
+            <a:r>
+              <a:rPr lang="ru-RU" smtClean="0"/>
+              <a:t>Образец текста</a:t>
+            </a:r>
+          </a:p>
+          <a:p>
+            <a:pPr lvl="1"/>
+            <a:r>
+              <a:rPr lang="ru-RU" smtClean="0"/>
+              <a:t>Второй уровень</a:t>
+            </a:r>
+          </a:p>
+          <a:p>
+            <a:pPr lvl="2"/>
+            <a:r>
+              <a:rPr lang="ru-RU" smtClean="0"/>
+              <a:t>Третий уровень</a:t>
+            </a:r>
+          </a:p>
+          <a:p>
+            <a:pPr lvl="3"/>
+            <a:r>
+              <a:rPr lang="ru-RU" smtClean="0"/>
+              <a:t>Четвертый уровень</a:t>
+            </a:r>
+          </a:p>
+          <a:p>
+            <a:pPr lvl="4"/>
+            <a:r>
+              <a:rPr lang="ru-RU" smtClean="0"/>
+              <a:t>Пятый уровень</a:t>
+            </a:r>
+            <a:endParaRPr lang="en-US" dirty="0"/>
+          </a:p>
+        </p:txBody>
+      </p:sp>
+      <p:sp>
+        <p:nvSpPr>
+          <p:cNvPr id="4" name="Date Placeholder 3"/>
+          <p:cNvSpPr>
+            <a:spLocks noGrp="1"/>
+          </p:cNvSpPr>
+          <p:nvPr>
+            <p:ph type="dt" sz="half" idx="2"/>
+          </p:nvPr>
+        </p:nvSpPr>
+        <p:spPr>
+          <a:xfrm>
+            <a:off x="1097280" y="6459785"/>
+            <a:ext cx="2472271" cy="365125"/>
+          </a:xfrm>
+          <a:prstGeom prst="rect">
+            <a:avLst/>
+          </a:prstGeom>
+        </p:spPr>
+        <p:txBody>
           <a:bodyPr vert="horz" lIns="91440" tIns="45720" rIns="91440" bIns="45720" rtlCol="0" anchor="ctr"/>
           <a:lstStyle>
             <a:lvl1pPr algn="l">
-              <a:defRPr sz="1200">
+              <a:defRPr sz="900">
                 <a:solidFill>
-                  <a:schemeClr val="tx1">
-                    <a:tint val="75000"/>
-                  </a:schemeClr>
+                  <a:srgbClr val="FFFFFF"/>
                 </a:solidFill>
               </a:defRPr>
             </a:lvl1pPr>
           </a:lstStyle>
           <a:p>
-            <a:fld id="{4C5189D3-71F6-4B6B-B14B-B0870956A70A}" type="datetimeFigureOut">
-              <a:rPr lang="ru-RU" smtClean="0"/>
-              <a:t>20.04.2018</a:t>
+            <a:fld id="{F4D33611-8D4F-43A3-A0AB-EBE66414247D}" type="datetime1">
+              <a:rPr lang="ru-RU" smtClean="0"/>
+              <a:t>27.04.2018</a:t>
             </a:fld>
             <a:endParaRPr lang="ru-RU"/>
           </a:p>
@@ -2570,7 +3734,7 @@
       </p:sp>
       <p:sp>
         <p:nvSpPr>
-          <p:cNvPr id="5" name="Нижний колонтитул 4"/>
+          <p:cNvPr id="5" name="Footer Placeholder 4"/>
           <p:cNvSpPr>
             <a:spLocks noGrp="1"/>
           </p:cNvSpPr>
@@ -2580,8 +3744,8 @@
         </p:nvSpPr>
         <p:spPr>
           <a:xfrm>
-            <a:off x="4038600" y="6356350"/>
-            <a:ext cx="4114800" cy="365125"/>
+            <a:off x="3686185" y="6459785"/>
+            <a:ext cx="4822804" cy="365125"/>
           </a:xfrm>
           <a:prstGeom prst="rect">
             <a:avLst/>
@@ -2591,11 +3755,9 @@
           <a:bodyPr vert="horz" lIns="91440" tIns="45720" rIns="91440" bIns="45720" rtlCol="0" anchor="ctr"/>
           <a:lstStyle>
             <a:lvl1pPr algn="ctr">
-              <a:defRPr sz="1200">
+              <a:defRPr sz="900" cap="all" baseline="0">
                 <a:solidFill>
-                  <a:schemeClr val="tx1">
-                    <a:tint val="75000"/>
-                  </a:schemeClr>
+                  <a:srgbClr val="FFFFFF"/>
                 </a:solidFill>
               </a:defRPr>
             </a:lvl1pPr>
@@ -2607,7 +3769,7 @@
       </p:sp>
       <p:sp>
         <p:nvSpPr>
-          <p:cNvPr id="6" name="Номер слайда 5"/>
+          <p:cNvPr id="6" name="Slide Number Placeholder 5"/>
           <p:cNvSpPr>
             <a:spLocks noGrp="1"/>
           </p:cNvSpPr>
@@ -2617,8 +3779,8 @@
         </p:nvSpPr>
         <p:spPr>
           <a:xfrm>
-            <a:off x="8610600" y="6356350"/>
-            <a:ext cx="2743200" cy="365125"/>
+            <a:off x="9900458" y="6459785"/>
+            <a:ext cx="1312025" cy="365125"/>
           </a:xfrm>
           <a:prstGeom prst="rect">
             <a:avLst/>
@@ -2628,11 +3790,9 @@
           <a:bodyPr vert="horz" lIns="91440" tIns="45720" rIns="91440" bIns="45720" rtlCol="0" anchor="ctr"/>
           <a:lstStyle>
             <a:lvl1pPr algn="r">
-              <a:defRPr sz="1200">
+              <a:defRPr sz="1050">
                 <a:solidFill>
-                  <a:schemeClr val="tx1">
-                    <a:tint val="75000"/>
-                  </a:schemeClr>
+                  <a:srgbClr val="FFFFFF"/>
                 </a:solidFill>
               </a:defRPr>
             </a:lvl1pPr>
@@ -2646,40 +3806,82 @@
           </a:p>
         </p:txBody>
       </p:sp>
+      <p:cxnSp>
+        <p:nvCxnSpPr>
+          <p:cNvPr id="10" name="Straight Connector 9"/>
+          <p:cNvCxnSpPr/>
+          <p:nvPr/>
+        </p:nvCxnSpPr>
+        <p:spPr>
+          <a:xfrm>
+            <a:off x="1193532" y="1737845"/>
+            <a:ext cx="9966960" cy="0"/>
+          </a:xfrm>
+          <a:prstGeom prst="line">
+            <a:avLst/>
+          </a:prstGeom>
+          <a:ln w="6350">
+            <a:solidFill>
+              <a:schemeClr val="tx1">
+                <a:lumMod val="50000"/>
+                <a:lumOff val="50000"/>
+              </a:schemeClr>
+            </a:solidFill>
+          </a:ln>
+        </p:spPr>
+        <p:style>
+          <a:lnRef idx="1">
+            <a:schemeClr val="accent1"/>
+          </a:lnRef>
+          <a:fillRef idx="0">
+            <a:schemeClr val="accent1"/>
+          </a:fillRef>
+          <a:effectRef idx="0">
+            <a:schemeClr val="accent1"/>
+          </a:effectRef>
+          <a:fontRef idx="minor">
+            <a:schemeClr val="tx1"/>
+          </a:fontRef>
+        </p:style>
+      </p:cxnSp>
     </p:spTree>
     <p:extLst>
       <p:ext uri="{BB962C8B-B14F-4D97-AF65-F5344CB8AC3E}">
-        <p14:creationId xmlns:p14="http://schemas.microsoft.com/office/powerpoint/2010/main" val="4200223309"/>
+        <p14:creationId xmlns:p14="http://schemas.microsoft.com/office/powerpoint/2010/main" val="3369744410"/>
       </p:ext>
     </p:extLst>
   </p:cSld>
   <p:clrMap bg1="lt1" tx1="dk1" bg2="lt2" tx2="dk2" accent1="accent1" accent2="accent2" accent3="accent3" accent4="accent4" accent5="accent5" accent6="accent6" hlink="hlink" folHlink="folHlink"/>
   <p:sldLayoutIdLst>
-    <p:sldLayoutId id="2147483649" r:id="rId1"/>
-    <p:sldLayoutId id="2147483650" r:id="rId2"/>
-    <p:sldLayoutId id="2147483651" r:id="rId3"/>
-    <p:sldLayoutId id="2147483652" r:id="rId4"/>
-    <p:sldLayoutId id="2147483653" r:id="rId5"/>
-    <p:sldLayoutId id="2147483654" r:id="rId6"/>
-    <p:sldLayoutId id="2147483655" r:id="rId7"/>
-    <p:sldLayoutId id="2147483656" r:id="rId8"/>
-    <p:sldLayoutId id="2147483657" r:id="rId9"/>
-    <p:sldLayoutId id="2147483658" r:id="rId10"/>
-    <p:sldLayoutId id="2147483659" r:id="rId11"/>
+    <p:sldLayoutId id="2147483679" r:id="rId1"/>
+    <p:sldLayoutId id="2147483680" r:id="rId2"/>
+    <p:sldLayoutId id="2147483681" r:id="rId3"/>
+    <p:sldLayoutId id="2147483682" r:id="rId4"/>
+    <p:sldLayoutId id="2147483683" r:id="rId5"/>
+    <p:sldLayoutId id="2147483684" r:id="rId6"/>
+    <p:sldLayoutId id="2147483685" r:id="rId7"/>
+    <p:sldLayoutId id="2147483686" r:id="rId8"/>
+    <p:sldLayoutId id="2147483687" r:id="rId9"/>
+    <p:sldLayoutId id="2147483688" r:id="rId10"/>
+    <p:sldLayoutId id="2147483689" r:id="rId11"/>
   </p:sldLayoutIdLst>
+  <p:hf hdr="0" ftr="0" dt="0"/>
   <p:txStyles>
     <p:titleStyle>
       <a:lvl1pPr algn="l" defTabSz="914400" rtl="0" eaLnBrk="1" latinLnBrk="0" hangingPunct="1">
         <a:lnSpc>
-          <a:spcPct val="90000"/>
+          <a:spcPct val="85000"/>
         </a:lnSpc>
         <a:spcBef>
           <a:spcPct val="0"/>
         </a:spcBef>
         <a:buNone/>
-        <a:defRPr sz="4400" kern="1200">
+        <a:defRPr sz="4800" kern="1200" spc="-50" baseline="0">
           <a:solidFill>
-            <a:schemeClr val="tx1"/>
+            <a:schemeClr val="tx1">
+              <a:lumMod val="75000"/>
+              <a:lumOff val="25000"/>
+            </a:schemeClr>
           </a:solidFill>
           <a:latin typeface="+mj-lt"/>
           <a:ea typeface="+mj-ea"/>
@@ -2688,162 +3890,244 @@
       </a:lvl1pPr>
     </p:titleStyle>
     <p:bodyStyle>
-      <a:lvl1pPr marL="228600" indent="-228600" algn="l" defTabSz="914400" rtl="0" eaLnBrk="1" latinLnBrk="0" hangingPunct="1">
+      <a:lvl1pPr marL="91440" indent="-91440" algn="l" defTabSz="914400" rtl="0" eaLnBrk="1" latinLnBrk="0" hangingPunct="1">
         <a:lnSpc>
           <a:spcPct val="90000"/>
         </a:lnSpc>
         <a:spcBef>
-          <a:spcPts val="1000"/>
+          <a:spcPts val="1200"/>
         </a:spcBef>
-        <a:buFont typeface="Arial" panose="020B0604020202020204" pitchFamily="34" charset="0"/>
-        <a:buChar char="•"/>
-        <a:defRPr sz="2800" kern="1200">
+        <a:spcAft>
+          <a:spcPts val="200"/>
+        </a:spcAft>
+        <a:buClr>
+          <a:schemeClr val="accent1"/>
+        </a:buClr>
+        <a:buSzPct val="100000"/>
+        <a:buFont typeface="Calibri" panose="020F0502020204030204" pitchFamily="34" charset="0"/>
+        <a:buChar char=" "/>
+        <a:defRPr sz="2000" kern="1200">
           <a:solidFill>
-            <a:schemeClr val="tx1"/>
+            <a:schemeClr val="tx1">
+              <a:lumMod val="75000"/>
+              <a:lumOff val="25000"/>
+            </a:schemeClr>
           </a:solidFill>
           <a:latin typeface="+mn-lt"/>
           <a:ea typeface="+mn-ea"/>
           <a:cs typeface="+mn-cs"/>
         </a:defRPr>
       </a:lvl1pPr>
-      <a:lvl2pPr marL="685800" indent="-228600" algn="l" defTabSz="914400" rtl="0" eaLnBrk="1" latinLnBrk="0" hangingPunct="1">
+      <a:lvl2pPr marL="384048" indent="-182880" algn="l" defTabSz="914400" rtl="0" eaLnBrk="1" latinLnBrk="0" hangingPunct="1">
         <a:lnSpc>
           <a:spcPct val="90000"/>
         </a:lnSpc>
         <a:spcBef>
-          <a:spcPts val="500"/>
+          <a:spcPts val="200"/>
         </a:spcBef>
-        <a:buFont typeface="Arial" panose="020B0604020202020204" pitchFamily="34" charset="0"/>
-        <a:buChar char="•"/>
-        <a:defRPr sz="2400" kern="1200">
+        <a:spcAft>
+          <a:spcPts val="400"/>
+        </a:spcAft>
+        <a:buClr>
+          <a:schemeClr val="accent1"/>
+        </a:buClr>
+        <a:buFont typeface="Calibri" pitchFamily="34" charset="0"/>
+        <a:buChar char="◦"/>
+        <a:defRPr sz="1800" kern="1200">
           <a:solidFill>
-            <a:schemeClr val="tx1"/>
+            <a:schemeClr val="tx1">
+              <a:lumMod val="75000"/>
+              <a:lumOff val="25000"/>
+            </a:schemeClr>
           </a:solidFill>
           <a:latin typeface="+mn-lt"/>
           <a:ea typeface="+mn-ea"/>
           <a:cs typeface="+mn-cs"/>
         </a:defRPr>
       </a:lvl2pPr>
-      <a:lvl3pPr marL="1143000" indent="-228600" algn="l" defTabSz="914400" rtl="0" eaLnBrk="1" latinLnBrk="0" hangingPunct="1">
+      <a:lvl3pPr marL="566928" indent="-182880" algn="l" defTabSz="914400" rtl="0" eaLnBrk="1" latinLnBrk="0" hangingPunct="1">
         <a:lnSpc>
           <a:spcPct val="90000"/>
         </a:lnSpc>
         <a:spcBef>
-          <a:spcPts val="500"/>
+          <a:spcPts val="200"/>
         </a:spcBef>
-        <a:buFont typeface="Arial" panose="020B0604020202020204" pitchFamily="34" charset="0"/>
-        <a:buChar char="•"/>
-        <a:defRPr sz="2000" kern="1200">
+        <a:spcAft>
+          <a:spcPts val="400"/>
+        </a:spcAft>
+        <a:buClr>
+          <a:schemeClr val="accent1"/>
+        </a:buClr>
+        <a:buFont typeface="Calibri" pitchFamily="34" charset="0"/>
+        <a:buChar char="◦"/>
+        <a:defRPr sz="1400" kern="1200">
           <a:solidFill>
-            <a:schemeClr val="tx1"/>
+            <a:schemeClr val="tx1">
+              <a:lumMod val="75000"/>
+              <a:lumOff val="25000"/>
+            </a:schemeClr>
           </a:solidFill>
           <a:latin typeface="+mn-lt"/>
           <a:ea typeface="+mn-ea"/>
           <a:cs typeface="+mn-cs"/>
         </a:defRPr>
       </a:lvl3pPr>
-      <a:lvl4pPr marL="1600200" indent="-228600" algn="l" defTabSz="914400" rtl="0" eaLnBrk="1" latinLnBrk="0" hangingPunct="1">
+      <a:lvl4pPr marL="749808" indent="-182880" algn="l" defTabSz="914400" rtl="0" eaLnBrk="1" latinLnBrk="0" hangingPunct="1">
         <a:lnSpc>
           <a:spcPct val="90000"/>
         </a:lnSpc>
         <a:spcBef>
-          <a:spcPts val="500"/>
+          <a:spcPts val="200"/>
         </a:spcBef>
-        <a:buFont typeface="Arial" panose="020B0604020202020204" pitchFamily="34" charset="0"/>
-        <a:buChar char="•"/>
-        <a:defRPr sz="1800" kern="1200">
+        <a:spcAft>
+          <a:spcPts val="400"/>
+        </a:spcAft>
+        <a:buClr>
+          <a:schemeClr val="accent1"/>
+        </a:buClr>
+        <a:buFont typeface="Calibri" pitchFamily="34" charset="0"/>
+        <a:buChar char="◦"/>
+        <a:defRPr sz="1400" kern="1200">
           <a:solidFill>
-            <a:schemeClr val="tx1"/>
+            <a:schemeClr val="tx1">
+              <a:lumMod val="75000"/>
+              <a:lumOff val="25000"/>
+            </a:schemeClr>
           </a:solidFill>
           <a:latin typeface="+mn-lt"/>
           <a:ea typeface="+mn-ea"/>
           <a:cs typeface="+mn-cs"/>
         </a:defRPr>
       </a:lvl4pPr>
-      <a:lvl5pPr marL="2057400" indent="-228600" algn="l" defTabSz="914400" rtl="0" eaLnBrk="1" latinLnBrk="0" hangingPunct="1">
+      <a:lvl5pPr marL="932688" indent="-182880" algn="l" defTabSz="914400" rtl="0" eaLnBrk="1" latinLnBrk="0" hangingPunct="1">
         <a:lnSpc>
           <a:spcPct val="90000"/>
         </a:lnSpc>
         <a:spcBef>
-          <a:spcPts val="500"/>
+          <a:spcPts val="200"/>
         </a:spcBef>
-        <a:buFont typeface="Arial" panose="020B0604020202020204" pitchFamily="34" charset="0"/>
-        <a:buChar char="•"/>
-        <a:defRPr sz="1800" kern="1200">
+        <a:spcAft>
+          <a:spcPts val="400"/>
+        </a:spcAft>
+        <a:buClr>
+          <a:schemeClr val="accent1"/>
+        </a:buClr>
+        <a:buFont typeface="Calibri" pitchFamily="34" charset="0"/>
+        <a:buChar char="◦"/>
+        <a:defRPr sz="1400" kern="1200">
           <a:solidFill>
-            <a:schemeClr val="tx1"/>
+            <a:schemeClr val="tx1">
+              <a:lumMod val="75000"/>
+              <a:lumOff val="25000"/>
+            </a:schemeClr>
           </a:solidFill>
           <a:latin typeface="+mn-lt"/>
           <a:ea typeface="+mn-ea"/>
           <a:cs typeface="+mn-cs"/>
         </a:defRPr>
       </a:lvl5pPr>
-      <a:lvl6pPr marL="2514600" indent="-228600" algn="l" defTabSz="914400" rtl="0" eaLnBrk="1" latinLnBrk="0" hangingPunct="1">
+      <a:lvl6pPr marL="1100000" indent="-228600" algn="l" defTabSz="914400" rtl="0" eaLnBrk="1" latinLnBrk="0" hangingPunct="1">
         <a:lnSpc>
           <a:spcPct val="90000"/>
         </a:lnSpc>
         <a:spcBef>
-          <a:spcPts val="500"/>
+          <a:spcPts val="200"/>
         </a:spcBef>
-        <a:buFont typeface="Arial" panose="020B0604020202020204" pitchFamily="34" charset="0"/>
-        <a:buChar char="•"/>
-        <a:defRPr sz="1800" kern="1200">
+        <a:spcAft>
+          <a:spcPts val="400"/>
+        </a:spcAft>
+        <a:buClr>
+          <a:schemeClr val="accent1"/>
+        </a:buClr>
+        <a:buFont typeface="Calibri" pitchFamily="34" charset="0"/>
+        <a:buChar char="◦"/>
+        <a:defRPr sz="1400" kern="1200">
           <a:solidFill>
-            <a:schemeClr val="tx1"/>
+            <a:schemeClr val="tx1">
+              <a:lumMod val="75000"/>
+              <a:lumOff val="25000"/>
+            </a:schemeClr>
           </a:solidFill>
           <a:latin typeface="+mn-lt"/>
           <a:ea typeface="+mn-ea"/>
           <a:cs typeface="+mn-cs"/>
         </a:defRPr>
       </a:lvl6pPr>
-      <a:lvl7pPr marL="2971800" indent="-228600" algn="l" defTabSz="914400" rtl="0" eaLnBrk="1" latinLnBrk="0" hangingPunct="1">
+      <a:lvl7pPr marL="1300000" indent="-228600" algn="l" defTabSz="914400" rtl="0" eaLnBrk="1" latinLnBrk="0" hangingPunct="1">
         <a:lnSpc>
           <a:spcPct val="90000"/>
         </a:lnSpc>
         <a:spcBef>
-          <a:spcPts val="500"/>
+          <a:spcPts val="200"/>
         </a:spcBef>
-        <a:buFont typeface="Arial" panose="020B0604020202020204" pitchFamily="34" charset="0"/>
-        <a:buChar char="•"/>
-        <a:defRPr sz="1800" kern="1200">
+        <a:spcAft>
+          <a:spcPts val="400"/>
+        </a:spcAft>
+        <a:buClr>
+          <a:schemeClr val="accent1"/>
+        </a:buClr>
+        <a:buFont typeface="Calibri" pitchFamily="34" charset="0"/>
+        <a:buChar char="◦"/>
+        <a:defRPr sz="1400" kern="1200">
           <a:solidFill>
-            <a:schemeClr val="tx1"/>
+            <a:schemeClr val="tx1">
+              <a:lumMod val="75000"/>
+              <a:lumOff val="25000"/>
+            </a:schemeClr>
           </a:solidFill>
           <a:latin typeface="+mn-lt"/>
           <a:ea typeface="+mn-ea"/>
           <a:cs typeface="+mn-cs"/>
         </a:defRPr>
       </a:lvl7pPr>
-      <a:lvl8pPr marL="3429000" indent="-228600" algn="l" defTabSz="914400" rtl="0" eaLnBrk="1" latinLnBrk="0" hangingPunct="1">
+      <a:lvl8pPr marL="1500000" indent="-228600" algn="l" defTabSz="914400" rtl="0" eaLnBrk="1" latinLnBrk="0" hangingPunct="1">
         <a:lnSpc>
           <a:spcPct val="90000"/>
         </a:lnSpc>
         <a:spcBef>
-          <a:spcPts val="500"/>
+          <a:spcPts val="200"/>
         </a:spcBef>
-        <a:buFont typeface="Arial" panose="020B0604020202020204" pitchFamily="34" charset="0"/>
-        <a:buChar char="•"/>
-        <a:defRPr sz="1800" kern="1200">
+        <a:spcAft>
+          <a:spcPts val="400"/>
+        </a:spcAft>
+        <a:buClr>
+          <a:schemeClr val="accent1"/>
+        </a:buClr>
+        <a:buFont typeface="Calibri" pitchFamily="34" charset="0"/>
+        <a:buChar char="◦"/>
+        <a:defRPr sz="1400" kern="1200">
           <a:solidFill>
-            <a:schemeClr val="tx1"/>
+            <a:schemeClr val="tx1">
+              <a:lumMod val="75000"/>
+              <a:lumOff val="25000"/>
+            </a:schemeClr>
           </a:solidFill>
           <a:latin typeface="+mn-lt"/>
           <a:ea typeface="+mn-ea"/>
           <a:cs typeface="+mn-cs"/>
         </a:defRPr>
       </a:lvl8pPr>
-      <a:lvl9pPr marL="3886200" indent="-228600" algn="l" defTabSz="914400" rtl="0" eaLnBrk="1" latinLnBrk="0" hangingPunct="1">
+      <a:lvl9pPr marL="1700000" indent="-228600" algn="l" defTabSz="914400" rtl="0" eaLnBrk="1" latinLnBrk="0" hangingPunct="1">
         <a:lnSpc>
           <a:spcPct val="90000"/>
         </a:lnSpc>
         <a:spcBef>
-          <a:spcPts val="500"/>
+          <a:spcPts val="200"/>
         </a:spcBef>
-        <a:buFont typeface="Arial" panose="020B0604020202020204" pitchFamily="34" charset="0"/>
-        <a:buChar char="•"/>
-        <a:defRPr sz="1800" kern="1200">
+        <a:spcAft>
+          <a:spcPts val="400"/>
+        </a:spcAft>
+        <a:buClr>
+          <a:schemeClr val="accent1"/>
+        </a:buClr>
+        <a:buFont typeface="Calibri" pitchFamily="34" charset="0"/>
+        <a:buChar char="◦"/>
+        <a:defRPr sz="1400" kern="1200">
           <a:solidFill>
-            <a:schemeClr val="tx1"/>
+            <a:schemeClr val="tx1">
+              <a:lumMod val="75000"/>
+              <a:lumOff val="25000"/>
+            </a:schemeClr>
           </a:solidFill>
           <a:latin typeface="+mn-lt"/>
           <a:ea typeface="+mn-ea"/>
@@ -2853,7 +4137,7 @@
     </p:bodyStyle>
     <p:otherStyle>
       <a:defPPr>
-        <a:defRPr lang="ru-RU"/>
+        <a:defRPr lang="en-US"/>
       </a:defPPr>
       <a:lvl1pPr marL="0" algn="l" defTabSz="914400" rtl="0" eaLnBrk="1" latinLnBrk="0" hangingPunct="1">
         <a:defRPr sz="1800" kern="1200">
@@ -2979,8 +4263,8 @@
         </p:nvSpPr>
         <p:spPr>
           <a:xfrm>
-            <a:off x="802105" y="1122362"/>
-            <a:ext cx="10571747" cy="3128795"/>
+            <a:off x="914400" y="577516"/>
+            <a:ext cx="10459452" cy="3673641"/>
           </a:xfrm>
         </p:spPr>
         <p:txBody>
@@ -3028,7 +4312,7 @@
         </p:nvSpPr>
         <p:spPr>
           <a:xfrm>
-            <a:off x="7056120" y="5229726"/>
+            <a:off x="7056120" y="4668252"/>
             <a:ext cx="5135880" cy="1628274"/>
           </a:xfrm>
         </p:spPr>
@@ -3064,6 +4348,13 @@
   <p:clrMapOvr>
     <a:masterClrMapping/>
   </p:clrMapOvr>
+  <p:timing>
+    <p:tnLst>
+      <p:par>
+        <p:cTn id="1" dur="indefinite" restart="never" nodeType="tmRoot"/>
+      </p:par>
+    </p:tnLst>
+  </p:timing>
 </p:sld>
 </file>
 
@@ -3094,7 +4385,12 @@
             <p:ph type="title"/>
           </p:nvPr>
         </p:nvSpPr>
-        <p:spPr/>
+        <p:spPr>
+          <a:xfrm>
+            <a:off x="1066800" y="304660"/>
+            <a:ext cx="10058400" cy="1450757"/>
+          </a:xfrm>
+        </p:spPr>
         <p:txBody>
           <a:bodyPr/>
           <a:lstStyle/>
@@ -3119,8 +4415,8 @@
         </p:nvSpPr>
         <p:spPr>
           <a:xfrm>
-            <a:off x="838200" y="4052380"/>
-            <a:ext cx="10515600" cy="2805619"/>
+            <a:off x="838200" y="3677003"/>
+            <a:ext cx="10515600" cy="2627543"/>
           </a:xfrm>
         </p:spPr>
         <p:txBody>
@@ -3157,7 +4453,6 @@
               <a:rPr lang="ru-RU" dirty="0" smtClean="0"/>
               <a:t>Места с координатной привязкой</a:t>
             </a:r>
-            <a:endParaRPr lang="ru-RU" dirty="0" smtClean="0"/>
           </a:p>
           <a:p>
             <a:r>
@@ -3173,36 +4468,6 @@
       <p:pic>
         <p:nvPicPr>
           <p:cNvPr id="4" name="Рисунок 3"/>
-          <p:cNvPicPr>
-            <a:picLocks noChangeAspect="1"/>
-          </p:cNvPicPr>
-          <p:nvPr/>
-        </p:nvPicPr>
-        <p:blipFill>
-          <a:blip r:embed="rId2">
-            <a:extLst>
-              <a:ext uri="{28A0092B-C50C-407E-A947-70E740481C1C}">
-                <a14:useLocalDpi xmlns:a14="http://schemas.microsoft.com/office/drawing/2010/main" val="0"/>
-              </a:ext>
-            </a:extLst>
-          </a:blip>
-          <a:stretch>
-            <a:fillRect/>
-          </a:stretch>
-        </p:blipFill>
-        <p:spPr>
-          <a:xfrm>
-            <a:off x="270335" y="2259930"/>
-            <a:ext cx="2857500" cy="1600200"/>
-          </a:xfrm>
-          <a:prstGeom prst="rect">
-            <a:avLst/>
-          </a:prstGeom>
-        </p:spPr>
-      </p:pic>
-      <p:pic>
-        <p:nvPicPr>
-          <p:cNvPr id="5" name="Рисунок 4"/>
           <p:cNvPicPr>
             <a:picLocks noChangeAspect="1"/>
           </p:cNvPicPr>
@@ -3222,8 +4487,8 @@
         </p:blipFill>
         <p:spPr>
           <a:xfrm>
-            <a:off x="2592053" y="1988468"/>
-            <a:ext cx="2143125" cy="2143125"/>
+            <a:off x="174082" y="2067035"/>
+            <a:ext cx="2857500" cy="1600200"/>
           </a:xfrm>
           <a:prstGeom prst="rect">
             <a:avLst/>
@@ -3232,37 +4497,7 @@
       </p:pic>
       <p:pic>
         <p:nvPicPr>
-          <p:cNvPr id="6" name="Рисунок 5"/>
-          <p:cNvPicPr>
-            <a:picLocks noChangeAspect="1"/>
-          </p:cNvPicPr>
-          <p:nvPr/>
-        </p:nvPicPr>
-        <p:blipFill>
-          <a:blip r:embed="rId3">
-            <a:extLst>
-              <a:ext uri="{28A0092B-C50C-407E-A947-70E740481C1C}">
-                <a14:useLocalDpi xmlns:a14="http://schemas.microsoft.com/office/drawing/2010/main" val="0"/>
-              </a:ext>
-            </a:extLst>
-          </a:blip>
-          <a:stretch>
-            <a:fillRect/>
-          </a:stretch>
-        </p:blipFill>
-        <p:spPr>
-          <a:xfrm>
-            <a:off x="6787064" y="2061994"/>
-            <a:ext cx="2143125" cy="2143125"/>
-          </a:xfrm>
-          <a:prstGeom prst="rect">
-            <a:avLst/>
-          </a:prstGeom>
-        </p:spPr>
-      </p:pic>
-      <p:pic>
-        <p:nvPicPr>
-          <p:cNvPr id="7" name="Рисунок 6"/>
+          <p:cNvPr id="5" name="Рисунок 4"/>
           <p:cNvPicPr>
             <a:picLocks noChangeAspect="1"/>
           </p:cNvPicPr>
@@ -3282,8 +4517,8 @@
         </p:blipFill>
         <p:spPr>
           <a:xfrm>
-            <a:off x="8930189" y="2342734"/>
-            <a:ext cx="2762250" cy="1657350"/>
+            <a:off x="2495800" y="1795573"/>
+            <a:ext cx="2143125" cy="2143125"/>
           </a:xfrm>
           <a:prstGeom prst="rect">
             <a:avLst/>
@@ -3292,7 +4527,37 @@
       </p:pic>
       <p:pic>
         <p:nvPicPr>
-          <p:cNvPr id="8" name="Рисунок 7"/>
+          <p:cNvPr id="6" name="Рисунок 5"/>
+          <p:cNvPicPr>
+            <a:picLocks noChangeAspect="1"/>
+          </p:cNvPicPr>
+          <p:nvPr/>
+        </p:nvPicPr>
+        <p:blipFill>
+          <a:blip r:embed="rId4">
+            <a:extLst>
+              <a:ext uri="{28A0092B-C50C-407E-A947-70E740481C1C}">
+                <a14:useLocalDpi xmlns:a14="http://schemas.microsoft.com/office/drawing/2010/main" val="0"/>
+              </a:ext>
+            </a:extLst>
+          </a:blip>
+          <a:stretch>
+            <a:fillRect/>
+          </a:stretch>
+        </p:blipFill>
+        <p:spPr>
+          <a:xfrm>
+            <a:off x="6690811" y="1869099"/>
+            <a:ext cx="2143125" cy="2143125"/>
+          </a:xfrm>
+          <a:prstGeom prst="rect">
+            <a:avLst/>
+          </a:prstGeom>
+        </p:spPr>
+      </p:pic>
+      <p:pic>
+        <p:nvPicPr>
+          <p:cNvPr id="7" name="Рисунок 6"/>
           <p:cNvPicPr>
             <a:picLocks noChangeAspect="1"/>
           </p:cNvPicPr>
@@ -3312,14 +4577,67 @@
         </p:blipFill>
         <p:spPr>
           <a:xfrm>
-            <a:off x="4913772" y="2358855"/>
-            <a:ext cx="1693526" cy="1693526"/>
+            <a:off x="8833936" y="2149839"/>
+            <a:ext cx="2762250" cy="1657350"/>
           </a:xfrm>
           <a:prstGeom prst="rect">
             <a:avLst/>
           </a:prstGeom>
         </p:spPr>
       </p:pic>
+      <p:pic>
+        <p:nvPicPr>
+          <p:cNvPr id="8" name="Рисунок 7"/>
+          <p:cNvPicPr>
+            <a:picLocks noChangeAspect="1"/>
+          </p:cNvPicPr>
+          <p:nvPr/>
+        </p:nvPicPr>
+        <p:blipFill>
+          <a:blip r:embed="rId6">
+            <a:extLst>
+              <a:ext uri="{28A0092B-C50C-407E-A947-70E740481C1C}">
+                <a14:useLocalDpi xmlns:a14="http://schemas.microsoft.com/office/drawing/2010/main" val="0"/>
+              </a:ext>
+            </a:extLst>
+          </a:blip>
+          <a:stretch>
+            <a:fillRect/>
+          </a:stretch>
+        </p:blipFill>
+        <p:spPr>
+          <a:xfrm>
+            <a:off x="4817519" y="2165960"/>
+            <a:ext cx="1693526" cy="1693526"/>
+          </a:xfrm>
+          <a:prstGeom prst="rect">
+            <a:avLst/>
+          </a:prstGeom>
+        </p:spPr>
+      </p:pic>
+      <p:sp>
+        <p:nvSpPr>
+          <p:cNvPr id="9" name="Номер слайда 8"/>
+          <p:cNvSpPr>
+            <a:spLocks noGrp="1"/>
+          </p:cNvSpPr>
+          <p:nvPr>
+            <p:ph type="sldNum" sz="quarter" idx="12"/>
+          </p:nvPr>
+        </p:nvSpPr>
+        <p:spPr/>
+        <p:txBody>
+          <a:bodyPr/>
+          <a:lstStyle/>
+          <a:p>
+            <a:fld id="{54312719-E188-4125-8FBE-1E251BCF9D85}" type="slidenum">
+              <a:rPr lang="ru-RU" smtClean="0"/>
+              <a:t>2</a:t>
+            </a:fld>
+            <a:endParaRPr lang="ru-RU"/>
+          </a:p>
+        </p:txBody>
+      </p:sp>
     </p:spTree>
     <p:extLst>
       <p:ext uri="{BB962C8B-B14F-4D97-AF65-F5344CB8AC3E}">
@@ -3330,6 +4648,13 @@
   <p:clrMapOvr>
     <a:masterClrMapping/>
   </p:clrMapOvr>
+  <p:timing>
+    <p:tnLst>
+      <p:par>
+        <p:cTn id="1" dur="indefinite" restart="never" nodeType="tmRoot"/>
+      </p:par>
+    </p:tnLst>
+  </p:timing>
 </p:sld>
 </file>
 
@@ -3389,29 +4714,63 @@
           <a:lstStyle/>
           <a:p>
             <a:r>
-              <a:rPr lang="ru-RU" dirty="0" smtClean="0"/>
+              <a:rPr lang="ru-RU" sz="3600" dirty="0" smtClean="0"/>
               <a:t>Извлечение </a:t>
             </a:r>
             <a:r>
-              <a:rPr lang="ru-RU" dirty="0" err="1" smtClean="0"/>
+              <a:rPr lang="ru-RU" sz="3600" dirty="0" err="1" smtClean="0"/>
               <a:t>метаописаний</a:t>
             </a:r>
             <a:r>
-              <a:rPr lang="ru-RU" dirty="0" smtClean="0"/>
+              <a:rPr lang="ru-RU" sz="3600" dirty="0" smtClean="0"/>
               <a:t> вручную – затратный по времени процесс</a:t>
             </a:r>
           </a:p>
           <a:p>
             <a:r>
-              <a:rPr lang="ru-RU" dirty="0" smtClean="0"/>
-              <a:t>Необходимость автоматизации извлечения метаданных</a:t>
-            </a:r>
+              <a:rPr lang="ru-RU" sz="3600" dirty="0" smtClean="0"/>
+              <a:t>Существующие решения не предоставляют весь необходимый функционал</a:t>
+            </a:r>
+          </a:p>
+          <a:p>
+            <a:r>
+              <a:rPr lang="ru-RU" sz="3600" dirty="0"/>
+              <a:t>Существующие решения не </a:t>
+            </a:r>
+            <a:r>
+              <a:rPr lang="ru-RU" sz="3600" dirty="0" smtClean="0"/>
+              <a:t>предоставляют необходимые форматы данных</a:t>
+            </a:r>
+            <a:endParaRPr lang="ru-RU" sz="3600" dirty="0" smtClean="0"/>
           </a:p>
           <a:p>
             <a:endParaRPr lang="ru-RU" dirty="0" smtClean="0"/>
           </a:p>
           <a:p>
             <a:endParaRPr lang="ru-RU" dirty="0"/>
+          </a:p>
+        </p:txBody>
+      </p:sp>
+      <p:sp>
+        <p:nvSpPr>
+          <p:cNvPr id="4" name="Номер слайда 3"/>
+          <p:cNvSpPr>
+            <a:spLocks noGrp="1"/>
+          </p:cNvSpPr>
+          <p:nvPr>
+            <p:ph type="sldNum" sz="quarter" idx="12"/>
+          </p:nvPr>
+        </p:nvSpPr>
+        <p:spPr/>
+        <p:txBody>
+          <a:bodyPr/>
+          <a:lstStyle/>
+          <a:p>
+            <a:fld id="{54312719-E188-4125-8FBE-1E251BCF9D85}" type="slidenum">
+              <a:rPr lang="ru-RU" smtClean="0"/>
+              <a:t>3</a:t>
+            </a:fld>
+            <a:endParaRPr lang="ru-RU"/>
           </a:p>
         </p:txBody>
       </p:sp>
@@ -3425,6 +4784,13 @@
   <p:clrMapOvr>
     <a:masterClrMapping/>
   </p:clrMapOvr>
+  <p:timing>
+    <p:tnLst>
+      <p:par>
+        <p:cTn id="1" dur="indefinite" restart="never" nodeType="tmRoot"/>
+      </p:par>
+    </p:tnLst>
+  </p:timing>
 </p:sld>
 </file>
 
@@ -3481,54 +4847,84 @@
         <p:spPr/>
         <p:txBody>
           <a:bodyPr>
-            <a:normAutofit lnSpcReduction="10000"/>
+            <a:normAutofit/>
           </a:bodyPr>
           <a:lstStyle/>
           <a:p>
             <a:pPr lvl="0"/>
             <a:r>
-              <a:rPr lang="ru-RU" dirty="0"/>
+              <a:rPr lang="ru-RU" sz="2800" dirty="0"/>
               <a:t>Исследовать существующие методы извлечения информации из текстов; </a:t>
             </a:r>
           </a:p>
           <a:p>
             <a:pPr lvl="0"/>
             <a:r>
-              <a:rPr lang="ru-RU" dirty="0"/>
-              <a:t>Разработать методы извлечения информации из текстов; </a:t>
-            </a:r>
+              <a:rPr lang="ru-RU" sz="2800" dirty="0"/>
+              <a:t>Разработать методы </a:t>
+            </a:r>
+            <a:r>
+              <a:rPr lang="ru-RU" sz="2800" dirty="0" smtClean="0"/>
+              <a:t>извлечения </a:t>
+            </a:r>
+            <a:r>
+              <a:rPr lang="ru-RU" sz="2800" dirty="0" err="1" smtClean="0"/>
+              <a:t>мкта</a:t>
+            </a:r>
+            <a:r>
+              <a:rPr lang="ru-RU" sz="2800" dirty="0" smtClean="0"/>
+              <a:t> информации </a:t>
+            </a:r>
+            <a:r>
+              <a:rPr lang="ru-RU" sz="2800" dirty="0"/>
+              <a:t>из текстов; </a:t>
+            </a:r>
+            <a:endParaRPr lang="ru-RU" sz="2800" dirty="0" smtClean="0"/>
           </a:p>
           <a:p>
             <a:pPr lvl="0"/>
             <a:r>
-              <a:rPr lang="ru-RU" dirty="0"/>
-              <a:t>Выполнить программную реализацию разработанных методов;</a:t>
-            </a:r>
-          </a:p>
-          <a:p>
-            <a:pPr lvl="0"/>
-            <a:r>
-              <a:rPr lang="ru-RU" dirty="0"/>
-              <a:t>Реализовать клиентское приложение для системы </a:t>
-            </a:r>
-            <a:r>
-              <a:rPr lang="en-US" dirty="0" err="1"/>
+              <a:rPr lang="ru-RU" sz="2800" dirty="0" smtClean="0"/>
+              <a:t>Реализовать </a:t>
+            </a:r>
+            <a:r>
+              <a:rPr lang="ru-RU" sz="2800" dirty="0"/>
+              <a:t>клиентское приложение для системы </a:t>
+            </a:r>
+            <a:r>
+              <a:rPr lang="en-US" sz="2800" dirty="0" err="1"/>
               <a:t>GeoNetwork</a:t>
             </a:r>
             <a:r>
-              <a:rPr lang="ru-RU" dirty="0"/>
+              <a:rPr lang="ru-RU" sz="2800" dirty="0"/>
               <a:t>, в которое будет загружаться текстовый документ и извлекать метаданные из него. Также должна быть возможность отредактировать и дополнить эти данные, а затем опубликовать их. </a:t>
             </a:r>
           </a:p>
           <a:p>
-            <a:pPr lvl="0"/>
-            <a:r>
-              <a:rPr lang="ru-RU" dirty="0"/>
-              <a:t>Провести тестирование разработанной системы.</a:t>
-            </a:r>
-          </a:p>
-          <a:p>
             <a:endParaRPr lang="ru-RU" dirty="0"/>
+          </a:p>
+        </p:txBody>
+      </p:sp>
+      <p:sp>
+        <p:nvSpPr>
+          <p:cNvPr id="4" name="Номер слайда 3"/>
+          <p:cNvSpPr>
+            <a:spLocks noGrp="1"/>
+          </p:cNvSpPr>
+          <p:nvPr>
+            <p:ph type="sldNum" sz="quarter" idx="12"/>
+          </p:nvPr>
+        </p:nvSpPr>
+        <p:spPr/>
+        <p:txBody>
+          <a:bodyPr/>
+          <a:lstStyle/>
+          <a:p>
+            <a:fld id="{54312719-E188-4125-8FBE-1E251BCF9D85}" type="slidenum">
+              <a:rPr lang="ru-RU" smtClean="0"/>
+              <a:t>4</a:t>
+            </a:fld>
+            <a:endParaRPr lang="ru-RU"/>
           </a:p>
         </p:txBody>
       </p:sp>
@@ -3542,10 +4938,455 @@
   <p:clrMapOvr>
     <a:masterClrMapping/>
   </p:clrMapOvr>
+  <p:timing>
+    <p:tnLst>
+      <p:par>
+        <p:cTn id="1" dur="indefinite" restart="never" nodeType="tmRoot"/>
+      </p:par>
+    </p:tnLst>
+  </p:timing>
+</p:sld>
+</file>
+
+<file path=ppt/slides/slide5.xml><?xml version="1.0" encoding="utf-8"?>
+<p:sld xmlns:a="http://schemas.openxmlformats.org/drawingml/2006/main" xmlns:r="http://schemas.openxmlformats.org/officeDocument/2006/relationships" xmlns:p="http://schemas.openxmlformats.org/presentationml/2006/main">
+  <p:cSld>
+    <p:spTree>
+      <p:nvGrpSpPr>
+        <p:cNvPr id="1" name=""/>
+        <p:cNvGrpSpPr/>
+        <p:nvPr/>
+      </p:nvGrpSpPr>
+      <p:grpSpPr>
+        <a:xfrm>
+          <a:off x="0" y="0"/>
+          <a:ext cx="0" cy="0"/>
+          <a:chOff x="0" y="0"/>
+          <a:chExt cx="0" cy="0"/>
+        </a:xfrm>
+      </p:grpSpPr>
+      <p:sp>
+        <p:nvSpPr>
+          <p:cNvPr id="2" name="Заголовок 1"/>
+          <p:cNvSpPr>
+            <a:spLocks noGrp="1"/>
+          </p:cNvSpPr>
+          <p:nvPr>
+            <p:ph type="title"/>
+          </p:nvPr>
+        </p:nvSpPr>
+        <p:spPr>
+          <a:xfrm>
+            <a:off x="1097280" y="1388533"/>
+            <a:ext cx="10115203" cy="914401"/>
+          </a:xfrm>
+        </p:spPr>
+        <p:txBody>
+          <a:bodyPr>
+            <a:normAutofit fontScale="90000"/>
+          </a:bodyPr>
+          <a:lstStyle/>
+          <a:p>
+            <a:r>
+              <a:rPr lang="ru-RU" dirty="0"/>
+              <a:t>Обзор существующих решений</a:t>
+            </a:r>
+            <a:br>
+              <a:rPr lang="ru-RU" dirty="0"/>
+            </a:br>
+            <a:endParaRPr lang="ru-RU" dirty="0"/>
+          </a:p>
+        </p:txBody>
+      </p:sp>
+      <p:sp>
+        <p:nvSpPr>
+          <p:cNvPr id="3" name="Объект 2"/>
+          <p:cNvSpPr>
+            <a:spLocks noGrp="1"/>
+          </p:cNvSpPr>
+          <p:nvPr>
+            <p:ph idx="1"/>
+          </p:nvPr>
+        </p:nvSpPr>
+        <p:spPr/>
+        <p:txBody>
+          <a:bodyPr>
+            <a:normAutofit/>
+          </a:bodyPr>
+          <a:lstStyle/>
+          <a:p>
+            <a:r>
+              <a:rPr lang="en-US" sz="4400" dirty="0" err="1"/>
+              <a:t>Cremine</a:t>
+            </a:r>
+            <a:r>
+              <a:rPr lang="ru-RU" sz="4400" dirty="0"/>
+              <a:t> </a:t>
+            </a:r>
+            <a:endParaRPr lang="ru-RU" sz="4400" dirty="0" smtClean="0"/>
+          </a:p>
+          <a:p>
+            <a:r>
+              <a:rPr lang="en-US" sz="4400" dirty="0" smtClean="0"/>
+              <a:t>GROBID</a:t>
+            </a:r>
+            <a:endParaRPr lang="ru-RU" sz="4400" dirty="0" smtClean="0"/>
+          </a:p>
+          <a:p>
+            <a:r>
+              <a:rPr lang="en-US" sz="4400" dirty="0" smtClean="0"/>
+              <a:t>PDF</a:t>
+            </a:r>
+            <a:r>
+              <a:rPr lang="ru-RU" sz="4400" dirty="0"/>
+              <a:t>-</a:t>
+            </a:r>
+            <a:r>
+              <a:rPr lang="en-US" sz="4400" dirty="0" smtClean="0"/>
+              <a:t>Tools</a:t>
+            </a:r>
+            <a:endParaRPr lang="ru-RU" sz="4400" dirty="0"/>
+          </a:p>
+          <a:p>
+            <a:r>
+              <a:rPr lang="en-US" sz="4400" dirty="0" smtClean="0"/>
+              <a:t>Text </a:t>
+            </a:r>
+            <a:r>
+              <a:rPr lang="en-US" sz="4400" dirty="0"/>
+              <a:t>Razor</a:t>
+            </a:r>
+            <a:endParaRPr lang="ru-RU" sz="4400" dirty="0"/>
+          </a:p>
+        </p:txBody>
+      </p:sp>
+      <p:sp>
+        <p:nvSpPr>
+          <p:cNvPr id="4" name="Номер слайда 3"/>
+          <p:cNvSpPr>
+            <a:spLocks noGrp="1"/>
+          </p:cNvSpPr>
+          <p:nvPr>
+            <p:ph type="sldNum" sz="quarter" idx="12"/>
+          </p:nvPr>
+        </p:nvSpPr>
+        <p:spPr/>
+        <p:txBody>
+          <a:bodyPr/>
+          <a:lstStyle/>
+          <a:p>
+            <a:fld id="{54312719-E188-4125-8FBE-1E251BCF9D85}" type="slidenum">
+              <a:rPr lang="ru-RU" smtClean="0"/>
+              <a:t>5</a:t>
+            </a:fld>
+            <a:endParaRPr lang="ru-RU"/>
+          </a:p>
+        </p:txBody>
+      </p:sp>
+    </p:spTree>
+    <p:extLst>
+      <p:ext uri="{BB962C8B-B14F-4D97-AF65-F5344CB8AC3E}">
+        <p14:creationId xmlns:p14="http://schemas.microsoft.com/office/powerpoint/2010/main" val="3419937178"/>
+      </p:ext>
+    </p:extLst>
+  </p:cSld>
+  <p:clrMapOvr>
+    <a:masterClrMapping/>
+  </p:clrMapOvr>
+  <p:timing>
+    <p:tnLst>
+      <p:par>
+        <p:cTn id="1" dur="indefinite" restart="never" nodeType="tmRoot"/>
+      </p:par>
+    </p:tnLst>
+  </p:timing>
 </p:sld>
 </file>
 
 <file path=ppt/theme/theme1.xml><?xml version="1.0" encoding="utf-8"?>
+<a:theme xmlns:a="http://schemas.openxmlformats.org/drawingml/2006/main" name="Ретро">
+  <a:themeElements>
+    <a:clrScheme name="Ретро">
+      <a:dk1>
+        <a:srgbClr val="000000"/>
+      </a:dk1>
+      <a:lt1>
+        <a:sysClr val="window" lastClr="FFFFFF"/>
+      </a:lt1>
+      <a:dk2>
+        <a:srgbClr val="637052"/>
+      </a:dk2>
+      <a:lt2>
+        <a:srgbClr val="CCDDEA"/>
+      </a:lt2>
+      <a:accent1>
+        <a:srgbClr val="E48312"/>
+      </a:accent1>
+      <a:accent2>
+        <a:srgbClr val="BD582C"/>
+      </a:accent2>
+      <a:accent3>
+        <a:srgbClr val="865640"/>
+      </a:accent3>
+      <a:accent4>
+        <a:srgbClr val="9B8357"/>
+      </a:accent4>
+      <a:accent5>
+        <a:srgbClr val="C2BC80"/>
+      </a:accent5>
+      <a:accent6>
+        <a:srgbClr val="94A088"/>
+      </a:accent6>
+      <a:hlink>
+        <a:srgbClr val="2998E3"/>
+      </a:hlink>
+      <a:folHlink>
+        <a:srgbClr val="8C8C8C"/>
+      </a:folHlink>
+    </a:clrScheme>
+    <a:fontScheme name="Ретро">
+      <a:majorFont>
+        <a:latin typeface="Calibri Light" panose="020F0302020204030204"/>
+        <a:ea typeface=""/>
+        <a:cs typeface=""/>
+        <a:font script="Jpan" typeface="ＭＳ Ｐゴシック"/>
+        <a:font script="Hang" typeface="맑은 고딕"/>
+        <a:font script="Hans" typeface="宋体"/>
+        <a:font script="Hant" typeface="新細明體"/>
+        <a:font script="Arab" typeface="Times New Roman"/>
+        <a:font script="Hebr" typeface="Times New Roman"/>
+        <a:font script="Thai" typeface="Angsana New"/>
+        <a:font script="Ethi" typeface="Nyala"/>
+        <a:font script="Beng" typeface="Vrinda"/>
+        <a:font script="Gujr" typeface="Shruti"/>
+        <a:font script="Khmr" typeface="MoolBoran"/>
+        <a:font script="Knda" typeface="Tunga"/>
+        <a:font script="Guru" typeface="Raavi"/>
+        <a:font script="Cans" typeface="Euphemia"/>
+        <a:font script="Cher" typeface="Plantagenet Cherokee"/>
+        <a:font script="Yiii" typeface="Microsoft Yi Baiti"/>
+        <a:font script="Tibt" typeface="Microsoft Himalaya"/>
+        <a:font script="Thaa" typeface="MV Boli"/>
+        <a:font script="Deva" typeface="Mangal"/>
+        <a:font script="Telu" typeface="Gautami"/>
+        <a:font script="Taml" typeface="Latha"/>
+        <a:font script="Syrc" typeface="Estrangelo Edessa"/>
+        <a:font script="Orya" typeface="Kalinga"/>
+        <a:font script="Mlym" typeface="Kartika"/>
+        <a:font script="Laoo" typeface="DokChampa"/>
+        <a:font script="Sinh" typeface="Iskoola Pota"/>
+        <a:font script="Mong" typeface="Mongolian Baiti"/>
+        <a:font script="Viet" typeface="Times New Roman"/>
+        <a:font script="Uigh" typeface="Microsoft Uighur"/>
+        <a:font script="Geor" typeface="Sylfaen"/>
+      </a:majorFont>
+      <a:minorFont>
+        <a:latin typeface="Calibri" panose="020F0502020204030204"/>
+        <a:ea typeface=""/>
+        <a:cs typeface=""/>
+        <a:font script="Jpan" typeface="ＭＳ Ｐゴシック"/>
+        <a:font script="Hang" typeface="맑은 고딕"/>
+        <a:font script="Hans" typeface="宋体"/>
+        <a:font script="Hant" typeface="新細明體"/>
+        <a:font script="Arab" typeface="Arial"/>
+        <a:font script="Hebr" typeface="Arial"/>
+        <a:font script="Thai" typeface="Cordia New"/>
+        <a:font script="Ethi" typeface="Nyala"/>
+        <a:font script="Beng" typeface="Vrinda"/>
+        <a:font script="Gujr" typeface="Shruti"/>
+        <a:font script="Khmr" typeface="DaunPenh"/>
+        <a:font script="Knda" typeface="Tunga"/>
+        <a:font script="Guru" typeface="Raavi"/>
+        <a:font script="Cans" typeface="Euphemia"/>
+        <a:font script="Cher" typeface="Plantagenet Cherokee"/>
+        <a:font script="Yiii" typeface="Microsoft Yi Baiti"/>
+        <a:font script="Tibt" typeface="Microsoft Himalaya"/>
+        <a:font script="Thaa" typeface="MV Boli"/>
+        <a:font script="Deva" typeface="Mangal"/>
+        <a:font script="Telu" typeface="Gautami"/>
+        <a:font script="Taml" typeface="Latha"/>
+        <a:font script="Syrc" typeface="Estrangelo Edessa"/>
+        <a:font script="Orya" typeface="Kalinga"/>
+        <a:font script="Mlym" typeface="Kartika"/>
+        <a:font script="Laoo" typeface="DokChampa"/>
+        <a:font script="Sinh" typeface="Iskoola Pota"/>
+        <a:font script="Mong" typeface="Mongolian Baiti"/>
+        <a:font script="Viet" typeface="Arial"/>
+        <a:font script="Uigh" typeface="Microsoft Uighur"/>
+        <a:font script="Geor" typeface="Sylfaen"/>
+      </a:minorFont>
+    </a:fontScheme>
+    <a:fmtScheme name="Ретро">
+      <a:fillStyleLst>
+        <a:solidFill>
+          <a:schemeClr val="phClr"/>
+        </a:solidFill>
+        <a:gradFill rotWithShape="1">
+          <a:gsLst>
+            <a:gs pos="0">
+              <a:schemeClr val="phClr">
+                <a:tint val="65000"/>
+                <a:shade val="92000"/>
+                <a:satMod val="130000"/>
+              </a:schemeClr>
+            </a:gs>
+            <a:gs pos="45000">
+              <a:schemeClr val="phClr">
+                <a:tint val="60000"/>
+                <a:shade val="99000"/>
+                <a:satMod val="120000"/>
+              </a:schemeClr>
+            </a:gs>
+            <a:gs pos="100000">
+              <a:schemeClr val="phClr">
+                <a:tint val="55000"/>
+                <a:satMod val="140000"/>
+              </a:schemeClr>
+            </a:gs>
+          </a:gsLst>
+          <a:path path="circle">
+            <a:fillToRect l="100000" t="100000" r="100000" b="100000"/>
+          </a:path>
+        </a:gradFill>
+        <a:gradFill rotWithShape="1">
+          <a:gsLst>
+            <a:gs pos="0">
+              <a:schemeClr val="phClr">
+                <a:shade val="85000"/>
+                <a:satMod val="130000"/>
+              </a:schemeClr>
+            </a:gs>
+            <a:gs pos="34000">
+              <a:schemeClr val="phClr">
+                <a:shade val="87000"/>
+                <a:satMod val="125000"/>
+              </a:schemeClr>
+            </a:gs>
+            <a:gs pos="70000">
+              <a:schemeClr val="phClr">
+                <a:tint val="100000"/>
+                <a:shade val="90000"/>
+                <a:satMod val="130000"/>
+              </a:schemeClr>
+            </a:gs>
+            <a:gs pos="100000">
+              <a:schemeClr val="phClr">
+                <a:tint val="100000"/>
+                <a:shade val="100000"/>
+                <a:satMod val="110000"/>
+              </a:schemeClr>
+            </a:gs>
+          </a:gsLst>
+          <a:path path="circle">
+            <a:fillToRect l="100000" t="100000" r="100000" b="100000"/>
+          </a:path>
+        </a:gradFill>
+      </a:fillStyleLst>
+      <a:lnStyleLst>
+        <a:ln w="12700" cap="flat" cmpd="sng" algn="ctr">
+          <a:solidFill>
+            <a:schemeClr val="phClr"/>
+          </a:solidFill>
+          <a:prstDash val="solid"/>
+        </a:ln>
+        <a:ln w="15875" cap="flat" cmpd="sng" algn="ctr">
+          <a:solidFill>
+            <a:schemeClr val="phClr"/>
+          </a:solidFill>
+          <a:prstDash val="solid"/>
+        </a:ln>
+        <a:ln w="25400" cap="flat" cmpd="sng" algn="ctr">
+          <a:solidFill>
+            <a:schemeClr val="phClr"/>
+          </a:solidFill>
+          <a:prstDash val="solid"/>
+        </a:ln>
+      </a:lnStyleLst>
+      <a:effectStyleLst>
+        <a:effectStyle>
+          <a:effectLst/>
+        </a:effectStyle>
+        <a:effectStyle>
+          <a:effectLst>
+            <a:outerShdw blurRad="38100" dist="25400" dir="2700000" algn="br" rotWithShape="0">
+              <a:srgbClr val="000000">
+                <a:alpha val="60000"/>
+              </a:srgbClr>
+            </a:outerShdw>
+          </a:effectLst>
+        </a:effectStyle>
+        <a:effectStyle>
+          <a:effectLst>
+            <a:outerShdw blurRad="44450" dist="25400" dir="2700000" algn="br" rotWithShape="0">
+              <a:srgbClr val="000000">
+                <a:alpha val="60000"/>
+              </a:srgbClr>
+            </a:outerShdw>
+          </a:effectLst>
+          <a:scene3d>
+            <a:camera prst="orthographicFront">
+              <a:rot lat="0" lon="0" rev="0"/>
+            </a:camera>
+            <a:lightRig rig="threePt" dir="t">
+              <a:rot lat="0" lon="0" rev="19800000"/>
+            </a:lightRig>
+          </a:scene3d>
+          <a:sp3d prstMaterial="flat">
+            <a:bevelT w="25400" h="31750"/>
+          </a:sp3d>
+        </a:effectStyle>
+      </a:effectStyleLst>
+      <a:bgFillStyleLst>
+        <a:solidFill>
+          <a:schemeClr val="phClr"/>
+        </a:solidFill>
+        <a:solidFill>
+          <a:schemeClr val="phClr">
+            <a:tint val="90000"/>
+            <a:shade val="97000"/>
+            <a:satMod val="130000"/>
+          </a:schemeClr>
+        </a:solidFill>
+        <a:gradFill rotWithShape="1">
+          <a:gsLst>
+            <a:gs pos="0">
+              <a:schemeClr val="phClr">
+                <a:tint val="96000"/>
+                <a:shade val="99000"/>
+                <a:satMod val="140000"/>
+              </a:schemeClr>
+            </a:gs>
+            <a:gs pos="65000">
+              <a:schemeClr val="phClr">
+                <a:tint val="100000"/>
+                <a:shade val="80000"/>
+                <a:satMod val="130000"/>
+              </a:schemeClr>
+            </a:gs>
+            <a:gs pos="100000">
+              <a:schemeClr val="phClr">
+                <a:tint val="100000"/>
+                <a:shade val="48000"/>
+                <a:satMod val="120000"/>
+              </a:schemeClr>
+            </a:gs>
+          </a:gsLst>
+          <a:lin ang="16200000" scaled="0"/>
+        </a:gradFill>
+      </a:bgFillStyleLst>
+    </a:fmtScheme>
+  </a:themeElements>
+  <a:objectDefaults/>
+  <a:extraClrSchemeLst/>
+  <a:extLst>
+    <a:ext uri="{05A4C25C-085E-4340-85A3-A5531E510DB2}">
+      <thm15:themeFamily xmlns:thm15="http://schemas.microsoft.com/office/thememl/2012/main" name="Retrospect" id="{5F128B03-DCCA-4EEB-AB3B-CF2899314A46}" vid="{3F1AAB62-24C6-49D2-8E01-B56FAC9A3DCD}"/>
+    </a:ext>
+  </a:extLst>
+</a:theme>
+</file>
+
+<file path=ppt/theme/theme2.xml><?xml version="1.0" encoding="utf-8"?>
 <a:theme xmlns:a="http://schemas.openxmlformats.org/drawingml/2006/main" name="Тема Office">
   <a:themeElements>
     <a:clrScheme name="Стандартная">

--- a/report.pptx
+++ b/report.pptx
@@ -5,7 +5,7 @@
     <p:sldMasterId id="2147483678" r:id="rId1"/>
   </p:sldMasterIdLst>
   <p:notesMasterIdLst>
-    <p:notesMasterId r:id="rId7"/>
+    <p:notesMasterId r:id="rId9"/>
   </p:notesMasterIdLst>
   <p:sldIdLst>
     <p:sldId id="256" r:id="rId2"/>
@@ -13,6 +13,8 @@
     <p:sldId id="258" r:id="rId4"/>
     <p:sldId id="259" r:id="rId5"/>
     <p:sldId id="260" r:id="rId6"/>
+    <p:sldId id="261" r:id="rId7"/>
+    <p:sldId id="262" r:id="rId8"/>
   </p:sldIdLst>
   <p:sldSz cx="12192000" cy="6858000"/>
   <p:notesSz cx="6858000" cy="9144000"/>
@@ -201,7 +203,7 @@
           <a:p>
             <a:fld id="{D766DA2C-6D91-4888-A01C-01981EF51355}" type="datetimeFigureOut">
               <a:rPr lang="ru-RU" smtClean="0"/>
-              <a:t>27.04.2018</a:t>
+              <a:t>04.05.2018</a:t>
             </a:fld>
             <a:endParaRPr lang="ru-RU"/>
           </a:p>
@@ -779,7 +781,7 @@
           <a:p>
             <a:fld id="{18837A14-3D39-42D9-9056-F1062FE5D0F9}" type="datetime1">
               <a:rPr lang="ru-RU" smtClean="0"/>
-              <a:t>27.04.2018</a:t>
+              <a:t>04.05.2018</a:t>
             </a:fld>
             <a:endParaRPr lang="ru-RU"/>
           </a:p>
@@ -987,7 +989,7 @@
           <a:p>
             <a:fld id="{3820FA97-3B9C-4C9F-86D0-2D0822049852}" type="datetime1">
               <a:rPr lang="ru-RU" smtClean="0"/>
-              <a:t>27.04.2018</a:t>
+              <a:t>04.05.2018</a:t>
             </a:fld>
             <a:endParaRPr lang="ru-RU"/>
           </a:p>
@@ -1243,7 +1245,7 @@
           <a:p>
             <a:fld id="{96A5DF4A-BDB0-4A4F-8016-D636757619FD}" type="datetime1">
               <a:rPr lang="ru-RU" smtClean="0"/>
-              <a:t>27.04.2018</a:t>
+              <a:t>04.05.2018</a:t>
             </a:fld>
             <a:endParaRPr lang="ru-RU"/>
           </a:p>
@@ -1417,7 +1419,7 @@
           <a:p>
             <a:fld id="{FE59C463-7644-4BCC-9DCC-EC8C567A0F36}" type="datetime1">
               <a:rPr lang="ru-RU" smtClean="0"/>
-              <a:t>27.04.2018</a:t>
+              <a:t>04.05.2018</a:t>
             </a:fld>
             <a:endParaRPr lang="ru-RU"/>
           </a:p>
@@ -1760,7 +1762,7 @@
           <a:p>
             <a:fld id="{6D1229F1-4B30-47BD-8CCF-94D6BFC7AE8E}" type="datetime1">
               <a:rPr lang="ru-RU" smtClean="0"/>
-              <a:t>27.04.2018</a:t>
+              <a:t>04.05.2018</a:t>
             </a:fld>
             <a:endParaRPr lang="ru-RU"/>
           </a:p>
@@ -2035,7 +2037,7 @@
           <a:p>
             <a:fld id="{7D3E3913-5AFD-44C6-8B4C-158E5793D2A4}" type="datetime1">
               <a:rPr lang="ru-RU" smtClean="0"/>
-              <a:t>27.04.2018</a:t>
+              <a:t>04.05.2018</a:t>
             </a:fld>
             <a:endParaRPr lang="ru-RU"/>
           </a:p>
@@ -2414,7 +2416,7 @@
           <a:p>
             <a:fld id="{AF6518BD-5A14-48F4-8C85-7EB83F6CA3F8}" type="datetime1">
               <a:rPr lang="ru-RU" smtClean="0"/>
-              <a:t>27.04.2018</a:t>
+              <a:t>04.05.2018</a:t>
             </a:fld>
             <a:endParaRPr lang="ru-RU"/>
           </a:p>
@@ -2532,7 +2534,7 @@
           <a:p>
             <a:fld id="{2C7BE2EB-2075-4761-9D0C-5FF2BAC03B84}" type="datetime1">
               <a:rPr lang="ru-RU" smtClean="0"/>
-              <a:t>27.04.2018</a:t>
+              <a:t>04.05.2018</a:t>
             </a:fld>
             <a:endParaRPr lang="ru-RU"/>
           </a:p>
@@ -2703,7 +2705,7 @@
           <a:p>
             <a:fld id="{C5FED122-B1B9-4197-AD73-80AAB00358F0}" type="datetime1">
               <a:rPr lang="ru-RU" smtClean="0"/>
-              <a:t>27.04.2018</a:t>
+              <a:t>04.05.2018</a:t>
             </a:fld>
             <a:endParaRPr lang="ru-RU"/>
           </a:p>
@@ -3057,7 +3059,7 @@
           <a:p>
             <a:fld id="{F6FAD313-3015-49C8-90D4-336FF46AF479}" type="datetime1">
               <a:rPr lang="ru-RU" smtClean="0"/>
-              <a:t>27.04.2018</a:t>
+              <a:t>04.05.2018</a:t>
             </a:fld>
             <a:endParaRPr lang="ru-RU"/>
           </a:p>
@@ -3439,7 +3441,7 @@
           <a:p>
             <a:fld id="{82C1DDF3-30EC-40D8-869B-0E53F1E7B123}" type="datetime1">
               <a:rPr lang="ru-RU" smtClean="0"/>
-              <a:t>27.04.2018</a:t>
+              <a:t>04.05.2018</a:t>
             </a:fld>
             <a:endParaRPr lang="ru-RU"/>
           </a:p>
@@ -3726,7 +3728,7 @@
           <a:p>
             <a:fld id="{F4D33611-8D4F-43A3-A0AB-EBE66414247D}" type="datetime1">
               <a:rPr lang="ru-RU" smtClean="0"/>
-              <a:t>27.04.2018</a:t>
+              <a:t>04.05.2018</a:t>
             </a:fld>
             <a:endParaRPr lang="ru-RU"/>
           </a:p>
@@ -4263,8 +4265,8 @@
         </p:nvSpPr>
         <p:spPr>
           <a:xfrm>
-            <a:off x="914400" y="577516"/>
-            <a:ext cx="10459452" cy="3673641"/>
+            <a:off x="936170" y="577516"/>
+            <a:ext cx="10437681" cy="3673641"/>
           </a:xfrm>
         </p:spPr>
         <p:txBody>
@@ -4741,7 +4743,6 @@
               <a:rPr lang="ru-RU" sz="3600" dirty="0" smtClean="0"/>
               <a:t>предоставляют необходимые форматы данных</a:t>
             </a:r>
-            <a:endParaRPr lang="ru-RU" sz="3600" dirty="0" smtClean="0"/>
           </a:p>
           <a:p>
             <a:endParaRPr lang="ru-RU" dirty="0" smtClean="0"/>
@@ -5100,6 +5101,1296 @@
       </p:par>
     </p:tnLst>
   </p:timing>
+</p:sld>
+</file>
+
+<file path=ppt/slides/slide6.xml><?xml version="1.0" encoding="utf-8"?>
+<p:sld xmlns:a="http://schemas.openxmlformats.org/drawingml/2006/main" xmlns:r="http://schemas.openxmlformats.org/officeDocument/2006/relationships" xmlns:p="http://schemas.openxmlformats.org/presentationml/2006/main">
+  <p:cSld>
+    <p:spTree>
+      <p:nvGrpSpPr>
+        <p:cNvPr id="1" name=""/>
+        <p:cNvGrpSpPr/>
+        <p:nvPr/>
+      </p:nvGrpSpPr>
+      <p:grpSpPr>
+        <a:xfrm>
+          <a:off x="0" y="0"/>
+          <a:ext cx="0" cy="0"/>
+          <a:chOff x="0" y="0"/>
+          <a:chExt cx="0" cy="0"/>
+        </a:xfrm>
+      </p:grpSpPr>
+      <p:sp>
+        <p:nvSpPr>
+          <p:cNvPr id="2" name="Заголовок 1"/>
+          <p:cNvSpPr>
+            <a:spLocks noGrp="1"/>
+          </p:cNvSpPr>
+          <p:nvPr>
+            <p:ph type="title"/>
+          </p:nvPr>
+        </p:nvSpPr>
+        <p:spPr>
+          <a:xfrm>
+            <a:off x="1097280" y="286604"/>
+            <a:ext cx="10058400" cy="1193854"/>
+          </a:xfrm>
+        </p:spPr>
+        <p:txBody>
+          <a:bodyPr/>
+          <a:lstStyle/>
+          <a:p>
+            <a:r>
+              <a:rPr lang="ru-RU" dirty="0" smtClean="0"/>
+              <a:t>Архитектура системы</a:t>
+            </a:r>
+            <a:endParaRPr lang="ru-RU" dirty="0"/>
+          </a:p>
+        </p:txBody>
+      </p:sp>
+      <p:sp>
+        <p:nvSpPr>
+          <p:cNvPr id="4" name="Номер слайда 3"/>
+          <p:cNvSpPr>
+            <a:spLocks noGrp="1"/>
+          </p:cNvSpPr>
+          <p:nvPr>
+            <p:ph type="sldNum" sz="quarter" idx="12"/>
+          </p:nvPr>
+        </p:nvSpPr>
+        <p:spPr/>
+        <p:txBody>
+          <a:bodyPr/>
+          <a:lstStyle/>
+          <a:p>
+            <a:fld id="{54312719-E188-4125-8FBE-1E251BCF9D85}" type="slidenum">
+              <a:rPr lang="ru-RU" smtClean="0"/>
+              <a:t>6</a:t>
+            </a:fld>
+            <a:endParaRPr lang="ru-RU"/>
+          </a:p>
+        </p:txBody>
+      </p:sp>
+      <p:pic>
+        <p:nvPicPr>
+          <p:cNvPr id="7" name="Объект 6"/>
+          <p:cNvPicPr>
+            <a:picLocks noGrp="1" noChangeAspect="1"/>
+          </p:cNvPicPr>
+          <p:nvPr>
+            <p:ph idx="1"/>
+          </p:nvPr>
+        </p:nvPicPr>
+        <p:blipFill>
+          <a:blip r:embed="rId2">
+            <a:extLst>
+              <a:ext uri="{28A0092B-C50C-407E-A947-70E740481C1C}">
+                <a14:useLocalDpi xmlns:a14="http://schemas.microsoft.com/office/drawing/2010/main" val="0"/>
+              </a:ext>
+            </a:extLst>
+          </a:blip>
+          <a:stretch>
+            <a:fillRect/>
+          </a:stretch>
+        </p:blipFill>
+        <p:spPr>
+          <a:xfrm>
+            <a:off x="4452256" y="1752600"/>
+            <a:ext cx="3243943" cy="4560346"/>
+          </a:xfrm>
+        </p:spPr>
+      </p:pic>
+    </p:spTree>
+    <p:extLst>
+      <p:ext uri="{BB962C8B-B14F-4D97-AF65-F5344CB8AC3E}">
+        <p14:creationId xmlns:p14="http://schemas.microsoft.com/office/powerpoint/2010/main" val="2745529671"/>
+      </p:ext>
+    </p:extLst>
+  </p:cSld>
+  <p:clrMapOvr>
+    <a:masterClrMapping/>
+  </p:clrMapOvr>
+</p:sld>
+</file>
+
+<file path=ppt/slides/slide7.xml><?xml version="1.0" encoding="utf-8"?>
+<p:sld xmlns:a="http://schemas.openxmlformats.org/drawingml/2006/main" xmlns:r="http://schemas.openxmlformats.org/officeDocument/2006/relationships" xmlns:p="http://schemas.openxmlformats.org/presentationml/2006/main">
+  <p:cSld>
+    <p:spTree>
+      <p:nvGrpSpPr>
+        <p:cNvPr id="1" name=""/>
+        <p:cNvGrpSpPr/>
+        <p:nvPr/>
+      </p:nvGrpSpPr>
+      <p:grpSpPr>
+        <a:xfrm>
+          <a:off x="0" y="0"/>
+          <a:ext cx="0" cy="0"/>
+          <a:chOff x="0" y="0"/>
+          <a:chExt cx="0" cy="0"/>
+        </a:xfrm>
+      </p:grpSpPr>
+      <p:sp>
+        <p:nvSpPr>
+          <p:cNvPr id="2" name="Заголовок 1"/>
+          <p:cNvSpPr>
+            <a:spLocks noGrp="1"/>
+          </p:cNvSpPr>
+          <p:nvPr>
+            <p:ph type="title"/>
+          </p:nvPr>
+        </p:nvSpPr>
+        <p:spPr/>
+        <p:txBody>
+          <a:bodyPr/>
+          <a:lstStyle/>
+          <a:p>
+            <a:r>
+              <a:rPr lang="ru-RU" dirty="0" smtClean="0"/>
+              <a:t>Результаты извлечения </a:t>
+            </a:r>
+            <a:r>
+              <a:rPr lang="en-US" dirty="0" smtClean="0"/>
+              <a:t>NER</a:t>
+            </a:r>
+            <a:endParaRPr lang="ru-RU" dirty="0"/>
+          </a:p>
+        </p:txBody>
+      </p:sp>
+      <p:graphicFrame>
+        <p:nvGraphicFramePr>
+          <p:cNvPr id="5" name="Объект 4"/>
+          <p:cNvGraphicFramePr>
+            <a:graphicFrameLocks noGrp="1"/>
+          </p:cNvGraphicFramePr>
+          <p:nvPr>
+            <p:ph idx="1"/>
+            <p:extLst>
+              <p:ext uri="{D42A27DB-BD31-4B8C-83A1-F6EECF244321}">
+                <p14:modId xmlns:p14="http://schemas.microsoft.com/office/powerpoint/2010/main" val="3929802024"/>
+              </p:ext>
+            </p:extLst>
+          </p:nvPr>
+        </p:nvGraphicFramePr>
+        <p:xfrm>
+          <a:off x="460204" y="2031868"/>
+          <a:ext cx="11331915" cy="884534"/>
+        </p:xfrm>
+        <a:graphic>
+          <a:graphicData uri="http://schemas.openxmlformats.org/drawingml/2006/table">
+            <a:tbl>
+              <a:tblPr firstRow="1" firstCol="1" bandRow="1">
+                <a:tableStyleId>{5C22544A-7EE6-4342-B048-85BDC9FD1C3A}</a:tableStyleId>
+              </a:tblPr>
+              <a:tblGrid>
+                <a:gridCol w="2266383"/>
+                <a:gridCol w="2266383"/>
+                <a:gridCol w="2266383"/>
+                <a:gridCol w="2266383"/>
+                <a:gridCol w="2266383"/>
+              </a:tblGrid>
+              <a:tr h="452211">
+                <a:tc>
+                  <a:txBody>
+                    <a:bodyPr/>
+                    <a:lstStyle/>
+                    <a:p>
+                      <a:pPr>
+                        <a:lnSpc>
+                          <a:spcPct val="107000"/>
+                        </a:lnSpc>
+                        <a:spcAft>
+                          <a:spcPts val="0"/>
+                        </a:spcAft>
+                      </a:pPr>
+                      <a:r>
+                        <a:rPr lang="en-US" sz="2600" dirty="0">
+                          <a:effectLst/>
+                        </a:rPr>
+                        <a:t> </a:t>
+                      </a:r>
+                      <a:endParaRPr lang="ru-RU" sz="2100" dirty="0">
+                        <a:effectLst/>
+                        <a:latin typeface="Calibri" panose="020F0502020204030204" pitchFamily="34" charset="0"/>
+                        <a:ea typeface="Calibri" panose="020F0502020204030204" pitchFamily="34" charset="0"/>
+                        <a:cs typeface="Times New Roman" panose="02020603050405020304" pitchFamily="18" charset="0"/>
+                      </a:endParaRPr>
+                    </a:p>
+                  </a:txBody>
+                  <a:tcPr marL="130963" marR="130963" marT="0" marB="0"/>
+                </a:tc>
+                <a:tc>
+                  <a:txBody>
+                    <a:bodyPr/>
+                    <a:lstStyle/>
+                    <a:p>
+                      <a:pPr>
+                        <a:lnSpc>
+                          <a:spcPct val="107000"/>
+                        </a:lnSpc>
+                        <a:spcAft>
+                          <a:spcPts val="0"/>
+                        </a:spcAft>
+                      </a:pPr>
+                      <a:r>
+                        <a:rPr lang="en-US" sz="2600" dirty="0" err="1">
+                          <a:effectLst/>
+                        </a:rPr>
+                        <a:t>Acc</a:t>
+                      </a:r>
+                      <a:endParaRPr lang="ru-RU" sz="2100" dirty="0">
+                        <a:effectLst/>
+                        <a:latin typeface="Calibri" panose="020F0502020204030204" pitchFamily="34" charset="0"/>
+                        <a:ea typeface="Calibri" panose="020F0502020204030204" pitchFamily="34" charset="0"/>
+                        <a:cs typeface="Times New Roman" panose="02020603050405020304" pitchFamily="18" charset="0"/>
+                      </a:endParaRPr>
+                    </a:p>
+                  </a:txBody>
+                  <a:tcPr marL="130963" marR="130963" marT="0" marB="0"/>
+                </a:tc>
+                <a:tc>
+                  <a:txBody>
+                    <a:bodyPr/>
+                    <a:lstStyle/>
+                    <a:p>
+                      <a:pPr>
+                        <a:lnSpc>
+                          <a:spcPct val="107000"/>
+                        </a:lnSpc>
+                        <a:spcAft>
+                          <a:spcPts val="0"/>
+                        </a:spcAft>
+                      </a:pPr>
+                      <a:r>
+                        <a:rPr lang="en-US" sz="2600">
+                          <a:effectLst/>
+                        </a:rPr>
+                        <a:t>Pred</a:t>
+                      </a:r>
+                      <a:endParaRPr lang="ru-RU" sz="2100">
+                        <a:effectLst/>
+                        <a:latin typeface="Calibri" panose="020F0502020204030204" pitchFamily="34" charset="0"/>
+                        <a:ea typeface="Calibri" panose="020F0502020204030204" pitchFamily="34" charset="0"/>
+                        <a:cs typeface="Times New Roman" panose="02020603050405020304" pitchFamily="18" charset="0"/>
+                      </a:endParaRPr>
+                    </a:p>
+                  </a:txBody>
+                  <a:tcPr marL="130963" marR="130963" marT="0" marB="0"/>
+                </a:tc>
+                <a:tc>
+                  <a:txBody>
+                    <a:bodyPr/>
+                    <a:lstStyle/>
+                    <a:p>
+                      <a:pPr>
+                        <a:lnSpc>
+                          <a:spcPct val="107000"/>
+                        </a:lnSpc>
+                        <a:spcAft>
+                          <a:spcPts val="0"/>
+                        </a:spcAft>
+                      </a:pPr>
+                      <a:r>
+                        <a:rPr lang="en-US" sz="2600" dirty="0">
+                          <a:effectLst/>
+                        </a:rPr>
+                        <a:t>Recall</a:t>
+                      </a:r>
+                      <a:endParaRPr lang="ru-RU" sz="2100" dirty="0">
+                        <a:effectLst/>
+                        <a:latin typeface="Calibri" panose="020F0502020204030204" pitchFamily="34" charset="0"/>
+                        <a:ea typeface="Calibri" panose="020F0502020204030204" pitchFamily="34" charset="0"/>
+                        <a:cs typeface="Times New Roman" panose="02020603050405020304" pitchFamily="18" charset="0"/>
+                      </a:endParaRPr>
+                    </a:p>
+                  </a:txBody>
+                  <a:tcPr marL="130963" marR="130963" marT="0" marB="0"/>
+                </a:tc>
+                <a:tc>
+                  <a:txBody>
+                    <a:bodyPr/>
+                    <a:lstStyle/>
+                    <a:p>
+                      <a:pPr>
+                        <a:lnSpc>
+                          <a:spcPct val="107000"/>
+                        </a:lnSpc>
+                        <a:spcAft>
+                          <a:spcPts val="0"/>
+                        </a:spcAft>
+                      </a:pPr>
+                      <a:r>
+                        <a:rPr lang="en-US" sz="2600" dirty="0">
+                          <a:effectLst/>
+                        </a:rPr>
+                        <a:t>FM</a:t>
+                      </a:r>
+                      <a:endParaRPr lang="ru-RU" sz="2100" dirty="0">
+                        <a:effectLst/>
+                        <a:latin typeface="Calibri" panose="020F0502020204030204" pitchFamily="34" charset="0"/>
+                        <a:ea typeface="Calibri" panose="020F0502020204030204" pitchFamily="34" charset="0"/>
+                        <a:cs typeface="Times New Roman" panose="02020603050405020304" pitchFamily="18" charset="0"/>
+                      </a:endParaRPr>
+                    </a:p>
+                  </a:txBody>
+                  <a:tcPr marL="130963" marR="130963" marT="0" marB="0"/>
+                </a:tc>
+              </a:tr>
+              <a:tr h="432323">
+                <a:tc>
+                  <a:txBody>
+                    <a:bodyPr/>
+                    <a:lstStyle/>
+                    <a:p>
+                      <a:pPr>
+                        <a:lnSpc>
+                          <a:spcPct val="107000"/>
+                        </a:lnSpc>
+                        <a:spcAft>
+                          <a:spcPts val="0"/>
+                        </a:spcAft>
+                      </a:pPr>
+                      <a:r>
+                        <a:rPr lang="en-US" sz="2600" b="0">
+                          <a:effectLst/>
+                        </a:rPr>
+                        <a:t>LSTM</a:t>
+                      </a:r>
+                      <a:endParaRPr lang="ru-RU" sz="2100" b="0">
+                        <a:effectLst/>
+                        <a:latin typeface="Calibri" panose="020F0502020204030204" pitchFamily="34" charset="0"/>
+                        <a:ea typeface="Calibri" panose="020F0502020204030204" pitchFamily="34" charset="0"/>
+                        <a:cs typeface="Times New Roman" panose="02020603050405020304" pitchFamily="18" charset="0"/>
+                      </a:endParaRPr>
+                    </a:p>
+                  </a:txBody>
+                  <a:tcPr marL="130963" marR="130963" marT="0" marB="0"/>
+                </a:tc>
+                <a:tc>
+                  <a:txBody>
+                    <a:bodyPr/>
+                    <a:lstStyle/>
+                    <a:p>
+                      <a:pPr>
+                        <a:lnSpc>
+                          <a:spcPct val="107000"/>
+                        </a:lnSpc>
+                        <a:spcAft>
+                          <a:spcPts val="0"/>
+                        </a:spcAft>
+                      </a:pPr>
+                      <a:r>
+                        <a:rPr lang="en-US" sz="2600" b="0" dirty="0">
+                          <a:effectLst/>
+                        </a:rPr>
+                        <a:t>98.89</a:t>
+                      </a:r>
+                      <a:endParaRPr lang="ru-RU" sz="2100" b="0" dirty="0">
+                        <a:effectLst/>
+                        <a:latin typeface="Calibri" panose="020F0502020204030204" pitchFamily="34" charset="0"/>
+                        <a:ea typeface="Calibri" panose="020F0502020204030204" pitchFamily="34" charset="0"/>
+                        <a:cs typeface="Times New Roman" panose="02020603050405020304" pitchFamily="18" charset="0"/>
+                      </a:endParaRPr>
+                    </a:p>
+                  </a:txBody>
+                  <a:tcPr marL="130963" marR="130963" marT="0" marB="0"/>
+                </a:tc>
+                <a:tc>
+                  <a:txBody>
+                    <a:bodyPr/>
+                    <a:lstStyle/>
+                    <a:p>
+                      <a:pPr>
+                        <a:lnSpc>
+                          <a:spcPct val="107000"/>
+                        </a:lnSpc>
+                        <a:spcAft>
+                          <a:spcPts val="0"/>
+                        </a:spcAft>
+                      </a:pPr>
+                      <a:r>
+                        <a:rPr lang="en-US" sz="2600" b="0" dirty="0">
+                          <a:effectLst/>
+                        </a:rPr>
+                        <a:t>93.5</a:t>
+                      </a:r>
+                      <a:endParaRPr lang="ru-RU" sz="2100" b="0" dirty="0">
+                        <a:effectLst/>
+                        <a:latin typeface="Calibri" panose="020F0502020204030204" pitchFamily="34" charset="0"/>
+                        <a:ea typeface="Calibri" panose="020F0502020204030204" pitchFamily="34" charset="0"/>
+                        <a:cs typeface="Times New Roman" panose="02020603050405020304" pitchFamily="18" charset="0"/>
+                      </a:endParaRPr>
+                    </a:p>
+                  </a:txBody>
+                  <a:tcPr marL="130963" marR="130963" marT="0" marB="0"/>
+                </a:tc>
+                <a:tc>
+                  <a:txBody>
+                    <a:bodyPr/>
+                    <a:lstStyle/>
+                    <a:p>
+                      <a:pPr>
+                        <a:lnSpc>
+                          <a:spcPct val="107000"/>
+                        </a:lnSpc>
+                        <a:spcAft>
+                          <a:spcPts val="0"/>
+                        </a:spcAft>
+                      </a:pPr>
+                      <a:r>
+                        <a:rPr lang="en-US" sz="2600" b="0">
+                          <a:effectLst/>
+                        </a:rPr>
+                        <a:t>93.6</a:t>
+                      </a:r>
+                      <a:endParaRPr lang="ru-RU" sz="2100" b="0">
+                        <a:effectLst/>
+                        <a:latin typeface="Calibri" panose="020F0502020204030204" pitchFamily="34" charset="0"/>
+                        <a:ea typeface="Calibri" panose="020F0502020204030204" pitchFamily="34" charset="0"/>
+                        <a:cs typeface="Times New Roman" panose="02020603050405020304" pitchFamily="18" charset="0"/>
+                      </a:endParaRPr>
+                    </a:p>
+                  </a:txBody>
+                  <a:tcPr marL="130963" marR="130963" marT="0" marB="0"/>
+                </a:tc>
+                <a:tc>
+                  <a:txBody>
+                    <a:bodyPr/>
+                    <a:lstStyle/>
+                    <a:p>
+                      <a:pPr>
+                        <a:lnSpc>
+                          <a:spcPct val="107000"/>
+                        </a:lnSpc>
+                        <a:spcAft>
+                          <a:spcPts val="0"/>
+                        </a:spcAft>
+                      </a:pPr>
+                      <a:r>
+                        <a:rPr lang="en-US" sz="2600" b="0" dirty="0">
+                          <a:effectLst/>
+                        </a:rPr>
+                        <a:t>93.57</a:t>
+                      </a:r>
+                      <a:endParaRPr lang="ru-RU" sz="2100" b="0" dirty="0">
+                        <a:effectLst/>
+                        <a:latin typeface="Calibri" panose="020F0502020204030204" pitchFamily="34" charset="0"/>
+                        <a:ea typeface="Calibri" panose="020F0502020204030204" pitchFamily="34" charset="0"/>
+                        <a:cs typeface="Times New Roman" panose="02020603050405020304" pitchFamily="18" charset="0"/>
+                      </a:endParaRPr>
+                    </a:p>
+                  </a:txBody>
+                  <a:tcPr marL="130963" marR="130963" marT="0" marB="0"/>
+                </a:tc>
+              </a:tr>
+            </a:tbl>
+          </a:graphicData>
+        </a:graphic>
+      </p:graphicFrame>
+      <p:sp>
+        <p:nvSpPr>
+          <p:cNvPr id="4" name="Номер слайда 3"/>
+          <p:cNvSpPr>
+            <a:spLocks noGrp="1"/>
+          </p:cNvSpPr>
+          <p:nvPr>
+            <p:ph type="sldNum" sz="quarter" idx="12"/>
+          </p:nvPr>
+        </p:nvSpPr>
+        <p:spPr/>
+        <p:txBody>
+          <a:bodyPr/>
+          <a:lstStyle/>
+          <a:p>
+            <a:fld id="{54312719-E188-4125-8FBE-1E251BCF9D85}" type="slidenum">
+              <a:rPr lang="ru-RU" smtClean="0"/>
+              <a:t>7</a:t>
+            </a:fld>
+            <a:endParaRPr lang="ru-RU"/>
+          </a:p>
+        </p:txBody>
+      </p:sp>
+      <p:graphicFrame>
+        <p:nvGraphicFramePr>
+          <p:cNvPr id="6" name="Таблица 5"/>
+          <p:cNvGraphicFramePr>
+            <a:graphicFrameLocks noGrp="1"/>
+          </p:cNvGraphicFramePr>
+          <p:nvPr>
+            <p:extLst>
+              <p:ext uri="{D42A27DB-BD31-4B8C-83A1-F6EECF244321}">
+                <p14:modId xmlns:p14="http://schemas.microsoft.com/office/powerpoint/2010/main" val="2895710647"/>
+              </p:ext>
+            </p:extLst>
+          </p:nvPr>
+        </p:nvGraphicFramePr>
+        <p:xfrm>
+          <a:off x="460206" y="3210908"/>
+          <a:ext cx="11331915" cy="2860000"/>
+        </p:xfrm>
+        <a:graphic>
+          <a:graphicData uri="http://schemas.openxmlformats.org/drawingml/2006/table">
+            <a:tbl>
+              <a:tblPr firstRow="1" firstCol="1" bandRow="1">
+                <a:tableStyleId>{5C22544A-7EE6-4342-B048-85BDC9FD1C3A}</a:tableStyleId>
+              </a:tblPr>
+              <a:tblGrid>
+                <a:gridCol w="2266383"/>
+                <a:gridCol w="2266383"/>
+                <a:gridCol w="2266383"/>
+                <a:gridCol w="2266383"/>
+                <a:gridCol w="2266383"/>
+              </a:tblGrid>
+              <a:tr h="572000">
+                <a:tc>
+                  <a:txBody>
+                    <a:bodyPr/>
+                    <a:lstStyle/>
+                    <a:p>
+                      <a:pPr>
+                        <a:lnSpc>
+                          <a:spcPct val="107000"/>
+                        </a:lnSpc>
+                        <a:spcAft>
+                          <a:spcPts val="0"/>
+                        </a:spcAft>
+                      </a:pPr>
+                      <a:r>
+                        <a:rPr lang="en-US" sz="1400" dirty="0">
+                          <a:effectLst/>
+                        </a:rPr>
+                        <a:t> </a:t>
+                      </a:r>
+                      <a:endParaRPr lang="ru-RU" sz="1100" dirty="0">
+                        <a:effectLst/>
+                        <a:latin typeface="Calibri" panose="020F0502020204030204" pitchFamily="34" charset="0"/>
+                        <a:ea typeface="Calibri" panose="020F0502020204030204" pitchFamily="34" charset="0"/>
+                        <a:cs typeface="Times New Roman" panose="02020603050405020304" pitchFamily="18" charset="0"/>
+                      </a:endParaRPr>
+                    </a:p>
+                  </a:txBody>
+                  <a:tcPr marL="68580" marR="68580" marT="0" marB="0"/>
+                </a:tc>
+                <a:tc>
+                  <a:txBody>
+                    <a:bodyPr/>
+                    <a:lstStyle/>
+                    <a:p>
+                      <a:pPr>
+                        <a:lnSpc>
+                          <a:spcPct val="107000"/>
+                        </a:lnSpc>
+                        <a:spcAft>
+                          <a:spcPts val="0"/>
+                        </a:spcAft>
+                      </a:pPr>
+                      <a:r>
+                        <a:rPr lang="en-US" sz="2600" dirty="0" err="1">
+                          <a:effectLst/>
+                        </a:rPr>
+                        <a:t>Acc</a:t>
+                      </a:r>
+                      <a:endParaRPr lang="ru-RU" sz="2600" dirty="0">
+                        <a:effectLst/>
+                        <a:latin typeface="Calibri" panose="020F0502020204030204" pitchFamily="34" charset="0"/>
+                        <a:ea typeface="Calibri" panose="020F0502020204030204" pitchFamily="34" charset="0"/>
+                        <a:cs typeface="Times New Roman" panose="02020603050405020304" pitchFamily="18" charset="0"/>
+                      </a:endParaRPr>
+                    </a:p>
+                  </a:txBody>
+                  <a:tcPr marL="68580" marR="68580" marT="0" marB="0"/>
+                </a:tc>
+                <a:tc>
+                  <a:txBody>
+                    <a:bodyPr/>
+                    <a:lstStyle/>
+                    <a:p>
+                      <a:pPr>
+                        <a:lnSpc>
+                          <a:spcPct val="107000"/>
+                        </a:lnSpc>
+                        <a:spcAft>
+                          <a:spcPts val="0"/>
+                        </a:spcAft>
+                      </a:pPr>
+                      <a:r>
+                        <a:rPr lang="en-US" sz="2600" dirty="0" err="1">
+                          <a:effectLst/>
+                        </a:rPr>
+                        <a:t>Pred</a:t>
+                      </a:r>
+                      <a:endParaRPr lang="ru-RU" sz="2600" dirty="0">
+                        <a:effectLst/>
+                        <a:latin typeface="Calibri" panose="020F0502020204030204" pitchFamily="34" charset="0"/>
+                        <a:ea typeface="Calibri" panose="020F0502020204030204" pitchFamily="34" charset="0"/>
+                        <a:cs typeface="Times New Roman" panose="02020603050405020304" pitchFamily="18" charset="0"/>
+                      </a:endParaRPr>
+                    </a:p>
+                  </a:txBody>
+                  <a:tcPr marL="68580" marR="68580" marT="0" marB="0"/>
+                </a:tc>
+                <a:tc>
+                  <a:txBody>
+                    <a:bodyPr/>
+                    <a:lstStyle/>
+                    <a:p>
+                      <a:pPr>
+                        <a:lnSpc>
+                          <a:spcPct val="107000"/>
+                        </a:lnSpc>
+                        <a:spcAft>
+                          <a:spcPts val="0"/>
+                        </a:spcAft>
+                      </a:pPr>
+                      <a:r>
+                        <a:rPr lang="en-US" sz="2600">
+                          <a:effectLst/>
+                        </a:rPr>
+                        <a:t>Recall</a:t>
+                      </a:r>
+                      <a:endParaRPr lang="ru-RU" sz="2600">
+                        <a:effectLst/>
+                        <a:latin typeface="Calibri" panose="020F0502020204030204" pitchFamily="34" charset="0"/>
+                        <a:ea typeface="Calibri" panose="020F0502020204030204" pitchFamily="34" charset="0"/>
+                        <a:cs typeface="Times New Roman" panose="02020603050405020304" pitchFamily="18" charset="0"/>
+                      </a:endParaRPr>
+                    </a:p>
+                  </a:txBody>
+                  <a:tcPr marL="68580" marR="68580" marT="0" marB="0"/>
+                </a:tc>
+                <a:tc>
+                  <a:txBody>
+                    <a:bodyPr/>
+                    <a:lstStyle/>
+                    <a:p>
+                      <a:pPr>
+                        <a:lnSpc>
+                          <a:spcPct val="107000"/>
+                        </a:lnSpc>
+                        <a:spcAft>
+                          <a:spcPts val="0"/>
+                        </a:spcAft>
+                      </a:pPr>
+                      <a:r>
+                        <a:rPr lang="en-US" sz="2600" dirty="0">
+                          <a:effectLst/>
+                        </a:rPr>
+                        <a:t>FM</a:t>
+                      </a:r>
+                      <a:endParaRPr lang="ru-RU" sz="2600" dirty="0">
+                        <a:effectLst/>
+                        <a:latin typeface="Calibri" panose="020F0502020204030204" pitchFamily="34" charset="0"/>
+                        <a:ea typeface="Calibri" panose="020F0502020204030204" pitchFamily="34" charset="0"/>
+                        <a:cs typeface="Times New Roman" panose="02020603050405020304" pitchFamily="18" charset="0"/>
+                      </a:endParaRPr>
+                    </a:p>
+                  </a:txBody>
+                  <a:tcPr marL="68580" marR="68580" marT="0" marB="0"/>
+                </a:tc>
+              </a:tr>
+              <a:tr h="572000">
+                <a:tc>
+                  <a:txBody>
+                    <a:bodyPr/>
+                    <a:lstStyle/>
+                    <a:p>
+                      <a:pPr>
+                        <a:lnSpc>
+                          <a:spcPct val="107000"/>
+                        </a:lnSpc>
+                        <a:spcAft>
+                          <a:spcPts val="0"/>
+                        </a:spcAft>
+                      </a:pPr>
+                      <a:r>
+                        <a:rPr lang="en-US" sz="2500" b="0" dirty="0">
+                          <a:effectLst/>
+                        </a:rPr>
+                        <a:t>PER</a:t>
+                      </a:r>
+                      <a:endParaRPr lang="ru-RU" sz="2500" b="0" dirty="0">
+                        <a:effectLst/>
+                        <a:latin typeface="Calibri" panose="020F0502020204030204" pitchFamily="34" charset="0"/>
+                        <a:ea typeface="Calibri" panose="020F0502020204030204" pitchFamily="34" charset="0"/>
+                        <a:cs typeface="Times New Roman" panose="02020603050405020304" pitchFamily="18" charset="0"/>
+                      </a:endParaRPr>
+                    </a:p>
+                  </a:txBody>
+                  <a:tcPr marL="68580" marR="68580" marT="0" marB="0"/>
+                </a:tc>
+                <a:tc>
+                  <a:txBody>
+                    <a:bodyPr/>
+                    <a:lstStyle/>
+                    <a:p>
+                      <a:pPr>
+                        <a:lnSpc>
+                          <a:spcPct val="107000"/>
+                        </a:lnSpc>
+                        <a:spcAft>
+                          <a:spcPts val="0"/>
+                        </a:spcAft>
+                      </a:pPr>
+                      <a:r>
+                        <a:rPr lang="en-US" sz="2500" b="0" dirty="0">
+                          <a:effectLst/>
+                        </a:rPr>
+                        <a:t>99</a:t>
+                      </a:r>
+                      <a:endParaRPr lang="ru-RU" sz="2500" b="0" dirty="0">
+                        <a:effectLst/>
+                        <a:latin typeface="Calibri" panose="020F0502020204030204" pitchFamily="34" charset="0"/>
+                        <a:ea typeface="Calibri" panose="020F0502020204030204" pitchFamily="34" charset="0"/>
+                        <a:cs typeface="Times New Roman" panose="02020603050405020304" pitchFamily="18" charset="0"/>
+                      </a:endParaRPr>
+                    </a:p>
+                  </a:txBody>
+                  <a:tcPr marL="68580" marR="68580" marT="0" marB="0"/>
+                </a:tc>
+                <a:tc>
+                  <a:txBody>
+                    <a:bodyPr/>
+                    <a:lstStyle/>
+                    <a:p>
+                      <a:pPr>
+                        <a:lnSpc>
+                          <a:spcPct val="107000"/>
+                        </a:lnSpc>
+                        <a:spcAft>
+                          <a:spcPts val="0"/>
+                        </a:spcAft>
+                      </a:pPr>
+                      <a:r>
+                        <a:rPr lang="en-US" sz="2500" b="0">
+                          <a:effectLst/>
+                        </a:rPr>
+                        <a:t>93</a:t>
+                      </a:r>
+                      <a:endParaRPr lang="ru-RU" sz="2500" b="0">
+                        <a:effectLst/>
+                        <a:latin typeface="Calibri" panose="020F0502020204030204" pitchFamily="34" charset="0"/>
+                        <a:ea typeface="Calibri" panose="020F0502020204030204" pitchFamily="34" charset="0"/>
+                        <a:cs typeface="Times New Roman" panose="02020603050405020304" pitchFamily="18" charset="0"/>
+                      </a:endParaRPr>
+                    </a:p>
+                  </a:txBody>
+                  <a:tcPr marL="68580" marR="68580" marT="0" marB="0"/>
+                </a:tc>
+                <a:tc>
+                  <a:txBody>
+                    <a:bodyPr/>
+                    <a:lstStyle/>
+                    <a:p>
+                      <a:pPr>
+                        <a:lnSpc>
+                          <a:spcPct val="107000"/>
+                        </a:lnSpc>
+                        <a:spcAft>
+                          <a:spcPts val="0"/>
+                        </a:spcAft>
+                      </a:pPr>
+                      <a:r>
+                        <a:rPr lang="en-US" sz="2500" b="0">
+                          <a:effectLst/>
+                        </a:rPr>
+                        <a:t>93.5</a:t>
+                      </a:r>
+                      <a:endParaRPr lang="ru-RU" sz="2500" b="0">
+                        <a:effectLst/>
+                        <a:latin typeface="Calibri" panose="020F0502020204030204" pitchFamily="34" charset="0"/>
+                        <a:ea typeface="Calibri" panose="020F0502020204030204" pitchFamily="34" charset="0"/>
+                        <a:cs typeface="Times New Roman" panose="02020603050405020304" pitchFamily="18" charset="0"/>
+                      </a:endParaRPr>
+                    </a:p>
+                  </a:txBody>
+                  <a:tcPr marL="68580" marR="68580" marT="0" marB="0"/>
+                </a:tc>
+                <a:tc>
+                  <a:txBody>
+                    <a:bodyPr/>
+                    <a:lstStyle/>
+                    <a:p>
+                      <a:pPr>
+                        <a:lnSpc>
+                          <a:spcPct val="107000"/>
+                        </a:lnSpc>
+                        <a:spcAft>
+                          <a:spcPts val="0"/>
+                        </a:spcAft>
+                      </a:pPr>
+                      <a:r>
+                        <a:rPr lang="en-US" sz="2500" b="0">
+                          <a:effectLst/>
+                        </a:rPr>
+                        <a:t>94</a:t>
+                      </a:r>
+                      <a:endParaRPr lang="ru-RU" sz="2500" b="0">
+                        <a:effectLst/>
+                        <a:latin typeface="Calibri" panose="020F0502020204030204" pitchFamily="34" charset="0"/>
+                        <a:ea typeface="Calibri" panose="020F0502020204030204" pitchFamily="34" charset="0"/>
+                        <a:cs typeface="Times New Roman" panose="02020603050405020304" pitchFamily="18" charset="0"/>
+                      </a:endParaRPr>
+                    </a:p>
+                  </a:txBody>
+                  <a:tcPr marL="68580" marR="68580" marT="0" marB="0"/>
+                </a:tc>
+              </a:tr>
+              <a:tr h="572000">
+                <a:tc>
+                  <a:txBody>
+                    <a:bodyPr/>
+                    <a:lstStyle/>
+                    <a:p>
+                      <a:pPr>
+                        <a:lnSpc>
+                          <a:spcPct val="107000"/>
+                        </a:lnSpc>
+                        <a:spcAft>
+                          <a:spcPts val="0"/>
+                        </a:spcAft>
+                      </a:pPr>
+                      <a:r>
+                        <a:rPr lang="en-US" sz="2500" b="0" dirty="0">
+                          <a:effectLst/>
+                        </a:rPr>
+                        <a:t>LOC</a:t>
+                      </a:r>
+                      <a:endParaRPr lang="ru-RU" sz="2500" b="0" dirty="0">
+                        <a:effectLst/>
+                        <a:latin typeface="Calibri" panose="020F0502020204030204" pitchFamily="34" charset="0"/>
+                        <a:ea typeface="Calibri" panose="020F0502020204030204" pitchFamily="34" charset="0"/>
+                        <a:cs typeface="Times New Roman" panose="02020603050405020304" pitchFamily="18" charset="0"/>
+                      </a:endParaRPr>
+                    </a:p>
+                  </a:txBody>
+                  <a:tcPr marL="68580" marR="68580" marT="0" marB="0"/>
+                </a:tc>
+                <a:tc>
+                  <a:txBody>
+                    <a:bodyPr/>
+                    <a:lstStyle/>
+                    <a:p>
+                      <a:pPr>
+                        <a:lnSpc>
+                          <a:spcPct val="107000"/>
+                        </a:lnSpc>
+                        <a:spcAft>
+                          <a:spcPts val="0"/>
+                        </a:spcAft>
+                      </a:pPr>
+                      <a:r>
+                        <a:rPr lang="en-US" sz="2500" b="0" dirty="0">
+                          <a:effectLst/>
+                        </a:rPr>
+                        <a:t>98</a:t>
+                      </a:r>
+                      <a:endParaRPr lang="ru-RU" sz="2500" b="0" dirty="0">
+                        <a:effectLst/>
+                        <a:latin typeface="Calibri" panose="020F0502020204030204" pitchFamily="34" charset="0"/>
+                        <a:ea typeface="Calibri" panose="020F0502020204030204" pitchFamily="34" charset="0"/>
+                        <a:cs typeface="Times New Roman" panose="02020603050405020304" pitchFamily="18" charset="0"/>
+                      </a:endParaRPr>
+                    </a:p>
+                  </a:txBody>
+                  <a:tcPr marL="68580" marR="68580" marT="0" marB="0"/>
+                </a:tc>
+                <a:tc>
+                  <a:txBody>
+                    <a:bodyPr/>
+                    <a:lstStyle/>
+                    <a:p>
+                      <a:pPr>
+                        <a:lnSpc>
+                          <a:spcPct val="107000"/>
+                        </a:lnSpc>
+                        <a:spcAft>
+                          <a:spcPts val="0"/>
+                        </a:spcAft>
+                      </a:pPr>
+                      <a:r>
+                        <a:rPr lang="en-US" sz="2500" b="0" dirty="0">
+                          <a:effectLst/>
+                        </a:rPr>
+                        <a:t>92</a:t>
+                      </a:r>
+                      <a:endParaRPr lang="ru-RU" sz="2500" b="0" dirty="0">
+                        <a:effectLst/>
+                        <a:latin typeface="Calibri" panose="020F0502020204030204" pitchFamily="34" charset="0"/>
+                        <a:ea typeface="Calibri" panose="020F0502020204030204" pitchFamily="34" charset="0"/>
+                        <a:cs typeface="Times New Roman" panose="02020603050405020304" pitchFamily="18" charset="0"/>
+                      </a:endParaRPr>
+                    </a:p>
+                  </a:txBody>
+                  <a:tcPr marL="68580" marR="68580" marT="0" marB="0"/>
+                </a:tc>
+                <a:tc>
+                  <a:txBody>
+                    <a:bodyPr/>
+                    <a:lstStyle/>
+                    <a:p>
+                      <a:pPr>
+                        <a:lnSpc>
+                          <a:spcPct val="107000"/>
+                        </a:lnSpc>
+                        <a:spcAft>
+                          <a:spcPts val="0"/>
+                        </a:spcAft>
+                      </a:pPr>
+                      <a:r>
+                        <a:rPr lang="en-US" sz="2500" b="0" dirty="0">
+                          <a:effectLst/>
+                        </a:rPr>
+                        <a:t>92</a:t>
+                      </a:r>
+                      <a:endParaRPr lang="ru-RU" sz="2500" b="0" dirty="0">
+                        <a:effectLst/>
+                        <a:latin typeface="Calibri" panose="020F0502020204030204" pitchFamily="34" charset="0"/>
+                        <a:ea typeface="Calibri" panose="020F0502020204030204" pitchFamily="34" charset="0"/>
+                        <a:cs typeface="Times New Roman" panose="02020603050405020304" pitchFamily="18" charset="0"/>
+                      </a:endParaRPr>
+                    </a:p>
+                  </a:txBody>
+                  <a:tcPr marL="68580" marR="68580" marT="0" marB="0"/>
+                </a:tc>
+                <a:tc>
+                  <a:txBody>
+                    <a:bodyPr/>
+                    <a:lstStyle/>
+                    <a:p>
+                      <a:pPr>
+                        <a:lnSpc>
+                          <a:spcPct val="107000"/>
+                        </a:lnSpc>
+                        <a:spcAft>
+                          <a:spcPts val="0"/>
+                        </a:spcAft>
+                      </a:pPr>
+                      <a:r>
+                        <a:rPr lang="en-US" sz="2500" b="0">
+                          <a:effectLst/>
+                        </a:rPr>
+                        <a:t>92</a:t>
+                      </a:r>
+                      <a:endParaRPr lang="ru-RU" sz="2500" b="0">
+                        <a:effectLst/>
+                        <a:latin typeface="Calibri" panose="020F0502020204030204" pitchFamily="34" charset="0"/>
+                        <a:ea typeface="Calibri" panose="020F0502020204030204" pitchFamily="34" charset="0"/>
+                        <a:cs typeface="Times New Roman" panose="02020603050405020304" pitchFamily="18" charset="0"/>
+                      </a:endParaRPr>
+                    </a:p>
+                  </a:txBody>
+                  <a:tcPr marL="68580" marR="68580" marT="0" marB="0"/>
+                </a:tc>
+              </a:tr>
+              <a:tr h="572000">
+                <a:tc>
+                  <a:txBody>
+                    <a:bodyPr/>
+                    <a:lstStyle/>
+                    <a:p>
+                      <a:pPr>
+                        <a:lnSpc>
+                          <a:spcPct val="107000"/>
+                        </a:lnSpc>
+                        <a:spcAft>
+                          <a:spcPts val="0"/>
+                        </a:spcAft>
+                      </a:pPr>
+                      <a:r>
+                        <a:rPr lang="en-US" sz="2500" b="0">
+                          <a:effectLst/>
+                        </a:rPr>
+                        <a:t>ORG</a:t>
+                      </a:r>
+                      <a:endParaRPr lang="ru-RU" sz="2500" b="0">
+                        <a:effectLst/>
+                        <a:latin typeface="Calibri" panose="020F0502020204030204" pitchFamily="34" charset="0"/>
+                        <a:ea typeface="Calibri" panose="020F0502020204030204" pitchFamily="34" charset="0"/>
+                        <a:cs typeface="Times New Roman" panose="02020603050405020304" pitchFamily="18" charset="0"/>
+                      </a:endParaRPr>
+                    </a:p>
+                  </a:txBody>
+                  <a:tcPr marL="68580" marR="68580" marT="0" marB="0"/>
+                </a:tc>
+                <a:tc>
+                  <a:txBody>
+                    <a:bodyPr/>
+                    <a:lstStyle/>
+                    <a:p>
+                      <a:pPr>
+                        <a:lnSpc>
+                          <a:spcPct val="107000"/>
+                        </a:lnSpc>
+                        <a:spcAft>
+                          <a:spcPts val="0"/>
+                        </a:spcAft>
+                      </a:pPr>
+                      <a:r>
+                        <a:rPr lang="en-US" sz="2500" b="0" dirty="0">
+                          <a:effectLst/>
+                        </a:rPr>
+                        <a:t>98</a:t>
+                      </a:r>
+                      <a:endParaRPr lang="ru-RU" sz="2500" b="0" dirty="0">
+                        <a:effectLst/>
+                        <a:latin typeface="Calibri" panose="020F0502020204030204" pitchFamily="34" charset="0"/>
+                        <a:ea typeface="Calibri" panose="020F0502020204030204" pitchFamily="34" charset="0"/>
+                        <a:cs typeface="Times New Roman" panose="02020603050405020304" pitchFamily="18" charset="0"/>
+                      </a:endParaRPr>
+                    </a:p>
+                  </a:txBody>
+                  <a:tcPr marL="68580" marR="68580" marT="0" marB="0"/>
+                </a:tc>
+                <a:tc>
+                  <a:txBody>
+                    <a:bodyPr/>
+                    <a:lstStyle/>
+                    <a:p>
+                      <a:pPr>
+                        <a:lnSpc>
+                          <a:spcPct val="107000"/>
+                        </a:lnSpc>
+                        <a:spcAft>
+                          <a:spcPts val="0"/>
+                        </a:spcAft>
+                      </a:pPr>
+                      <a:r>
+                        <a:rPr lang="en-US" sz="2500" b="0" dirty="0">
+                          <a:effectLst/>
+                        </a:rPr>
+                        <a:t>88</a:t>
+                      </a:r>
+                      <a:endParaRPr lang="ru-RU" sz="2500" b="0" dirty="0">
+                        <a:effectLst/>
+                        <a:latin typeface="Calibri" panose="020F0502020204030204" pitchFamily="34" charset="0"/>
+                        <a:ea typeface="Calibri" panose="020F0502020204030204" pitchFamily="34" charset="0"/>
+                        <a:cs typeface="Times New Roman" panose="02020603050405020304" pitchFamily="18" charset="0"/>
+                      </a:endParaRPr>
+                    </a:p>
+                  </a:txBody>
+                  <a:tcPr marL="68580" marR="68580" marT="0" marB="0"/>
+                </a:tc>
+                <a:tc>
+                  <a:txBody>
+                    <a:bodyPr/>
+                    <a:lstStyle/>
+                    <a:p>
+                      <a:pPr>
+                        <a:lnSpc>
+                          <a:spcPct val="107000"/>
+                        </a:lnSpc>
+                        <a:spcAft>
+                          <a:spcPts val="0"/>
+                        </a:spcAft>
+                      </a:pPr>
+                      <a:r>
+                        <a:rPr lang="en-US" sz="2500" b="0" dirty="0">
+                          <a:effectLst/>
+                        </a:rPr>
+                        <a:t>92</a:t>
+                      </a:r>
+                      <a:endParaRPr lang="ru-RU" sz="2500" b="0" dirty="0">
+                        <a:effectLst/>
+                        <a:latin typeface="Calibri" panose="020F0502020204030204" pitchFamily="34" charset="0"/>
+                        <a:ea typeface="Calibri" panose="020F0502020204030204" pitchFamily="34" charset="0"/>
+                        <a:cs typeface="Times New Roman" panose="02020603050405020304" pitchFamily="18" charset="0"/>
+                      </a:endParaRPr>
+                    </a:p>
+                  </a:txBody>
+                  <a:tcPr marL="68580" marR="68580" marT="0" marB="0"/>
+                </a:tc>
+                <a:tc>
+                  <a:txBody>
+                    <a:bodyPr/>
+                    <a:lstStyle/>
+                    <a:p>
+                      <a:pPr>
+                        <a:lnSpc>
+                          <a:spcPct val="107000"/>
+                        </a:lnSpc>
+                        <a:spcAft>
+                          <a:spcPts val="0"/>
+                        </a:spcAft>
+                      </a:pPr>
+                      <a:r>
+                        <a:rPr lang="en-US" sz="2500" b="0">
+                          <a:effectLst/>
+                        </a:rPr>
+                        <a:t>90</a:t>
+                      </a:r>
+                      <a:endParaRPr lang="ru-RU" sz="2500" b="0">
+                        <a:effectLst/>
+                        <a:latin typeface="Calibri" panose="020F0502020204030204" pitchFamily="34" charset="0"/>
+                        <a:ea typeface="Calibri" panose="020F0502020204030204" pitchFamily="34" charset="0"/>
+                        <a:cs typeface="Times New Roman" panose="02020603050405020304" pitchFamily="18" charset="0"/>
+                      </a:endParaRPr>
+                    </a:p>
+                  </a:txBody>
+                  <a:tcPr marL="68580" marR="68580" marT="0" marB="0"/>
+                </a:tc>
+              </a:tr>
+              <a:tr h="572000">
+                <a:tc>
+                  <a:txBody>
+                    <a:bodyPr/>
+                    <a:lstStyle/>
+                    <a:p>
+                      <a:pPr>
+                        <a:lnSpc>
+                          <a:spcPct val="107000"/>
+                        </a:lnSpc>
+                        <a:spcAft>
+                          <a:spcPts val="0"/>
+                        </a:spcAft>
+                      </a:pPr>
+                      <a:r>
+                        <a:rPr lang="en-US" sz="2500" b="0">
+                          <a:effectLst/>
+                        </a:rPr>
+                        <a:t>MISC</a:t>
+                      </a:r>
+                      <a:endParaRPr lang="ru-RU" sz="2500" b="0">
+                        <a:effectLst/>
+                        <a:latin typeface="Calibri" panose="020F0502020204030204" pitchFamily="34" charset="0"/>
+                        <a:ea typeface="Calibri" panose="020F0502020204030204" pitchFamily="34" charset="0"/>
+                        <a:cs typeface="Times New Roman" panose="02020603050405020304" pitchFamily="18" charset="0"/>
+                      </a:endParaRPr>
+                    </a:p>
+                  </a:txBody>
+                  <a:tcPr marL="68580" marR="68580" marT="0" marB="0"/>
+                </a:tc>
+                <a:tc>
+                  <a:txBody>
+                    <a:bodyPr/>
+                    <a:lstStyle/>
+                    <a:p>
+                      <a:pPr>
+                        <a:lnSpc>
+                          <a:spcPct val="107000"/>
+                        </a:lnSpc>
+                        <a:spcAft>
+                          <a:spcPts val="0"/>
+                        </a:spcAft>
+                      </a:pPr>
+                      <a:r>
+                        <a:rPr lang="en-US" sz="2500" b="0">
+                          <a:effectLst/>
+                        </a:rPr>
+                        <a:t>92</a:t>
+                      </a:r>
+                      <a:endParaRPr lang="ru-RU" sz="2500" b="0">
+                        <a:effectLst/>
+                        <a:latin typeface="Calibri" panose="020F0502020204030204" pitchFamily="34" charset="0"/>
+                        <a:ea typeface="Calibri" panose="020F0502020204030204" pitchFamily="34" charset="0"/>
+                        <a:cs typeface="Times New Roman" panose="02020603050405020304" pitchFamily="18" charset="0"/>
+                      </a:endParaRPr>
+                    </a:p>
+                  </a:txBody>
+                  <a:tcPr marL="68580" marR="68580" marT="0" marB="0"/>
+                </a:tc>
+                <a:tc>
+                  <a:txBody>
+                    <a:bodyPr/>
+                    <a:lstStyle/>
+                    <a:p>
+                      <a:pPr>
+                        <a:lnSpc>
+                          <a:spcPct val="107000"/>
+                        </a:lnSpc>
+                        <a:spcAft>
+                          <a:spcPts val="0"/>
+                        </a:spcAft>
+                      </a:pPr>
+                      <a:r>
+                        <a:rPr lang="en-US" sz="2500" b="0">
+                          <a:effectLst/>
+                        </a:rPr>
+                        <a:t>88</a:t>
+                      </a:r>
+                      <a:endParaRPr lang="ru-RU" sz="2500" b="0">
+                        <a:effectLst/>
+                        <a:latin typeface="Calibri" panose="020F0502020204030204" pitchFamily="34" charset="0"/>
+                        <a:ea typeface="Calibri" panose="020F0502020204030204" pitchFamily="34" charset="0"/>
+                        <a:cs typeface="Times New Roman" panose="02020603050405020304" pitchFamily="18" charset="0"/>
+                      </a:endParaRPr>
+                    </a:p>
+                  </a:txBody>
+                  <a:tcPr marL="68580" marR="68580" marT="0" marB="0"/>
+                </a:tc>
+                <a:tc>
+                  <a:txBody>
+                    <a:bodyPr/>
+                    <a:lstStyle/>
+                    <a:p>
+                      <a:pPr>
+                        <a:lnSpc>
+                          <a:spcPct val="107000"/>
+                        </a:lnSpc>
+                        <a:spcAft>
+                          <a:spcPts val="0"/>
+                        </a:spcAft>
+                      </a:pPr>
+                      <a:r>
+                        <a:rPr lang="en-US" sz="2500" b="0" dirty="0">
+                          <a:effectLst/>
+                        </a:rPr>
+                        <a:t>89.5</a:t>
+                      </a:r>
+                      <a:endParaRPr lang="ru-RU" sz="2500" b="0" dirty="0">
+                        <a:effectLst/>
+                        <a:latin typeface="Calibri" panose="020F0502020204030204" pitchFamily="34" charset="0"/>
+                        <a:ea typeface="Calibri" panose="020F0502020204030204" pitchFamily="34" charset="0"/>
+                        <a:cs typeface="Times New Roman" panose="02020603050405020304" pitchFamily="18" charset="0"/>
+                      </a:endParaRPr>
+                    </a:p>
+                  </a:txBody>
+                  <a:tcPr marL="68580" marR="68580" marT="0" marB="0"/>
+                </a:tc>
+                <a:tc>
+                  <a:txBody>
+                    <a:bodyPr/>
+                    <a:lstStyle/>
+                    <a:p>
+                      <a:pPr>
+                        <a:lnSpc>
+                          <a:spcPct val="107000"/>
+                        </a:lnSpc>
+                        <a:spcAft>
+                          <a:spcPts val="0"/>
+                        </a:spcAft>
+                      </a:pPr>
+                      <a:r>
+                        <a:rPr lang="en-US" sz="2500" b="0" dirty="0">
+                          <a:effectLst/>
+                        </a:rPr>
+                        <a:t>89.4</a:t>
+                      </a:r>
+                      <a:endParaRPr lang="ru-RU" sz="2500" b="0" dirty="0">
+                        <a:effectLst/>
+                        <a:latin typeface="Calibri" panose="020F0502020204030204" pitchFamily="34" charset="0"/>
+                        <a:ea typeface="Calibri" panose="020F0502020204030204" pitchFamily="34" charset="0"/>
+                        <a:cs typeface="Times New Roman" panose="02020603050405020304" pitchFamily="18" charset="0"/>
+                      </a:endParaRPr>
+                    </a:p>
+                  </a:txBody>
+                  <a:tcPr marL="68580" marR="68580" marT="0" marB="0"/>
+                </a:tc>
+              </a:tr>
+            </a:tbl>
+          </a:graphicData>
+        </a:graphic>
+      </p:graphicFrame>
+    </p:spTree>
+    <p:extLst>
+      <p:ext uri="{BB962C8B-B14F-4D97-AF65-F5344CB8AC3E}">
+        <p14:creationId xmlns:p14="http://schemas.microsoft.com/office/powerpoint/2010/main" val="4197040288"/>
+      </p:ext>
+    </p:extLst>
+  </p:cSld>
+  <p:clrMapOvr>
+    <a:masterClrMapping/>
+  </p:clrMapOvr>
 </p:sld>
 </file>
 

--- a/report.pptx
+++ b/report.pptx
@@ -203,7 +203,7 @@
           <a:p>
             <a:fld id="{D766DA2C-6D91-4888-A01C-01981EF51355}" type="datetimeFigureOut">
               <a:rPr lang="ru-RU" smtClean="0"/>
-              <a:t>04.05.2018</a:t>
+              <a:t>16.05.2018</a:t>
             </a:fld>
             <a:endParaRPr lang="ru-RU"/>
           </a:p>
@@ -781,7 +781,7 @@
           <a:p>
             <a:fld id="{18837A14-3D39-42D9-9056-F1062FE5D0F9}" type="datetime1">
               <a:rPr lang="ru-RU" smtClean="0"/>
-              <a:t>04.05.2018</a:t>
+              <a:t>16.05.2018</a:t>
             </a:fld>
             <a:endParaRPr lang="ru-RU"/>
           </a:p>
@@ -989,7 +989,7 @@
           <a:p>
             <a:fld id="{3820FA97-3B9C-4C9F-86D0-2D0822049852}" type="datetime1">
               <a:rPr lang="ru-RU" smtClean="0"/>
-              <a:t>04.05.2018</a:t>
+              <a:t>16.05.2018</a:t>
             </a:fld>
             <a:endParaRPr lang="ru-RU"/>
           </a:p>
@@ -1245,7 +1245,7 @@
           <a:p>
             <a:fld id="{96A5DF4A-BDB0-4A4F-8016-D636757619FD}" type="datetime1">
               <a:rPr lang="ru-RU" smtClean="0"/>
-              <a:t>04.05.2018</a:t>
+              <a:t>16.05.2018</a:t>
             </a:fld>
             <a:endParaRPr lang="ru-RU"/>
           </a:p>
@@ -1419,7 +1419,7 @@
           <a:p>
             <a:fld id="{FE59C463-7644-4BCC-9DCC-EC8C567A0F36}" type="datetime1">
               <a:rPr lang="ru-RU" smtClean="0"/>
-              <a:t>04.05.2018</a:t>
+              <a:t>16.05.2018</a:t>
             </a:fld>
             <a:endParaRPr lang="ru-RU"/>
           </a:p>
@@ -1762,7 +1762,7 @@
           <a:p>
             <a:fld id="{6D1229F1-4B30-47BD-8CCF-94D6BFC7AE8E}" type="datetime1">
               <a:rPr lang="ru-RU" smtClean="0"/>
-              <a:t>04.05.2018</a:t>
+              <a:t>16.05.2018</a:t>
             </a:fld>
             <a:endParaRPr lang="ru-RU"/>
           </a:p>
@@ -2037,7 +2037,7 @@
           <a:p>
             <a:fld id="{7D3E3913-5AFD-44C6-8B4C-158E5793D2A4}" type="datetime1">
               <a:rPr lang="ru-RU" smtClean="0"/>
-              <a:t>04.05.2018</a:t>
+              <a:t>16.05.2018</a:t>
             </a:fld>
             <a:endParaRPr lang="ru-RU"/>
           </a:p>
@@ -2416,7 +2416,7 @@
           <a:p>
             <a:fld id="{AF6518BD-5A14-48F4-8C85-7EB83F6CA3F8}" type="datetime1">
               <a:rPr lang="ru-RU" smtClean="0"/>
-              <a:t>04.05.2018</a:t>
+              <a:t>16.05.2018</a:t>
             </a:fld>
             <a:endParaRPr lang="ru-RU"/>
           </a:p>
@@ -2534,7 +2534,7 @@
           <a:p>
             <a:fld id="{2C7BE2EB-2075-4761-9D0C-5FF2BAC03B84}" type="datetime1">
               <a:rPr lang="ru-RU" smtClean="0"/>
-              <a:t>04.05.2018</a:t>
+              <a:t>16.05.2018</a:t>
             </a:fld>
             <a:endParaRPr lang="ru-RU"/>
           </a:p>
@@ -2705,7 +2705,7 @@
           <a:p>
             <a:fld id="{C5FED122-B1B9-4197-AD73-80AAB00358F0}" type="datetime1">
               <a:rPr lang="ru-RU" smtClean="0"/>
-              <a:t>04.05.2018</a:t>
+              <a:t>16.05.2018</a:t>
             </a:fld>
             <a:endParaRPr lang="ru-RU"/>
           </a:p>
@@ -3059,7 +3059,7 @@
           <a:p>
             <a:fld id="{F6FAD313-3015-49C8-90D4-336FF46AF479}" type="datetime1">
               <a:rPr lang="ru-RU" smtClean="0"/>
-              <a:t>04.05.2018</a:t>
+              <a:t>16.05.2018</a:t>
             </a:fld>
             <a:endParaRPr lang="ru-RU"/>
           </a:p>
@@ -3441,7 +3441,7 @@
           <a:p>
             <a:fld id="{82C1DDF3-30EC-40D8-869B-0E53F1E7B123}" type="datetime1">
               <a:rPr lang="ru-RU" smtClean="0"/>
-              <a:t>04.05.2018</a:t>
+              <a:t>16.05.2018</a:t>
             </a:fld>
             <a:endParaRPr lang="ru-RU"/>
           </a:p>
@@ -3728,7 +3728,7 @@
           <a:p>
             <a:fld id="{F4D33611-8D4F-43A3-A0AB-EBE66414247D}" type="datetime1">
               <a:rPr lang="ru-RU" smtClean="0"/>
-              <a:t>04.05.2018</a:t>
+              <a:t>16.05.2018</a:t>
             </a:fld>
             <a:endParaRPr lang="ru-RU"/>
           </a:p>
@@ -4549,7 +4549,7 @@
         </p:blipFill>
         <p:spPr>
           <a:xfrm>
-            <a:off x="6690811" y="1869099"/>
+            <a:off x="6789297" y="1795573"/>
             <a:ext cx="2143125" cy="2143125"/>
           </a:xfrm>
           <a:prstGeom prst="rect">
@@ -4715,9 +4715,13 @@
           <a:bodyPr/>
           <a:lstStyle/>
           <a:p>
+            <a:pPr>
+              <a:buFont typeface="Arial" panose="020B0604020202020204" pitchFamily="34" charset="0"/>
+              <a:buChar char="•"/>
+            </a:pPr>
             <a:r>
               <a:rPr lang="ru-RU" sz="3600" dirty="0" smtClean="0"/>
-              <a:t>Извлечение </a:t>
+              <a:t> Извлечение </a:t>
             </a:r>
             <a:r>
               <a:rPr lang="ru-RU" sz="3600" dirty="0" err="1" smtClean="0"/>
@@ -4729,19 +4733,51 @@
             </a:r>
           </a:p>
           <a:p>
+            <a:pPr>
+              <a:buFont typeface="Arial" panose="020B0604020202020204" pitchFamily="34" charset="0"/>
+              <a:buChar char="•"/>
+            </a:pPr>
             <a:r>
               <a:rPr lang="ru-RU" sz="3600" dirty="0" smtClean="0"/>
-              <a:t>Существующие решения не предоставляют весь необходимый функционал</a:t>
-            </a:r>
-          </a:p>
-          <a:p>
+              <a:t> Существующие </a:t>
+            </a:r>
+            <a:r>
+              <a:rPr lang="ru-RU" sz="3600" dirty="0" smtClean="0"/>
+              <a:t>решения не предоставляют весь </a:t>
+            </a:r>
+            <a:r>
+              <a:rPr lang="ru-RU" sz="3600" dirty="0" smtClean="0"/>
+              <a:t> необходимый </a:t>
+            </a:r>
+            <a:r>
+              <a:rPr lang="ru-RU" sz="3600" dirty="0" smtClean="0"/>
+              <a:t>функционал</a:t>
+            </a:r>
+          </a:p>
+          <a:p>
+            <a:pPr>
+              <a:buFont typeface="Arial" panose="020B0604020202020204" pitchFamily="34" charset="0"/>
+              <a:buChar char="•"/>
+            </a:pPr>
+            <a:r>
+              <a:rPr lang="ru-RU" sz="3600" dirty="0" smtClean="0"/>
+              <a:t> Существующие </a:t>
+            </a:r>
             <a:r>
               <a:rPr lang="ru-RU" sz="3600" dirty="0"/>
-              <a:t>Существующие решения не </a:t>
+              <a:t>решения не </a:t>
             </a:r>
             <a:r>
               <a:rPr lang="ru-RU" sz="3600" dirty="0" smtClean="0"/>
-              <a:t>предоставляют необходимые форматы данных</a:t>
+              <a:t>предоставляют </a:t>
+            </a:r>
+            <a:r>
+              <a:rPr lang="ru-RU" sz="3600" dirty="0" smtClean="0"/>
+              <a:t>   необходимые </a:t>
+            </a:r>
+            <a:r>
+              <a:rPr lang="ru-RU" sz="3600" dirty="0" smtClean="0"/>
+              <a:t>форматы данных</a:t>
             </a:r>
           </a:p>
           <a:p>
@@ -5016,17 +5052,33 @@
           </a:bodyPr>
           <a:lstStyle/>
           <a:p>
-            <a:r>
-              <a:rPr lang="en-US" sz="4400" dirty="0" err="1"/>
+            <a:pPr>
+              <a:buFont typeface="Arial" panose="020B0604020202020204" pitchFamily="34" charset="0"/>
+              <a:buChar char="•"/>
+            </a:pPr>
+            <a:r>
+              <a:rPr lang="ru-RU" sz="4400" dirty="0" smtClean="0"/>
+              <a:t> </a:t>
+            </a:r>
+            <a:r>
+              <a:rPr lang="en-US" sz="4400" dirty="0" err="1" smtClean="0"/>
               <a:t>Cremine</a:t>
             </a:r>
             <a:r>
-              <a:rPr lang="ru-RU" sz="4400" dirty="0"/>
+              <a:rPr lang="ru-RU" sz="4400" dirty="0" smtClean="0"/>
               <a:t> </a:t>
             </a:r>
             <a:endParaRPr lang="ru-RU" sz="4400" dirty="0" smtClean="0"/>
           </a:p>
           <a:p>
+            <a:pPr>
+              <a:buFont typeface="Arial" panose="020B0604020202020204" pitchFamily="34" charset="0"/>
+              <a:buChar char="•"/>
+            </a:pPr>
+            <a:r>
+              <a:rPr lang="ru-RU" sz="4400" dirty="0" smtClean="0"/>
+              <a:t> </a:t>
+            </a:r>
             <a:r>
               <a:rPr lang="en-US" sz="4400" dirty="0" smtClean="0"/>
               <a:t>GROBID</a:t>
@@ -5034,6 +5086,14 @@
             <a:endParaRPr lang="ru-RU" sz="4400" dirty="0" smtClean="0"/>
           </a:p>
           <a:p>
+            <a:pPr>
+              <a:buFont typeface="Arial" panose="020B0604020202020204" pitchFamily="34" charset="0"/>
+              <a:buChar char="•"/>
+            </a:pPr>
+            <a:r>
+              <a:rPr lang="ru-RU" sz="4400" dirty="0" smtClean="0"/>
+              <a:t> </a:t>
+            </a:r>
             <a:r>
               <a:rPr lang="en-US" sz="4400" dirty="0" smtClean="0"/>
               <a:t>PDF</a:t>
@@ -5049,8 +5109,16 @@
             <a:endParaRPr lang="ru-RU" sz="4400" dirty="0"/>
           </a:p>
           <a:p>
-            <a:r>
-              <a:rPr lang="en-US" sz="4400" dirty="0" smtClean="0"/>
+            <a:pPr>
+              <a:buFont typeface="Arial" panose="020B0604020202020204" pitchFamily="34" charset="0"/>
+              <a:buChar char="•"/>
+            </a:pPr>
+            <a:r>
+              <a:rPr lang="ru-RU" sz="4400" smtClean="0"/>
+              <a:t> </a:t>
+            </a:r>
+            <a:r>
+              <a:rPr lang="en-US" sz="4400" smtClean="0"/>
               <a:t>Text </a:t>
             </a:r>
             <a:r>
@@ -5452,12 +5520,12 @@
                         </a:spcAft>
                       </a:pPr>
                       <a:r>
-                        <a:rPr lang="en-US" sz="2600" b="0">
+                        <a:rPr lang="en-US" sz="2600" b="0" dirty="0">
                           <a:effectLst/>
                         </a:rPr>
                         <a:t>LSTM</a:t>
                       </a:r>
-                      <a:endParaRPr lang="ru-RU" sz="2100" b="0">
+                      <a:endParaRPr lang="ru-RU" sz="2100" b="0" dirty="0">
                         <a:effectLst/>
                         <a:latin typeface="Calibri" panose="020F0502020204030204" pitchFamily="34" charset="0"/>
                         <a:ea typeface="Calibri" panose="020F0502020204030204" pitchFamily="34" charset="0"/>
@@ -6098,12 +6166,12 @@
                         </a:spcAft>
                       </a:pPr>
                       <a:r>
-                        <a:rPr lang="en-US" sz="2500" b="0">
+                        <a:rPr lang="en-US" sz="2500" b="0" dirty="0">
                           <a:effectLst/>
                         </a:rPr>
                         <a:t>ORG</a:t>
                       </a:r>
-                      <a:endParaRPr lang="ru-RU" sz="2500" b="0">
+                      <a:endParaRPr lang="ru-RU" sz="2500" b="0" dirty="0">
                         <a:effectLst/>
                         <a:latin typeface="Calibri" panose="020F0502020204030204" pitchFamily="34" charset="0"/>
                         <a:ea typeface="Calibri" panose="020F0502020204030204" pitchFamily="34" charset="0"/>

--- a/report.pptx
+++ b/report.pptx
@@ -203,7 +203,7 @@
           <a:p>
             <a:fld id="{D766DA2C-6D91-4888-A01C-01981EF51355}" type="datetimeFigureOut">
               <a:rPr lang="ru-RU" smtClean="0"/>
-              <a:t>16.05.2018</a:t>
+              <a:t>22.05.2018</a:t>
             </a:fld>
             <a:endParaRPr lang="ru-RU"/>
           </a:p>
@@ -781,7 +781,7 @@
           <a:p>
             <a:fld id="{18837A14-3D39-42D9-9056-F1062FE5D0F9}" type="datetime1">
               <a:rPr lang="ru-RU" smtClean="0"/>
-              <a:t>16.05.2018</a:t>
+              <a:t>22.05.2018</a:t>
             </a:fld>
             <a:endParaRPr lang="ru-RU"/>
           </a:p>
@@ -989,7 +989,7 @@
           <a:p>
             <a:fld id="{3820FA97-3B9C-4C9F-86D0-2D0822049852}" type="datetime1">
               <a:rPr lang="ru-RU" smtClean="0"/>
-              <a:t>16.05.2018</a:t>
+              <a:t>22.05.2018</a:t>
             </a:fld>
             <a:endParaRPr lang="ru-RU"/>
           </a:p>
@@ -1245,7 +1245,7 @@
           <a:p>
             <a:fld id="{96A5DF4A-BDB0-4A4F-8016-D636757619FD}" type="datetime1">
               <a:rPr lang="ru-RU" smtClean="0"/>
-              <a:t>16.05.2018</a:t>
+              <a:t>22.05.2018</a:t>
             </a:fld>
             <a:endParaRPr lang="ru-RU"/>
           </a:p>
@@ -1419,7 +1419,7 @@
           <a:p>
             <a:fld id="{FE59C463-7644-4BCC-9DCC-EC8C567A0F36}" type="datetime1">
               <a:rPr lang="ru-RU" smtClean="0"/>
-              <a:t>16.05.2018</a:t>
+              <a:t>22.05.2018</a:t>
             </a:fld>
             <a:endParaRPr lang="ru-RU"/>
           </a:p>
@@ -1762,7 +1762,7 @@
           <a:p>
             <a:fld id="{6D1229F1-4B30-47BD-8CCF-94D6BFC7AE8E}" type="datetime1">
               <a:rPr lang="ru-RU" smtClean="0"/>
-              <a:t>16.05.2018</a:t>
+              <a:t>22.05.2018</a:t>
             </a:fld>
             <a:endParaRPr lang="ru-RU"/>
           </a:p>
@@ -2037,7 +2037,7 @@
           <a:p>
             <a:fld id="{7D3E3913-5AFD-44C6-8B4C-158E5793D2A4}" type="datetime1">
               <a:rPr lang="ru-RU" smtClean="0"/>
-              <a:t>16.05.2018</a:t>
+              <a:t>22.05.2018</a:t>
             </a:fld>
             <a:endParaRPr lang="ru-RU"/>
           </a:p>
@@ -2416,7 +2416,7 @@
           <a:p>
             <a:fld id="{AF6518BD-5A14-48F4-8C85-7EB83F6CA3F8}" type="datetime1">
               <a:rPr lang="ru-RU" smtClean="0"/>
-              <a:t>16.05.2018</a:t>
+              <a:t>22.05.2018</a:t>
             </a:fld>
             <a:endParaRPr lang="ru-RU"/>
           </a:p>
@@ -2534,7 +2534,7 @@
           <a:p>
             <a:fld id="{2C7BE2EB-2075-4761-9D0C-5FF2BAC03B84}" type="datetime1">
               <a:rPr lang="ru-RU" smtClean="0"/>
-              <a:t>16.05.2018</a:t>
+              <a:t>22.05.2018</a:t>
             </a:fld>
             <a:endParaRPr lang="ru-RU"/>
           </a:p>
@@ -2705,7 +2705,7 @@
           <a:p>
             <a:fld id="{C5FED122-B1B9-4197-AD73-80AAB00358F0}" type="datetime1">
               <a:rPr lang="ru-RU" smtClean="0"/>
-              <a:t>16.05.2018</a:t>
+              <a:t>22.05.2018</a:t>
             </a:fld>
             <a:endParaRPr lang="ru-RU"/>
           </a:p>
@@ -3059,7 +3059,7 @@
           <a:p>
             <a:fld id="{F6FAD313-3015-49C8-90D4-336FF46AF479}" type="datetime1">
               <a:rPr lang="ru-RU" smtClean="0"/>
-              <a:t>16.05.2018</a:t>
+              <a:t>22.05.2018</a:t>
             </a:fld>
             <a:endParaRPr lang="ru-RU"/>
           </a:p>
@@ -3441,7 +3441,7 @@
           <a:p>
             <a:fld id="{82C1DDF3-30EC-40D8-869B-0E53F1E7B123}" type="datetime1">
               <a:rPr lang="ru-RU" smtClean="0"/>
-              <a:t>16.05.2018</a:t>
+              <a:t>22.05.2018</a:t>
             </a:fld>
             <a:endParaRPr lang="ru-RU"/>
           </a:p>
@@ -3728,7 +3728,7 @@
           <a:p>
             <a:fld id="{F4D33611-8D4F-43A3-A0AB-EBE66414247D}" type="datetime1">
               <a:rPr lang="ru-RU" smtClean="0"/>
-              <a:t>16.05.2018</a:t>
+              <a:t>22.05.2018</a:t>
             </a:fld>
             <a:endParaRPr lang="ru-RU"/>
           </a:p>
@@ -4739,19 +4739,7 @@
             </a:pPr>
             <a:r>
               <a:rPr lang="ru-RU" sz="3600" dirty="0" smtClean="0"/>
-              <a:t> Существующие </a:t>
-            </a:r>
-            <a:r>
-              <a:rPr lang="ru-RU" sz="3600" dirty="0" smtClean="0"/>
-              <a:t>решения не предоставляют весь </a:t>
-            </a:r>
-            <a:r>
-              <a:rPr lang="ru-RU" sz="3600" dirty="0" smtClean="0"/>
-              <a:t> необходимый </a:t>
-            </a:r>
-            <a:r>
-              <a:rPr lang="ru-RU" sz="3600" dirty="0" smtClean="0"/>
-              <a:t>функционал</a:t>
+              <a:t> Существующие решения не предоставляют весь  необходимый функционал</a:t>
             </a:r>
           </a:p>
           <a:p>
@@ -4761,24 +4749,13 @@
             </a:pPr>
             <a:r>
               <a:rPr lang="ru-RU" sz="3600" dirty="0" smtClean="0"/>
-              <a:t> Существующие </a:t>
-            </a:r>
-            <a:r>
-              <a:rPr lang="ru-RU" sz="3600" dirty="0"/>
-              <a:t>решения не </a:t>
-            </a:r>
-            <a:r>
-              <a:rPr lang="ru-RU" sz="3600" dirty="0" smtClean="0"/>
-              <a:t>предоставляют </a:t>
-            </a:r>
-            <a:r>
-              <a:rPr lang="ru-RU" sz="3600" dirty="0" smtClean="0"/>
-              <a:t>   необходимые </a:t>
-            </a:r>
-            <a:r>
-              <a:rPr lang="ru-RU" sz="3600" dirty="0" smtClean="0"/>
-              <a:t>форматы данных</a:t>
-            </a:r>
+              <a:t> Необходим специальный </a:t>
+            </a:r>
+            <a:r>
+              <a:rPr lang="ru-RU" sz="3600" smtClean="0"/>
+              <a:t>формат метаданных</a:t>
+            </a:r>
+            <a:endParaRPr lang="ru-RU" sz="3600" dirty="0" smtClean="0"/>
           </a:p>
           <a:p>
             <a:endParaRPr lang="ru-RU" dirty="0" smtClean="0"/>
@@ -4902,15 +4879,7 @@
             </a:r>
             <a:r>
               <a:rPr lang="ru-RU" sz="2800" dirty="0" smtClean="0"/>
-              <a:t>извлечения </a:t>
-            </a:r>
-            <a:r>
-              <a:rPr lang="ru-RU" sz="2800" dirty="0" err="1" smtClean="0"/>
-              <a:t>мкта</a:t>
-            </a:r>
-            <a:r>
-              <a:rPr lang="ru-RU" sz="2800" dirty="0" smtClean="0"/>
-              <a:t> информации </a:t>
+              <a:t>извлечения метаинформации </a:t>
             </a:r>
             <a:r>
               <a:rPr lang="ru-RU" sz="2800" dirty="0"/>
@@ -4922,11 +4891,11 @@
             <a:pPr lvl="0"/>
             <a:r>
               <a:rPr lang="ru-RU" sz="2800" dirty="0" smtClean="0"/>
-              <a:t>Реализовать </a:t>
+              <a:t>Реализовать приложение </a:t>
             </a:r>
             <a:r>
               <a:rPr lang="ru-RU" sz="2800" dirty="0"/>
-              <a:t>клиентское приложение для системы </a:t>
+              <a:t>для системы </a:t>
             </a:r>
             <a:r>
               <a:rPr lang="en-US" sz="2800" dirty="0" err="1"/>
@@ -5062,13 +5031,12 @@
             </a:r>
             <a:r>
               <a:rPr lang="en-US" sz="4400" dirty="0" err="1" smtClean="0"/>
-              <a:t>Cremine</a:t>
+              <a:t>Cermine</a:t>
             </a:r>
             <a:r>
               <a:rPr lang="ru-RU" sz="4400" dirty="0" smtClean="0"/>
               <a:t> </a:t>
             </a:r>
-            <a:endParaRPr lang="ru-RU" sz="4400" dirty="0" smtClean="0"/>
           </a:p>
           <a:p>
             <a:pPr>
@@ -5114,11 +5082,11 @@
               <a:buChar char="•"/>
             </a:pPr>
             <a:r>
-              <a:rPr lang="ru-RU" sz="4400" smtClean="0"/>
+              <a:rPr lang="ru-RU" sz="4400" dirty="0" smtClean="0"/>
               <a:t> </a:t>
             </a:r>
             <a:r>
-              <a:rPr lang="en-US" sz="4400" smtClean="0"/>
+              <a:rPr lang="en-US" sz="4400" dirty="0" smtClean="0"/>
               <a:t>Text </a:t>
             </a:r>
             <a:r>
@@ -5201,7 +5169,7 @@
         </p:nvSpPr>
         <p:spPr>
           <a:xfrm>
-            <a:off x="1097280" y="286604"/>
+            <a:off x="1154083" y="0"/>
             <a:ext cx="10058400" cy="1193854"/>
           </a:xfrm>
         </p:spPr>
@@ -5242,7 +5210,7 @@
       </p:sp>
       <p:pic>
         <p:nvPicPr>
-          <p:cNvPr id="7" name="Объект 6"/>
+          <p:cNvPr id="5" name="Объект 4"/>
           <p:cNvPicPr>
             <a:picLocks noGrp="1" noChangeAspect="1"/>
           </p:cNvPicPr>
@@ -5264,9 +5232,39 @@
         </p:blipFill>
         <p:spPr>
           <a:xfrm>
-            <a:off x="4452256" y="1752600"/>
-            <a:ext cx="3243943" cy="4560346"/>
+            <a:off x="7019109" y="195169"/>
+            <a:ext cx="2400728" cy="5894781"/>
           </a:xfrm>
+        </p:spPr>
+      </p:pic>
+      <p:pic>
+        <p:nvPicPr>
+          <p:cNvPr id="6" name="Рисунок 5"/>
+          <p:cNvPicPr>
+            <a:picLocks noChangeAspect="1"/>
+          </p:cNvPicPr>
+          <p:nvPr/>
+        </p:nvPicPr>
+        <p:blipFill>
+          <a:blip r:embed="rId3">
+            <a:extLst>
+              <a:ext uri="{28A0092B-C50C-407E-A947-70E740481C1C}">
+                <a14:useLocalDpi xmlns:a14="http://schemas.microsoft.com/office/drawing/2010/main" val="0"/>
+              </a:ext>
+            </a:extLst>
+          </a:blip>
+          <a:stretch>
+            <a:fillRect/>
+          </a:stretch>
+        </p:blipFill>
+        <p:spPr>
+          <a:xfrm>
+            <a:off x="304800" y="1874231"/>
+            <a:ext cx="4419600" cy="4441921"/>
+          </a:xfrm>
+          <a:prstGeom prst="rect">
+            <a:avLst/>
+          </a:prstGeom>
         </p:spPr>
       </p:pic>
     </p:spTree>
@@ -5279,6 +5277,13 @@
   <p:clrMapOvr>
     <a:masterClrMapping/>
   </p:clrMapOvr>
+  <p:timing>
+    <p:tnLst>
+      <p:par>
+        <p:cTn id="1" dur="indefinite" restart="never" nodeType="tmRoot"/>
+      </p:par>
+    </p:tnLst>
+  </p:timing>
 </p:sld>
 </file>
 
@@ -5326,24 +5331,46 @@
           </a:p>
         </p:txBody>
       </p:sp>
+      <p:sp>
+        <p:nvSpPr>
+          <p:cNvPr id="4" name="Номер слайда 3"/>
+          <p:cNvSpPr>
+            <a:spLocks noGrp="1"/>
+          </p:cNvSpPr>
+          <p:nvPr>
+            <p:ph type="sldNum" sz="quarter" idx="12"/>
+          </p:nvPr>
+        </p:nvSpPr>
+        <p:spPr/>
+        <p:txBody>
+          <a:bodyPr/>
+          <a:lstStyle/>
+          <a:p>
+            <a:fld id="{54312719-E188-4125-8FBE-1E251BCF9D85}" type="slidenum">
+              <a:rPr lang="ru-RU" smtClean="0"/>
+              <a:t>7</a:t>
+            </a:fld>
+            <a:endParaRPr lang="ru-RU"/>
+          </a:p>
+        </p:txBody>
+      </p:sp>
       <p:graphicFrame>
         <p:nvGraphicFramePr>
-          <p:cNvPr id="5" name="Объект 4"/>
+          <p:cNvPr id="3" name="Таблица 2"/>
           <p:cNvGraphicFramePr>
             <a:graphicFrameLocks noGrp="1"/>
           </p:cNvGraphicFramePr>
           <p:nvPr>
-            <p:ph idx="1"/>
             <p:extLst>
               <p:ext uri="{D42A27DB-BD31-4B8C-83A1-F6EECF244321}">
-                <p14:modId xmlns:p14="http://schemas.microsoft.com/office/powerpoint/2010/main" val="3929802024"/>
+                <p14:modId xmlns:p14="http://schemas.microsoft.com/office/powerpoint/2010/main" val="3087559434"/>
               </p:ext>
             </p:extLst>
           </p:nvPr>
         </p:nvGraphicFramePr>
         <p:xfrm>
-          <a:off x="460204" y="2031868"/>
-          <a:ext cx="11331915" cy="884534"/>
+          <a:off x="1097280" y="3407769"/>
+          <a:ext cx="10058400" cy="2803180"/>
         </p:xfrm>
         <a:graphic>
           <a:graphicData uri="http://schemas.openxmlformats.org/drawingml/2006/table">
@@ -5352,13 +5379,13 @@
                 <a:tableStyleId>{5C22544A-7EE6-4342-B048-85BDC9FD1C3A}</a:tableStyleId>
               </a:tblPr>
               <a:tblGrid>
-                <a:gridCol w="2266383"/>
-                <a:gridCol w="2266383"/>
-                <a:gridCol w="2266383"/>
-                <a:gridCol w="2266383"/>
-                <a:gridCol w="2266383"/>
+                <a:gridCol w="2011680"/>
+                <a:gridCol w="2011680"/>
+                <a:gridCol w="2011680"/>
+                <a:gridCol w="2011680"/>
+                <a:gridCol w="2011680"/>
               </a:tblGrid>
-              <a:tr h="452211">
+              <a:tr h="560636">
                 <a:tc>
                   <a:txBody>
                     <a:bodyPr/>
@@ -5366,371 +5393,19 @@
                     <a:p>
                       <a:pPr>
                         <a:lnSpc>
-                          <a:spcPct val="107000"/>
+                          <a:spcPct val="150000"/>
                         </a:lnSpc>
                         <a:spcAft>
                           <a:spcPts val="0"/>
                         </a:spcAft>
                       </a:pPr>
                       <a:r>
-                        <a:rPr lang="en-US" sz="2600" dirty="0">
+                        <a:rPr lang="ru-RU" sz="2000" dirty="0">
                           <a:effectLst/>
                         </a:rPr>
                         <a:t> </a:t>
                       </a:r>
-                      <a:endParaRPr lang="ru-RU" sz="2100" dirty="0">
-                        <a:effectLst/>
-                        <a:latin typeface="Calibri" panose="020F0502020204030204" pitchFamily="34" charset="0"/>
-                        <a:ea typeface="Calibri" panose="020F0502020204030204" pitchFamily="34" charset="0"/>
-                        <a:cs typeface="Times New Roman" panose="02020603050405020304" pitchFamily="18" charset="0"/>
-                      </a:endParaRPr>
-                    </a:p>
-                  </a:txBody>
-                  <a:tcPr marL="130963" marR="130963" marT="0" marB="0"/>
-                </a:tc>
-                <a:tc>
-                  <a:txBody>
-                    <a:bodyPr/>
-                    <a:lstStyle/>
-                    <a:p>
-                      <a:pPr>
-                        <a:lnSpc>
-                          <a:spcPct val="107000"/>
-                        </a:lnSpc>
-                        <a:spcAft>
-                          <a:spcPts val="0"/>
-                        </a:spcAft>
-                      </a:pPr>
-                      <a:r>
-                        <a:rPr lang="en-US" sz="2600" dirty="0" err="1">
-                          <a:effectLst/>
-                        </a:rPr>
-                        <a:t>Acc</a:t>
-                      </a:r>
-                      <a:endParaRPr lang="ru-RU" sz="2100" dirty="0">
-                        <a:effectLst/>
-                        <a:latin typeface="Calibri" panose="020F0502020204030204" pitchFamily="34" charset="0"/>
-                        <a:ea typeface="Calibri" panose="020F0502020204030204" pitchFamily="34" charset="0"/>
-                        <a:cs typeface="Times New Roman" panose="02020603050405020304" pitchFamily="18" charset="0"/>
-                      </a:endParaRPr>
-                    </a:p>
-                  </a:txBody>
-                  <a:tcPr marL="130963" marR="130963" marT="0" marB="0"/>
-                </a:tc>
-                <a:tc>
-                  <a:txBody>
-                    <a:bodyPr/>
-                    <a:lstStyle/>
-                    <a:p>
-                      <a:pPr>
-                        <a:lnSpc>
-                          <a:spcPct val="107000"/>
-                        </a:lnSpc>
-                        <a:spcAft>
-                          <a:spcPts val="0"/>
-                        </a:spcAft>
-                      </a:pPr>
-                      <a:r>
-                        <a:rPr lang="en-US" sz="2600">
-                          <a:effectLst/>
-                        </a:rPr>
-                        <a:t>Pred</a:t>
-                      </a:r>
-                      <a:endParaRPr lang="ru-RU" sz="2100">
-                        <a:effectLst/>
-                        <a:latin typeface="Calibri" panose="020F0502020204030204" pitchFamily="34" charset="0"/>
-                        <a:ea typeface="Calibri" panose="020F0502020204030204" pitchFamily="34" charset="0"/>
-                        <a:cs typeface="Times New Roman" panose="02020603050405020304" pitchFamily="18" charset="0"/>
-                      </a:endParaRPr>
-                    </a:p>
-                  </a:txBody>
-                  <a:tcPr marL="130963" marR="130963" marT="0" marB="0"/>
-                </a:tc>
-                <a:tc>
-                  <a:txBody>
-                    <a:bodyPr/>
-                    <a:lstStyle/>
-                    <a:p>
-                      <a:pPr>
-                        <a:lnSpc>
-                          <a:spcPct val="107000"/>
-                        </a:lnSpc>
-                        <a:spcAft>
-                          <a:spcPts val="0"/>
-                        </a:spcAft>
-                      </a:pPr>
-                      <a:r>
-                        <a:rPr lang="en-US" sz="2600" dirty="0">
-                          <a:effectLst/>
-                        </a:rPr>
-                        <a:t>Recall</a:t>
-                      </a:r>
-                      <a:endParaRPr lang="ru-RU" sz="2100" dirty="0">
-                        <a:effectLst/>
-                        <a:latin typeface="Calibri" panose="020F0502020204030204" pitchFamily="34" charset="0"/>
-                        <a:ea typeface="Calibri" panose="020F0502020204030204" pitchFamily="34" charset="0"/>
-                        <a:cs typeface="Times New Roman" panose="02020603050405020304" pitchFamily="18" charset="0"/>
-                      </a:endParaRPr>
-                    </a:p>
-                  </a:txBody>
-                  <a:tcPr marL="130963" marR="130963" marT="0" marB="0"/>
-                </a:tc>
-                <a:tc>
-                  <a:txBody>
-                    <a:bodyPr/>
-                    <a:lstStyle/>
-                    <a:p>
-                      <a:pPr>
-                        <a:lnSpc>
-                          <a:spcPct val="107000"/>
-                        </a:lnSpc>
-                        <a:spcAft>
-                          <a:spcPts val="0"/>
-                        </a:spcAft>
-                      </a:pPr>
-                      <a:r>
-                        <a:rPr lang="en-US" sz="2600" dirty="0">
-                          <a:effectLst/>
-                        </a:rPr>
-                        <a:t>FM</a:t>
-                      </a:r>
-                      <a:endParaRPr lang="ru-RU" sz="2100" dirty="0">
-                        <a:effectLst/>
-                        <a:latin typeface="Calibri" panose="020F0502020204030204" pitchFamily="34" charset="0"/>
-                        <a:ea typeface="Calibri" panose="020F0502020204030204" pitchFamily="34" charset="0"/>
-                        <a:cs typeface="Times New Roman" panose="02020603050405020304" pitchFamily="18" charset="0"/>
-                      </a:endParaRPr>
-                    </a:p>
-                  </a:txBody>
-                  <a:tcPr marL="130963" marR="130963" marT="0" marB="0"/>
-                </a:tc>
-              </a:tr>
-              <a:tr h="432323">
-                <a:tc>
-                  <a:txBody>
-                    <a:bodyPr/>
-                    <a:lstStyle/>
-                    <a:p>
-                      <a:pPr>
-                        <a:lnSpc>
-                          <a:spcPct val="107000"/>
-                        </a:lnSpc>
-                        <a:spcAft>
-                          <a:spcPts val="0"/>
-                        </a:spcAft>
-                      </a:pPr>
-                      <a:r>
-                        <a:rPr lang="en-US" sz="2600" b="0" dirty="0">
-                          <a:effectLst/>
-                        </a:rPr>
-                        <a:t>LSTM</a:t>
-                      </a:r>
-                      <a:endParaRPr lang="ru-RU" sz="2100" b="0" dirty="0">
-                        <a:effectLst/>
-                        <a:latin typeface="Calibri" panose="020F0502020204030204" pitchFamily="34" charset="0"/>
-                        <a:ea typeface="Calibri" panose="020F0502020204030204" pitchFamily="34" charset="0"/>
-                        <a:cs typeface="Times New Roman" panose="02020603050405020304" pitchFamily="18" charset="0"/>
-                      </a:endParaRPr>
-                    </a:p>
-                  </a:txBody>
-                  <a:tcPr marL="130963" marR="130963" marT="0" marB="0"/>
-                </a:tc>
-                <a:tc>
-                  <a:txBody>
-                    <a:bodyPr/>
-                    <a:lstStyle/>
-                    <a:p>
-                      <a:pPr>
-                        <a:lnSpc>
-                          <a:spcPct val="107000"/>
-                        </a:lnSpc>
-                        <a:spcAft>
-                          <a:spcPts val="0"/>
-                        </a:spcAft>
-                      </a:pPr>
-                      <a:r>
-                        <a:rPr lang="en-US" sz="2600" b="0" dirty="0">
-                          <a:effectLst/>
-                        </a:rPr>
-                        <a:t>98.89</a:t>
-                      </a:r>
-                      <a:endParaRPr lang="ru-RU" sz="2100" b="0" dirty="0">
-                        <a:effectLst/>
-                        <a:latin typeface="Calibri" panose="020F0502020204030204" pitchFamily="34" charset="0"/>
-                        <a:ea typeface="Calibri" panose="020F0502020204030204" pitchFamily="34" charset="0"/>
-                        <a:cs typeface="Times New Roman" panose="02020603050405020304" pitchFamily="18" charset="0"/>
-                      </a:endParaRPr>
-                    </a:p>
-                  </a:txBody>
-                  <a:tcPr marL="130963" marR="130963" marT="0" marB="0"/>
-                </a:tc>
-                <a:tc>
-                  <a:txBody>
-                    <a:bodyPr/>
-                    <a:lstStyle/>
-                    <a:p>
-                      <a:pPr>
-                        <a:lnSpc>
-                          <a:spcPct val="107000"/>
-                        </a:lnSpc>
-                        <a:spcAft>
-                          <a:spcPts val="0"/>
-                        </a:spcAft>
-                      </a:pPr>
-                      <a:r>
-                        <a:rPr lang="en-US" sz="2600" b="0" dirty="0">
-                          <a:effectLst/>
-                        </a:rPr>
-                        <a:t>93.5</a:t>
-                      </a:r>
-                      <a:endParaRPr lang="ru-RU" sz="2100" b="0" dirty="0">
-                        <a:effectLst/>
-                        <a:latin typeface="Calibri" panose="020F0502020204030204" pitchFamily="34" charset="0"/>
-                        <a:ea typeface="Calibri" panose="020F0502020204030204" pitchFamily="34" charset="0"/>
-                        <a:cs typeface="Times New Roman" panose="02020603050405020304" pitchFamily="18" charset="0"/>
-                      </a:endParaRPr>
-                    </a:p>
-                  </a:txBody>
-                  <a:tcPr marL="130963" marR="130963" marT="0" marB="0"/>
-                </a:tc>
-                <a:tc>
-                  <a:txBody>
-                    <a:bodyPr/>
-                    <a:lstStyle/>
-                    <a:p>
-                      <a:pPr>
-                        <a:lnSpc>
-                          <a:spcPct val="107000"/>
-                        </a:lnSpc>
-                        <a:spcAft>
-                          <a:spcPts val="0"/>
-                        </a:spcAft>
-                      </a:pPr>
-                      <a:r>
-                        <a:rPr lang="en-US" sz="2600" b="0">
-                          <a:effectLst/>
-                        </a:rPr>
-                        <a:t>93.6</a:t>
-                      </a:r>
-                      <a:endParaRPr lang="ru-RU" sz="2100" b="0">
-                        <a:effectLst/>
-                        <a:latin typeface="Calibri" panose="020F0502020204030204" pitchFamily="34" charset="0"/>
-                        <a:ea typeface="Calibri" panose="020F0502020204030204" pitchFamily="34" charset="0"/>
-                        <a:cs typeface="Times New Roman" panose="02020603050405020304" pitchFamily="18" charset="0"/>
-                      </a:endParaRPr>
-                    </a:p>
-                  </a:txBody>
-                  <a:tcPr marL="130963" marR="130963" marT="0" marB="0"/>
-                </a:tc>
-                <a:tc>
-                  <a:txBody>
-                    <a:bodyPr/>
-                    <a:lstStyle/>
-                    <a:p>
-                      <a:pPr>
-                        <a:lnSpc>
-                          <a:spcPct val="107000"/>
-                        </a:lnSpc>
-                        <a:spcAft>
-                          <a:spcPts val="0"/>
-                        </a:spcAft>
-                      </a:pPr>
-                      <a:r>
-                        <a:rPr lang="en-US" sz="2600" b="0" dirty="0">
-                          <a:effectLst/>
-                        </a:rPr>
-                        <a:t>93.57</a:t>
-                      </a:r>
-                      <a:endParaRPr lang="ru-RU" sz="2100" b="0" dirty="0">
-                        <a:effectLst/>
-                        <a:latin typeface="Calibri" panose="020F0502020204030204" pitchFamily="34" charset="0"/>
-                        <a:ea typeface="Calibri" panose="020F0502020204030204" pitchFamily="34" charset="0"/>
-                        <a:cs typeface="Times New Roman" panose="02020603050405020304" pitchFamily="18" charset="0"/>
-                      </a:endParaRPr>
-                    </a:p>
-                  </a:txBody>
-                  <a:tcPr marL="130963" marR="130963" marT="0" marB="0"/>
-                </a:tc>
-              </a:tr>
-            </a:tbl>
-          </a:graphicData>
-        </a:graphic>
-      </p:graphicFrame>
-      <p:sp>
-        <p:nvSpPr>
-          <p:cNvPr id="4" name="Номер слайда 3"/>
-          <p:cNvSpPr>
-            <a:spLocks noGrp="1"/>
-          </p:cNvSpPr>
-          <p:nvPr>
-            <p:ph type="sldNum" sz="quarter" idx="12"/>
-          </p:nvPr>
-        </p:nvSpPr>
-        <p:spPr/>
-        <p:txBody>
-          <a:bodyPr/>
-          <a:lstStyle/>
-          <a:p>
-            <a:fld id="{54312719-E188-4125-8FBE-1E251BCF9D85}" type="slidenum">
-              <a:rPr lang="ru-RU" smtClean="0"/>
-              <a:t>7</a:t>
-            </a:fld>
-            <a:endParaRPr lang="ru-RU"/>
-          </a:p>
-        </p:txBody>
-      </p:sp>
-      <p:graphicFrame>
-        <p:nvGraphicFramePr>
-          <p:cNvPr id="6" name="Таблица 5"/>
-          <p:cNvGraphicFramePr>
-            <a:graphicFrameLocks noGrp="1"/>
-          </p:cNvGraphicFramePr>
-          <p:nvPr>
-            <p:extLst>
-              <p:ext uri="{D42A27DB-BD31-4B8C-83A1-F6EECF244321}">
-                <p14:modId xmlns:p14="http://schemas.microsoft.com/office/powerpoint/2010/main" val="2895710647"/>
-              </p:ext>
-            </p:extLst>
-          </p:nvPr>
-        </p:nvGraphicFramePr>
-        <p:xfrm>
-          <a:off x="460206" y="3210908"/>
-          <a:ext cx="11331915" cy="2860000"/>
-        </p:xfrm>
-        <a:graphic>
-          <a:graphicData uri="http://schemas.openxmlformats.org/drawingml/2006/table">
-            <a:tbl>
-              <a:tblPr firstRow="1" firstCol="1" bandRow="1">
-                <a:tableStyleId>{5C22544A-7EE6-4342-B048-85BDC9FD1C3A}</a:tableStyleId>
-              </a:tblPr>
-              <a:tblGrid>
-                <a:gridCol w="2266383"/>
-                <a:gridCol w="2266383"/>
-                <a:gridCol w="2266383"/>
-                <a:gridCol w="2266383"/>
-                <a:gridCol w="2266383"/>
-              </a:tblGrid>
-              <a:tr h="572000">
-                <a:tc>
-                  <a:txBody>
-                    <a:bodyPr/>
-                    <a:lstStyle/>
-                    <a:p>
-                      <a:pPr>
-                        <a:lnSpc>
-                          <a:spcPct val="107000"/>
-                        </a:lnSpc>
-                        <a:spcAft>
-                          <a:spcPts val="0"/>
-                        </a:spcAft>
-                      </a:pPr>
-                      <a:r>
-                        <a:rPr lang="en-US" sz="1400" dirty="0">
-                          <a:effectLst/>
-                        </a:rPr>
-                        <a:t> </a:t>
-                      </a:r>
-                      <a:endParaRPr lang="ru-RU" sz="1100" dirty="0">
+                      <a:endParaRPr lang="ru-RU" sz="2000" dirty="0">
                         <a:effectLst/>
                         <a:latin typeface="Calibri" panose="020F0502020204030204" pitchFamily="34" charset="0"/>
                         <a:ea typeface="Calibri" panose="020F0502020204030204" pitchFamily="34" charset="0"/>
@@ -5747,19 +5422,19 @@
                     <a:p>
                       <a:pPr>
                         <a:lnSpc>
-                          <a:spcPct val="107000"/>
+                          <a:spcPct val="150000"/>
                         </a:lnSpc>
                         <a:spcAft>
                           <a:spcPts val="0"/>
                         </a:spcAft>
                       </a:pPr>
                       <a:r>
-                        <a:rPr lang="en-US" sz="2600" dirty="0" err="1">
+                        <a:rPr lang="en-US" sz="2000" dirty="0" err="1">
                           <a:effectLst/>
                         </a:rPr>
                         <a:t>Acc</a:t>
                       </a:r>
-                      <a:endParaRPr lang="ru-RU" sz="2600" dirty="0">
+                      <a:endParaRPr lang="ru-RU" sz="2000" dirty="0">
                         <a:effectLst/>
                         <a:latin typeface="Calibri" panose="020F0502020204030204" pitchFamily="34" charset="0"/>
                         <a:ea typeface="Calibri" panose="020F0502020204030204" pitchFamily="34" charset="0"/>
@@ -5776,19 +5451,19 @@
                     <a:p>
                       <a:pPr>
                         <a:lnSpc>
-                          <a:spcPct val="107000"/>
+                          <a:spcPct val="150000"/>
                         </a:lnSpc>
                         <a:spcAft>
                           <a:spcPts val="0"/>
                         </a:spcAft>
                       </a:pPr>
                       <a:r>
-                        <a:rPr lang="en-US" sz="2600" dirty="0" err="1">
+                        <a:rPr lang="en-US" sz="2000" dirty="0" err="1">
                           <a:effectLst/>
                         </a:rPr>
                         <a:t>Pred</a:t>
                       </a:r>
-                      <a:endParaRPr lang="ru-RU" sz="2600" dirty="0">
+                      <a:endParaRPr lang="ru-RU" sz="2000" dirty="0">
                         <a:effectLst/>
                         <a:latin typeface="Calibri" panose="020F0502020204030204" pitchFamily="34" charset="0"/>
                         <a:ea typeface="Calibri" panose="020F0502020204030204" pitchFamily="34" charset="0"/>
@@ -5805,19 +5480,19 @@
                     <a:p>
                       <a:pPr>
                         <a:lnSpc>
-                          <a:spcPct val="107000"/>
+                          <a:spcPct val="150000"/>
                         </a:lnSpc>
                         <a:spcAft>
                           <a:spcPts val="0"/>
                         </a:spcAft>
                       </a:pPr>
                       <a:r>
-                        <a:rPr lang="en-US" sz="2600">
+                        <a:rPr lang="en-US" sz="2000">
                           <a:effectLst/>
                         </a:rPr>
                         <a:t>Recall</a:t>
                       </a:r>
-                      <a:endParaRPr lang="ru-RU" sz="2600">
+                      <a:endParaRPr lang="ru-RU" sz="2000">
                         <a:effectLst/>
                         <a:latin typeface="Calibri" panose="020F0502020204030204" pitchFamily="34" charset="0"/>
                         <a:ea typeface="Calibri" panose="020F0502020204030204" pitchFamily="34" charset="0"/>
@@ -5834,19 +5509,19 @@
                     <a:p>
                       <a:pPr>
                         <a:lnSpc>
-                          <a:spcPct val="107000"/>
+                          <a:spcPct val="150000"/>
                         </a:lnSpc>
                         <a:spcAft>
                           <a:spcPts val="0"/>
                         </a:spcAft>
                       </a:pPr>
                       <a:r>
-                        <a:rPr lang="en-US" sz="2600" dirty="0">
+                        <a:rPr lang="en-US" sz="2000">
                           <a:effectLst/>
                         </a:rPr>
                         <a:t>FM</a:t>
                       </a:r>
-                      <a:endParaRPr lang="ru-RU" sz="2600" dirty="0">
+                      <a:endParaRPr lang="ru-RU" sz="2000">
                         <a:effectLst/>
                         <a:latin typeface="Calibri" panose="020F0502020204030204" pitchFamily="34" charset="0"/>
                         <a:ea typeface="Calibri" panose="020F0502020204030204" pitchFamily="34" charset="0"/>
@@ -5857,7 +5532,7 @@
                   <a:tcPr marL="68580" marR="68580" marT="0" marB="0"/>
                 </a:tc>
               </a:tr>
-              <a:tr h="572000">
+              <a:tr h="560636">
                 <a:tc>
                   <a:txBody>
                     <a:bodyPr/>
@@ -5865,19 +5540,19 @@
                     <a:p>
                       <a:pPr>
                         <a:lnSpc>
-                          <a:spcPct val="107000"/>
+                          <a:spcPct val="150000"/>
                         </a:lnSpc>
                         <a:spcAft>
                           <a:spcPts val="0"/>
                         </a:spcAft>
                       </a:pPr>
                       <a:r>
-                        <a:rPr lang="en-US" sz="2500" b="0" dirty="0">
+                        <a:rPr lang="en-US" sz="2000">
                           <a:effectLst/>
                         </a:rPr>
                         <a:t>PER</a:t>
                       </a:r>
-                      <a:endParaRPr lang="ru-RU" sz="2500" b="0" dirty="0">
+                      <a:endParaRPr lang="ru-RU" sz="2000">
                         <a:effectLst/>
                         <a:latin typeface="Calibri" panose="020F0502020204030204" pitchFamily="34" charset="0"/>
                         <a:ea typeface="Calibri" panose="020F0502020204030204" pitchFamily="34" charset="0"/>
@@ -5894,19 +5569,19 @@
                     <a:p>
                       <a:pPr>
                         <a:lnSpc>
-                          <a:spcPct val="107000"/>
+                          <a:spcPct val="150000"/>
                         </a:lnSpc>
                         <a:spcAft>
                           <a:spcPts val="0"/>
                         </a:spcAft>
                       </a:pPr>
                       <a:r>
-                        <a:rPr lang="en-US" sz="2500" b="0" dirty="0">
+                        <a:rPr lang="ru-RU" sz="2000" dirty="0">
                           <a:effectLst/>
                         </a:rPr>
-                        <a:t>99</a:t>
+                        <a:t>99.2</a:t>
                       </a:r>
-                      <a:endParaRPr lang="ru-RU" sz="2500" b="0" dirty="0">
+                      <a:endParaRPr lang="ru-RU" sz="2000" dirty="0">
                         <a:effectLst/>
                         <a:latin typeface="Calibri" panose="020F0502020204030204" pitchFamily="34" charset="0"/>
                         <a:ea typeface="Calibri" panose="020F0502020204030204" pitchFamily="34" charset="0"/>
@@ -5923,19 +5598,19 @@
                     <a:p>
                       <a:pPr>
                         <a:lnSpc>
-                          <a:spcPct val="107000"/>
+                          <a:spcPct val="150000"/>
                         </a:lnSpc>
                         <a:spcAft>
                           <a:spcPts val="0"/>
                         </a:spcAft>
                       </a:pPr>
                       <a:r>
-                        <a:rPr lang="en-US" sz="2500" b="0">
+                        <a:rPr lang="ru-RU" sz="2000" dirty="0">
                           <a:effectLst/>
                         </a:rPr>
-                        <a:t>93</a:t>
+                        <a:t>94.8</a:t>
                       </a:r>
-                      <a:endParaRPr lang="ru-RU" sz="2500" b="0">
+                      <a:endParaRPr lang="ru-RU" sz="2000" dirty="0">
                         <a:effectLst/>
                         <a:latin typeface="Calibri" panose="020F0502020204030204" pitchFamily="34" charset="0"/>
                         <a:ea typeface="Calibri" panose="020F0502020204030204" pitchFamily="34" charset="0"/>
@@ -5952,19 +5627,19 @@
                     <a:p>
                       <a:pPr>
                         <a:lnSpc>
-                          <a:spcPct val="107000"/>
+                          <a:spcPct val="150000"/>
                         </a:lnSpc>
                         <a:spcAft>
                           <a:spcPts val="0"/>
                         </a:spcAft>
                       </a:pPr>
                       <a:r>
-                        <a:rPr lang="en-US" sz="2500" b="0">
+                        <a:rPr lang="ru-RU" sz="2000">
                           <a:effectLst/>
                         </a:rPr>
                         <a:t>93.5</a:t>
                       </a:r>
-                      <a:endParaRPr lang="ru-RU" sz="2500" b="0">
+                      <a:endParaRPr lang="ru-RU" sz="2000">
                         <a:effectLst/>
                         <a:latin typeface="Calibri" panose="020F0502020204030204" pitchFamily="34" charset="0"/>
                         <a:ea typeface="Calibri" panose="020F0502020204030204" pitchFamily="34" charset="0"/>
@@ -5981,19 +5656,19 @@
                     <a:p>
                       <a:pPr>
                         <a:lnSpc>
-                          <a:spcPct val="107000"/>
+                          <a:spcPct val="150000"/>
                         </a:lnSpc>
                         <a:spcAft>
                           <a:spcPts val="0"/>
                         </a:spcAft>
                       </a:pPr>
                       <a:r>
-                        <a:rPr lang="en-US" sz="2500" b="0">
+                        <a:rPr lang="ru-RU" sz="2000">
                           <a:effectLst/>
                         </a:rPr>
-                        <a:t>94</a:t>
+                        <a:t>94.15</a:t>
                       </a:r>
-                      <a:endParaRPr lang="ru-RU" sz="2500" b="0">
+                      <a:endParaRPr lang="ru-RU" sz="2000">
                         <a:effectLst/>
                         <a:latin typeface="Calibri" panose="020F0502020204030204" pitchFamily="34" charset="0"/>
                         <a:ea typeface="Calibri" panose="020F0502020204030204" pitchFamily="34" charset="0"/>
@@ -6004,7 +5679,7 @@
                   <a:tcPr marL="68580" marR="68580" marT="0" marB="0"/>
                 </a:tc>
               </a:tr>
-              <a:tr h="572000">
+              <a:tr h="560636">
                 <a:tc>
                   <a:txBody>
                     <a:bodyPr/>
@@ -6012,19 +5687,19 @@
                     <a:p>
                       <a:pPr>
                         <a:lnSpc>
-                          <a:spcPct val="107000"/>
+                          <a:spcPct val="150000"/>
                         </a:lnSpc>
                         <a:spcAft>
                           <a:spcPts val="0"/>
                         </a:spcAft>
                       </a:pPr>
                       <a:r>
-                        <a:rPr lang="en-US" sz="2500" b="0" dirty="0">
+                        <a:rPr lang="en-US" sz="2000">
                           <a:effectLst/>
                         </a:rPr>
                         <a:t>LOC</a:t>
                       </a:r>
-                      <a:endParaRPr lang="ru-RU" sz="2500" b="0" dirty="0">
+                      <a:endParaRPr lang="ru-RU" sz="2000">
                         <a:effectLst/>
                         <a:latin typeface="Calibri" panose="020F0502020204030204" pitchFamily="34" charset="0"/>
                         <a:ea typeface="Calibri" panose="020F0502020204030204" pitchFamily="34" charset="0"/>
@@ -6041,19 +5716,19 @@
                     <a:p>
                       <a:pPr>
                         <a:lnSpc>
-                          <a:spcPct val="107000"/>
+                          <a:spcPct val="150000"/>
                         </a:lnSpc>
                         <a:spcAft>
                           <a:spcPts val="0"/>
                         </a:spcAft>
                       </a:pPr>
                       <a:r>
-                        <a:rPr lang="en-US" sz="2500" b="0" dirty="0">
+                        <a:rPr lang="ru-RU" sz="2000">
                           <a:effectLst/>
                         </a:rPr>
-                        <a:t>98</a:t>
+                        <a:t>98.4</a:t>
                       </a:r>
-                      <a:endParaRPr lang="ru-RU" sz="2500" b="0" dirty="0">
+                      <a:endParaRPr lang="ru-RU" sz="2000">
                         <a:effectLst/>
                         <a:latin typeface="Calibri" panose="020F0502020204030204" pitchFamily="34" charset="0"/>
                         <a:ea typeface="Calibri" panose="020F0502020204030204" pitchFamily="34" charset="0"/>
@@ -6070,19 +5745,19 @@
                     <a:p>
                       <a:pPr>
                         <a:lnSpc>
-                          <a:spcPct val="107000"/>
+                          <a:spcPct val="150000"/>
                         </a:lnSpc>
                         <a:spcAft>
                           <a:spcPts val="0"/>
                         </a:spcAft>
                       </a:pPr>
                       <a:r>
-                        <a:rPr lang="en-US" sz="2500" b="0" dirty="0">
+                        <a:rPr lang="ru-RU" sz="2000" dirty="0">
                           <a:effectLst/>
                         </a:rPr>
-                        <a:t>92</a:t>
+                        <a:t>93.5</a:t>
                       </a:r>
-                      <a:endParaRPr lang="ru-RU" sz="2500" b="0" dirty="0">
+                      <a:endParaRPr lang="ru-RU" sz="2000" dirty="0">
                         <a:effectLst/>
                         <a:latin typeface="Calibri" panose="020F0502020204030204" pitchFamily="34" charset="0"/>
                         <a:ea typeface="Calibri" panose="020F0502020204030204" pitchFamily="34" charset="0"/>
@@ -6099,19 +5774,19 @@
                     <a:p>
                       <a:pPr>
                         <a:lnSpc>
-                          <a:spcPct val="107000"/>
+                          <a:spcPct val="150000"/>
                         </a:lnSpc>
                         <a:spcAft>
                           <a:spcPts val="0"/>
                         </a:spcAft>
                       </a:pPr>
                       <a:r>
-                        <a:rPr lang="en-US" sz="2500" b="0" dirty="0">
+                        <a:rPr lang="ru-RU" sz="2000" dirty="0">
                           <a:effectLst/>
                         </a:rPr>
-                        <a:t>92</a:t>
+                        <a:t>93.4</a:t>
                       </a:r>
-                      <a:endParaRPr lang="ru-RU" sz="2500" b="0" dirty="0">
+                      <a:endParaRPr lang="ru-RU" sz="2000" dirty="0">
                         <a:effectLst/>
                         <a:latin typeface="Calibri" panose="020F0502020204030204" pitchFamily="34" charset="0"/>
                         <a:ea typeface="Calibri" panose="020F0502020204030204" pitchFamily="34" charset="0"/>
@@ -6128,19 +5803,19 @@
                     <a:p>
                       <a:pPr>
                         <a:lnSpc>
-                          <a:spcPct val="107000"/>
+                          <a:spcPct val="150000"/>
                         </a:lnSpc>
                         <a:spcAft>
                           <a:spcPts val="0"/>
                         </a:spcAft>
                       </a:pPr>
                       <a:r>
-                        <a:rPr lang="en-US" sz="2500" b="0">
+                        <a:rPr lang="ru-RU" sz="2000">
                           <a:effectLst/>
                         </a:rPr>
-                        <a:t>92</a:t>
+                        <a:t>93.45</a:t>
                       </a:r>
-                      <a:endParaRPr lang="ru-RU" sz="2500" b="0">
+                      <a:endParaRPr lang="ru-RU" sz="2000">
                         <a:effectLst/>
                         <a:latin typeface="Calibri" panose="020F0502020204030204" pitchFamily="34" charset="0"/>
                         <a:ea typeface="Calibri" panose="020F0502020204030204" pitchFamily="34" charset="0"/>
@@ -6151,7 +5826,7 @@
                   <a:tcPr marL="68580" marR="68580" marT="0" marB="0"/>
                 </a:tc>
               </a:tr>
-              <a:tr h="572000">
+              <a:tr h="560636">
                 <a:tc>
                   <a:txBody>
                     <a:bodyPr/>
@@ -6159,19 +5834,19 @@
                     <a:p>
                       <a:pPr>
                         <a:lnSpc>
-                          <a:spcPct val="107000"/>
+                          <a:spcPct val="150000"/>
                         </a:lnSpc>
                         <a:spcAft>
                           <a:spcPts val="0"/>
                         </a:spcAft>
                       </a:pPr>
                       <a:r>
-                        <a:rPr lang="en-US" sz="2500" b="0" dirty="0">
+                        <a:rPr lang="en-US" sz="2000">
                           <a:effectLst/>
                         </a:rPr>
                         <a:t>ORG</a:t>
                       </a:r>
-                      <a:endParaRPr lang="ru-RU" sz="2500" b="0" dirty="0">
+                      <a:endParaRPr lang="ru-RU" sz="2000">
                         <a:effectLst/>
                         <a:latin typeface="Calibri" panose="020F0502020204030204" pitchFamily="34" charset="0"/>
                         <a:ea typeface="Calibri" panose="020F0502020204030204" pitchFamily="34" charset="0"/>
@@ -6188,19 +5863,19 @@
                     <a:p>
                       <a:pPr>
                         <a:lnSpc>
-                          <a:spcPct val="107000"/>
+                          <a:spcPct val="150000"/>
                         </a:lnSpc>
                         <a:spcAft>
                           <a:spcPts val="0"/>
                         </a:spcAft>
                       </a:pPr>
                       <a:r>
-                        <a:rPr lang="en-US" sz="2500" b="0" dirty="0">
+                        <a:rPr lang="ru-RU" sz="2000">
                           <a:effectLst/>
                         </a:rPr>
-                        <a:t>98</a:t>
+                        <a:t>98.2</a:t>
                       </a:r>
-                      <a:endParaRPr lang="ru-RU" sz="2500" b="0" dirty="0">
+                      <a:endParaRPr lang="ru-RU" sz="2000">
                         <a:effectLst/>
                         <a:latin typeface="Calibri" panose="020F0502020204030204" pitchFamily="34" charset="0"/>
                         <a:ea typeface="Calibri" panose="020F0502020204030204" pitchFamily="34" charset="0"/>
@@ -6217,19 +5892,19 @@
                     <a:p>
                       <a:pPr>
                         <a:lnSpc>
-                          <a:spcPct val="107000"/>
+                          <a:spcPct val="150000"/>
                         </a:lnSpc>
                         <a:spcAft>
                           <a:spcPts val="0"/>
                         </a:spcAft>
                       </a:pPr>
                       <a:r>
-                        <a:rPr lang="en-US" sz="2500" b="0" dirty="0">
+                        <a:rPr lang="ru-RU" sz="2000">
                           <a:effectLst/>
                         </a:rPr>
-                        <a:t>88</a:t>
+                        <a:t>92.51</a:t>
                       </a:r>
-                      <a:endParaRPr lang="ru-RU" sz="2500" b="0" dirty="0">
+                      <a:endParaRPr lang="ru-RU" sz="2000">
                         <a:effectLst/>
                         <a:latin typeface="Calibri" panose="020F0502020204030204" pitchFamily="34" charset="0"/>
                         <a:ea typeface="Calibri" panose="020F0502020204030204" pitchFamily="34" charset="0"/>
@@ -6246,19 +5921,19 @@
                     <a:p>
                       <a:pPr>
                         <a:lnSpc>
-                          <a:spcPct val="107000"/>
+                          <a:spcPct val="150000"/>
                         </a:lnSpc>
                         <a:spcAft>
                           <a:spcPts val="0"/>
                         </a:spcAft>
                       </a:pPr>
                       <a:r>
-                        <a:rPr lang="en-US" sz="2500" b="0" dirty="0">
+                        <a:rPr lang="ru-RU" sz="2000" dirty="0">
                           <a:effectLst/>
                         </a:rPr>
-                        <a:t>92</a:t>
+                        <a:t>92.3</a:t>
                       </a:r>
-                      <a:endParaRPr lang="ru-RU" sz="2500" b="0" dirty="0">
+                      <a:endParaRPr lang="ru-RU" sz="2000" dirty="0">
                         <a:effectLst/>
                         <a:latin typeface="Calibri" panose="020F0502020204030204" pitchFamily="34" charset="0"/>
                         <a:ea typeface="Calibri" panose="020F0502020204030204" pitchFamily="34" charset="0"/>
@@ -6275,19 +5950,19 @@
                     <a:p>
                       <a:pPr>
                         <a:lnSpc>
-                          <a:spcPct val="107000"/>
+                          <a:spcPct val="150000"/>
                         </a:lnSpc>
                         <a:spcAft>
                           <a:spcPts val="0"/>
                         </a:spcAft>
                       </a:pPr>
                       <a:r>
-                        <a:rPr lang="en-US" sz="2500" b="0">
+                        <a:rPr lang="ru-RU" sz="2000" dirty="0">
                           <a:effectLst/>
                         </a:rPr>
-                        <a:t>90</a:t>
+                        <a:t>92.4</a:t>
                       </a:r>
-                      <a:endParaRPr lang="ru-RU" sz="2500" b="0">
+                      <a:endParaRPr lang="ru-RU" sz="2000" dirty="0">
                         <a:effectLst/>
                         <a:latin typeface="Calibri" panose="020F0502020204030204" pitchFamily="34" charset="0"/>
                         <a:ea typeface="Calibri" panose="020F0502020204030204" pitchFamily="34" charset="0"/>
@@ -6298,7 +5973,7 @@
                   <a:tcPr marL="68580" marR="68580" marT="0" marB="0"/>
                 </a:tc>
               </a:tr>
-              <a:tr h="572000">
+              <a:tr h="560636">
                 <a:tc>
                   <a:txBody>
                     <a:bodyPr/>
@@ -6306,19 +5981,19 @@
                     <a:p>
                       <a:pPr>
                         <a:lnSpc>
-                          <a:spcPct val="107000"/>
+                          <a:spcPct val="150000"/>
                         </a:lnSpc>
                         <a:spcAft>
                           <a:spcPts val="0"/>
                         </a:spcAft>
                       </a:pPr>
                       <a:r>
-                        <a:rPr lang="en-US" sz="2500" b="0">
+                        <a:rPr lang="en-US" sz="2000">
                           <a:effectLst/>
                         </a:rPr>
                         <a:t>MISC</a:t>
                       </a:r>
-                      <a:endParaRPr lang="ru-RU" sz="2500" b="0">
+                      <a:endParaRPr lang="ru-RU" sz="2000">
                         <a:effectLst/>
                         <a:latin typeface="Calibri" panose="020F0502020204030204" pitchFamily="34" charset="0"/>
                         <a:ea typeface="Calibri" panose="020F0502020204030204" pitchFamily="34" charset="0"/>
@@ -6335,19 +6010,19 @@
                     <a:p>
                       <a:pPr>
                         <a:lnSpc>
-                          <a:spcPct val="107000"/>
+                          <a:spcPct val="150000"/>
                         </a:lnSpc>
                         <a:spcAft>
                           <a:spcPts val="0"/>
                         </a:spcAft>
                       </a:pPr>
                       <a:r>
-                        <a:rPr lang="en-US" sz="2500" b="0">
+                        <a:rPr lang="ru-RU" sz="2000">
                           <a:effectLst/>
                         </a:rPr>
-                        <a:t>92</a:t>
+                        <a:t>92.34</a:t>
                       </a:r>
-                      <a:endParaRPr lang="ru-RU" sz="2500" b="0">
+                      <a:endParaRPr lang="ru-RU" sz="2000">
                         <a:effectLst/>
                         <a:latin typeface="Calibri" panose="020F0502020204030204" pitchFamily="34" charset="0"/>
                         <a:ea typeface="Calibri" panose="020F0502020204030204" pitchFamily="34" charset="0"/>
@@ -6364,19 +6039,19 @@
                     <a:p>
                       <a:pPr>
                         <a:lnSpc>
-                          <a:spcPct val="107000"/>
+                          <a:spcPct val="150000"/>
                         </a:lnSpc>
                         <a:spcAft>
                           <a:spcPts val="0"/>
                         </a:spcAft>
                       </a:pPr>
                       <a:r>
-                        <a:rPr lang="en-US" sz="2500" b="0">
+                        <a:rPr lang="ru-RU" sz="2000">
                           <a:effectLst/>
                         </a:rPr>
-                        <a:t>88</a:t>
+                        <a:t>88.05</a:t>
                       </a:r>
-                      <a:endParaRPr lang="ru-RU" sz="2500" b="0">
+                      <a:endParaRPr lang="ru-RU" sz="2000">
                         <a:effectLst/>
                         <a:latin typeface="Calibri" panose="020F0502020204030204" pitchFamily="34" charset="0"/>
                         <a:ea typeface="Calibri" panose="020F0502020204030204" pitchFamily="34" charset="0"/>
@@ -6393,19 +6068,19 @@
                     <a:p>
                       <a:pPr>
                         <a:lnSpc>
-                          <a:spcPct val="107000"/>
+                          <a:spcPct val="150000"/>
                         </a:lnSpc>
                         <a:spcAft>
                           <a:spcPts val="0"/>
                         </a:spcAft>
                       </a:pPr>
                       <a:r>
-                        <a:rPr lang="en-US" sz="2500" b="0" dirty="0">
+                        <a:rPr lang="ru-RU" sz="2000">
                           <a:effectLst/>
                         </a:rPr>
                         <a:t>89.5</a:t>
                       </a:r>
-                      <a:endParaRPr lang="ru-RU" sz="2500" b="0" dirty="0">
+                      <a:endParaRPr lang="ru-RU" sz="2000">
                         <a:effectLst/>
                         <a:latin typeface="Calibri" panose="020F0502020204030204" pitchFamily="34" charset="0"/>
                         <a:ea typeface="Calibri" panose="020F0502020204030204" pitchFamily="34" charset="0"/>
@@ -6422,19 +6097,508 @@
                     <a:p>
                       <a:pPr>
                         <a:lnSpc>
-                          <a:spcPct val="107000"/>
+                          <a:spcPct val="150000"/>
                         </a:lnSpc>
                         <a:spcAft>
                           <a:spcPts val="0"/>
                         </a:spcAft>
                       </a:pPr>
                       <a:r>
-                        <a:rPr lang="en-US" sz="2500" b="0" dirty="0">
+                        <a:rPr lang="ru-RU" sz="2000" dirty="0">
                           <a:effectLst/>
                         </a:rPr>
-                        <a:t>89.4</a:t>
+                        <a:t>88</a:t>
                       </a:r>
-                      <a:endParaRPr lang="ru-RU" sz="2500" b="0" dirty="0">
+                      <a:r>
+                        <a:rPr lang="en-US" sz="2000" dirty="0">
+                          <a:effectLst/>
+                        </a:rPr>
+                        <a:t>.</a:t>
+                      </a:r>
+                      <a:r>
+                        <a:rPr lang="ru-RU" sz="2000" dirty="0">
+                          <a:effectLst/>
+                        </a:rPr>
+                        <a:t>77</a:t>
+                      </a:r>
+                      <a:endParaRPr lang="ru-RU" sz="2000" dirty="0">
+                        <a:effectLst/>
+                        <a:latin typeface="Calibri" panose="020F0502020204030204" pitchFamily="34" charset="0"/>
+                        <a:ea typeface="Calibri" panose="020F0502020204030204" pitchFamily="34" charset="0"/>
+                        <a:cs typeface="Times New Roman" panose="02020603050405020304" pitchFamily="18" charset="0"/>
+                      </a:endParaRPr>
+                    </a:p>
+                  </a:txBody>
+                  <a:tcPr marL="68580" marR="68580" marT="0" marB="0"/>
+                </a:tc>
+              </a:tr>
+            </a:tbl>
+          </a:graphicData>
+        </a:graphic>
+      </p:graphicFrame>
+      <p:graphicFrame>
+        <p:nvGraphicFramePr>
+          <p:cNvPr id="8" name="Объект 7"/>
+          <p:cNvGraphicFramePr>
+            <a:graphicFrameLocks noGrp="1"/>
+          </p:cNvGraphicFramePr>
+          <p:nvPr>
+            <p:ph idx="1"/>
+            <p:extLst>
+              <p:ext uri="{D42A27DB-BD31-4B8C-83A1-F6EECF244321}">
+                <p14:modId xmlns:p14="http://schemas.microsoft.com/office/powerpoint/2010/main" val="2815690756"/>
+              </p:ext>
+            </p:extLst>
+          </p:nvPr>
+        </p:nvGraphicFramePr>
+        <p:xfrm>
+          <a:off x="1097280" y="1849037"/>
+          <a:ext cx="10115205" cy="1447056"/>
+        </p:xfrm>
+        <a:graphic>
+          <a:graphicData uri="http://schemas.openxmlformats.org/drawingml/2006/table">
+            <a:tbl>
+              <a:tblPr firstRow="1" firstCol="1" bandRow="1">
+                <a:tableStyleId>{5C22544A-7EE6-4342-B048-85BDC9FD1C3A}</a:tableStyleId>
+              </a:tblPr>
+              <a:tblGrid>
+                <a:gridCol w="2023041"/>
+                <a:gridCol w="2023041"/>
+                <a:gridCol w="2023041"/>
+                <a:gridCol w="2023041"/>
+                <a:gridCol w="2023041"/>
+              </a:tblGrid>
+              <a:tr h="482352">
+                <a:tc>
+                  <a:txBody>
+                    <a:bodyPr/>
+                    <a:lstStyle/>
+                    <a:p>
+                      <a:pPr>
+                        <a:lnSpc>
+                          <a:spcPct val="150000"/>
+                        </a:lnSpc>
+                        <a:spcAft>
+                          <a:spcPts val="0"/>
+                        </a:spcAft>
+                      </a:pPr>
+                      <a:r>
+                        <a:rPr lang="en-US" sz="2000" dirty="0">
+                          <a:effectLst/>
+                        </a:rPr>
+                        <a:t> </a:t>
+                      </a:r>
+                      <a:endParaRPr lang="ru-RU" sz="2000" dirty="0">
+                        <a:effectLst/>
+                        <a:latin typeface="Calibri" panose="020F0502020204030204" pitchFamily="34" charset="0"/>
+                        <a:ea typeface="Calibri" panose="020F0502020204030204" pitchFamily="34" charset="0"/>
+                        <a:cs typeface="Times New Roman" panose="02020603050405020304" pitchFamily="18" charset="0"/>
+                      </a:endParaRPr>
+                    </a:p>
+                  </a:txBody>
+                  <a:tcPr marL="68580" marR="68580" marT="0" marB="0"/>
+                </a:tc>
+                <a:tc>
+                  <a:txBody>
+                    <a:bodyPr/>
+                    <a:lstStyle/>
+                    <a:p>
+                      <a:pPr>
+                        <a:lnSpc>
+                          <a:spcPct val="150000"/>
+                        </a:lnSpc>
+                        <a:spcAft>
+                          <a:spcPts val="0"/>
+                        </a:spcAft>
+                      </a:pPr>
+                      <a:r>
+                        <a:rPr lang="en-US" sz="2000" dirty="0" err="1">
+                          <a:effectLst/>
+                        </a:rPr>
+                        <a:t>Acc</a:t>
+                      </a:r>
+                      <a:endParaRPr lang="ru-RU" sz="2000" dirty="0">
+                        <a:effectLst/>
+                        <a:latin typeface="Calibri" panose="020F0502020204030204" pitchFamily="34" charset="0"/>
+                        <a:ea typeface="Calibri" panose="020F0502020204030204" pitchFamily="34" charset="0"/>
+                        <a:cs typeface="Times New Roman" panose="02020603050405020304" pitchFamily="18" charset="0"/>
+                      </a:endParaRPr>
+                    </a:p>
+                  </a:txBody>
+                  <a:tcPr marL="68580" marR="68580" marT="0" marB="0"/>
+                </a:tc>
+                <a:tc>
+                  <a:txBody>
+                    <a:bodyPr/>
+                    <a:lstStyle/>
+                    <a:p>
+                      <a:pPr>
+                        <a:lnSpc>
+                          <a:spcPct val="150000"/>
+                        </a:lnSpc>
+                        <a:spcAft>
+                          <a:spcPts val="0"/>
+                        </a:spcAft>
+                      </a:pPr>
+                      <a:r>
+                        <a:rPr lang="en-US" sz="2000" dirty="0" err="1">
+                          <a:effectLst/>
+                        </a:rPr>
+                        <a:t>Pred</a:t>
+                      </a:r>
+                      <a:endParaRPr lang="ru-RU" sz="2000" dirty="0">
+                        <a:effectLst/>
+                        <a:latin typeface="Calibri" panose="020F0502020204030204" pitchFamily="34" charset="0"/>
+                        <a:ea typeface="Calibri" panose="020F0502020204030204" pitchFamily="34" charset="0"/>
+                        <a:cs typeface="Times New Roman" panose="02020603050405020304" pitchFamily="18" charset="0"/>
+                      </a:endParaRPr>
+                    </a:p>
+                  </a:txBody>
+                  <a:tcPr marL="68580" marR="68580" marT="0" marB="0"/>
+                </a:tc>
+                <a:tc>
+                  <a:txBody>
+                    <a:bodyPr/>
+                    <a:lstStyle/>
+                    <a:p>
+                      <a:pPr>
+                        <a:lnSpc>
+                          <a:spcPct val="150000"/>
+                        </a:lnSpc>
+                        <a:spcAft>
+                          <a:spcPts val="0"/>
+                        </a:spcAft>
+                      </a:pPr>
+                      <a:r>
+                        <a:rPr lang="en-US" sz="2000" dirty="0">
+                          <a:effectLst/>
+                        </a:rPr>
+                        <a:t>Recall</a:t>
+                      </a:r>
+                      <a:endParaRPr lang="ru-RU" sz="2000" dirty="0">
+                        <a:effectLst/>
+                        <a:latin typeface="Calibri" panose="020F0502020204030204" pitchFamily="34" charset="0"/>
+                        <a:ea typeface="Calibri" panose="020F0502020204030204" pitchFamily="34" charset="0"/>
+                        <a:cs typeface="Times New Roman" panose="02020603050405020304" pitchFamily="18" charset="0"/>
+                      </a:endParaRPr>
+                    </a:p>
+                  </a:txBody>
+                  <a:tcPr marL="68580" marR="68580" marT="0" marB="0"/>
+                </a:tc>
+                <a:tc>
+                  <a:txBody>
+                    <a:bodyPr/>
+                    <a:lstStyle/>
+                    <a:p>
+                      <a:pPr>
+                        <a:lnSpc>
+                          <a:spcPct val="150000"/>
+                        </a:lnSpc>
+                        <a:spcAft>
+                          <a:spcPts val="0"/>
+                        </a:spcAft>
+                      </a:pPr>
+                      <a:r>
+                        <a:rPr lang="en-US" sz="2000">
+                          <a:effectLst/>
+                        </a:rPr>
+                        <a:t>FM</a:t>
+                      </a:r>
+                      <a:endParaRPr lang="ru-RU" sz="2000">
+                        <a:effectLst/>
+                        <a:latin typeface="Calibri" panose="020F0502020204030204" pitchFamily="34" charset="0"/>
+                        <a:ea typeface="Calibri" panose="020F0502020204030204" pitchFamily="34" charset="0"/>
+                        <a:cs typeface="Times New Roman" panose="02020603050405020304" pitchFamily="18" charset="0"/>
+                      </a:endParaRPr>
+                    </a:p>
+                  </a:txBody>
+                  <a:tcPr marL="68580" marR="68580" marT="0" marB="0"/>
+                </a:tc>
+              </a:tr>
+              <a:tr h="482352">
+                <a:tc>
+                  <a:txBody>
+                    <a:bodyPr/>
+                    <a:lstStyle/>
+                    <a:p>
+                      <a:pPr>
+                        <a:lnSpc>
+                          <a:spcPct val="150000"/>
+                        </a:lnSpc>
+                        <a:spcAft>
+                          <a:spcPts val="0"/>
+                        </a:spcAft>
+                      </a:pPr>
+                      <a:r>
+                        <a:rPr lang="en-US" sz="2000" dirty="0">
+                          <a:effectLst/>
+                        </a:rPr>
+                        <a:t>LSTM</a:t>
+                      </a:r>
+                      <a:endParaRPr lang="ru-RU" sz="2000" dirty="0">
+                        <a:effectLst/>
+                        <a:latin typeface="Calibri" panose="020F0502020204030204" pitchFamily="34" charset="0"/>
+                        <a:ea typeface="Calibri" panose="020F0502020204030204" pitchFamily="34" charset="0"/>
+                        <a:cs typeface="Times New Roman" panose="02020603050405020304" pitchFamily="18" charset="0"/>
+                      </a:endParaRPr>
+                    </a:p>
+                  </a:txBody>
+                  <a:tcPr marL="68580" marR="68580" marT="0" marB="0"/>
+                </a:tc>
+                <a:tc>
+                  <a:txBody>
+                    <a:bodyPr/>
+                    <a:lstStyle/>
+                    <a:p>
+                      <a:pPr>
+                        <a:lnSpc>
+                          <a:spcPct val="150000"/>
+                        </a:lnSpc>
+                        <a:spcAft>
+                          <a:spcPts val="0"/>
+                        </a:spcAft>
+                      </a:pPr>
+                      <a:r>
+                        <a:rPr lang="en-US" sz="2000">
+                          <a:effectLst/>
+                        </a:rPr>
+                        <a:t>98.89</a:t>
+                      </a:r>
+                      <a:endParaRPr lang="ru-RU" sz="2000">
+                        <a:effectLst/>
+                        <a:latin typeface="Calibri" panose="020F0502020204030204" pitchFamily="34" charset="0"/>
+                        <a:ea typeface="Calibri" panose="020F0502020204030204" pitchFamily="34" charset="0"/>
+                        <a:cs typeface="Times New Roman" panose="02020603050405020304" pitchFamily="18" charset="0"/>
+                      </a:endParaRPr>
+                    </a:p>
+                  </a:txBody>
+                  <a:tcPr marL="68580" marR="68580" marT="0" marB="0"/>
+                </a:tc>
+                <a:tc>
+                  <a:txBody>
+                    <a:bodyPr/>
+                    <a:lstStyle/>
+                    <a:p>
+                      <a:pPr>
+                        <a:lnSpc>
+                          <a:spcPct val="150000"/>
+                        </a:lnSpc>
+                        <a:spcAft>
+                          <a:spcPts val="0"/>
+                        </a:spcAft>
+                      </a:pPr>
+                      <a:r>
+                        <a:rPr lang="en-US" sz="2000">
+                          <a:effectLst/>
+                        </a:rPr>
+                        <a:t>93.5</a:t>
+                      </a:r>
+                      <a:endParaRPr lang="ru-RU" sz="2000">
+                        <a:effectLst/>
+                        <a:latin typeface="Calibri" panose="020F0502020204030204" pitchFamily="34" charset="0"/>
+                        <a:ea typeface="Calibri" panose="020F0502020204030204" pitchFamily="34" charset="0"/>
+                        <a:cs typeface="Times New Roman" panose="02020603050405020304" pitchFamily="18" charset="0"/>
+                      </a:endParaRPr>
+                    </a:p>
+                  </a:txBody>
+                  <a:tcPr marL="68580" marR="68580" marT="0" marB="0"/>
+                </a:tc>
+                <a:tc>
+                  <a:txBody>
+                    <a:bodyPr/>
+                    <a:lstStyle/>
+                    <a:p>
+                      <a:pPr>
+                        <a:lnSpc>
+                          <a:spcPct val="150000"/>
+                        </a:lnSpc>
+                        <a:spcAft>
+                          <a:spcPts val="0"/>
+                        </a:spcAft>
+                      </a:pPr>
+                      <a:r>
+                        <a:rPr lang="en-US" sz="2000" dirty="0">
+                          <a:effectLst/>
+                        </a:rPr>
+                        <a:t>93.6</a:t>
+                      </a:r>
+                      <a:endParaRPr lang="ru-RU" sz="2000" dirty="0">
+                        <a:effectLst/>
+                        <a:latin typeface="Calibri" panose="020F0502020204030204" pitchFamily="34" charset="0"/>
+                        <a:ea typeface="Calibri" panose="020F0502020204030204" pitchFamily="34" charset="0"/>
+                        <a:cs typeface="Times New Roman" panose="02020603050405020304" pitchFamily="18" charset="0"/>
+                      </a:endParaRPr>
+                    </a:p>
+                  </a:txBody>
+                  <a:tcPr marL="68580" marR="68580" marT="0" marB="0"/>
+                </a:tc>
+                <a:tc>
+                  <a:txBody>
+                    <a:bodyPr/>
+                    <a:lstStyle/>
+                    <a:p>
+                      <a:pPr>
+                        <a:lnSpc>
+                          <a:spcPct val="150000"/>
+                        </a:lnSpc>
+                        <a:spcAft>
+                          <a:spcPts val="0"/>
+                        </a:spcAft>
+                      </a:pPr>
+                      <a:r>
+                        <a:rPr lang="en-US" sz="2000" dirty="0">
+                          <a:effectLst/>
+                        </a:rPr>
+                        <a:t>93.57</a:t>
+                      </a:r>
+                      <a:endParaRPr lang="ru-RU" sz="2000" dirty="0">
+                        <a:effectLst/>
+                        <a:latin typeface="Calibri" panose="020F0502020204030204" pitchFamily="34" charset="0"/>
+                        <a:ea typeface="Calibri" panose="020F0502020204030204" pitchFamily="34" charset="0"/>
+                        <a:cs typeface="Times New Roman" panose="02020603050405020304" pitchFamily="18" charset="0"/>
+                      </a:endParaRPr>
+                    </a:p>
+                  </a:txBody>
+                  <a:tcPr marL="68580" marR="68580" marT="0" marB="0"/>
+                </a:tc>
+              </a:tr>
+              <a:tr h="482352">
+                <a:tc>
+                  <a:txBody>
+                    <a:bodyPr/>
+                    <a:lstStyle/>
+                    <a:p>
+                      <a:pPr>
+                        <a:lnSpc>
+                          <a:spcPct val="150000"/>
+                        </a:lnSpc>
+                        <a:spcAft>
+                          <a:spcPts val="0"/>
+                        </a:spcAft>
+                      </a:pPr>
+                      <a:r>
+                        <a:rPr lang="en-US" sz="2000">
+                          <a:effectLst/>
+                        </a:rPr>
+                        <a:t>GROBID</a:t>
+                      </a:r>
+                      <a:endParaRPr lang="ru-RU" sz="2000">
+                        <a:effectLst/>
+                        <a:latin typeface="Calibri" panose="020F0502020204030204" pitchFamily="34" charset="0"/>
+                        <a:ea typeface="Calibri" panose="020F0502020204030204" pitchFamily="34" charset="0"/>
+                        <a:cs typeface="Times New Roman" panose="02020603050405020304" pitchFamily="18" charset="0"/>
+                      </a:endParaRPr>
+                    </a:p>
+                  </a:txBody>
+                  <a:tcPr marL="68580" marR="68580" marT="0" marB="0"/>
+                </a:tc>
+                <a:tc>
+                  <a:txBody>
+                    <a:bodyPr/>
+                    <a:lstStyle/>
+                    <a:p>
+                      <a:pPr>
+                        <a:lnSpc>
+                          <a:spcPct val="150000"/>
+                        </a:lnSpc>
+                        <a:spcAft>
+                          <a:spcPts val="0"/>
+                        </a:spcAft>
+                      </a:pPr>
+                      <a:r>
+                        <a:rPr lang="ru-RU" sz="2000">
+                          <a:effectLst/>
+                        </a:rPr>
+                        <a:t>98.97</a:t>
+                      </a:r>
+                      <a:endParaRPr lang="ru-RU" sz="2000">
+                        <a:effectLst/>
+                        <a:latin typeface="Calibri" panose="020F0502020204030204" pitchFamily="34" charset="0"/>
+                        <a:ea typeface="Calibri" panose="020F0502020204030204" pitchFamily="34" charset="0"/>
+                        <a:cs typeface="Times New Roman" panose="02020603050405020304" pitchFamily="18" charset="0"/>
+                      </a:endParaRPr>
+                    </a:p>
+                  </a:txBody>
+                  <a:tcPr marL="68580" marR="68580" marT="0" marB="0"/>
+                </a:tc>
+                <a:tc>
+                  <a:txBody>
+                    <a:bodyPr/>
+                    <a:lstStyle/>
+                    <a:p>
+                      <a:pPr>
+                        <a:lnSpc>
+                          <a:spcPct val="150000"/>
+                        </a:lnSpc>
+                        <a:spcAft>
+                          <a:spcPts val="0"/>
+                        </a:spcAft>
+                      </a:pPr>
+                      <a:r>
+                        <a:rPr lang="ru-RU" sz="2000">
+                          <a:effectLst/>
+                        </a:rPr>
+                        <a:t>90.72</a:t>
+                      </a:r>
+                      <a:endParaRPr lang="ru-RU" sz="2000">
+                        <a:effectLst/>
+                        <a:latin typeface="Calibri" panose="020F0502020204030204" pitchFamily="34" charset="0"/>
+                        <a:ea typeface="Calibri" panose="020F0502020204030204" pitchFamily="34" charset="0"/>
+                        <a:cs typeface="Times New Roman" panose="02020603050405020304" pitchFamily="18" charset="0"/>
+                      </a:endParaRPr>
+                    </a:p>
+                  </a:txBody>
+                  <a:tcPr marL="68580" marR="68580" marT="0" marB="0"/>
+                </a:tc>
+                <a:tc>
+                  <a:txBody>
+                    <a:bodyPr/>
+                    <a:lstStyle/>
+                    <a:p>
+                      <a:pPr>
+                        <a:lnSpc>
+                          <a:spcPct val="150000"/>
+                        </a:lnSpc>
+                        <a:spcAft>
+                          <a:spcPts val="0"/>
+                        </a:spcAft>
+                      </a:pPr>
+                      <a:r>
+                        <a:rPr lang="ru-RU" sz="2000">
+                          <a:effectLst/>
+                        </a:rPr>
+                        <a:t>90.18</a:t>
+                      </a:r>
+                      <a:endParaRPr lang="ru-RU" sz="2000">
+                        <a:effectLst/>
+                        <a:latin typeface="Calibri" panose="020F0502020204030204" pitchFamily="34" charset="0"/>
+                        <a:ea typeface="Calibri" panose="020F0502020204030204" pitchFamily="34" charset="0"/>
+                        <a:cs typeface="Times New Roman" panose="02020603050405020304" pitchFamily="18" charset="0"/>
+                      </a:endParaRPr>
+                    </a:p>
+                  </a:txBody>
+                  <a:tcPr marL="68580" marR="68580" marT="0" marB="0"/>
+                </a:tc>
+                <a:tc>
+                  <a:txBody>
+                    <a:bodyPr/>
+                    <a:lstStyle/>
+                    <a:p>
+                      <a:pPr>
+                        <a:lnSpc>
+                          <a:spcPct val="150000"/>
+                        </a:lnSpc>
+                        <a:spcAft>
+                          <a:spcPts val="0"/>
+                        </a:spcAft>
+                      </a:pPr>
+                      <a:r>
+                        <a:rPr lang="ru-RU" sz="2000" dirty="0">
+                          <a:effectLst/>
+                        </a:rPr>
+                        <a:t>90.45</a:t>
+                      </a:r>
+                      <a:endParaRPr lang="ru-RU" sz="2000" dirty="0">
                         <a:effectLst/>
                         <a:latin typeface="Calibri" panose="020F0502020204030204" pitchFamily="34" charset="0"/>
                         <a:ea typeface="Calibri" panose="020F0502020204030204" pitchFamily="34" charset="0"/>
@@ -6459,6 +6623,13 @@
   <p:clrMapOvr>
     <a:masterClrMapping/>
   </p:clrMapOvr>
+  <p:timing>
+    <p:tnLst>
+      <p:par>
+        <p:cTn id="1" dur="indefinite" restart="never" nodeType="tmRoot"/>
+      </p:par>
+    </p:tnLst>
+  </p:timing>
 </p:sld>
 </file>
 

--- a/report.pptx
+++ b/report.pptx
@@ -5,7 +5,7 @@
     <p:sldMasterId id="2147483678" r:id="rId1"/>
   </p:sldMasterIdLst>
   <p:notesMasterIdLst>
-    <p:notesMasterId r:id="rId9"/>
+    <p:notesMasterId r:id="rId17"/>
   </p:notesMasterIdLst>
   <p:sldIdLst>
     <p:sldId id="256" r:id="rId2"/>
@@ -14,7 +14,15 @@
     <p:sldId id="259" r:id="rId5"/>
     <p:sldId id="260" r:id="rId6"/>
     <p:sldId id="261" r:id="rId7"/>
-    <p:sldId id="262" r:id="rId8"/>
+    <p:sldId id="263" r:id="rId8"/>
+    <p:sldId id="266" r:id="rId9"/>
+    <p:sldId id="265" r:id="rId10"/>
+    <p:sldId id="267" r:id="rId11"/>
+    <p:sldId id="271" r:id="rId12"/>
+    <p:sldId id="269" r:id="rId13"/>
+    <p:sldId id="270" r:id="rId14"/>
+    <p:sldId id="264" r:id="rId15"/>
+    <p:sldId id="262" r:id="rId16"/>
   </p:sldIdLst>
   <p:sldSz cx="12192000" cy="6858000"/>
   <p:notesSz cx="6858000" cy="9144000"/>
@@ -203,7 +211,7 @@
           <a:p>
             <a:fld id="{D766DA2C-6D91-4888-A01C-01981EF51355}" type="datetimeFigureOut">
               <a:rPr lang="ru-RU" smtClean="0"/>
-              <a:t>22.05.2018</a:t>
+              <a:t>25.05.2018</a:t>
             </a:fld>
             <a:endParaRPr lang="ru-RU"/>
           </a:p>
@@ -781,7 +789,7 @@
           <a:p>
             <a:fld id="{18837A14-3D39-42D9-9056-F1062FE5D0F9}" type="datetime1">
               <a:rPr lang="ru-RU" smtClean="0"/>
-              <a:t>22.05.2018</a:t>
+              <a:t>25.05.2018</a:t>
             </a:fld>
             <a:endParaRPr lang="ru-RU"/>
           </a:p>
@@ -989,7 +997,7 @@
           <a:p>
             <a:fld id="{3820FA97-3B9C-4C9F-86D0-2D0822049852}" type="datetime1">
               <a:rPr lang="ru-RU" smtClean="0"/>
-              <a:t>22.05.2018</a:t>
+              <a:t>25.05.2018</a:t>
             </a:fld>
             <a:endParaRPr lang="ru-RU"/>
           </a:p>
@@ -1245,7 +1253,7 @@
           <a:p>
             <a:fld id="{96A5DF4A-BDB0-4A4F-8016-D636757619FD}" type="datetime1">
               <a:rPr lang="ru-RU" smtClean="0"/>
-              <a:t>22.05.2018</a:t>
+              <a:t>25.05.2018</a:t>
             </a:fld>
             <a:endParaRPr lang="ru-RU"/>
           </a:p>
@@ -1419,7 +1427,7 @@
           <a:p>
             <a:fld id="{FE59C463-7644-4BCC-9DCC-EC8C567A0F36}" type="datetime1">
               <a:rPr lang="ru-RU" smtClean="0"/>
-              <a:t>22.05.2018</a:t>
+              <a:t>25.05.2018</a:t>
             </a:fld>
             <a:endParaRPr lang="ru-RU"/>
           </a:p>
@@ -1762,7 +1770,7 @@
           <a:p>
             <a:fld id="{6D1229F1-4B30-47BD-8CCF-94D6BFC7AE8E}" type="datetime1">
               <a:rPr lang="ru-RU" smtClean="0"/>
-              <a:t>22.05.2018</a:t>
+              <a:t>25.05.2018</a:t>
             </a:fld>
             <a:endParaRPr lang="ru-RU"/>
           </a:p>
@@ -2037,7 +2045,7 @@
           <a:p>
             <a:fld id="{7D3E3913-5AFD-44C6-8B4C-158E5793D2A4}" type="datetime1">
               <a:rPr lang="ru-RU" smtClean="0"/>
-              <a:t>22.05.2018</a:t>
+              <a:t>25.05.2018</a:t>
             </a:fld>
             <a:endParaRPr lang="ru-RU"/>
           </a:p>
@@ -2416,7 +2424,7 @@
           <a:p>
             <a:fld id="{AF6518BD-5A14-48F4-8C85-7EB83F6CA3F8}" type="datetime1">
               <a:rPr lang="ru-RU" smtClean="0"/>
-              <a:t>22.05.2018</a:t>
+              <a:t>25.05.2018</a:t>
             </a:fld>
             <a:endParaRPr lang="ru-RU"/>
           </a:p>
@@ -2534,7 +2542,7 @@
           <a:p>
             <a:fld id="{2C7BE2EB-2075-4761-9D0C-5FF2BAC03B84}" type="datetime1">
               <a:rPr lang="ru-RU" smtClean="0"/>
-              <a:t>22.05.2018</a:t>
+              <a:t>25.05.2018</a:t>
             </a:fld>
             <a:endParaRPr lang="ru-RU"/>
           </a:p>
@@ -2705,7 +2713,7 @@
           <a:p>
             <a:fld id="{C5FED122-B1B9-4197-AD73-80AAB00358F0}" type="datetime1">
               <a:rPr lang="ru-RU" smtClean="0"/>
-              <a:t>22.05.2018</a:t>
+              <a:t>25.05.2018</a:t>
             </a:fld>
             <a:endParaRPr lang="ru-RU"/>
           </a:p>
@@ -3059,7 +3067,7 @@
           <a:p>
             <a:fld id="{F6FAD313-3015-49C8-90D4-336FF46AF479}" type="datetime1">
               <a:rPr lang="ru-RU" smtClean="0"/>
-              <a:t>22.05.2018</a:t>
+              <a:t>25.05.2018</a:t>
             </a:fld>
             <a:endParaRPr lang="ru-RU"/>
           </a:p>
@@ -3441,7 +3449,7 @@
           <a:p>
             <a:fld id="{82C1DDF3-30EC-40D8-869B-0E53F1E7B123}" type="datetime1">
               <a:rPr lang="ru-RU" smtClean="0"/>
-              <a:t>22.05.2018</a:t>
+              <a:t>25.05.2018</a:t>
             </a:fld>
             <a:endParaRPr lang="ru-RU"/>
           </a:p>
@@ -3728,7 +3736,7 @@
           <a:p>
             <a:fld id="{F4D33611-8D4F-43A3-A0AB-EBE66414247D}" type="datetime1">
               <a:rPr lang="ru-RU" smtClean="0"/>
-              <a:t>22.05.2018</a:t>
+              <a:t>25.05.2018</a:t>
             </a:fld>
             <a:endParaRPr lang="ru-RU"/>
           </a:p>
@@ -4360,6 +4368,3658 @@
 </p:sld>
 </file>
 
+<file path=ppt/slides/slide10.xml><?xml version="1.0" encoding="utf-8"?>
+<p:sld xmlns:a="http://schemas.openxmlformats.org/drawingml/2006/main" xmlns:r="http://schemas.openxmlformats.org/officeDocument/2006/relationships" xmlns:p="http://schemas.openxmlformats.org/presentationml/2006/main">
+  <p:cSld>
+    <p:spTree>
+      <p:nvGrpSpPr>
+        <p:cNvPr id="1" name=""/>
+        <p:cNvGrpSpPr/>
+        <p:nvPr/>
+      </p:nvGrpSpPr>
+      <p:grpSpPr>
+        <a:xfrm>
+          <a:off x="0" y="0"/>
+          <a:ext cx="0" cy="0"/>
+          <a:chOff x="0" y="0"/>
+          <a:chExt cx="0" cy="0"/>
+        </a:xfrm>
+      </p:grpSpPr>
+      <p:sp>
+        <p:nvSpPr>
+          <p:cNvPr id="2" name="Заголовок 1"/>
+          <p:cNvSpPr>
+            <a:spLocks noGrp="1"/>
+          </p:cNvSpPr>
+          <p:nvPr>
+            <p:ph type="title"/>
+          </p:nvPr>
+        </p:nvSpPr>
+        <p:spPr/>
+        <p:txBody>
+          <a:bodyPr/>
+          <a:lstStyle/>
+          <a:p>
+            <a:r>
+              <a:rPr lang="ru-RU" b="1" dirty="0" smtClean="0"/>
+              <a:t>Извлечение </a:t>
+            </a:r>
+            <a:r>
+              <a:rPr lang="ru-RU" b="1" dirty="0"/>
+              <a:t>ключевых слов и словосочетаний</a:t>
+            </a:r>
+          </a:p>
+        </p:txBody>
+      </p:sp>
+      <mc:AlternateContent xmlns:mc="http://schemas.openxmlformats.org/markup-compatibility/2006" xmlns:a14="http://schemas.microsoft.com/office/drawing/2010/main">
+        <mc:Choice Requires="a14">
+          <p:sp>
+            <p:nvSpPr>
+              <p:cNvPr id="3" name="Объект 2"/>
+              <p:cNvSpPr>
+                <a:spLocks noGrp="1"/>
+              </p:cNvSpPr>
+              <p:nvPr>
+                <p:ph idx="1"/>
+              </p:nvPr>
+            </p:nvSpPr>
+            <p:spPr/>
+            <p:txBody>
+              <a:bodyPr/>
+              <a:lstStyle/>
+              <a:p>
+                <a:endParaRPr lang="ru-RU" sz="4000" dirty="0" smtClean="0"/>
+              </a:p>
+              <a:p>
+                <a:r>
+                  <a:rPr lang="en-US" sz="4000" dirty="0" smtClean="0"/>
+                  <a:t>Rapid </a:t>
+                </a:r>
+                <a:r>
+                  <a:rPr lang="en-US" sz="4000" dirty="0"/>
+                  <a:t>Automatic Keyword </a:t>
+                </a:r>
+                <a:r>
+                  <a:rPr lang="en-US" sz="4000" dirty="0" smtClean="0"/>
+                  <a:t>Extraction</a:t>
+                </a:r>
+                <a:endParaRPr lang="ru-RU" sz="4000" dirty="0" smtClean="0"/>
+              </a:p>
+              <a:p>
+                <a:endParaRPr lang="ru-RU" sz="4000" i="1" dirty="0" smtClean="0"/>
+              </a:p>
+              <a:p>
+                <a14:m>
+                  <m:oMath xmlns:m="http://schemas.openxmlformats.org/officeDocument/2006/math">
+                    <m:r>
+                      <a:rPr lang="ru-RU" sz="4000" i="1">
+                        <a:latin typeface="Cambria Math" panose="02040503050406030204" pitchFamily="18" charset="0"/>
+                      </a:rPr>
+                      <m:t>𝑚</m:t>
+                    </m:r>
+                    <m:r>
+                      <a:rPr lang="ru-RU" sz="4000" i="1">
+                        <a:latin typeface="Cambria Math" panose="02040503050406030204" pitchFamily="18" charset="0"/>
+                      </a:rPr>
+                      <m:t>=</m:t>
+                    </m:r>
+                    <m:f>
+                      <m:fPr>
+                        <m:ctrlPr>
+                          <a:rPr lang="ru-RU" sz="4000" i="1">
+                            <a:latin typeface="Cambria Math" panose="02040503050406030204" pitchFamily="18" charset="0"/>
+                          </a:rPr>
+                        </m:ctrlPr>
+                      </m:fPr>
+                      <m:num>
+                        <m:r>
+                          <a:rPr lang="ru-RU" sz="4000" i="1">
+                            <a:latin typeface="Cambria Math" panose="02040503050406030204" pitchFamily="18" charset="0"/>
+                          </a:rPr>
+                          <m:t>степень слова</m:t>
+                        </m:r>
+                      </m:num>
+                      <m:den>
+                        <m:r>
+                          <a:rPr lang="ru-RU" sz="4000" i="1">
+                            <a:latin typeface="Cambria Math" panose="02040503050406030204" pitchFamily="18" charset="0"/>
+                          </a:rPr>
+                          <m:t>частота</m:t>
+                        </m:r>
+                      </m:den>
+                    </m:f>
+                  </m:oMath>
+                </a14:m>
+                <a:r>
+                  <a:rPr lang="en-US" sz="4000" dirty="0" smtClean="0"/>
+                  <a:t> - </a:t>
+                </a:r>
+                <a:r>
+                  <a:rPr lang="ru-RU" sz="4000" dirty="0" smtClean="0"/>
+                  <a:t>метрика для оценки </a:t>
+                </a:r>
+              </a:p>
+              <a:p>
+                <a:r>
+                  <a:rPr lang="ru-RU" sz="4000" dirty="0" smtClean="0"/>
+                  <a:t>приоритета словосочетания</a:t>
+                </a:r>
+                <a:endParaRPr lang="ru-RU" sz="4000" dirty="0"/>
+              </a:p>
+              <a:p>
+                <a:endParaRPr lang="ru-RU" dirty="0"/>
+              </a:p>
+            </p:txBody>
+          </p:sp>
+        </mc:Choice>
+        <mc:Fallback xmlns="">
+          <p:sp>
+            <p:nvSpPr>
+              <p:cNvPr id="3" name="Объект 2"/>
+              <p:cNvSpPr>
+                <a:spLocks noGrp="1" noRot="1" noChangeAspect="1" noMove="1" noResize="1" noEditPoints="1" noAdjustHandles="1" noChangeArrowheads="1" noChangeShapeType="1" noTextEdit="1"/>
+              </p:cNvSpPr>
+              <p:nvPr>
+                <p:ph idx="1"/>
+              </p:nvPr>
+            </p:nvSpPr>
+            <p:spPr>
+              <a:blipFill rotWithShape="0">
+                <a:blip r:embed="rId2"/>
+                <a:stretch>
+                  <a:fillRect l="-1879"/>
+                </a:stretch>
+              </a:blipFill>
+            </p:spPr>
+            <p:txBody>
+              <a:bodyPr/>
+              <a:lstStyle/>
+              <a:p>
+                <a:r>
+                  <a:rPr lang="ru-RU">
+                    <a:noFill/>
+                  </a:rPr>
+                  <a:t> </a:t>
+                </a:r>
+              </a:p>
+            </p:txBody>
+          </p:sp>
+        </mc:Fallback>
+      </mc:AlternateContent>
+      <p:sp>
+        <p:nvSpPr>
+          <p:cNvPr id="4" name="Номер слайда 3"/>
+          <p:cNvSpPr>
+            <a:spLocks noGrp="1"/>
+          </p:cNvSpPr>
+          <p:nvPr>
+            <p:ph type="sldNum" sz="quarter" idx="12"/>
+          </p:nvPr>
+        </p:nvSpPr>
+        <p:spPr/>
+        <p:txBody>
+          <a:bodyPr/>
+          <a:lstStyle/>
+          <a:p>
+            <a:fld id="{54312719-E188-4125-8FBE-1E251BCF9D85}" type="slidenum">
+              <a:rPr lang="ru-RU" smtClean="0"/>
+              <a:t>10</a:t>
+            </a:fld>
+            <a:endParaRPr lang="ru-RU"/>
+          </a:p>
+        </p:txBody>
+      </p:sp>
+    </p:spTree>
+    <p:extLst>
+      <p:ext uri="{BB962C8B-B14F-4D97-AF65-F5344CB8AC3E}">
+        <p14:creationId xmlns:p14="http://schemas.microsoft.com/office/powerpoint/2010/main" val="2428085948"/>
+      </p:ext>
+    </p:extLst>
+  </p:cSld>
+  <p:clrMapOvr>
+    <a:masterClrMapping/>
+  </p:clrMapOvr>
+</p:sld>
+</file>
+
+<file path=ppt/slides/slide11.xml><?xml version="1.0" encoding="utf-8"?>
+<p:sld xmlns:a="http://schemas.openxmlformats.org/drawingml/2006/main" xmlns:r="http://schemas.openxmlformats.org/officeDocument/2006/relationships" xmlns:p="http://schemas.openxmlformats.org/presentationml/2006/main">
+  <p:cSld>
+    <p:spTree>
+      <p:nvGrpSpPr>
+        <p:cNvPr id="1" name=""/>
+        <p:cNvGrpSpPr/>
+        <p:nvPr/>
+      </p:nvGrpSpPr>
+      <p:grpSpPr>
+        <a:xfrm>
+          <a:off x="0" y="0"/>
+          <a:ext cx="0" cy="0"/>
+          <a:chOff x="0" y="0"/>
+          <a:chExt cx="0" cy="0"/>
+        </a:xfrm>
+      </p:grpSpPr>
+      <p:sp>
+        <p:nvSpPr>
+          <p:cNvPr id="2" name="Заголовок 1"/>
+          <p:cNvSpPr>
+            <a:spLocks noGrp="1"/>
+          </p:cNvSpPr>
+          <p:nvPr>
+            <p:ph type="title"/>
+          </p:nvPr>
+        </p:nvSpPr>
+        <p:spPr/>
+        <p:txBody>
+          <a:bodyPr/>
+          <a:lstStyle/>
+          <a:p>
+            <a:endParaRPr lang="ru-RU" dirty="0"/>
+          </a:p>
+        </p:txBody>
+      </p:sp>
+      <p:sp>
+        <p:nvSpPr>
+          <p:cNvPr id="3" name="Объект 2"/>
+          <p:cNvSpPr>
+            <a:spLocks noGrp="1"/>
+          </p:cNvSpPr>
+          <p:nvPr>
+            <p:ph idx="1"/>
+          </p:nvPr>
+        </p:nvSpPr>
+        <p:spPr>
+          <a:xfrm>
+            <a:off x="256674" y="1845733"/>
+            <a:ext cx="11646568" cy="4442771"/>
+          </a:xfrm>
+        </p:spPr>
+        <p:txBody>
+          <a:bodyPr>
+            <a:normAutofit lnSpcReduction="10000"/>
+          </a:bodyPr>
+          <a:lstStyle/>
+          <a:p>
+            <a:r>
+              <a:rPr lang="ru-RU" sz="3200" dirty="0" smtClean="0"/>
+              <a:t>Публикация осуществляется через протокол </a:t>
+            </a:r>
+            <a:r>
+              <a:rPr lang="en-US" sz="3200" dirty="0" smtClean="0"/>
+              <a:t>CSW</a:t>
+            </a:r>
+            <a:endParaRPr lang="en-US" dirty="0" smtClean="0"/>
+          </a:p>
+          <a:p>
+            <a:r>
+              <a:rPr lang="en-US" sz="2400" dirty="0"/>
+              <a:t>Url:</a:t>
+            </a:r>
+          </a:p>
+          <a:p>
+            <a:r>
+              <a:rPr lang="en-US" sz="2400" b="1" dirty="0" err="1" smtClean="0">
+                <a:solidFill>
+                  <a:srgbClr val="FF0000"/>
+                </a:solidFill>
+              </a:rPr>
+              <a:t>GeoNetwork</a:t>
+            </a:r>
+            <a:r>
+              <a:rPr lang="en-US" sz="2400" b="1" dirty="0" smtClean="0">
+                <a:solidFill>
+                  <a:srgbClr val="FF0000"/>
+                </a:solidFill>
+              </a:rPr>
+              <a:t> URL</a:t>
+            </a:r>
+            <a:endParaRPr lang="ru-RU" sz="2400" b="1" dirty="0" smtClean="0">
+              <a:solidFill>
+                <a:srgbClr val="FF0000"/>
+              </a:solidFill>
+            </a:endParaRPr>
+          </a:p>
+          <a:p>
+            <a:r>
+              <a:rPr lang="en-US" sz="2400" dirty="0" smtClean="0"/>
+              <a:t>Post </a:t>
+            </a:r>
+            <a:r>
+              <a:rPr lang="en-US" sz="2400" dirty="0"/>
+              <a:t>data:</a:t>
+            </a:r>
+            <a:endParaRPr lang="ru-RU" sz="2400" dirty="0"/>
+          </a:p>
+          <a:p>
+            <a:pPr marL="0" indent="0">
+              <a:buNone/>
+            </a:pPr>
+            <a:r>
+              <a:rPr lang="en-US" sz="2200" dirty="0"/>
+              <a:t>&lt;</a:t>
+            </a:r>
+            <a:r>
+              <a:rPr lang="en-US" sz="2200" dirty="0" err="1"/>
+              <a:t>csw:Transaction</a:t>
+            </a:r>
+            <a:r>
+              <a:rPr lang="en-US" sz="2200" dirty="0"/>
+              <a:t> service="CSW" version="</a:t>
+            </a:r>
+            <a:r>
+              <a:rPr lang="en-US" sz="2200" dirty="0" smtClean="0"/>
+              <a:t>2.0.2”</a:t>
+            </a:r>
+            <a:r>
+              <a:rPr lang="ru-RU" sz="2200" dirty="0" smtClean="0"/>
+              <a:t> </a:t>
+            </a:r>
+            <a:r>
+              <a:rPr lang="en-US" sz="2200" dirty="0" err="1" smtClean="0"/>
+              <a:t>xmlns:csw</a:t>
+            </a:r>
+            <a:r>
+              <a:rPr lang="en-US" sz="2200" dirty="0"/>
+              <a:t>="http://www.opengis.net/cat/csw/2.0.2"&gt;</a:t>
+            </a:r>
+          </a:p>
+          <a:p>
+            <a:pPr marL="0" indent="0">
+              <a:buNone/>
+            </a:pPr>
+            <a:r>
+              <a:rPr lang="en-US" sz="2200" dirty="0" smtClean="0"/>
+              <a:t>	&lt;</a:t>
+            </a:r>
+            <a:r>
+              <a:rPr lang="en-US" sz="2200" dirty="0" err="1"/>
+              <a:t>csw:Insert</a:t>
+            </a:r>
+            <a:r>
+              <a:rPr lang="en-US" sz="2200" dirty="0"/>
+              <a:t>&gt;</a:t>
+            </a:r>
+          </a:p>
+          <a:p>
+            <a:pPr marL="0" indent="0">
+              <a:buNone/>
+            </a:pPr>
+            <a:r>
+              <a:rPr lang="en-US" sz="2200" dirty="0" smtClean="0"/>
+              <a:t>		</a:t>
+            </a:r>
+            <a:r>
+              <a:rPr lang="en-US" sz="2200" b="1" dirty="0" smtClean="0">
+                <a:solidFill>
+                  <a:srgbClr val="00B0F0"/>
+                </a:solidFill>
+              </a:rPr>
+              <a:t>DATA(ISO19115v2/FGDC)</a:t>
+            </a:r>
+            <a:endParaRPr lang="en-US" sz="2200" b="1" dirty="0">
+              <a:solidFill>
+                <a:srgbClr val="00B0F0"/>
+              </a:solidFill>
+            </a:endParaRPr>
+          </a:p>
+          <a:p>
+            <a:pPr marL="0" indent="0">
+              <a:buNone/>
+            </a:pPr>
+            <a:r>
+              <a:rPr lang="en-US" sz="2200" dirty="0" smtClean="0"/>
+              <a:t>	&lt;/</a:t>
+            </a:r>
+            <a:r>
+              <a:rPr lang="en-US" sz="2200" dirty="0" err="1"/>
+              <a:t>csw:Insert</a:t>
+            </a:r>
+            <a:r>
+              <a:rPr lang="en-US" sz="2200" dirty="0"/>
+              <a:t>&gt;</a:t>
+            </a:r>
+          </a:p>
+          <a:p>
+            <a:pPr marL="0" indent="0">
+              <a:buNone/>
+            </a:pPr>
+            <a:r>
+              <a:rPr lang="en-US" sz="2200" dirty="0" smtClean="0"/>
+              <a:t>&lt;/</a:t>
+            </a:r>
+            <a:r>
+              <a:rPr lang="en-US" sz="2200" dirty="0" err="1"/>
+              <a:t>csw:Transaction</a:t>
+            </a:r>
+            <a:r>
+              <a:rPr lang="en-US" sz="2200" dirty="0"/>
+              <a:t>&gt;</a:t>
+            </a:r>
+            <a:endParaRPr lang="ru-RU" sz="2200" dirty="0"/>
+          </a:p>
+        </p:txBody>
+      </p:sp>
+      <p:sp>
+        <p:nvSpPr>
+          <p:cNvPr id="4" name="Номер слайда 3"/>
+          <p:cNvSpPr>
+            <a:spLocks noGrp="1"/>
+          </p:cNvSpPr>
+          <p:nvPr>
+            <p:ph type="sldNum" sz="quarter" idx="12"/>
+          </p:nvPr>
+        </p:nvSpPr>
+        <p:spPr/>
+        <p:txBody>
+          <a:bodyPr/>
+          <a:lstStyle/>
+          <a:p>
+            <a:fld id="{54312719-E188-4125-8FBE-1E251BCF9D85}" type="slidenum">
+              <a:rPr lang="ru-RU" smtClean="0"/>
+              <a:t>11</a:t>
+            </a:fld>
+            <a:endParaRPr lang="ru-RU"/>
+          </a:p>
+        </p:txBody>
+      </p:sp>
+    </p:spTree>
+    <p:extLst>
+      <p:ext uri="{BB962C8B-B14F-4D97-AF65-F5344CB8AC3E}">
+        <p14:creationId xmlns:p14="http://schemas.microsoft.com/office/powerpoint/2010/main" val="276205266"/>
+      </p:ext>
+    </p:extLst>
+  </p:cSld>
+  <p:clrMapOvr>
+    <a:masterClrMapping/>
+  </p:clrMapOvr>
+</p:sld>
+</file>
+
+<file path=ppt/slides/slide12.xml><?xml version="1.0" encoding="utf-8"?>
+<p:sld xmlns:a="http://schemas.openxmlformats.org/drawingml/2006/main" xmlns:r="http://schemas.openxmlformats.org/officeDocument/2006/relationships" xmlns:p="http://schemas.openxmlformats.org/presentationml/2006/main">
+  <p:cSld>
+    <p:spTree>
+      <p:nvGrpSpPr>
+        <p:cNvPr id="1" name=""/>
+        <p:cNvGrpSpPr/>
+        <p:nvPr/>
+      </p:nvGrpSpPr>
+      <p:grpSpPr>
+        <a:xfrm>
+          <a:off x="0" y="0"/>
+          <a:ext cx="0" cy="0"/>
+          <a:chOff x="0" y="0"/>
+          <a:chExt cx="0" cy="0"/>
+        </a:xfrm>
+      </p:grpSpPr>
+      <p:sp>
+        <p:nvSpPr>
+          <p:cNvPr id="2" name="Заголовок 1"/>
+          <p:cNvSpPr>
+            <a:spLocks noGrp="1"/>
+          </p:cNvSpPr>
+          <p:nvPr>
+            <p:ph type="title"/>
+          </p:nvPr>
+        </p:nvSpPr>
+        <p:spPr/>
+        <p:txBody>
+          <a:bodyPr/>
+          <a:lstStyle/>
+          <a:p>
+            <a:r>
+              <a:rPr lang="ru-RU" dirty="0" smtClean="0"/>
+              <a:t>Формат данных</a:t>
+            </a:r>
+            <a:endParaRPr lang="ru-RU" dirty="0"/>
+          </a:p>
+        </p:txBody>
+      </p:sp>
+      <p:sp>
+        <p:nvSpPr>
+          <p:cNvPr id="3" name="Объект 2"/>
+          <p:cNvSpPr>
+            <a:spLocks noGrp="1"/>
+          </p:cNvSpPr>
+          <p:nvPr>
+            <p:ph idx="1"/>
+          </p:nvPr>
+        </p:nvSpPr>
+        <p:spPr/>
+        <p:txBody>
+          <a:bodyPr>
+            <a:normAutofit fontScale="92500" lnSpcReduction="10000"/>
+          </a:bodyPr>
+          <a:lstStyle/>
+          <a:p>
+            <a:r>
+              <a:rPr lang="ru-RU" sz="4400" b="1" dirty="0" err="1" smtClean="0"/>
+              <a:t>Метаописания</a:t>
+            </a:r>
+            <a:r>
+              <a:rPr lang="ru-RU" sz="4400" b="1" dirty="0" smtClean="0"/>
+              <a:t> </a:t>
+            </a:r>
+            <a:r>
+              <a:rPr lang="ru-RU" sz="4400" dirty="0" smtClean="0"/>
+              <a:t>— </a:t>
+            </a:r>
+            <a:r>
+              <a:rPr lang="ru-RU" sz="4400" dirty="0"/>
+              <a:t>информация о другой </a:t>
+            </a:r>
+            <a:r>
+              <a:rPr lang="ru-RU" sz="4400" dirty="0" smtClean="0"/>
+              <a:t>информации. Это структурированная информация, которая позволяет искать </a:t>
+            </a:r>
+            <a:r>
+              <a:rPr lang="ru-RU" sz="4400" dirty="0"/>
+              <a:t>и </a:t>
+            </a:r>
+            <a:r>
+              <a:rPr lang="ru-RU" sz="4400" dirty="0" smtClean="0"/>
+              <a:t>управлять </a:t>
+            </a:r>
+            <a:r>
+              <a:rPr lang="ru-RU" sz="4400" dirty="0" err="1" smtClean="0"/>
+              <a:t>даннымив</a:t>
+            </a:r>
+            <a:r>
+              <a:rPr lang="ru-RU" sz="4400" dirty="0" smtClean="0"/>
+              <a:t> </a:t>
+            </a:r>
+            <a:r>
+              <a:rPr lang="ru-RU" sz="4400" dirty="0"/>
+              <a:t>больших информационных потоках</a:t>
+            </a:r>
+            <a:r>
+              <a:rPr lang="ru-RU" sz="4400" dirty="0" smtClean="0"/>
+              <a:t>.</a:t>
+            </a:r>
+            <a:r>
+              <a:rPr lang="en-US" sz="4400" dirty="0" smtClean="0"/>
+              <a:t> </a:t>
+            </a:r>
+          </a:p>
+          <a:p>
+            <a:pPr>
+              <a:buFont typeface="Arial" panose="020B0604020202020204" pitchFamily="34" charset="0"/>
+              <a:buChar char="•"/>
+            </a:pPr>
+            <a:r>
+              <a:rPr lang="en-US" sz="4400" dirty="0" smtClean="0"/>
+              <a:t> ISO </a:t>
+            </a:r>
+            <a:r>
+              <a:rPr lang="en-US" sz="4400" dirty="0"/>
+              <a:t>19115v2</a:t>
+            </a:r>
+          </a:p>
+          <a:p>
+            <a:pPr>
+              <a:buFont typeface="Arial" panose="020B0604020202020204" pitchFamily="34" charset="0"/>
+              <a:buChar char="•"/>
+            </a:pPr>
+            <a:r>
+              <a:rPr lang="en-US" sz="4400" dirty="0" smtClean="0"/>
+              <a:t> FGDC</a:t>
+            </a:r>
+          </a:p>
+          <a:p>
+            <a:pPr>
+              <a:buFont typeface="Arial" panose="020B0604020202020204" pitchFamily="34" charset="0"/>
+              <a:buChar char="•"/>
+            </a:pPr>
+            <a:endParaRPr lang="ru-RU" sz="4400" dirty="0" smtClean="0"/>
+          </a:p>
+          <a:p>
+            <a:endParaRPr lang="ru-RU" sz="4400" dirty="0"/>
+          </a:p>
+        </p:txBody>
+      </p:sp>
+      <p:sp>
+        <p:nvSpPr>
+          <p:cNvPr id="4" name="Номер слайда 3"/>
+          <p:cNvSpPr>
+            <a:spLocks noGrp="1"/>
+          </p:cNvSpPr>
+          <p:nvPr>
+            <p:ph type="sldNum" sz="quarter" idx="12"/>
+          </p:nvPr>
+        </p:nvSpPr>
+        <p:spPr/>
+        <p:txBody>
+          <a:bodyPr/>
+          <a:lstStyle/>
+          <a:p>
+            <a:fld id="{54312719-E188-4125-8FBE-1E251BCF9D85}" type="slidenum">
+              <a:rPr lang="ru-RU" smtClean="0"/>
+              <a:t>12</a:t>
+            </a:fld>
+            <a:endParaRPr lang="ru-RU"/>
+          </a:p>
+        </p:txBody>
+      </p:sp>
+    </p:spTree>
+    <p:extLst>
+      <p:ext uri="{BB962C8B-B14F-4D97-AF65-F5344CB8AC3E}">
+        <p14:creationId xmlns:p14="http://schemas.microsoft.com/office/powerpoint/2010/main" val="106252291"/>
+      </p:ext>
+    </p:extLst>
+  </p:cSld>
+  <p:clrMapOvr>
+    <a:masterClrMapping/>
+  </p:clrMapOvr>
+</p:sld>
+</file>
+
+<file path=ppt/slides/slide13.xml><?xml version="1.0" encoding="utf-8"?>
+<p:sld xmlns:a="http://schemas.openxmlformats.org/drawingml/2006/main" xmlns:r="http://schemas.openxmlformats.org/officeDocument/2006/relationships" xmlns:p="http://schemas.openxmlformats.org/presentationml/2006/main">
+  <p:cSld>
+    <p:spTree>
+      <p:nvGrpSpPr>
+        <p:cNvPr id="1" name=""/>
+        <p:cNvGrpSpPr/>
+        <p:nvPr/>
+      </p:nvGrpSpPr>
+      <p:grpSpPr>
+        <a:xfrm>
+          <a:off x="0" y="0"/>
+          <a:ext cx="0" cy="0"/>
+          <a:chOff x="0" y="0"/>
+          <a:chExt cx="0" cy="0"/>
+        </a:xfrm>
+      </p:grpSpPr>
+      <p:sp>
+        <p:nvSpPr>
+          <p:cNvPr id="2" name="Заголовок 1"/>
+          <p:cNvSpPr>
+            <a:spLocks noGrp="1"/>
+          </p:cNvSpPr>
+          <p:nvPr>
+            <p:ph type="title"/>
+          </p:nvPr>
+        </p:nvSpPr>
+        <p:spPr/>
+        <p:txBody>
+          <a:bodyPr/>
+          <a:lstStyle/>
+          <a:p>
+            <a:r>
+              <a:rPr lang="ru-RU" dirty="0" smtClean="0"/>
+              <a:t>Проект</a:t>
+            </a:r>
+            <a:endParaRPr lang="ru-RU" dirty="0"/>
+          </a:p>
+        </p:txBody>
+      </p:sp>
+      <p:sp>
+        <p:nvSpPr>
+          <p:cNvPr id="3" name="Объект 2"/>
+          <p:cNvSpPr>
+            <a:spLocks noGrp="1"/>
+          </p:cNvSpPr>
+          <p:nvPr>
+            <p:ph idx="1"/>
+          </p:nvPr>
+        </p:nvSpPr>
+        <p:spPr/>
+        <p:txBody>
+          <a:bodyPr>
+            <a:normAutofit/>
+          </a:bodyPr>
+          <a:lstStyle/>
+          <a:p>
+            <a:r>
+              <a:rPr lang="en-US" sz="3600" dirty="0" smtClean="0"/>
+              <a:t>Python 3.5</a:t>
+            </a:r>
+          </a:p>
+          <a:p>
+            <a:r>
+              <a:rPr lang="en-US" sz="3600" dirty="0" err="1" smtClean="0"/>
+              <a:t>Tensorflow</a:t>
+            </a:r>
+            <a:r>
+              <a:rPr lang="en-US" sz="3600" dirty="0" smtClean="0"/>
+              <a:t> 1.5 &lt;=</a:t>
+            </a:r>
+          </a:p>
+          <a:p>
+            <a:r>
+              <a:rPr lang="en-US" sz="3600" dirty="0" smtClean="0"/>
+              <a:t>PyQt5</a:t>
+            </a:r>
+          </a:p>
+          <a:p>
+            <a:r>
+              <a:rPr lang="ru-RU" sz="3600" dirty="0" smtClean="0"/>
+              <a:t>Написано более 4000 строк кода </a:t>
+            </a:r>
+            <a:r>
+              <a:rPr lang="ru-RU" sz="3600" dirty="0"/>
+              <a:t>(более 400 кб.).</a:t>
+            </a:r>
+          </a:p>
+          <a:p>
+            <a:r>
+              <a:rPr lang="en-US" sz="3600" dirty="0" smtClean="0"/>
+              <a:t>1 </a:t>
+            </a:r>
+            <a:r>
+              <a:rPr lang="ru-RU" sz="3600" dirty="0" smtClean="0"/>
+              <a:t>окно - 7 вкладок - 3 диалоговых окна</a:t>
+            </a:r>
+            <a:endParaRPr lang="ru-RU" sz="3600" dirty="0"/>
+          </a:p>
+        </p:txBody>
+      </p:sp>
+      <p:sp>
+        <p:nvSpPr>
+          <p:cNvPr id="4" name="Номер слайда 3"/>
+          <p:cNvSpPr>
+            <a:spLocks noGrp="1"/>
+          </p:cNvSpPr>
+          <p:nvPr>
+            <p:ph type="sldNum" sz="quarter" idx="12"/>
+          </p:nvPr>
+        </p:nvSpPr>
+        <p:spPr/>
+        <p:txBody>
+          <a:bodyPr/>
+          <a:lstStyle/>
+          <a:p>
+            <a:fld id="{54312719-E188-4125-8FBE-1E251BCF9D85}" type="slidenum">
+              <a:rPr lang="ru-RU" smtClean="0"/>
+              <a:t>13</a:t>
+            </a:fld>
+            <a:endParaRPr lang="ru-RU"/>
+          </a:p>
+        </p:txBody>
+      </p:sp>
+    </p:spTree>
+    <p:extLst>
+      <p:ext uri="{BB962C8B-B14F-4D97-AF65-F5344CB8AC3E}">
+        <p14:creationId xmlns:p14="http://schemas.microsoft.com/office/powerpoint/2010/main" val="1006721179"/>
+      </p:ext>
+    </p:extLst>
+  </p:cSld>
+  <p:clrMapOvr>
+    <a:masterClrMapping/>
+  </p:clrMapOvr>
+</p:sld>
+</file>
+
+<file path=ppt/slides/slide14.xml><?xml version="1.0" encoding="utf-8"?>
+<p:sld xmlns:a="http://schemas.openxmlformats.org/drawingml/2006/main" xmlns:r="http://schemas.openxmlformats.org/officeDocument/2006/relationships" xmlns:p="http://schemas.openxmlformats.org/presentationml/2006/main">
+  <p:cSld>
+    <p:spTree>
+      <p:nvGrpSpPr>
+        <p:cNvPr id="1" name=""/>
+        <p:cNvGrpSpPr/>
+        <p:nvPr/>
+      </p:nvGrpSpPr>
+      <p:grpSpPr>
+        <a:xfrm>
+          <a:off x="0" y="0"/>
+          <a:ext cx="0" cy="0"/>
+          <a:chOff x="0" y="0"/>
+          <a:chExt cx="0" cy="0"/>
+        </a:xfrm>
+      </p:grpSpPr>
+      <p:sp>
+        <p:nvSpPr>
+          <p:cNvPr id="2" name="Заголовок 1"/>
+          <p:cNvSpPr>
+            <a:spLocks noGrp="1"/>
+          </p:cNvSpPr>
+          <p:nvPr>
+            <p:ph type="title"/>
+          </p:nvPr>
+        </p:nvSpPr>
+        <p:spPr/>
+        <p:txBody>
+          <a:bodyPr/>
+          <a:lstStyle/>
+          <a:p>
+            <a:r>
+              <a:rPr lang="ru-RU" dirty="0" smtClean="0"/>
+              <a:t>Оценка качества</a:t>
+            </a:r>
+            <a:endParaRPr lang="ru-RU" dirty="0"/>
+          </a:p>
+        </p:txBody>
+      </p:sp>
+      <p:graphicFrame>
+        <p:nvGraphicFramePr>
+          <p:cNvPr id="5" name="Объект 4"/>
+          <p:cNvGraphicFramePr>
+            <a:graphicFrameLocks noGrp="1"/>
+          </p:cNvGraphicFramePr>
+          <p:nvPr>
+            <p:ph idx="1"/>
+            <p:extLst>
+              <p:ext uri="{D42A27DB-BD31-4B8C-83A1-F6EECF244321}">
+                <p14:modId xmlns:p14="http://schemas.microsoft.com/office/powerpoint/2010/main" val="2304672950"/>
+              </p:ext>
+            </p:extLst>
+          </p:nvPr>
+        </p:nvGraphicFramePr>
+        <p:xfrm>
+          <a:off x="3286591" y="3368842"/>
+          <a:ext cx="5231768" cy="2675637"/>
+        </p:xfrm>
+        <a:graphic>
+          <a:graphicData uri="http://schemas.openxmlformats.org/drawingml/2006/table">
+            <a:tbl>
+              <a:tblPr firstRow="1" firstCol="1" bandRow="1">
+                <a:tableStyleId>{5C22544A-7EE6-4342-B048-85BDC9FD1C3A}</a:tableStyleId>
+              </a:tblPr>
+              <a:tblGrid>
+                <a:gridCol w="1316524"/>
+                <a:gridCol w="559467"/>
+                <a:gridCol w="1846238"/>
+                <a:gridCol w="1509539"/>
+              </a:tblGrid>
+              <a:tr h="395682">
+                <a:tc rowSpan="2" gridSpan="2">
+                  <a:txBody>
+                    <a:bodyPr/>
+                    <a:lstStyle/>
+                    <a:p>
+                      <a:pPr>
+                        <a:lnSpc>
+                          <a:spcPct val="150000"/>
+                        </a:lnSpc>
+                        <a:spcAft>
+                          <a:spcPts val="0"/>
+                        </a:spcAft>
+                      </a:pPr>
+                      <a:endParaRPr lang="ru-RU" sz="2000" dirty="0">
+                        <a:effectLst/>
+                        <a:latin typeface="Calibri" panose="020F0502020204030204" pitchFamily="34" charset="0"/>
+                        <a:ea typeface="Calibri" panose="020F0502020204030204" pitchFamily="34" charset="0"/>
+                        <a:cs typeface="Times New Roman" panose="02020603050405020304" pitchFamily="18" charset="0"/>
+                      </a:endParaRPr>
+                    </a:p>
+                  </a:txBody>
+                  <a:tcPr marL="122547" marR="122547" marT="0" marB="0"/>
+                </a:tc>
+                <a:tc rowSpan="2" hMerge="1">
+                  <a:txBody>
+                    <a:bodyPr/>
+                    <a:lstStyle/>
+                    <a:p>
+                      <a:pPr>
+                        <a:lnSpc>
+                          <a:spcPct val="150000"/>
+                        </a:lnSpc>
+                        <a:spcAft>
+                          <a:spcPts val="0"/>
+                        </a:spcAft>
+                      </a:pPr>
+                      <a:endParaRPr lang="ru-RU" sz="2000" dirty="0">
+                        <a:effectLst/>
+                        <a:latin typeface="Calibri" panose="020F0502020204030204" pitchFamily="34" charset="0"/>
+                        <a:ea typeface="Calibri" panose="020F0502020204030204" pitchFamily="34" charset="0"/>
+                        <a:cs typeface="Times New Roman" panose="02020603050405020304" pitchFamily="18" charset="0"/>
+                      </a:endParaRPr>
+                    </a:p>
+                  </a:txBody>
+                  <a:tcPr marL="122547" marR="122547" marT="0" marB="0"/>
+                </a:tc>
+                <a:tc gridSpan="2">
+                  <a:txBody>
+                    <a:bodyPr/>
+                    <a:lstStyle/>
+                    <a:p>
+                      <a:pPr>
+                        <a:lnSpc>
+                          <a:spcPct val="150000"/>
+                        </a:lnSpc>
+                        <a:spcAft>
+                          <a:spcPts val="0"/>
+                        </a:spcAft>
+                      </a:pPr>
+                      <a:r>
+                        <a:rPr lang="ru-RU" sz="2400" dirty="0">
+                          <a:effectLst/>
+                        </a:rPr>
+                        <a:t>Истинные </a:t>
+                      </a:r>
+                      <a:r>
+                        <a:rPr lang="ru-RU" sz="2400" dirty="0" smtClean="0">
+                          <a:effectLst/>
+                        </a:rPr>
+                        <a:t>значения</a:t>
+                      </a:r>
+                      <a:endParaRPr lang="ru-RU" sz="2400" dirty="0">
+                        <a:effectLst/>
+                        <a:latin typeface="Calibri" panose="020F0502020204030204" pitchFamily="34" charset="0"/>
+                        <a:ea typeface="Calibri" panose="020F0502020204030204" pitchFamily="34" charset="0"/>
+                        <a:cs typeface="Times New Roman" panose="02020603050405020304" pitchFamily="18" charset="0"/>
+                      </a:endParaRPr>
+                    </a:p>
+                  </a:txBody>
+                  <a:tcPr marL="122547" marR="122547" marT="0" marB="0"/>
+                </a:tc>
+                <a:tc hMerge="1">
+                  <a:txBody>
+                    <a:bodyPr/>
+                    <a:lstStyle/>
+                    <a:p>
+                      <a:pPr>
+                        <a:lnSpc>
+                          <a:spcPct val="150000"/>
+                        </a:lnSpc>
+                        <a:spcAft>
+                          <a:spcPts val="0"/>
+                        </a:spcAft>
+                      </a:pPr>
+                      <a:endParaRPr lang="ru-RU" sz="2000" dirty="0">
+                        <a:effectLst/>
+                        <a:latin typeface="Calibri" panose="020F0502020204030204" pitchFamily="34" charset="0"/>
+                        <a:ea typeface="Calibri" panose="020F0502020204030204" pitchFamily="34" charset="0"/>
+                        <a:cs typeface="Times New Roman" panose="02020603050405020304" pitchFamily="18" charset="0"/>
+                      </a:endParaRPr>
+                    </a:p>
+                  </a:txBody>
+                  <a:tcPr marL="122547" marR="122547" marT="0" marB="0"/>
+                </a:tc>
+              </a:tr>
+              <a:tr h="641550">
+                <a:tc gridSpan="2" vMerge="1">
+                  <a:txBody>
+                    <a:bodyPr/>
+                    <a:lstStyle/>
+                    <a:p>
+                      <a:pPr>
+                        <a:lnSpc>
+                          <a:spcPct val="150000"/>
+                        </a:lnSpc>
+                        <a:spcAft>
+                          <a:spcPts val="0"/>
+                        </a:spcAft>
+                      </a:pPr>
+                      <a:endParaRPr lang="ru-RU" sz="2000" dirty="0">
+                        <a:effectLst/>
+                        <a:latin typeface="Calibri" panose="020F0502020204030204" pitchFamily="34" charset="0"/>
+                        <a:ea typeface="Calibri" panose="020F0502020204030204" pitchFamily="34" charset="0"/>
+                        <a:cs typeface="Times New Roman" panose="02020603050405020304" pitchFamily="18" charset="0"/>
+                      </a:endParaRPr>
+                    </a:p>
+                  </a:txBody>
+                  <a:tcPr marL="122547" marR="122547" marT="0" marB="0"/>
+                </a:tc>
+                <a:tc hMerge="1" vMerge="1">
+                  <a:txBody>
+                    <a:bodyPr/>
+                    <a:lstStyle/>
+                    <a:p>
+                      <a:pPr>
+                        <a:lnSpc>
+                          <a:spcPct val="150000"/>
+                        </a:lnSpc>
+                        <a:spcAft>
+                          <a:spcPts val="0"/>
+                        </a:spcAft>
+                      </a:pPr>
+                      <a:endParaRPr lang="ru-RU" sz="2000" dirty="0">
+                        <a:effectLst/>
+                        <a:latin typeface="Calibri" panose="020F0502020204030204" pitchFamily="34" charset="0"/>
+                        <a:ea typeface="Calibri" panose="020F0502020204030204" pitchFamily="34" charset="0"/>
+                        <a:cs typeface="Times New Roman" panose="02020603050405020304" pitchFamily="18" charset="0"/>
+                      </a:endParaRPr>
+                    </a:p>
+                  </a:txBody>
+                  <a:tcPr marL="122547" marR="122547" marT="0" marB="0"/>
+                </a:tc>
+                <a:tc>
+                  <a:txBody>
+                    <a:bodyPr/>
+                    <a:lstStyle/>
+                    <a:p>
+                      <a:pPr>
+                        <a:lnSpc>
+                          <a:spcPct val="150000"/>
+                        </a:lnSpc>
+                        <a:spcAft>
+                          <a:spcPts val="0"/>
+                        </a:spcAft>
+                      </a:pPr>
+                      <a:r>
+                        <a:rPr lang="ru-RU" sz="3200" dirty="0" smtClean="0">
+                          <a:effectLst/>
+                        </a:rPr>
+                        <a:t>+</a:t>
+                      </a:r>
+                      <a:endParaRPr lang="ru-RU" sz="3200" dirty="0">
+                        <a:effectLst/>
+                        <a:latin typeface="Calibri" panose="020F0502020204030204" pitchFamily="34" charset="0"/>
+                        <a:ea typeface="Calibri" panose="020F0502020204030204" pitchFamily="34" charset="0"/>
+                        <a:cs typeface="Times New Roman" panose="02020603050405020304" pitchFamily="18" charset="0"/>
+                      </a:endParaRPr>
+                    </a:p>
+                  </a:txBody>
+                  <a:tcPr marL="122547" marR="122547" marT="0" marB="0"/>
+                </a:tc>
+                <a:tc>
+                  <a:txBody>
+                    <a:bodyPr/>
+                    <a:lstStyle/>
+                    <a:p>
+                      <a:pPr>
+                        <a:lnSpc>
+                          <a:spcPct val="150000"/>
+                        </a:lnSpc>
+                        <a:spcAft>
+                          <a:spcPts val="0"/>
+                        </a:spcAft>
+                      </a:pPr>
+                      <a:r>
+                        <a:rPr lang="ru-RU" sz="3200" dirty="0" smtClean="0">
+                          <a:effectLst/>
+                        </a:rPr>
+                        <a:t>-</a:t>
+                      </a:r>
+                      <a:endParaRPr lang="ru-RU" sz="3200" dirty="0">
+                        <a:effectLst/>
+                        <a:latin typeface="Calibri" panose="020F0502020204030204" pitchFamily="34" charset="0"/>
+                        <a:ea typeface="Calibri" panose="020F0502020204030204" pitchFamily="34" charset="0"/>
+                        <a:cs typeface="Times New Roman" panose="02020603050405020304" pitchFamily="18" charset="0"/>
+                      </a:endParaRPr>
+                    </a:p>
+                  </a:txBody>
+                  <a:tcPr marL="122547" marR="122547" marT="0" marB="0"/>
+                </a:tc>
+              </a:tr>
+              <a:tr h="641550">
+                <a:tc rowSpan="2">
+                  <a:txBody>
+                    <a:bodyPr/>
+                    <a:lstStyle/>
+                    <a:p>
+                      <a:pPr>
+                        <a:lnSpc>
+                          <a:spcPct val="150000"/>
+                        </a:lnSpc>
+                        <a:spcAft>
+                          <a:spcPts val="0"/>
+                        </a:spcAft>
+                      </a:pPr>
+                      <a:r>
+                        <a:rPr lang="ru-RU" sz="2400" dirty="0" smtClean="0">
+                          <a:effectLst/>
+                        </a:rPr>
+                        <a:t>Оценка модели</a:t>
+                      </a:r>
+                      <a:endParaRPr lang="ru-RU" sz="2400" dirty="0">
+                        <a:effectLst/>
+                        <a:latin typeface="Calibri" panose="020F0502020204030204" pitchFamily="34" charset="0"/>
+                        <a:ea typeface="Calibri" panose="020F0502020204030204" pitchFamily="34" charset="0"/>
+                        <a:cs typeface="Times New Roman" panose="02020603050405020304" pitchFamily="18" charset="0"/>
+                      </a:endParaRPr>
+                    </a:p>
+                    <a:p>
+                      <a:pPr>
+                        <a:lnSpc>
+                          <a:spcPct val="150000"/>
+                        </a:lnSpc>
+                        <a:spcAft>
+                          <a:spcPts val="0"/>
+                        </a:spcAft>
+                      </a:pPr>
+                      <a:r>
+                        <a:rPr lang="ru-RU" sz="2100" dirty="0">
+                          <a:effectLst/>
+                        </a:rPr>
+                        <a:t> </a:t>
+                      </a:r>
+                      <a:endParaRPr lang="ru-RU" sz="2000" dirty="0">
+                        <a:effectLst/>
+                        <a:latin typeface="Calibri" panose="020F0502020204030204" pitchFamily="34" charset="0"/>
+                        <a:ea typeface="Calibri" panose="020F0502020204030204" pitchFamily="34" charset="0"/>
+                        <a:cs typeface="Times New Roman" panose="02020603050405020304" pitchFamily="18" charset="0"/>
+                      </a:endParaRPr>
+                    </a:p>
+                  </a:txBody>
+                  <a:tcPr marL="122547" marR="122547" marT="0" marB="0"/>
+                </a:tc>
+                <a:tc>
+                  <a:txBody>
+                    <a:bodyPr/>
+                    <a:lstStyle/>
+                    <a:p>
+                      <a:pPr>
+                        <a:lnSpc>
+                          <a:spcPct val="150000"/>
+                        </a:lnSpc>
+                        <a:spcAft>
+                          <a:spcPts val="0"/>
+                        </a:spcAft>
+                      </a:pPr>
+                      <a:r>
+                        <a:rPr lang="ru-RU" sz="3200" dirty="0" smtClean="0">
+                          <a:effectLst/>
+                        </a:rPr>
+                        <a:t>+</a:t>
+                      </a:r>
+                      <a:endParaRPr lang="ru-RU" sz="3200" dirty="0">
+                        <a:effectLst/>
+                        <a:latin typeface="Calibri" panose="020F0502020204030204" pitchFamily="34" charset="0"/>
+                        <a:ea typeface="Calibri" panose="020F0502020204030204" pitchFamily="34" charset="0"/>
+                        <a:cs typeface="Times New Roman" panose="02020603050405020304" pitchFamily="18" charset="0"/>
+                      </a:endParaRPr>
+                    </a:p>
+                  </a:txBody>
+                  <a:tcPr marL="122547" marR="122547" marT="0" marB="0"/>
+                </a:tc>
+                <a:tc>
+                  <a:txBody>
+                    <a:bodyPr/>
+                    <a:lstStyle/>
+                    <a:p>
+                      <a:pPr>
+                        <a:lnSpc>
+                          <a:spcPct val="150000"/>
+                        </a:lnSpc>
+                        <a:spcAft>
+                          <a:spcPts val="0"/>
+                        </a:spcAft>
+                      </a:pPr>
+                      <a:r>
+                        <a:rPr lang="en-US" sz="3200" dirty="0">
+                          <a:effectLst/>
+                        </a:rPr>
+                        <a:t>TP</a:t>
+                      </a:r>
+                      <a:endParaRPr lang="ru-RU" sz="3200" dirty="0">
+                        <a:effectLst/>
+                        <a:latin typeface="Calibri" panose="020F0502020204030204" pitchFamily="34" charset="0"/>
+                        <a:ea typeface="Calibri" panose="020F0502020204030204" pitchFamily="34" charset="0"/>
+                        <a:cs typeface="Times New Roman" panose="02020603050405020304" pitchFamily="18" charset="0"/>
+                      </a:endParaRPr>
+                    </a:p>
+                  </a:txBody>
+                  <a:tcPr marL="122547" marR="122547" marT="0" marB="0"/>
+                </a:tc>
+                <a:tc>
+                  <a:txBody>
+                    <a:bodyPr/>
+                    <a:lstStyle/>
+                    <a:p>
+                      <a:pPr>
+                        <a:lnSpc>
+                          <a:spcPct val="150000"/>
+                        </a:lnSpc>
+                        <a:spcAft>
+                          <a:spcPts val="0"/>
+                        </a:spcAft>
+                      </a:pPr>
+                      <a:r>
+                        <a:rPr lang="en-US" sz="3200" dirty="0">
+                          <a:effectLst/>
+                        </a:rPr>
+                        <a:t>FP</a:t>
+                      </a:r>
+                      <a:endParaRPr lang="ru-RU" sz="3200" dirty="0">
+                        <a:effectLst/>
+                        <a:latin typeface="Calibri" panose="020F0502020204030204" pitchFamily="34" charset="0"/>
+                        <a:ea typeface="Calibri" panose="020F0502020204030204" pitchFamily="34" charset="0"/>
+                        <a:cs typeface="Times New Roman" panose="02020603050405020304" pitchFamily="18" charset="0"/>
+                      </a:endParaRPr>
+                    </a:p>
+                  </a:txBody>
+                  <a:tcPr marL="122547" marR="122547" marT="0" marB="0"/>
+                </a:tc>
+              </a:tr>
+              <a:tr h="781600">
+                <a:tc vMerge="1">
+                  <a:txBody>
+                    <a:bodyPr/>
+                    <a:lstStyle/>
+                    <a:p>
+                      <a:pPr>
+                        <a:lnSpc>
+                          <a:spcPct val="150000"/>
+                        </a:lnSpc>
+                        <a:spcAft>
+                          <a:spcPts val="0"/>
+                        </a:spcAft>
+                      </a:pPr>
+                      <a:endParaRPr lang="ru-RU" sz="2000" dirty="0">
+                        <a:effectLst/>
+                        <a:latin typeface="Calibri" panose="020F0502020204030204" pitchFamily="34" charset="0"/>
+                        <a:ea typeface="Calibri" panose="020F0502020204030204" pitchFamily="34" charset="0"/>
+                        <a:cs typeface="Times New Roman" panose="02020603050405020304" pitchFamily="18" charset="0"/>
+                      </a:endParaRPr>
+                    </a:p>
+                  </a:txBody>
+                  <a:tcPr marL="122547" marR="122547" marT="0" marB="0"/>
+                </a:tc>
+                <a:tc>
+                  <a:txBody>
+                    <a:bodyPr/>
+                    <a:lstStyle/>
+                    <a:p>
+                      <a:pPr>
+                        <a:lnSpc>
+                          <a:spcPct val="150000"/>
+                        </a:lnSpc>
+                        <a:spcAft>
+                          <a:spcPts val="0"/>
+                        </a:spcAft>
+                      </a:pPr>
+                      <a:r>
+                        <a:rPr lang="ru-RU" sz="3200" dirty="0" smtClean="0">
+                          <a:effectLst/>
+                          <a:latin typeface="+mn-lt"/>
+                          <a:ea typeface="+mn-ea"/>
+                          <a:cs typeface="+mn-cs"/>
+                        </a:rPr>
+                        <a:t>-</a:t>
+                      </a:r>
+                      <a:endParaRPr lang="ru-RU" sz="3200" dirty="0">
+                        <a:effectLst/>
+                        <a:latin typeface="Calibri" panose="020F0502020204030204" pitchFamily="34" charset="0"/>
+                        <a:ea typeface="Calibri" panose="020F0502020204030204" pitchFamily="34" charset="0"/>
+                        <a:cs typeface="Times New Roman" panose="02020603050405020304" pitchFamily="18" charset="0"/>
+                      </a:endParaRPr>
+                    </a:p>
+                  </a:txBody>
+                  <a:tcPr marL="122547" marR="122547" marT="0" marB="0"/>
+                </a:tc>
+                <a:tc>
+                  <a:txBody>
+                    <a:bodyPr/>
+                    <a:lstStyle/>
+                    <a:p>
+                      <a:pPr>
+                        <a:lnSpc>
+                          <a:spcPct val="150000"/>
+                        </a:lnSpc>
+                        <a:spcAft>
+                          <a:spcPts val="0"/>
+                        </a:spcAft>
+                      </a:pPr>
+                      <a:r>
+                        <a:rPr lang="en-US" sz="3200" dirty="0">
+                          <a:effectLst/>
+                        </a:rPr>
+                        <a:t>FN</a:t>
+                      </a:r>
+                      <a:endParaRPr lang="ru-RU" sz="3200" dirty="0">
+                        <a:effectLst/>
+                        <a:latin typeface="Calibri" panose="020F0502020204030204" pitchFamily="34" charset="0"/>
+                        <a:ea typeface="Calibri" panose="020F0502020204030204" pitchFamily="34" charset="0"/>
+                        <a:cs typeface="Times New Roman" panose="02020603050405020304" pitchFamily="18" charset="0"/>
+                      </a:endParaRPr>
+                    </a:p>
+                  </a:txBody>
+                  <a:tcPr marL="122547" marR="122547" marT="0" marB="0"/>
+                </a:tc>
+                <a:tc>
+                  <a:txBody>
+                    <a:bodyPr/>
+                    <a:lstStyle/>
+                    <a:p>
+                      <a:pPr>
+                        <a:lnSpc>
+                          <a:spcPct val="150000"/>
+                        </a:lnSpc>
+                        <a:spcAft>
+                          <a:spcPts val="0"/>
+                        </a:spcAft>
+                      </a:pPr>
+                      <a:r>
+                        <a:rPr lang="en-US" sz="3200" dirty="0">
+                          <a:effectLst/>
+                        </a:rPr>
+                        <a:t>TN</a:t>
+                      </a:r>
+                      <a:endParaRPr lang="ru-RU" sz="3200" dirty="0">
+                        <a:effectLst/>
+                        <a:latin typeface="Calibri" panose="020F0502020204030204" pitchFamily="34" charset="0"/>
+                        <a:ea typeface="Calibri" panose="020F0502020204030204" pitchFamily="34" charset="0"/>
+                        <a:cs typeface="Times New Roman" panose="02020603050405020304" pitchFamily="18" charset="0"/>
+                      </a:endParaRPr>
+                    </a:p>
+                  </a:txBody>
+                  <a:tcPr marL="122547" marR="122547" marT="0" marB="0"/>
+                </a:tc>
+              </a:tr>
+            </a:tbl>
+          </a:graphicData>
+        </a:graphic>
+      </p:graphicFrame>
+      <p:sp>
+        <p:nvSpPr>
+          <p:cNvPr id="4" name="Номер слайда 3"/>
+          <p:cNvSpPr>
+            <a:spLocks noGrp="1"/>
+          </p:cNvSpPr>
+          <p:nvPr>
+            <p:ph type="sldNum" sz="quarter" idx="12"/>
+          </p:nvPr>
+        </p:nvSpPr>
+        <p:spPr/>
+        <p:txBody>
+          <a:bodyPr/>
+          <a:lstStyle/>
+          <a:p>
+            <a:fld id="{54312719-E188-4125-8FBE-1E251BCF9D85}" type="slidenum">
+              <a:rPr lang="ru-RU" smtClean="0"/>
+              <a:t>14</a:t>
+            </a:fld>
+            <a:endParaRPr lang="ru-RU"/>
+          </a:p>
+        </p:txBody>
+      </p:sp>
+      <mc:AlternateContent xmlns:mc="http://schemas.openxmlformats.org/markup-compatibility/2006" xmlns:a14="http://schemas.microsoft.com/office/drawing/2010/main">
+        <mc:Choice Requires="a14">
+          <p:sp>
+            <p:nvSpPr>
+              <p:cNvPr id="6" name="Прямоугольник 5"/>
+              <p:cNvSpPr/>
+              <p:nvPr/>
+            </p:nvSpPr>
+            <p:spPr>
+              <a:xfrm>
+                <a:off x="0" y="1902055"/>
+                <a:ext cx="3099951" cy="789960"/>
+              </a:xfrm>
+              <a:prstGeom prst="rect">
+                <a:avLst/>
+              </a:prstGeom>
+            </p:spPr>
+            <p:txBody>
+              <a:bodyPr wrap="none">
+                <a:spAutoFit/>
+              </a:bodyPr>
+              <a:lstStyle/>
+              <a:p>
+                <a:pPr/>
+                <a14:m>
+                  <m:oMathPara xmlns:m="http://schemas.openxmlformats.org/officeDocument/2006/math">
+                    <m:oMathParaPr>
+                      <m:jc m:val="centerGroup"/>
+                    </m:oMathParaPr>
+                    <m:oMath xmlns:m="http://schemas.openxmlformats.org/officeDocument/2006/math">
+                      <m:r>
+                        <a:rPr lang="ru-RU" sz="2400" i="1">
+                          <a:latin typeface="Cambria Math" panose="02040503050406030204" pitchFamily="18" charset="0"/>
+                        </a:rPr>
+                        <m:t>𝑃𝑟𝑒𝑐𝑖𝑠𝑖𝑜𝑛</m:t>
+                      </m:r>
+                      <m:r>
+                        <a:rPr lang="ru-RU" sz="2400" i="0">
+                          <a:latin typeface="Cambria Math" panose="02040503050406030204" pitchFamily="18" charset="0"/>
+                        </a:rPr>
+                        <m:t>=</m:t>
+                      </m:r>
+                      <m:f>
+                        <m:fPr>
+                          <m:ctrlPr>
+                            <a:rPr lang="ru-RU" sz="2400" i="1">
+                              <a:latin typeface="Cambria Math" panose="02040503050406030204" pitchFamily="18" charset="0"/>
+                            </a:rPr>
+                          </m:ctrlPr>
+                        </m:fPr>
+                        <m:num>
+                          <m:r>
+                            <a:rPr lang="ru-RU" sz="2400" i="1">
+                              <a:latin typeface="Cambria Math" panose="02040503050406030204" pitchFamily="18" charset="0"/>
+                            </a:rPr>
+                            <m:t>𝑇𝑃</m:t>
+                          </m:r>
+                        </m:num>
+                        <m:den>
+                          <m:r>
+                            <a:rPr lang="ru-RU" sz="2400" i="1">
+                              <a:latin typeface="Cambria Math" panose="02040503050406030204" pitchFamily="18" charset="0"/>
+                            </a:rPr>
+                            <m:t>𝑇𝑃</m:t>
+                          </m:r>
+                          <m:r>
+                            <a:rPr lang="ru-RU" sz="2400" i="0">
+                              <a:latin typeface="Cambria Math" panose="02040503050406030204" pitchFamily="18" charset="0"/>
+                            </a:rPr>
+                            <m:t>+</m:t>
+                          </m:r>
+                          <m:r>
+                            <a:rPr lang="ru-RU" sz="2400" i="1">
+                              <a:latin typeface="Cambria Math" panose="02040503050406030204" pitchFamily="18" charset="0"/>
+                            </a:rPr>
+                            <m:t>𝐹𝑃</m:t>
+                          </m:r>
+                        </m:den>
+                      </m:f>
+                    </m:oMath>
+                  </m:oMathPara>
+                </a14:m>
+                <a:endParaRPr lang="ru-RU" sz="2400" dirty="0"/>
+              </a:p>
+            </p:txBody>
+          </p:sp>
+        </mc:Choice>
+        <mc:Fallback xmlns="">
+          <p:sp>
+            <p:nvSpPr>
+              <p:cNvPr id="6" name="Прямоугольник 5"/>
+              <p:cNvSpPr>
+                <a:spLocks noRot="1" noChangeAspect="1" noMove="1" noResize="1" noEditPoints="1" noAdjustHandles="1" noChangeArrowheads="1" noChangeShapeType="1" noTextEdit="1"/>
+              </p:cNvSpPr>
+              <p:nvPr/>
+            </p:nvSpPr>
+            <p:spPr>
+              <a:xfrm>
+                <a:off x="0" y="1902055"/>
+                <a:ext cx="3099951" cy="789960"/>
+              </a:xfrm>
+              <a:prstGeom prst="rect">
+                <a:avLst/>
+              </a:prstGeom>
+              <a:blipFill rotWithShape="0">
+                <a:blip r:embed="rId2"/>
+                <a:stretch>
+                  <a:fillRect/>
+                </a:stretch>
+              </a:blipFill>
+            </p:spPr>
+            <p:txBody>
+              <a:bodyPr/>
+              <a:lstStyle/>
+              <a:p>
+                <a:r>
+                  <a:rPr lang="ru-RU">
+                    <a:noFill/>
+                  </a:rPr>
+                  <a:t> </a:t>
+                </a:r>
+              </a:p>
+            </p:txBody>
+          </p:sp>
+        </mc:Fallback>
+      </mc:AlternateContent>
+      <mc:AlternateContent xmlns:mc="http://schemas.openxmlformats.org/markup-compatibility/2006" xmlns:a14="http://schemas.microsoft.com/office/drawing/2010/main">
+        <mc:Choice Requires="a14">
+          <p:sp>
+            <p:nvSpPr>
+              <p:cNvPr id="7" name="Прямоугольник 6"/>
+              <p:cNvSpPr/>
+              <p:nvPr/>
+            </p:nvSpPr>
+            <p:spPr>
+              <a:xfrm>
+                <a:off x="3355950" y="1902055"/>
+                <a:ext cx="2687659" cy="789960"/>
+              </a:xfrm>
+              <a:prstGeom prst="rect">
+                <a:avLst/>
+              </a:prstGeom>
+            </p:spPr>
+            <p:txBody>
+              <a:bodyPr wrap="none">
+                <a:spAutoFit/>
+              </a:bodyPr>
+              <a:lstStyle/>
+              <a:p>
+                <a:pPr/>
+                <a14:m>
+                  <m:oMathPara xmlns:m="http://schemas.openxmlformats.org/officeDocument/2006/math">
+                    <m:oMathParaPr>
+                      <m:jc m:val="centerGroup"/>
+                    </m:oMathParaPr>
+                    <m:oMath xmlns:m="http://schemas.openxmlformats.org/officeDocument/2006/math">
+                      <m:r>
+                        <a:rPr lang="ru-RU" sz="2400" i="1">
+                          <a:latin typeface="Cambria Math" panose="02040503050406030204" pitchFamily="18" charset="0"/>
+                        </a:rPr>
+                        <m:t>𝑅𝑒𝑐𝑎𝑙𝑙</m:t>
+                      </m:r>
+                      <m:r>
+                        <a:rPr lang="ru-RU" sz="2400" i="0">
+                          <a:latin typeface="Cambria Math" panose="02040503050406030204" pitchFamily="18" charset="0"/>
+                        </a:rPr>
+                        <m:t>=</m:t>
+                      </m:r>
+                      <m:f>
+                        <m:fPr>
+                          <m:ctrlPr>
+                            <a:rPr lang="ru-RU" sz="2400" i="1">
+                              <a:latin typeface="Cambria Math" panose="02040503050406030204" pitchFamily="18" charset="0"/>
+                            </a:rPr>
+                          </m:ctrlPr>
+                        </m:fPr>
+                        <m:num>
+                          <m:r>
+                            <a:rPr lang="ru-RU" sz="2400" i="1">
+                              <a:latin typeface="Cambria Math" panose="02040503050406030204" pitchFamily="18" charset="0"/>
+                            </a:rPr>
+                            <m:t>𝑇𝑃</m:t>
+                          </m:r>
+                        </m:num>
+                        <m:den>
+                          <m:r>
+                            <a:rPr lang="ru-RU" sz="2400" i="1">
+                              <a:latin typeface="Cambria Math" panose="02040503050406030204" pitchFamily="18" charset="0"/>
+                            </a:rPr>
+                            <m:t>𝑇𝑃</m:t>
+                          </m:r>
+                          <m:r>
+                            <a:rPr lang="ru-RU" sz="2400" i="0">
+                              <a:latin typeface="Cambria Math" panose="02040503050406030204" pitchFamily="18" charset="0"/>
+                            </a:rPr>
+                            <m:t>+</m:t>
+                          </m:r>
+                          <m:r>
+                            <a:rPr lang="ru-RU" sz="2400" i="1">
+                              <a:latin typeface="Cambria Math" panose="02040503050406030204" pitchFamily="18" charset="0"/>
+                            </a:rPr>
+                            <m:t>𝐹𝑁</m:t>
+                          </m:r>
+                        </m:den>
+                      </m:f>
+                    </m:oMath>
+                  </m:oMathPara>
+                </a14:m>
+                <a:endParaRPr lang="ru-RU" sz="2400" dirty="0"/>
+              </a:p>
+            </p:txBody>
+          </p:sp>
+        </mc:Choice>
+        <mc:Fallback xmlns="">
+          <p:sp>
+            <p:nvSpPr>
+              <p:cNvPr id="7" name="Прямоугольник 6"/>
+              <p:cNvSpPr>
+                <a:spLocks noRot="1" noChangeAspect="1" noMove="1" noResize="1" noEditPoints="1" noAdjustHandles="1" noChangeArrowheads="1" noChangeShapeType="1" noTextEdit="1"/>
+              </p:cNvSpPr>
+              <p:nvPr/>
+            </p:nvSpPr>
+            <p:spPr>
+              <a:xfrm>
+                <a:off x="3355950" y="1902055"/>
+                <a:ext cx="2687659" cy="789960"/>
+              </a:xfrm>
+              <a:prstGeom prst="rect">
+                <a:avLst/>
+              </a:prstGeom>
+              <a:blipFill rotWithShape="0">
+                <a:blip r:embed="rId3"/>
+                <a:stretch>
+                  <a:fillRect/>
+                </a:stretch>
+              </a:blipFill>
+            </p:spPr>
+            <p:txBody>
+              <a:bodyPr/>
+              <a:lstStyle/>
+              <a:p>
+                <a:r>
+                  <a:rPr lang="ru-RU">
+                    <a:noFill/>
+                  </a:rPr>
+                  <a:t> </a:t>
+                </a:r>
+              </a:p>
+            </p:txBody>
+          </p:sp>
+        </mc:Fallback>
+      </mc:AlternateContent>
+      <mc:AlternateContent xmlns:mc="http://schemas.openxmlformats.org/markup-compatibility/2006" xmlns:a14="http://schemas.microsoft.com/office/drawing/2010/main">
+        <mc:Choice Requires="a14">
+          <p:sp>
+            <p:nvSpPr>
+              <p:cNvPr id="8" name="Прямоугольник 7"/>
+              <p:cNvSpPr/>
+              <p:nvPr/>
+            </p:nvSpPr>
+            <p:spPr>
+              <a:xfrm>
+                <a:off x="6084499" y="1940970"/>
+                <a:ext cx="3717684" cy="799771"/>
+              </a:xfrm>
+              <a:prstGeom prst="rect">
+                <a:avLst/>
+              </a:prstGeom>
+            </p:spPr>
+            <p:txBody>
+              <a:bodyPr wrap="none">
+                <a:spAutoFit/>
+              </a:bodyPr>
+              <a:lstStyle/>
+              <a:p>
+                <a:pPr/>
+                <a14:m>
+                  <m:oMathPara xmlns:m="http://schemas.openxmlformats.org/officeDocument/2006/math">
+                    <m:oMathParaPr>
+                      <m:jc m:val="centerGroup"/>
+                    </m:oMathParaPr>
+                    <m:oMath xmlns:m="http://schemas.openxmlformats.org/officeDocument/2006/math">
+                      <m:r>
+                        <a:rPr lang="en-US" sz="2400" i="1">
+                          <a:latin typeface="Cambria Math" panose="02040503050406030204" pitchFamily="18" charset="0"/>
+                        </a:rPr>
+                        <m:t>𝐹</m:t>
+                      </m:r>
+                      <m:r>
+                        <a:rPr lang="en-US" sz="2400" i="1">
+                          <a:latin typeface="Cambria Math" panose="02040503050406030204" pitchFamily="18" charset="0"/>
+                        </a:rPr>
+                        <m:t>=2 </m:t>
+                      </m:r>
+                      <m:f>
+                        <m:fPr>
+                          <m:ctrlPr>
+                            <a:rPr lang="ru-RU" sz="2400" i="1">
+                              <a:latin typeface="Cambria Math" panose="02040503050406030204" pitchFamily="18" charset="0"/>
+                            </a:rPr>
+                          </m:ctrlPr>
+                        </m:fPr>
+                        <m:num>
+                          <m:r>
+                            <a:rPr lang="en-US" sz="2400" i="1">
+                              <a:latin typeface="Cambria Math" panose="02040503050406030204" pitchFamily="18" charset="0"/>
+                            </a:rPr>
+                            <m:t>𝑃𝑟𝑒𝑐𝑖𝑠𝑖𝑜𝑛</m:t>
+                          </m:r>
+                          <m:r>
+                            <a:rPr lang="en-US" sz="2400" i="1">
+                              <a:latin typeface="Cambria Math" panose="02040503050406030204" pitchFamily="18" charset="0"/>
+                            </a:rPr>
+                            <m:t> ×</m:t>
+                          </m:r>
+                          <m:r>
+                            <a:rPr lang="en-US" sz="2400" i="1">
+                              <a:latin typeface="Cambria Math" panose="02040503050406030204" pitchFamily="18" charset="0"/>
+                            </a:rPr>
+                            <m:t>𝑅𝑒𝑐𝑎𝑙𝑙</m:t>
+                          </m:r>
+                        </m:num>
+                        <m:den>
+                          <m:r>
+                            <a:rPr lang="en-US" sz="2400" i="1">
+                              <a:latin typeface="Cambria Math" panose="02040503050406030204" pitchFamily="18" charset="0"/>
+                            </a:rPr>
+                            <m:t>𝑃𝑟𝑒𝑐𝑖𝑠𝑖𝑜𝑛</m:t>
+                          </m:r>
+                          <m:r>
+                            <a:rPr lang="en-US" sz="2400" i="1">
+                              <a:latin typeface="Cambria Math" panose="02040503050406030204" pitchFamily="18" charset="0"/>
+                            </a:rPr>
+                            <m:t>+</m:t>
+                          </m:r>
+                          <m:r>
+                            <a:rPr lang="en-US" sz="2400" i="1">
+                              <a:latin typeface="Cambria Math" panose="02040503050406030204" pitchFamily="18" charset="0"/>
+                            </a:rPr>
+                            <m:t>𝑅𝑒𝑐𝑎𝑙𝑙</m:t>
+                          </m:r>
+                        </m:den>
+                      </m:f>
+                    </m:oMath>
+                  </m:oMathPara>
+                </a14:m>
+                <a:endParaRPr lang="ru-RU" sz="2400" dirty="0"/>
+              </a:p>
+            </p:txBody>
+          </p:sp>
+        </mc:Choice>
+        <mc:Fallback xmlns="">
+          <p:sp>
+            <p:nvSpPr>
+              <p:cNvPr id="8" name="Прямоугольник 7"/>
+              <p:cNvSpPr>
+                <a:spLocks noRot="1" noChangeAspect="1" noMove="1" noResize="1" noEditPoints="1" noAdjustHandles="1" noChangeArrowheads="1" noChangeShapeType="1" noTextEdit="1"/>
+              </p:cNvSpPr>
+              <p:nvPr/>
+            </p:nvSpPr>
+            <p:spPr>
+              <a:xfrm>
+                <a:off x="6084499" y="1940970"/>
+                <a:ext cx="3717684" cy="799771"/>
+              </a:xfrm>
+              <a:prstGeom prst="rect">
+                <a:avLst/>
+              </a:prstGeom>
+              <a:blipFill rotWithShape="0">
+                <a:blip r:embed="rId4"/>
+                <a:stretch>
+                  <a:fillRect/>
+                </a:stretch>
+              </a:blipFill>
+            </p:spPr>
+            <p:txBody>
+              <a:bodyPr/>
+              <a:lstStyle/>
+              <a:p>
+                <a:r>
+                  <a:rPr lang="ru-RU">
+                    <a:noFill/>
+                  </a:rPr>
+                  <a:t> </a:t>
+                </a:r>
+              </a:p>
+            </p:txBody>
+          </p:sp>
+        </mc:Fallback>
+      </mc:AlternateContent>
+      <mc:AlternateContent xmlns:mc="http://schemas.openxmlformats.org/markup-compatibility/2006" xmlns:a14="http://schemas.microsoft.com/office/drawing/2010/main">
+        <mc:Choice Requires="a14">
+          <p:sp>
+            <p:nvSpPr>
+              <p:cNvPr id="9" name="Прямоугольник 8"/>
+              <p:cNvSpPr/>
+              <p:nvPr/>
+            </p:nvSpPr>
+            <p:spPr>
+              <a:xfrm>
+                <a:off x="9802183" y="1940970"/>
+                <a:ext cx="2324033" cy="781368"/>
+              </a:xfrm>
+              <a:prstGeom prst="rect">
+                <a:avLst/>
+              </a:prstGeom>
+            </p:spPr>
+            <p:txBody>
+              <a:bodyPr wrap="none">
+                <a:spAutoFit/>
+              </a:bodyPr>
+              <a:lstStyle/>
+              <a:p>
+                <a:pPr/>
+                <a14:m>
+                  <m:oMathPara xmlns:m="http://schemas.openxmlformats.org/officeDocument/2006/math">
+                    <m:oMathParaPr>
+                      <m:jc m:val="centerGroup"/>
+                    </m:oMathParaPr>
+                    <m:oMath xmlns:m="http://schemas.openxmlformats.org/officeDocument/2006/math">
+                      <m:r>
+                        <a:rPr lang="ru-RU" sz="2400" i="1" smtClean="0">
+                          <a:latin typeface="Cambria Math" panose="02040503050406030204" pitchFamily="18" charset="0"/>
+                        </a:rPr>
+                        <m:t>𝐴𝑐𝑐𝑢𝑟𝑎𝑐𝑦</m:t>
+                      </m:r>
+                      <m:r>
+                        <a:rPr lang="ru-RU" sz="2400" i="0">
+                          <a:latin typeface="Cambria Math" panose="02040503050406030204" pitchFamily="18" charset="0"/>
+                        </a:rPr>
+                        <m:t>=</m:t>
+                      </m:r>
+                      <m:f>
+                        <m:fPr>
+                          <m:ctrlPr>
+                            <a:rPr lang="ru-RU" sz="2400" i="1">
+                              <a:latin typeface="Cambria Math" panose="02040503050406030204" pitchFamily="18" charset="0"/>
+                            </a:rPr>
+                          </m:ctrlPr>
+                        </m:fPr>
+                        <m:num>
+                          <m:r>
+                            <a:rPr lang="en-US" sz="2400" b="0" i="1" smtClean="0">
+                              <a:latin typeface="Cambria Math" panose="02040503050406030204" pitchFamily="18" charset="0"/>
+                            </a:rPr>
+                            <m:t>𝑇𝑃</m:t>
+                          </m:r>
+                        </m:num>
+                        <m:den>
+                          <m:r>
+                            <a:rPr lang="en-US" sz="2400" b="0" i="1" smtClean="0">
+                              <a:latin typeface="Cambria Math" panose="02040503050406030204" pitchFamily="18" charset="0"/>
+                            </a:rPr>
+                            <m:t>𝑁</m:t>
+                          </m:r>
+                        </m:den>
+                      </m:f>
+                    </m:oMath>
+                  </m:oMathPara>
+                </a14:m>
+                <a:endParaRPr lang="ru-RU" sz="2400" dirty="0"/>
+              </a:p>
+            </p:txBody>
+          </p:sp>
+        </mc:Choice>
+        <mc:Fallback xmlns="">
+          <p:sp>
+            <p:nvSpPr>
+              <p:cNvPr id="9" name="Прямоугольник 8"/>
+              <p:cNvSpPr>
+                <a:spLocks noRot="1" noChangeAspect="1" noMove="1" noResize="1" noEditPoints="1" noAdjustHandles="1" noChangeArrowheads="1" noChangeShapeType="1" noTextEdit="1"/>
+              </p:cNvSpPr>
+              <p:nvPr/>
+            </p:nvSpPr>
+            <p:spPr>
+              <a:xfrm>
+                <a:off x="9802183" y="1940970"/>
+                <a:ext cx="2324033" cy="781368"/>
+              </a:xfrm>
+              <a:prstGeom prst="rect">
+                <a:avLst/>
+              </a:prstGeom>
+              <a:blipFill rotWithShape="0">
+                <a:blip r:embed="rId5"/>
+                <a:stretch>
+                  <a:fillRect/>
+                </a:stretch>
+              </a:blipFill>
+            </p:spPr>
+            <p:txBody>
+              <a:bodyPr/>
+              <a:lstStyle/>
+              <a:p>
+                <a:r>
+                  <a:rPr lang="ru-RU">
+                    <a:noFill/>
+                  </a:rPr>
+                  <a:t> </a:t>
+                </a:r>
+              </a:p>
+            </p:txBody>
+          </p:sp>
+        </mc:Fallback>
+      </mc:AlternateContent>
+    </p:spTree>
+    <p:extLst>
+      <p:ext uri="{BB962C8B-B14F-4D97-AF65-F5344CB8AC3E}">
+        <p14:creationId xmlns:p14="http://schemas.microsoft.com/office/powerpoint/2010/main" val="4151954082"/>
+      </p:ext>
+    </p:extLst>
+  </p:cSld>
+  <p:clrMapOvr>
+    <a:masterClrMapping/>
+  </p:clrMapOvr>
+</p:sld>
+</file>
+
+<file path=ppt/slides/slide15.xml><?xml version="1.0" encoding="utf-8"?>
+<p:sld xmlns:a="http://schemas.openxmlformats.org/drawingml/2006/main" xmlns:r="http://schemas.openxmlformats.org/officeDocument/2006/relationships" xmlns:p="http://schemas.openxmlformats.org/presentationml/2006/main">
+  <p:cSld>
+    <p:spTree>
+      <p:nvGrpSpPr>
+        <p:cNvPr id="1" name=""/>
+        <p:cNvGrpSpPr/>
+        <p:nvPr/>
+      </p:nvGrpSpPr>
+      <p:grpSpPr>
+        <a:xfrm>
+          <a:off x="0" y="0"/>
+          <a:ext cx="0" cy="0"/>
+          <a:chOff x="0" y="0"/>
+          <a:chExt cx="0" cy="0"/>
+        </a:xfrm>
+      </p:grpSpPr>
+      <p:sp>
+        <p:nvSpPr>
+          <p:cNvPr id="2" name="Заголовок 1"/>
+          <p:cNvSpPr>
+            <a:spLocks noGrp="1"/>
+          </p:cNvSpPr>
+          <p:nvPr>
+            <p:ph type="title"/>
+          </p:nvPr>
+        </p:nvSpPr>
+        <p:spPr>
+          <a:xfrm>
+            <a:off x="1040475" y="-377362"/>
+            <a:ext cx="10058400" cy="1450757"/>
+          </a:xfrm>
+        </p:spPr>
+        <p:txBody>
+          <a:bodyPr/>
+          <a:lstStyle/>
+          <a:p>
+            <a:r>
+              <a:rPr lang="ru-RU" dirty="0" smtClean="0"/>
+              <a:t>Результаты извлечения</a:t>
+            </a:r>
+            <a:endParaRPr lang="ru-RU" dirty="0"/>
+          </a:p>
+        </p:txBody>
+      </p:sp>
+      <p:sp>
+        <p:nvSpPr>
+          <p:cNvPr id="4" name="Номер слайда 3"/>
+          <p:cNvSpPr>
+            <a:spLocks noGrp="1"/>
+          </p:cNvSpPr>
+          <p:nvPr>
+            <p:ph type="sldNum" sz="quarter" idx="12"/>
+          </p:nvPr>
+        </p:nvSpPr>
+        <p:spPr/>
+        <p:txBody>
+          <a:bodyPr/>
+          <a:lstStyle/>
+          <a:p>
+            <a:fld id="{54312719-E188-4125-8FBE-1E251BCF9D85}" type="slidenum">
+              <a:rPr lang="ru-RU" smtClean="0"/>
+              <a:t>15</a:t>
+            </a:fld>
+            <a:endParaRPr lang="ru-RU"/>
+          </a:p>
+        </p:txBody>
+      </p:sp>
+      <p:graphicFrame>
+        <p:nvGraphicFramePr>
+          <p:cNvPr id="5" name="Таблица 4"/>
+          <p:cNvGraphicFramePr>
+            <a:graphicFrameLocks noGrp="1"/>
+          </p:cNvGraphicFramePr>
+          <p:nvPr>
+            <p:extLst>
+              <p:ext uri="{D42A27DB-BD31-4B8C-83A1-F6EECF244321}">
+                <p14:modId xmlns:p14="http://schemas.microsoft.com/office/powerpoint/2010/main" val="22864884"/>
+              </p:ext>
+            </p:extLst>
+          </p:nvPr>
+        </p:nvGraphicFramePr>
+        <p:xfrm>
+          <a:off x="1040475" y="3873300"/>
+          <a:ext cx="10115205" cy="2951610"/>
+        </p:xfrm>
+        <a:graphic>
+          <a:graphicData uri="http://schemas.openxmlformats.org/drawingml/2006/table">
+            <a:tbl>
+              <a:tblPr firstRow="1" firstCol="1" bandRow="1">
+                <a:tableStyleId>{5C22544A-7EE6-4342-B048-85BDC9FD1C3A}</a:tableStyleId>
+              </a:tblPr>
+              <a:tblGrid>
+                <a:gridCol w="2023041"/>
+                <a:gridCol w="2023041"/>
+                <a:gridCol w="2023041"/>
+                <a:gridCol w="2023041"/>
+                <a:gridCol w="2023041"/>
+              </a:tblGrid>
+              <a:tr h="302410">
+                <a:tc>
+                  <a:txBody>
+                    <a:bodyPr/>
+                    <a:lstStyle/>
+                    <a:p>
+                      <a:pPr>
+                        <a:lnSpc>
+                          <a:spcPct val="150000"/>
+                        </a:lnSpc>
+                        <a:spcAft>
+                          <a:spcPts val="0"/>
+                        </a:spcAft>
+                      </a:pPr>
+                      <a:r>
+                        <a:rPr lang="ru-RU" sz="2400" dirty="0">
+                          <a:effectLst/>
+                        </a:rPr>
+                        <a:t> </a:t>
+                      </a:r>
+                      <a:endParaRPr lang="ru-RU" sz="2400" dirty="0">
+                        <a:effectLst/>
+                        <a:latin typeface="Calibri" panose="020F0502020204030204" pitchFamily="34" charset="0"/>
+                        <a:ea typeface="Calibri" panose="020F0502020204030204" pitchFamily="34" charset="0"/>
+                        <a:cs typeface="Times New Roman" panose="02020603050405020304" pitchFamily="18" charset="0"/>
+                      </a:endParaRPr>
+                    </a:p>
+                  </a:txBody>
+                  <a:tcPr marL="68580" marR="68580" marT="0" marB="0"/>
+                </a:tc>
+                <a:tc>
+                  <a:txBody>
+                    <a:bodyPr/>
+                    <a:lstStyle/>
+                    <a:p>
+                      <a:pPr>
+                        <a:lnSpc>
+                          <a:spcPct val="150000"/>
+                        </a:lnSpc>
+                        <a:spcAft>
+                          <a:spcPts val="0"/>
+                        </a:spcAft>
+                      </a:pPr>
+                      <a:r>
+                        <a:rPr lang="en-US" sz="2400" dirty="0" err="1">
+                          <a:effectLst/>
+                        </a:rPr>
+                        <a:t>Acc</a:t>
+                      </a:r>
+                      <a:endParaRPr lang="ru-RU" sz="2400" dirty="0">
+                        <a:effectLst/>
+                        <a:latin typeface="Calibri" panose="020F0502020204030204" pitchFamily="34" charset="0"/>
+                        <a:ea typeface="Calibri" panose="020F0502020204030204" pitchFamily="34" charset="0"/>
+                        <a:cs typeface="Times New Roman" panose="02020603050405020304" pitchFamily="18" charset="0"/>
+                      </a:endParaRPr>
+                    </a:p>
+                  </a:txBody>
+                  <a:tcPr marL="68580" marR="68580" marT="0" marB="0"/>
+                </a:tc>
+                <a:tc>
+                  <a:txBody>
+                    <a:bodyPr/>
+                    <a:lstStyle/>
+                    <a:p>
+                      <a:pPr>
+                        <a:lnSpc>
+                          <a:spcPct val="150000"/>
+                        </a:lnSpc>
+                        <a:spcAft>
+                          <a:spcPts val="0"/>
+                        </a:spcAft>
+                      </a:pPr>
+                      <a:r>
+                        <a:rPr lang="en-US" sz="2400" dirty="0" err="1">
+                          <a:effectLst/>
+                        </a:rPr>
+                        <a:t>Pred</a:t>
+                      </a:r>
+                      <a:endParaRPr lang="ru-RU" sz="2400" dirty="0">
+                        <a:effectLst/>
+                        <a:latin typeface="Calibri" panose="020F0502020204030204" pitchFamily="34" charset="0"/>
+                        <a:ea typeface="Calibri" panose="020F0502020204030204" pitchFamily="34" charset="0"/>
+                        <a:cs typeface="Times New Roman" panose="02020603050405020304" pitchFamily="18" charset="0"/>
+                      </a:endParaRPr>
+                    </a:p>
+                  </a:txBody>
+                  <a:tcPr marL="68580" marR="68580" marT="0" marB="0"/>
+                </a:tc>
+                <a:tc>
+                  <a:txBody>
+                    <a:bodyPr/>
+                    <a:lstStyle/>
+                    <a:p>
+                      <a:pPr>
+                        <a:lnSpc>
+                          <a:spcPct val="150000"/>
+                        </a:lnSpc>
+                        <a:spcAft>
+                          <a:spcPts val="0"/>
+                        </a:spcAft>
+                      </a:pPr>
+                      <a:r>
+                        <a:rPr lang="en-US" sz="2400">
+                          <a:effectLst/>
+                        </a:rPr>
+                        <a:t>Recall</a:t>
+                      </a:r>
+                      <a:endParaRPr lang="ru-RU" sz="2400">
+                        <a:effectLst/>
+                        <a:latin typeface="Calibri" panose="020F0502020204030204" pitchFamily="34" charset="0"/>
+                        <a:ea typeface="Calibri" panose="020F0502020204030204" pitchFamily="34" charset="0"/>
+                        <a:cs typeface="Times New Roman" panose="02020603050405020304" pitchFamily="18" charset="0"/>
+                      </a:endParaRPr>
+                    </a:p>
+                  </a:txBody>
+                  <a:tcPr marL="68580" marR="68580" marT="0" marB="0"/>
+                </a:tc>
+                <a:tc>
+                  <a:txBody>
+                    <a:bodyPr/>
+                    <a:lstStyle/>
+                    <a:p>
+                      <a:pPr>
+                        <a:lnSpc>
+                          <a:spcPct val="150000"/>
+                        </a:lnSpc>
+                        <a:spcAft>
+                          <a:spcPts val="0"/>
+                        </a:spcAft>
+                      </a:pPr>
+                      <a:r>
+                        <a:rPr lang="en-US" sz="2400">
+                          <a:effectLst/>
+                        </a:rPr>
+                        <a:t>FM</a:t>
+                      </a:r>
+                      <a:endParaRPr lang="ru-RU" sz="2400">
+                        <a:effectLst/>
+                        <a:latin typeface="Calibri" panose="020F0502020204030204" pitchFamily="34" charset="0"/>
+                        <a:ea typeface="Calibri" panose="020F0502020204030204" pitchFamily="34" charset="0"/>
+                        <a:cs typeface="Times New Roman" panose="02020603050405020304" pitchFamily="18" charset="0"/>
+                      </a:endParaRPr>
+                    </a:p>
+                  </a:txBody>
+                  <a:tcPr marL="68580" marR="68580" marT="0" marB="0"/>
+                </a:tc>
+              </a:tr>
+              <a:tr h="302410">
+                <a:tc>
+                  <a:txBody>
+                    <a:bodyPr/>
+                    <a:lstStyle/>
+                    <a:p>
+                      <a:pPr>
+                        <a:lnSpc>
+                          <a:spcPct val="150000"/>
+                        </a:lnSpc>
+                        <a:spcAft>
+                          <a:spcPts val="0"/>
+                        </a:spcAft>
+                      </a:pPr>
+                      <a:r>
+                        <a:rPr lang="en-US" sz="2400">
+                          <a:effectLst/>
+                        </a:rPr>
+                        <a:t>PER</a:t>
+                      </a:r>
+                      <a:endParaRPr lang="ru-RU" sz="2400">
+                        <a:effectLst/>
+                        <a:latin typeface="Calibri" panose="020F0502020204030204" pitchFamily="34" charset="0"/>
+                        <a:ea typeface="Calibri" panose="020F0502020204030204" pitchFamily="34" charset="0"/>
+                        <a:cs typeface="Times New Roman" panose="02020603050405020304" pitchFamily="18" charset="0"/>
+                      </a:endParaRPr>
+                    </a:p>
+                  </a:txBody>
+                  <a:tcPr marL="68580" marR="68580" marT="0" marB="0"/>
+                </a:tc>
+                <a:tc>
+                  <a:txBody>
+                    <a:bodyPr/>
+                    <a:lstStyle/>
+                    <a:p>
+                      <a:pPr>
+                        <a:lnSpc>
+                          <a:spcPct val="150000"/>
+                        </a:lnSpc>
+                        <a:spcAft>
+                          <a:spcPts val="0"/>
+                        </a:spcAft>
+                      </a:pPr>
+                      <a:r>
+                        <a:rPr lang="ru-RU" sz="2400" dirty="0">
+                          <a:effectLst/>
+                        </a:rPr>
+                        <a:t>99.2</a:t>
+                      </a:r>
+                      <a:endParaRPr lang="ru-RU" sz="2400" dirty="0">
+                        <a:effectLst/>
+                        <a:latin typeface="Calibri" panose="020F0502020204030204" pitchFamily="34" charset="0"/>
+                        <a:ea typeface="Calibri" panose="020F0502020204030204" pitchFamily="34" charset="0"/>
+                        <a:cs typeface="Times New Roman" panose="02020603050405020304" pitchFamily="18" charset="0"/>
+                      </a:endParaRPr>
+                    </a:p>
+                  </a:txBody>
+                  <a:tcPr marL="68580" marR="68580" marT="0" marB="0"/>
+                </a:tc>
+                <a:tc>
+                  <a:txBody>
+                    <a:bodyPr/>
+                    <a:lstStyle/>
+                    <a:p>
+                      <a:pPr>
+                        <a:lnSpc>
+                          <a:spcPct val="150000"/>
+                        </a:lnSpc>
+                        <a:spcAft>
+                          <a:spcPts val="0"/>
+                        </a:spcAft>
+                      </a:pPr>
+                      <a:r>
+                        <a:rPr lang="ru-RU" sz="2400">
+                          <a:effectLst/>
+                        </a:rPr>
+                        <a:t>94.8</a:t>
+                      </a:r>
+                      <a:endParaRPr lang="ru-RU" sz="2400">
+                        <a:effectLst/>
+                        <a:latin typeface="Calibri" panose="020F0502020204030204" pitchFamily="34" charset="0"/>
+                        <a:ea typeface="Calibri" panose="020F0502020204030204" pitchFamily="34" charset="0"/>
+                        <a:cs typeface="Times New Roman" panose="02020603050405020304" pitchFamily="18" charset="0"/>
+                      </a:endParaRPr>
+                    </a:p>
+                  </a:txBody>
+                  <a:tcPr marL="68580" marR="68580" marT="0" marB="0"/>
+                </a:tc>
+                <a:tc>
+                  <a:txBody>
+                    <a:bodyPr/>
+                    <a:lstStyle/>
+                    <a:p>
+                      <a:pPr>
+                        <a:lnSpc>
+                          <a:spcPct val="150000"/>
+                        </a:lnSpc>
+                        <a:spcAft>
+                          <a:spcPts val="0"/>
+                        </a:spcAft>
+                      </a:pPr>
+                      <a:r>
+                        <a:rPr lang="ru-RU" sz="2400">
+                          <a:effectLst/>
+                        </a:rPr>
+                        <a:t>93.5</a:t>
+                      </a:r>
+                      <a:endParaRPr lang="ru-RU" sz="2400">
+                        <a:effectLst/>
+                        <a:latin typeface="Calibri" panose="020F0502020204030204" pitchFamily="34" charset="0"/>
+                        <a:ea typeface="Calibri" panose="020F0502020204030204" pitchFamily="34" charset="0"/>
+                        <a:cs typeface="Times New Roman" panose="02020603050405020304" pitchFamily="18" charset="0"/>
+                      </a:endParaRPr>
+                    </a:p>
+                  </a:txBody>
+                  <a:tcPr marL="68580" marR="68580" marT="0" marB="0"/>
+                </a:tc>
+                <a:tc>
+                  <a:txBody>
+                    <a:bodyPr/>
+                    <a:lstStyle/>
+                    <a:p>
+                      <a:pPr>
+                        <a:lnSpc>
+                          <a:spcPct val="150000"/>
+                        </a:lnSpc>
+                        <a:spcAft>
+                          <a:spcPts val="0"/>
+                        </a:spcAft>
+                      </a:pPr>
+                      <a:r>
+                        <a:rPr lang="ru-RU" sz="2400">
+                          <a:effectLst/>
+                        </a:rPr>
+                        <a:t>94.15</a:t>
+                      </a:r>
+                      <a:endParaRPr lang="ru-RU" sz="2400">
+                        <a:effectLst/>
+                        <a:latin typeface="Calibri" panose="020F0502020204030204" pitchFamily="34" charset="0"/>
+                        <a:ea typeface="Calibri" panose="020F0502020204030204" pitchFamily="34" charset="0"/>
+                        <a:cs typeface="Times New Roman" panose="02020603050405020304" pitchFamily="18" charset="0"/>
+                      </a:endParaRPr>
+                    </a:p>
+                  </a:txBody>
+                  <a:tcPr marL="68580" marR="68580" marT="0" marB="0"/>
+                </a:tc>
+              </a:tr>
+              <a:tr h="302410">
+                <a:tc>
+                  <a:txBody>
+                    <a:bodyPr/>
+                    <a:lstStyle/>
+                    <a:p>
+                      <a:pPr>
+                        <a:lnSpc>
+                          <a:spcPct val="150000"/>
+                        </a:lnSpc>
+                        <a:spcAft>
+                          <a:spcPts val="0"/>
+                        </a:spcAft>
+                      </a:pPr>
+                      <a:r>
+                        <a:rPr lang="en-US" sz="2400">
+                          <a:effectLst/>
+                        </a:rPr>
+                        <a:t>LOC</a:t>
+                      </a:r>
+                      <a:endParaRPr lang="ru-RU" sz="2400">
+                        <a:effectLst/>
+                        <a:latin typeface="Calibri" panose="020F0502020204030204" pitchFamily="34" charset="0"/>
+                        <a:ea typeface="Calibri" panose="020F0502020204030204" pitchFamily="34" charset="0"/>
+                        <a:cs typeface="Times New Roman" panose="02020603050405020304" pitchFamily="18" charset="0"/>
+                      </a:endParaRPr>
+                    </a:p>
+                  </a:txBody>
+                  <a:tcPr marL="68580" marR="68580" marT="0" marB="0"/>
+                </a:tc>
+                <a:tc>
+                  <a:txBody>
+                    <a:bodyPr/>
+                    <a:lstStyle/>
+                    <a:p>
+                      <a:pPr>
+                        <a:lnSpc>
+                          <a:spcPct val="150000"/>
+                        </a:lnSpc>
+                        <a:spcAft>
+                          <a:spcPts val="0"/>
+                        </a:spcAft>
+                      </a:pPr>
+                      <a:r>
+                        <a:rPr lang="ru-RU" sz="2400" dirty="0">
+                          <a:effectLst/>
+                        </a:rPr>
+                        <a:t>98.4</a:t>
+                      </a:r>
+                      <a:endParaRPr lang="ru-RU" sz="2400" dirty="0">
+                        <a:effectLst/>
+                        <a:latin typeface="Calibri" panose="020F0502020204030204" pitchFamily="34" charset="0"/>
+                        <a:ea typeface="Calibri" panose="020F0502020204030204" pitchFamily="34" charset="0"/>
+                        <a:cs typeface="Times New Roman" panose="02020603050405020304" pitchFamily="18" charset="0"/>
+                      </a:endParaRPr>
+                    </a:p>
+                  </a:txBody>
+                  <a:tcPr marL="68580" marR="68580" marT="0" marB="0"/>
+                </a:tc>
+                <a:tc>
+                  <a:txBody>
+                    <a:bodyPr/>
+                    <a:lstStyle/>
+                    <a:p>
+                      <a:pPr>
+                        <a:lnSpc>
+                          <a:spcPct val="150000"/>
+                        </a:lnSpc>
+                        <a:spcAft>
+                          <a:spcPts val="0"/>
+                        </a:spcAft>
+                      </a:pPr>
+                      <a:r>
+                        <a:rPr lang="ru-RU" sz="2400" dirty="0">
+                          <a:effectLst/>
+                        </a:rPr>
+                        <a:t>93.5</a:t>
+                      </a:r>
+                      <a:endParaRPr lang="ru-RU" sz="2400" dirty="0">
+                        <a:effectLst/>
+                        <a:latin typeface="Calibri" panose="020F0502020204030204" pitchFamily="34" charset="0"/>
+                        <a:ea typeface="Calibri" panose="020F0502020204030204" pitchFamily="34" charset="0"/>
+                        <a:cs typeface="Times New Roman" panose="02020603050405020304" pitchFamily="18" charset="0"/>
+                      </a:endParaRPr>
+                    </a:p>
+                  </a:txBody>
+                  <a:tcPr marL="68580" marR="68580" marT="0" marB="0"/>
+                </a:tc>
+                <a:tc>
+                  <a:txBody>
+                    <a:bodyPr/>
+                    <a:lstStyle/>
+                    <a:p>
+                      <a:pPr>
+                        <a:lnSpc>
+                          <a:spcPct val="150000"/>
+                        </a:lnSpc>
+                        <a:spcAft>
+                          <a:spcPts val="0"/>
+                        </a:spcAft>
+                      </a:pPr>
+                      <a:r>
+                        <a:rPr lang="ru-RU" sz="2400">
+                          <a:effectLst/>
+                        </a:rPr>
+                        <a:t>93.4</a:t>
+                      </a:r>
+                      <a:endParaRPr lang="ru-RU" sz="2400">
+                        <a:effectLst/>
+                        <a:latin typeface="Calibri" panose="020F0502020204030204" pitchFamily="34" charset="0"/>
+                        <a:ea typeface="Calibri" panose="020F0502020204030204" pitchFamily="34" charset="0"/>
+                        <a:cs typeface="Times New Roman" panose="02020603050405020304" pitchFamily="18" charset="0"/>
+                      </a:endParaRPr>
+                    </a:p>
+                  </a:txBody>
+                  <a:tcPr marL="68580" marR="68580" marT="0" marB="0"/>
+                </a:tc>
+                <a:tc>
+                  <a:txBody>
+                    <a:bodyPr/>
+                    <a:lstStyle/>
+                    <a:p>
+                      <a:pPr>
+                        <a:lnSpc>
+                          <a:spcPct val="150000"/>
+                        </a:lnSpc>
+                        <a:spcAft>
+                          <a:spcPts val="0"/>
+                        </a:spcAft>
+                      </a:pPr>
+                      <a:r>
+                        <a:rPr lang="ru-RU" sz="2400">
+                          <a:effectLst/>
+                        </a:rPr>
+                        <a:t>93.45</a:t>
+                      </a:r>
+                      <a:endParaRPr lang="ru-RU" sz="2400">
+                        <a:effectLst/>
+                        <a:latin typeface="Calibri" panose="020F0502020204030204" pitchFamily="34" charset="0"/>
+                        <a:ea typeface="Calibri" panose="020F0502020204030204" pitchFamily="34" charset="0"/>
+                        <a:cs typeface="Times New Roman" panose="02020603050405020304" pitchFamily="18" charset="0"/>
+                      </a:endParaRPr>
+                    </a:p>
+                  </a:txBody>
+                  <a:tcPr marL="68580" marR="68580" marT="0" marB="0"/>
+                </a:tc>
+              </a:tr>
+              <a:tr h="302410">
+                <a:tc>
+                  <a:txBody>
+                    <a:bodyPr/>
+                    <a:lstStyle/>
+                    <a:p>
+                      <a:pPr>
+                        <a:lnSpc>
+                          <a:spcPct val="150000"/>
+                        </a:lnSpc>
+                        <a:spcAft>
+                          <a:spcPts val="0"/>
+                        </a:spcAft>
+                      </a:pPr>
+                      <a:r>
+                        <a:rPr lang="en-US" sz="2400" dirty="0">
+                          <a:effectLst/>
+                        </a:rPr>
+                        <a:t>ORG</a:t>
+                      </a:r>
+                      <a:endParaRPr lang="ru-RU" sz="2400" dirty="0">
+                        <a:effectLst/>
+                        <a:latin typeface="Calibri" panose="020F0502020204030204" pitchFamily="34" charset="0"/>
+                        <a:ea typeface="Calibri" panose="020F0502020204030204" pitchFamily="34" charset="0"/>
+                        <a:cs typeface="Times New Roman" panose="02020603050405020304" pitchFamily="18" charset="0"/>
+                      </a:endParaRPr>
+                    </a:p>
+                  </a:txBody>
+                  <a:tcPr marL="68580" marR="68580" marT="0" marB="0"/>
+                </a:tc>
+                <a:tc>
+                  <a:txBody>
+                    <a:bodyPr/>
+                    <a:lstStyle/>
+                    <a:p>
+                      <a:pPr>
+                        <a:lnSpc>
+                          <a:spcPct val="150000"/>
+                        </a:lnSpc>
+                        <a:spcAft>
+                          <a:spcPts val="0"/>
+                        </a:spcAft>
+                      </a:pPr>
+                      <a:r>
+                        <a:rPr lang="ru-RU" sz="2400">
+                          <a:effectLst/>
+                        </a:rPr>
+                        <a:t>98.2</a:t>
+                      </a:r>
+                      <a:endParaRPr lang="ru-RU" sz="2400">
+                        <a:effectLst/>
+                        <a:latin typeface="Calibri" panose="020F0502020204030204" pitchFamily="34" charset="0"/>
+                        <a:ea typeface="Calibri" panose="020F0502020204030204" pitchFamily="34" charset="0"/>
+                        <a:cs typeface="Times New Roman" panose="02020603050405020304" pitchFamily="18" charset="0"/>
+                      </a:endParaRPr>
+                    </a:p>
+                  </a:txBody>
+                  <a:tcPr marL="68580" marR="68580" marT="0" marB="0"/>
+                </a:tc>
+                <a:tc>
+                  <a:txBody>
+                    <a:bodyPr/>
+                    <a:lstStyle/>
+                    <a:p>
+                      <a:pPr>
+                        <a:lnSpc>
+                          <a:spcPct val="150000"/>
+                        </a:lnSpc>
+                        <a:spcAft>
+                          <a:spcPts val="0"/>
+                        </a:spcAft>
+                      </a:pPr>
+                      <a:r>
+                        <a:rPr lang="ru-RU" sz="2400" dirty="0">
+                          <a:effectLst/>
+                        </a:rPr>
+                        <a:t>92.51</a:t>
+                      </a:r>
+                      <a:endParaRPr lang="ru-RU" sz="2400" dirty="0">
+                        <a:effectLst/>
+                        <a:latin typeface="Calibri" panose="020F0502020204030204" pitchFamily="34" charset="0"/>
+                        <a:ea typeface="Calibri" panose="020F0502020204030204" pitchFamily="34" charset="0"/>
+                        <a:cs typeface="Times New Roman" panose="02020603050405020304" pitchFamily="18" charset="0"/>
+                      </a:endParaRPr>
+                    </a:p>
+                  </a:txBody>
+                  <a:tcPr marL="68580" marR="68580" marT="0" marB="0"/>
+                </a:tc>
+                <a:tc>
+                  <a:txBody>
+                    <a:bodyPr/>
+                    <a:lstStyle/>
+                    <a:p>
+                      <a:pPr>
+                        <a:lnSpc>
+                          <a:spcPct val="150000"/>
+                        </a:lnSpc>
+                        <a:spcAft>
+                          <a:spcPts val="0"/>
+                        </a:spcAft>
+                      </a:pPr>
+                      <a:r>
+                        <a:rPr lang="ru-RU" sz="2400">
+                          <a:effectLst/>
+                        </a:rPr>
+                        <a:t>92.3</a:t>
+                      </a:r>
+                      <a:endParaRPr lang="ru-RU" sz="2400">
+                        <a:effectLst/>
+                        <a:latin typeface="Calibri" panose="020F0502020204030204" pitchFamily="34" charset="0"/>
+                        <a:ea typeface="Calibri" panose="020F0502020204030204" pitchFamily="34" charset="0"/>
+                        <a:cs typeface="Times New Roman" panose="02020603050405020304" pitchFamily="18" charset="0"/>
+                      </a:endParaRPr>
+                    </a:p>
+                  </a:txBody>
+                  <a:tcPr marL="68580" marR="68580" marT="0" marB="0"/>
+                </a:tc>
+                <a:tc>
+                  <a:txBody>
+                    <a:bodyPr/>
+                    <a:lstStyle/>
+                    <a:p>
+                      <a:pPr>
+                        <a:lnSpc>
+                          <a:spcPct val="150000"/>
+                        </a:lnSpc>
+                        <a:spcAft>
+                          <a:spcPts val="0"/>
+                        </a:spcAft>
+                      </a:pPr>
+                      <a:r>
+                        <a:rPr lang="ru-RU" sz="2400">
+                          <a:effectLst/>
+                        </a:rPr>
+                        <a:t>92.4</a:t>
+                      </a:r>
+                      <a:endParaRPr lang="ru-RU" sz="2400">
+                        <a:effectLst/>
+                        <a:latin typeface="Calibri" panose="020F0502020204030204" pitchFamily="34" charset="0"/>
+                        <a:ea typeface="Calibri" panose="020F0502020204030204" pitchFamily="34" charset="0"/>
+                        <a:cs typeface="Times New Roman" panose="02020603050405020304" pitchFamily="18" charset="0"/>
+                      </a:endParaRPr>
+                    </a:p>
+                  </a:txBody>
+                  <a:tcPr marL="68580" marR="68580" marT="0" marB="0"/>
+                </a:tc>
+              </a:tr>
+              <a:tr h="302410">
+                <a:tc>
+                  <a:txBody>
+                    <a:bodyPr/>
+                    <a:lstStyle/>
+                    <a:p>
+                      <a:pPr>
+                        <a:lnSpc>
+                          <a:spcPct val="150000"/>
+                        </a:lnSpc>
+                        <a:spcAft>
+                          <a:spcPts val="0"/>
+                        </a:spcAft>
+                      </a:pPr>
+                      <a:r>
+                        <a:rPr lang="en-US" sz="2400">
+                          <a:effectLst/>
+                        </a:rPr>
+                        <a:t>MISC</a:t>
+                      </a:r>
+                      <a:endParaRPr lang="ru-RU" sz="2400">
+                        <a:effectLst/>
+                        <a:latin typeface="Calibri" panose="020F0502020204030204" pitchFamily="34" charset="0"/>
+                        <a:ea typeface="Calibri" panose="020F0502020204030204" pitchFamily="34" charset="0"/>
+                        <a:cs typeface="Times New Roman" panose="02020603050405020304" pitchFamily="18" charset="0"/>
+                      </a:endParaRPr>
+                    </a:p>
+                  </a:txBody>
+                  <a:tcPr marL="68580" marR="68580" marT="0" marB="0"/>
+                </a:tc>
+                <a:tc>
+                  <a:txBody>
+                    <a:bodyPr/>
+                    <a:lstStyle/>
+                    <a:p>
+                      <a:pPr>
+                        <a:lnSpc>
+                          <a:spcPct val="150000"/>
+                        </a:lnSpc>
+                        <a:spcAft>
+                          <a:spcPts val="0"/>
+                        </a:spcAft>
+                      </a:pPr>
+                      <a:r>
+                        <a:rPr lang="ru-RU" sz="2400">
+                          <a:effectLst/>
+                        </a:rPr>
+                        <a:t>92.34</a:t>
+                      </a:r>
+                      <a:endParaRPr lang="ru-RU" sz="2400">
+                        <a:effectLst/>
+                        <a:latin typeface="Calibri" panose="020F0502020204030204" pitchFamily="34" charset="0"/>
+                        <a:ea typeface="Calibri" panose="020F0502020204030204" pitchFamily="34" charset="0"/>
+                        <a:cs typeface="Times New Roman" panose="02020603050405020304" pitchFamily="18" charset="0"/>
+                      </a:endParaRPr>
+                    </a:p>
+                  </a:txBody>
+                  <a:tcPr marL="68580" marR="68580" marT="0" marB="0"/>
+                </a:tc>
+                <a:tc>
+                  <a:txBody>
+                    <a:bodyPr/>
+                    <a:lstStyle/>
+                    <a:p>
+                      <a:pPr>
+                        <a:lnSpc>
+                          <a:spcPct val="150000"/>
+                        </a:lnSpc>
+                        <a:spcAft>
+                          <a:spcPts val="0"/>
+                        </a:spcAft>
+                      </a:pPr>
+                      <a:r>
+                        <a:rPr lang="ru-RU" sz="2400" dirty="0">
+                          <a:effectLst/>
+                        </a:rPr>
+                        <a:t>88.05</a:t>
+                      </a:r>
+                      <a:endParaRPr lang="ru-RU" sz="2400" dirty="0">
+                        <a:effectLst/>
+                        <a:latin typeface="Calibri" panose="020F0502020204030204" pitchFamily="34" charset="0"/>
+                        <a:ea typeface="Calibri" panose="020F0502020204030204" pitchFamily="34" charset="0"/>
+                        <a:cs typeface="Times New Roman" panose="02020603050405020304" pitchFamily="18" charset="0"/>
+                      </a:endParaRPr>
+                    </a:p>
+                  </a:txBody>
+                  <a:tcPr marL="68580" marR="68580" marT="0" marB="0"/>
+                </a:tc>
+                <a:tc>
+                  <a:txBody>
+                    <a:bodyPr/>
+                    <a:lstStyle/>
+                    <a:p>
+                      <a:pPr>
+                        <a:lnSpc>
+                          <a:spcPct val="150000"/>
+                        </a:lnSpc>
+                        <a:spcAft>
+                          <a:spcPts val="0"/>
+                        </a:spcAft>
+                      </a:pPr>
+                      <a:r>
+                        <a:rPr lang="ru-RU" sz="2400" dirty="0">
+                          <a:effectLst/>
+                        </a:rPr>
+                        <a:t>89.5</a:t>
+                      </a:r>
+                      <a:endParaRPr lang="ru-RU" sz="2400" dirty="0">
+                        <a:effectLst/>
+                        <a:latin typeface="Calibri" panose="020F0502020204030204" pitchFamily="34" charset="0"/>
+                        <a:ea typeface="Calibri" panose="020F0502020204030204" pitchFamily="34" charset="0"/>
+                        <a:cs typeface="Times New Roman" panose="02020603050405020304" pitchFamily="18" charset="0"/>
+                      </a:endParaRPr>
+                    </a:p>
+                  </a:txBody>
+                  <a:tcPr marL="68580" marR="68580" marT="0" marB="0"/>
+                </a:tc>
+                <a:tc>
+                  <a:txBody>
+                    <a:bodyPr/>
+                    <a:lstStyle/>
+                    <a:p>
+                      <a:pPr>
+                        <a:lnSpc>
+                          <a:spcPct val="150000"/>
+                        </a:lnSpc>
+                        <a:spcAft>
+                          <a:spcPts val="0"/>
+                        </a:spcAft>
+                      </a:pPr>
+                      <a:r>
+                        <a:rPr lang="ru-RU" sz="2400">
+                          <a:effectLst/>
+                        </a:rPr>
+                        <a:t>88</a:t>
+                      </a:r>
+                      <a:r>
+                        <a:rPr lang="en-US" sz="2400">
+                          <a:effectLst/>
+                        </a:rPr>
+                        <a:t>.</a:t>
+                      </a:r>
+                      <a:r>
+                        <a:rPr lang="ru-RU" sz="2400">
+                          <a:effectLst/>
+                        </a:rPr>
+                        <a:t>77</a:t>
+                      </a:r>
+                      <a:endParaRPr lang="ru-RU" sz="2400">
+                        <a:effectLst/>
+                        <a:latin typeface="Calibri" panose="020F0502020204030204" pitchFamily="34" charset="0"/>
+                        <a:ea typeface="Calibri" panose="020F0502020204030204" pitchFamily="34" charset="0"/>
+                        <a:cs typeface="Times New Roman" panose="02020603050405020304" pitchFamily="18" charset="0"/>
+                      </a:endParaRPr>
+                    </a:p>
+                  </a:txBody>
+                  <a:tcPr marL="68580" marR="68580" marT="0" marB="0"/>
+                </a:tc>
+              </a:tr>
+              <a:tr h="302410">
+                <a:tc>
+                  <a:txBody>
+                    <a:bodyPr/>
+                    <a:lstStyle/>
+                    <a:p>
+                      <a:pPr>
+                        <a:lnSpc>
+                          <a:spcPct val="150000"/>
+                        </a:lnSpc>
+                        <a:spcAft>
+                          <a:spcPts val="0"/>
+                        </a:spcAft>
+                      </a:pPr>
+                      <a:r>
+                        <a:rPr lang="en-US" sz="2400">
+                          <a:effectLst/>
+                        </a:rPr>
+                        <a:t>REF</a:t>
+                      </a:r>
+                      <a:endParaRPr lang="ru-RU" sz="2400">
+                        <a:effectLst/>
+                        <a:latin typeface="Calibri" panose="020F0502020204030204" pitchFamily="34" charset="0"/>
+                        <a:ea typeface="Calibri" panose="020F0502020204030204" pitchFamily="34" charset="0"/>
+                        <a:cs typeface="Times New Roman" panose="02020603050405020304" pitchFamily="18" charset="0"/>
+                      </a:endParaRPr>
+                    </a:p>
+                  </a:txBody>
+                  <a:tcPr marL="68580" marR="68580" marT="0" marB="0"/>
+                </a:tc>
+                <a:tc>
+                  <a:txBody>
+                    <a:bodyPr/>
+                    <a:lstStyle/>
+                    <a:p>
+                      <a:pPr>
+                        <a:lnSpc>
+                          <a:spcPct val="150000"/>
+                        </a:lnSpc>
+                        <a:spcAft>
+                          <a:spcPts val="0"/>
+                        </a:spcAft>
+                      </a:pPr>
+                      <a:r>
+                        <a:rPr lang="en-US" sz="2400">
+                          <a:effectLst/>
+                        </a:rPr>
+                        <a:t>95.4</a:t>
+                      </a:r>
+                      <a:endParaRPr lang="ru-RU" sz="2400">
+                        <a:effectLst/>
+                        <a:latin typeface="Calibri" panose="020F0502020204030204" pitchFamily="34" charset="0"/>
+                        <a:ea typeface="Calibri" panose="020F0502020204030204" pitchFamily="34" charset="0"/>
+                        <a:cs typeface="Times New Roman" panose="02020603050405020304" pitchFamily="18" charset="0"/>
+                      </a:endParaRPr>
+                    </a:p>
+                  </a:txBody>
+                  <a:tcPr marL="68580" marR="68580" marT="0" marB="0"/>
+                </a:tc>
+                <a:tc>
+                  <a:txBody>
+                    <a:bodyPr/>
+                    <a:lstStyle/>
+                    <a:p>
+                      <a:pPr>
+                        <a:lnSpc>
+                          <a:spcPct val="150000"/>
+                        </a:lnSpc>
+                        <a:spcAft>
+                          <a:spcPts val="0"/>
+                        </a:spcAft>
+                      </a:pPr>
+                      <a:r>
+                        <a:rPr lang="en-US" sz="2400">
+                          <a:effectLst/>
+                        </a:rPr>
+                        <a:t>98.34</a:t>
+                      </a:r>
+                      <a:endParaRPr lang="ru-RU" sz="2400">
+                        <a:effectLst/>
+                        <a:latin typeface="Calibri" panose="020F0502020204030204" pitchFamily="34" charset="0"/>
+                        <a:ea typeface="Calibri" panose="020F0502020204030204" pitchFamily="34" charset="0"/>
+                        <a:cs typeface="Times New Roman" panose="02020603050405020304" pitchFamily="18" charset="0"/>
+                      </a:endParaRPr>
+                    </a:p>
+                  </a:txBody>
+                  <a:tcPr marL="68580" marR="68580" marT="0" marB="0"/>
+                </a:tc>
+                <a:tc>
+                  <a:txBody>
+                    <a:bodyPr/>
+                    <a:lstStyle/>
+                    <a:p>
+                      <a:pPr>
+                        <a:lnSpc>
+                          <a:spcPct val="150000"/>
+                        </a:lnSpc>
+                        <a:spcAft>
+                          <a:spcPts val="0"/>
+                        </a:spcAft>
+                      </a:pPr>
+                      <a:r>
+                        <a:rPr lang="en-US" sz="2400" dirty="0">
+                          <a:effectLst/>
+                        </a:rPr>
+                        <a:t>98.01</a:t>
+                      </a:r>
+                      <a:endParaRPr lang="ru-RU" sz="2400" dirty="0">
+                        <a:effectLst/>
+                        <a:latin typeface="Calibri" panose="020F0502020204030204" pitchFamily="34" charset="0"/>
+                        <a:ea typeface="Calibri" panose="020F0502020204030204" pitchFamily="34" charset="0"/>
+                        <a:cs typeface="Times New Roman" panose="02020603050405020304" pitchFamily="18" charset="0"/>
+                      </a:endParaRPr>
+                    </a:p>
+                  </a:txBody>
+                  <a:tcPr marL="68580" marR="68580" marT="0" marB="0"/>
+                </a:tc>
+                <a:tc>
+                  <a:txBody>
+                    <a:bodyPr/>
+                    <a:lstStyle/>
+                    <a:p>
+                      <a:pPr>
+                        <a:lnSpc>
+                          <a:spcPct val="150000"/>
+                        </a:lnSpc>
+                        <a:spcAft>
+                          <a:spcPts val="0"/>
+                        </a:spcAft>
+                      </a:pPr>
+                      <a:r>
+                        <a:rPr lang="en-US" sz="2400" dirty="0">
+                          <a:effectLst/>
+                        </a:rPr>
+                        <a:t>98.17</a:t>
+                      </a:r>
+                      <a:endParaRPr lang="ru-RU" sz="2400" dirty="0">
+                        <a:effectLst/>
+                        <a:latin typeface="Calibri" panose="020F0502020204030204" pitchFamily="34" charset="0"/>
+                        <a:ea typeface="Calibri" panose="020F0502020204030204" pitchFamily="34" charset="0"/>
+                        <a:cs typeface="Times New Roman" panose="02020603050405020304" pitchFamily="18" charset="0"/>
+                      </a:endParaRPr>
+                    </a:p>
+                  </a:txBody>
+                  <a:tcPr marL="68580" marR="68580" marT="0" marB="0"/>
+                </a:tc>
+              </a:tr>
+            </a:tbl>
+          </a:graphicData>
+        </a:graphic>
+      </p:graphicFrame>
+      <p:graphicFrame>
+        <p:nvGraphicFramePr>
+          <p:cNvPr id="7" name="Объект 6"/>
+          <p:cNvGraphicFramePr>
+            <a:graphicFrameLocks noGrp="1"/>
+          </p:cNvGraphicFramePr>
+          <p:nvPr>
+            <p:ph idx="1"/>
+            <p:extLst>
+              <p:ext uri="{D42A27DB-BD31-4B8C-83A1-F6EECF244321}">
+                <p14:modId xmlns:p14="http://schemas.microsoft.com/office/powerpoint/2010/main" val="2472921385"/>
+              </p:ext>
+            </p:extLst>
+          </p:nvPr>
+        </p:nvGraphicFramePr>
+        <p:xfrm>
+          <a:off x="1040475" y="1130100"/>
+          <a:ext cx="10172010" cy="2686495"/>
+        </p:xfrm>
+        <a:graphic>
+          <a:graphicData uri="http://schemas.openxmlformats.org/drawingml/2006/table">
+            <a:tbl>
+              <a:tblPr firstRow="1" firstCol="1" bandRow="1">
+                <a:tableStyleId>{5C22544A-7EE6-4342-B048-85BDC9FD1C3A}</a:tableStyleId>
+              </a:tblPr>
+              <a:tblGrid>
+                <a:gridCol w="2034402"/>
+                <a:gridCol w="2034402"/>
+                <a:gridCol w="2034402"/>
+                <a:gridCol w="2034402"/>
+                <a:gridCol w="2034402"/>
+              </a:tblGrid>
+              <a:tr h="361816">
+                <a:tc>
+                  <a:txBody>
+                    <a:bodyPr/>
+                    <a:lstStyle/>
+                    <a:p>
+                      <a:pPr>
+                        <a:lnSpc>
+                          <a:spcPct val="150000"/>
+                        </a:lnSpc>
+                        <a:spcAft>
+                          <a:spcPts val="0"/>
+                        </a:spcAft>
+                      </a:pPr>
+                      <a:r>
+                        <a:rPr lang="en-US" sz="2400" dirty="0">
+                          <a:effectLst/>
+                        </a:rPr>
+                        <a:t> </a:t>
+                      </a:r>
+                      <a:endParaRPr lang="ru-RU" sz="2400" dirty="0">
+                        <a:effectLst/>
+                        <a:latin typeface="Calibri" panose="020F0502020204030204" pitchFamily="34" charset="0"/>
+                        <a:ea typeface="Calibri" panose="020F0502020204030204" pitchFamily="34" charset="0"/>
+                        <a:cs typeface="Times New Roman" panose="02020603050405020304" pitchFamily="18" charset="0"/>
+                      </a:endParaRPr>
+                    </a:p>
+                  </a:txBody>
+                  <a:tcPr marL="68580" marR="68580" marT="0" marB="0"/>
+                </a:tc>
+                <a:tc>
+                  <a:txBody>
+                    <a:bodyPr/>
+                    <a:lstStyle/>
+                    <a:p>
+                      <a:pPr>
+                        <a:lnSpc>
+                          <a:spcPct val="150000"/>
+                        </a:lnSpc>
+                        <a:spcAft>
+                          <a:spcPts val="0"/>
+                        </a:spcAft>
+                      </a:pPr>
+                      <a:r>
+                        <a:rPr lang="en-US" sz="2400" dirty="0" err="1">
+                          <a:effectLst/>
+                        </a:rPr>
+                        <a:t>Acc</a:t>
+                      </a:r>
+                      <a:endParaRPr lang="ru-RU" sz="2400" dirty="0">
+                        <a:effectLst/>
+                        <a:latin typeface="Calibri" panose="020F0502020204030204" pitchFamily="34" charset="0"/>
+                        <a:ea typeface="Calibri" panose="020F0502020204030204" pitchFamily="34" charset="0"/>
+                        <a:cs typeface="Times New Roman" panose="02020603050405020304" pitchFamily="18" charset="0"/>
+                      </a:endParaRPr>
+                    </a:p>
+                  </a:txBody>
+                  <a:tcPr marL="68580" marR="68580" marT="0" marB="0"/>
+                </a:tc>
+                <a:tc>
+                  <a:txBody>
+                    <a:bodyPr/>
+                    <a:lstStyle/>
+                    <a:p>
+                      <a:pPr>
+                        <a:lnSpc>
+                          <a:spcPct val="150000"/>
+                        </a:lnSpc>
+                        <a:spcAft>
+                          <a:spcPts val="0"/>
+                        </a:spcAft>
+                      </a:pPr>
+                      <a:r>
+                        <a:rPr lang="en-US" sz="2400">
+                          <a:effectLst/>
+                        </a:rPr>
+                        <a:t>Pred</a:t>
+                      </a:r>
+                      <a:endParaRPr lang="ru-RU" sz="2400">
+                        <a:effectLst/>
+                        <a:latin typeface="Calibri" panose="020F0502020204030204" pitchFamily="34" charset="0"/>
+                        <a:ea typeface="Calibri" panose="020F0502020204030204" pitchFamily="34" charset="0"/>
+                        <a:cs typeface="Times New Roman" panose="02020603050405020304" pitchFamily="18" charset="0"/>
+                      </a:endParaRPr>
+                    </a:p>
+                  </a:txBody>
+                  <a:tcPr marL="68580" marR="68580" marT="0" marB="0"/>
+                </a:tc>
+                <a:tc>
+                  <a:txBody>
+                    <a:bodyPr/>
+                    <a:lstStyle/>
+                    <a:p>
+                      <a:pPr>
+                        <a:lnSpc>
+                          <a:spcPct val="150000"/>
+                        </a:lnSpc>
+                        <a:spcAft>
+                          <a:spcPts val="0"/>
+                        </a:spcAft>
+                      </a:pPr>
+                      <a:r>
+                        <a:rPr lang="en-US" sz="2400">
+                          <a:effectLst/>
+                        </a:rPr>
+                        <a:t>Recall</a:t>
+                      </a:r>
+                      <a:endParaRPr lang="ru-RU" sz="2400">
+                        <a:effectLst/>
+                        <a:latin typeface="Calibri" panose="020F0502020204030204" pitchFamily="34" charset="0"/>
+                        <a:ea typeface="Calibri" panose="020F0502020204030204" pitchFamily="34" charset="0"/>
+                        <a:cs typeface="Times New Roman" panose="02020603050405020304" pitchFamily="18" charset="0"/>
+                      </a:endParaRPr>
+                    </a:p>
+                  </a:txBody>
+                  <a:tcPr marL="68580" marR="68580" marT="0" marB="0"/>
+                </a:tc>
+                <a:tc>
+                  <a:txBody>
+                    <a:bodyPr/>
+                    <a:lstStyle/>
+                    <a:p>
+                      <a:pPr>
+                        <a:lnSpc>
+                          <a:spcPct val="150000"/>
+                        </a:lnSpc>
+                        <a:spcAft>
+                          <a:spcPts val="0"/>
+                        </a:spcAft>
+                      </a:pPr>
+                      <a:r>
+                        <a:rPr lang="en-US" sz="2400">
+                          <a:effectLst/>
+                        </a:rPr>
+                        <a:t>FM</a:t>
+                      </a:r>
+                      <a:endParaRPr lang="ru-RU" sz="2400">
+                        <a:effectLst/>
+                        <a:latin typeface="Calibri" panose="020F0502020204030204" pitchFamily="34" charset="0"/>
+                        <a:ea typeface="Calibri" panose="020F0502020204030204" pitchFamily="34" charset="0"/>
+                        <a:cs typeface="Times New Roman" panose="02020603050405020304" pitchFamily="18" charset="0"/>
+                      </a:endParaRPr>
+                    </a:p>
+                  </a:txBody>
+                  <a:tcPr marL="68580" marR="68580" marT="0" marB="0"/>
+                </a:tc>
+              </a:tr>
+              <a:tr h="405942">
+                <a:tc>
+                  <a:txBody>
+                    <a:bodyPr/>
+                    <a:lstStyle/>
+                    <a:p>
+                      <a:pPr>
+                        <a:lnSpc>
+                          <a:spcPct val="150000"/>
+                        </a:lnSpc>
+                        <a:spcAft>
+                          <a:spcPts val="0"/>
+                        </a:spcAft>
+                      </a:pPr>
+                      <a:r>
+                        <a:rPr lang="en-US" sz="2400">
+                          <a:effectLst/>
+                        </a:rPr>
+                        <a:t>LSTM</a:t>
+                      </a:r>
+                      <a:endParaRPr lang="ru-RU" sz="2400">
+                        <a:effectLst/>
+                        <a:latin typeface="Calibri" panose="020F0502020204030204" pitchFamily="34" charset="0"/>
+                        <a:ea typeface="Calibri" panose="020F0502020204030204" pitchFamily="34" charset="0"/>
+                        <a:cs typeface="Times New Roman" panose="02020603050405020304" pitchFamily="18" charset="0"/>
+                      </a:endParaRPr>
+                    </a:p>
+                  </a:txBody>
+                  <a:tcPr marL="68580" marR="68580" marT="0" marB="0"/>
+                </a:tc>
+                <a:tc>
+                  <a:txBody>
+                    <a:bodyPr/>
+                    <a:lstStyle/>
+                    <a:p>
+                      <a:pPr>
+                        <a:lnSpc>
+                          <a:spcPct val="150000"/>
+                        </a:lnSpc>
+                        <a:spcAft>
+                          <a:spcPts val="0"/>
+                        </a:spcAft>
+                      </a:pPr>
+                      <a:r>
+                        <a:rPr lang="en-US" sz="2400" dirty="0">
+                          <a:effectLst/>
+                        </a:rPr>
+                        <a:t>98.89</a:t>
+                      </a:r>
+                      <a:endParaRPr lang="ru-RU" sz="2400" dirty="0">
+                        <a:effectLst/>
+                        <a:latin typeface="Calibri" panose="020F0502020204030204" pitchFamily="34" charset="0"/>
+                        <a:ea typeface="Calibri" panose="020F0502020204030204" pitchFamily="34" charset="0"/>
+                        <a:cs typeface="Times New Roman" panose="02020603050405020304" pitchFamily="18" charset="0"/>
+                      </a:endParaRPr>
+                    </a:p>
+                  </a:txBody>
+                  <a:tcPr marL="68580" marR="68580" marT="0" marB="0"/>
+                </a:tc>
+                <a:tc>
+                  <a:txBody>
+                    <a:bodyPr/>
+                    <a:lstStyle/>
+                    <a:p>
+                      <a:pPr>
+                        <a:lnSpc>
+                          <a:spcPct val="150000"/>
+                        </a:lnSpc>
+                        <a:spcAft>
+                          <a:spcPts val="0"/>
+                        </a:spcAft>
+                      </a:pPr>
+                      <a:r>
+                        <a:rPr lang="en-US" sz="2400">
+                          <a:effectLst/>
+                        </a:rPr>
+                        <a:t>93.5</a:t>
+                      </a:r>
+                      <a:endParaRPr lang="ru-RU" sz="2400">
+                        <a:effectLst/>
+                        <a:latin typeface="Calibri" panose="020F0502020204030204" pitchFamily="34" charset="0"/>
+                        <a:ea typeface="Calibri" panose="020F0502020204030204" pitchFamily="34" charset="0"/>
+                        <a:cs typeface="Times New Roman" panose="02020603050405020304" pitchFamily="18" charset="0"/>
+                      </a:endParaRPr>
+                    </a:p>
+                  </a:txBody>
+                  <a:tcPr marL="68580" marR="68580" marT="0" marB="0"/>
+                </a:tc>
+                <a:tc>
+                  <a:txBody>
+                    <a:bodyPr/>
+                    <a:lstStyle/>
+                    <a:p>
+                      <a:pPr>
+                        <a:lnSpc>
+                          <a:spcPct val="150000"/>
+                        </a:lnSpc>
+                        <a:spcAft>
+                          <a:spcPts val="0"/>
+                        </a:spcAft>
+                      </a:pPr>
+                      <a:r>
+                        <a:rPr lang="en-US" sz="2400">
+                          <a:effectLst/>
+                        </a:rPr>
+                        <a:t>93.6</a:t>
+                      </a:r>
+                      <a:endParaRPr lang="ru-RU" sz="2400">
+                        <a:effectLst/>
+                        <a:latin typeface="Calibri" panose="020F0502020204030204" pitchFamily="34" charset="0"/>
+                        <a:ea typeface="Calibri" panose="020F0502020204030204" pitchFamily="34" charset="0"/>
+                        <a:cs typeface="Times New Roman" panose="02020603050405020304" pitchFamily="18" charset="0"/>
+                      </a:endParaRPr>
+                    </a:p>
+                  </a:txBody>
+                  <a:tcPr marL="68580" marR="68580" marT="0" marB="0"/>
+                </a:tc>
+                <a:tc>
+                  <a:txBody>
+                    <a:bodyPr/>
+                    <a:lstStyle/>
+                    <a:p>
+                      <a:pPr>
+                        <a:lnSpc>
+                          <a:spcPct val="150000"/>
+                        </a:lnSpc>
+                        <a:spcAft>
+                          <a:spcPts val="0"/>
+                        </a:spcAft>
+                      </a:pPr>
+                      <a:r>
+                        <a:rPr lang="en-US" sz="2400">
+                          <a:effectLst/>
+                        </a:rPr>
+                        <a:t>93.57</a:t>
+                      </a:r>
+                      <a:endParaRPr lang="ru-RU" sz="2400">
+                        <a:effectLst/>
+                        <a:latin typeface="Calibri" panose="020F0502020204030204" pitchFamily="34" charset="0"/>
+                        <a:ea typeface="Calibri" panose="020F0502020204030204" pitchFamily="34" charset="0"/>
+                        <a:cs typeface="Times New Roman" panose="02020603050405020304" pitchFamily="18" charset="0"/>
+                      </a:endParaRPr>
+                    </a:p>
+                  </a:txBody>
+                  <a:tcPr marL="68580" marR="68580" marT="0" marB="0"/>
+                </a:tc>
+              </a:tr>
+              <a:tr h="405942">
+                <a:tc>
+                  <a:txBody>
+                    <a:bodyPr/>
+                    <a:lstStyle/>
+                    <a:p>
+                      <a:pPr>
+                        <a:lnSpc>
+                          <a:spcPct val="150000"/>
+                        </a:lnSpc>
+                        <a:spcAft>
+                          <a:spcPts val="0"/>
+                        </a:spcAft>
+                      </a:pPr>
+                      <a:r>
+                        <a:rPr lang="en-US" sz="2400" dirty="0">
+                          <a:effectLst/>
+                        </a:rPr>
+                        <a:t>GROBID</a:t>
+                      </a:r>
+                      <a:endParaRPr lang="ru-RU" sz="2400" dirty="0">
+                        <a:effectLst/>
+                        <a:latin typeface="Calibri" panose="020F0502020204030204" pitchFamily="34" charset="0"/>
+                        <a:ea typeface="Calibri" panose="020F0502020204030204" pitchFamily="34" charset="0"/>
+                        <a:cs typeface="Times New Roman" panose="02020603050405020304" pitchFamily="18" charset="0"/>
+                      </a:endParaRPr>
+                    </a:p>
+                  </a:txBody>
+                  <a:tcPr marL="68580" marR="68580" marT="0" marB="0"/>
+                </a:tc>
+                <a:tc>
+                  <a:txBody>
+                    <a:bodyPr/>
+                    <a:lstStyle/>
+                    <a:p>
+                      <a:pPr>
+                        <a:lnSpc>
+                          <a:spcPct val="150000"/>
+                        </a:lnSpc>
+                        <a:spcAft>
+                          <a:spcPts val="0"/>
+                        </a:spcAft>
+                      </a:pPr>
+                      <a:r>
+                        <a:rPr lang="ru-RU" sz="2400">
+                          <a:effectLst/>
+                        </a:rPr>
+                        <a:t>98.97</a:t>
+                      </a:r>
+                      <a:endParaRPr lang="ru-RU" sz="2400">
+                        <a:effectLst/>
+                        <a:latin typeface="Calibri" panose="020F0502020204030204" pitchFamily="34" charset="0"/>
+                        <a:ea typeface="Calibri" panose="020F0502020204030204" pitchFamily="34" charset="0"/>
+                        <a:cs typeface="Times New Roman" panose="02020603050405020304" pitchFamily="18" charset="0"/>
+                      </a:endParaRPr>
+                    </a:p>
+                  </a:txBody>
+                  <a:tcPr marL="68580" marR="68580" marT="0" marB="0"/>
+                </a:tc>
+                <a:tc>
+                  <a:txBody>
+                    <a:bodyPr/>
+                    <a:lstStyle/>
+                    <a:p>
+                      <a:pPr>
+                        <a:lnSpc>
+                          <a:spcPct val="150000"/>
+                        </a:lnSpc>
+                        <a:spcAft>
+                          <a:spcPts val="0"/>
+                        </a:spcAft>
+                      </a:pPr>
+                      <a:r>
+                        <a:rPr lang="ru-RU" sz="2400">
+                          <a:effectLst/>
+                        </a:rPr>
+                        <a:t>90.72</a:t>
+                      </a:r>
+                      <a:endParaRPr lang="ru-RU" sz="2400">
+                        <a:effectLst/>
+                        <a:latin typeface="Calibri" panose="020F0502020204030204" pitchFamily="34" charset="0"/>
+                        <a:ea typeface="Calibri" panose="020F0502020204030204" pitchFamily="34" charset="0"/>
+                        <a:cs typeface="Times New Roman" panose="02020603050405020304" pitchFamily="18" charset="0"/>
+                      </a:endParaRPr>
+                    </a:p>
+                  </a:txBody>
+                  <a:tcPr marL="68580" marR="68580" marT="0" marB="0"/>
+                </a:tc>
+                <a:tc>
+                  <a:txBody>
+                    <a:bodyPr/>
+                    <a:lstStyle/>
+                    <a:p>
+                      <a:pPr>
+                        <a:lnSpc>
+                          <a:spcPct val="150000"/>
+                        </a:lnSpc>
+                        <a:spcAft>
+                          <a:spcPts val="0"/>
+                        </a:spcAft>
+                      </a:pPr>
+                      <a:r>
+                        <a:rPr lang="ru-RU" sz="2400">
+                          <a:effectLst/>
+                        </a:rPr>
+                        <a:t>90.18</a:t>
+                      </a:r>
+                      <a:endParaRPr lang="ru-RU" sz="2400">
+                        <a:effectLst/>
+                        <a:latin typeface="Calibri" panose="020F0502020204030204" pitchFamily="34" charset="0"/>
+                        <a:ea typeface="Calibri" panose="020F0502020204030204" pitchFamily="34" charset="0"/>
+                        <a:cs typeface="Times New Roman" panose="02020603050405020304" pitchFamily="18" charset="0"/>
+                      </a:endParaRPr>
+                    </a:p>
+                  </a:txBody>
+                  <a:tcPr marL="68580" marR="68580" marT="0" marB="0"/>
+                </a:tc>
+                <a:tc>
+                  <a:txBody>
+                    <a:bodyPr/>
+                    <a:lstStyle/>
+                    <a:p>
+                      <a:pPr>
+                        <a:lnSpc>
+                          <a:spcPct val="150000"/>
+                        </a:lnSpc>
+                        <a:spcAft>
+                          <a:spcPts val="0"/>
+                        </a:spcAft>
+                      </a:pPr>
+                      <a:r>
+                        <a:rPr lang="ru-RU" sz="2400">
+                          <a:effectLst/>
+                        </a:rPr>
+                        <a:t>90.45</a:t>
+                      </a:r>
+                      <a:endParaRPr lang="ru-RU" sz="2400">
+                        <a:effectLst/>
+                        <a:latin typeface="Calibri" panose="020F0502020204030204" pitchFamily="34" charset="0"/>
+                        <a:ea typeface="Calibri" panose="020F0502020204030204" pitchFamily="34" charset="0"/>
+                        <a:cs typeface="Times New Roman" panose="02020603050405020304" pitchFamily="18" charset="0"/>
+                      </a:endParaRPr>
+                    </a:p>
+                  </a:txBody>
+                  <a:tcPr marL="68580" marR="68580" marT="0" marB="0"/>
+                </a:tc>
+              </a:tr>
+              <a:tr h="405942">
+                <a:tc>
+                  <a:txBody>
+                    <a:bodyPr/>
+                    <a:lstStyle/>
+                    <a:p>
+                      <a:pPr>
+                        <a:lnSpc>
+                          <a:spcPct val="150000"/>
+                        </a:lnSpc>
+                        <a:spcAft>
+                          <a:spcPts val="0"/>
+                        </a:spcAft>
+                      </a:pPr>
+                      <a:r>
+                        <a:rPr lang="en-US" sz="2400">
+                          <a:effectLst/>
+                        </a:rPr>
+                        <a:t>CERMINE</a:t>
+                      </a:r>
+                      <a:endParaRPr lang="ru-RU" sz="2400">
+                        <a:effectLst/>
+                        <a:latin typeface="Calibri" panose="020F0502020204030204" pitchFamily="34" charset="0"/>
+                        <a:ea typeface="Calibri" panose="020F0502020204030204" pitchFamily="34" charset="0"/>
+                        <a:cs typeface="Times New Roman" panose="02020603050405020304" pitchFamily="18" charset="0"/>
+                      </a:endParaRPr>
+                    </a:p>
+                  </a:txBody>
+                  <a:tcPr marL="68580" marR="68580" marT="0" marB="0"/>
+                </a:tc>
+                <a:tc>
+                  <a:txBody>
+                    <a:bodyPr/>
+                    <a:lstStyle/>
+                    <a:p>
+                      <a:pPr>
+                        <a:lnSpc>
+                          <a:spcPct val="150000"/>
+                        </a:lnSpc>
+                        <a:spcAft>
+                          <a:spcPts val="0"/>
+                        </a:spcAft>
+                      </a:pPr>
+                      <a:r>
+                        <a:rPr lang="en-US" sz="2400">
+                          <a:effectLst/>
+                        </a:rPr>
+                        <a:t>-</a:t>
+                      </a:r>
+                      <a:endParaRPr lang="ru-RU" sz="2400">
+                        <a:effectLst/>
+                        <a:latin typeface="Calibri" panose="020F0502020204030204" pitchFamily="34" charset="0"/>
+                        <a:ea typeface="Calibri" panose="020F0502020204030204" pitchFamily="34" charset="0"/>
+                        <a:cs typeface="Times New Roman" panose="02020603050405020304" pitchFamily="18" charset="0"/>
+                      </a:endParaRPr>
+                    </a:p>
+                  </a:txBody>
+                  <a:tcPr marL="68580" marR="68580" marT="0" marB="0"/>
+                </a:tc>
+                <a:tc>
+                  <a:txBody>
+                    <a:bodyPr/>
+                    <a:lstStyle/>
+                    <a:p>
+                      <a:pPr>
+                        <a:lnSpc>
+                          <a:spcPct val="150000"/>
+                        </a:lnSpc>
+                        <a:spcAft>
+                          <a:spcPts val="0"/>
+                        </a:spcAft>
+                      </a:pPr>
+                      <a:r>
+                        <a:rPr lang="en-US" sz="2400" dirty="0">
+                          <a:effectLst/>
+                        </a:rPr>
+                        <a:t>92.49</a:t>
+                      </a:r>
+                      <a:endParaRPr lang="ru-RU" sz="2400" dirty="0">
+                        <a:effectLst/>
+                        <a:latin typeface="Calibri" panose="020F0502020204030204" pitchFamily="34" charset="0"/>
+                        <a:ea typeface="Calibri" panose="020F0502020204030204" pitchFamily="34" charset="0"/>
+                        <a:cs typeface="Times New Roman" panose="02020603050405020304" pitchFamily="18" charset="0"/>
+                      </a:endParaRPr>
+                    </a:p>
+                  </a:txBody>
+                  <a:tcPr marL="68580" marR="68580" marT="0" marB="0"/>
+                </a:tc>
+                <a:tc>
+                  <a:txBody>
+                    <a:bodyPr/>
+                    <a:lstStyle/>
+                    <a:p>
+                      <a:pPr>
+                        <a:lnSpc>
+                          <a:spcPct val="150000"/>
+                        </a:lnSpc>
+                        <a:spcAft>
+                          <a:spcPts val="0"/>
+                        </a:spcAft>
+                      </a:pPr>
+                      <a:r>
+                        <a:rPr lang="en-US" sz="2400">
+                          <a:effectLst/>
+                        </a:rPr>
+                        <a:t>93.83</a:t>
+                      </a:r>
+                      <a:endParaRPr lang="ru-RU" sz="2400">
+                        <a:effectLst/>
+                        <a:latin typeface="Calibri" panose="020F0502020204030204" pitchFamily="34" charset="0"/>
+                        <a:ea typeface="Calibri" panose="020F0502020204030204" pitchFamily="34" charset="0"/>
+                        <a:cs typeface="Times New Roman" panose="02020603050405020304" pitchFamily="18" charset="0"/>
+                      </a:endParaRPr>
+                    </a:p>
+                  </a:txBody>
+                  <a:tcPr marL="68580" marR="68580" marT="0" marB="0"/>
+                </a:tc>
+                <a:tc>
+                  <a:txBody>
+                    <a:bodyPr/>
+                    <a:lstStyle/>
+                    <a:p>
+                      <a:pPr>
+                        <a:lnSpc>
+                          <a:spcPct val="150000"/>
+                        </a:lnSpc>
+                        <a:spcAft>
+                          <a:spcPts val="0"/>
+                        </a:spcAft>
+                      </a:pPr>
+                      <a:r>
+                        <a:rPr lang="en-US" sz="2400">
+                          <a:effectLst/>
+                        </a:rPr>
+                        <a:t>93.16</a:t>
+                      </a:r>
+                      <a:endParaRPr lang="ru-RU" sz="2400">
+                        <a:effectLst/>
+                        <a:latin typeface="Calibri" panose="020F0502020204030204" pitchFamily="34" charset="0"/>
+                        <a:ea typeface="Calibri" panose="020F0502020204030204" pitchFamily="34" charset="0"/>
+                        <a:cs typeface="Times New Roman" panose="02020603050405020304" pitchFamily="18" charset="0"/>
+                      </a:endParaRPr>
+                    </a:p>
+                  </a:txBody>
+                  <a:tcPr marL="68580" marR="68580" marT="0" marB="0"/>
+                </a:tc>
+              </a:tr>
+              <a:tr h="405942">
+                <a:tc>
+                  <a:txBody>
+                    <a:bodyPr/>
+                    <a:lstStyle/>
+                    <a:p>
+                      <a:pPr>
+                        <a:lnSpc>
+                          <a:spcPct val="150000"/>
+                        </a:lnSpc>
+                        <a:spcAft>
+                          <a:spcPts val="0"/>
+                        </a:spcAft>
+                      </a:pPr>
+                      <a:r>
+                        <a:rPr lang="en-US" sz="2400">
+                          <a:effectLst/>
+                        </a:rPr>
+                        <a:t>ParsCit</a:t>
+                      </a:r>
+                      <a:endParaRPr lang="ru-RU" sz="2400">
+                        <a:effectLst/>
+                        <a:latin typeface="Calibri" panose="020F0502020204030204" pitchFamily="34" charset="0"/>
+                        <a:ea typeface="Calibri" panose="020F0502020204030204" pitchFamily="34" charset="0"/>
+                        <a:cs typeface="Times New Roman" panose="02020603050405020304" pitchFamily="18" charset="0"/>
+                      </a:endParaRPr>
+                    </a:p>
+                  </a:txBody>
+                  <a:tcPr marL="68580" marR="68580" marT="0" marB="0"/>
+                </a:tc>
+                <a:tc>
+                  <a:txBody>
+                    <a:bodyPr/>
+                    <a:lstStyle/>
+                    <a:p>
+                      <a:pPr>
+                        <a:lnSpc>
+                          <a:spcPct val="150000"/>
+                        </a:lnSpc>
+                        <a:spcAft>
+                          <a:spcPts val="0"/>
+                        </a:spcAft>
+                      </a:pPr>
+                      <a:r>
+                        <a:rPr lang="ru-RU" sz="2400">
+                          <a:effectLst/>
+                        </a:rPr>
+                        <a:t>95.7</a:t>
+                      </a:r>
+                      <a:endParaRPr lang="ru-RU" sz="2400">
+                        <a:effectLst/>
+                        <a:latin typeface="Calibri" panose="020F0502020204030204" pitchFamily="34" charset="0"/>
+                        <a:ea typeface="Calibri" panose="020F0502020204030204" pitchFamily="34" charset="0"/>
+                        <a:cs typeface="Times New Roman" panose="02020603050405020304" pitchFamily="18" charset="0"/>
+                      </a:endParaRPr>
+                    </a:p>
+                  </a:txBody>
+                  <a:tcPr marL="68580" marR="68580" marT="0" marB="0"/>
+                </a:tc>
+                <a:tc>
+                  <a:txBody>
+                    <a:bodyPr/>
+                    <a:lstStyle/>
+                    <a:p>
+                      <a:pPr>
+                        <a:lnSpc>
+                          <a:spcPct val="150000"/>
+                        </a:lnSpc>
+                        <a:spcAft>
+                          <a:spcPts val="0"/>
+                        </a:spcAft>
+                      </a:pPr>
+                      <a:r>
+                        <a:rPr lang="ru-RU" sz="2400">
+                          <a:effectLst/>
+                        </a:rPr>
+                        <a:t>95.7</a:t>
+                      </a:r>
+                      <a:endParaRPr lang="ru-RU" sz="2400">
+                        <a:effectLst/>
+                        <a:latin typeface="Calibri" panose="020F0502020204030204" pitchFamily="34" charset="0"/>
+                        <a:ea typeface="Calibri" panose="020F0502020204030204" pitchFamily="34" charset="0"/>
+                        <a:cs typeface="Times New Roman" panose="02020603050405020304" pitchFamily="18" charset="0"/>
+                      </a:endParaRPr>
+                    </a:p>
+                  </a:txBody>
+                  <a:tcPr marL="68580" marR="68580" marT="0" marB="0"/>
+                </a:tc>
+                <a:tc>
+                  <a:txBody>
+                    <a:bodyPr/>
+                    <a:lstStyle/>
+                    <a:p>
+                      <a:pPr>
+                        <a:lnSpc>
+                          <a:spcPct val="150000"/>
+                        </a:lnSpc>
+                        <a:spcAft>
+                          <a:spcPts val="0"/>
+                        </a:spcAft>
+                      </a:pPr>
+                      <a:r>
+                        <a:rPr lang="ru-RU" sz="2400">
+                          <a:effectLst/>
+                        </a:rPr>
+                        <a:t>95.7</a:t>
+                      </a:r>
+                      <a:endParaRPr lang="ru-RU" sz="2400">
+                        <a:effectLst/>
+                        <a:latin typeface="Calibri" panose="020F0502020204030204" pitchFamily="34" charset="0"/>
+                        <a:ea typeface="Calibri" panose="020F0502020204030204" pitchFamily="34" charset="0"/>
+                        <a:cs typeface="Times New Roman" panose="02020603050405020304" pitchFamily="18" charset="0"/>
+                      </a:endParaRPr>
+                    </a:p>
+                  </a:txBody>
+                  <a:tcPr marL="68580" marR="68580" marT="0" marB="0"/>
+                </a:tc>
+                <a:tc>
+                  <a:txBody>
+                    <a:bodyPr/>
+                    <a:lstStyle/>
+                    <a:p>
+                      <a:pPr>
+                        <a:lnSpc>
+                          <a:spcPct val="150000"/>
+                        </a:lnSpc>
+                        <a:spcAft>
+                          <a:spcPts val="0"/>
+                        </a:spcAft>
+                      </a:pPr>
+                      <a:r>
+                        <a:rPr lang="ru-RU" sz="2400" dirty="0">
+                          <a:effectLst/>
+                        </a:rPr>
+                        <a:t>95.7</a:t>
+                      </a:r>
+                      <a:endParaRPr lang="ru-RU" sz="2400" dirty="0">
+                        <a:effectLst/>
+                        <a:latin typeface="Calibri" panose="020F0502020204030204" pitchFamily="34" charset="0"/>
+                        <a:ea typeface="Calibri" panose="020F0502020204030204" pitchFamily="34" charset="0"/>
+                        <a:cs typeface="Times New Roman" panose="02020603050405020304" pitchFamily="18" charset="0"/>
+                      </a:endParaRPr>
+                    </a:p>
+                  </a:txBody>
+                  <a:tcPr marL="68580" marR="68580" marT="0" marB="0"/>
+                </a:tc>
+              </a:tr>
+            </a:tbl>
+          </a:graphicData>
+        </a:graphic>
+      </p:graphicFrame>
+    </p:spTree>
+    <p:extLst>
+      <p:ext uri="{BB962C8B-B14F-4D97-AF65-F5344CB8AC3E}">
+        <p14:creationId xmlns:p14="http://schemas.microsoft.com/office/powerpoint/2010/main" val="4197040288"/>
+      </p:ext>
+    </p:extLst>
+  </p:cSld>
+  <p:clrMapOvr>
+    <a:masterClrMapping/>
+  </p:clrMapOvr>
+  <p:timing>
+    <p:tnLst>
+      <p:par>
+        <p:cTn id="1" dur="indefinite" restart="never" nodeType="tmRoot"/>
+      </p:par>
+    </p:tnLst>
+  </p:timing>
+</p:sld>
+</file>
+
 <file path=ppt/slides/slide2.xml><?xml version="1.0" encoding="utf-8"?>
 <p:sld xmlns:a="http://schemas.openxmlformats.org/drawingml/2006/main" xmlns:r="http://schemas.openxmlformats.org/officeDocument/2006/relationships" xmlns:p="http://schemas.openxmlformats.org/presentationml/2006/main">
   <p:cSld>
@@ -4489,38 +8149,8 @@
         </p:blipFill>
         <p:spPr>
           <a:xfrm>
-            <a:off x="174082" y="2067035"/>
+            <a:off x="127438" y="2004556"/>
             <a:ext cx="2857500" cy="1600200"/>
-          </a:xfrm>
-          <a:prstGeom prst="rect">
-            <a:avLst/>
-          </a:prstGeom>
-        </p:spPr>
-      </p:pic>
-      <p:pic>
-        <p:nvPicPr>
-          <p:cNvPr id="5" name="Рисунок 4"/>
-          <p:cNvPicPr>
-            <a:picLocks noChangeAspect="1"/>
-          </p:cNvPicPr>
-          <p:nvPr/>
-        </p:nvPicPr>
-        <p:blipFill>
-          <a:blip r:embed="rId4">
-            <a:extLst>
-              <a:ext uri="{28A0092B-C50C-407E-A947-70E740481C1C}">
-                <a14:useLocalDpi xmlns:a14="http://schemas.microsoft.com/office/drawing/2010/main" val="0"/>
-              </a:ext>
-            </a:extLst>
-          </a:blip>
-          <a:stretch>
-            <a:fillRect/>
-          </a:stretch>
-        </p:blipFill>
-        <p:spPr>
-          <a:xfrm>
-            <a:off x="2495800" y="1795573"/>
-            <a:ext cx="2143125" cy="2143125"/>
           </a:xfrm>
           <a:prstGeom prst="rect">
             <a:avLst/>
@@ -4549,8 +8179,8 @@
         </p:blipFill>
         <p:spPr>
           <a:xfrm>
-            <a:off x="6789297" y="1795573"/>
-            <a:ext cx="2143125" cy="2143125"/>
+            <a:off x="4566777" y="1753557"/>
+            <a:ext cx="941539" cy="2143125"/>
           </a:xfrm>
           <a:prstGeom prst="rect">
             <a:avLst/>
@@ -4579,7 +8209,7 @@
         </p:blipFill>
         <p:spPr>
           <a:xfrm>
-            <a:off x="8833936" y="2149839"/>
+            <a:off x="5465625" y="1923659"/>
             <a:ext cx="2762250" cy="1657350"/>
           </a:xfrm>
           <a:prstGeom prst="rect">
@@ -4609,7 +8239,7 @@
         </p:blipFill>
         <p:spPr>
           <a:xfrm>
-            <a:off x="4817519" y="2165960"/>
+            <a:off x="3087750" y="2124709"/>
             <a:ext cx="1693526" cy="1693526"/>
           </a:xfrm>
           <a:prstGeom prst="rect">
@@ -4640,6 +8270,96 @@
           </a:p>
         </p:txBody>
       </p:sp>
+      <p:pic>
+        <p:nvPicPr>
+          <p:cNvPr id="10" name="Рисунок 9"/>
+          <p:cNvPicPr>
+            <a:picLocks noChangeAspect="1"/>
+          </p:cNvPicPr>
+          <p:nvPr/>
+        </p:nvPicPr>
+        <p:blipFill>
+          <a:blip r:embed="rId7">
+            <a:extLst>
+              <a:ext uri="{28A0092B-C50C-407E-A947-70E740481C1C}">
+                <a14:useLocalDpi xmlns:a14="http://schemas.microsoft.com/office/drawing/2010/main" val="0"/>
+              </a:ext>
+            </a:extLst>
+          </a:blip>
+          <a:stretch>
+            <a:fillRect/>
+          </a:stretch>
+        </p:blipFill>
+        <p:spPr>
+          <a:xfrm>
+            <a:off x="9431638" y="2024416"/>
+            <a:ext cx="1428750" cy="1895475"/>
+          </a:xfrm>
+          <a:prstGeom prst="rect">
+            <a:avLst/>
+          </a:prstGeom>
+        </p:spPr>
+      </p:pic>
+      <p:pic>
+        <p:nvPicPr>
+          <p:cNvPr id="11" name="Рисунок 10"/>
+          <p:cNvPicPr>
+            <a:picLocks noChangeAspect="1"/>
+          </p:cNvPicPr>
+          <p:nvPr/>
+        </p:nvPicPr>
+        <p:blipFill>
+          <a:blip r:embed="rId4">
+            <a:extLst>
+              <a:ext uri="{28A0092B-C50C-407E-A947-70E740481C1C}">
+                <a14:useLocalDpi xmlns:a14="http://schemas.microsoft.com/office/drawing/2010/main" val="0"/>
+              </a:ext>
+            </a:extLst>
+          </a:blip>
+          <a:stretch>
+            <a:fillRect/>
+          </a:stretch>
+        </p:blipFill>
+        <p:spPr>
+          <a:xfrm>
+            <a:off x="8227875" y="1744672"/>
+            <a:ext cx="941539" cy="2143125"/>
+          </a:xfrm>
+          <a:prstGeom prst="rect">
+            <a:avLst/>
+          </a:prstGeom>
+        </p:spPr>
+      </p:pic>
+      <p:pic>
+        <p:nvPicPr>
+          <p:cNvPr id="12" name="Рисунок 11"/>
+          <p:cNvPicPr>
+            <a:picLocks noChangeAspect="1"/>
+          </p:cNvPicPr>
+          <p:nvPr/>
+        </p:nvPicPr>
+        <p:blipFill>
+          <a:blip r:embed="rId4">
+            <a:extLst>
+              <a:ext uri="{28A0092B-C50C-407E-A947-70E740481C1C}">
+                <a14:useLocalDpi xmlns:a14="http://schemas.microsoft.com/office/drawing/2010/main" val="0"/>
+              </a:ext>
+            </a:extLst>
+          </a:blip>
+          <a:stretch>
+            <a:fillRect/>
+          </a:stretch>
+        </p:blipFill>
+        <p:spPr>
+          <a:xfrm>
+            <a:off x="2231719" y="1776766"/>
+            <a:ext cx="941539" cy="2143125"/>
+          </a:xfrm>
+          <a:prstGeom prst="rect">
+            <a:avLst/>
+          </a:prstGeom>
+        </p:spPr>
+      </p:pic>
     </p:spTree>
     <p:extLst>
       <p:ext uri="{BB962C8B-B14F-4D97-AF65-F5344CB8AC3E}">
@@ -4733,6 +8453,12 @@
             </a:r>
           </a:p>
           <a:p>
+            <a:pPr marL="0" indent="0">
+              <a:buNone/>
+            </a:pPr>
+            <a:endParaRPr lang="ru-RU" sz="3600" dirty="0" smtClean="0"/>
+          </a:p>
+          <a:p>
             <a:pPr>
               <a:buFont typeface="Arial" panose="020B0604020202020204" pitchFamily="34" charset="0"/>
               <a:buChar char="•"/>
@@ -4747,17 +8473,6 @@
               <a:buFont typeface="Arial" panose="020B0604020202020204" pitchFamily="34" charset="0"/>
               <a:buChar char="•"/>
             </a:pPr>
-            <a:r>
-              <a:rPr lang="ru-RU" sz="3600" dirty="0" smtClean="0"/>
-              <a:t> Необходим специальный </a:t>
-            </a:r>
-            <a:r>
-              <a:rPr lang="ru-RU" sz="3600" smtClean="0"/>
-              <a:t>формат метаданных</a:t>
-            </a:r>
-            <a:endParaRPr lang="ru-RU" sz="3600" dirty="0" smtClean="0"/>
-          </a:p>
-          <a:p>
             <a:endParaRPr lang="ru-RU" dirty="0" smtClean="0"/>
           </a:p>
           <a:p>
@@ -4867,43 +8582,32 @@
           <a:p>
             <a:pPr lvl="0"/>
             <a:r>
-              <a:rPr lang="ru-RU" sz="2800" dirty="0"/>
-              <a:t>Исследовать существующие методы извлечения информации из текстов; </a:t>
-            </a:r>
-          </a:p>
-          <a:p>
-            <a:pPr lvl="0"/>
-            <a:r>
-              <a:rPr lang="ru-RU" sz="2800" dirty="0"/>
-              <a:t>Разработать методы </a:t>
-            </a:r>
-            <a:r>
-              <a:rPr lang="ru-RU" sz="2800" dirty="0" smtClean="0"/>
-              <a:t>извлечения метаинформации </a:t>
-            </a:r>
-            <a:r>
-              <a:rPr lang="ru-RU" sz="2800" dirty="0"/>
-              <a:t>из текстов; </a:t>
-            </a:r>
-            <a:endParaRPr lang="ru-RU" sz="2800" dirty="0" smtClean="0"/>
-          </a:p>
-          <a:p>
-            <a:pPr lvl="0"/>
-            <a:r>
-              <a:rPr lang="ru-RU" sz="2800" dirty="0" smtClean="0"/>
+              <a:rPr lang="ru-RU" sz="3600" dirty="0" smtClean="0"/>
               <a:t>Реализовать приложение </a:t>
             </a:r>
             <a:r>
-              <a:rPr lang="ru-RU" sz="2800" dirty="0"/>
+              <a:rPr lang="ru-RU" sz="3600" dirty="0"/>
               <a:t>для системы </a:t>
             </a:r>
             <a:r>
-              <a:rPr lang="en-US" sz="2800" dirty="0" err="1"/>
+              <a:rPr lang="en-US" sz="3600" dirty="0" err="1"/>
               <a:t>GeoNetwork</a:t>
             </a:r>
             <a:r>
-              <a:rPr lang="ru-RU" sz="2800" dirty="0"/>
-              <a:t>, в которое будет загружаться текстовый документ и извлекать метаданные из него. Также должна быть возможность отредактировать и дополнить эти данные, а затем опубликовать их. </a:t>
+              <a:rPr lang="ru-RU" sz="3600" dirty="0"/>
+              <a:t>, в которое будет </a:t>
+            </a:r>
+            <a:r>
+              <a:rPr lang="en-US" sz="3600" dirty="0" smtClean="0"/>
+              <a:t>PDF </a:t>
+            </a:r>
+            <a:r>
+              <a:rPr lang="ru-RU" sz="3600" dirty="0" smtClean="0"/>
+              <a:t>файл </a:t>
+            </a:r>
+            <a:r>
+              <a:rPr lang="ru-RU" sz="3600" dirty="0"/>
+              <a:t>и извлекать метаданные из него. Также должна быть возможность отредактировать и дополнить эти данные, а затем опубликовать их. </a:t>
             </a:r>
           </a:p>
           <a:p>
@@ -5051,7 +8755,7 @@
               <a:rPr lang="en-US" sz="4400" dirty="0" smtClean="0"/>
               <a:t>GROBID</a:t>
             </a:r>
-            <a:endParaRPr lang="ru-RU" sz="4400" dirty="0" smtClean="0"/>
+            <a:endParaRPr lang="ru-RU" sz="4400" dirty="0"/>
           </a:p>
           <a:p>
             <a:pPr>
@@ -5063,18 +8767,10 @@
               <a:t> </a:t>
             </a:r>
             <a:r>
-              <a:rPr lang="en-US" sz="4400" dirty="0" smtClean="0"/>
-              <a:t>PDF</a:t>
-            </a:r>
-            <a:r>
-              <a:rPr lang="ru-RU" sz="4400" dirty="0"/>
-              <a:t>-</a:t>
-            </a:r>
-            <a:r>
-              <a:rPr lang="en-US" sz="4400" dirty="0" smtClean="0"/>
-              <a:t>Tools</a:t>
-            </a:r>
-            <a:endParaRPr lang="ru-RU" sz="4400" dirty="0"/>
+              <a:rPr lang="en-US" sz="4400" dirty="0" err="1" smtClean="0"/>
+              <a:t>ParsCit</a:t>
+            </a:r>
+            <a:endParaRPr lang="en-US" sz="4400" dirty="0"/>
           </a:p>
           <a:p>
             <a:pPr>
@@ -5210,7 +8906,7 @@
       </p:sp>
       <p:pic>
         <p:nvPicPr>
-          <p:cNvPr id="5" name="Объект 4"/>
+          <p:cNvPr id="7" name="Объект 6"/>
           <p:cNvPicPr>
             <a:picLocks noGrp="1" noChangeAspect="1"/>
           </p:cNvPicPr>
@@ -5232,39 +8928,9 @@
         </p:blipFill>
         <p:spPr>
           <a:xfrm>
-            <a:off x="7019109" y="195169"/>
-            <a:ext cx="2400728" cy="5894781"/>
+            <a:off x="2251883" y="1893244"/>
+            <a:ext cx="7648575" cy="3867150"/>
           </a:xfrm>
-        </p:spPr>
-      </p:pic>
-      <p:pic>
-        <p:nvPicPr>
-          <p:cNvPr id="6" name="Рисунок 5"/>
-          <p:cNvPicPr>
-            <a:picLocks noChangeAspect="1"/>
-          </p:cNvPicPr>
-          <p:nvPr/>
-        </p:nvPicPr>
-        <p:blipFill>
-          <a:blip r:embed="rId3">
-            <a:extLst>
-              <a:ext uri="{28A0092B-C50C-407E-A947-70E740481C1C}">
-                <a14:useLocalDpi xmlns:a14="http://schemas.microsoft.com/office/drawing/2010/main" val="0"/>
-              </a:ext>
-            </a:extLst>
-          </a:blip>
-          <a:stretch>
-            <a:fillRect/>
-          </a:stretch>
-        </p:blipFill>
-        <p:spPr>
-          <a:xfrm>
-            <a:off x="304800" y="1874231"/>
-            <a:ext cx="4419600" cy="4441921"/>
-          </a:xfrm>
-          <a:prstGeom prst="rect">
-            <a:avLst/>
-          </a:prstGeom>
         </p:spPr>
       </p:pic>
     </p:spTree>
@@ -5321,13 +8987,125 @@
           <a:p>
             <a:r>
               <a:rPr lang="ru-RU" dirty="0" smtClean="0"/>
-              <a:t>Результаты извлечения </a:t>
-            </a:r>
-            <a:r>
-              <a:rPr lang="en-US" dirty="0" smtClean="0"/>
-              <a:t>NER</a:t>
+              <a:t>Модель</a:t>
             </a:r>
             <a:endParaRPr lang="ru-RU" dirty="0"/>
+          </a:p>
+        </p:txBody>
+      </p:sp>
+      <p:sp>
+        <p:nvSpPr>
+          <p:cNvPr id="3" name="Объект 2"/>
+          <p:cNvSpPr>
+            <a:spLocks noGrp="1"/>
+          </p:cNvSpPr>
+          <p:nvPr>
+            <p:ph idx="1"/>
+          </p:nvPr>
+        </p:nvSpPr>
+        <p:spPr/>
+        <p:txBody>
+          <a:bodyPr>
+            <a:normAutofit/>
+          </a:bodyPr>
+          <a:lstStyle/>
+          <a:p>
+            <a:r>
+              <a:rPr lang="en-US" sz="3200" dirty="0" smtClean="0"/>
+              <a:t>Inna</a:t>
+            </a:r>
+            <a:r>
+              <a:rPr lang="ru-RU" sz="3200" dirty="0" smtClean="0"/>
+              <a:t>  </a:t>
+            </a:r>
+            <a:r>
+              <a:rPr lang="en-US" sz="3200" dirty="0" smtClean="0"/>
+              <a:t>V.</a:t>
+            </a:r>
+            <a:r>
+              <a:rPr lang="ru-RU" sz="3200" dirty="0" smtClean="0"/>
+              <a:t>        </a:t>
+            </a:r>
+            <a:r>
+              <a:rPr lang="en-US" sz="3200" dirty="0" err="1" smtClean="0"/>
+              <a:t>Stonik</a:t>
+            </a:r>
+            <a:r>
+              <a:rPr lang="ru-RU" sz="3200" dirty="0" smtClean="0"/>
+              <a:t> </a:t>
+            </a:r>
+            <a:r>
+              <a:rPr lang="en-US" sz="3200" dirty="0" smtClean="0"/>
+              <a:t>lives</a:t>
+            </a:r>
+            <a:r>
+              <a:rPr lang="ru-RU" sz="3200" dirty="0" smtClean="0"/>
+              <a:t> </a:t>
+            </a:r>
+            <a:r>
+              <a:rPr lang="en-US" sz="3200" dirty="0" smtClean="0"/>
+              <a:t>in</a:t>
+            </a:r>
+            <a:r>
+              <a:rPr lang="ru-RU" sz="3200" dirty="0" smtClean="0"/>
+              <a:t> </a:t>
+            </a:r>
+            <a:r>
+              <a:rPr lang="en-US" sz="3200" dirty="0" smtClean="0"/>
+              <a:t>Vladivostok</a:t>
+            </a:r>
+            <a:endParaRPr lang="ru-RU" sz="3200" dirty="0" smtClean="0"/>
+          </a:p>
+          <a:p>
+            <a:r>
+              <a:rPr lang="en-US" sz="3200" dirty="0"/>
+              <a:t>B</a:t>
+            </a:r>
+            <a:r>
+              <a:rPr lang="en-US" sz="3200" dirty="0" smtClean="0"/>
+              <a:t>-PER</a:t>
+            </a:r>
+            <a:r>
+              <a:rPr lang="ru-RU" sz="3200" dirty="0" smtClean="0"/>
+              <a:t> </a:t>
+            </a:r>
+            <a:r>
+              <a:rPr lang="en-US" sz="3200" dirty="0" smtClean="0"/>
+              <a:t>I-PER</a:t>
+            </a:r>
+            <a:r>
+              <a:rPr lang="ru-RU" sz="3200" dirty="0" smtClean="0"/>
+              <a:t> </a:t>
+            </a:r>
+            <a:r>
+              <a:rPr lang="en-US" sz="3200" dirty="0" smtClean="0"/>
+              <a:t>I-PER</a:t>
+            </a:r>
+            <a:r>
+              <a:rPr lang="ru-RU" sz="3200" dirty="0" smtClean="0"/>
+              <a:t>   </a:t>
+            </a:r>
+            <a:r>
+              <a:rPr lang="en-US" sz="3200" dirty="0" smtClean="0"/>
+              <a:t>O </a:t>
+            </a:r>
+            <a:r>
+              <a:rPr lang="ru-RU" sz="3200" dirty="0" smtClean="0"/>
+              <a:t>     </a:t>
+            </a:r>
+            <a:r>
+              <a:rPr lang="en-US" sz="3200" dirty="0" smtClean="0"/>
+              <a:t>O </a:t>
+            </a:r>
+            <a:r>
+              <a:rPr lang="ru-RU" sz="3200" dirty="0" smtClean="0"/>
+              <a:t> </a:t>
+            </a:r>
+            <a:r>
+              <a:rPr lang="en-US" sz="3200" dirty="0" smtClean="0"/>
+              <a:t>B-LOC</a:t>
+            </a:r>
+            <a:endParaRPr lang="ru-RU" sz="3200" dirty="0"/>
           </a:p>
         </p:txBody>
       </p:sp>
@@ -5354,1282 +9132,458 @@
           </a:p>
         </p:txBody>
       </p:sp>
-      <p:graphicFrame>
-        <p:nvGraphicFramePr>
-          <p:cNvPr id="3" name="Таблица 2"/>
-          <p:cNvGraphicFramePr>
-            <a:graphicFrameLocks noGrp="1"/>
-          </p:cNvGraphicFramePr>
-          <p:nvPr>
-            <p:extLst>
-              <p:ext uri="{D42A27DB-BD31-4B8C-83A1-F6EECF244321}">
-                <p14:modId xmlns:p14="http://schemas.microsoft.com/office/powerpoint/2010/main" val="3087559434"/>
-              </p:ext>
-            </p:extLst>
-          </p:nvPr>
-        </p:nvGraphicFramePr>
-        <p:xfrm>
-          <a:off x="1097280" y="3407769"/>
-          <a:ext cx="10058400" cy="2803180"/>
-        </p:xfrm>
-        <a:graphic>
-          <a:graphicData uri="http://schemas.openxmlformats.org/drawingml/2006/table">
-            <a:tbl>
-              <a:tblPr firstRow="1" firstCol="1" bandRow="1">
-                <a:tableStyleId>{5C22544A-7EE6-4342-B048-85BDC9FD1C3A}</a:tableStyleId>
-              </a:tblPr>
-              <a:tblGrid>
-                <a:gridCol w="2011680"/>
-                <a:gridCol w="2011680"/>
-                <a:gridCol w="2011680"/>
-                <a:gridCol w="2011680"/>
-                <a:gridCol w="2011680"/>
-              </a:tblGrid>
-              <a:tr h="560636">
-                <a:tc>
-                  <a:txBody>
-                    <a:bodyPr/>
-                    <a:lstStyle/>
-                    <a:p>
-                      <a:pPr>
-                        <a:lnSpc>
-                          <a:spcPct val="150000"/>
-                        </a:lnSpc>
-                        <a:spcAft>
-                          <a:spcPts val="0"/>
-                        </a:spcAft>
-                      </a:pPr>
-                      <a:r>
-                        <a:rPr lang="ru-RU" sz="2000" dirty="0">
-                          <a:effectLst/>
-                        </a:rPr>
-                        <a:t> </a:t>
-                      </a:r>
-                      <a:endParaRPr lang="ru-RU" sz="2000" dirty="0">
-                        <a:effectLst/>
-                        <a:latin typeface="Calibri" panose="020F0502020204030204" pitchFamily="34" charset="0"/>
-                        <a:ea typeface="Calibri" panose="020F0502020204030204" pitchFamily="34" charset="0"/>
-                        <a:cs typeface="Times New Roman" panose="02020603050405020304" pitchFamily="18" charset="0"/>
-                      </a:endParaRPr>
-                    </a:p>
-                  </a:txBody>
-                  <a:tcPr marL="68580" marR="68580" marT="0" marB="0"/>
-                </a:tc>
-                <a:tc>
-                  <a:txBody>
-                    <a:bodyPr/>
-                    <a:lstStyle/>
-                    <a:p>
-                      <a:pPr>
-                        <a:lnSpc>
-                          <a:spcPct val="150000"/>
-                        </a:lnSpc>
-                        <a:spcAft>
-                          <a:spcPts val="0"/>
-                        </a:spcAft>
-                      </a:pPr>
-                      <a:r>
-                        <a:rPr lang="en-US" sz="2000" dirty="0" err="1">
-                          <a:effectLst/>
-                        </a:rPr>
-                        <a:t>Acc</a:t>
-                      </a:r>
-                      <a:endParaRPr lang="ru-RU" sz="2000" dirty="0">
-                        <a:effectLst/>
-                        <a:latin typeface="Calibri" panose="020F0502020204030204" pitchFamily="34" charset="0"/>
-                        <a:ea typeface="Calibri" panose="020F0502020204030204" pitchFamily="34" charset="0"/>
-                        <a:cs typeface="Times New Roman" panose="02020603050405020304" pitchFamily="18" charset="0"/>
-                      </a:endParaRPr>
-                    </a:p>
-                  </a:txBody>
-                  <a:tcPr marL="68580" marR="68580" marT="0" marB="0"/>
-                </a:tc>
-                <a:tc>
-                  <a:txBody>
-                    <a:bodyPr/>
-                    <a:lstStyle/>
-                    <a:p>
-                      <a:pPr>
-                        <a:lnSpc>
-                          <a:spcPct val="150000"/>
-                        </a:lnSpc>
-                        <a:spcAft>
-                          <a:spcPts val="0"/>
-                        </a:spcAft>
-                      </a:pPr>
-                      <a:r>
-                        <a:rPr lang="en-US" sz="2000" dirty="0" err="1">
-                          <a:effectLst/>
-                        </a:rPr>
-                        <a:t>Pred</a:t>
-                      </a:r>
-                      <a:endParaRPr lang="ru-RU" sz="2000" dirty="0">
-                        <a:effectLst/>
-                        <a:latin typeface="Calibri" panose="020F0502020204030204" pitchFamily="34" charset="0"/>
-                        <a:ea typeface="Calibri" panose="020F0502020204030204" pitchFamily="34" charset="0"/>
-                        <a:cs typeface="Times New Roman" panose="02020603050405020304" pitchFamily="18" charset="0"/>
-                      </a:endParaRPr>
-                    </a:p>
-                  </a:txBody>
-                  <a:tcPr marL="68580" marR="68580" marT="0" marB="0"/>
-                </a:tc>
-                <a:tc>
-                  <a:txBody>
-                    <a:bodyPr/>
-                    <a:lstStyle/>
-                    <a:p>
-                      <a:pPr>
-                        <a:lnSpc>
-                          <a:spcPct val="150000"/>
-                        </a:lnSpc>
-                        <a:spcAft>
-                          <a:spcPts val="0"/>
-                        </a:spcAft>
-                      </a:pPr>
-                      <a:r>
-                        <a:rPr lang="en-US" sz="2000">
-                          <a:effectLst/>
-                        </a:rPr>
-                        <a:t>Recall</a:t>
-                      </a:r>
-                      <a:endParaRPr lang="ru-RU" sz="2000">
-                        <a:effectLst/>
-                        <a:latin typeface="Calibri" panose="020F0502020204030204" pitchFamily="34" charset="0"/>
-                        <a:ea typeface="Calibri" panose="020F0502020204030204" pitchFamily="34" charset="0"/>
-                        <a:cs typeface="Times New Roman" panose="02020603050405020304" pitchFamily="18" charset="0"/>
-                      </a:endParaRPr>
-                    </a:p>
-                  </a:txBody>
-                  <a:tcPr marL="68580" marR="68580" marT="0" marB="0"/>
-                </a:tc>
-                <a:tc>
-                  <a:txBody>
-                    <a:bodyPr/>
-                    <a:lstStyle/>
-                    <a:p>
-                      <a:pPr>
-                        <a:lnSpc>
-                          <a:spcPct val="150000"/>
-                        </a:lnSpc>
-                        <a:spcAft>
-                          <a:spcPts val="0"/>
-                        </a:spcAft>
-                      </a:pPr>
-                      <a:r>
-                        <a:rPr lang="en-US" sz="2000">
-                          <a:effectLst/>
-                        </a:rPr>
-                        <a:t>FM</a:t>
-                      </a:r>
-                      <a:endParaRPr lang="ru-RU" sz="2000">
-                        <a:effectLst/>
-                        <a:latin typeface="Calibri" panose="020F0502020204030204" pitchFamily="34" charset="0"/>
-                        <a:ea typeface="Calibri" panose="020F0502020204030204" pitchFamily="34" charset="0"/>
-                        <a:cs typeface="Times New Roman" panose="02020603050405020304" pitchFamily="18" charset="0"/>
-                      </a:endParaRPr>
-                    </a:p>
-                  </a:txBody>
-                  <a:tcPr marL="68580" marR="68580" marT="0" marB="0"/>
-                </a:tc>
-              </a:tr>
-              <a:tr h="560636">
-                <a:tc>
-                  <a:txBody>
-                    <a:bodyPr/>
-                    <a:lstStyle/>
-                    <a:p>
-                      <a:pPr>
-                        <a:lnSpc>
-                          <a:spcPct val="150000"/>
-                        </a:lnSpc>
-                        <a:spcAft>
-                          <a:spcPts val="0"/>
-                        </a:spcAft>
-                      </a:pPr>
-                      <a:r>
-                        <a:rPr lang="en-US" sz="2000">
-                          <a:effectLst/>
-                        </a:rPr>
-                        <a:t>PER</a:t>
-                      </a:r>
-                      <a:endParaRPr lang="ru-RU" sz="2000">
-                        <a:effectLst/>
-                        <a:latin typeface="Calibri" panose="020F0502020204030204" pitchFamily="34" charset="0"/>
-                        <a:ea typeface="Calibri" panose="020F0502020204030204" pitchFamily="34" charset="0"/>
-                        <a:cs typeface="Times New Roman" panose="02020603050405020304" pitchFamily="18" charset="0"/>
-                      </a:endParaRPr>
-                    </a:p>
-                  </a:txBody>
-                  <a:tcPr marL="68580" marR="68580" marT="0" marB="0"/>
-                </a:tc>
-                <a:tc>
-                  <a:txBody>
-                    <a:bodyPr/>
-                    <a:lstStyle/>
-                    <a:p>
-                      <a:pPr>
-                        <a:lnSpc>
-                          <a:spcPct val="150000"/>
-                        </a:lnSpc>
-                        <a:spcAft>
-                          <a:spcPts val="0"/>
-                        </a:spcAft>
-                      </a:pPr>
-                      <a:r>
-                        <a:rPr lang="ru-RU" sz="2000" dirty="0">
-                          <a:effectLst/>
-                        </a:rPr>
-                        <a:t>99.2</a:t>
-                      </a:r>
-                      <a:endParaRPr lang="ru-RU" sz="2000" dirty="0">
-                        <a:effectLst/>
-                        <a:latin typeface="Calibri" panose="020F0502020204030204" pitchFamily="34" charset="0"/>
-                        <a:ea typeface="Calibri" panose="020F0502020204030204" pitchFamily="34" charset="0"/>
-                        <a:cs typeface="Times New Roman" panose="02020603050405020304" pitchFamily="18" charset="0"/>
-                      </a:endParaRPr>
-                    </a:p>
-                  </a:txBody>
-                  <a:tcPr marL="68580" marR="68580" marT="0" marB="0"/>
-                </a:tc>
-                <a:tc>
-                  <a:txBody>
-                    <a:bodyPr/>
-                    <a:lstStyle/>
-                    <a:p>
-                      <a:pPr>
-                        <a:lnSpc>
-                          <a:spcPct val="150000"/>
-                        </a:lnSpc>
-                        <a:spcAft>
-                          <a:spcPts val="0"/>
-                        </a:spcAft>
-                      </a:pPr>
-                      <a:r>
-                        <a:rPr lang="ru-RU" sz="2000" dirty="0">
-                          <a:effectLst/>
-                        </a:rPr>
-                        <a:t>94.8</a:t>
-                      </a:r>
-                      <a:endParaRPr lang="ru-RU" sz="2000" dirty="0">
-                        <a:effectLst/>
-                        <a:latin typeface="Calibri" panose="020F0502020204030204" pitchFamily="34" charset="0"/>
-                        <a:ea typeface="Calibri" panose="020F0502020204030204" pitchFamily="34" charset="0"/>
-                        <a:cs typeface="Times New Roman" panose="02020603050405020304" pitchFamily="18" charset="0"/>
-                      </a:endParaRPr>
-                    </a:p>
-                  </a:txBody>
-                  <a:tcPr marL="68580" marR="68580" marT="0" marB="0"/>
-                </a:tc>
-                <a:tc>
-                  <a:txBody>
-                    <a:bodyPr/>
-                    <a:lstStyle/>
-                    <a:p>
-                      <a:pPr>
-                        <a:lnSpc>
-                          <a:spcPct val="150000"/>
-                        </a:lnSpc>
-                        <a:spcAft>
-                          <a:spcPts val="0"/>
-                        </a:spcAft>
-                      </a:pPr>
-                      <a:r>
-                        <a:rPr lang="ru-RU" sz="2000">
-                          <a:effectLst/>
-                        </a:rPr>
-                        <a:t>93.5</a:t>
-                      </a:r>
-                      <a:endParaRPr lang="ru-RU" sz="2000">
-                        <a:effectLst/>
-                        <a:latin typeface="Calibri" panose="020F0502020204030204" pitchFamily="34" charset="0"/>
-                        <a:ea typeface="Calibri" panose="020F0502020204030204" pitchFamily="34" charset="0"/>
-                        <a:cs typeface="Times New Roman" panose="02020603050405020304" pitchFamily="18" charset="0"/>
-                      </a:endParaRPr>
-                    </a:p>
-                  </a:txBody>
-                  <a:tcPr marL="68580" marR="68580" marT="0" marB="0"/>
-                </a:tc>
-                <a:tc>
-                  <a:txBody>
-                    <a:bodyPr/>
-                    <a:lstStyle/>
-                    <a:p>
-                      <a:pPr>
-                        <a:lnSpc>
-                          <a:spcPct val="150000"/>
-                        </a:lnSpc>
-                        <a:spcAft>
-                          <a:spcPts val="0"/>
-                        </a:spcAft>
-                      </a:pPr>
-                      <a:r>
-                        <a:rPr lang="ru-RU" sz="2000">
-                          <a:effectLst/>
-                        </a:rPr>
-                        <a:t>94.15</a:t>
-                      </a:r>
-                      <a:endParaRPr lang="ru-RU" sz="2000">
-                        <a:effectLst/>
-                        <a:latin typeface="Calibri" panose="020F0502020204030204" pitchFamily="34" charset="0"/>
-                        <a:ea typeface="Calibri" panose="020F0502020204030204" pitchFamily="34" charset="0"/>
-                        <a:cs typeface="Times New Roman" panose="02020603050405020304" pitchFamily="18" charset="0"/>
-                      </a:endParaRPr>
-                    </a:p>
-                  </a:txBody>
-                  <a:tcPr marL="68580" marR="68580" marT="0" marB="0"/>
-                </a:tc>
-              </a:tr>
-              <a:tr h="560636">
-                <a:tc>
-                  <a:txBody>
-                    <a:bodyPr/>
-                    <a:lstStyle/>
-                    <a:p>
-                      <a:pPr>
-                        <a:lnSpc>
-                          <a:spcPct val="150000"/>
-                        </a:lnSpc>
-                        <a:spcAft>
-                          <a:spcPts val="0"/>
-                        </a:spcAft>
-                      </a:pPr>
-                      <a:r>
-                        <a:rPr lang="en-US" sz="2000">
-                          <a:effectLst/>
-                        </a:rPr>
-                        <a:t>LOC</a:t>
-                      </a:r>
-                      <a:endParaRPr lang="ru-RU" sz="2000">
-                        <a:effectLst/>
-                        <a:latin typeface="Calibri" panose="020F0502020204030204" pitchFamily="34" charset="0"/>
-                        <a:ea typeface="Calibri" panose="020F0502020204030204" pitchFamily="34" charset="0"/>
-                        <a:cs typeface="Times New Roman" panose="02020603050405020304" pitchFamily="18" charset="0"/>
-                      </a:endParaRPr>
-                    </a:p>
-                  </a:txBody>
-                  <a:tcPr marL="68580" marR="68580" marT="0" marB="0"/>
-                </a:tc>
-                <a:tc>
-                  <a:txBody>
-                    <a:bodyPr/>
-                    <a:lstStyle/>
-                    <a:p>
-                      <a:pPr>
-                        <a:lnSpc>
-                          <a:spcPct val="150000"/>
-                        </a:lnSpc>
-                        <a:spcAft>
-                          <a:spcPts val="0"/>
-                        </a:spcAft>
-                      </a:pPr>
-                      <a:r>
-                        <a:rPr lang="ru-RU" sz="2000">
-                          <a:effectLst/>
-                        </a:rPr>
-                        <a:t>98.4</a:t>
-                      </a:r>
-                      <a:endParaRPr lang="ru-RU" sz="2000">
-                        <a:effectLst/>
-                        <a:latin typeface="Calibri" panose="020F0502020204030204" pitchFamily="34" charset="0"/>
-                        <a:ea typeface="Calibri" panose="020F0502020204030204" pitchFamily="34" charset="0"/>
-                        <a:cs typeface="Times New Roman" panose="02020603050405020304" pitchFamily="18" charset="0"/>
-                      </a:endParaRPr>
-                    </a:p>
-                  </a:txBody>
-                  <a:tcPr marL="68580" marR="68580" marT="0" marB="0"/>
-                </a:tc>
-                <a:tc>
-                  <a:txBody>
-                    <a:bodyPr/>
-                    <a:lstStyle/>
-                    <a:p>
-                      <a:pPr>
-                        <a:lnSpc>
-                          <a:spcPct val="150000"/>
-                        </a:lnSpc>
-                        <a:spcAft>
-                          <a:spcPts val="0"/>
-                        </a:spcAft>
-                      </a:pPr>
-                      <a:r>
-                        <a:rPr lang="ru-RU" sz="2000" dirty="0">
-                          <a:effectLst/>
-                        </a:rPr>
-                        <a:t>93.5</a:t>
-                      </a:r>
-                      <a:endParaRPr lang="ru-RU" sz="2000" dirty="0">
-                        <a:effectLst/>
-                        <a:latin typeface="Calibri" panose="020F0502020204030204" pitchFamily="34" charset="0"/>
-                        <a:ea typeface="Calibri" panose="020F0502020204030204" pitchFamily="34" charset="0"/>
-                        <a:cs typeface="Times New Roman" panose="02020603050405020304" pitchFamily="18" charset="0"/>
-                      </a:endParaRPr>
-                    </a:p>
-                  </a:txBody>
-                  <a:tcPr marL="68580" marR="68580" marT="0" marB="0"/>
-                </a:tc>
-                <a:tc>
-                  <a:txBody>
-                    <a:bodyPr/>
-                    <a:lstStyle/>
-                    <a:p>
-                      <a:pPr>
-                        <a:lnSpc>
-                          <a:spcPct val="150000"/>
-                        </a:lnSpc>
-                        <a:spcAft>
-                          <a:spcPts val="0"/>
-                        </a:spcAft>
-                      </a:pPr>
-                      <a:r>
-                        <a:rPr lang="ru-RU" sz="2000" dirty="0">
-                          <a:effectLst/>
-                        </a:rPr>
-                        <a:t>93.4</a:t>
-                      </a:r>
-                      <a:endParaRPr lang="ru-RU" sz="2000" dirty="0">
-                        <a:effectLst/>
-                        <a:latin typeface="Calibri" panose="020F0502020204030204" pitchFamily="34" charset="0"/>
-                        <a:ea typeface="Calibri" panose="020F0502020204030204" pitchFamily="34" charset="0"/>
-                        <a:cs typeface="Times New Roman" panose="02020603050405020304" pitchFamily="18" charset="0"/>
-                      </a:endParaRPr>
-                    </a:p>
-                  </a:txBody>
-                  <a:tcPr marL="68580" marR="68580" marT="0" marB="0"/>
-                </a:tc>
-                <a:tc>
-                  <a:txBody>
-                    <a:bodyPr/>
-                    <a:lstStyle/>
-                    <a:p>
-                      <a:pPr>
-                        <a:lnSpc>
-                          <a:spcPct val="150000"/>
-                        </a:lnSpc>
-                        <a:spcAft>
-                          <a:spcPts val="0"/>
-                        </a:spcAft>
-                      </a:pPr>
-                      <a:r>
-                        <a:rPr lang="ru-RU" sz="2000">
-                          <a:effectLst/>
-                        </a:rPr>
-                        <a:t>93.45</a:t>
-                      </a:r>
-                      <a:endParaRPr lang="ru-RU" sz="2000">
-                        <a:effectLst/>
-                        <a:latin typeface="Calibri" panose="020F0502020204030204" pitchFamily="34" charset="0"/>
-                        <a:ea typeface="Calibri" panose="020F0502020204030204" pitchFamily="34" charset="0"/>
-                        <a:cs typeface="Times New Roman" panose="02020603050405020304" pitchFamily="18" charset="0"/>
-                      </a:endParaRPr>
-                    </a:p>
-                  </a:txBody>
-                  <a:tcPr marL="68580" marR="68580" marT="0" marB="0"/>
-                </a:tc>
-              </a:tr>
-              <a:tr h="560636">
-                <a:tc>
-                  <a:txBody>
-                    <a:bodyPr/>
-                    <a:lstStyle/>
-                    <a:p>
-                      <a:pPr>
-                        <a:lnSpc>
-                          <a:spcPct val="150000"/>
-                        </a:lnSpc>
-                        <a:spcAft>
-                          <a:spcPts val="0"/>
-                        </a:spcAft>
-                      </a:pPr>
-                      <a:r>
-                        <a:rPr lang="en-US" sz="2000">
-                          <a:effectLst/>
-                        </a:rPr>
-                        <a:t>ORG</a:t>
-                      </a:r>
-                      <a:endParaRPr lang="ru-RU" sz="2000">
-                        <a:effectLst/>
-                        <a:latin typeface="Calibri" panose="020F0502020204030204" pitchFamily="34" charset="0"/>
-                        <a:ea typeface="Calibri" panose="020F0502020204030204" pitchFamily="34" charset="0"/>
-                        <a:cs typeface="Times New Roman" panose="02020603050405020304" pitchFamily="18" charset="0"/>
-                      </a:endParaRPr>
-                    </a:p>
-                  </a:txBody>
-                  <a:tcPr marL="68580" marR="68580" marT="0" marB="0"/>
-                </a:tc>
-                <a:tc>
-                  <a:txBody>
-                    <a:bodyPr/>
-                    <a:lstStyle/>
-                    <a:p>
-                      <a:pPr>
-                        <a:lnSpc>
-                          <a:spcPct val="150000"/>
-                        </a:lnSpc>
-                        <a:spcAft>
-                          <a:spcPts val="0"/>
-                        </a:spcAft>
-                      </a:pPr>
-                      <a:r>
-                        <a:rPr lang="ru-RU" sz="2000">
-                          <a:effectLst/>
-                        </a:rPr>
-                        <a:t>98.2</a:t>
-                      </a:r>
-                      <a:endParaRPr lang="ru-RU" sz="2000">
-                        <a:effectLst/>
-                        <a:latin typeface="Calibri" panose="020F0502020204030204" pitchFamily="34" charset="0"/>
-                        <a:ea typeface="Calibri" panose="020F0502020204030204" pitchFamily="34" charset="0"/>
-                        <a:cs typeface="Times New Roman" panose="02020603050405020304" pitchFamily="18" charset="0"/>
-                      </a:endParaRPr>
-                    </a:p>
-                  </a:txBody>
-                  <a:tcPr marL="68580" marR="68580" marT="0" marB="0"/>
-                </a:tc>
-                <a:tc>
-                  <a:txBody>
-                    <a:bodyPr/>
-                    <a:lstStyle/>
-                    <a:p>
-                      <a:pPr>
-                        <a:lnSpc>
-                          <a:spcPct val="150000"/>
-                        </a:lnSpc>
-                        <a:spcAft>
-                          <a:spcPts val="0"/>
-                        </a:spcAft>
-                      </a:pPr>
-                      <a:r>
-                        <a:rPr lang="ru-RU" sz="2000">
-                          <a:effectLst/>
-                        </a:rPr>
-                        <a:t>92.51</a:t>
-                      </a:r>
-                      <a:endParaRPr lang="ru-RU" sz="2000">
-                        <a:effectLst/>
-                        <a:latin typeface="Calibri" panose="020F0502020204030204" pitchFamily="34" charset="0"/>
-                        <a:ea typeface="Calibri" panose="020F0502020204030204" pitchFamily="34" charset="0"/>
-                        <a:cs typeface="Times New Roman" panose="02020603050405020304" pitchFamily="18" charset="0"/>
-                      </a:endParaRPr>
-                    </a:p>
-                  </a:txBody>
-                  <a:tcPr marL="68580" marR="68580" marT="0" marB="0"/>
-                </a:tc>
-                <a:tc>
-                  <a:txBody>
-                    <a:bodyPr/>
-                    <a:lstStyle/>
-                    <a:p>
-                      <a:pPr>
-                        <a:lnSpc>
-                          <a:spcPct val="150000"/>
-                        </a:lnSpc>
-                        <a:spcAft>
-                          <a:spcPts val="0"/>
-                        </a:spcAft>
-                      </a:pPr>
-                      <a:r>
-                        <a:rPr lang="ru-RU" sz="2000" dirty="0">
-                          <a:effectLst/>
-                        </a:rPr>
-                        <a:t>92.3</a:t>
-                      </a:r>
-                      <a:endParaRPr lang="ru-RU" sz="2000" dirty="0">
-                        <a:effectLst/>
-                        <a:latin typeface="Calibri" panose="020F0502020204030204" pitchFamily="34" charset="0"/>
-                        <a:ea typeface="Calibri" panose="020F0502020204030204" pitchFamily="34" charset="0"/>
-                        <a:cs typeface="Times New Roman" panose="02020603050405020304" pitchFamily="18" charset="0"/>
-                      </a:endParaRPr>
-                    </a:p>
-                  </a:txBody>
-                  <a:tcPr marL="68580" marR="68580" marT="0" marB="0"/>
-                </a:tc>
-                <a:tc>
-                  <a:txBody>
-                    <a:bodyPr/>
-                    <a:lstStyle/>
-                    <a:p>
-                      <a:pPr>
-                        <a:lnSpc>
-                          <a:spcPct val="150000"/>
-                        </a:lnSpc>
-                        <a:spcAft>
-                          <a:spcPts val="0"/>
-                        </a:spcAft>
-                      </a:pPr>
-                      <a:r>
-                        <a:rPr lang="ru-RU" sz="2000" dirty="0">
-                          <a:effectLst/>
-                        </a:rPr>
-                        <a:t>92.4</a:t>
-                      </a:r>
-                      <a:endParaRPr lang="ru-RU" sz="2000" dirty="0">
-                        <a:effectLst/>
-                        <a:latin typeface="Calibri" panose="020F0502020204030204" pitchFamily="34" charset="0"/>
-                        <a:ea typeface="Calibri" panose="020F0502020204030204" pitchFamily="34" charset="0"/>
-                        <a:cs typeface="Times New Roman" panose="02020603050405020304" pitchFamily="18" charset="0"/>
-                      </a:endParaRPr>
-                    </a:p>
-                  </a:txBody>
-                  <a:tcPr marL="68580" marR="68580" marT="0" marB="0"/>
-                </a:tc>
-              </a:tr>
-              <a:tr h="560636">
-                <a:tc>
-                  <a:txBody>
-                    <a:bodyPr/>
-                    <a:lstStyle/>
-                    <a:p>
-                      <a:pPr>
-                        <a:lnSpc>
-                          <a:spcPct val="150000"/>
-                        </a:lnSpc>
-                        <a:spcAft>
-                          <a:spcPts val="0"/>
-                        </a:spcAft>
-                      </a:pPr>
-                      <a:r>
-                        <a:rPr lang="en-US" sz="2000">
-                          <a:effectLst/>
-                        </a:rPr>
-                        <a:t>MISC</a:t>
-                      </a:r>
-                      <a:endParaRPr lang="ru-RU" sz="2000">
-                        <a:effectLst/>
-                        <a:latin typeface="Calibri" panose="020F0502020204030204" pitchFamily="34" charset="0"/>
-                        <a:ea typeface="Calibri" panose="020F0502020204030204" pitchFamily="34" charset="0"/>
-                        <a:cs typeface="Times New Roman" panose="02020603050405020304" pitchFamily="18" charset="0"/>
-                      </a:endParaRPr>
-                    </a:p>
-                  </a:txBody>
-                  <a:tcPr marL="68580" marR="68580" marT="0" marB="0"/>
-                </a:tc>
-                <a:tc>
-                  <a:txBody>
-                    <a:bodyPr/>
-                    <a:lstStyle/>
-                    <a:p>
-                      <a:pPr>
-                        <a:lnSpc>
-                          <a:spcPct val="150000"/>
-                        </a:lnSpc>
-                        <a:spcAft>
-                          <a:spcPts val="0"/>
-                        </a:spcAft>
-                      </a:pPr>
-                      <a:r>
-                        <a:rPr lang="ru-RU" sz="2000">
-                          <a:effectLst/>
-                        </a:rPr>
-                        <a:t>92.34</a:t>
-                      </a:r>
-                      <a:endParaRPr lang="ru-RU" sz="2000">
-                        <a:effectLst/>
-                        <a:latin typeface="Calibri" panose="020F0502020204030204" pitchFamily="34" charset="0"/>
-                        <a:ea typeface="Calibri" panose="020F0502020204030204" pitchFamily="34" charset="0"/>
-                        <a:cs typeface="Times New Roman" panose="02020603050405020304" pitchFamily="18" charset="0"/>
-                      </a:endParaRPr>
-                    </a:p>
-                  </a:txBody>
-                  <a:tcPr marL="68580" marR="68580" marT="0" marB="0"/>
-                </a:tc>
-                <a:tc>
-                  <a:txBody>
-                    <a:bodyPr/>
-                    <a:lstStyle/>
-                    <a:p>
-                      <a:pPr>
-                        <a:lnSpc>
-                          <a:spcPct val="150000"/>
-                        </a:lnSpc>
-                        <a:spcAft>
-                          <a:spcPts val="0"/>
-                        </a:spcAft>
-                      </a:pPr>
-                      <a:r>
-                        <a:rPr lang="ru-RU" sz="2000">
-                          <a:effectLst/>
-                        </a:rPr>
-                        <a:t>88.05</a:t>
-                      </a:r>
-                      <a:endParaRPr lang="ru-RU" sz="2000">
-                        <a:effectLst/>
-                        <a:latin typeface="Calibri" panose="020F0502020204030204" pitchFamily="34" charset="0"/>
-                        <a:ea typeface="Calibri" panose="020F0502020204030204" pitchFamily="34" charset="0"/>
-                        <a:cs typeface="Times New Roman" panose="02020603050405020304" pitchFamily="18" charset="0"/>
-                      </a:endParaRPr>
-                    </a:p>
-                  </a:txBody>
-                  <a:tcPr marL="68580" marR="68580" marT="0" marB="0"/>
-                </a:tc>
-                <a:tc>
-                  <a:txBody>
-                    <a:bodyPr/>
-                    <a:lstStyle/>
-                    <a:p>
-                      <a:pPr>
-                        <a:lnSpc>
-                          <a:spcPct val="150000"/>
-                        </a:lnSpc>
-                        <a:spcAft>
-                          <a:spcPts val="0"/>
-                        </a:spcAft>
-                      </a:pPr>
-                      <a:r>
-                        <a:rPr lang="ru-RU" sz="2000">
-                          <a:effectLst/>
-                        </a:rPr>
-                        <a:t>89.5</a:t>
-                      </a:r>
-                      <a:endParaRPr lang="ru-RU" sz="2000">
-                        <a:effectLst/>
-                        <a:latin typeface="Calibri" panose="020F0502020204030204" pitchFamily="34" charset="0"/>
-                        <a:ea typeface="Calibri" panose="020F0502020204030204" pitchFamily="34" charset="0"/>
-                        <a:cs typeface="Times New Roman" panose="02020603050405020304" pitchFamily="18" charset="0"/>
-                      </a:endParaRPr>
-                    </a:p>
-                  </a:txBody>
-                  <a:tcPr marL="68580" marR="68580" marT="0" marB="0"/>
-                </a:tc>
-                <a:tc>
-                  <a:txBody>
-                    <a:bodyPr/>
-                    <a:lstStyle/>
-                    <a:p>
-                      <a:pPr>
-                        <a:lnSpc>
-                          <a:spcPct val="150000"/>
-                        </a:lnSpc>
-                        <a:spcAft>
-                          <a:spcPts val="0"/>
-                        </a:spcAft>
-                      </a:pPr>
-                      <a:r>
-                        <a:rPr lang="ru-RU" sz="2000" dirty="0">
-                          <a:effectLst/>
-                        </a:rPr>
-                        <a:t>88</a:t>
-                      </a:r>
-                      <a:r>
-                        <a:rPr lang="en-US" sz="2000" dirty="0">
-                          <a:effectLst/>
-                        </a:rPr>
-                        <a:t>.</a:t>
-                      </a:r>
-                      <a:r>
-                        <a:rPr lang="ru-RU" sz="2000" dirty="0">
-                          <a:effectLst/>
-                        </a:rPr>
-                        <a:t>77</a:t>
-                      </a:r>
-                      <a:endParaRPr lang="ru-RU" sz="2000" dirty="0">
-                        <a:effectLst/>
-                        <a:latin typeface="Calibri" panose="020F0502020204030204" pitchFamily="34" charset="0"/>
-                        <a:ea typeface="Calibri" panose="020F0502020204030204" pitchFamily="34" charset="0"/>
-                        <a:cs typeface="Times New Roman" panose="02020603050405020304" pitchFamily="18" charset="0"/>
-                      </a:endParaRPr>
-                    </a:p>
-                  </a:txBody>
-                  <a:tcPr marL="68580" marR="68580" marT="0" marB="0"/>
-                </a:tc>
-              </a:tr>
-            </a:tbl>
-          </a:graphicData>
-        </a:graphic>
-      </p:graphicFrame>
-      <p:graphicFrame>
-        <p:nvGraphicFramePr>
-          <p:cNvPr id="8" name="Объект 7"/>
-          <p:cNvGraphicFramePr>
-            <a:graphicFrameLocks noGrp="1"/>
-          </p:cNvGraphicFramePr>
-          <p:nvPr>
-            <p:ph idx="1"/>
-            <p:extLst>
-              <p:ext uri="{D42A27DB-BD31-4B8C-83A1-F6EECF244321}">
-                <p14:modId xmlns:p14="http://schemas.microsoft.com/office/powerpoint/2010/main" val="2815690756"/>
-              </p:ext>
-            </p:extLst>
-          </p:nvPr>
-        </p:nvGraphicFramePr>
-        <p:xfrm>
-          <a:off x="1097280" y="1849037"/>
-          <a:ext cx="10115205" cy="1447056"/>
-        </p:xfrm>
-        <a:graphic>
-          <a:graphicData uri="http://schemas.openxmlformats.org/drawingml/2006/table">
-            <a:tbl>
-              <a:tblPr firstRow="1" firstCol="1" bandRow="1">
-                <a:tableStyleId>{5C22544A-7EE6-4342-B048-85BDC9FD1C3A}</a:tableStyleId>
-              </a:tblPr>
-              <a:tblGrid>
-                <a:gridCol w="2023041"/>
-                <a:gridCol w="2023041"/>
-                <a:gridCol w="2023041"/>
-                <a:gridCol w="2023041"/>
-                <a:gridCol w="2023041"/>
-              </a:tblGrid>
-              <a:tr h="482352">
-                <a:tc>
-                  <a:txBody>
-                    <a:bodyPr/>
-                    <a:lstStyle/>
-                    <a:p>
-                      <a:pPr>
-                        <a:lnSpc>
-                          <a:spcPct val="150000"/>
-                        </a:lnSpc>
-                        <a:spcAft>
-                          <a:spcPts val="0"/>
-                        </a:spcAft>
-                      </a:pPr>
-                      <a:r>
-                        <a:rPr lang="en-US" sz="2000" dirty="0">
-                          <a:effectLst/>
-                        </a:rPr>
-                        <a:t> </a:t>
-                      </a:r>
-                      <a:endParaRPr lang="ru-RU" sz="2000" dirty="0">
-                        <a:effectLst/>
-                        <a:latin typeface="Calibri" panose="020F0502020204030204" pitchFamily="34" charset="0"/>
-                        <a:ea typeface="Calibri" panose="020F0502020204030204" pitchFamily="34" charset="0"/>
-                        <a:cs typeface="Times New Roman" panose="02020603050405020304" pitchFamily="18" charset="0"/>
-                      </a:endParaRPr>
-                    </a:p>
-                  </a:txBody>
-                  <a:tcPr marL="68580" marR="68580" marT="0" marB="0"/>
-                </a:tc>
-                <a:tc>
-                  <a:txBody>
-                    <a:bodyPr/>
-                    <a:lstStyle/>
-                    <a:p>
-                      <a:pPr>
-                        <a:lnSpc>
-                          <a:spcPct val="150000"/>
-                        </a:lnSpc>
-                        <a:spcAft>
-                          <a:spcPts val="0"/>
-                        </a:spcAft>
-                      </a:pPr>
-                      <a:r>
-                        <a:rPr lang="en-US" sz="2000" dirty="0" err="1">
-                          <a:effectLst/>
-                        </a:rPr>
-                        <a:t>Acc</a:t>
-                      </a:r>
-                      <a:endParaRPr lang="ru-RU" sz="2000" dirty="0">
-                        <a:effectLst/>
-                        <a:latin typeface="Calibri" panose="020F0502020204030204" pitchFamily="34" charset="0"/>
-                        <a:ea typeface="Calibri" panose="020F0502020204030204" pitchFamily="34" charset="0"/>
-                        <a:cs typeface="Times New Roman" panose="02020603050405020304" pitchFamily="18" charset="0"/>
-                      </a:endParaRPr>
-                    </a:p>
-                  </a:txBody>
-                  <a:tcPr marL="68580" marR="68580" marT="0" marB="0"/>
-                </a:tc>
-                <a:tc>
-                  <a:txBody>
-                    <a:bodyPr/>
-                    <a:lstStyle/>
-                    <a:p>
-                      <a:pPr>
-                        <a:lnSpc>
-                          <a:spcPct val="150000"/>
-                        </a:lnSpc>
-                        <a:spcAft>
-                          <a:spcPts val="0"/>
-                        </a:spcAft>
-                      </a:pPr>
-                      <a:r>
-                        <a:rPr lang="en-US" sz="2000" dirty="0" err="1">
-                          <a:effectLst/>
-                        </a:rPr>
-                        <a:t>Pred</a:t>
-                      </a:r>
-                      <a:endParaRPr lang="ru-RU" sz="2000" dirty="0">
-                        <a:effectLst/>
-                        <a:latin typeface="Calibri" panose="020F0502020204030204" pitchFamily="34" charset="0"/>
-                        <a:ea typeface="Calibri" panose="020F0502020204030204" pitchFamily="34" charset="0"/>
-                        <a:cs typeface="Times New Roman" panose="02020603050405020304" pitchFamily="18" charset="0"/>
-                      </a:endParaRPr>
-                    </a:p>
-                  </a:txBody>
-                  <a:tcPr marL="68580" marR="68580" marT="0" marB="0"/>
-                </a:tc>
-                <a:tc>
-                  <a:txBody>
-                    <a:bodyPr/>
-                    <a:lstStyle/>
-                    <a:p>
-                      <a:pPr>
-                        <a:lnSpc>
-                          <a:spcPct val="150000"/>
-                        </a:lnSpc>
-                        <a:spcAft>
-                          <a:spcPts val="0"/>
-                        </a:spcAft>
-                      </a:pPr>
-                      <a:r>
-                        <a:rPr lang="en-US" sz="2000" dirty="0">
-                          <a:effectLst/>
-                        </a:rPr>
-                        <a:t>Recall</a:t>
-                      </a:r>
-                      <a:endParaRPr lang="ru-RU" sz="2000" dirty="0">
-                        <a:effectLst/>
-                        <a:latin typeface="Calibri" panose="020F0502020204030204" pitchFamily="34" charset="0"/>
-                        <a:ea typeface="Calibri" panose="020F0502020204030204" pitchFamily="34" charset="0"/>
-                        <a:cs typeface="Times New Roman" panose="02020603050405020304" pitchFamily="18" charset="0"/>
-                      </a:endParaRPr>
-                    </a:p>
-                  </a:txBody>
-                  <a:tcPr marL="68580" marR="68580" marT="0" marB="0"/>
-                </a:tc>
-                <a:tc>
-                  <a:txBody>
-                    <a:bodyPr/>
-                    <a:lstStyle/>
-                    <a:p>
-                      <a:pPr>
-                        <a:lnSpc>
-                          <a:spcPct val="150000"/>
-                        </a:lnSpc>
-                        <a:spcAft>
-                          <a:spcPts val="0"/>
-                        </a:spcAft>
-                      </a:pPr>
-                      <a:r>
-                        <a:rPr lang="en-US" sz="2000">
-                          <a:effectLst/>
-                        </a:rPr>
-                        <a:t>FM</a:t>
-                      </a:r>
-                      <a:endParaRPr lang="ru-RU" sz="2000">
-                        <a:effectLst/>
-                        <a:latin typeface="Calibri" panose="020F0502020204030204" pitchFamily="34" charset="0"/>
-                        <a:ea typeface="Calibri" panose="020F0502020204030204" pitchFamily="34" charset="0"/>
-                        <a:cs typeface="Times New Roman" panose="02020603050405020304" pitchFamily="18" charset="0"/>
-                      </a:endParaRPr>
-                    </a:p>
-                  </a:txBody>
-                  <a:tcPr marL="68580" marR="68580" marT="0" marB="0"/>
-                </a:tc>
-              </a:tr>
-              <a:tr h="482352">
-                <a:tc>
-                  <a:txBody>
-                    <a:bodyPr/>
-                    <a:lstStyle/>
-                    <a:p>
-                      <a:pPr>
-                        <a:lnSpc>
-                          <a:spcPct val="150000"/>
-                        </a:lnSpc>
-                        <a:spcAft>
-                          <a:spcPts val="0"/>
-                        </a:spcAft>
-                      </a:pPr>
-                      <a:r>
-                        <a:rPr lang="en-US" sz="2000" dirty="0">
-                          <a:effectLst/>
-                        </a:rPr>
-                        <a:t>LSTM</a:t>
-                      </a:r>
-                      <a:endParaRPr lang="ru-RU" sz="2000" dirty="0">
-                        <a:effectLst/>
-                        <a:latin typeface="Calibri" panose="020F0502020204030204" pitchFamily="34" charset="0"/>
-                        <a:ea typeface="Calibri" panose="020F0502020204030204" pitchFamily="34" charset="0"/>
-                        <a:cs typeface="Times New Roman" panose="02020603050405020304" pitchFamily="18" charset="0"/>
-                      </a:endParaRPr>
-                    </a:p>
-                  </a:txBody>
-                  <a:tcPr marL="68580" marR="68580" marT="0" marB="0"/>
-                </a:tc>
-                <a:tc>
-                  <a:txBody>
-                    <a:bodyPr/>
-                    <a:lstStyle/>
-                    <a:p>
-                      <a:pPr>
-                        <a:lnSpc>
-                          <a:spcPct val="150000"/>
-                        </a:lnSpc>
-                        <a:spcAft>
-                          <a:spcPts val="0"/>
-                        </a:spcAft>
-                      </a:pPr>
-                      <a:r>
-                        <a:rPr lang="en-US" sz="2000">
-                          <a:effectLst/>
-                        </a:rPr>
-                        <a:t>98.89</a:t>
-                      </a:r>
-                      <a:endParaRPr lang="ru-RU" sz="2000">
-                        <a:effectLst/>
-                        <a:latin typeface="Calibri" panose="020F0502020204030204" pitchFamily="34" charset="0"/>
-                        <a:ea typeface="Calibri" panose="020F0502020204030204" pitchFamily="34" charset="0"/>
-                        <a:cs typeface="Times New Roman" panose="02020603050405020304" pitchFamily="18" charset="0"/>
-                      </a:endParaRPr>
-                    </a:p>
-                  </a:txBody>
-                  <a:tcPr marL="68580" marR="68580" marT="0" marB="0"/>
-                </a:tc>
-                <a:tc>
-                  <a:txBody>
-                    <a:bodyPr/>
-                    <a:lstStyle/>
-                    <a:p>
-                      <a:pPr>
-                        <a:lnSpc>
-                          <a:spcPct val="150000"/>
-                        </a:lnSpc>
-                        <a:spcAft>
-                          <a:spcPts val="0"/>
-                        </a:spcAft>
-                      </a:pPr>
-                      <a:r>
-                        <a:rPr lang="en-US" sz="2000">
-                          <a:effectLst/>
-                        </a:rPr>
-                        <a:t>93.5</a:t>
-                      </a:r>
-                      <a:endParaRPr lang="ru-RU" sz="2000">
-                        <a:effectLst/>
-                        <a:latin typeface="Calibri" panose="020F0502020204030204" pitchFamily="34" charset="0"/>
-                        <a:ea typeface="Calibri" panose="020F0502020204030204" pitchFamily="34" charset="0"/>
-                        <a:cs typeface="Times New Roman" panose="02020603050405020304" pitchFamily="18" charset="0"/>
-                      </a:endParaRPr>
-                    </a:p>
-                  </a:txBody>
-                  <a:tcPr marL="68580" marR="68580" marT="0" marB="0"/>
-                </a:tc>
-                <a:tc>
-                  <a:txBody>
-                    <a:bodyPr/>
-                    <a:lstStyle/>
-                    <a:p>
-                      <a:pPr>
-                        <a:lnSpc>
-                          <a:spcPct val="150000"/>
-                        </a:lnSpc>
-                        <a:spcAft>
-                          <a:spcPts val="0"/>
-                        </a:spcAft>
-                      </a:pPr>
-                      <a:r>
-                        <a:rPr lang="en-US" sz="2000" dirty="0">
-                          <a:effectLst/>
-                        </a:rPr>
-                        <a:t>93.6</a:t>
-                      </a:r>
-                      <a:endParaRPr lang="ru-RU" sz="2000" dirty="0">
-                        <a:effectLst/>
-                        <a:latin typeface="Calibri" panose="020F0502020204030204" pitchFamily="34" charset="0"/>
-                        <a:ea typeface="Calibri" panose="020F0502020204030204" pitchFamily="34" charset="0"/>
-                        <a:cs typeface="Times New Roman" panose="02020603050405020304" pitchFamily="18" charset="0"/>
-                      </a:endParaRPr>
-                    </a:p>
-                  </a:txBody>
-                  <a:tcPr marL="68580" marR="68580" marT="0" marB="0"/>
-                </a:tc>
-                <a:tc>
-                  <a:txBody>
-                    <a:bodyPr/>
-                    <a:lstStyle/>
-                    <a:p>
-                      <a:pPr>
-                        <a:lnSpc>
-                          <a:spcPct val="150000"/>
-                        </a:lnSpc>
-                        <a:spcAft>
-                          <a:spcPts val="0"/>
-                        </a:spcAft>
-                      </a:pPr>
-                      <a:r>
-                        <a:rPr lang="en-US" sz="2000" dirty="0">
-                          <a:effectLst/>
-                        </a:rPr>
-                        <a:t>93.57</a:t>
-                      </a:r>
-                      <a:endParaRPr lang="ru-RU" sz="2000" dirty="0">
-                        <a:effectLst/>
-                        <a:latin typeface="Calibri" panose="020F0502020204030204" pitchFamily="34" charset="0"/>
-                        <a:ea typeface="Calibri" panose="020F0502020204030204" pitchFamily="34" charset="0"/>
-                        <a:cs typeface="Times New Roman" panose="02020603050405020304" pitchFamily="18" charset="0"/>
-                      </a:endParaRPr>
-                    </a:p>
-                  </a:txBody>
-                  <a:tcPr marL="68580" marR="68580" marT="0" marB="0"/>
-                </a:tc>
-              </a:tr>
-              <a:tr h="482352">
-                <a:tc>
-                  <a:txBody>
-                    <a:bodyPr/>
-                    <a:lstStyle/>
-                    <a:p>
-                      <a:pPr>
-                        <a:lnSpc>
-                          <a:spcPct val="150000"/>
-                        </a:lnSpc>
-                        <a:spcAft>
-                          <a:spcPts val="0"/>
-                        </a:spcAft>
-                      </a:pPr>
-                      <a:r>
-                        <a:rPr lang="en-US" sz="2000">
-                          <a:effectLst/>
-                        </a:rPr>
-                        <a:t>GROBID</a:t>
-                      </a:r>
-                      <a:endParaRPr lang="ru-RU" sz="2000">
-                        <a:effectLst/>
-                        <a:latin typeface="Calibri" panose="020F0502020204030204" pitchFamily="34" charset="0"/>
-                        <a:ea typeface="Calibri" panose="020F0502020204030204" pitchFamily="34" charset="0"/>
-                        <a:cs typeface="Times New Roman" panose="02020603050405020304" pitchFamily="18" charset="0"/>
-                      </a:endParaRPr>
-                    </a:p>
-                  </a:txBody>
-                  <a:tcPr marL="68580" marR="68580" marT="0" marB="0"/>
-                </a:tc>
-                <a:tc>
-                  <a:txBody>
-                    <a:bodyPr/>
-                    <a:lstStyle/>
-                    <a:p>
-                      <a:pPr>
-                        <a:lnSpc>
-                          <a:spcPct val="150000"/>
-                        </a:lnSpc>
-                        <a:spcAft>
-                          <a:spcPts val="0"/>
-                        </a:spcAft>
-                      </a:pPr>
-                      <a:r>
-                        <a:rPr lang="ru-RU" sz="2000">
-                          <a:effectLst/>
-                        </a:rPr>
-                        <a:t>98.97</a:t>
-                      </a:r>
-                      <a:endParaRPr lang="ru-RU" sz="2000">
-                        <a:effectLst/>
-                        <a:latin typeface="Calibri" panose="020F0502020204030204" pitchFamily="34" charset="0"/>
-                        <a:ea typeface="Calibri" panose="020F0502020204030204" pitchFamily="34" charset="0"/>
-                        <a:cs typeface="Times New Roman" panose="02020603050405020304" pitchFamily="18" charset="0"/>
-                      </a:endParaRPr>
-                    </a:p>
-                  </a:txBody>
-                  <a:tcPr marL="68580" marR="68580" marT="0" marB="0"/>
-                </a:tc>
-                <a:tc>
-                  <a:txBody>
-                    <a:bodyPr/>
-                    <a:lstStyle/>
-                    <a:p>
-                      <a:pPr>
-                        <a:lnSpc>
-                          <a:spcPct val="150000"/>
-                        </a:lnSpc>
-                        <a:spcAft>
-                          <a:spcPts val="0"/>
-                        </a:spcAft>
-                      </a:pPr>
-                      <a:r>
-                        <a:rPr lang="ru-RU" sz="2000">
-                          <a:effectLst/>
-                        </a:rPr>
-                        <a:t>90.72</a:t>
-                      </a:r>
-                      <a:endParaRPr lang="ru-RU" sz="2000">
-                        <a:effectLst/>
-                        <a:latin typeface="Calibri" panose="020F0502020204030204" pitchFamily="34" charset="0"/>
-                        <a:ea typeface="Calibri" panose="020F0502020204030204" pitchFamily="34" charset="0"/>
-                        <a:cs typeface="Times New Roman" panose="02020603050405020304" pitchFamily="18" charset="0"/>
-                      </a:endParaRPr>
-                    </a:p>
-                  </a:txBody>
-                  <a:tcPr marL="68580" marR="68580" marT="0" marB="0"/>
-                </a:tc>
-                <a:tc>
-                  <a:txBody>
-                    <a:bodyPr/>
-                    <a:lstStyle/>
-                    <a:p>
-                      <a:pPr>
-                        <a:lnSpc>
-                          <a:spcPct val="150000"/>
-                        </a:lnSpc>
-                        <a:spcAft>
-                          <a:spcPts val="0"/>
-                        </a:spcAft>
-                      </a:pPr>
-                      <a:r>
-                        <a:rPr lang="ru-RU" sz="2000">
-                          <a:effectLst/>
-                        </a:rPr>
-                        <a:t>90.18</a:t>
-                      </a:r>
-                      <a:endParaRPr lang="ru-RU" sz="2000">
-                        <a:effectLst/>
-                        <a:latin typeface="Calibri" panose="020F0502020204030204" pitchFamily="34" charset="0"/>
-                        <a:ea typeface="Calibri" panose="020F0502020204030204" pitchFamily="34" charset="0"/>
-                        <a:cs typeface="Times New Roman" panose="02020603050405020304" pitchFamily="18" charset="0"/>
-                      </a:endParaRPr>
-                    </a:p>
-                  </a:txBody>
-                  <a:tcPr marL="68580" marR="68580" marT="0" marB="0"/>
-                </a:tc>
-                <a:tc>
-                  <a:txBody>
-                    <a:bodyPr/>
-                    <a:lstStyle/>
-                    <a:p>
-                      <a:pPr>
-                        <a:lnSpc>
-                          <a:spcPct val="150000"/>
-                        </a:lnSpc>
-                        <a:spcAft>
-                          <a:spcPts val="0"/>
-                        </a:spcAft>
-                      </a:pPr>
-                      <a:r>
-                        <a:rPr lang="ru-RU" sz="2000" dirty="0">
-                          <a:effectLst/>
-                        </a:rPr>
-                        <a:t>90.45</a:t>
-                      </a:r>
-                      <a:endParaRPr lang="ru-RU" sz="2000" dirty="0">
-                        <a:effectLst/>
-                        <a:latin typeface="Calibri" panose="020F0502020204030204" pitchFamily="34" charset="0"/>
-                        <a:ea typeface="Calibri" panose="020F0502020204030204" pitchFamily="34" charset="0"/>
-                        <a:cs typeface="Times New Roman" panose="02020603050405020304" pitchFamily="18" charset="0"/>
-                      </a:endParaRPr>
-                    </a:p>
-                  </a:txBody>
-                  <a:tcPr marL="68580" marR="68580" marT="0" marB="0"/>
-                </a:tc>
-              </a:tr>
-            </a:tbl>
-          </a:graphicData>
-        </a:graphic>
-      </p:graphicFrame>
+      <p:pic>
+        <p:nvPicPr>
+          <p:cNvPr id="6" name="Рисунок 5"/>
+          <p:cNvPicPr>
+            <a:picLocks noChangeAspect="1"/>
+          </p:cNvPicPr>
+          <p:nvPr/>
+        </p:nvPicPr>
+        <p:blipFill>
+          <a:blip r:embed="rId2">
+            <a:extLst>
+              <a:ext uri="{28A0092B-C50C-407E-A947-70E740481C1C}">
+                <a14:useLocalDpi xmlns:a14="http://schemas.microsoft.com/office/drawing/2010/main" val="0"/>
+              </a:ext>
+            </a:extLst>
+          </a:blip>
+          <a:stretch>
+            <a:fillRect/>
+          </a:stretch>
+        </p:blipFill>
+        <p:spPr>
+          <a:xfrm>
+            <a:off x="2727280" y="3297404"/>
+            <a:ext cx="6528414" cy="2959017"/>
+          </a:xfrm>
+          <a:prstGeom prst="rect">
+            <a:avLst/>
+          </a:prstGeom>
+        </p:spPr>
+      </p:pic>
     </p:spTree>
     <p:extLst>
       <p:ext uri="{BB962C8B-B14F-4D97-AF65-F5344CB8AC3E}">
-        <p14:creationId xmlns:p14="http://schemas.microsoft.com/office/powerpoint/2010/main" val="4197040288"/>
+        <p14:creationId xmlns:p14="http://schemas.microsoft.com/office/powerpoint/2010/main" val="1223865650"/>
       </p:ext>
     </p:extLst>
   </p:cSld>
   <p:clrMapOvr>
     <a:masterClrMapping/>
   </p:clrMapOvr>
-  <p:timing>
-    <p:tnLst>
-      <p:par>
-        <p:cTn id="1" dur="indefinite" restart="never" nodeType="tmRoot"/>
-      </p:par>
-    </p:tnLst>
-  </p:timing>
+</p:sld>
+</file>
+
+<file path=ppt/slides/slide8.xml><?xml version="1.0" encoding="utf-8"?>
+<p:sld xmlns:a="http://schemas.openxmlformats.org/drawingml/2006/main" xmlns:r="http://schemas.openxmlformats.org/officeDocument/2006/relationships" xmlns:p="http://schemas.openxmlformats.org/presentationml/2006/main">
+  <p:cSld>
+    <p:spTree>
+      <p:nvGrpSpPr>
+        <p:cNvPr id="1" name=""/>
+        <p:cNvGrpSpPr/>
+        <p:nvPr/>
+      </p:nvGrpSpPr>
+      <p:grpSpPr>
+        <a:xfrm>
+          <a:off x="0" y="0"/>
+          <a:ext cx="0" cy="0"/>
+          <a:chOff x="0" y="0"/>
+          <a:chExt cx="0" cy="0"/>
+        </a:xfrm>
+      </p:grpSpPr>
+      <p:sp>
+        <p:nvSpPr>
+          <p:cNvPr id="2" name="Заголовок 1"/>
+          <p:cNvSpPr>
+            <a:spLocks noGrp="1"/>
+          </p:cNvSpPr>
+          <p:nvPr>
+            <p:ph type="title"/>
+          </p:nvPr>
+        </p:nvSpPr>
+        <p:spPr/>
+        <p:txBody>
+          <a:bodyPr>
+            <a:normAutofit/>
+          </a:bodyPr>
+          <a:lstStyle/>
+          <a:p>
+            <a:r>
+              <a:rPr lang="ru-RU" b="1" dirty="0"/>
+              <a:t>Извлечение локаций с координатной </a:t>
+            </a:r>
+            <a:r>
+              <a:rPr lang="ru-RU" b="1" dirty="0" smtClean="0"/>
+              <a:t>привязкой</a:t>
+            </a:r>
+            <a:endParaRPr lang="ru-RU" dirty="0"/>
+          </a:p>
+        </p:txBody>
+      </p:sp>
+      <mc:AlternateContent xmlns:mc="http://schemas.openxmlformats.org/markup-compatibility/2006" xmlns:a14="http://schemas.microsoft.com/office/drawing/2010/main">
+        <mc:Choice Requires="a14">
+          <p:sp>
+            <p:nvSpPr>
+              <p:cNvPr id="3" name="Объект 2"/>
+              <p:cNvSpPr>
+                <a:spLocks noGrp="1"/>
+              </p:cNvSpPr>
+              <p:nvPr>
+                <p:ph idx="1"/>
+              </p:nvPr>
+            </p:nvSpPr>
+            <p:spPr/>
+            <p:txBody>
+              <a:bodyPr/>
+              <a:lstStyle/>
+              <a:p>
+                <a:r>
+                  <a:rPr lang="ru-RU" sz="4000" dirty="0" smtClean="0"/>
+                  <a:t>Для извлечения локаций используется метод с </a:t>
+                </a:r>
+                <a:r>
+                  <a:rPr lang="en-US" sz="4000" dirty="0" smtClean="0"/>
+                  <a:t>LSTM </a:t>
+                </a:r>
+                <a:r>
+                  <a:rPr lang="ru-RU" sz="4000" dirty="0" smtClean="0"/>
+                  <a:t>и словарь с географическими координатами объектов</a:t>
+                </a:r>
+              </a:p>
+              <a:p>
+                <a:endParaRPr lang="ru-RU" dirty="0"/>
+              </a:p>
+              <a:p>
+                <a:r>
+                  <a:rPr lang="ru-RU" sz="3200" b="1" dirty="0"/>
+                  <a:t>Коэффициент </a:t>
+                </a:r>
+                <a:r>
+                  <a:rPr lang="ru-RU" sz="3200" b="1" dirty="0" err="1"/>
+                  <a:t>Танимото</a:t>
+                </a:r>
+                <a:endParaRPr lang="ru-RU" sz="3200" b="1" dirty="0" smtClean="0"/>
+              </a:p>
+              <a:p>
+                <a14:m>
+                  <m:oMath xmlns:m="http://schemas.openxmlformats.org/officeDocument/2006/math">
+                    <m:r>
+                      <a:rPr lang="en-US" sz="5400" i="1">
+                        <a:latin typeface="Cambria Math" panose="02040503050406030204" pitchFamily="18" charset="0"/>
+                      </a:rPr>
+                      <m:t>𝐾</m:t>
+                    </m:r>
+                    <m:r>
+                      <a:rPr lang="en-US" sz="5400" i="1">
+                        <a:latin typeface="Cambria Math" panose="02040503050406030204" pitchFamily="18" charset="0"/>
+                      </a:rPr>
+                      <m:t>=</m:t>
+                    </m:r>
+                    <m:f>
+                      <m:fPr>
+                        <m:ctrlPr>
+                          <a:rPr lang="ru-RU" sz="5400" i="1">
+                            <a:latin typeface="Cambria Math" panose="02040503050406030204" pitchFamily="18" charset="0"/>
+                          </a:rPr>
+                        </m:ctrlPr>
+                      </m:fPr>
+                      <m:num>
+                        <m:r>
+                          <a:rPr lang="en-US" sz="5400" i="1">
+                            <a:latin typeface="Cambria Math" panose="02040503050406030204" pitchFamily="18" charset="0"/>
+                          </a:rPr>
+                          <m:t>𝑐</m:t>
+                        </m:r>
+                      </m:num>
+                      <m:den>
+                        <m:r>
+                          <a:rPr lang="en-US" sz="5400" i="1">
+                            <a:latin typeface="Cambria Math" panose="02040503050406030204" pitchFamily="18" charset="0"/>
+                          </a:rPr>
+                          <m:t>𝑎</m:t>
+                        </m:r>
+                        <m:r>
+                          <a:rPr lang="en-US" sz="5400" i="1">
+                            <a:latin typeface="Cambria Math" panose="02040503050406030204" pitchFamily="18" charset="0"/>
+                          </a:rPr>
+                          <m:t>+</m:t>
+                        </m:r>
+                        <m:r>
+                          <a:rPr lang="en-US" sz="5400" i="1">
+                            <a:latin typeface="Cambria Math" panose="02040503050406030204" pitchFamily="18" charset="0"/>
+                          </a:rPr>
+                          <m:t>𝑏</m:t>
+                        </m:r>
+                        <m:r>
+                          <a:rPr lang="en-US" sz="5400" i="1">
+                            <a:latin typeface="Cambria Math" panose="02040503050406030204" pitchFamily="18" charset="0"/>
+                          </a:rPr>
+                          <m:t>−</m:t>
+                        </m:r>
+                        <m:r>
+                          <a:rPr lang="en-US" sz="5400" i="1">
+                            <a:latin typeface="Cambria Math" panose="02040503050406030204" pitchFamily="18" charset="0"/>
+                          </a:rPr>
+                          <m:t>𝑐</m:t>
+                        </m:r>
+                      </m:den>
+                    </m:f>
+                  </m:oMath>
+                </a14:m>
+                <a:endParaRPr lang="ru-RU" sz="5400" dirty="0"/>
+              </a:p>
+              <a:p>
+                <a:endParaRPr lang="en-US" dirty="0" smtClean="0"/>
+              </a:p>
+              <a:p>
+                <a:endParaRPr lang="ru-RU" dirty="0"/>
+              </a:p>
+            </p:txBody>
+          </p:sp>
+        </mc:Choice>
+        <mc:Fallback xmlns="">
+          <p:sp>
+            <p:nvSpPr>
+              <p:cNvPr id="3" name="Объект 2"/>
+              <p:cNvSpPr>
+                <a:spLocks noGrp="1" noRot="1" noChangeAspect="1" noMove="1" noResize="1" noEditPoints="1" noAdjustHandles="1" noChangeArrowheads="1" noChangeShapeType="1" noTextEdit="1"/>
+              </p:cNvSpPr>
+              <p:nvPr>
+                <p:ph idx="1"/>
+              </p:nvPr>
+            </p:nvSpPr>
+            <p:spPr>
+              <a:blipFill rotWithShape="0">
+                <a:blip r:embed="rId2"/>
+                <a:stretch>
+                  <a:fillRect l="-2121" t="-4242" r="-2667"/>
+                </a:stretch>
+              </a:blipFill>
+            </p:spPr>
+            <p:txBody>
+              <a:bodyPr/>
+              <a:lstStyle/>
+              <a:p>
+                <a:r>
+                  <a:rPr lang="ru-RU">
+                    <a:noFill/>
+                  </a:rPr>
+                  <a:t> </a:t>
+                </a:r>
+              </a:p>
+            </p:txBody>
+          </p:sp>
+        </mc:Fallback>
+      </mc:AlternateContent>
+      <p:sp>
+        <p:nvSpPr>
+          <p:cNvPr id="4" name="Номер слайда 3"/>
+          <p:cNvSpPr>
+            <a:spLocks noGrp="1"/>
+          </p:cNvSpPr>
+          <p:nvPr>
+            <p:ph type="sldNum" sz="quarter" idx="12"/>
+          </p:nvPr>
+        </p:nvSpPr>
+        <p:spPr/>
+        <p:txBody>
+          <a:bodyPr/>
+          <a:lstStyle/>
+          <a:p>
+            <a:fld id="{54312719-E188-4125-8FBE-1E251BCF9D85}" type="slidenum">
+              <a:rPr lang="ru-RU" smtClean="0"/>
+              <a:t>8</a:t>
+            </a:fld>
+            <a:endParaRPr lang="ru-RU"/>
+          </a:p>
+        </p:txBody>
+      </p:sp>
+    </p:spTree>
+    <p:extLst>
+      <p:ext uri="{BB962C8B-B14F-4D97-AF65-F5344CB8AC3E}">
+        <p14:creationId xmlns:p14="http://schemas.microsoft.com/office/powerpoint/2010/main" val="3604493056"/>
+      </p:ext>
+    </p:extLst>
+  </p:cSld>
+  <p:clrMapOvr>
+    <a:masterClrMapping/>
+  </p:clrMapOvr>
+</p:sld>
+</file>
+
+<file path=ppt/slides/slide9.xml><?xml version="1.0" encoding="utf-8"?>
+<p:sld xmlns:a="http://schemas.openxmlformats.org/drawingml/2006/main" xmlns:r="http://schemas.openxmlformats.org/officeDocument/2006/relationships" xmlns:p="http://schemas.openxmlformats.org/presentationml/2006/main">
+  <p:cSld>
+    <p:spTree>
+      <p:nvGrpSpPr>
+        <p:cNvPr id="1" name=""/>
+        <p:cNvGrpSpPr/>
+        <p:nvPr/>
+      </p:nvGrpSpPr>
+      <p:grpSpPr>
+        <a:xfrm>
+          <a:off x="0" y="0"/>
+          <a:ext cx="0" cy="0"/>
+          <a:chOff x="0" y="0"/>
+          <a:chExt cx="0" cy="0"/>
+        </a:xfrm>
+      </p:grpSpPr>
+      <p:sp>
+        <p:nvSpPr>
+          <p:cNvPr id="2" name="Заголовок 1"/>
+          <p:cNvSpPr>
+            <a:spLocks noGrp="1"/>
+          </p:cNvSpPr>
+          <p:nvPr>
+            <p:ph type="title"/>
+          </p:nvPr>
+        </p:nvSpPr>
+        <p:spPr/>
+        <p:txBody>
+          <a:bodyPr/>
+          <a:lstStyle/>
+          <a:p>
+            <a:r>
+              <a:rPr lang="ru-RU" dirty="0" smtClean="0"/>
+              <a:t>Извлечение библиографических ссылок</a:t>
+            </a:r>
+            <a:endParaRPr lang="ru-RU" dirty="0"/>
+          </a:p>
+        </p:txBody>
+      </p:sp>
+      <p:sp>
+        <p:nvSpPr>
+          <p:cNvPr id="3" name="Объект 2"/>
+          <p:cNvSpPr>
+            <a:spLocks noGrp="1"/>
+          </p:cNvSpPr>
+          <p:nvPr>
+            <p:ph idx="1"/>
+          </p:nvPr>
+        </p:nvSpPr>
+        <p:spPr/>
+        <p:txBody>
+          <a:bodyPr/>
+          <a:lstStyle/>
+          <a:p>
+            <a:endParaRPr lang="ru-RU" dirty="0" smtClean="0"/>
+          </a:p>
+          <a:p>
+            <a:r>
+              <a:rPr lang="en-US" sz="2800" dirty="0" smtClean="0">
+                <a:solidFill>
+                  <a:srgbClr val="FF0000"/>
+                </a:solidFill>
+              </a:rPr>
+              <a:t>King</a:t>
+            </a:r>
+            <a:r>
+              <a:rPr lang="en-US" sz="2800" dirty="0">
+                <a:solidFill>
+                  <a:srgbClr val="FF0000"/>
+                </a:solidFill>
+              </a:rPr>
+              <a:t>,  J.R.  (Ed.)    </a:t>
+            </a:r>
+            <a:r>
+              <a:rPr lang="en-US" sz="2800" dirty="0">
+                <a:solidFill>
+                  <a:srgbClr val="00B050"/>
+                </a:solidFill>
+              </a:rPr>
+              <a:t>2005</a:t>
+            </a:r>
+            <a:r>
+              <a:rPr lang="en-US" sz="2800" dirty="0">
+                <a:solidFill>
+                  <a:srgbClr val="00B0F0"/>
+                </a:solidFill>
+              </a:rPr>
+              <a:t>.    Report  of  the  Study  Group  on  the </a:t>
+            </a:r>
+            <a:endParaRPr lang="ru-RU" sz="2800" dirty="0">
+              <a:solidFill>
+                <a:srgbClr val="00B0F0"/>
+              </a:solidFill>
+            </a:endParaRPr>
+          </a:p>
+          <a:p>
+            <a:r>
+              <a:rPr lang="en-US" sz="2800" dirty="0">
+                <a:solidFill>
+                  <a:srgbClr val="00B0F0"/>
+                </a:solidFill>
+              </a:rPr>
+              <a:t>Fisheries  and  Ecosystem  Responses  to  Recent  Regime </a:t>
+            </a:r>
+            <a:endParaRPr lang="ru-RU" sz="2800" dirty="0">
+              <a:solidFill>
+                <a:srgbClr val="00B0F0"/>
+              </a:solidFill>
+            </a:endParaRPr>
+          </a:p>
+          <a:p>
+            <a:r>
+              <a:rPr lang="en-US" sz="2800" dirty="0">
+                <a:solidFill>
+                  <a:srgbClr val="00B0F0"/>
+                </a:solidFill>
+              </a:rPr>
+              <a:t>Shifts. PICES Sci. Rep. No. 28,</a:t>
+            </a:r>
+            <a:r>
+              <a:rPr lang="en-US" sz="2800" dirty="0">
+                <a:solidFill>
+                  <a:srgbClr val="7030A0"/>
+                </a:solidFill>
+              </a:rPr>
+              <a:t> 162 pp</a:t>
+            </a:r>
+            <a:r>
+              <a:rPr lang="en-US" sz="2800" dirty="0"/>
+              <a:t>.</a:t>
+            </a:r>
+            <a:endParaRPr lang="ru-RU" sz="2800" dirty="0"/>
+          </a:p>
+          <a:p>
+            <a:endParaRPr lang="ru-RU" dirty="0"/>
+          </a:p>
+        </p:txBody>
+      </p:sp>
+      <p:sp>
+        <p:nvSpPr>
+          <p:cNvPr id="4" name="Номер слайда 3"/>
+          <p:cNvSpPr>
+            <a:spLocks noGrp="1"/>
+          </p:cNvSpPr>
+          <p:nvPr>
+            <p:ph type="sldNum" sz="quarter" idx="12"/>
+          </p:nvPr>
+        </p:nvSpPr>
+        <p:spPr/>
+        <p:txBody>
+          <a:bodyPr/>
+          <a:lstStyle/>
+          <a:p>
+            <a:fld id="{54312719-E188-4125-8FBE-1E251BCF9D85}" type="slidenum">
+              <a:rPr lang="ru-RU" smtClean="0"/>
+              <a:t>9</a:t>
+            </a:fld>
+            <a:endParaRPr lang="ru-RU"/>
+          </a:p>
+        </p:txBody>
+      </p:sp>
+    </p:spTree>
+    <p:extLst>
+      <p:ext uri="{BB962C8B-B14F-4D97-AF65-F5344CB8AC3E}">
+        <p14:creationId xmlns:p14="http://schemas.microsoft.com/office/powerpoint/2010/main" val="3512029894"/>
+      </p:ext>
+    </p:extLst>
+  </p:cSld>
+  <p:clrMapOvr>
+    <a:masterClrMapping/>
+  </p:clrMapOvr>
 </p:sld>
 </file>
 

--- a/report.pptx
+++ b/report.pptx
@@ -5,24 +5,25 @@
     <p:sldMasterId id="2147483678" r:id="rId1"/>
   </p:sldMasterIdLst>
   <p:notesMasterIdLst>
-    <p:notesMasterId r:id="rId17"/>
+    <p:notesMasterId r:id="rId18"/>
   </p:notesMasterIdLst>
   <p:sldIdLst>
     <p:sldId id="256" r:id="rId2"/>
     <p:sldId id="257" r:id="rId3"/>
     <p:sldId id="258" r:id="rId4"/>
-    <p:sldId id="259" r:id="rId5"/>
+    <p:sldId id="269" r:id="rId5"/>
     <p:sldId id="260" r:id="rId6"/>
-    <p:sldId id="261" r:id="rId7"/>
-    <p:sldId id="263" r:id="rId8"/>
-    <p:sldId id="266" r:id="rId9"/>
-    <p:sldId id="265" r:id="rId10"/>
-    <p:sldId id="267" r:id="rId11"/>
-    <p:sldId id="271" r:id="rId12"/>
-    <p:sldId id="269" r:id="rId13"/>
-    <p:sldId id="270" r:id="rId14"/>
-    <p:sldId id="264" r:id="rId15"/>
-    <p:sldId id="262" r:id="rId16"/>
+    <p:sldId id="259" r:id="rId7"/>
+    <p:sldId id="261" r:id="rId8"/>
+    <p:sldId id="263" r:id="rId9"/>
+    <p:sldId id="266" r:id="rId10"/>
+    <p:sldId id="265" r:id="rId11"/>
+    <p:sldId id="267" r:id="rId12"/>
+    <p:sldId id="271" r:id="rId13"/>
+    <p:sldId id="264" r:id="rId14"/>
+    <p:sldId id="262" r:id="rId15"/>
+    <p:sldId id="272" r:id="rId16"/>
+    <p:sldId id="270" r:id="rId17"/>
   </p:sldIdLst>
   <p:sldSz cx="12192000" cy="6858000"/>
   <p:notesSz cx="6858000" cy="9144000"/>
@@ -211,7 +212,7 @@
           <a:p>
             <a:fld id="{D766DA2C-6D91-4888-A01C-01981EF51355}" type="datetimeFigureOut">
               <a:rPr lang="ru-RU" smtClean="0"/>
-              <a:t>25.05.2018</a:t>
+              <a:t>28.05.2018</a:t>
             </a:fld>
             <a:endParaRPr lang="ru-RU"/>
           </a:p>
@@ -789,7 +790,7 @@
           <a:p>
             <a:fld id="{18837A14-3D39-42D9-9056-F1062FE5D0F9}" type="datetime1">
               <a:rPr lang="ru-RU" smtClean="0"/>
-              <a:t>25.05.2018</a:t>
+              <a:t>28.05.2018</a:t>
             </a:fld>
             <a:endParaRPr lang="ru-RU"/>
           </a:p>
@@ -997,7 +998,7 @@
           <a:p>
             <a:fld id="{3820FA97-3B9C-4C9F-86D0-2D0822049852}" type="datetime1">
               <a:rPr lang="ru-RU" smtClean="0"/>
-              <a:t>25.05.2018</a:t>
+              <a:t>28.05.2018</a:t>
             </a:fld>
             <a:endParaRPr lang="ru-RU"/>
           </a:p>
@@ -1253,7 +1254,7 @@
           <a:p>
             <a:fld id="{96A5DF4A-BDB0-4A4F-8016-D636757619FD}" type="datetime1">
               <a:rPr lang="ru-RU" smtClean="0"/>
-              <a:t>25.05.2018</a:t>
+              <a:t>28.05.2018</a:t>
             </a:fld>
             <a:endParaRPr lang="ru-RU"/>
           </a:p>
@@ -1427,7 +1428,7 @@
           <a:p>
             <a:fld id="{FE59C463-7644-4BCC-9DCC-EC8C567A0F36}" type="datetime1">
               <a:rPr lang="ru-RU" smtClean="0"/>
-              <a:t>25.05.2018</a:t>
+              <a:t>28.05.2018</a:t>
             </a:fld>
             <a:endParaRPr lang="ru-RU"/>
           </a:p>
@@ -1770,7 +1771,7 @@
           <a:p>
             <a:fld id="{6D1229F1-4B30-47BD-8CCF-94D6BFC7AE8E}" type="datetime1">
               <a:rPr lang="ru-RU" smtClean="0"/>
-              <a:t>25.05.2018</a:t>
+              <a:t>28.05.2018</a:t>
             </a:fld>
             <a:endParaRPr lang="ru-RU"/>
           </a:p>
@@ -2045,7 +2046,7 @@
           <a:p>
             <a:fld id="{7D3E3913-5AFD-44C6-8B4C-158E5793D2A4}" type="datetime1">
               <a:rPr lang="ru-RU" smtClean="0"/>
-              <a:t>25.05.2018</a:t>
+              <a:t>28.05.2018</a:t>
             </a:fld>
             <a:endParaRPr lang="ru-RU"/>
           </a:p>
@@ -2424,7 +2425,7 @@
           <a:p>
             <a:fld id="{AF6518BD-5A14-48F4-8C85-7EB83F6CA3F8}" type="datetime1">
               <a:rPr lang="ru-RU" smtClean="0"/>
-              <a:t>25.05.2018</a:t>
+              <a:t>28.05.2018</a:t>
             </a:fld>
             <a:endParaRPr lang="ru-RU"/>
           </a:p>
@@ -2542,7 +2543,7 @@
           <a:p>
             <a:fld id="{2C7BE2EB-2075-4761-9D0C-5FF2BAC03B84}" type="datetime1">
               <a:rPr lang="ru-RU" smtClean="0"/>
-              <a:t>25.05.2018</a:t>
+              <a:t>28.05.2018</a:t>
             </a:fld>
             <a:endParaRPr lang="ru-RU"/>
           </a:p>
@@ -2713,7 +2714,7 @@
           <a:p>
             <a:fld id="{C5FED122-B1B9-4197-AD73-80AAB00358F0}" type="datetime1">
               <a:rPr lang="ru-RU" smtClean="0"/>
-              <a:t>25.05.2018</a:t>
+              <a:t>28.05.2018</a:t>
             </a:fld>
             <a:endParaRPr lang="ru-RU"/>
           </a:p>
@@ -3067,7 +3068,7 @@
           <a:p>
             <a:fld id="{F6FAD313-3015-49C8-90D4-336FF46AF479}" type="datetime1">
               <a:rPr lang="ru-RU" smtClean="0"/>
-              <a:t>25.05.2018</a:t>
+              <a:t>28.05.2018</a:t>
             </a:fld>
             <a:endParaRPr lang="ru-RU"/>
           </a:p>
@@ -3449,7 +3450,7 @@
           <a:p>
             <a:fld id="{82C1DDF3-30EC-40D8-869B-0E53F1E7B123}" type="datetime1">
               <a:rPr lang="ru-RU" smtClean="0"/>
-              <a:t>25.05.2018</a:t>
+              <a:t>28.05.2018</a:t>
             </a:fld>
             <a:endParaRPr lang="ru-RU"/>
           </a:p>
@@ -3736,7 +3737,7 @@
           <a:p>
             <a:fld id="{F4D33611-8D4F-43A3-A0AB-EBE66414247D}" type="datetime1">
               <a:rPr lang="ru-RU" smtClean="0"/>
-              <a:t>25.05.2018</a:t>
+              <a:t>28.05.2018</a:t>
             </a:fld>
             <a:endParaRPr lang="ru-RU"/>
           </a:p>
@@ -4401,6 +4402,188 @@
           <a:lstStyle/>
           <a:p>
             <a:r>
+              <a:rPr lang="ru-RU" dirty="0" smtClean="0"/>
+              <a:t>Извлечение библиографических ссылок</a:t>
+            </a:r>
+            <a:endParaRPr lang="ru-RU" dirty="0"/>
+          </a:p>
+        </p:txBody>
+      </p:sp>
+      <p:sp>
+        <p:nvSpPr>
+          <p:cNvPr id="3" name="Объект 2"/>
+          <p:cNvSpPr>
+            <a:spLocks noGrp="1"/>
+          </p:cNvSpPr>
+          <p:nvPr>
+            <p:ph idx="1"/>
+          </p:nvPr>
+        </p:nvSpPr>
+        <p:spPr/>
+        <p:txBody>
+          <a:bodyPr/>
+          <a:lstStyle/>
+          <a:p>
+            <a:endParaRPr lang="ru-RU" dirty="0" smtClean="0"/>
+          </a:p>
+          <a:p>
+            <a:r>
+              <a:rPr lang="en-US" sz="2800" dirty="0" smtClean="0">
+                <a:solidFill>
+                  <a:srgbClr val="FF0000"/>
+                </a:solidFill>
+              </a:rPr>
+              <a:t>King</a:t>
+            </a:r>
+            <a:r>
+              <a:rPr lang="en-US" sz="2800" dirty="0">
+                <a:solidFill>
+                  <a:srgbClr val="FF0000"/>
+                </a:solidFill>
+              </a:rPr>
+              <a:t>,  J.R.  (Ed.)    </a:t>
+            </a:r>
+            <a:r>
+              <a:rPr lang="en-US" sz="2800" dirty="0">
+                <a:solidFill>
+                  <a:srgbClr val="00B050"/>
+                </a:solidFill>
+              </a:rPr>
+              <a:t>2005</a:t>
+            </a:r>
+            <a:r>
+              <a:rPr lang="en-US" sz="2800" dirty="0">
+                <a:solidFill>
+                  <a:srgbClr val="00B0F0"/>
+                </a:solidFill>
+              </a:rPr>
+              <a:t>.    Report  of  the  Study  Group  on  the </a:t>
+            </a:r>
+            <a:endParaRPr lang="ru-RU" sz="2800" dirty="0">
+              <a:solidFill>
+                <a:srgbClr val="00B0F0"/>
+              </a:solidFill>
+            </a:endParaRPr>
+          </a:p>
+          <a:p>
+            <a:r>
+              <a:rPr lang="en-US" sz="2800" dirty="0">
+                <a:solidFill>
+                  <a:srgbClr val="00B0F0"/>
+                </a:solidFill>
+              </a:rPr>
+              <a:t>Fisheries  and  Ecosystem  Responses  to  Recent  Regime </a:t>
+            </a:r>
+            <a:endParaRPr lang="ru-RU" sz="2800" dirty="0">
+              <a:solidFill>
+                <a:srgbClr val="00B0F0"/>
+              </a:solidFill>
+            </a:endParaRPr>
+          </a:p>
+          <a:p>
+            <a:r>
+              <a:rPr lang="en-US" sz="2800" dirty="0">
+                <a:solidFill>
+                  <a:srgbClr val="00B0F0"/>
+                </a:solidFill>
+              </a:rPr>
+              <a:t>Shifts. PICES Sci. Rep. No. 28,</a:t>
+            </a:r>
+            <a:r>
+              <a:rPr lang="en-US" sz="2800" dirty="0">
+                <a:solidFill>
+                  <a:srgbClr val="7030A0"/>
+                </a:solidFill>
+              </a:rPr>
+              <a:t> 162 pp</a:t>
+            </a:r>
+            <a:r>
+              <a:rPr lang="en-US" sz="2800" dirty="0"/>
+              <a:t>.</a:t>
+            </a:r>
+            <a:endParaRPr lang="ru-RU" sz="2800" dirty="0"/>
+          </a:p>
+          <a:p>
+            <a:endParaRPr lang="ru-RU" dirty="0"/>
+          </a:p>
+        </p:txBody>
+      </p:sp>
+      <p:sp>
+        <p:nvSpPr>
+          <p:cNvPr id="4" name="Номер слайда 3"/>
+          <p:cNvSpPr>
+            <a:spLocks noGrp="1"/>
+          </p:cNvSpPr>
+          <p:nvPr>
+            <p:ph type="sldNum" sz="quarter" idx="12"/>
+          </p:nvPr>
+        </p:nvSpPr>
+        <p:spPr/>
+        <p:txBody>
+          <a:bodyPr/>
+          <a:lstStyle/>
+          <a:p>
+            <a:fld id="{54312719-E188-4125-8FBE-1E251BCF9D85}" type="slidenum">
+              <a:rPr lang="ru-RU" smtClean="0"/>
+              <a:t>10</a:t>
+            </a:fld>
+            <a:endParaRPr lang="ru-RU"/>
+          </a:p>
+        </p:txBody>
+      </p:sp>
+    </p:spTree>
+    <p:extLst>
+      <p:ext uri="{BB962C8B-B14F-4D97-AF65-F5344CB8AC3E}">
+        <p14:creationId xmlns:p14="http://schemas.microsoft.com/office/powerpoint/2010/main" val="3512029894"/>
+      </p:ext>
+    </p:extLst>
+  </p:cSld>
+  <p:clrMapOvr>
+    <a:masterClrMapping/>
+  </p:clrMapOvr>
+  <p:timing>
+    <p:tnLst>
+      <p:par>
+        <p:cTn id="1" dur="indefinite" restart="never" nodeType="tmRoot"/>
+      </p:par>
+    </p:tnLst>
+  </p:timing>
+</p:sld>
+</file>
+
+<file path=ppt/slides/slide11.xml><?xml version="1.0" encoding="utf-8"?>
+<p:sld xmlns:a="http://schemas.openxmlformats.org/drawingml/2006/main" xmlns:r="http://schemas.openxmlformats.org/officeDocument/2006/relationships" xmlns:p="http://schemas.openxmlformats.org/presentationml/2006/main">
+  <p:cSld>
+    <p:spTree>
+      <p:nvGrpSpPr>
+        <p:cNvPr id="1" name=""/>
+        <p:cNvGrpSpPr/>
+        <p:nvPr/>
+      </p:nvGrpSpPr>
+      <p:grpSpPr>
+        <a:xfrm>
+          <a:off x="0" y="0"/>
+          <a:ext cx="0" cy="0"/>
+          <a:chOff x="0" y="0"/>
+          <a:chExt cx="0" cy="0"/>
+        </a:xfrm>
+      </p:grpSpPr>
+      <p:sp>
+        <p:nvSpPr>
+          <p:cNvPr id="2" name="Заголовок 1"/>
+          <p:cNvSpPr>
+            <a:spLocks noGrp="1"/>
+          </p:cNvSpPr>
+          <p:nvPr>
+            <p:ph type="title"/>
+          </p:nvPr>
+        </p:nvSpPr>
+        <p:spPr/>
+        <p:txBody>
+          <a:bodyPr/>
+          <a:lstStyle/>
+          <a:p>
+            <a:r>
               <a:rPr lang="ru-RU" b="1" dirty="0" smtClean="0"/>
               <a:t>Извлечение </a:t>
             </a:r>
@@ -4563,7 +4746,7 @@
           <a:p>
             <a:fld id="{54312719-E188-4125-8FBE-1E251BCF9D85}" type="slidenum">
               <a:rPr lang="ru-RU" smtClean="0"/>
-              <a:t>10</a:t>
+              <a:t>11</a:t>
             </a:fld>
             <a:endParaRPr lang="ru-RU"/>
           </a:p>
@@ -4579,259 +4762,13 @@
   <p:clrMapOvr>
     <a:masterClrMapping/>
   </p:clrMapOvr>
-</p:sld>
-</file>
-
-<file path=ppt/slides/slide11.xml><?xml version="1.0" encoding="utf-8"?>
-<p:sld xmlns:a="http://schemas.openxmlformats.org/drawingml/2006/main" xmlns:r="http://schemas.openxmlformats.org/officeDocument/2006/relationships" xmlns:p="http://schemas.openxmlformats.org/presentationml/2006/main">
-  <p:cSld>
-    <p:spTree>
-      <p:nvGrpSpPr>
-        <p:cNvPr id="1" name=""/>
-        <p:cNvGrpSpPr/>
-        <p:nvPr/>
-      </p:nvGrpSpPr>
-      <p:grpSpPr>
-        <a:xfrm>
-          <a:off x="0" y="0"/>
-          <a:ext cx="0" cy="0"/>
-          <a:chOff x="0" y="0"/>
-          <a:chExt cx="0" cy="0"/>
-        </a:xfrm>
-      </p:grpSpPr>
-      <p:sp>
-        <p:nvSpPr>
-          <p:cNvPr id="2" name="Заголовок 1"/>
-          <p:cNvSpPr>
-            <a:spLocks noGrp="1"/>
-          </p:cNvSpPr>
-          <p:nvPr>
-            <p:ph type="title"/>
-          </p:nvPr>
-        </p:nvSpPr>
-        <p:spPr/>
-        <p:txBody>
-          <a:bodyPr/>
-          <a:lstStyle/>
-          <a:p>
-            <a:endParaRPr lang="ru-RU" dirty="0"/>
-          </a:p>
-        </p:txBody>
-      </p:sp>
-      <p:sp>
-        <p:nvSpPr>
-          <p:cNvPr id="3" name="Объект 2"/>
-          <p:cNvSpPr>
-            <a:spLocks noGrp="1"/>
-          </p:cNvSpPr>
-          <p:nvPr>
-            <p:ph idx="1"/>
-          </p:nvPr>
-        </p:nvSpPr>
-        <p:spPr>
-          <a:xfrm>
-            <a:off x="256674" y="1845733"/>
-            <a:ext cx="11646568" cy="4442771"/>
-          </a:xfrm>
-        </p:spPr>
-        <p:txBody>
-          <a:bodyPr>
-            <a:normAutofit lnSpcReduction="10000"/>
-          </a:bodyPr>
-          <a:lstStyle/>
-          <a:p>
-            <a:r>
-              <a:rPr lang="ru-RU" sz="3200" dirty="0" smtClean="0"/>
-              <a:t>Публикация осуществляется через протокол </a:t>
-            </a:r>
-            <a:r>
-              <a:rPr lang="en-US" sz="3200" dirty="0" smtClean="0"/>
-              <a:t>CSW</a:t>
-            </a:r>
-            <a:endParaRPr lang="en-US" dirty="0" smtClean="0"/>
-          </a:p>
-          <a:p>
-            <a:r>
-              <a:rPr lang="en-US" sz="2400" dirty="0"/>
-              <a:t>Url:</a:t>
-            </a:r>
-          </a:p>
-          <a:p>
-            <a:r>
-              <a:rPr lang="en-US" sz="2400" b="1" dirty="0" err="1" smtClean="0">
-                <a:solidFill>
-                  <a:srgbClr val="FF0000"/>
-                </a:solidFill>
-              </a:rPr>
-              <a:t>GeoNetwork</a:t>
-            </a:r>
-            <a:r>
-              <a:rPr lang="en-US" sz="2400" b="1" dirty="0" smtClean="0">
-                <a:solidFill>
-                  <a:srgbClr val="FF0000"/>
-                </a:solidFill>
-              </a:rPr>
-              <a:t> URL</a:t>
-            </a:r>
-            <a:endParaRPr lang="ru-RU" sz="2400" b="1" dirty="0" smtClean="0">
-              <a:solidFill>
-                <a:srgbClr val="FF0000"/>
-              </a:solidFill>
-            </a:endParaRPr>
-          </a:p>
-          <a:p>
-            <a:r>
-              <a:rPr lang="en-US" sz="2400" dirty="0" smtClean="0"/>
-              <a:t>Post </a:t>
-            </a:r>
-            <a:r>
-              <a:rPr lang="en-US" sz="2400" dirty="0"/>
-              <a:t>data:</a:t>
-            </a:r>
-            <a:endParaRPr lang="ru-RU" sz="2400" dirty="0"/>
-          </a:p>
-          <a:p>
-            <a:pPr marL="0" indent="0">
-              <a:buNone/>
-            </a:pPr>
-            <a:r>
-              <a:rPr lang="en-US" sz="2200" dirty="0"/>
-              <a:t>&lt;</a:t>
-            </a:r>
-            <a:r>
-              <a:rPr lang="en-US" sz="2200" dirty="0" err="1"/>
-              <a:t>csw:Transaction</a:t>
-            </a:r>
-            <a:r>
-              <a:rPr lang="en-US" sz="2200" dirty="0"/>
-              <a:t> service="CSW" version="</a:t>
-            </a:r>
-            <a:r>
-              <a:rPr lang="en-US" sz="2200" dirty="0" smtClean="0"/>
-              <a:t>2.0.2”</a:t>
-            </a:r>
-            <a:r>
-              <a:rPr lang="ru-RU" sz="2200" dirty="0" smtClean="0"/>
-              <a:t> </a:t>
-            </a:r>
-            <a:r>
-              <a:rPr lang="en-US" sz="2200" dirty="0" err="1" smtClean="0"/>
-              <a:t>xmlns:csw</a:t>
-            </a:r>
-            <a:r>
-              <a:rPr lang="en-US" sz="2200" dirty="0"/>
-              <a:t>="http://www.opengis.net/cat/csw/2.0.2"&gt;</a:t>
-            </a:r>
-          </a:p>
-          <a:p>
-            <a:pPr marL="0" indent="0">
-              <a:buNone/>
-            </a:pPr>
-            <a:r>
-              <a:rPr lang="en-US" sz="2200" dirty="0" smtClean="0"/>
-              <a:t>	&lt;</a:t>
-            </a:r>
-            <a:r>
-              <a:rPr lang="en-US" sz="2200" dirty="0" err="1"/>
-              <a:t>csw:Insert</a:t>
-            </a:r>
-            <a:r>
-              <a:rPr lang="en-US" sz="2200" dirty="0"/>
-              <a:t>&gt;</a:t>
-            </a:r>
-          </a:p>
-          <a:p>
-            <a:pPr marL="0" indent="0">
-              <a:buNone/>
-            </a:pPr>
-            <a:r>
-              <a:rPr lang="en-US" sz="2200" dirty="0" smtClean="0"/>
-              <a:t>		</a:t>
-            </a:r>
-            <a:r>
-              <a:rPr lang="en-US" sz="2200" b="1" dirty="0" smtClean="0">
-                <a:solidFill>
-                  <a:srgbClr val="00B0F0"/>
-                </a:solidFill>
-              </a:rPr>
-              <a:t>DATA(ISO19115v2/FGDC)</a:t>
-            </a:r>
-            <a:endParaRPr lang="en-US" sz="2200" b="1" dirty="0">
-              <a:solidFill>
-                <a:srgbClr val="00B0F0"/>
-              </a:solidFill>
-            </a:endParaRPr>
-          </a:p>
-          <a:p>
-            <a:pPr marL="0" indent="0">
-              <a:buNone/>
-            </a:pPr>
-            <a:r>
-              <a:rPr lang="en-US" sz="2200" dirty="0" smtClean="0"/>
-              <a:t>	&lt;/</a:t>
-            </a:r>
-            <a:r>
-              <a:rPr lang="en-US" sz="2200" dirty="0" err="1"/>
-              <a:t>csw:Insert</a:t>
-            </a:r>
-            <a:r>
-              <a:rPr lang="en-US" sz="2200" dirty="0"/>
-              <a:t>&gt;</a:t>
-            </a:r>
-          </a:p>
-          <a:p>
-            <a:pPr marL="0" indent="0">
-              <a:buNone/>
-            </a:pPr>
-            <a:r>
-              <a:rPr lang="en-US" sz="2200" dirty="0" smtClean="0"/>
-              <a:t>&lt;/</a:t>
-            </a:r>
-            <a:r>
-              <a:rPr lang="en-US" sz="2200" dirty="0" err="1"/>
-              <a:t>csw:Transaction</a:t>
-            </a:r>
-            <a:r>
-              <a:rPr lang="en-US" sz="2200" dirty="0"/>
-              <a:t>&gt;</a:t>
-            </a:r>
-            <a:endParaRPr lang="ru-RU" sz="2200" dirty="0"/>
-          </a:p>
-        </p:txBody>
-      </p:sp>
-      <p:sp>
-        <p:nvSpPr>
-          <p:cNvPr id="4" name="Номер слайда 3"/>
-          <p:cNvSpPr>
-            <a:spLocks noGrp="1"/>
-          </p:cNvSpPr>
-          <p:nvPr>
-            <p:ph type="sldNum" sz="quarter" idx="12"/>
-          </p:nvPr>
-        </p:nvSpPr>
-        <p:spPr/>
-        <p:txBody>
-          <a:bodyPr/>
-          <a:lstStyle/>
-          <a:p>
-            <a:fld id="{54312719-E188-4125-8FBE-1E251BCF9D85}" type="slidenum">
-              <a:rPr lang="ru-RU" smtClean="0"/>
-              <a:t>11</a:t>
-            </a:fld>
-            <a:endParaRPr lang="ru-RU"/>
-          </a:p>
-        </p:txBody>
-      </p:sp>
-    </p:spTree>
-    <p:extLst>
-      <p:ext uri="{BB962C8B-B14F-4D97-AF65-F5344CB8AC3E}">
-        <p14:creationId xmlns:p14="http://schemas.microsoft.com/office/powerpoint/2010/main" val="276205266"/>
-      </p:ext>
-    </p:extLst>
-  </p:cSld>
-  <p:clrMapOvr>
-    <a:masterClrMapping/>
-  </p:clrMapOvr>
+  <p:timing>
+    <p:tnLst>
+      <p:par>
+        <p:cTn id="1" dur="indefinite" restart="never" nodeType="tmRoot"/>
+      </p:par>
+    </p:tnLst>
+  </p:timing>
 </p:sld>
 </file>
 
@@ -4864,12 +4801,18 @@
         </p:nvSpPr>
         <p:spPr/>
         <p:txBody>
-          <a:bodyPr/>
+          <a:bodyPr>
+            <a:normAutofit/>
+          </a:bodyPr>
           <a:lstStyle/>
           <a:p>
             <a:r>
-              <a:rPr lang="ru-RU" dirty="0" smtClean="0"/>
-              <a:t>Формат данных</a:t>
+              <a:rPr lang="ru-RU" dirty="0"/>
+              <a:t>Публикация осуществляется через протокол </a:t>
+            </a:r>
+            <a:r>
+              <a:rPr lang="en-US" dirty="0" smtClean="0"/>
+              <a:t>CSW</a:t>
             </a:r>
             <a:endParaRPr lang="ru-RU" dirty="0"/>
           </a:p>
@@ -4885,95 +4828,167 @@
             <p:ph idx="1"/>
           </p:nvPr>
         </p:nvSpPr>
-        <p:spPr/>
+        <p:spPr>
+          <a:xfrm>
+            <a:off x="256674" y="1845733"/>
+            <a:ext cx="11646568" cy="4442771"/>
+          </a:xfrm>
+        </p:spPr>
         <p:txBody>
           <a:bodyPr>
-            <a:normAutofit fontScale="92500" lnSpcReduction="10000"/>
+            <a:normAutofit/>
           </a:bodyPr>
           <a:lstStyle/>
           <a:p>
             <a:r>
-              <a:rPr lang="ru-RU" sz="4400" b="1" dirty="0" err="1" smtClean="0"/>
-              <a:t>Метаописания</a:t>
-            </a:r>
-            <a:r>
-              <a:rPr lang="ru-RU" sz="4400" b="1" dirty="0" smtClean="0"/>
+              <a:rPr lang="en-US" sz="2400" dirty="0" smtClean="0"/>
+              <a:t>Url</a:t>
+            </a:r>
+            <a:r>
+              <a:rPr lang="en-US" sz="2400" dirty="0"/>
+              <a:t>:</a:t>
+            </a:r>
+          </a:p>
+          <a:p>
+            <a:r>
+              <a:rPr lang="en-US" sz="2400" b="1" dirty="0" err="1" smtClean="0">
+                <a:solidFill>
+                  <a:srgbClr val="FF0000"/>
+                </a:solidFill>
+              </a:rPr>
+              <a:t>GeoNetwork</a:t>
+            </a:r>
+            <a:r>
+              <a:rPr lang="en-US" sz="2400" b="1" dirty="0" smtClean="0">
+                <a:solidFill>
+                  <a:srgbClr val="FF0000"/>
+                </a:solidFill>
+              </a:rPr>
+              <a:t> URL</a:t>
+            </a:r>
+            <a:endParaRPr lang="ru-RU" sz="2400" b="1" dirty="0" smtClean="0">
+              <a:solidFill>
+                <a:srgbClr val="FF0000"/>
+              </a:solidFill>
+            </a:endParaRPr>
+          </a:p>
+          <a:p>
+            <a:r>
+              <a:rPr lang="en-US" sz="2400" dirty="0" smtClean="0"/>
+              <a:t>Post </a:t>
+            </a:r>
+            <a:r>
+              <a:rPr lang="en-US" sz="2400" dirty="0"/>
+              <a:t>data:</a:t>
+            </a:r>
+            <a:endParaRPr lang="ru-RU" sz="2400" dirty="0"/>
+          </a:p>
+          <a:p>
+            <a:pPr marL="0" indent="0">
+              <a:buNone/>
+            </a:pPr>
+            <a:r>
+              <a:rPr lang="en-US" sz="2200" dirty="0"/>
+              <a:t>&lt;</a:t>
+            </a:r>
+            <a:r>
+              <a:rPr lang="en-US" sz="2200" dirty="0" err="1"/>
+              <a:t>csw:Transaction</a:t>
+            </a:r>
+            <a:r>
+              <a:rPr lang="en-US" sz="2200" dirty="0"/>
+              <a:t> service="CSW" version="</a:t>
+            </a:r>
+            <a:r>
+              <a:rPr lang="en-US" sz="2200" dirty="0" smtClean="0"/>
+              <a:t>2.0.2”</a:t>
+            </a:r>
+            <a:r>
+              <a:rPr lang="ru-RU" sz="2200" dirty="0" smtClean="0"/>
               <a:t> </a:t>
             </a:r>
             <a:r>
-              <a:rPr lang="ru-RU" sz="4400" dirty="0" smtClean="0"/>
-              <a:t>— </a:t>
-            </a:r>
-            <a:r>
-              <a:rPr lang="ru-RU" sz="4400" dirty="0"/>
-              <a:t>информация о другой </a:t>
-            </a:r>
-            <a:r>
-              <a:rPr lang="ru-RU" sz="4400" dirty="0" smtClean="0"/>
-              <a:t>информации. Это структурированная информация, которая позволяет искать </a:t>
-            </a:r>
-            <a:r>
-              <a:rPr lang="ru-RU" sz="4400" dirty="0"/>
-              <a:t>и </a:t>
-            </a:r>
-            <a:r>
-              <a:rPr lang="ru-RU" sz="4400" dirty="0" smtClean="0"/>
-              <a:t>управлять </a:t>
-            </a:r>
-            <a:r>
-              <a:rPr lang="ru-RU" sz="4400" dirty="0" err="1" smtClean="0"/>
-              <a:t>даннымив</a:t>
-            </a:r>
-            <a:r>
-              <a:rPr lang="ru-RU" sz="4400" dirty="0" smtClean="0"/>
-              <a:t> </a:t>
-            </a:r>
-            <a:r>
-              <a:rPr lang="ru-RU" sz="4400" dirty="0"/>
-              <a:t>больших информационных потоках</a:t>
-            </a:r>
-            <a:r>
-              <a:rPr lang="ru-RU" sz="4400" dirty="0" smtClean="0"/>
-              <a:t>.</a:t>
-            </a:r>
-            <a:r>
-              <a:rPr lang="en-US" sz="4400" dirty="0" smtClean="0"/>
-              <a:t> </a:t>
-            </a:r>
-          </a:p>
-          <a:p>
-            <a:pPr>
-              <a:buFont typeface="Arial" panose="020B0604020202020204" pitchFamily="34" charset="0"/>
-              <a:buChar char="•"/>
+              <a:rPr lang="en-US" sz="2200" dirty="0" err="1" smtClean="0"/>
+              <a:t>xmlns:csw</a:t>
+            </a:r>
+            <a:r>
+              <a:rPr lang="en-US" sz="2200" dirty="0"/>
+              <a:t>="http://www.opengis.net/cat/csw/2.0.2"&gt;</a:t>
+            </a:r>
+          </a:p>
+          <a:p>
+            <a:pPr marL="0" indent="0">
+              <a:buNone/>
             </a:pPr>
             <a:r>
-              <a:rPr lang="en-US" sz="4400" dirty="0" smtClean="0"/>
-              <a:t> ISO </a:t>
-            </a:r>
-            <a:r>
-              <a:rPr lang="en-US" sz="4400" dirty="0"/>
-              <a:t>19115v2</a:t>
-            </a:r>
-          </a:p>
-          <a:p>
-            <a:pPr>
-              <a:buFont typeface="Arial" panose="020B0604020202020204" pitchFamily="34" charset="0"/>
-              <a:buChar char="•"/>
+              <a:rPr lang="en-US" sz="2200" dirty="0" smtClean="0"/>
+              <a:t>	&lt;</a:t>
+            </a:r>
+            <a:r>
+              <a:rPr lang="en-US" sz="2200" dirty="0" err="1"/>
+              <a:t>csw:Insert</a:t>
+            </a:r>
+            <a:r>
+              <a:rPr lang="en-US" sz="2200" dirty="0"/>
+              <a:t>&gt;</a:t>
+            </a:r>
+          </a:p>
+          <a:p>
+            <a:pPr marL="0" indent="0">
+              <a:buNone/>
             </a:pPr>
             <a:r>
-              <a:rPr lang="en-US" sz="4400" dirty="0" smtClean="0"/>
-              <a:t> FGDC</a:t>
-            </a:r>
-          </a:p>
-          <a:p>
-            <a:pPr>
-              <a:buFont typeface="Arial" panose="020B0604020202020204" pitchFamily="34" charset="0"/>
-              <a:buChar char="•"/>
+              <a:rPr lang="en-US" sz="2200" dirty="0" smtClean="0"/>
+              <a:t>		</a:t>
+            </a:r>
+            <a:r>
+              <a:rPr lang="en-US" sz="2200" b="1" dirty="0" smtClean="0">
+                <a:solidFill>
+                  <a:srgbClr val="00B0F0"/>
+                </a:solidFill>
+              </a:rPr>
+              <a:t>DATA(ISO19115v2/FGDC)</a:t>
+            </a:r>
+            <a:endParaRPr lang="en-US" sz="2200" b="1" dirty="0">
+              <a:solidFill>
+                <a:srgbClr val="00B0F0"/>
+              </a:solidFill>
+            </a:endParaRPr>
+          </a:p>
+          <a:p>
+            <a:pPr marL="0" indent="0">
+              <a:buNone/>
             </a:pPr>
-            <a:endParaRPr lang="ru-RU" sz="4400" dirty="0" smtClean="0"/>
-          </a:p>
-          <a:p>
-            <a:endParaRPr lang="ru-RU" sz="4400" dirty="0"/>
+            <a:r>
+              <a:rPr lang="en-US" sz="2200" dirty="0" smtClean="0"/>
+              <a:t>	&lt;/</a:t>
+            </a:r>
+            <a:r>
+              <a:rPr lang="en-US" sz="2200" dirty="0" err="1"/>
+              <a:t>csw:Insert</a:t>
+            </a:r>
+            <a:r>
+              <a:rPr lang="en-US" sz="2200" dirty="0"/>
+              <a:t>&gt;</a:t>
+            </a:r>
+          </a:p>
+          <a:p>
+            <a:pPr marL="0" indent="0">
+              <a:buNone/>
+            </a:pPr>
+            <a:r>
+              <a:rPr lang="en-US" sz="2200" dirty="0" smtClean="0"/>
+              <a:t>&lt;/</a:t>
+            </a:r>
+            <a:r>
+              <a:rPr lang="en-US" sz="2200" dirty="0" err="1"/>
+              <a:t>csw:Transaction</a:t>
+            </a:r>
+            <a:r>
+              <a:rPr lang="en-US" sz="2200" dirty="0"/>
+              <a:t>&gt;</a:t>
+            </a:r>
+            <a:endParaRPr lang="ru-RU" sz="2200" dirty="0"/>
           </a:p>
         </p:txBody>
       </p:sp>
@@ -5003,13 +5018,20 @@
     </p:spTree>
     <p:extLst>
       <p:ext uri="{BB962C8B-B14F-4D97-AF65-F5344CB8AC3E}">
-        <p14:creationId xmlns:p14="http://schemas.microsoft.com/office/powerpoint/2010/main" val="106252291"/>
+        <p14:creationId xmlns:p14="http://schemas.microsoft.com/office/powerpoint/2010/main" val="276205266"/>
       </p:ext>
     </p:extLst>
   </p:cSld>
   <p:clrMapOvr>
     <a:masterClrMapping/>
   </p:clrMapOvr>
+  <p:timing>
+    <p:tnLst>
+      <p:par>
+        <p:cTn id="1" dur="indefinite" restart="never" nodeType="tmRoot"/>
+      </p:par>
+    </p:tnLst>
+  </p:timing>
 </p:sld>
 </file>
 
@@ -5047,143 +5069,6 @@
           <a:p>
             <a:r>
               <a:rPr lang="ru-RU" dirty="0" smtClean="0"/>
-              <a:t>Проект</a:t>
-            </a:r>
-            <a:endParaRPr lang="ru-RU" dirty="0"/>
-          </a:p>
-        </p:txBody>
-      </p:sp>
-      <p:sp>
-        <p:nvSpPr>
-          <p:cNvPr id="3" name="Объект 2"/>
-          <p:cNvSpPr>
-            <a:spLocks noGrp="1"/>
-          </p:cNvSpPr>
-          <p:nvPr>
-            <p:ph idx="1"/>
-          </p:nvPr>
-        </p:nvSpPr>
-        <p:spPr/>
-        <p:txBody>
-          <a:bodyPr>
-            <a:normAutofit/>
-          </a:bodyPr>
-          <a:lstStyle/>
-          <a:p>
-            <a:r>
-              <a:rPr lang="en-US" sz="3600" dirty="0" smtClean="0"/>
-              <a:t>Python 3.5</a:t>
-            </a:r>
-          </a:p>
-          <a:p>
-            <a:r>
-              <a:rPr lang="en-US" sz="3600" dirty="0" err="1" smtClean="0"/>
-              <a:t>Tensorflow</a:t>
-            </a:r>
-            <a:r>
-              <a:rPr lang="en-US" sz="3600" dirty="0" smtClean="0"/>
-              <a:t> 1.5 &lt;=</a:t>
-            </a:r>
-          </a:p>
-          <a:p>
-            <a:r>
-              <a:rPr lang="en-US" sz="3600" dirty="0" smtClean="0"/>
-              <a:t>PyQt5</a:t>
-            </a:r>
-          </a:p>
-          <a:p>
-            <a:r>
-              <a:rPr lang="ru-RU" sz="3600" dirty="0" smtClean="0"/>
-              <a:t>Написано более 4000 строк кода </a:t>
-            </a:r>
-            <a:r>
-              <a:rPr lang="ru-RU" sz="3600" dirty="0"/>
-              <a:t>(более 400 кб.).</a:t>
-            </a:r>
-          </a:p>
-          <a:p>
-            <a:r>
-              <a:rPr lang="en-US" sz="3600" dirty="0" smtClean="0"/>
-              <a:t>1 </a:t>
-            </a:r>
-            <a:r>
-              <a:rPr lang="ru-RU" sz="3600" dirty="0" smtClean="0"/>
-              <a:t>окно - 7 вкладок - 3 диалоговых окна</a:t>
-            </a:r>
-            <a:endParaRPr lang="ru-RU" sz="3600" dirty="0"/>
-          </a:p>
-        </p:txBody>
-      </p:sp>
-      <p:sp>
-        <p:nvSpPr>
-          <p:cNvPr id="4" name="Номер слайда 3"/>
-          <p:cNvSpPr>
-            <a:spLocks noGrp="1"/>
-          </p:cNvSpPr>
-          <p:nvPr>
-            <p:ph type="sldNum" sz="quarter" idx="12"/>
-          </p:nvPr>
-        </p:nvSpPr>
-        <p:spPr/>
-        <p:txBody>
-          <a:bodyPr/>
-          <a:lstStyle/>
-          <a:p>
-            <a:fld id="{54312719-E188-4125-8FBE-1E251BCF9D85}" type="slidenum">
-              <a:rPr lang="ru-RU" smtClean="0"/>
-              <a:t>13</a:t>
-            </a:fld>
-            <a:endParaRPr lang="ru-RU"/>
-          </a:p>
-        </p:txBody>
-      </p:sp>
-    </p:spTree>
-    <p:extLst>
-      <p:ext uri="{BB962C8B-B14F-4D97-AF65-F5344CB8AC3E}">
-        <p14:creationId xmlns:p14="http://schemas.microsoft.com/office/powerpoint/2010/main" val="1006721179"/>
-      </p:ext>
-    </p:extLst>
-  </p:cSld>
-  <p:clrMapOvr>
-    <a:masterClrMapping/>
-  </p:clrMapOvr>
-</p:sld>
-</file>
-
-<file path=ppt/slides/slide14.xml><?xml version="1.0" encoding="utf-8"?>
-<p:sld xmlns:a="http://schemas.openxmlformats.org/drawingml/2006/main" xmlns:r="http://schemas.openxmlformats.org/officeDocument/2006/relationships" xmlns:p="http://schemas.openxmlformats.org/presentationml/2006/main">
-  <p:cSld>
-    <p:spTree>
-      <p:nvGrpSpPr>
-        <p:cNvPr id="1" name=""/>
-        <p:cNvGrpSpPr/>
-        <p:nvPr/>
-      </p:nvGrpSpPr>
-      <p:grpSpPr>
-        <a:xfrm>
-          <a:off x="0" y="0"/>
-          <a:ext cx="0" cy="0"/>
-          <a:chOff x="0" y="0"/>
-          <a:chExt cx="0" cy="0"/>
-        </a:xfrm>
-      </p:grpSpPr>
-      <p:sp>
-        <p:nvSpPr>
-          <p:cNvPr id="2" name="Заголовок 1"/>
-          <p:cNvSpPr>
-            <a:spLocks noGrp="1"/>
-          </p:cNvSpPr>
-          <p:nvPr>
-            <p:ph type="title"/>
-          </p:nvPr>
-        </p:nvSpPr>
-        <p:spPr/>
-        <p:txBody>
-          <a:bodyPr/>
-          <a:lstStyle/>
-          <a:p>
-            <a:r>
-              <a:rPr lang="ru-RU" dirty="0" smtClean="0"/>
               <a:t>Оценка качества</a:t>
             </a:r>
             <a:endParaRPr lang="ru-RU" dirty="0"/>
@@ -5207,7 +5092,7 @@
         </p:nvGraphicFramePr>
         <p:xfrm>
           <a:off x="3286591" y="3368842"/>
-          <a:ext cx="5231768" cy="2675637"/>
+          <a:ext cx="5231768" cy="2857500"/>
         </p:xfrm>
         <a:graphic>
           <a:graphicData uri="http://schemas.openxmlformats.org/drawingml/2006/table">
@@ -5709,7 +5594,7 @@
           <a:p>
             <a:fld id="{54312719-E188-4125-8FBE-1E251BCF9D85}" type="slidenum">
               <a:rPr lang="ru-RU" smtClean="0"/>
-              <a:t>14</a:t>
+              <a:t>13</a:t>
             </a:fld>
             <a:endParaRPr lang="ru-RU"/>
           </a:p>
@@ -6229,10 +6114,17 @@
   <p:clrMapOvr>
     <a:masterClrMapping/>
   </p:clrMapOvr>
+  <p:timing>
+    <p:tnLst>
+      <p:par>
+        <p:cTn id="1" dur="indefinite" restart="never" nodeType="tmRoot"/>
+      </p:par>
+    </p:tnLst>
+  </p:timing>
 </p:sld>
 </file>
 
-<file path=ppt/slides/slide15.xml><?xml version="1.0" encoding="utf-8"?>
+<file path=ppt/slides/slide14.xml><?xml version="1.0" encoding="utf-8"?>
 <p:sld xmlns:a="http://schemas.openxmlformats.org/drawingml/2006/main" xmlns:r="http://schemas.openxmlformats.org/officeDocument/2006/relationships" xmlns:p="http://schemas.openxmlformats.org/presentationml/2006/main">
   <p:cSld>
     <p:spTree>
@@ -6261,7 +6153,7 @@
         </p:nvSpPr>
         <p:spPr>
           <a:xfrm>
-            <a:off x="1040475" y="-377362"/>
+            <a:off x="1097280" y="217723"/>
             <a:ext cx="10058400" cy="1450757"/>
           </a:xfrm>
         </p:spPr>
@@ -6271,7 +6163,11 @@
           <a:p>
             <a:r>
               <a:rPr lang="ru-RU" dirty="0" smtClean="0"/>
-              <a:t>Результаты извлечения</a:t>
+              <a:t>Результаты </a:t>
+            </a:r>
+            <a:r>
+              <a:rPr lang="ru-RU" dirty="0" smtClean="0"/>
+              <a:t>в сравнении с существующими решениями</a:t>
             </a:r>
             <a:endParaRPr lang="ru-RU" dirty="0"/>
           </a:p>
@@ -6294,941 +6190,12 @@
           <a:p>
             <a:fld id="{54312719-E188-4125-8FBE-1E251BCF9D85}" type="slidenum">
               <a:rPr lang="ru-RU" smtClean="0"/>
-              <a:t>15</a:t>
+              <a:t>14</a:t>
             </a:fld>
             <a:endParaRPr lang="ru-RU"/>
           </a:p>
         </p:txBody>
       </p:sp>
-      <p:graphicFrame>
-        <p:nvGraphicFramePr>
-          <p:cNvPr id="5" name="Таблица 4"/>
-          <p:cNvGraphicFramePr>
-            <a:graphicFrameLocks noGrp="1"/>
-          </p:cNvGraphicFramePr>
-          <p:nvPr>
-            <p:extLst>
-              <p:ext uri="{D42A27DB-BD31-4B8C-83A1-F6EECF244321}">
-                <p14:modId xmlns:p14="http://schemas.microsoft.com/office/powerpoint/2010/main" val="22864884"/>
-              </p:ext>
-            </p:extLst>
-          </p:nvPr>
-        </p:nvGraphicFramePr>
-        <p:xfrm>
-          <a:off x="1040475" y="3873300"/>
-          <a:ext cx="10115205" cy="2951610"/>
-        </p:xfrm>
-        <a:graphic>
-          <a:graphicData uri="http://schemas.openxmlformats.org/drawingml/2006/table">
-            <a:tbl>
-              <a:tblPr firstRow="1" firstCol="1" bandRow="1">
-                <a:tableStyleId>{5C22544A-7EE6-4342-B048-85BDC9FD1C3A}</a:tableStyleId>
-              </a:tblPr>
-              <a:tblGrid>
-                <a:gridCol w="2023041"/>
-                <a:gridCol w="2023041"/>
-                <a:gridCol w="2023041"/>
-                <a:gridCol w="2023041"/>
-                <a:gridCol w="2023041"/>
-              </a:tblGrid>
-              <a:tr h="302410">
-                <a:tc>
-                  <a:txBody>
-                    <a:bodyPr/>
-                    <a:lstStyle/>
-                    <a:p>
-                      <a:pPr>
-                        <a:lnSpc>
-                          <a:spcPct val="150000"/>
-                        </a:lnSpc>
-                        <a:spcAft>
-                          <a:spcPts val="0"/>
-                        </a:spcAft>
-                      </a:pPr>
-                      <a:r>
-                        <a:rPr lang="ru-RU" sz="2400" dirty="0">
-                          <a:effectLst/>
-                        </a:rPr>
-                        <a:t> </a:t>
-                      </a:r>
-                      <a:endParaRPr lang="ru-RU" sz="2400" dirty="0">
-                        <a:effectLst/>
-                        <a:latin typeface="Calibri" panose="020F0502020204030204" pitchFamily="34" charset="0"/>
-                        <a:ea typeface="Calibri" panose="020F0502020204030204" pitchFamily="34" charset="0"/>
-                        <a:cs typeface="Times New Roman" panose="02020603050405020304" pitchFamily="18" charset="0"/>
-                      </a:endParaRPr>
-                    </a:p>
-                  </a:txBody>
-                  <a:tcPr marL="68580" marR="68580" marT="0" marB="0"/>
-                </a:tc>
-                <a:tc>
-                  <a:txBody>
-                    <a:bodyPr/>
-                    <a:lstStyle/>
-                    <a:p>
-                      <a:pPr>
-                        <a:lnSpc>
-                          <a:spcPct val="150000"/>
-                        </a:lnSpc>
-                        <a:spcAft>
-                          <a:spcPts val="0"/>
-                        </a:spcAft>
-                      </a:pPr>
-                      <a:r>
-                        <a:rPr lang="en-US" sz="2400" dirty="0" err="1">
-                          <a:effectLst/>
-                        </a:rPr>
-                        <a:t>Acc</a:t>
-                      </a:r>
-                      <a:endParaRPr lang="ru-RU" sz="2400" dirty="0">
-                        <a:effectLst/>
-                        <a:latin typeface="Calibri" panose="020F0502020204030204" pitchFamily="34" charset="0"/>
-                        <a:ea typeface="Calibri" panose="020F0502020204030204" pitchFamily="34" charset="0"/>
-                        <a:cs typeface="Times New Roman" panose="02020603050405020304" pitchFamily="18" charset="0"/>
-                      </a:endParaRPr>
-                    </a:p>
-                  </a:txBody>
-                  <a:tcPr marL="68580" marR="68580" marT="0" marB="0"/>
-                </a:tc>
-                <a:tc>
-                  <a:txBody>
-                    <a:bodyPr/>
-                    <a:lstStyle/>
-                    <a:p>
-                      <a:pPr>
-                        <a:lnSpc>
-                          <a:spcPct val="150000"/>
-                        </a:lnSpc>
-                        <a:spcAft>
-                          <a:spcPts val="0"/>
-                        </a:spcAft>
-                      </a:pPr>
-                      <a:r>
-                        <a:rPr lang="en-US" sz="2400" dirty="0" err="1">
-                          <a:effectLst/>
-                        </a:rPr>
-                        <a:t>Pred</a:t>
-                      </a:r>
-                      <a:endParaRPr lang="ru-RU" sz="2400" dirty="0">
-                        <a:effectLst/>
-                        <a:latin typeface="Calibri" panose="020F0502020204030204" pitchFamily="34" charset="0"/>
-                        <a:ea typeface="Calibri" panose="020F0502020204030204" pitchFamily="34" charset="0"/>
-                        <a:cs typeface="Times New Roman" panose="02020603050405020304" pitchFamily="18" charset="0"/>
-                      </a:endParaRPr>
-                    </a:p>
-                  </a:txBody>
-                  <a:tcPr marL="68580" marR="68580" marT="0" marB="0"/>
-                </a:tc>
-                <a:tc>
-                  <a:txBody>
-                    <a:bodyPr/>
-                    <a:lstStyle/>
-                    <a:p>
-                      <a:pPr>
-                        <a:lnSpc>
-                          <a:spcPct val="150000"/>
-                        </a:lnSpc>
-                        <a:spcAft>
-                          <a:spcPts val="0"/>
-                        </a:spcAft>
-                      </a:pPr>
-                      <a:r>
-                        <a:rPr lang="en-US" sz="2400">
-                          <a:effectLst/>
-                        </a:rPr>
-                        <a:t>Recall</a:t>
-                      </a:r>
-                      <a:endParaRPr lang="ru-RU" sz="2400">
-                        <a:effectLst/>
-                        <a:latin typeface="Calibri" panose="020F0502020204030204" pitchFamily="34" charset="0"/>
-                        <a:ea typeface="Calibri" panose="020F0502020204030204" pitchFamily="34" charset="0"/>
-                        <a:cs typeface="Times New Roman" panose="02020603050405020304" pitchFamily="18" charset="0"/>
-                      </a:endParaRPr>
-                    </a:p>
-                  </a:txBody>
-                  <a:tcPr marL="68580" marR="68580" marT="0" marB="0"/>
-                </a:tc>
-                <a:tc>
-                  <a:txBody>
-                    <a:bodyPr/>
-                    <a:lstStyle/>
-                    <a:p>
-                      <a:pPr>
-                        <a:lnSpc>
-                          <a:spcPct val="150000"/>
-                        </a:lnSpc>
-                        <a:spcAft>
-                          <a:spcPts val="0"/>
-                        </a:spcAft>
-                      </a:pPr>
-                      <a:r>
-                        <a:rPr lang="en-US" sz="2400">
-                          <a:effectLst/>
-                        </a:rPr>
-                        <a:t>FM</a:t>
-                      </a:r>
-                      <a:endParaRPr lang="ru-RU" sz="2400">
-                        <a:effectLst/>
-                        <a:latin typeface="Calibri" panose="020F0502020204030204" pitchFamily="34" charset="0"/>
-                        <a:ea typeface="Calibri" panose="020F0502020204030204" pitchFamily="34" charset="0"/>
-                        <a:cs typeface="Times New Roman" panose="02020603050405020304" pitchFamily="18" charset="0"/>
-                      </a:endParaRPr>
-                    </a:p>
-                  </a:txBody>
-                  <a:tcPr marL="68580" marR="68580" marT="0" marB="0"/>
-                </a:tc>
-              </a:tr>
-              <a:tr h="302410">
-                <a:tc>
-                  <a:txBody>
-                    <a:bodyPr/>
-                    <a:lstStyle/>
-                    <a:p>
-                      <a:pPr>
-                        <a:lnSpc>
-                          <a:spcPct val="150000"/>
-                        </a:lnSpc>
-                        <a:spcAft>
-                          <a:spcPts val="0"/>
-                        </a:spcAft>
-                      </a:pPr>
-                      <a:r>
-                        <a:rPr lang="en-US" sz="2400">
-                          <a:effectLst/>
-                        </a:rPr>
-                        <a:t>PER</a:t>
-                      </a:r>
-                      <a:endParaRPr lang="ru-RU" sz="2400">
-                        <a:effectLst/>
-                        <a:latin typeface="Calibri" panose="020F0502020204030204" pitchFamily="34" charset="0"/>
-                        <a:ea typeface="Calibri" panose="020F0502020204030204" pitchFamily="34" charset="0"/>
-                        <a:cs typeface="Times New Roman" panose="02020603050405020304" pitchFamily="18" charset="0"/>
-                      </a:endParaRPr>
-                    </a:p>
-                  </a:txBody>
-                  <a:tcPr marL="68580" marR="68580" marT="0" marB="0"/>
-                </a:tc>
-                <a:tc>
-                  <a:txBody>
-                    <a:bodyPr/>
-                    <a:lstStyle/>
-                    <a:p>
-                      <a:pPr>
-                        <a:lnSpc>
-                          <a:spcPct val="150000"/>
-                        </a:lnSpc>
-                        <a:spcAft>
-                          <a:spcPts val="0"/>
-                        </a:spcAft>
-                      </a:pPr>
-                      <a:r>
-                        <a:rPr lang="ru-RU" sz="2400" dirty="0">
-                          <a:effectLst/>
-                        </a:rPr>
-                        <a:t>99.2</a:t>
-                      </a:r>
-                      <a:endParaRPr lang="ru-RU" sz="2400" dirty="0">
-                        <a:effectLst/>
-                        <a:latin typeface="Calibri" panose="020F0502020204030204" pitchFamily="34" charset="0"/>
-                        <a:ea typeface="Calibri" panose="020F0502020204030204" pitchFamily="34" charset="0"/>
-                        <a:cs typeface="Times New Roman" panose="02020603050405020304" pitchFamily="18" charset="0"/>
-                      </a:endParaRPr>
-                    </a:p>
-                  </a:txBody>
-                  <a:tcPr marL="68580" marR="68580" marT="0" marB="0"/>
-                </a:tc>
-                <a:tc>
-                  <a:txBody>
-                    <a:bodyPr/>
-                    <a:lstStyle/>
-                    <a:p>
-                      <a:pPr>
-                        <a:lnSpc>
-                          <a:spcPct val="150000"/>
-                        </a:lnSpc>
-                        <a:spcAft>
-                          <a:spcPts val="0"/>
-                        </a:spcAft>
-                      </a:pPr>
-                      <a:r>
-                        <a:rPr lang="ru-RU" sz="2400">
-                          <a:effectLst/>
-                        </a:rPr>
-                        <a:t>94.8</a:t>
-                      </a:r>
-                      <a:endParaRPr lang="ru-RU" sz="2400">
-                        <a:effectLst/>
-                        <a:latin typeface="Calibri" panose="020F0502020204030204" pitchFamily="34" charset="0"/>
-                        <a:ea typeface="Calibri" panose="020F0502020204030204" pitchFamily="34" charset="0"/>
-                        <a:cs typeface="Times New Roman" panose="02020603050405020304" pitchFamily="18" charset="0"/>
-                      </a:endParaRPr>
-                    </a:p>
-                  </a:txBody>
-                  <a:tcPr marL="68580" marR="68580" marT="0" marB="0"/>
-                </a:tc>
-                <a:tc>
-                  <a:txBody>
-                    <a:bodyPr/>
-                    <a:lstStyle/>
-                    <a:p>
-                      <a:pPr>
-                        <a:lnSpc>
-                          <a:spcPct val="150000"/>
-                        </a:lnSpc>
-                        <a:spcAft>
-                          <a:spcPts val="0"/>
-                        </a:spcAft>
-                      </a:pPr>
-                      <a:r>
-                        <a:rPr lang="ru-RU" sz="2400">
-                          <a:effectLst/>
-                        </a:rPr>
-                        <a:t>93.5</a:t>
-                      </a:r>
-                      <a:endParaRPr lang="ru-RU" sz="2400">
-                        <a:effectLst/>
-                        <a:latin typeface="Calibri" panose="020F0502020204030204" pitchFamily="34" charset="0"/>
-                        <a:ea typeface="Calibri" panose="020F0502020204030204" pitchFamily="34" charset="0"/>
-                        <a:cs typeface="Times New Roman" panose="02020603050405020304" pitchFamily="18" charset="0"/>
-                      </a:endParaRPr>
-                    </a:p>
-                  </a:txBody>
-                  <a:tcPr marL="68580" marR="68580" marT="0" marB="0"/>
-                </a:tc>
-                <a:tc>
-                  <a:txBody>
-                    <a:bodyPr/>
-                    <a:lstStyle/>
-                    <a:p>
-                      <a:pPr>
-                        <a:lnSpc>
-                          <a:spcPct val="150000"/>
-                        </a:lnSpc>
-                        <a:spcAft>
-                          <a:spcPts val="0"/>
-                        </a:spcAft>
-                      </a:pPr>
-                      <a:r>
-                        <a:rPr lang="ru-RU" sz="2400">
-                          <a:effectLst/>
-                        </a:rPr>
-                        <a:t>94.15</a:t>
-                      </a:r>
-                      <a:endParaRPr lang="ru-RU" sz="2400">
-                        <a:effectLst/>
-                        <a:latin typeface="Calibri" panose="020F0502020204030204" pitchFamily="34" charset="0"/>
-                        <a:ea typeface="Calibri" panose="020F0502020204030204" pitchFamily="34" charset="0"/>
-                        <a:cs typeface="Times New Roman" panose="02020603050405020304" pitchFamily="18" charset="0"/>
-                      </a:endParaRPr>
-                    </a:p>
-                  </a:txBody>
-                  <a:tcPr marL="68580" marR="68580" marT="0" marB="0"/>
-                </a:tc>
-              </a:tr>
-              <a:tr h="302410">
-                <a:tc>
-                  <a:txBody>
-                    <a:bodyPr/>
-                    <a:lstStyle/>
-                    <a:p>
-                      <a:pPr>
-                        <a:lnSpc>
-                          <a:spcPct val="150000"/>
-                        </a:lnSpc>
-                        <a:spcAft>
-                          <a:spcPts val="0"/>
-                        </a:spcAft>
-                      </a:pPr>
-                      <a:r>
-                        <a:rPr lang="en-US" sz="2400">
-                          <a:effectLst/>
-                        </a:rPr>
-                        <a:t>LOC</a:t>
-                      </a:r>
-                      <a:endParaRPr lang="ru-RU" sz="2400">
-                        <a:effectLst/>
-                        <a:latin typeface="Calibri" panose="020F0502020204030204" pitchFamily="34" charset="0"/>
-                        <a:ea typeface="Calibri" panose="020F0502020204030204" pitchFamily="34" charset="0"/>
-                        <a:cs typeface="Times New Roman" panose="02020603050405020304" pitchFamily="18" charset="0"/>
-                      </a:endParaRPr>
-                    </a:p>
-                  </a:txBody>
-                  <a:tcPr marL="68580" marR="68580" marT="0" marB="0"/>
-                </a:tc>
-                <a:tc>
-                  <a:txBody>
-                    <a:bodyPr/>
-                    <a:lstStyle/>
-                    <a:p>
-                      <a:pPr>
-                        <a:lnSpc>
-                          <a:spcPct val="150000"/>
-                        </a:lnSpc>
-                        <a:spcAft>
-                          <a:spcPts val="0"/>
-                        </a:spcAft>
-                      </a:pPr>
-                      <a:r>
-                        <a:rPr lang="ru-RU" sz="2400" dirty="0">
-                          <a:effectLst/>
-                        </a:rPr>
-                        <a:t>98.4</a:t>
-                      </a:r>
-                      <a:endParaRPr lang="ru-RU" sz="2400" dirty="0">
-                        <a:effectLst/>
-                        <a:latin typeface="Calibri" panose="020F0502020204030204" pitchFamily="34" charset="0"/>
-                        <a:ea typeface="Calibri" panose="020F0502020204030204" pitchFamily="34" charset="0"/>
-                        <a:cs typeface="Times New Roman" panose="02020603050405020304" pitchFamily="18" charset="0"/>
-                      </a:endParaRPr>
-                    </a:p>
-                  </a:txBody>
-                  <a:tcPr marL="68580" marR="68580" marT="0" marB="0"/>
-                </a:tc>
-                <a:tc>
-                  <a:txBody>
-                    <a:bodyPr/>
-                    <a:lstStyle/>
-                    <a:p>
-                      <a:pPr>
-                        <a:lnSpc>
-                          <a:spcPct val="150000"/>
-                        </a:lnSpc>
-                        <a:spcAft>
-                          <a:spcPts val="0"/>
-                        </a:spcAft>
-                      </a:pPr>
-                      <a:r>
-                        <a:rPr lang="ru-RU" sz="2400" dirty="0">
-                          <a:effectLst/>
-                        </a:rPr>
-                        <a:t>93.5</a:t>
-                      </a:r>
-                      <a:endParaRPr lang="ru-RU" sz="2400" dirty="0">
-                        <a:effectLst/>
-                        <a:latin typeface="Calibri" panose="020F0502020204030204" pitchFamily="34" charset="0"/>
-                        <a:ea typeface="Calibri" panose="020F0502020204030204" pitchFamily="34" charset="0"/>
-                        <a:cs typeface="Times New Roman" panose="02020603050405020304" pitchFamily="18" charset="0"/>
-                      </a:endParaRPr>
-                    </a:p>
-                  </a:txBody>
-                  <a:tcPr marL="68580" marR="68580" marT="0" marB="0"/>
-                </a:tc>
-                <a:tc>
-                  <a:txBody>
-                    <a:bodyPr/>
-                    <a:lstStyle/>
-                    <a:p>
-                      <a:pPr>
-                        <a:lnSpc>
-                          <a:spcPct val="150000"/>
-                        </a:lnSpc>
-                        <a:spcAft>
-                          <a:spcPts val="0"/>
-                        </a:spcAft>
-                      </a:pPr>
-                      <a:r>
-                        <a:rPr lang="ru-RU" sz="2400">
-                          <a:effectLst/>
-                        </a:rPr>
-                        <a:t>93.4</a:t>
-                      </a:r>
-                      <a:endParaRPr lang="ru-RU" sz="2400">
-                        <a:effectLst/>
-                        <a:latin typeface="Calibri" panose="020F0502020204030204" pitchFamily="34" charset="0"/>
-                        <a:ea typeface="Calibri" panose="020F0502020204030204" pitchFamily="34" charset="0"/>
-                        <a:cs typeface="Times New Roman" panose="02020603050405020304" pitchFamily="18" charset="0"/>
-                      </a:endParaRPr>
-                    </a:p>
-                  </a:txBody>
-                  <a:tcPr marL="68580" marR="68580" marT="0" marB="0"/>
-                </a:tc>
-                <a:tc>
-                  <a:txBody>
-                    <a:bodyPr/>
-                    <a:lstStyle/>
-                    <a:p>
-                      <a:pPr>
-                        <a:lnSpc>
-                          <a:spcPct val="150000"/>
-                        </a:lnSpc>
-                        <a:spcAft>
-                          <a:spcPts val="0"/>
-                        </a:spcAft>
-                      </a:pPr>
-                      <a:r>
-                        <a:rPr lang="ru-RU" sz="2400">
-                          <a:effectLst/>
-                        </a:rPr>
-                        <a:t>93.45</a:t>
-                      </a:r>
-                      <a:endParaRPr lang="ru-RU" sz="2400">
-                        <a:effectLst/>
-                        <a:latin typeface="Calibri" panose="020F0502020204030204" pitchFamily="34" charset="0"/>
-                        <a:ea typeface="Calibri" panose="020F0502020204030204" pitchFamily="34" charset="0"/>
-                        <a:cs typeface="Times New Roman" panose="02020603050405020304" pitchFamily="18" charset="0"/>
-                      </a:endParaRPr>
-                    </a:p>
-                  </a:txBody>
-                  <a:tcPr marL="68580" marR="68580" marT="0" marB="0"/>
-                </a:tc>
-              </a:tr>
-              <a:tr h="302410">
-                <a:tc>
-                  <a:txBody>
-                    <a:bodyPr/>
-                    <a:lstStyle/>
-                    <a:p>
-                      <a:pPr>
-                        <a:lnSpc>
-                          <a:spcPct val="150000"/>
-                        </a:lnSpc>
-                        <a:spcAft>
-                          <a:spcPts val="0"/>
-                        </a:spcAft>
-                      </a:pPr>
-                      <a:r>
-                        <a:rPr lang="en-US" sz="2400" dirty="0">
-                          <a:effectLst/>
-                        </a:rPr>
-                        <a:t>ORG</a:t>
-                      </a:r>
-                      <a:endParaRPr lang="ru-RU" sz="2400" dirty="0">
-                        <a:effectLst/>
-                        <a:latin typeface="Calibri" panose="020F0502020204030204" pitchFamily="34" charset="0"/>
-                        <a:ea typeface="Calibri" panose="020F0502020204030204" pitchFamily="34" charset="0"/>
-                        <a:cs typeface="Times New Roman" panose="02020603050405020304" pitchFamily="18" charset="0"/>
-                      </a:endParaRPr>
-                    </a:p>
-                  </a:txBody>
-                  <a:tcPr marL="68580" marR="68580" marT="0" marB="0"/>
-                </a:tc>
-                <a:tc>
-                  <a:txBody>
-                    <a:bodyPr/>
-                    <a:lstStyle/>
-                    <a:p>
-                      <a:pPr>
-                        <a:lnSpc>
-                          <a:spcPct val="150000"/>
-                        </a:lnSpc>
-                        <a:spcAft>
-                          <a:spcPts val="0"/>
-                        </a:spcAft>
-                      </a:pPr>
-                      <a:r>
-                        <a:rPr lang="ru-RU" sz="2400">
-                          <a:effectLst/>
-                        </a:rPr>
-                        <a:t>98.2</a:t>
-                      </a:r>
-                      <a:endParaRPr lang="ru-RU" sz="2400">
-                        <a:effectLst/>
-                        <a:latin typeface="Calibri" panose="020F0502020204030204" pitchFamily="34" charset="0"/>
-                        <a:ea typeface="Calibri" panose="020F0502020204030204" pitchFamily="34" charset="0"/>
-                        <a:cs typeface="Times New Roman" panose="02020603050405020304" pitchFamily="18" charset="0"/>
-                      </a:endParaRPr>
-                    </a:p>
-                  </a:txBody>
-                  <a:tcPr marL="68580" marR="68580" marT="0" marB="0"/>
-                </a:tc>
-                <a:tc>
-                  <a:txBody>
-                    <a:bodyPr/>
-                    <a:lstStyle/>
-                    <a:p>
-                      <a:pPr>
-                        <a:lnSpc>
-                          <a:spcPct val="150000"/>
-                        </a:lnSpc>
-                        <a:spcAft>
-                          <a:spcPts val="0"/>
-                        </a:spcAft>
-                      </a:pPr>
-                      <a:r>
-                        <a:rPr lang="ru-RU" sz="2400" dirty="0">
-                          <a:effectLst/>
-                        </a:rPr>
-                        <a:t>92.51</a:t>
-                      </a:r>
-                      <a:endParaRPr lang="ru-RU" sz="2400" dirty="0">
-                        <a:effectLst/>
-                        <a:latin typeface="Calibri" panose="020F0502020204030204" pitchFamily="34" charset="0"/>
-                        <a:ea typeface="Calibri" panose="020F0502020204030204" pitchFamily="34" charset="0"/>
-                        <a:cs typeface="Times New Roman" panose="02020603050405020304" pitchFamily="18" charset="0"/>
-                      </a:endParaRPr>
-                    </a:p>
-                  </a:txBody>
-                  <a:tcPr marL="68580" marR="68580" marT="0" marB="0"/>
-                </a:tc>
-                <a:tc>
-                  <a:txBody>
-                    <a:bodyPr/>
-                    <a:lstStyle/>
-                    <a:p>
-                      <a:pPr>
-                        <a:lnSpc>
-                          <a:spcPct val="150000"/>
-                        </a:lnSpc>
-                        <a:spcAft>
-                          <a:spcPts val="0"/>
-                        </a:spcAft>
-                      </a:pPr>
-                      <a:r>
-                        <a:rPr lang="ru-RU" sz="2400">
-                          <a:effectLst/>
-                        </a:rPr>
-                        <a:t>92.3</a:t>
-                      </a:r>
-                      <a:endParaRPr lang="ru-RU" sz="2400">
-                        <a:effectLst/>
-                        <a:latin typeface="Calibri" panose="020F0502020204030204" pitchFamily="34" charset="0"/>
-                        <a:ea typeface="Calibri" panose="020F0502020204030204" pitchFamily="34" charset="0"/>
-                        <a:cs typeface="Times New Roman" panose="02020603050405020304" pitchFamily="18" charset="0"/>
-                      </a:endParaRPr>
-                    </a:p>
-                  </a:txBody>
-                  <a:tcPr marL="68580" marR="68580" marT="0" marB="0"/>
-                </a:tc>
-                <a:tc>
-                  <a:txBody>
-                    <a:bodyPr/>
-                    <a:lstStyle/>
-                    <a:p>
-                      <a:pPr>
-                        <a:lnSpc>
-                          <a:spcPct val="150000"/>
-                        </a:lnSpc>
-                        <a:spcAft>
-                          <a:spcPts val="0"/>
-                        </a:spcAft>
-                      </a:pPr>
-                      <a:r>
-                        <a:rPr lang="ru-RU" sz="2400">
-                          <a:effectLst/>
-                        </a:rPr>
-                        <a:t>92.4</a:t>
-                      </a:r>
-                      <a:endParaRPr lang="ru-RU" sz="2400">
-                        <a:effectLst/>
-                        <a:latin typeface="Calibri" panose="020F0502020204030204" pitchFamily="34" charset="0"/>
-                        <a:ea typeface="Calibri" panose="020F0502020204030204" pitchFamily="34" charset="0"/>
-                        <a:cs typeface="Times New Roman" panose="02020603050405020304" pitchFamily="18" charset="0"/>
-                      </a:endParaRPr>
-                    </a:p>
-                  </a:txBody>
-                  <a:tcPr marL="68580" marR="68580" marT="0" marB="0"/>
-                </a:tc>
-              </a:tr>
-              <a:tr h="302410">
-                <a:tc>
-                  <a:txBody>
-                    <a:bodyPr/>
-                    <a:lstStyle/>
-                    <a:p>
-                      <a:pPr>
-                        <a:lnSpc>
-                          <a:spcPct val="150000"/>
-                        </a:lnSpc>
-                        <a:spcAft>
-                          <a:spcPts val="0"/>
-                        </a:spcAft>
-                      </a:pPr>
-                      <a:r>
-                        <a:rPr lang="en-US" sz="2400">
-                          <a:effectLst/>
-                        </a:rPr>
-                        <a:t>MISC</a:t>
-                      </a:r>
-                      <a:endParaRPr lang="ru-RU" sz="2400">
-                        <a:effectLst/>
-                        <a:latin typeface="Calibri" panose="020F0502020204030204" pitchFamily="34" charset="0"/>
-                        <a:ea typeface="Calibri" panose="020F0502020204030204" pitchFamily="34" charset="0"/>
-                        <a:cs typeface="Times New Roman" panose="02020603050405020304" pitchFamily="18" charset="0"/>
-                      </a:endParaRPr>
-                    </a:p>
-                  </a:txBody>
-                  <a:tcPr marL="68580" marR="68580" marT="0" marB="0"/>
-                </a:tc>
-                <a:tc>
-                  <a:txBody>
-                    <a:bodyPr/>
-                    <a:lstStyle/>
-                    <a:p>
-                      <a:pPr>
-                        <a:lnSpc>
-                          <a:spcPct val="150000"/>
-                        </a:lnSpc>
-                        <a:spcAft>
-                          <a:spcPts val="0"/>
-                        </a:spcAft>
-                      </a:pPr>
-                      <a:r>
-                        <a:rPr lang="ru-RU" sz="2400">
-                          <a:effectLst/>
-                        </a:rPr>
-                        <a:t>92.34</a:t>
-                      </a:r>
-                      <a:endParaRPr lang="ru-RU" sz="2400">
-                        <a:effectLst/>
-                        <a:latin typeface="Calibri" panose="020F0502020204030204" pitchFamily="34" charset="0"/>
-                        <a:ea typeface="Calibri" panose="020F0502020204030204" pitchFamily="34" charset="0"/>
-                        <a:cs typeface="Times New Roman" panose="02020603050405020304" pitchFamily="18" charset="0"/>
-                      </a:endParaRPr>
-                    </a:p>
-                  </a:txBody>
-                  <a:tcPr marL="68580" marR="68580" marT="0" marB="0"/>
-                </a:tc>
-                <a:tc>
-                  <a:txBody>
-                    <a:bodyPr/>
-                    <a:lstStyle/>
-                    <a:p>
-                      <a:pPr>
-                        <a:lnSpc>
-                          <a:spcPct val="150000"/>
-                        </a:lnSpc>
-                        <a:spcAft>
-                          <a:spcPts val="0"/>
-                        </a:spcAft>
-                      </a:pPr>
-                      <a:r>
-                        <a:rPr lang="ru-RU" sz="2400" dirty="0">
-                          <a:effectLst/>
-                        </a:rPr>
-                        <a:t>88.05</a:t>
-                      </a:r>
-                      <a:endParaRPr lang="ru-RU" sz="2400" dirty="0">
-                        <a:effectLst/>
-                        <a:latin typeface="Calibri" panose="020F0502020204030204" pitchFamily="34" charset="0"/>
-                        <a:ea typeface="Calibri" panose="020F0502020204030204" pitchFamily="34" charset="0"/>
-                        <a:cs typeface="Times New Roman" panose="02020603050405020304" pitchFamily="18" charset="0"/>
-                      </a:endParaRPr>
-                    </a:p>
-                  </a:txBody>
-                  <a:tcPr marL="68580" marR="68580" marT="0" marB="0"/>
-                </a:tc>
-                <a:tc>
-                  <a:txBody>
-                    <a:bodyPr/>
-                    <a:lstStyle/>
-                    <a:p>
-                      <a:pPr>
-                        <a:lnSpc>
-                          <a:spcPct val="150000"/>
-                        </a:lnSpc>
-                        <a:spcAft>
-                          <a:spcPts val="0"/>
-                        </a:spcAft>
-                      </a:pPr>
-                      <a:r>
-                        <a:rPr lang="ru-RU" sz="2400" dirty="0">
-                          <a:effectLst/>
-                        </a:rPr>
-                        <a:t>89.5</a:t>
-                      </a:r>
-                      <a:endParaRPr lang="ru-RU" sz="2400" dirty="0">
-                        <a:effectLst/>
-                        <a:latin typeface="Calibri" panose="020F0502020204030204" pitchFamily="34" charset="0"/>
-                        <a:ea typeface="Calibri" panose="020F0502020204030204" pitchFamily="34" charset="0"/>
-                        <a:cs typeface="Times New Roman" panose="02020603050405020304" pitchFamily="18" charset="0"/>
-                      </a:endParaRPr>
-                    </a:p>
-                  </a:txBody>
-                  <a:tcPr marL="68580" marR="68580" marT="0" marB="0"/>
-                </a:tc>
-                <a:tc>
-                  <a:txBody>
-                    <a:bodyPr/>
-                    <a:lstStyle/>
-                    <a:p>
-                      <a:pPr>
-                        <a:lnSpc>
-                          <a:spcPct val="150000"/>
-                        </a:lnSpc>
-                        <a:spcAft>
-                          <a:spcPts val="0"/>
-                        </a:spcAft>
-                      </a:pPr>
-                      <a:r>
-                        <a:rPr lang="ru-RU" sz="2400">
-                          <a:effectLst/>
-                        </a:rPr>
-                        <a:t>88</a:t>
-                      </a:r>
-                      <a:r>
-                        <a:rPr lang="en-US" sz="2400">
-                          <a:effectLst/>
-                        </a:rPr>
-                        <a:t>.</a:t>
-                      </a:r>
-                      <a:r>
-                        <a:rPr lang="ru-RU" sz="2400">
-                          <a:effectLst/>
-                        </a:rPr>
-                        <a:t>77</a:t>
-                      </a:r>
-                      <a:endParaRPr lang="ru-RU" sz="2400">
-                        <a:effectLst/>
-                        <a:latin typeface="Calibri" panose="020F0502020204030204" pitchFamily="34" charset="0"/>
-                        <a:ea typeface="Calibri" panose="020F0502020204030204" pitchFamily="34" charset="0"/>
-                        <a:cs typeface="Times New Roman" panose="02020603050405020304" pitchFamily="18" charset="0"/>
-                      </a:endParaRPr>
-                    </a:p>
-                  </a:txBody>
-                  <a:tcPr marL="68580" marR="68580" marT="0" marB="0"/>
-                </a:tc>
-              </a:tr>
-              <a:tr h="302410">
-                <a:tc>
-                  <a:txBody>
-                    <a:bodyPr/>
-                    <a:lstStyle/>
-                    <a:p>
-                      <a:pPr>
-                        <a:lnSpc>
-                          <a:spcPct val="150000"/>
-                        </a:lnSpc>
-                        <a:spcAft>
-                          <a:spcPts val="0"/>
-                        </a:spcAft>
-                      </a:pPr>
-                      <a:r>
-                        <a:rPr lang="en-US" sz="2400">
-                          <a:effectLst/>
-                        </a:rPr>
-                        <a:t>REF</a:t>
-                      </a:r>
-                      <a:endParaRPr lang="ru-RU" sz="2400">
-                        <a:effectLst/>
-                        <a:latin typeface="Calibri" panose="020F0502020204030204" pitchFamily="34" charset="0"/>
-                        <a:ea typeface="Calibri" panose="020F0502020204030204" pitchFamily="34" charset="0"/>
-                        <a:cs typeface="Times New Roman" panose="02020603050405020304" pitchFamily="18" charset="0"/>
-                      </a:endParaRPr>
-                    </a:p>
-                  </a:txBody>
-                  <a:tcPr marL="68580" marR="68580" marT="0" marB="0"/>
-                </a:tc>
-                <a:tc>
-                  <a:txBody>
-                    <a:bodyPr/>
-                    <a:lstStyle/>
-                    <a:p>
-                      <a:pPr>
-                        <a:lnSpc>
-                          <a:spcPct val="150000"/>
-                        </a:lnSpc>
-                        <a:spcAft>
-                          <a:spcPts val="0"/>
-                        </a:spcAft>
-                      </a:pPr>
-                      <a:r>
-                        <a:rPr lang="en-US" sz="2400">
-                          <a:effectLst/>
-                        </a:rPr>
-                        <a:t>95.4</a:t>
-                      </a:r>
-                      <a:endParaRPr lang="ru-RU" sz="2400">
-                        <a:effectLst/>
-                        <a:latin typeface="Calibri" panose="020F0502020204030204" pitchFamily="34" charset="0"/>
-                        <a:ea typeface="Calibri" panose="020F0502020204030204" pitchFamily="34" charset="0"/>
-                        <a:cs typeface="Times New Roman" panose="02020603050405020304" pitchFamily="18" charset="0"/>
-                      </a:endParaRPr>
-                    </a:p>
-                  </a:txBody>
-                  <a:tcPr marL="68580" marR="68580" marT="0" marB="0"/>
-                </a:tc>
-                <a:tc>
-                  <a:txBody>
-                    <a:bodyPr/>
-                    <a:lstStyle/>
-                    <a:p>
-                      <a:pPr>
-                        <a:lnSpc>
-                          <a:spcPct val="150000"/>
-                        </a:lnSpc>
-                        <a:spcAft>
-                          <a:spcPts val="0"/>
-                        </a:spcAft>
-                      </a:pPr>
-                      <a:r>
-                        <a:rPr lang="en-US" sz="2400">
-                          <a:effectLst/>
-                        </a:rPr>
-                        <a:t>98.34</a:t>
-                      </a:r>
-                      <a:endParaRPr lang="ru-RU" sz="2400">
-                        <a:effectLst/>
-                        <a:latin typeface="Calibri" panose="020F0502020204030204" pitchFamily="34" charset="0"/>
-                        <a:ea typeface="Calibri" panose="020F0502020204030204" pitchFamily="34" charset="0"/>
-                        <a:cs typeface="Times New Roman" panose="02020603050405020304" pitchFamily="18" charset="0"/>
-                      </a:endParaRPr>
-                    </a:p>
-                  </a:txBody>
-                  <a:tcPr marL="68580" marR="68580" marT="0" marB="0"/>
-                </a:tc>
-                <a:tc>
-                  <a:txBody>
-                    <a:bodyPr/>
-                    <a:lstStyle/>
-                    <a:p>
-                      <a:pPr>
-                        <a:lnSpc>
-                          <a:spcPct val="150000"/>
-                        </a:lnSpc>
-                        <a:spcAft>
-                          <a:spcPts val="0"/>
-                        </a:spcAft>
-                      </a:pPr>
-                      <a:r>
-                        <a:rPr lang="en-US" sz="2400" dirty="0">
-                          <a:effectLst/>
-                        </a:rPr>
-                        <a:t>98.01</a:t>
-                      </a:r>
-                      <a:endParaRPr lang="ru-RU" sz="2400" dirty="0">
-                        <a:effectLst/>
-                        <a:latin typeface="Calibri" panose="020F0502020204030204" pitchFamily="34" charset="0"/>
-                        <a:ea typeface="Calibri" panose="020F0502020204030204" pitchFamily="34" charset="0"/>
-                        <a:cs typeface="Times New Roman" panose="02020603050405020304" pitchFamily="18" charset="0"/>
-                      </a:endParaRPr>
-                    </a:p>
-                  </a:txBody>
-                  <a:tcPr marL="68580" marR="68580" marT="0" marB="0"/>
-                </a:tc>
-                <a:tc>
-                  <a:txBody>
-                    <a:bodyPr/>
-                    <a:lstStyle/>
-                    <a:p>
-                      <a:pPr>
-                        <a:lnSpc>
-                          <a:spcPct val="150000"/>
-                        </a:lnSpc>
-                        <a:spcAft>
-                          <a:spcPts val="0"/>
-                        </a:spcAft>
-                      </a:pPr>
-                      <a:r>
-                        <a:rPr lang="en-US" sz="2400" dirty="0">
-                          <a:effectLst/>
-                        </a:rPr>
-                        <a:t>98.17</a:t>
-                      </a:r>
-                      <a:endParaRPr lang="ru-RU" sz="2400" dirty="0">
-                        <a:effectLst/>
-                        <a:latin typeface="Calibri" panose="020F0502020204030204" pitchFamily="34" charset="0"/>
-                        <a:ea typeface="Calibri" panose="020F0502020204030204" pitchFamily="34" charset="0"/>
-                        <a:cs typeface="Times New Roman" panose="02020603050405020304" pitchFamily="18" charset="0"/>
-                      </a:endParaRPr>
-                    </a:p>
-                  </a:txBody>
-                  <a:tcPr marL="68580" marR="68580" marT="0" marB="0"/>
-                </a:tc>
-              </a:tr>
-            </a:tbl>
-          </a:graphicData>
-        </a:graphic>
-      </p:graphicFrame>
       <p:graphicFrame>
         <p:nvGraphicFramePr>
           <p:cNvPr id="7" name="Объект 6"/>
@@ -7239,14 +6206,14 @@
             <p:ph idx="1"/>
             <p:extLst>
               <p:ext uri="{D42A27DB-BD31-4B8C-83A1-F6EECF244321}">
-                <p14:modId xmlns:p14="http://schemas.microsoft.com/office/powerpoint/2010/main" val="2472921385"/>
+                <p14:modId xmlns:p14="http://schemas.microsoft.com/office/powerpoint/2010/main" val="58377620"/>
               </p:ext>
             </p:extLst>
           </p:nvPr>
         </p:nvGraphicFramePr>
         <p:xfrm>
-          <a:off x="1040475" y="1130100"/>
-          <a:ext cx="10172010" cy="2686495"/>
+          <a:off x="1040475" y="1783243"/>
+          <a:ext cx="10172010" cy="2768473"/>
         </p:xfrm>
         <a:graphic>
           <a:graphicData uri="http://schemas.openxmlformats.org/drawingml/2006/table">
@@ -7296,6 +6263,82 @@
                     <a:bodyPr/>
                     <a:lstStyle/>
                     <a:p>
+                      <a:pPr marL="0" marR="0" lvl="0" indent="0" algn="l" defTabSz="914400" rtl="0" eaLnBrk="1" fontAlgn="auto" latinLnBrk="0" hangingPunct="1">
+                        <a:lnSpc>
+                          <a:spcPct val="150000"/>
+                        </a:lnSpc>
+                        <a:spcBef>
+                          <a:spcPts val="0"/>
+                        </a:spcBef>
+                        <a:spcAft>
+                          <a:spcPts val="0"/>
+                        </a:spcAft>
+                        <a:buClrTx/>
+                        <a:buSzTx/>
+                        <a:buFontTx/>
+                        <a:buNone/>
+                        <a:tabLst/>
+                        <a:defRPr/>
+                      </a:pPr>
+                      <a:r>
+                        <a:rPr lang="en-US" sz="2800" b="1" i="0" kern="1200" dirty="0" smtClean="0">
+                          <a:solidFill>
+                            <a:schemeClr val="lt1"/>
+                          </a:solidFill>
+                          <a:effectLst/>
+                          <a:latin typeface="+mn-lt"/>
+                          <a:ea typeface="+mn-ea"/>
+                          <a:cs typeface="+mn-cs"/>
+                        </a:rPr>
+                        <a:t>Accuracy</a:t>
+                      </a:r>
+                    </a:p>
+                  </a:txBody>
+                  <a:tcPr marL="68580" marR="68580" marT="0" marB="0"/>
+                </a:tc>
+                <a:tc>
+                  <a:txBody>
+                    <a:bodyPr/>
+                    <a:lstStyle/>
+                    <a:p>
+                      <a:pPr marL="0" marR="0" lvl="0" indent="0" algn="l" defTabSz="914400" rtl="0" eaLnBrk="1" fontAlgn="auto" latinLnBrk="0" hangingPunct="1">
+                        <a:lnSpc>
+                          <a:spcPct val="150000"/>
+                        </a:lnSpc>
+                        <a:spcBef>
+                          <a:spcPts val="0"/>
+                        </a:spcBef>
+                        <a:spcAft>
+                          <a:spcPts val="0"/>
+                        </a:spcAft>
+                        <a:buClrTx/>
+                        <a:buSzTx/>
+                        <a:buFontTx/>
+                        <a:buNone/>
+                        <a:tabLst/>
+                        <a:defRPr/>
+                      </a:pPr>
+                      <a:r>
+                        <a:rPr lang="en-US" sz="2800" b="1" i="0" kern="1200" dirty="0" smtClean="0">
+                          <a:solidFill>
+                            <a:schemeClr val="lt1"/>
+                          </a:solidFill>
+                          <a:effectLst/>
+                          <a:latin typeface="+mn-lt"/>
+                          <a:ea typeface="+mn-ea"/>
+                          <a:cs typeface="+mn-cs"/>
+                        </a:rPr>
+                        <a:t>Precision </a:t>
+                      </a:r>
+                    </a:p>
+                  </a:txBody>
+                  <a:tcPr marL="68580" marR="68580" marT="0" marB="0"/>
+                </a:tc>
+                <a:tc>
+                  <a:txBody>
+                    <a:bodyPr/>
+                    <a:lstStyle/>
+                    <a:p>
                       <a:pPr>
                         <a:lnSpc>
                           <a:spcPct val="150000"/>
@@ -7305,12 +6348,12 @@
                         </a:spcAft>
                       </a:pPr>
                       <a:r>
-                        <a:rPr lang="en-US" sz="2400" dirty="0" err="1">
+                        <a:rPr lang="en-US" sz="2800" b="1">
                           <a:effectLst/>
                         </a:rPr>
-                        <a:t>Acc</a:t>
+                        <a:t>Recall</a:t>
                       </a:r>
-                      <a:endParaRPr lang="ru-RU" sz="2400" dirty="0">
+                      <a:endParaRPr lang="ru-RU" sz="2800" b="1">
                         <a:effectLst/>
                         <a:latin typeface="Calibri" panose="020F0502020204030204" pitchFamily="34" charset="0"/>
                         <a:ea typeface="Calibri" panose="020F0502020204030204" pitchFamily="34" charset="0"/>
@@ -7334,70 +6377,12 @@
                         </a:spcAft>
                       </a:pPr>
                       <a:r>
-                        <a:rPr lang="en-US" sz="2400">
+                        <a:rPr lang="en-US" sz="2800" b="1" dirty="0" smtClean="0">
                           <a:effectLst/>
                         </a:rPr>
-                        <a:t>Pred</a:t>
+                        <a:t>F</a:t>
                       </a:r>
-                      <a:endParaRPr lang="ru-RU" sz="2400">
-                        <a:effectLst/>
-                        <a:latin typeface="Calibri" panose="020F0502020204030204" pitchFamily="34" charset="0"/>
-                        <a:ea typeface="Calibri" panose="020F0502020204030204" pitchFamily="34" charset="0"/>
-                        <a:cs typeface="Times New Roman" panose="02020603050405020304" pitchFamily="18" charset="0"/>
-                      </a:endParaRPr>
-                    </a:p>
-                  </a:txBody>
-                  <a:tcPr marL="68580" marR="68580" marT="0" marB="0"/>
-                </a:tc>
-                <a:tc>
-                  <a:txBody>
-                    <a:bodyPr/>
-                    <a:lstStyle/>
-                    <a:p>
-                      <a:pPr>
-                        <a:lnSpc>
-                          <a:spcPct val="150000"/>
-                        </a:lnSpc>
-                        <a:spcAft>
-                          <a:spcPts val="0"/>
-                        </a:spcAft>
-                      </a:pPr>
-                      <a:r>
-                        <a:rPr lang="en-US" sz="2400">
-                          <a:effectLst/>
-                        </a:rPr>
-                        <a:t>Recall</a:t>
-                      </a:r>
-                      <a:endParaRPr lang="ru-RU" sz="2400">
-                        <a:effectLst/>
-                        <a:latin typeface="Calibri" panose="020F0502020204030204" pitchFamily="34" charset="0"/>
-                        <a:ea typeface="Calibri" panose="020F0502020204030204" pitchFamily="34" charset="0"/>
-                        <a:cs typeface="Times New Roman" panose="02020603050405020304" pitchFamily="18" charset="0"/>
-                      </a:endParaRPr>
-                    </a:p>
-                  </a:txBody>
-                  <a:tcPr marL="68580" marR="68580" marT="0" marB="0"/>
-                </a:tc>
-                <a:tc>
-                  <a:txBody>
-                    <a:bodyPr/>
-                    <a:lstStyle/>
-                    <a:p>
-                      <a:pPr>
-                        <a:lnSpc>
-                          <a:spcPct val="150000"/>
-                        </a:lnSpc>
-                        <a:spcAft>
-                          <a:spcPts val="0"/>
-                        </a:spcAft>
-                      </a:pPr>
-                      <a:r>
-                        <a:rPr lang="en-US" sz="2400">
-                          <a:effectLst/>
-                        </a:rPr>
-                        <a:t>FM</a:t>
-                      </a:r>
-                      <a:endParaRPr lang="ru-RU" sz="2400">
+                      <a:endParaRPr lang="ru-RU" sz="2800" b="1" dirty="0">
                         <a:effectLst/>
                         <a:latin typeface="Calibri" panose="020F0502020204030204" pitchFamily="34" charset="0"/>
                         <a:ea typeface="Calibri" panose="020F0502020204030204" pitchFamily="34" charset="0"/>
@@ -7423,12 +6408,12 @@
                         </a:spcAft>
                       </a:pPr>
                       <a:r>
-                        <a:rPr lang="en-US" sz="2400">
+                        <a:rPr lang="en-US" sz="2400" dirty="0">
                           <a:effectLst/>
                         </a:rPr>
                         <a:t>LSTM</a:t>
                       </a:r>
-                      <a:endParaRPr lang="ru-RU" sz="2400">
+                      <a:endParaRPr lang="ru-RU" sz="2400" dirty="0">
                         <a:effectLst/>
                         <a:latin typeface="Calibri" panose="020F0502020204030204" pitchFamily="34" charset="0"/>
                         <a:ea typeface="Calibri" panose="020F0502020204030204" pitchFamily="34" charset="0"/>
@@ -8000,10 +6985,2196 @@
           </a:graphicData>
         </a:graphic>
       </p:graphicFrame>
+      <mc:AlternateContent xmlns:mc="http://schemas.openxmlformats.org/markup-compatibility/2006">
+        <mc:Choice xmlns:a14="http://schemas.microsoft.com/office/drawing/2010/main" Requires="a14">
+          <p:sp>
+            <p:nvSpPr>
+              <p:cNvPr id="6" name="Прямоугольник 5"/>
+              <p:cNvSpPr/>
+              <p:nvPr/>
+            </p:nvSpPr>
+            <p:spPr>
+              <a:xfrm>
+                <a:off x="65784" y="5073771"/>
+                <a:ext cx="3099951" cy="789960"/>
+              </a:xfrm>
+              <a:prstGeom prst="rect">
+                <a:avLst/>
+              </a:prstGeom>
+            </p:spPr>
+            <p:txBody>
+              <a:bodyPr wrap="none">
+                <a:spAutoFit/>
+              </a:bodyPr>
+              <a:lstStyle/>
+              <a:p>
+                <a:pPr/>
+                <a14:m>
+                  <m:oMathPara xmlns:m="http://schemas.openxmlformats.org/officeDocument/2006/math">
+                    <m:oMathParaPr>
+                      <m:jc m:val="centerGroup"/>
+                    </m:oMathParaPr>
+                    <m:oMath xmlns:m="http://schemas.openxmlformats.org/officeDocument/2006/math">
+                      <m:r>
+                        <a:rPr lang="ru-RU" sz="2400" i="1">
+                          <a:latin typeface="Cambria Math" panose="02040503050406030204" pitchFamily="18" charset="0"/>
+                        </a:rPr>
+                        <m:t>𝑃𝑟𝑒𝑐𝑖𝑠𝑖𝑜𝑛</m:t>
+                      </m:r>
+                      <m:r>
+                        <a:rPr lang="ru-RU" sz="2400" i="0">
+                          <a:latin typeface="Cambria Math" panose="02040503050406030204" pitchFamily="18" charset="0"/>
+                        </a:rPr>
+                        <m:t>=</m:t>
+                      </m:r>
+                      <m:f>
+                        <m:fPr>
+                          <m:ctrlPr>
+                            <a:rPr lang="ru-RU" sz="2400" i="1">
+                              <a:latin typeface="Cambria Math" panose="02040503050406030204" pitchFamily="18" charset="0"/>
+                            </a:rPr>
+                          </m:ctrlPr>
+                        </m:fPr>
+                        <m:num>
+                          <m:r>
+                            <a:rPr lang="ru-RU" sz="2400" i="1">
+                              <a:latin typeface="Cambria Math" panose="02040503050406030204" pitchFamily="18" charset="0"/>
+                            </a:rPr>
+                            <m:t>𝑇𝑃</m:t>
+                          </m:r>
+                        </m:num>
+                        <m:den>
+                          <m:r>
+                            <a:rPr lang="ru-RU" sz="2400" i="1">
+                              <a:latin typeface="Cambria Math" panose="02040503050406030204" pitchFamily="18" charset="0"/>
+                            </a:rPr>
+                            <m:t>𝑇𝑃</m:t>
+                          </m:r>
+                          <m:r>
+                            <a:rPr lang="ru-RU" sz="2400" i="0">
+                              <a:latin typeface="Cambria Math" panose="02040503050406030204" pitchFamily="18" charset="0"/>
+                            </a:rPr>
+                            <m:t>+</m:t>
+                          </m:r>
+                          <m:r>
+                            <a:rPr lang="ru-RU" sz="2400" i="1">
+                              <a:latin typeface="Cambria Math" panose="02040503050406030204" pitchFamily="18" charset="0"/>
+                            </a:rPr>
+                            <m:t>𝐹𝑃</m:t>
+                          </m:r>
+                        </m:den>
+                      </m:f>
+                    </m:oMath>
+                  </m:oMathPara>
+                </a14:m>
+                <a:endParaRPr lang="ru-RU" sz="2400" dirty="0"/>
+              </a:p>
+            </p:txBody>
+          </p:sp>
+        </mc:Choice>
+        <mc:Fallback>
+          <p:sp>
+            <p:nvSpPr>
+              <p:cNvPr id="6" name="Прямоугольник 5"/>
+              <p:cNvSpPr>
+                <a:spLocks noRot="1" noChangeAspect="1" noMove="1" noResize="1" noEditPoints="1" noAdjustHandles="1" noChangeArrowheads="1" noChangeShapeType="1" noTextEdit="1"/>
+              </p:cNvSpPr>
+              <p:nvPr/>
+            </p:nvSpPr>
+            <p:spPr>
+              <a:xfrm>
+                <a:off x="65784" y="5073771"/>
+                <a:ext cx="3099951" cy="789960"/>
+              </a:xfrm>
+              <a:prstGeom prst="rect">
+                <a:avLst/>
+              </a:prstGeom>
+              <a:blipFill rotWithShape="0">
+                <a:blip r:embed="rId2"/>
+                <a:stretch>
+                  <a:fillRect/>
+                </a:stretch>
+              </a:blipFill>
+            </p:spPr>
+            <p:txBody>
+              <a:bodyPr/>
+              <a:lstStyle/>
+              <a:p>
+                <a:r>
+                  <a:rPr lang="ru-RU">
+                    <a:noFill/>
+                  </a:rPr>
+                  <a:t> </a:t>
+                </a:r>
+              </a:p>
+            </p:txBody>
+          </p:sp>
+        </mc:Fallback>
+      </mc:AlternateContent>
+      <mc:AlternateContent xmlns:mc="http://schemas.openxmlformats.org/markup-compatibility/2006">
+        <mc:Choice xmlns:a14="http://schemas.microsoft.com/office/drawing/2010/main" Requires="a14">
+          <p:sp>
+            <p:nvSpPr>
+              <p:cNvPr id="8" name="Прямоугольник 7"/>
+              <p:cNvSpPr/>
+              <p:nvPr/>
+            </p:nvSpPr>
+            <p:spPr>
+              <a:xfrm>
+                <a:off x="3421734" y="5073771"/>
+                <a:ext cx="2687659" cy="789960"/>
+              </a:xfrm>
+              <a:prstGeom prst="rect">
+                <a:avLst/>
+              </a:prstGeom>
+            </p:spPr>
+            <p:txBody>
+              <a:bodyPr wrap="none">
+                <a:spAutoFit/>
+              </a:bodyPr>
+              <a:lstStyle/>
+              <a:p>
+                <a:pPr/>
+                <a14:m>
+                  <m:oMathPara xmlns:m="http://schemas.openxmlformats.org/officeDocument/2006/math">
+                    <m:oMathParaPr>
+                      <m:jc m:val="centerGroup"/>
+                    </m:oMathParaPr>
+                    <m:oMath xmlns:m="http://schemas.openxmlformats.org/officeDocument/2006/math">
+                      <m:r>
+                        <a:rPr lang="ru-RU" sz="2400" i="1">
+                          <a:latin typeface="Cambria Math" panose="02040503050406030204" pitchFamily="18" charset="0"/>
+                        </a:rPr>
+                        <m:t>𝑅𝑒𝑐𝑎𝑙𝑙</m:t>
+                      </m:r>
+                      <m:r>
+                        <a:rPr lang="ru-RU" sz="2400" i="0">
+                          <a:latin typeface="Cambria Math" panose="02040503050406030204" pitchFamily="18" charset="0"/>
+                        </a:rPr>
+                        <m:t>=</m:t>
+                      </m:r>
+                      <m:f>
+                        <m:fPr>
+                          <m:ctrlPr>
+                            <a:rPr lang="ru-RU" sz="2400" i="1">
+                              <a:latin typeface="Cambria Math" panose="02040503050406030204" pitchFamily="18" charset="0"/>
+                            </a:rPr>
+                          </m:ctrlPr>
+                        </m:fPr>
+                        <m:num>
+                          <m:r>
+                            <a:rPr lang="ru-RU" sz="2400" i="1">
+                              <a:latin typeface="Cambria Math" panose="02040503050406030204" pitchFamily="18" charset="0"/>
+                            </a:rPr>
+                            <m:t>𝑇𝑃</m:t>
+                          </m:r>
+                        </m:num>
+                        <m:den>
+                          <m:r>
+                            <a:rPr lang="ru-RU" sz="2400" i="1">
+                              <a:latin typeface="Cambria Math" panose="02040503050406030204" pitchFamily="18" charset="0"/>
+                            </a:rPr>
+                            <m:t>𝑇𝑃</m:t>
+                          </m:r>
+                          <m:r>
+                            <a:rPr lang="ru-RU" sz="2400" i="0">
+                              <a:latin typeface="Cambria Math" panose="02040503050406030204" pitchFamily="18" charset="0"/>
+                            </a:rPr>
+                            <m:t>+</m:t>
+                          </m:r>
+                          <m:r>
+                            <a:rPr lang="ru-RU" sz="2400" i="1">
+                              <a:latin typeface="Cambria Math" panose="02040503050406030204" pitchFamily="18" charset="0"/>
+                            </a:rPr>
+                            <m:t>𝐹𝑁</m:t>
+                          </m:r>
+                        </m:den>
+                      </m:f>
+                    </m:oMath>
+                  </m:oMathPara>
+                </a14:m>
+                <a:endParaRPr lang="ru-RU" sz="2400" dirty="0"/>
+              </a:p>
+            </p:txBody>
+          </p:sp>
+        </mc:Choice>
+        <mc:Fallback>
+          <p:sp>
+            <p:nvSpPr>
+              <p:cNvPr id="8" name="Прямоугольник 7"/>
+              <p:cNvSpPr>
+                <a:spLocks noRot="1" noChangeAspect="1" noMove="1" noResize="1" noEditPoints="1" noAdjustHandles="1" noChangeArrowheads="1" noChangeShapeType="1" noTextEdit="1"/>
+              </p:cNvSpPr>
+              <p:nvPr/>
+            </p:nvSpPr>
+            <p:spPr>
+              <a:xfrm>
+                <a:off x="3421734" y="5073771"/>
+                <a:ext cx="2687659" cy="789960"/>
+              </a:xfrm>
+              <a:prstGeom prst="rect">
+                <a:avLst/>
+              </a:prstGeom>
+              <a:blipFill rotWithShape="0">
+                <a:blip r:embed="rId3"/>
+                <a:stretch>
+                  <a:fillRect/>
+                </a:stretch>
+              </a:blipFill>
+            </p:spPr>
+            <p:txBody>
+              <a:bodyPr/>
+              <a:lstStyle/>
+              <a:p>
+                <a:r>
+                  <a:rPr lang="ru-RU">
+                    <a:noFill/>
+                  </a:rPr>
+                  <a:t> </a:t>
+                </a:r>
+              </a:p>
+            </p:txBody>
+          </p:sp>
+        </mc:Fallback>
+      </mc:AlternateContent>
+      <mc:AlternateContent xmlns:mc="http://schemas.openxmlformats.org/markup-compatibility/2006">
+        <mc:Choice xmlns:a14="http://schemas.microsoft.com/office/drawing/2010/main" Requires="a14">
+          <p:sp>
+            <p:nvSpPr>
+              <p:cNvPr id="9" name="Прямоугольник 8"/>
+              <p:cNvSpPr/>
+              <p:nvPr/>
+            </p:nvSpPr>
+            <p:spPr>
+              <a:xfrm>
+                <a:off x="6150283" y="5112686"/>
+                <a:ext cx="3717684" cy="799771"/>
+              </a:xfrm>
+              <a:prstGeom prst="rect">
+                <a:avLst/>
+              </a:prstGeom>
+            </p:spPr>
+            <p:txBody>
+              <a:bodyPr wrap="none">
+                <a:spAutoFit/>
+              </a:bodyPr>
+              <a:lstStyle/>
+              <a:p>
+                <a:pPr/>
+                <a14:m>
+                  <m:oMathPara xmlns:m="http://schemas.openxmlformats.org/officeDocument/2006/math">
+                    <m:oMathParaPr>
+                      <m:jc m:val="centerGroup"/>
+                    </m:oMathParaPr>
+                    <m:oMath xmlns:m="http://schemas.openxmlformats.org/officeDocument/2006/math">
+                      <m:r>
+                        <a:rPr lang="en-US" sz="2400" i="1">
+                          <a:latin typeface="Cambria Math" panose="02040503050406030204" pitchFamily="18" charset="0"/>
+                        </a:rPr>
+                        <m:t>𝐹</m:t>
+                      </m:r>
+                      <m:r>
+                        <a:rPr lang="en-US" sz="2400" i="1">
+                          <a:latin typeface="Cambria Math" panose="02040503050406030204" pitchFamily="18" charset="0"/>
+                        </a:rPr>
+                        <m:t>=2 </m:t>
+                      </m:r>
+                      <m:f>
+                        <m:fPr>
+                          <m:ctrlPr>
+                            <a:rPr lang="ru-RU" sz="2400" i="1">
+                              <a:latin typeface="Cambria Math" panose="02040503050406030204" pitchFamily="18" charset="0"/>
+                            </a:rPr>
+                          </m:ctrlPr>
+                        </m:fPr>
+                        <m:num>
+                          <m:r>
+                            <a:rPr lang="en-US" sz="2400" i="1">
+                              <a:latin typeface="Cambria Math" panose="02040503050406030204" pitchFamily="18" charset="0"/>
+                            </a:rPr>
+                            <m:t>𝑃𝑟𝑒𝑐𝑖𝑠𝑖𝑜𝑛</m:t>
+                          </m:r>
+                          <m:r>
+                            <a:rPr lang="en-US" sz="2400" i="1">
+                              <a:latin typeface="Cambria Math" panose="02040503050406030204" pitchFamily="18" charset="0"/>
+                            </a:rPr>
+                            <m:t> ×</m:t>
+                          </m:r>
+                          <m:r>
+                            <a:rPr lang="en-US" sz="2400" i="1">
+                              <a:latin typeface="Cambria Math" panose="02040503050406030204" pitchFamily="18" charset="0"/>
+                            </a:rPr>
+                            <m:t>𝑅𝑒𝑐𝑎𝑙𝑙</m:t>
+                          </m:r>
+                        </m:num>
+                        <m:den>
+                          <m:r>
+                            <a:rPr lang="en-US" sz="2400" i="1">
+                              <a:latin typeface="Cambria Math" panose="02040503050406030204" pitchFamily="18" charset="0"/>
+                            </a:rPr>
+                            <m:t>𝑃𝑟𝑒𝑐𝑖𝑠𝑖𝑜𝑛</m:t>
+                          </m:r>
+                          <m:r>
+                            <a:rPr lang="en-US" sz="2400" i="1">
+                              <a:latin typeface="Cambria Math" panose="02040503050406030204" pitchFamily="18" charset="0"/>
+                            </a:rPr>
+                            <m:t>+</m:t>
+                          </m:r>
+                          <m:r>
+                            <a:rPr lang="en-US" sz="2400" i="1">
+                              <a:latin typeface="Cambria Math" panose="02040503050406030204" pitchFamily="18" charset="0"/>
+                            </a:rPr>
+                            <m:t>𝑅𝑒𝑐𝑎𝑙𝑙</m:t>
+                          </m:r>
+                        </m:den>
+                      </m:f>
+                    </m:oMath>
+                  </m:oMathPara>
+                </a14:m>
+                <a:endParaRPr lang="ru-RU" sz="2400" dirty="0"/>
+              </a:p>
+            </p:txBody>
+          </p:sp>
+        </mc:Choice>
+        <mc:Fallback>
+          <p:sp>
+            <p:nvSpPr>
+              <p:cNvPr id="9" name="Прямоугольник 8"/>
+              <p:cNvSpPr>
+                <a:spLocks noRot="1" noChangeAspect="1" noMove="1" noResize="1" noEditPoints="1" noAdjustHandles="1" noChangeArrowheads="1" noChangeShapeType="1" noTextEdit="1"/>
+              </p:cNvSpPr>
+              <p:nvPr/>
+            </p:nvSpPr>
+            <p:spPr>
+              <a:xfrm>
+                <a:off x="6150283" y="5112686"/>
+                <a:ext cx="3717684" cy="799771"/>
+              </a:xfrm>
+              <a:prstGeom prst="rect">
+                <a:avLst/>
+              </a:prstGeom>
+              <a:blipFill rotWithShape="0">
+                <a:blip r:embed="rId4"/>
+                <a:stretch>
+                  <a:fillRect/>
+                </a:stretch>
+              </a:blipFill>
+            </p:spPr>
+            <p:txBody>
+              <a:bodyPr/>
+              <a:lstStyle/>
+              <a:p>
+                <a:r>
+                  <a:rPr lang="ru-RU">
+                    <a:noFill/>
+                  </a:rPr>
+                  <a:t> </a:t>
+                </a:r>
+              </a:p>
+            </p:txBody>
+          </p:sp>
+        </mc:Fallback>
+      </mc:AlternateContent>
+      <mc:AlternateContent xmlns:mc="http://schemas.openxmlformats.org/markup-compatibility/2006">
+        <mc:Choice xmlns:a14="http://schemas.microsoft.com/office/drawing/2010/main" Requires="a14">
+          <p:sp>
+            <p:nvSpPr>
+              <p:cNvPr id="10" name="Прямоугольник 9"/>
+              <p:cNvSpPr/>
+              <p:nvPr/>
+            </p:nvSpPr>
+            <p:spPr>
+              <a:xfrm>
+                <a:off x="9867967" y="5112686"/>
+                <a:ext cx="2324033" cy="781368"/>
+              </a:xfrm>
+              <a:prstGeom prst="rect">
+                <a:avLst/>
+              </a:prstGeom>
+            </p:spPr>
+            <p:txBody>
+              <a:bodyPr wrap="none">
+                <a:spAutoFit/>
+              </a:bodyPr>
+              <a:lstStyle/>
+              <a:p>
+                <a:pPr/>
+                <a14:m>
+                  <m:oMathPara xmlns:m="http://schemas.openxmlformats.org/officeDocument/2006/math">
+                    <m:oMathParaPr>
+                      <m:jc m:val="centerGroup"/>
+                    </m:oMathParaPr>
+                    <m:oMath xmlns:m="http://schemas.openxmlformats.org/officeDocument/2006/math">
+                      <m:r>
+                        <a:rPr lang="ru-RU" sz="2400" i="1" smtClean="0">
+                          <a:latin typeface="Cambria Math" panose="02040503050406030204" pitchFamily="18" charset="0"/>
+                        </a:rPr>
+                        <m:t>𝐴𝑐𝑐𝑢𝑟𝑎𝑐𝑦</m:t>
+                      </m:r>
+                      <m:r>
+                        <a:rPr lang="ru-RU" sz="2400" i="0">
+                          <a:latin typeface="Cambria Math" panose="02040503050406030204" pitchFamily="18" charset="0"/>
+                        </a:rPr>
+                        <m:t>=</m:t>
+                      </m:r>
+                      <m:f>
+                        <m:fPr>
+                          <m:ctrlPr>
+                            <a:rPr lang="ru-RU" sz="2400" i="1">
+                              <a:latin typeface="Cambria Math" panose="02040503050406030204" pitchFamily="18" charset="0"/>
+                            </a:rPr>
+                          </m:ctrlPr>
+                        </m:fPr>
+                        <m:num>
+                          <m:r>
+                            <a:rPr lang="en-US" sz="2400" b="0" i="1" smtClean="0">
+                              <a:latin typeface="Cambria Math" panose="02040503050406030204" pitchFamily="18" charset="0"/>
+                            </a:rPr>
+                            <m:t>𝑇𝑃</m:t>
+                          </m:r>
+                        </m:num>
+                        <m:den>
+                          <m:r>
+                            <a:rPr lang="en-US" sz="2400" b="0" i="1" smtClean="0">
+                              <a:latin typeface="Cambria Math" panose="02040503050406030204" pitchFamily="18" charset="0"/>
+                            </a:rPr>
+                            <m:t>𝑁</m:t>
+                          </m:r>
+                        </m:den>
+                      </m:f>
+                    </m:oMath>
+                  </m:oMathPara>
+                </a14:m>
+                <a:endParaRPr lang="ru-RU" sz="2400" dirty="0"/>
+              </a:p>
+            </p:txBody>
+          </p:sp>
+        </mc:Choice>
+        <mc:Fallback>
+          <p:sp>
+            <p:nvSpPr>
+              <p:cNvPr id="10" name="Прямоугольник 9"/>
+              <p:cNvSpPr>
+                <a:spLocks noRot="1" noChangeAspect="1" noMove="1" noResize="1" noEditPoints="1" noAdjustHandles="1" noChangeArrowheads="1" noChangeShapeType="1" noTextEdit="1"/>
+              </p:cNvSpPr>
+              <p:nvPr/>
+            </p:nvSpPr>
+            <p:spPr>
+              <a:xfrm>
+                <a:off x="9867967" y="5112686"/>
+                <a:ext cx="2324033" cy="781368"/>
+              </a:xfrm>
+              <a:prstGeom prst="rect">
+                <a:avLst/>
+              </a:prstGeom>
+              <a:blipFill rotWithShape="0">
+                <a:blip r:embed="rId5"/>
+                <a:stretch>
+                  <a:fillRect/>
+                </a:stretch>
+              </a:blipFill>
+            </p:spPr>
+            <p:txBody>
+              <a:bodyPr/>
+              <a:lstStyle/>
+              <a:p>
+                <a:r>
+                  <a:rPr lang="ru-RU">
+                    <a:noFill/>
+                  </a:rPr>
+                  <a:t> </a:t>
+                </a:r>
+              </a:p>
+            </p:txBody>
+          </p:sp>
+        </mc:Fallback>
+      </mc:AlternateContent>
     </p:spTree>
     <p:extLst>
       <p:ext uri="{BB962C8B-B14F-4D97-AF65-F5344CB8AC3E}">
         <p14:creationId xmlns:p14="http://schemas.microsoft.com/office/powerpoint/2010/main" val="4197040288"/>
+      </p:ext>
+    </p:extLst>
+  </p:cSld>
+  <p:clrMapOvr>
+    <a:masterClrMapping/>
+  </p:clrMapOvr>
+  <p:timing>
+    <p:tnLst>
+      <p:par>
+        <p:cTn id="1" dur="indefinite" restart="never" nodeType="tmRoot"/>
+      </p:par>
+    </p:tnLst>
+  </p:timing>
+</p:sld>
+</file>
+
+<file path=ppt/slides/slide15.xml><?xml version="1.0" encoding="utf-8"?>
+<p:sld xmlns:a="http://schemas.openxmlformats.org/drawingml/2006/main" xmlns:r="http://schemas.openxmlformats.org/officeDocument/2006/relationships" xmlns:p="http://schemas.openxmlformats.org/presentationml/2006/main">
+  <p:cSld>
+    <p:spTree>
+      <p:nvGrpSpPr>
+        <p:cNvPr id="1" name=""/>
+        <p:cNvGrpSpPr/>
+        <p:nvPr/>
+      </p:nvGrpSpPr>
+      <p:grpSpPr>
+        <a:xfrm>
+          <a:off x="0" y="0"/>
+          <a:ext cx="0" cy="0"/>
+          <a:chOff x="0" y="0"/>
+          <a:chExt cx="0" cy="0"/>
+        </a:xfrm>
+      </p:grpSpPr>
+      <p:sp>
+        <p:nvSpPr>
+          <p:cNvPr id="2" name="Заголовок 1"/>
+          <p:cNvSpPr>
+            <a:spLocks noGrp="1"/>
+          </p:cNvSpPr>
+          <p:nvPr>
+            <p:ph type="title"/>
+          </p:nvPr>
+        </p:nvSpPr>
+        <p:spPr/>
+        <p:txBody>
+          <a:bodyPr/>
+          <a:lstStyle/>
+          <a:p>
+            <a:r>
+              <a:rPr lang="ru-RU" dirty="0"/>
+              <a:t>Результаты </a:t>
+            </a:r>
+            <a:r>
+              <a:rPr lang="ru-RU" dirty="0" smtClean="0"/>
+              <a:t>по отдельным классам данных</a:t>
+            </a:r>
+            <a:endParaRPr lang="ru-RU" dirty="0"/>
+          </a:p>
+        </p:txBody>
+      </p:sp>
+      <p:sp>
+        <p:nvSpPr>
+          <p:cNvPr id="4" name="Номер слайда 3"/>
+          <p:cNvSpPr>
+            <a:spLocks noGrp="1"/>
+          </p:cNvSpPr>
+          <p:nvPr>
+            <p:ph type="sldNum" sz="quarter" idx="12"/>
+          </p:nvPr>
+        </p:nvSpPr>
+        <p:spPr/>
+        <p:txBody>
+          <a:bodyPr/>
+          <a:lstStyle/>
+          <a:p>
+            <a:fld id="{54312719-E188-4125-8FBE-1E251BCF9D85}" type="slidenum">
+              <a:rPr lang="ru-RU" smtClean="0"/>
+              <a:t>15</a:t>
+            </a:fld>
+            <a:endParaRPr lang="ru-RU"/>
+          </a:p>
+        </p:txBody>
+      </p:sp>
+      <p:graphicFrame>
+        <p:nvGraphicFramePr>
+          <p:cNvPr id="5" name="Таблица 4"/>
+          <p:cNvGraphicFramePr>
+            <a:graphicFrameLocks noGrp="1"/>
+          </p:cNvGraphicFramePr>
+          <p:nvPr>
+            <p:extLst>
+              <p:ext uri="{D42A27DB-BD31-4B8C-83A1-F6EECF244321}">
+                <p14:modId xmlns:p14="http://schemas.microsoft.com/office/powerpoint/2010/main" val="1567124861"/>
+              </p:ext>
+            </p:extLst>
+          </p:nvPr>
+        </p:nvGraphicFramePr>
+        <p:xfrm>
+          <a:off x="1097278" y="1845734"/>
+          <a:ext cx="10115205" cy="3383280"/>
+        </p:xfrm>
+        <a:graphic>
+          <a:graphicData uri="http://schemas.openxmlformats.org/drawingml/2006/table">
+            <a:tbl>
+              <a:tblPr firstRow="1" firstCol="1" bandRow="1">
+                <a:tableStyleId>{5C22544A-7EE6-4342-B048-85BDC9FD1C3A}</a:tableStyleId>
+              </a:tblPr>
+              <a:tblGrid>
+                <a:gridCol w="2023041"/>
+                <a:gridCol w="2023041"/>
+                <a:gridCol w="2023041"/>
+                <a:gridCol w="2023041"/>
+                <a:gridCol w="2023041"/>
+              </a:tblGrid>
+              <a:tr h="302410">
+                <a:tc>
+                  <a:txBody>
+                    <a:bodyPr/>
+                    <a:lstStyle/>
+                    <a:p>
+                      <a:pPr>
+                        <a:lnSpc>
+                          <a:spcPct val="150000"/>
+                        </a:lnSpc>
+                        <a:spcAft>
+                          <a:spcPts val="0"/>
+                        </a:spcAft>
+                      </a:pPr>
+                      <a:r>
+                        <a:rPr lang="en-US" sz="2400" dirty="0">
+                          <a:effectLst/>
+                        </a:rPr>
+                        <a:t> </a:t>
+                      </a:r>
+                      <a:endParaRPr lang="ru-RU" sz="2400" dirty="0">
+                        <a:effectLst/>
+                        <a:latin typeface="Calibri" panose="020F0502020204030204" pitchFamily="34" charset="0"/>
+                        <a:ea typeface="Calibri" panose="020F0502020204030204" pitchFamily="34" charset="0"/>
+                        <a:cs typeface="Times New Roman" panose="02020603050405020304" pitchFamily="18" charset="0"/>
+                      </a:endParaRPr>
+                    </a:p>
+                  </a:txBody>
+                  <a:tcPr marL="68580" marR="68580" marT="0" marB="0"/>
+                </a:tc>
+                <a:tc>
+                  <a:txBody>
+                    <a:bodyPr/>
+                    <a:lstStyle/>
+                    <a:p>
+                      <a:pPr marL="0" marR="0" lvl="0" indent="0" algn="l" defTabSz="914400" rtl="0" eaLnBrk="1" fontAlgn="auto" latinLnBrk="0" hangingPunct="1">
+                        <a:lnSpc>
+                          <a:spcPct val="150000"/>
+                        </a:lnSpc>
+                        <a:spcBef>
+                          <a:spcPts val="0"/>
+                        </a:spcBef>
+                        <a:spcAft>
+                          <a:spcPts val="0"/>
+                        </a:spcAft>
+                        <a:buClrTx/>
+                        <a:buSzTx/>
+                        <a:buFontTx/>
+                        <a:buNone/>
+                        <a:tabLst/>
+                        <a:defRPr/>
+                      </a:pPr>
+                      <a:r>
+                        <a:rPr lang="en-US" sz="2800" b="1" i="0" kern="1200" dirty="0" smtClean="0">
+                          <a:solidFill>
+                            <a:schemeClr val="lt1"/>
+                          </a:solidFill>
+                          <a:effectLst/>
+                          <a:latin typeface="+mn-lt"/>
+                          <a:ea typeface="+mn-ea"/>
+                          <a:cs typeface="+mn-cs"/>
+                        </a:rPr>
+                        <a:t>Accuracy</a:t>
+                      </a:r>
+                    </a:p>
+                  </a:txBody>
+                  <a:tcPr marL="68580" marR="68580" marT="0" marB="0"/>
+                </a:tc>
+                <a:tc>
+                  <a:txBody>
+                    <a:bodyPr/>
+                    <a:lstStyle/>
+                    <a:p>
+                      <a:pPr marL="0" marR="0" lvl="0" indent="0" algn="l" defTabSz="914400" rtl="0" eaLnBrk="1" fontAlgn="auto" latinLnBrk="0" hangingPunct="1">
+                        <a:lnSpc>
+                          <a:spcPct val="150000"/>
+                        </a:lnSpc>
+                        <a:spcBef>
+                          <a:spcPts val="0"/>
+                        </a:spcBef>
+                        <a:spcAft>
+                          <a:spcPts val="0"/>
+                        </a:spcAft>
+                        <a:buClrTx/>
+                        <a:buSzTx/>
+                        <a:buFontTx/>
+                        <a:buNone/>
+                        <a:tabLst/>
+                        <a:defRPr/>
+                      </a:pPr>
+                      <a:r>
+                        <a:rPr lang="en-US" sz="2800" b="1" i="0" kern="1200" dirty="0" smtClean="0">
+                          <a:solidFill>
+                            <a:schemeClr val="lt1"/>
+                          </a:solidFill>
+                          <a:effectLst/>
+                          <a:latin typeface="+mn-lt"/>
+                          <a:ea typeface="+mn-ea"/>
+                          <a:cs typeface="+mn-cs"/>
+                        </a:rPr>
+                        <a:t>Precision </a:t>
+                      </a:r>
+                    </a:p>
+                  </a:txBody>
+                  <a:tcPr marL="68580" marR="68580" marT="0" marB="0"/>
+                </a:tc>
+                <a:tc>
+                  <a:txBody>
+                    <a:bodyPr/>
+                    <a:lstStyle/>
+                    <a:p>
+                      <a:pPr>
+                        <a:lnSpc>
+                          <a:spcPct val="150000"/>
+                        </a:lnSpc>
+                        <a:spcAft>
+                          <a:spcPts val="0"/>
+                        </a:spcAft>
+                      </a:pPr>
+                      <a:r>
+                        <a:rPr lang="en-US" sz="2800" b="1">
+                          <a:effectLst/>
+                        </a:rPr>
+                        <a:t>Recall</a:t>
+                      </a:r>
+                      <a:endParaRPr lang="ru-RU" sz="2800" b="1">
+                        <a:effectLst/>
+                        <a:latin typeface="Calibri" panose="020F0502020204030204" pitchFamily="34" charset="0"/>
+                        <a:ea typeface="Calibri" panose="020F0502020204030204" pitchFamily="34" charset="0"/>
+                        <a:cs typeface="Times New Roman" panose="02020603050405020304" pitchFamily="18" charset="0"/>
+                      </a:endParaRPr>
+                    </a:p>
+                  </a:txBody>
+                  <a:tcPr marL="68580" marR="68580" marT="0" marB="0"/>
+                </a:tc>
+                <a:tc>
+                  <a:txBody>
+                    <a:bodyPr/>
+                    <a:lstStyle/>
+                    <a:p>
+                      <a:pPr>
+                        <a:lnSpc>
+                          <a:spcPct val="150000"/>
+                        </a:lnSpc>
+                        <a:spcAft>
+                          <a:spcPts val="0"/>
+                        </a:spcAft>
+                      </a:pPr>
+                      <a:r>
+                        <a:rPr lang="en-US" sz="2800" b="1" dirty="0" smtClean="0">
+                          <a:effectLst/>
+                        </a:rPr>
+                        <a:t>F</a:t>
+                      </a:r>
+                      <a:endParaRPr lang="ru-RU" sz="2800" b="1" dirty="0">
+                        <a:effectLst/>
+                        <a:latin typeface="Calibri" panose="020F0502020204030204" pitchFamily="34" charset="0"/>
+                        <a:ea typeface="Calibri" panose="020F0502020204030204" pitchFamily="34" charset="0"/>
+                        <a:cs typeface="Times New Roman" panose="02020603050405020304" pitchFamily="18" charset="0"/>
+                      </a:endParaRPr>
+                    </a:p>
+                  </a:txBody>
+                  <a:tcPr marL="68580" marR="68580" marT="0" marB="0"/>
+                </a:tc>
+              </a:tr>
+              <a:tr h="302410">
+                <a:tc>
+                  <a:txBody>
+                    <a:bodyPr/>
+                    <a:lstStyle/>
+                    <a:p>
+                      <a:pPr>
+                        <a:lnSpc>
+                          <a:spcPct val="150000"/>
+                        </a:lnSpc>
+                        <a:spcAft>
+                          <a:spcPts val="0"/>
+                        </a:spcAft>
+                      </a:pPr>
+                      <a:r>
+                        <a:rPr lang="en-US" sz="2400" dirty="0">
+                          <a:effectLst/>
+                        </a:rPr>
+                        <a:t>PER</a:t>
+                      </a:r>
+                      <a:endParaRPr lang="ru-RU" sz="2400" dirty="0">
+                        <a:effectLst/>
+                        <a:latin typeface="Calibri" panose="020F0502020204030204" pitchFamily="34" charset="0"/>
+                        <a:ea typeface="Calibri" panose="020F0502020204030204" pitchFamily="34" charset="0"/>
+                        <a:cs typeface="Times New Roman" panose="02020603050405020304" pitchFamily="18" charset="0"/>
+                      </a:endParaRPr>
+                    </a:p>
+                  </a:txBody>
+                  <a:tcPr marL="68580" marR="68580" marT="0" marB="0"/>
+                </a:tc>
+                <a:tc>
+                  <a:txBody>
+                    <a:bodyPr/>
+                    <a:lstStyle/>
+                    <a:p>
+                      <a:pPr>
+                        <a:lnSpc>
+                          <a:spcPct val="150000"/>
+                        </a:lnSpc>
+                        <a:spcAft>
+                          <a:spcPts val="0"/>
+                        </a:spcAft>
+                      </a:pPr>
+                      <a:r>
+                        <a:rPr lang="ru-RU" sz="2400" dirty="0">
+                          <a:effectLst/>
+                        </a:rPr>
+                        <a:t>99.2</a:t>
+                      </a:r>
+                      <a:endParaRPr lang="ru-RU" sz="2400" dirty="0">
+                        <a:effectLst/>
+                        <a:latin typeface="Calibri" panose="020F0502020204030204" pitchFamily="34" charset="0"/>
+                        <a:ea typeface="Calibri" panose="020F0502020204030204" pitchFamily="34" charset="0"/>
+                        <a:cs typeface="Times New Roman" panose="02020603050405020304" pitchFamily="18" charset="0"/>
+                      </a:endParaRPr>
+                    </a:p>
+                  </a:txBody>
+                  <a:tcPr marL="68580" marR="68580" marT="0" marB="0"/>
+                </a:tc>
+                <a:tc>
+                  <a:txBody>
+                    <a:bodyPr/>
+                    <a:lstStyle/>
+                    <a:p>
+                      <a:pPr>
+                        <a:lnSpc>
+                          <a:spcPct val="150000"/>
+                        </a:lnSpc>
+                        <a:spcAft>
+                          <a:spcPts val="0"/>
+                        </a:spcAft>
+                      </a:pPr>
+                      <a:r>
+                        <a:rPr lang="ru-RU" sz="2400">
+                          <a:effectLst/>
+                        </a:rPr>
+                        <a:t>94.8</a:t>
+                      </a:r>
+                      <a:endParaRPr lang="ru-RU" sz="2400">
+                        <a:effectLst/>
+                        <a:latin typeface="Calibri" panose="020F0502020204030204" pitchFamily="34" charset="0"/>
+                        <a:ea typeface="Calibri" panose="020F0502020204030204" pitchFamily="34" charset="0"/>
+                        <a:cs typeface="Times New Roman" panose="02020603050405020304" pitchFamily="18" charset="0"/>
+                      </a:endParaRPr>
+                    </a:p>
+                  </a:txBody>
+                  <a:tcPr marL="68580" marR="68580" marT="0" marB="0"/>
+                </a:tc>
+                <a:tc>
+                  <a:txBody>
+                    <a:bodyPr/>
+                    <a:lstStyle/>
+                    <a:p>
+                      <a:pPr>
+                        <a:lnSpc>
+                          <a:spcPct val="150000"/>
+                        </a:lnSpc>
+                        <a:spcAft>
+                          <a:spcPts val="0"/>
+                        </a:spcAft>
+                      </a:pPr>
+                      <a:r>
+                        <a:rPr lang="ru-RU" sz="2400">
+                          <a:effectLst/>
+                        </a:rPr>
+                        <a:t>93.5</a:t>
+                      </a:r>
+                      <a:endParaRPr lang="ru-RU" sz="2400">
+                        <a:effectLst/>
+                        <a:latin typeface="Calibri" panose="020F0502020204030204" pitchFamily="34" charset="0"/>
+                        <a:ea typeface="Calibri" panose="020F0502020204030204" pitchFamily="34" charset="0"/>
+                        <a:cs typeface="Times New Roman" panose="02020603050405020304" pitchFamily="18" charset="0"/>
+                      </a:endParaRPr>
+                    </a:p>
+                  </a:txBody>
+                  <a:tcPr marL="68580" marR="68580" marT="0" marB="0"/>
+                </a:tc>
+                <a:tc>
+                  <a:txBody>
+                    <a:bodyPr/>
+                    <a:lstStyle/>
+                    <a:p>
+                      <a:pPr>
+                        <a:lnSpc>
+                          <a:spcPct val="150000"/>
+                        </a:lnSpc>
+                        <a:spcAft>
+                          <a:spcPts val="0"/>
+                        </a:spcAft>
+                      </a:pPr>
+                      <a:r>
+                        <a:rPr lang="ru-RU" sz="2400">
+                          <a:effectLst/>
+                        </a:rPr>
+                        <a:t>94.15</a:t>
+                      </a:r>
+                      <a:endParaRPr lang="ru-RU" sz="2400">
+                        <a:effectLst/>
+                        <a:latin typeface="Calibri" panose="020F0502020204030204" pitchFamily="34" charset="0"/>
+                        <a:ea typeface="Calibri" panose="020F0502020204030204" pitchFamily="34" charset="0"/>
+                        <a:cs typeface="Times New Roman" panose="02020603050405020304" pitchFamily="18" charset="0"/>
+                      </a:endParaRPr>
+                    </a:p>
+                  </a:txBody>
+                  <a:tcPr marL="68580" marR="68580" marT="0" marB="0"/>
+                </a:tc>
+              </a:tr>
+              <a:tr h="302410">
+                <a:tc>
+                  <a:txBody>
+                    <a:bodyPr/>
+                    <a:lstStyle/>
+                    <a:p>
+                      <a:pPr>
+                        <a:lnSpc>
+                          <a:spcPct val="150000"/>
+                        </a:lnSpc>
+                        <a:spcAft>
+                          <a:spcPts val="0"/>
+                        </a:spcAft>
+                      </a:pPr>
+                      <a:r>
+                        <a:rPr lang="en-US" sz="2400">
+                          <a:effectLst/>
+                        </a:rPr>
+                        <a:t>LOC</a:t>
+                      </a:r>
+                      <a:endParaRPr lang="ru-RU" sz="2400">
+                        <a:effectLst/>
+                        <a:latin typeface="Calibri" panose="020F0502020204030204" pitchFamily="34" charset="0"/>
+                        <a:ea typeface="Calibri" panose="020F0502020204030204" pitchFamily="34" charset="0"/>
+                        <a:cs typeface="Times New Roman" panose="02020603050405020304" pitchFamily="18" charset="0"/>
+                      </a:endParaRPr>
+                    </a:p>
+                  </a:txBody>
+                  <a:tcPr marL="68580" marR="68580" marT="0" marB="0"/>
+                </a:tc>
+                <a:tc>
+                  <a:txBody>
+                    <a:bodyPr/>
+                    <a:lstStyle/>
+                    <a:p>
+                      <a:pPr>
+                        <a:lnSpc>
+                          <a:spcPct val="150000"/>
+                        </a:lnSpc>
+                        <a:spcAft>
+                          <a:spcPts val="0"/>
+                        </a:spcAft>
+                      </a:pPr>
+                      <a:r>
+                        <a:rPr lang="ru-RU" sz="2400" dirty="0">
+                          <a:effectLst/>
+                        </a:rPr>
+                        <a:t>98.4</a:t>
+                      </a:r>
+                      <a:endParaRPr lang="ru-RU" sz="2400" dirty="0">
+                        <a:effectLst/>
+                        <a:latin typeface="Calibri" panose="020F0502020204030204" pitchFamily="34" charset="0"/>
+                        <a:ea typeface="Calibri" panose="020F0502020204030204" pitchFamily="34" charset="0"/>
+                        <a:cs typeface="Times New Roman" panose="02020603050405020304" pitchFamily="18" charset="0"/>
+                      </a:endParaRPr>
+                    </a:p>
+                  </a:txBody>
+                  <a:tcPr marL="68580" marR="68580" marT="0" marB="0"/>
+                </a:tc>
+                <a:tc>
+                  <a:txBody>
+                    <a:bodyPr/>
+                    <a:lstStyle/>
+                    <a:p>
+                      <a:pPr>
+                        <a:lnSpc>
+                          <a:spcPct val="150000"/>
+                        </a:lnSpc>
+                        <a:spcAft>
+                          <a:spcPts val="0"/>
+                        </a:spcAft>
+                      </a:pPr>
+                      <a:r>
+                        <a:rPr lang="ru-RU" sz="2400" dirty="0">
+                          <a:effectLst/>
+                        </a:rPr>
+                        <a:t>93.5</a:t>
+                      </a:r>
+                      <a:endParaRPr lang="ru-RU" sz="2400" dirty="0">
+                        <a:effectLst/>
+                        <a:latin typeface="Calibri" panose="020F0502020204030204" pitchFamily="34" charset="0"/>
+                        <a:ea typeface="Calibri" panose="020F0502020204030204" pitchFamily="34" charset="0"/>
+                        <a:cs typeface="Times New Roman" panose="02020603050405020304" pitchFamily="18" charset="0"/>
+                      </a:endParaRPr>
+                    </a:p>
+                  </a:txBody>
+                  <a:tcPr marL="68580" marR="68580" marT="0" marB="0"/>
+                </a:tc>
+                <a:tc>
+                  <a:txBody>
+                    <a:bodyPr/>
+                    <a:lstStyle/>
+                    <a:p>
+                      <a:pPr>
+                        <a:lnSpc>
+                          <a:spcPct val="150000"/>
+                        </a:lnSpc>
+                        <a:spcAft>
+                          <a:spcPts val="0"/>
+                        </a:spcAft>
+                      </a:pPr>
+                      <a:r>
+                        <a:rPr lang="ru-RU" sz="2400">
+                          <a:effectLst/>
+                        </a:rPr>
+                        <a:t>93.4</a:t>
+                      </a:r>
+                      <a:endParaRPr lang="ru-RU" sz="2400">
+                        <a:effectLst/>
+                        <a:latin typeface="Calibri" panose="020F0502020204030204" pitchFamily="34" charset="0"/>
+                        <a:ea typeface="Calibri" panose="020F0502020204030204" pitchFamily="34" charset="0"/>
+                        <a:cs typeface="Times New Roman" panose="02020603050405020304" pitchFamily="18" charset="0"/>
+                      </a:endParaRPr>
+                    </a:p>
+                  </a:txBody>
+                  <a:tcPr marL="68580" marR="68580" marT="0" marB="0"/>
+                </a:tc>
+                <a:tc>
+                  <a:txBody>
+                    <a:bodyPr/>
+                    <a:lstStyle/>
+                    <a:p>
+                      <a:pPr>
+                        <a:lnSpc>
+                          <a:spcPct val="150000"/>
+                        </a:lnSpc>
+                        <a:spcAft>
+                          <a:spcPts val="0"/>
+                        </a:spcAft>
+                      </a:pPr>
+                      <a:r>
+                        <a:rPr lang="ru-RU" sz="2400">
+                          <a:effectLst/>
+                        </a:rPr>
+                        <a:t>93.45</a:t>
+                      </a:r>
+                      <a:endParaRPr lang="ru-RU" sz="2400">
+                        <a:effectLst/>
+                        <a:latin typeface="Calibri" panose="020F0502020204030204" pitchFamily="34" charset="0"/>
+                        <a:ea typeface="Calibri" panose="020F0502020204030204" pitchFamily="34" charset="0"/>
+                        <a:cs typeface="Times New Roman" panose="02020603050405020304" pitchFamily="18" charset="0"/>
+                      </a:endParaRPr>
+                    </a:p>
+                  </a:txBody>
+                  <a:tcPr marL="68580" marR="68580" marT="0" marB="0"/>
+                </a:tc>
+              </a:tr>
+              <a:tr h="302410">
+                <a:tc>
+                  <a:txBody>
+                    <a:bodyPr/>
+                    <a:lstStyle/>
+                    <a:p>
+                      <a:pPr>
+                        <a:lnSpc>
+                          <a:spcPct val="150000"/>
+                        </a:lnSpc>
+                        <a:spcAft>
+                          <a:spcPts val="0"/>
+                        </a:spcAft>
+                      </a:pPr>
+                      <a:r>
+                        <a:rPr lang="en-US" sz="2400" dirty="0">
+                          <a:effectLst/>
+                        </a:rPr>
+                        <a:t>ORG</a:t>
+                      </a:r>
+                      <a:endParaRPr lang="ru-RU" sz="2400" dirty="0">
+                        <a:effectLst/>
+                        <a:latin typeface="Calibri" panose="020F0502020204030204" pitchFamily="34" charset="0"/>
+                        <a:ea typeface="Calibri" panose="020F0502020204030204" pitchFamily="34" charset="0"/>
+                        <a:cs typeface="Times New Roman" panose="02020603050405020304" pitchFamily="18" charset="0"/>
+                      </a:endParaRPr>
+                    </a:p>
+                  </a:txBody>
+                  <a:tcPr marL="68580" marR="68580" marT="0" marB="0"/>
+                </a:tc>
+                <a:tc>
+                  <a:txBody>
+                    <a:bodyPr/>
+                    <a:lstStyle/>
+                    <a:p>
+                      <a:pPr>
+                        <a:lnSpc>
+                          <a:spcPct val="150000"/>
+                        </a:lnSpc>
+                        <a:spcAft>
+                          <a:spcPts val="0"/>
+                        </a:spcAft>
+                      </a:pPr>
+                      <a:r>
+                        <a:rPr lang="ru-RU" sz="2400">
+                          <a:effectLst/>
+                        </a:rPr>
+                        <a:t>98.2</a:t>
+                      </a:r>
+                      <a:endParaRPr lang="ru-RU" sz="2400">
+                        <a:effectLst/>
+                        <a:latin typeface="Calibri" panose="020F0502020204030204" pitchFamily="34" charset="0"/>
+                        <a:ea typeface="Calibri" panose="020F0502020204030204" pitchFamily="34" charset="0"/>
+                        <a:cs typeface="Times New Roman" panose="02020603050405020304" pitchFamily="18" charset="0"/>
+                      </a:endParaRPr>
+                    </a:p>
+                  </a:txBody>
+                  <a:tcPr marL="68580" marR="68580" marT="0" marB="0"/>
+                </a:tc>
+                <a:tc>
+                  <a:txBody>
+                    <a:bodyPr/>
+                    <a:lstStyle/>
+                    <a:p>
+                      <a:pPr>
+                        <a:lnSpc>
+                          <a:spcPct val="150000"/>
+                        </a:lnSpc>
+                        <a:spcAft>
+                          <a:spcPts val="0"/>
+                        </a:spcAft>
+                      </a:pPr>
+                      <a:r>
+                        <a:rPr lang="ru-RU" sz="2400" dirty="0">
+                          <a:effectLst/>
+                        </a:rPr>
+                        <a:t>92.51</a:t>
+                      </a:r>
+                      <a:endParaRPr lang="ru-RU" sz="2400" dirty="0">
+                        <a:effectLst/>
+                        <a:latin typeface="Calibri" panose="020F0502020204030204" pitchFamily="34" charset="0"/>
+                        <a:ea typeface="Calibri" panose="020F0502020204030204" pitchFamily="34" charset="0"/>
+                        <a:cs typeface="Times New Roman" panose="02020603050405020304" pitchFamily="18" charset="0"/>
+                      </a:endParaRPr>
+                    </a:p>
+                  </a:txBody>
+                  <a:tcPr marL="68580" marR="68580" marT="0" marB="0"/>
+                </a:tc>
+                <a:tc>
+                  <a:txBody>
+                    <a:bodyPr/>
+                    <a:lstStyle/>
+                    <a:p>
+                      <a:pPr>
+                        <a:lnSpc>
+                          <a:spcPct val="150000"/>
+                        </a:lnSpc>
+                        <a:spcAft>
+                          <a:spcPts val="0"/>
+                        </a:spcAft>
+                      </a:pPr>
+                      <a:r>
+                        <a:rPr lang="ru-RU" sz="2400">
+                          <a:effectLst/>
+                        </a:rPr>
+                        <a:t>92.3</a:t>
+                      </a:r>
+                      <a:endParaRPr lang="ru-RU" sz="2400">
+                        <a:effectLst/>
+                        <a:latin typeface="Calibri" panose="020F0502020204030204" pitchFamily="34" charset="0"/>
+                        <a:ea typeface="Calibri" panose="020F0502020204030204" pitchFamily="34" charset="0"/>
+                        <a:cs typeface="Times New Roman" panose="02020603050405020304" pitchFamily="18" charset="0"/>
+                      </a:endParaRPr>
+                    </a:p>
+                  </a:txBody>
+                  <a:tcPr marL="68580" marR="68580" marT="0" marB="0"/>
+                </a:tc>
+                <a:tc>
+                  <a:txBody>
+                    <a:bodyPr/>
+                    <a:lstStyle/>
+                    <a:p>
+                      <a:pPr>
+                        <a:lnSpc>
+                          <a:spcPct val="150000"/>
+                        </a:lnSpc>
+                        <a:spcAft>
+                          <a:spcPts val="0"/>
+                        </a:spcAft>
+                      </a:pPr>
+                      <a:r>
+                        <a:rPr lang="ru-RU" sz="2400">
+                          <a:effectLst/>
+                        </a:rPr>
+                        <a:t>92.4</a:t>
+                      </a:r>
+                      <a:endParaRPr lang="ru-RU" sz="2400">
+                        <a:effectLst/>
+                        <a:latin typeface="Calibri" panose="020F0502020204030204" pitchFamily="34" charset="0"/>
+                        <a:ea typeface="Calibri" panose="020F0502020204030204" pitchFamily="34" charset="0"/>
+                        <a:cs typeface="Times New Roman" panose="02020603050405020304" pitchFamily="18" charset="0"/>
+                      </a:endParaRPr>
+                    </a:p>
+                  </a:txBody>
+                  <a:tcPr marL="68580" marR="68580" marT="0" marB="0"/>
+                </a:tc>
+              </a:tr>
+              <a:tr h="302410">
+                <a:tc>
+                  <a:txBody>
+                    <a:bodyPr/>
+                    <a:lstStyle/>
+                    <a:p>
+                      <a:pPr>
+                        <a:lnSpc>
+                          <a:spcPct val="150000"/>
+                        </a:lnSpc>
+                        <a:spcAft>
+                          <a:spcPts val="0"/>
+                        </a:spcAft>
+                      </a:pPr>
+                      <a:r>
+                        <a:rPr lang="en-US" sz="2400" dirty="0">
+                          <a:effectLst/>
+                        </a:rPr>
+                        <a:t>MISC</a:t>
+                      </a:r>
+                      <a:endParaRPr lang="ru-RU" sz="2400" dirty="0">
+                        <a:effectLst/>
+                        <a:latin typeface="Calibri" panose="020F0502020204030204" pitchFamily="34" charset="0"/>
+                        <a:ea typeface="Calibri" panose="020F0502020204030204" pitchFamily="34" charset="0"/>
+                        <a:cs typeface="Times New Roman" panose="02020603050405020304" pitchFamily="18" charset="0"/>
+                      </a:endParaRPr>
+                    </a:p>
+                  </a:txBody>
+                  <a:tcPr marL="68580" marR="68580" marT="0" marB="0"/>
+                </a:tc>
+                <a:tc>
+                  <a:txBody>
+                    <a:bodyPr/>
+                    <a:lstStyle/>
+                    <a:p>
+                      <a:pPr>
+                        <a:lnSpc>
+                          <a:spcPct val="150000"/>
+                        </a:lnSpc>
+                        <a:spcAft>
+                          <a:spcPts val="0"/>
+                        </a:spcAft>
+                      </a:pPr>
+                      <a:r>
+                        <a:rPr lang="ru-RU" sz="2400">
+                          <a:effectLst/>
+                        </a:rPr>
+                        <a:t>92.34</a:t>
+                      </a:r>
+                      <a:endParaRPr lang="ru-RU" sz="2400">
+                        <a:effectLst/>
+                        <a:latin typeface="Calibri" panose="020F0502020204030204" pitchFamily="34" charset="0"/>
+                        <a:ea typeface="Calibri" panose="020F0502020204030204" pitchFamily="34" charset="0"/>
+                        <a:cs typeface="Times New Roman" panose="02020603050405020304" pitchFamily="18" charset="0"/>
+                      </a:endParaRPr>
+                    </a:p>
+                  </a:txBody>
+                  <a:tcPr marL="68580" marR="68580" marT="0" marB="0"/>
+                </a:tc>
+                <a:tc>
+                  <a:txBody>
+                    <a:bodyPr/>
+                    <a:lstStyle/>
+                    <a:p>
+                      <a:pPr>
+                        <a:lnSpc>
+                          <a:spcPct val="150000"/>
+                        </a:lnSpc>
+                        <a:spcAft>
+                          <a:spcPts val="0"/>
+                        </a:spcAft>
+                      </a:pPr>
+                      <a:r>
+                        <a:rPr lang="ru-RU" sz="2400" dirty="0">
+                          <a:effectLst/>
+                        </a:rPr>
+                        <a:t>88.05</a:t>
+                      </a:r>
+                      <a:endParaRPr lang="ru-RU" sz="2400" dirty="0">
+                        <a:effectLst/>
+                        <a:latin typeface="Calibri" panose="020F0502020204030204" pitchFamily="34" charset="0"/>
+                        <a:ea typeface="Calibri" panose="020F0502020204030204" pitchFamily="34" charset="0"/>
+                        <a:cs typeface="Times New Roman" panose="02020603050405020304" pitchFamily="18" charset="0"/>
+                      </a:endParaRPr>
+                    </a:p>
+                  </a:txBody>
+                  <a:tcPr marL="68580" marR="68580" marT="0" marB="0"/>
+                </a:tc>
+                <a:tc>
+                  <a:txBody>
+                    <a:bodyPr/>
+                    <a:lstStyle/>
+                    <a:p>
+                      <a:pPr>
+                        <a:lnSpc>
+                          <a:spcPct val="150000"/>
+                        </a:lnSpc>
+                        <a:spcAft>
+                          <a:spcPts val="0"/>
+                        </a:spcAft>
+                      </a:pPr>
+                      <a:r>
+                        <a:rPr lang="ru-RU" sz="2400" dirty="0">
+                          <a:effectLst/>
+                        </a:rPr>
+                        <a:t>89.5</a:t>
+                      </a:r>
+                      <a:endParaRPr lang="ru-RU" sz="2400" dirty="0">
+                        <a:effectLst/>
+                        <a:latin typeface="Calibri" panose="020F0502020204030204" pitchFamily="34" charset="0"/>
+                        <a:ea typeface="Calibri" panose="020F0502020204030204" pitchFamily="34" charset="0"/>
+                        <a:cs typeface="Times New Roman" panose="02020603050405020304" pitchFamily="18" charset="0"/>
+                      </a:endParaRPr>
+                    </a:p>
+                  </a:txBody>
+                  <a:tcPr marL="68580" marR="68580" marT="0" marB="0"/>
+                </a:tc>
+                <a:tc>
+                  <a:txBody>
+                    <a:bodyPr/>
+                    <a:lstStyle/>
+                    <a:p>
+                      <a:pPr>
+                        <a:lnSpc>
+                          <a:spcPct val="150000"/>
+                        </a:lnSpc>
+                        <a:spcAft>
+                          <a:spcPts val="0"/>
+                        </a:spcAft>
+                      </a:pPr>
+                      <a:r>
+                        <a:rPr lang="ru-RU" sz="2400">
+                          <a:effectLst/>
+                        </a:rPr>
+                        <a:t>88</a:t>
+                      </a:r>
+                      <a:r>
+                        <a:rPr lang="en-US" sz="2400">
+                          <a:effectLst/>
+                        </a:rPr>
+                        <a:t>.</a:t>
+                      </a:r>
+                      <a:r>
+                        <a:rPr lang="ru-RU" sz="2400">
+                          <a:effectLst/>
+                        </a:rPr>
+                        <a:t>77</a:t>
+                      </a:r>
+                      <a:endParaRPr lang="ru-RU" sz="2400">
+                        <a:effectLst/>
+                        <a:latin typeface="Calibri" panose="020F0502020204030204" pitchFamily="34" charset="0"/>
+                        <a:ea typeface="Calibri" panose="020F0502020204030204" pitchFamily="34" charset="0"/>
+                        <a:cs typeface="Times New Roman" panose="02020603050405020304" pitchFamily="18" charset="0"/>
+                      </a:endParaRPr>
+                    </a:p>
+                  </a:txBody>
+                  <a:tcPr marL="68580" marR="68580" marT="0" marB="0"/>
+                </a:tc>
+              </a:tr>
+              <a:tr h="302410">
+                <a:tc>
+                  <a:txBody>
+                    <a:bodyPr/>
+                    <a:lstStyle/>
+                    <a:p>
+                      <a:pPr>
+                        <a:lnSpc>
+                          <a:spcPct val="150000"/>
+                        </a:lnSpc>
+                        <a:spcAft>
+                          <a:spcPts val="0"/>
+                        </a:spcAft>
+                      </a:pPr>
+                      <a:r>
+                        <a:rPr lang="en-US" sz="2400" dirty="0">
+                          <a:effectLst/>
+                        </a:rPr>
+                        <a:t>REF</a:t>
+                      </a:r>
+                      <a:endParaRPr lang="ru-RU" sz="2400" dirty="0">
+                        <a:effectLst/>
+                        <a:latin typeface="Calibri" panose="020F0502020204030204" pitchFamily="34" charset="0"/>
+                        <a:ea typeface="Calibri" panose="020F0502020204030204" pitchFamily="34" charset="0"/>
+                        <a:cs typeface="Times New Roman" panose="02020603050405020304" pitchFamily="18" charset="0"/>
+                      </a:endParaRPr>
+                    </a:p>
+                  </a:txBody>
+                  <a:tcPr marL="68580" marR="68580" marT="0" marB="0"/>
+                </a:tc>
+                <a:tc>
+                  <a:txBody>
+                    <a:bodyPr/>
+                    <a:lstStyle/>
+                    <a:p>
+                      <a:pPr>
+                        <a:lnSpc>
+                          <a:spcPct val="150000"/>
+                        </a:lnSpc>
+                        <a:spcAft>
+                          <a:spcPts val="0"/>
+                        </a:spcAft>
+                      </a:pPr>
+                      <a:r>
+                        <a:rPr lang="en-US" sz="2400">
+                          <a:effectLst/>
+                        </a:rPr>
+                        <a:t>95.4</a:t>
+                      </a:r>
+                      <a:endParaRPr lang="ru-RU" sz="2400">
+                        <a:effectLst/>
+                        <a:latin typeface="Calibri" panose="020F0502020204030204" pitchFamily="34" charset="0"/>
+                        <a:ea typeface="Calibri" panose="020F0502020204030204" pitchFamily="34" charset="0"/>
+                        <a:cs typeface="Times New Roman" panose="02020603050405020304" pitchFamily="18" charset="0"/>
+                      </a:endParaRPr>
+                    </a:p>
+                  </a:txBody>
+                  <a:tcPr marL="68580" marR="68580" marT="0" marB="0"/>
+                </a:tc>
+                <a:tc>
+                  <a:txBody>
+                    <a:bodyPr/>
+                    <a:lstStyle/>
+                    <a:p>
+                      <a:pPr>
+                        <a:lnSpc>
+                          <a:spcPct val="150000"/>
+                        </a:lnSpc>
+                        <a:spcAft>
+                          <a:spcPts val="0"/>
+                        </a:spcAft>
+                      </a:pPr>
+                      <a:r>
+                        <a:rPr lang="en-US" sz="2400">
+                          <a:effectLst/>
+                        </a:rPr>
+                        <a:t>98.34</a:t>
+                      </a:r>
+                      <a:endParaRPr lang="ru-RU" sz="2400">
+                        <a:effectLst/>
+                        <a:latin typeface="Calibri" panose="020F0502020204030204" pitchFamily="34" charset="0"/>
+                        <a:ea typeface="Calibri" panose="020F0502020204030204" pitchFamily="34" charset="0"/>
+                        <a:cs typeface="Times New Roman" panose="02020603050405020304" pitchFamily="18" charset="0"/>
+                      </a:endParaRPr>
+                    </a:p>
+                  </a:txBody>
+                  <a:tcPr marL="68580" marR="68580" marT="0" marB="0"/>
+                </a:tc>
+                <a:tc>
+                  <a:txBody>
+                    <a:bodyPr/>
+                    <a:lstStyle/>
+                    <a:p>
+                      <a:pPr>
+                        <a:lnSpc>
+                          <a:spcPct val="150000"/>
+                        </a:lnSpc>
+                        <a:spcAft>
+                          <a:spcPts val="0"/>
+                        </a:spcAft>
+                      </a:pPr>
+                      <a:r>
+                        <a:rPr lang="en-US" sz="2400" dirty="0">
+                          <a:effectLst/>
+                        </a:rPr>
+                        <a:t>98.01</a:t>
+                      </a:r>
+                      <a:endParaRPr lang="ru-RU" sz="2400" dirty="0">
+                        <a:effectLst/>
+                        <a:latin typeface="Calibri" panose="020F0502020204030204" pitchFamily="34" charset="0"/>
+                        <a:ea typeface="Calibri" panose="020F0502020204030204" pitchFamily="34" charset="0"/>
+                        <a:cs typeface="Times New Roman" panose="02020603050405020304" pitchFamily="18" charset="0"/>
+                      </a:endParaRPr>
+                    </a:p>
+                  </a:txBody>
+                  <a:tcPr marL="68580" marR="68580" marT="0" marB="0"/>
+                </a:tc>
+                <a:tc>
+                  <a:txBody>
+                    <a:bodyPr/>
+                    <a:lstStyle/>
+                    <a:p>
+                      <a:pPr>
+                        <a:lnSpc>
+                          <a:spcPct val="150000"/>
+                        </a:lnSpc>
+                        <a:spcAft>
+                          <a:spcPts val="0"/>
+                        </a:spcAft>
+                      </a:pPr>
+                      <a:r>
+                        <a:rPr lang="en-US" sz="2400" dirty="0">
+                          <a:effectLst/>
+                        </a:rPr>
+                        <a:t>98.17</a:t>
+                      </a:r>
+                      <a:endParaRPr lang="ru-RU" sz="2400" dirty="0">
+                        <a:effectLst/>
+                        <a:latin typeface="Calibri" panose="020F0502020204030204" pitchFamily="34" charset="0"/>
+                        <a:ea typeface="Calibri" panose="020F0502020204030204" pitchFamily="34" charset="0"/>
+                        <a:cs typeface="Times New Roman" panose="02020603050405020304" pitchFamily="18" charset="0"/>
+                      </a:endParaRPr>
+                    </a:p>
+                  </a:txBody>
+                  <a:tcPr marL="68580" marR="68580" marT="0" marB="0"/>
+                </a:tc>
+              </a:tr>
+            </a:tbl>
+          </a:graphicData>
+        </a:graphic>
+      </p:graphicFrame>
+      <mc:AlternateContent xmlns:mc="http://schemas.openxmlformats.org/markup-compatibility/2006">
+        <mc:Choice xmlns:a14="http://schemas.microsoft.com/office/drawing/2010/main" Requires="a14">
+          <p:sp>
+            <p:nvSpPr>
+              <p:cNvPr id="6" name="Прямоугольник 5"/>
+              <p:cNvSpPr/>
+              <p:nvPr/>
+            </p:nvSpPr>
+            <p:spPr>
+              <a:xfrm>
+                <a:off x="0" y="5379336"/>
+                <a:ext cx="3099951" cy="789960"/>
+              </a:xfrm>
+              <a:prstGeom prst="rect">
+                <a:avLst/>
+              </a:prstGeom>
+            </p:spPr>
+            <p:txBody>
+              <a:bodyPr wrap="none">
+                <a:spAutoFit/>
+              </a:bodyPr>
+              <a:lstStyle/>
+              <a:p>
+                <a:pPr/>
+                <a14:m>
+                  <m:oMathPara xmlns:m="http://schemas.openxmlformats.org/officeDocument/2006/math">
+                    <m:oMathParaPr>
+                      <m:jc m:val="centerGroup"/>
+                    </m:oMathParaPr>
+                    <m:oMath xmlns:m="http://schemas.openxmlformats.org/officeDocument/2006/math">
+                      <m:r>
+                        <a:rPr lang="ru-RU" sz="2400" i="1">
+                          <a:latin typeface="Cambria Math" panose="02040503050406030204" pitchFamily="18" charset="0"/>
+                        </a:rPr>
+                        <m:t>𝑃𝑟𝑒𝑐𝑖𝑠𝑖𝑜𝑛</m:t>
+                      </m:r>
+                      <m:r>
+                        <a:rPr lang="ru-RU" sz="2400" i="0">
+                          <a:latin typeface="Cambria Math" panose="02040503050406030204" pitchFamily="18" charset="0"/>
+                        </a:rPr>
+                        <m:t>=</m:t>
+                      </m:r>
+                      <m:f>
+                        <m:fPr>
+                          <m:ctrlPr>
+                            <a:rPr lang="ru-RU" sz="2400" i="1">
+                              <a:latin typeface="Cambria Math" panose="02040503050406030204" pitchFamily="18" charset="0"/>
+                            </a:rPr>
+                          </m:ctrlPr>
+                        </m:fPr>
+                        <m:num>
+                          <m:r>
+                            <a:rPr lang="ru-RU" sz="2400" i="1">
+                              <a:latin typeface="Cambria Math" panose="02040503050406030204" pitchFamily="18" charset="0"/>
+                            </a:rPr>
+                            <m:t>𝑇𝑃</m:t>
+                          </m:r>
+                        </m:num>
+                        <m:den>
+                          <m:r>
+                            <a:rPr lang="ru-RU" sz="2400" i="1">
+                              <a:latin typeface="Cambria Math" panose="02040503050406030204" pitchFamily="18" charset="0"/>
+                            </a:rPr>
+                            <m:t>𝑇𝑃</m:t>
+                          </m:r>
+                          <m:r>
+                            <a:rPr lang="ru-RU" sz="2400" i="0">
+                              <a:latin typeface="Cambria Math" panose="02040503050406030204" pitchFamily="18" charset="0"/>
+                            </a:rPr>
+                            <m:t>+</m:t>
+                          </m:r>
+                          <m:r>
+                            <a:rPr lang="ru-RU" sz="2400" i="1">
+                              <a:latin typeface="Cambria Math" panose="02040503050406030204" pitchFamily="18" charset="0"/>
+                            </a:rPr>
+                            <m:t>𝐹𝑃</m:t>
+                          </m:r>
+                        </m:den>
+                      </m:f>
+                    </m:oMath>
+                  </m:oMathPara>
+                </a14:m>
+                <a:endParaRPr lang="ru-RU" sz="2400" dirty="0"/>
+              </a:p>
+            </p:txBody>
+          </p:sp>
+        </mc:Choice>
+        <mc:Fallback>
+          <p:sp>
+            <p:nvSpPr>
+              <p:cNvPr id="6" name="Прямоугольник 5"/>
+              <p:cNvSpPr>
+                <a:spLocks noRot="1" noChangeAspect="1" noMove="1" noResize="1" noEditPoints="1" noAdjustHandles="1" noChangeArrowheads="1" noChangeShapeType="1" noTextEdit="1"/>
+              </p:cNvSpPr>
+              <p:nvPr/>
+            </p:nvSpPr>
+            <p:spPr>
+              <a:xfrm>
+                <a:off x="0" y="5379336"/>
+                <a:ext cx="3099951" cy="789960"/>
+              </a:xfrm>
+              <a:prstGeom prst="rect">
+                <a:avLst/>
+              </a:prstGeom>
+              <a:blipFill rotWithShape="0">
+                <a:blip r:embed="rId2"/>
+                <a:stretch>
+                  <a:fillRect/>
+                </a:stretch>
+              </a:blipFill>
+            </p:spPr>
+            <p:txBody>
+              <a:bodyPr/>
+              <a:lstStyle/>
+              <a:p>
+                <a:r>
+                  <a:rPr lang="ru-RU">
+                    <a:noFill/>
+                  </a:rPr>
+                  <a:t> </a:t>
+                </a:r>
+              </a:p>
+            </p:txBody>
+          </p:sp>
+        </mc:Fallback>
+      </mc:AlternateContent>
+      <mc:AlternateContent xmlns:mc="http://schemas.openxmlformats.org/markup-compatibility/2006">
+        <mc:Choice xmlns:a14="http://schemas.microsoft.com/office/drawing/2010/main" Requires="a14">
+          <p:sp>
+            <p:nvSpPr>
+              <p:cNvPr id="7" name="Прямоугольник 6"/>
+              <p:cNvSpPr/>
+              <p:nvPr/>
+            </p:nvSpPr>
+            <p:spPr>
+              <a:xfrm>
+                <a:off x="3355950" y="5379336"/>
+                <a:ext cx="2687659" cy="789960"/>
+              </a:xfrm>
+              <a:prstGeom prst="rect">
+                <a:avLst/>
+              </a:prstGeom>
+            </p:spPr>
+            <p:txBody>
+              <a:bodyPr wrap="none">
+                <a:spAutoFit/>
+              </a:bodyPr>
+              <a:lstStyle/>
+              <a:p>
+                <a:pPr/>
+                <a14:m>
+                  <m:oMathPara xmlns:m="http://schemas.openxmlformats.org/officeDocument/2006/math">
+                    <m:oMathParaPr>
+                      <m:jc m:val="centerGroup"/>
+                    </m:oMathParaPr>
+                    <m:oMath xmlns:m="http://schemas.openxmlformats.org/officeDocument/2006/math">
+                      <m:r>
+                        <a:rPr lang="ru-RU" sz="2400" i="1">
+                          <a:latin typeface="Cambria Math" panose="02040503050406030204" pitchFamily="18" charset="0"/>
+                        </a:rPr>
+                        <m:t>𝑅𝑒𝑐𝑎𝑙𝑙</m:t>
+                      </m:r>
+                      <m:r>
+                        <a:rPr lang="ru-RU" sz="2400" i="0">
+                          <a:latin typeface="Cambria Math" panose="02040503050406030204" pitchFamily="18" charset="0"/>
+                        </a:rPr>
+                        <m:t>=</m:t>
+                      </m:r>
+                      <m:f>
+                        <m:fPr>
+                          <m:ctrlPr>
+                            <a:rPr lang="ru-RU" sz="2400" i="1">
+                              <a:latin typeface="Cambria Math" panose="02040503050406030204" pitchFamily="18" charset="0"/>
+                            </a:rPr>
+                          </m:ctrlPr>
+                        </m:fPr>
+                        <m:num>
+                          <m:r>
+                            <a:rPr lang="ru-RU" sz="2400" i="1">
+                              <a:latin typeface="Cambria Math" panose="02040503050406030204" pitchFamily="18" charset="0"/>
+                            </a:rPr>
+                            <m:t>𝑇𝑃</m:t>
+                          </m:r>
+                        </m:num>
+                        <m:den>
+                          <m:r>
+                            <a:rPr lang="ru-RU" sz="2400" i="1">
+                              <a:latin typeface="Cambria Math" panose="02040503050406030204" pitchFamily="18" charset="0"/>
+                            </a:rPr>
+                            <m:t>𝑇𝑃</m:t>
+                          </m:r>
+                          <m:r>
+                            <a:rPr lang="ru-RU" sz="2400" i="0">
+                              <a:latin typeface="Cambria Math" panose="02040503050406030204" pitchFamily="18" charset="0"/>
+                            </a:rPr>
+                            <m:t>+</m:t>
+                          </m:r>
+                          <m:r>
+                            <a:rPr lang="ru-RU" sz="2400" i="1">
+                              <a:latin typeface="Cambria Math" panose="02040503050406030204" pitchFamily="18" charset="0"/>
+                            </a:rPr>
+                            <m:t>𝐹𝑁</m:t>
+                          </m:r>
+                        </m:den>
+                      </m:f>
+                    </m:oMath>
+                  </m:oMathPara>
+                </a14:m>
+                <a:endParaRPr lang="ru-RU" sz="2400" dirty="0"/>
+              </a:p>
+            </p:txBody>
+          </p:sp>
+        </mc:Choice>
+        <mc:Fallback>
+          <p:sp>
+            <p:nvSpPr>
+              <p:cNvPr id="7" name="Прямоугольник 6"/>
+              <p:cNvSpPr>
+                <a:spLocks noRot="1" noChangeAspect="1" noMove="1" noResize="1" noEditPoints="1" noAdjustHandles="1" noChangeArrowheads="1" noChangeShapeType="1" noTextEdit="1"/>
+              </p:cNvSpPr>
+              <p:nvPr/>
+            </p:nvSpPr>
+            <p:spPr>
+              <a:xfrm>
+                <a:off x="3355950" y="5379336"/>
+                <a:ext cx="2687659" cy="789960"/>
+              </a:xfrm>
+              <a:prstGeom prst="rect">
+                <a:avLst/>
+              </a:prstGeom>
+              <a:blipFill rotWithShape="0">
+                <a:blip r:embed="rId3"/>
+                <a:stretch>
+                  <a:fillRect/>
+                </a:stretch>
+              </a:blipFill>
+            </p:spPr>
+            <p:txBody>
+              <a:bodyPr/>
+              <a:lstStyle/>
+              <a:p>
+                <a:r>
+                  <a:rPr lang="ru-RU">
+                    <a:noFill/>
+                  </a:rPr>
+                  <a:t> </a:t>
+                </a:r>
+              </a:p>
+            </p:txBody>
+          </p:sp>
+        </mc:Fallback>
+      </mc:AlternateContent>
+      <mc:AlternateContent xmlns:mc="http://schemas.openxmlformats.org/markup-compatibility/2006">
+        <mc:Choice xmlns:a14="http://schemas.microsoft.com/office/drawing/2010/main" Requires="a14">
+          <p:sp>
+            <p:nvSpPr>
+              <p:cNvPr id="8" name="Прямоугольник 7"/>
+              <p:cNvSpPr/>
+              <p:nvPr/>
+            </p:nvSpPr>
+            <p:spPr>
+              <a:xfrm>
+                <a:off x="6084499" y="5418251"/>
+                <a:ext cx="3717684" cy="799771"/>
+              </a:xfrm>
+              <a:prstGeom prst="rect">
+                <a:avLst/>
+              </a:prstGeom>
+            </p:spPr>
+            <p:txBody>
+              <a:bodyPr wrap="none">
+                <a:spAutoFit/>
+              </a:bodyPr>
+              <a:lstStyle/>
+              <a:p>
+                <a:pPr/>
+                <a14:m>
+                  <m:oMathPara xmlns:m="http://schemas.openxmlformats.org/officeDocument/2006/math">
+                    <m:oMathParaPr>
+                      <m:jc m:val="centerGroup"/>
+                    </m:oMathParaPr>
+                    <m:oMath xmlns:m="http://schemas.openxmlformats.org/officeDocument/2006/math">
+                      <m:r>
+                        <a:rPr lang="en-US" sz="2400" i="1">
+                          <a:latin typeface="Cambria Math" panose="02040503050406030204" pitchFamily="18" charset="0"/>
+                        </a:rPr>
+                        <m:t>𝐹</m:t>
+                      </m:r>
+                      <m:r>
+                        <a:rPr lang="en-US" sz="2400" i="1">
+                          <a:latin typeface="Cambria Math" panose="02040503050406030204" pitchFamily="18" charset="0"/>
+                        </a:rPr>
+                        <m:t>=2 </m:t>
+                      </m:r>
+                      <m:f>
+                        <m:fPr>
+                          <m:ctrlPr>
+                            <a:rPr lang="ru-RU" sz="2400" i="1">
+                              <a:latin typeface="Cambria Math" panose="02040503050406030204" pitchFamily="18" charset="0"/>
+                            </a:rPr>
+                          </m:ctrlPr>
+                        </m:fPr>
+                        <m:num>
+                          <m:r>
+                            <a:rPr lang="en-US" sz="2400" i="1">
+                              <a:latin typeface="Cambria Math" panose="02040503050406030204" pitchFamily="18" charset="0"/>
+                            </a:rPr>
+                            <m:t>𝑃𝑟𝑒𝑐𝑖𝑠𝑖𝑜𝑛</m:t>
+                          </m:r>
+                          <m:r>
+                            <a:rPr lang="en-US" sz="2400" i="1">
+                              <a:latin typeface="Cambria Math" panose="02040503050406030204" pitchFamily="18" charset="0"/>
+                            </a:rPr>
+                            <m:t> ×</m:t>
+                          </m:r>
+                          <m:r>
+                            <a:rPr lang="en-US" sz="2400" i="1">
+                              <a:latin typeface="Cambria Math" panose="02040503050406030204" pitchFamily="18" charset="0"/>
+                            </a:rPr>
+                            <m:t>𝑅𝑒𝑐𝑎𝑙𝑙</m:t>
+                          </m:r>
+                        </m:num>
+                        <m:den>
+                          <m:r>
+                            <a:rPr lang="en-US" sz="2400" i="1">
+                              <a:latin typeface="Cambria Math" panose="02040503050406030204" pitchFamily="18" charset="0"/>
+                            </a:rPr>
+                            <m:t>𝑃𝑟𝑒𝑐𝑖𝑠𝑖𝑜𝑛</m:t>
+                          </m:r>
+                          <m:r>
+                            <a:rPr lang="en-US" sz="2400" i="1">
+                              <a:latin typeface="Cambria Math" panose="02040503050406030204" pitchFamily="18" charset="0"/>
+                            </a:rPr>
+                            <m:t>+</m:t>
+                          </m:r>
+                          <m:r>
+                            <a:rPr lang="en-US" sz="2400" i="1">
+                              <a:latin typeface="Cambria Math" panose="02040503050406030204" pitchFamily="18" charset="0"/>
+                            </a:rPr>
+                            <m:t>𝑅𝑒𝑐𝑎𝑙𝑙</m:t>
+                          </m:r>
+                        </m:den>
+                      </m:f>
+                    </m:oMath>
+                  </m:oMathPara>
+                </a14:m>
+                <a:endParaRPr lang="ru-RU" sz="2400" dirty="0"/>
+              </a:p>
+            </p:txBody>
+          </p:sp>
+        </mc:Choice>
+        <mc:Fallback>
+          <p:sp>
+            <p:nvSpPr>
+              <p:cNvPr id="8" name="Прямоугольник 7"/>
+              <p:cNvSpPr>
+                <a:spLocks noRot="1" noChangeAspect="1" noMove="1" noResize="1" noEditPoints="1" noAdjustHandles="1" noChangeArrowheads="1" noChangeShapeType="1" noTextEdit="1"/>
+              </p:cNvSpPr>
+              <p:nvPr/>
+            </p:nvSpPr>
+            <p:spPr>
+              <a:xfrm>
+                <a:off x="6084499" y="5418251"/>
+                <a:ext cx="3717684" cy="799771"/>
+              </a:xfrm>
+              <a:prstGeom prst="rect">
+                <a:avLst/>
+              </a:prstGeom>
+              <a:blipFill rotWithShape="0">
+                <a:blip r:embed="rId4"/>
+                <a:stretch>
+                  <a:fillRect/>
+                </a:stretch>
+              </a:blipFill>
+            </p:spPr>
+            <p:txBody>
+              <a:bodyPr/>
+              <a:lstStyle/>
+              <a:p>
+                <a:r>
+                  <a:rPr lang="ru-RU">
+                    <a:noFill/>
+                  </a:rPr>
+                  <a:t> </a:t>
+                </a:r>
+              </a:p>
+            </p:txBody>
+          </p:sp>
+        </mc:Fallback>
+      </mc:AlternateContent>
+      <mc:AlternateContent xmlns:mc="http://schemas.openxmlformats.org/markup-compatibility/2006">
+        <mc:Choice xmlns:a14="http://schemas.microsoft.com/office/drawing/2010/main" Requires="a14">
+          <p:sp>
+            <p:nvSpPr>
+              <p:cNvPr id="9" name="Прямоугольник 8"/>
+              <p:cNvSpPr/>
+              <p:nvPr/>
+            </p:nvSpPr>
+            <p:spPr>
+              <a:xfrm>
+                <a:off x="9802183" y="5418251"/>
+                <a:ext cx="2324033" cy="781368"/>
+              </a:xfrm>
+              <a:prstGeom prst="rect">
+                <a:avLst/>
+              </a:prstGeom>
+            </p:spPr>
+            <p:txBody>
+              <a:bodyPr wrap="none">
+                <a:spAutoFit/>
+              </a:bodyPr>
+              <a:lstStyle/>
+              <a:p>
+                <a:pPr/>
+                <a14:m>
+                  <m:oMathPara xmlns:m="http://schemas.openxmlformats.org/officeDocument/2006/math">
+                    <m:oMathParaPr>
+                      <m:jc m:val="centerGroup"/>
+                    </m:oMathParaPr>
+                    <m:oMath xmlns:m="http://schemas.openxmlformats.org/officeDocument/2006/math">
+                      <m:r>
+                        <a:rPr lang="ru-RU" sz="2400" i="1" smtClean="0">
+                          <a:latin typeface="Cambria Math" panose="02040503050406030204" pitchFamily="18" charset="0"/>
+                        </a:rPr>
+                        <m:t>𝐴𝑐𝑐𝑢𝑟𝑎𝑐𝑦</m:t>
+                      </m:r>
+                      <m:r>
+                        <a:rPr lang="ru-RU" sz="2400" i="0">
+                          <a:latin typeface="Cambria Math" panose="02040503050406030204" pitchFamily="18" charset="0"/>
+                        </a:rPr>
+                        <m:t>=</m:t>
+                      </m:r>
+                      <m:f>
+                        <m:fPr>
+                          <m:ctrlPr>
+                            <a:rPr lang="ru-RU" sz="2400" i="1">
+                              <a:latin typeface="Cambria Math" panose="02040503050406030204" pitchFamily="18" charset="0"/>
+                            </a:rPr>
+                          </m:ctrlPr>
+                        </m:fPr>
+                        <m:num>
+                          <m:r>
+                            <a:rPr lang="en-US" sz="2400" b="0" i="1" smtClean="0">
+                              <a:latin typeface="Cambria Math" panose="02040503050406030204" pitchFamily="18" charset="0"/>
+                            </a:rPr>
+                            <m:t>𝑇𝑃</m:t>
+                          </m:r>
+                        </m:num>
+                        <m:den>
+                          <m:r>
+                            <a:rPr lang="en-US" sz="2400" b="0" i="1" smtClean="0">
+                              <a:latin typeface="Cambria Math" panose="02040503050406030204" pitchFamily="18" charset="0"/>
+                            </a:rPr>
+                            <m:t>𝑁</m:t>
+                          </m:r>
+                        </m:den>
+                      </m:f>
+                    </m:oMath>
+                  </m:oMathPara>
+                </a14:m>
+                <a:endParaRPr lang="ru-RU" sz="2400" dirty="0"/>
+              </a:p>
+            </p:txBody>
+          </p:sp>
+        </mc:Choice>
+        <mc:Fallback>
+          <p:sp>
+            <p:nvSpPr>
+              <p:cNvPr id="9" name="Прямоугольник 8"/>
+              <p:cNvSpPr>
+                <a:spLocks noRot="1" noChangeAspect="1" noMove="1" noResize="1" noEditPoints="1" noAdjustHandles="1" noChangeArrowheads="1" noChangeShapeType="1" noTextEdit="1"/>
+              </p:cNvSpPr>
+              <p:nvPr/>
+            </p:nvSpPr>
+            <p:spPr>
+              <a:xfrm>
+                <a:off x="9802183" y="5418251"/>
+                <a:ext cx="2324033" cy="781368"/>
+              </a:xfrm>
+              <a:prstGeom prst="rect">
+                <a:avLst/>
+              </a:prstGeom>
+              <a:blipFill rotWithShape="0">
+                <a:blip r:embed="rId5"/>
+                <a:stretch>
+                  <a:fillRect/>
+                </a:stretch>
+              </a:blipFill>
+            </p:spPr>
+            <p:txBody>
+              <a:bodyPr/>
+              <a:lstStyle/>
+              <a:p>
+                <a:r>
+                  <a:rPr lang="ru-RU">
+                    <a:noFill/>
+                  </a:rPr>
+                  <a:t> </a:t>
+                </a:r>
+              </a:p>
+            </p:txBody>
+          </p:sp>
+        </mc:Fallback>
+      </mc:AlternateContent>
+    </p:spTree>
+    <p:extLst>
+      <p:ext uri="{BB962C8B-B14F-4D97-AF65-F5344CB8AC3E}">
+        <p14:creationId xmlns:p14="http://schemas.microsoft.com/office/powerpoint/2010/main" val="1025119926"/>
+      </p:ext>
+    </p:extLst>
+  </p:cSld>
+  <p:clrMapOvr>
+    <a:masterClrMapping/>
+  </p:clrMapOvr>
+  <p:timing>
+    <p:tnLst>
+      <p:par>
+        <p:cTn id="1" dur="indefinite" restart="never" nodeType="tmRoot"/>
+      </p:par>
+    </p:tnLst>
+  </p:timing>
+</p:sld>
+</file>
+
+<file path=ppt/slides/slide16.xml><?xml version="1.0" encoding="utf-8"?>
+<p:sld xmlns:a="http://schemas.openxmlformats.org/drawingml/2006/main" xmlns:r="http://schemas.openxmlformats.org/officeDocument/2006/relationships" xmlns:p="http://schemas.openxmlformats.org/presentationml/2006/main">
+  <p:cSld>
+    <p:spTree>
+      <p:nvGrpSpPr>
+        <p:cNvPr id="1" name=""/>
+        <p:cNvGrpSpPr/>
+        <p:nvPr/>
+      </p:nvGrpSpPr>
+      <p:grpSpPr>
+        <a:xfrm>
+          <a:off x="0" y="0"/>
+          <a:ext cx="0" cy="0"/>
+          <a:chOff x="0" y="0"/>
+          <a:chExt cx="0" cy="0"/>
+        </a:xfrm>
+      </p:grpSpPr>
+      <p:sp>
+        <p:nvSpPr>
+          <p:cNvPr id="2" name="Заголовок 1"/>
+          <p:cNvSpPr>
+            <a:spLocks noGrp="1"/>
+          </p:cNvSpPr>
+          <p:nvPr>
+            <p:ph type="title"/>
+          </p:nvPr>
+        </p:nvSpPr>
+        <p:spPr/>
+        <p:txBody>
+          <a:bodyPr/>
+          <a:lstStyle/>
+          <a:p>
+            <a:r>
+              <a:rPr lang="ru-RU" dirty="0" smtClean="0"/>
+              <a:t>Проект</a:t>
+            </a:r>
+            <a:endParaRPr lang="ru-RU" dirty="0"/>
+          </a:p>
+        </p:txBody>
+      </p:sp>
+      <p:sp>
+        <p:nvSpPr>
+          <p:cNvPr id="3" name="Объект 2"/>
+          <p:cNvSpPr>
+            <a:spLocks noGrp="1"/>
+          </p:cNvSpPr>
+          <p:nvPr>
+            <p:ph idx="1"/>
+          </p:nvPr>
+        </p:nvSpPr>
+        <p:spPr/>
+        <p:txBody>
+          <a:bodyPr>
+            <a:normAutofit/>
+          </a:bodyPr>
+          <a:lstStyle/>
+          <a:p>
+            <a:r>
+              <a:rPr lang="en-US" sz="3600" dirty="0" smtClean="0"/>
+              <a:t>Python 3.5</a:t>
+            </a:r>
+          </a:p>
+          <a:p>
+            <a:r>
+              <a:rPr lang="en-US" sz="3600" dirty="0" err="1" smtClean="0"/>
+              <a:t>Tensorflow</a:t>
+            </a:r>
+            <a:r>
+              <a:rPr lang="en-US" sz="3600" dirty="0" smtClean="0"/>
+              <a:t> 1.5 &lt;=</a:t>
+            </a:r>
+          </a:p>
+          <a:p>
+            <a:r>
+              <a:rPr lang="en-US" sz="3600" dirty="0" smtClean="0"/>
+              <a:t>PyQt5</a:t>
+            </a:r>
+          </a:p>
+          <a:p>
+            <a:r>
+              <a:rPr lang="ru-RU" sz="3600" dirty="0" smtClean="0"/>
+              <a:t>Написано более 4000 строк кода </a:t>
+            </a:r>
+            <a:r>
+              <a:rPr lang="ru-RU" sz="3600" dirty="0"/>
+              <a:t>(более 400 кб.).</a:t>
+            </a:r>
+          </a:p>
+          <a:p>
+            <a:r>
+              <a:rPr lang="en-US" sz="3600" dirty="0" smtClean="0"/>
+              <a:t>1 </a:t>
+            </a:r>
+            <a:r>
+              <a:rPr lang="ru-RU" sz="3600" dirty="0" smtClean="0"/>
+              <a:t>окно - 7 вкладок - 3 диалоговых окна</a:t>
+            </a:r>
+            <a:endParaRPr lang="ru-RU" sz="3600" dirty="0"/>
+          </a:p>
+        </p:txBody>
+      </p:sp>
+      <p:sp>
+        <p:nvSpPr>
+          <p:cNvPr id="4" name="Номер слайда 3"/>
+          <p:cNvSpPr>
+            <a:spLocks noGrp="1"/>
+          </p:cNvSpPr>
+          <p:nvPr>
+            <p:ph type="sldNum" sz="quarter" idx="12"/>
+          </p:nvPr>
+        </p:nvSpPr>
+        <p:spPr/>
+        <p:txBody>
+          <a:bodyPr/>
+          <a:lstStyle/>
+          <a:p>
+            <a:fld id="{54312719-E188-4125-8FBE-1E251BCF9D85}" type="slidenum">
+              <a:rPr lang="ru-RU" smtClean="0"/>
+              <a:t>16</a:t>
+            </a:fld>
+            <a:endParaRPr lang="ru-RU"/>
+          </a:p>
+        </p:txBody>
+      </p:sp>
+    </p:spTree>
+    <p:extLst>
+      <p:ext uri="{BB962C8B-B14F-4D97-AF65-F5344CB8AC3E}">
+        <p14:creationId xmlns:p14="http://schemas.microsoft.com/office/powerpoint/2010/main" val="1006721179"/>
       </p:ext>
     </p:extLst>
   </p:cSld>
@@ -8441,21 +9612,20 @@
             </a:pPr>
             <a:r>
               <a:rPr lang="ru-RU" sz="3600" dirty="0" smtClean="0"/>
-              <a:t> Извлечение </a:t>
+              <a:t> </a:t>
             </a:r>
             <a:r>
               <a:rPr lang="ru-RU" sz="3600" dirty="0" err="1" smtClean="0"/>
-              <a:t>метаописаний</a:t>
+              <a:t>М</a:t>
+            </a:r>
+            <a:r>
+              <a:rPr lang="ru-RU" sz="3600" dirty="0" err="1" smtClean="0"/>
+              <a:t>етаописаний</a:t>
             </a:r>
             <a:r>
               <a:rPr lang="ru-RU" sz="3600" dirty="0" smtClean="0"/>
-              <a:t> вручную – затратный по времени процесс</a:t>
-            </a:r>
-          </a:p>
-          <a:p>
-            <a:pPr marL="0" indent="0">
-              <a:buNone/>
-            </a:pPr>
+              <a:t> заполняются вручную</a:t>
+            </a:r>
             <a:endParaRPr lang="ru-RU" sz="3600" dirty="0" smtClean="0"/>
           </a:p>
           <a:p>
@@ -8503,6 +9673,36 @@
           </a:p>
         </p:txBody>
       </p:sp>
+      <p:pic>
+        <p:nvPicPr>
+          <p:cNvPr id="7" name="Рисунок 6"/>
+          <p:cNvPicPr>
+            <a:picLocks noChangeAspect="1"/>
+          </p:cNvPicPr>
+          <p:nvPr/>
+        </p:nvPicPr>
+        <p:blipFill>
+          <a:blip r:embed="rId2">
+            <a:extLst>
+              <a:ext uri="{28A0092B-C50C-407E-A947-70E740481C1C}">
+                <a14:useLocalDpi xmlns:a14="http://schemas.microsoft.com/office/drawing/2010/main" val="0"/>
+              </a:ext>
+            </a:extLst>
+          </a:blip>
+          <a:stretch>
+            <a:fillRect/>
+          </a:stretch>
+        </p:blipFill>
+        <p:spPr>
+          <a:xfrm>
+            <a:off x="3091542" y="3727174"/>
+            <a:ext cx="6397337" cy="3130826"/>
+          </a:xfrm>
+          <a:prstGeom prst="rect">
+            <a:avLst/>
+          </a:prstGeom>
+        </p:spPr>
+      </p:pic>
     </p:spTree>
     <p:extLst>
       <p:ext uri="{BB962C8B-B14F-4D97-AF65-F5344CB8AC3E}">
@@ -8557,7 +9757,7 @@
           <a:p>
             <a:r>
               <a:rPr lang="ru-RU" dirty="0" smtClean="0"/>
-              <a:t>Цель работы</a:t>
+              <a:t>Формат данных</a:t>
             </a:r>
             <a:endParaRPr lang="ru-RU" dirty="0"/>
           </a:p>
@@ -8576,42 +9776,88 @@
         <p:spPr/>
         <p:txBody>
           <a:bodyPr>
-            <a:normAutofit/>
+            <a:normAutofit fontScale="92500" lnSpcReduction="10000"/>
           </a:bodyPr>
           <a:lstStyle/>
           <a:p>
-            <a:pPr lvl="0"/>
-            <a:r>
-              <a:rPr lang="ru-RU" sz="3600" dirty="0" smtClean="0"/>
-              <a:t>Реализовать приложение </a:t>
-            </a:r>
-            <a:r>
-              <a:rPr lang="ru-RU" sz="3600" dirty="0"/>
-              <a:t>для системы </a:t>
-            </a:r>
-            <a:r>
-              <a:rPr lang="en-US" sz="3600" dirty="0" err="1"/>
-              <a:t>GeoNetwork</a:t>
-            </a:r>
-            <a:r>
-              <a:rPr lang="ru-RU" sz="3600" dirty="0"/>
-              <a:t>, в которое будет </a:t>
-            </a:r>
-            <a:r>
-              <a:rPr lang="en-US" sz="3600" dirty="0" smtClean="0"/>
-              <a:t>PDF </a:t>
-            </a:r>
-            <a:r>
-              <a:rPr lang="ru-RU" sz="3600" dirty="0" smtClean="0"/>
-              <a:t>файл </a:t>
-            </a:r>
-            <a:r>
-              <a:rPr lang="ru-RU" sz="3600" dirty="0"/>
-              <a:t>и извлекать метаданные из него. Также должна быть возможность отредактировать и дополнить эти данные, а затем опубликовать их. </a:t>
-            </a:r>
-          </a:p>
-          <a:p>
-            <a:endParaRPr lang="ru-RU" dirty="0"/>
+            <a:r>
+              <a:rPr lang="ru-RU" sz="4400" b="1" dirty="0" err="1" smtClean="0"/>
+              <a:t>Метаописания</a:t>
+            </a:r>
+            <a:r>
+              <a:rPr lang="ru-RU" sz="4400" b="1" dirty="0" smtClean="0"/>
+              <a:t> </a:t>
+            </a:r>
+            <a:r>
+              <a:rPr lang="ru-RU" sz="4400" dirty="0" smtClean="0"/>
+              <a:t>— </a:t>
+            </a:r>
+            <a:r>
+              <a:rPr lang="ru-RU" sz="4400" dirty="0"/>
+              <a:t>информация о другой </a:t>
+            </a:r>
+            <a:r>
+              <a:rPr lang="ru-RU" sz="4400" dirty="0" smtClean="0"/>
+              <a:t>информации. Это структурированная информация, которая позволяет искать </a:t>
+            </a:r>
+            <a:r>
+              <a:rPr lang="ru-RU" sz="4400" dirty="0"/>
+              <a:t>и </a:t>
+            </a:r>
+            <a:r>
+              <a:rPr lang="ru-RU" sz="4400" dirty="0" smtClean="0"/>
+              <a:t>управлять </a:t>
+            </a:r>
+            <a:r>
+              <a:rPr lang="ru-RU" sz="4400" dirty="0" smtClean="0"/>
+              <a:t>данными </a:t>
+            </a:r>
+            <a:r>
+              <a:rPr lang="ru-RU" sz="4400" dirty="0"/>
+              <a:t>больших информационных потоках</a:t>
+            </a:r>
+            <a:r>
+              <a:rPr lang="ru-RU" sz="4400" dirty="0" smtClean="0"/>
+              <a:t>.</a:t>
+            </a:r>
+            <a:r>
+              <a:rPr lang="en-US" sz="4400" dirty="0" smtClean="0"/>
+              <a:t> </a:t>
+            </a:r>
+          </a:p>
+          <a:p>
+            <a:pPr>
+              <a:buFont typeface="Arial" panose="020B0604020202020204" pitchFamily="34" charset="0"/>
+              <a:buChar char="•"/>
+            </a:pPr>
+            <a:r>
+              <a:rPr lang="en-US" sz="4400" dirty="0" smtClean="0"/>
+              <a:t> ISO </a:t>
+            </a:r>
+            <a:r>
+              <a:rPr lang="en-US" sz="4400" dirty="0"/>
+              <a:t>19115v2</a:t>
+            </a:r>
+          </a:p>
+          <a:p>
+            <a:pPr>
+              <a:buFont typeface="Arial" panose="020B0604020202020204" pitchFamily="34" charset="0"/>
+              <a:buChar char="•"/>
+            </a:pPr>
+            <a:r>
+              <a:rPr lang="en-US" sz="4400" dirty="0" smtClean="0"/>
+              <a:t> FGDC</a:t>
+            </a:r>
+          </a:p>
+          <a:p>
+            <a:pPr>
+              <a:buFont typeface="Arial" panose="020B0604020202020204" pitchFamily="34" charset="0"/>
+              <a:buChar char="•"/>
+            </a:pPr>
+            <a:endParaRPr lang="ru-RU" sz="4400" dirty="0" smtClean="0"/>
+          </a:p>
+          <a:p>
+            <a:endParaRPr lang="ru-RU" sz="4400" dirty="0"/>
           </a:p>
         </p:txBody>
       </p:sp>
@@ -8641,7 +9887,7 @@
     </p:spTree>
     <p:extLst>
       <p:ext uri="{BB962C8B-B14F-4D97-AF65-F5344CB8AC3E}">
-        <p14:creationId xmlns:p14="http://schemas.microsoft.com/office/powerpoint/2010/main" val="3132151549"/>
+        <p14:creationId xmlns:p14="http://schemas.microsoft.com/office/powerpoint/2010/main" val="106252291"/>
       </p:ext>
     </p:extLst>
   </p:cSld>
@@ -8725,70 +9971,9 @@
           </a:bodyPr>
           <a:lstStyle/>
           <a:p>
-            <a:pPr>
-              <a:buFont typeface="Arial" panose="020B0604020202020204" pitchFamily="34" charset="0"/>
-              <a:buChar char="•"/>
+            <a:pPr marL="0" indent="0">
+              <a:buNone/>
             </a:pPr>
-            <a:r>
-              <a:rPr lang="ru-RU" sz="4400" dirty="0" smtClean="0"/>
-              <a:t> </a:t>
-            </a:r>
-            <a:r>
-              <a:rPr lang="en-US" sz="4400" dirty="0" err="1" smtClean="0"/>
-              <a:t>Cermine</a:t>
-            </a:r>
-            <a:r>
-              <a:rPr lang="ru-RU" sz="4400" dirty="0" smtClean="0"/>
-              <a:t> </a:t>
-            </a:r>
-          </a:p>
-          <a:p>
-            <a:pPr>
-              <a:buFont typeface="Arial" panose="020B0604020202020204" pitchFamily="34" charset="0"/>
-              <a:buChar char="•"/>
-            </a:pPr>
-            <a:r>
-              <a:rPr lang="ru-RU" sz="4400" dirty="0" smtClean="0"/>
-              <a:t> </a:t>
-            </a:r>
-            <a:r>
-              <a:rPr lang="en-US" sz="4400" dirty="0" smtClean="0"/>
-              <a:t>GROBID</a:t>
-            </a:r>
-            <a:endParaRPr lang="ru-RU" sz="4400" dirty="0"/>
-          </a:p>
-          <a:p>
-            <a:pPr>
-              <a:buFont typeface="Arial" panose="020B0604020202020204" pitchFamily="34" charset="0"/>
-              <a:buChar char="•"/>
-            </a:pPr>
-            <a:r>
-              <a:rPr lang="ru-RU" sz="4400" dirty="0" smtClean="0"/>
-              <a:t> </a:t>
-            </a:r>
-            <a:r>
-              <a:rPr lang="en-US" sz="4400" dirty="0" err="1" smtClean="0"/>
-              <a:t>ParsCit</a:t>
-            </a:r>
-            <a:endParaRPr lang="en-US" sz="4400" dirty="0"/>
-          </a:p>
-          <a:p>
-            <a:pPr>
-              <a:buFont typeface="Arial" panose="020B0604020202020204" pitchFamily="34" charset="0"/>
-              <a:buChar char="•"/>
-            </a:pPr>
-            <a:r>
-              <a:rPr lang="ru-RU" sz="4400" dirty="0" smtClean="0"/>
-              <a:t> </a:t>
-            </a:r>
-            <a:r>
-              <a:rPr lang="en-US" sz="4400" dirty="0" smtClean="0"/>
-              <a:t>Text </a:t>
-            </a:r>
-            <a:r>
-              <a:rPr lang="en-US" sz="4400" dirty="0"/>
-              <a:t>Razor</a:t>
-            </a:r>
             <a:endParaRPr lang="ru-RU" sz="4400" dirty="0"/>
           </a:p>
         </p:txBody>
@@ -8816,6 +10001,367 @@
           </a:p>
         </p:txBody>
       </p:sp>
+      <p:graphicFrame>
+        <p:nvGraphicFramePr>
+          <p:cNvPr id="5" name="Таблица 4"/>
+          <p:cNvGraphicFramePr>
+            <a:graphicFrameLocks noGrp="1"/>
+          </p:cNvGraphicFramePr>
+          <p:nvPr>
+            <p:extLst>
+              <p:ext uri="{D42A27DB-BD31-4B8C-83A1-F6EECF244321}">
+                <p14:modId xmlns:p14="http://schemas.microsoft.com/office/powerpoint/2010/main" val="3082588437"/>
+              </p:ext>
+            </p:extLst>
+          </p:nvPr>
+        </p:nvGraphicFramePr>
+        <p:xfrm>
+          <a:off x="1040477" y="1845733"/>
+          <a:ext cx="10172007" cy="2934854"/>
+        </p:xfrm>
+        <a:graphic>
+          <a:graphicData uri="http://schemas.openxmlformats.org/drawingml/2006/table">
+            <a:tbl>
+              <a:tblPr firstRow="1" bandRow="1">
+                <a:tableStyleId>{5C22544A-7EE6-4342-B048-85BDC9FD1C3A}</a:tableStyleId>
+              </a:tblPr>
+              <a:tblGrid>
+                <a:gridCol w="3390669"/>
+                <a:gridCol w="3390669"/>
+                <a:gridCol w="3390669"/>
+              </a:tblGrid>
+              <a:tr h="627734">
+                <a:tc>
+                  <a:txBody>
+                    <a:bodyPr/>
+                    <a:lstStyle/>
+                    <a:p>
+                      <a:r>
+                        <a:rPr lang="ru-RU" sz="2400" dirty="0" smtClean="0"/>
+                        <a:t>Название</a:t>
+                      </a:r>
+                      <a:endParaRPr lang="ru-RU" sz="2400" dirty="0"/>
+                    </a:p>
+                  </a:txBody>
+                  <a:tcPr/>
+                </a:tc>
+                <a:tc>
+                  <a:txBody>
+                    <a:bodyPr/>
+                    <a:lstStyle/>
+                    <a:p>
+                      <a:r>
+                        <a:rPr lang="ru-RU" sz="2400" dirty="0" smtClean="0"/>
+                        <a:t>Алгоритм</a:t>
+                      </a:r>
+                      <a:endParaRPr lang="ru-RU" sz="2400" dirty="0"/>
+                    </a:p>
+                  </a:txBody>
+                  <a:tcPr/>
+                </a:tc>
+                <a:tc>
+                  <a:txBody>
+                    <a:bodyPr/>
+                    <a:lstStyle/>
+                    <a:p>
+                      <a:r>
+                        <a:rPr lang="ru-RU" sz="2400" dirty="0" err="1" smtClean="0"/>
+                        <a:t>Распростанение</a:t>
+                      </a:r>
+                      <a:endParaRPr lang="ru-RU" sz="2400" dirty="0"/>
+                    </a:p>
+                  </a:txBody>
+                  <a:tcPr/>
+                </a:tc>
+              </a:tr>
+              <a:tr h="576780">
+                <a:tc>
+                  <a:txBody>
+                    <a:bodyPr/>
+                    <a:lstStyle/>
+                    <a:p>
+                      <a:r>
+                        <a:rPr lang="en-US" sz="2400" dirty="0" err="1" smtClean="0"/>
+                        <a:t>Cermine</a:t>
+                      </a:r>
+                      <a:endParaRPr lang="ru-RU" sz="2400" dirty="0"/>
+                    </a:p>
+                  </a:txBody>
+                  <a:tcPr/>
+                </a:tc>
+                <a:tc>
+                  <a:txBody>
+                    <a:bodyPr/>
+                    <a:lstStyle/>
+                    <a:p>
+                      <a:r>
+                        <a:rPr lang="en-US" sz="2400" kern="1200" dirty="0" smtClean="0">
+                          <a:solidFill>
+                            <a:schemeClr val="dk1"/>
+                          </a:solidFill>
+                          <a:effectLst/>
+                          <a:latin typeface="+mn-lt"/>
+                          <a:ea typeface="+mn-ea"/>
+                          <a:cs typeface="+mn-cs"/>
+                        </a:rPr>
+                        <a:t>CRF</a:t>
+                      </a:r>
+                      <a:r>
+                        <a:rPr lang="ru-RU" sz="2400" kern="1200" dirty="0" smtClean="0">
+                          <a:solidFill>
+                            <a:schemeClr val="dk1"/>
+                          </a:solidFill>
+                          <a:effectLst/>
+                          <a:latin typeface="+mn-lt"/>
+                          <a:ea typeface="+mn-ea"/>
+                          <a:cs typeface="+mn-cs"/>
+                        </a:rPr>
+                        <a:t>, </a:t>
+                      </a:r>
+                      <a:r>
+                        <a:rPr lang="en-US" sz="2400" kern="1200" dirty="0" smtClean="0">
+                          <a:solidFill>
+                            <a:schemeClr val="dk1"/>
+                          </a:solidFill>
+                          <a:effectLst/>
+                          <a:latin typeface="+mn-lt"/>
+                          <a:ea typeface="+mn-ea"/>
+                          <a:cs typeface="+mn-cs"/>
+                        </a:rPr>
+                        <a:t>SVM</a:t>
+                      </a:r>
+                      <a:r>
+                        <a:rPr lang="ru-RU" sz="2400" kern="1200" dirty="0" smtClean="0">
+                          <a:solidFill>
+                            <a:schemeClr val="dk1"/>
+                          </a:solidFill>
+                          <a:effectLst/>
+                          <a:latin typeface="+mn-lt"/>
+                          <a:ea typeface="+mn-ea"/>
+                          <a:cs typeface="+mn-cs"/>
+                        </a:rPr>
+                        <a:t> и </a:t>
+                      </a:r>
+                      <a:r>
+                        <a:rPr lang="en-US" sz="2400" kern="1200" dirty="0" smtClean="0">
+                          <a:solidFill>
+                            <a:schemeClr val="dk1"/>
+                          </a:solidFill>
+                          <a:effectLst/>
+                          <a:latin typeface="+mn-lt"/>
+                          <a:ea typeface="+mn-ea"/>
+                          <a:cs typeface="+mn-cs"/>
+                        </a:rPr>
+                        <a:t>K</a:t>
+                      </a:r>
+                      <a:r>
+                        <a:rPr lang="ru-RU" sz="2400" kern="1200" dirty="0" smtClean="0">
+                          <a:solidFill>
+                            <a:schemeClr val="dk1"/>
+                          </a:solidFill>
+                          <a:effectLst/>
+                          <a:latin typeface="+mn-lt"/>
+                          <a:ea typeface="+mn-ea"/>
+                          <a:cs typeface="+mn-cs"/>
+                        </a:rPr>
+                        <a:t>-</a:t>
+                      </a:r>
+                      <a:r>
+                        <a:rPr lang="en-US" sz="2400" kern="1200" dirty="0" smtClean="0">
+                          <a:solidFill>
+                            <a:schemeClr val="dk1"/>
+                          </a:solidFill>
+                          <a:effectLst/>
+                          <a:latin typeface="+mn-lt"/>
+                          <a:ea typeface="+mn-ea"/>
+                          <a:cs typeface="+mn-cs"/>
+                        </a:rPr>
+                        <a:t>means</a:t>
+                      </a:r>
+                      <a:endParaRPr lang="ru-RU" sz="2400" dirty="0"/>
+                    </a:p>
+                  </a:txBody>
+                  <a:tcPr/>
+                </a:tc>
+                <a:tc>
+                  <a:txBody>
+                    <a:bodyPr/>
+                    <a:lstStyle/>
+                    <a:p>
+                      <a:r>
+                        <a:rPr lang="ru-RU" sz="2400" dirty="0" smtClean="0"/>
+                        <a:t>Открытый исходный</a:t>
+                      </a:r>
+                      <a:r>
+                        <a:rPr lang="ru-RU" sz="2400" baseline="0" dirty="0" smtClean="0"/>
+                        <a:t> код</a:t>
+                      </a:r>
+                      <a:endParaRPr lang="ru-RU" sz="2400" dirty="0"/>
+                    </a:p>
+                  </a:txBody>
+                  <a:tcPr/>
+                </a:tc>
+              </a:tr>
+              <a:tr h="576780">
+                <a:tc>
+                  <a:txBody>
+                    <a:bodyPr/>
+                    <a:lstStyle/>
+                    <a:p>
+                      <a:r>
+                        <a:rPr lang="en-US" sz="2400" dirty="0" smtClean="0"/>
+                        <a:t>GROBID</a:t>
+                      </a:r>
+                      <a:endParaRPr lang="ru-RU" sz="2400" dirty="0"/>
+                    </a:p>
+                  </a:txBody>
+                  <a:tcPr/>
+                </a:tc>
+                <a:tc>
+                  <a:txBody>
+                    <a:bodyPr/>
+                    <a:lstStyle/>
+                    <a:p>
+                      <a:r>
+                        <a:rPr lang="en-US" sz="2400" kern="1200" dirty="0" smtClean="0">
+                          <a:solidFill>
+                            <a:schemeClr val="dk1"/>
+                          </a:solidFill>
+                          <a:effectLst/>
+                          <a:latin typeface="+mn-lt"/>
+                          <a:ea typeface="+mn-ea"/>
+                          <a:cs typeface="+mn-cs"/>
+                        </a:rPr>
+                        <a:t>SVM </a:t>
+                      </a:r>
+                      <a:endParaRPr lang="ru-RU" sz="2400" dirty="0"/>
+                    </a:p>
+                  </a:txBody>
+                  <a:tcPr/>
+                </a:tc>
+                <a:tc>
+                  <a:txBody>
+                    <a:bodyPr/>
+                    <a:lstStyle/>
+                    <a:p>
+                      <a:r>
+                        <a:rPr lang="ru-RU" sz="2400" dirty="0" smtClean="0"/>
+                        <a:t>Открытый исходный</a:t>
+                      </a:r>
+                      <a:r>
+                        <a:rPr lang="ru-RU" sz="2400" baseline="0" dirty="0" smtClean="0"/>
+                        <a:t> код</a:t>
+                      </a:r>
+                      <a:endParaRPr lang="ru-RU" sz="2400" dirty="0"/>
+                    </a:p>
+                  </a:txBody>
+                  <a:tcPr/>
+                </a:tc>
+              </a:tr>
+              <a:tr h="576780">
+                <a:tc>
+                  <a:txBody>
+                    <a:bodyPr/>
+                    <a:lstStyle/>
+                    <a:p>
+                      <a:r>
+                        <a:rPr lang="en-US" sz="2400" dirty="0" err="1" smtClean="0"/>
+                        <a:t>ParsCit</a:t>
+                      </a:r>
+                      <a:endParaRPr lang="ru-RU" sz="2400" dirty="0"/>
+                    </a:p>
+                  </a:txBody>
+                  <a:tcPr/>
+                </a:tc>
+                <a:tc>
+                  <a:txBody>
+                    <a:bodyPr/>
+                    <a:lstStyle/>
+                    <a:p>
+                      <a:r>
+                        <a:rPr lang="en-US" sz="2400" kern="1200" dirty="0" smtClean="0">
+                          <a:solidFill>
+                            <a:schemeClr val="dk1"/>
+                          </a:solidFill>
+                          <a:effectLst/>
+                          <a:latin typeface="+mn-lt"/>
+                          <a:ea typeface="+mn-ea"/>
+                          <a:cs typeface="+mn-cs"/>
+                        </a:rPr>
+                        <a:t>CRF </a:t>
+                      </a:r>
+                      <a:endParaRPr lang="ru-RU" sz="2400" dirty="0"/>
+                    </a:p>
+                  </a:txBody>
+                  <a:tcPr/>
+                </a:tc>
+                <a:tc>
+                  <a:txBody>
+                    <a:bodyPr/>
+                    <a:lstStyle/>
+                    <a:p>
+                      <a:r>
+                        <a:rPr lang="ru-RU" sz="2400" dirty="0" smtClean="0"/>
+                        <a:t>Открытый исходный</a:t>
+                      </a:r>
+                      <a:r>
+                        <a:rPr lang="ru-RU" sz="2400" baseline="0" dirty="0" smtClean="0"/>
+                        <a:t> код</a:t>
+                      </a:r>
+                      <a:endParaRPr lang="ru-RU" sz="2400" dirty="0"/>
+                    </a:p>
+                  </a:txBody>
+                  <a:tcPr/>
+                </a:tc>
+              </a:tr>
+              <a:tr h="576780">
+                <a:tc>
+                  <a:txBody>
+                    <a:bodyPr/>
+                    <a:lstStyle/>
+                    <a:p>
+                      <a:r>
+                        <a:rPr lang="en-US" sz="2400" dirty="0" smtClean="0"/>
+                        <a:t>Text </a:t>
+                      </a:r>
+                      <a:endParaRPr lang="ru-RU" sz="2400" dirty="0"/>
+                    </a:p>
+                  </a:txBody>
+                  <a:tcPr/>
+                </a:tc>
+                <a:tc>
+                  <a:txBody>
+                    <a:bodyPr/>
+                    <a:lstStyle/>
+                    <a:p>
+                      <a:r>
+                        <a:rPr lang="en-US" sz="2400" dirty="0" smtClean="0"/>
+                        <a:t>Wikipedia?</a:t>
+                      </a:r>
+                      <a:endParaRPr lang="ru-RU" sz="2400" dirty="0"/>
+                    </a:p>
+                  </a:txBody>
+                  <a:tcPr/>
+                </a:tc>
+                <a:tc>
+                  <a:txBody>
+                    <a:bodyPr/>
+                    <a:lstStyle/>
+                    <a:p>
+                      <a:r>
+                        <a:rPr lang="ru-RU" sz="2400" dirty="0" err="1" smtClean="0"/>
+                        <a:t>Проприетарная</a:t>
+                      </a:r>
+                      <a:endParaRPr lang="ru-RU" sz="2400" dirty="0"/>
+                    </a:p>
+                  </a:txBody>
+                  <a:tcPr/>
+                </a:tc>
+              </a:tr>
+            </a:tbl>
+          </a:graphicData>
+        </a:graphic>
+      </p:graphicFrame>
     </p:spTree>
     <p:extLst>
       <p:ext uri="{BB962C8B-B14F-4D97-AF65-F5344CB8AC3E}">
@@ -8863,6 +10409,178 @@
             <p:ph type="title"/>
           </p:nvPr>
         </p:nvSpPr>
+        <p:spPr/>
+        <p:txBody>
+          <a:bodyPr/>
+          <a:lstStyle/>
+          <a:p>
+            <a:r>
+              <a:rPr lang="ru-RU" dirty="0" smtClean="0"/>
+              <a:t>Цель работы</a:t>
+            </a:r>
+            <a:endParaRPr lang="ru-RU" dirty="0"/>
+          </a:p>
+        </p:txBody>
+      </p:sp>
+      <p:sp>
+        <p:nvSpPr>
+          <p:cNvPr id="3" name="Объект 2"/>
+          <p:cNvSpPr>
+            <a:spLocks noGrp="1"/>
+          </p:cNvSpPr>
+          <p:nvPr>
+            <p:ph idx="1"/>
+          </p:nvPr>
+        </p:nvSpPr>
+        <p:spPr/>
+        <p:txBody>
+          <a:bodyPr>
+            <a:normAutofit/>
+          </a:bodyPr>
+          <a:lstStyle/>
+          <a:p>
+            <a:pPr lvl="0"/>
+            <a:r>
+              <a:rPr lang="ru-RU" sz="3600" dirty="0" smtClean="0"/>
+              <a:t>Реализовать приложение </a:t>
+            </a:r>
+            <a:r>
+              <a:rPr lang="ru-RU" sz="3600" dirty="0"/>
+              <a:t>для </a:t>
+            </a:r>
+            <a:r>
+              <a:rPr lang="ru-RU" sz="3600" dirty="0" smtClean="0"/>
+              <a:t>автоматизации подготовки </a:t>
+            </a:r>
+            <a:r>
+              <a:rPr lang="ru-RU" sz="3600" dirty="0" err="1" smtClean="0"/>
+              <a:t>метаописаний</a:t>
+            </a:r>
+            <a:r>
+              <a:rPr lang="ru-RU" sz="3600" dirty="0" smtClean="0"/>
+              <a:t> для </a:t>
+            </a:r>
+            <a:r>
+              <a:rPr lang="en-US" sz="3600" dirty="0" err="1" smtClean="0"/>
+              <a:t>GeoNetwork</a:t>
+            </a:r>
+            <a:r>
+              <a:rPr lang="ru-RU" sz="3600" dirty="0"/>
+              <a:t>, </a:t>
+            </a:r>
+            <a:r>
+              <a:rPr lang="ru-RU" sz="3600" dirty="0" smtClean="0"/>
+              <a:t>которое </a:t>
+            </a:r>
+            <a:r>
+              <a:rPr lang="ru-RU" sz="3600" dirty="0" smtClean="0"/>
+              <a:t>получает </a:t>
+            </a:r>
+            <a:r>
+              <a:rPr lang="en-US" sz="3600" dirty="0" smtClean="0"/>
+              <a:t>PDF </a:t>
+            </a:r>
+            <a:r>
+              <a:rPr lang="ru-RU" sz="3600" dirty="0" smtClean="0"/>
+              <a:t>файл </a:t>
+            </a:r>
+            <a:r>
+              <a:rPr lang="ru-RU" sz="3600" dirty="0"/>
+              <a:t>и </a:t>
+            </a:r>
+            <a:r>
+              <a:rPr lang="ru-RU" sz="3600" dirty="0"/>
+              <a:t>извлекает из него метаданные. </a:t>
+            </a:r>
+            <a:r>
+              <a:rPr lang="ru-RU" sz="3600" dirty="0"/>
+              <a:t>Также должна быть возможность отредактировать и дополнить эти данные, а затем </a:t>
+            </a:r>
+            <a:r>
+              <a:rPr lang="ru-RU" sz="3600" dirty="0" smtClean="0"/>
+              <a:t>добавить </a:t>
+            </a:r>
+            <a:r>
+              <a:rPr lang="ru-RU" sz="3600" dirty="0" smtClean="0"/>
+              <a:t>их в систему. </a:t>
+            </a:r>
+            <a:endParaRPr lang="ru-RU" sz="3600" dirty="0"/>
+          </a:p>
+          <a:p>
+            <a:endParaRPr lang="ru-RU" dirty="0"/>
+          </a:p>
+        </p:txBody>
+      </p:sp>
+      <p:sp>
+        <p:nvSpPr>
+          <p:cNvPr id="4" name="Номер слайда 3"/>
+          <p:cNvSpPr>
+            <a:spLocks noGrp="1"/>
+          </p:cNvSpPr>
+          <p:nvPr>
+            <p:ph type="sldNum" sz="quarter" idx="12"/>
+          </p:nvPr>
+        </p:nvSpPr>
+        <p:spPr/>
+        <p:txBody>
+          <a:bodyPr/>
+          <a:lstStyle/>
+          <a:p>
+            <a:fld id="{54312719-E188-4125-8FBE-1E251BCF9D85}" type="slidenum">
+              <a:rPr lang="ru-RU" smtClean="0"/>
+              <a:t>6</a:t>
+            </a:fld>
+            <a:endParaRPr lang="ru-RU"/>
+          </a:p>
+        </p:txBody>
+      </p:sp>
+    </p:spTree>
+    <p:extLst>
+      <p:ext uri="{BB962C8B-B14F-4D97-AF65-F5344CB8AC3E}">
+        <p14:creationId xmlns:p14="http://schemas.microsoft.com/office/powerpoint/2010/main" val="3132151549"/>
+      </p:ext>
+    </p:extLst>
+  </p:cSld>
+  <p:clrMapOvr>
+    <a:masterClrMapping/>
+  </p:clrMapOvr>
+  <p:timing>
+    <p:tnLst>
+      <p:par>
+        <p:cTn id="1" dur="indefinite" restart="never" nodeType="tmRoot"/>
+      </p:par>
+    </p:tnLst>
+  </p:timing>
+</p:sld>
+</file>
+
+<file path=ppt/slides/slide7.xml><?xml version="1.0" encoding="utf-8"?>
+<p:sld xmlns:a="http://schemas.openxmlformats.org/drawingml/2006/main" xmlns:r="http://schemas.openxmlformats.org/officeDocument/2006/relationships" xmlns:p="http://schemas.openxmlformats.org/presentationml/2006/main">
+  <p:cSld>
+    <p:spTree>
+      <p:nvGrpSpPr>
+        <p:cNvPr id="1" name=""/>
+        <p:cNvGrpSpPr/>
+        <p:nvPr/>
+      </p:nvGrpSpPr>
+      <p:grpSpPr>
+        <a:xfrm>
+          <a:off x="0" y="0"/>
+          <a:ext cx="0" cy="0"/>
+          <a:chOff x="0" y="0"/>
+          <a:chExt cx="0" cy="0"/>
+        </a:xfrm>
+      </p:grpSpPr>
+      <p:sp>
+        <p:nvSpPr>
+          <p:cNvPr id="2" name="Заголовок 1"/>
+          <p:cNvSpPr>
+            <a:spLocks noGrp="1"/>
+          </p:cNvSpPr>
+          <p:nvPr>
+            <p:ph type="title"/>
+          </p:nvPr>
+        </p:nvSpPr>
         <p:spPr>
           <a:xfrm>
             <a:off x="1154083" y="0"/>
@@ -8898,7 +10616,7 @@
           <a:p>
             <a:fld id="{54312719-E188-4125-8FBE-1E251BCF9D85}" type="slidenum">
               <a:rPr lang="ru-RU" smtClean="0"/>
-              <a:t>6</a:t>
+              <a:t>7</a:t>
             </a:fld>
             <a:endParaRPr lang="ru-RU"/>
           </a:p>
@@ -8953,7 +10671,7 @@
 </p:sld>
 </file>
 
-<file path=ppt/slides/slide7.xml><?xml version="1.0" encoding="utf-8"?>
+<file path=ppt/slides/slide8.xml><?xml version="1.0" encoding="utf-8"?>
 <p:sld xmlns:a="http://schemas.openxmlformats.org/drawingml/2006/main" xmlns:r="http://schemas.openxmlformats.org/officeDocument/2006/relationships" xmlns:p="http://schemas.openxmlformats.org/presentationml/2006/main">
   <p:cSld>
     <p:spTree>
@@ -9126,7 +10844,7 @@
           <a:p>
             <a:fld id="{54312719-E188-4125-8FBE-1E251BCF9D85}" type="slidenum">
               <a:rPr lang="ru-RU" smtClean="0"/>
-              <a:t>7</a:t>
+              <a:t>8</a:t>
             </a:fld>
             <a:endParaRPr lang="ru-RU"/>
           </a:p>
@@ -9172,10 +10890,17 @@
   <p:clrMapOvr>
     <a:masterClrMapping/>
   </p:clrMapOvr>
+  <p:timing>
+    <p:tnLst>
+      <p:par>
+        <p:cTn id="1" dur="indefinite" restart="never" nodeType="tmRoot"/>
+      </p:par>
+    </p:tnLst>
+  </p:timing>
 </p:sld>
 </file>
 
-<file path=ppt/slides/slide8.xml><?xml version="1.0" encoding="utf-8"?>
+<file path=ppt/slides/slide9.xml><?xml version="1.0" encoding="utf-8"?>
 <p:sld xmlns:a="http://schemas.openxmlformats.org/drawingml/2006/main" xmlns:r="http://schemas.openxmlformats.org/officeDocument/2006/relationships" xmlns:p="http://schemas.openxmlformats.org/presentationml/2006/main">
   <p:cSld>
     <p:spTree>
@@ -9393,7 +11118,7 @@
           <a:p>
             <a:fld id="{54312719-E188-4125-8FBE-1E251BCF9D85}" type="slidenum">
               <a:rPr lang="ru-RU" smtClean="0"/>
-              <a:t>8</a:t>
+              <a:t>9</a:t>
             </a:fld>
             <a:endParaRPr lang="ru-RU"/>
           </a:p>
@@ -9409,181 +11134,13 @@
   <p:clrMapOvr>
     <a:masterClrMapping/>
   </p:clrMapOvr>
-</p:sld>
-</file>
-
-<file path=ppt/slides/slide9.xml><?xml version="1.0" encoding="utf-8"?>
-<p:sld xmlns:a="http://schemas.openxmlformats.org/drawingml/2006/main" xmlns:r="http://schemas.openxmlformats.org/officeDocument/2006/relationships" xmlns:p="http://schemas.openxmlformats.org/presentationml/2006/main">
-  <p:cSld>
-    <p:spTree>
-      <p:nvGrpSpPr>
-        <p:cNvPr id="1" name=""/>
-        <p:cNvGrpSpPr/>
-        <p:nvPr/>
-      </p:nvGrpSpPr>
-      <p:grpSpPr>
-        <a:xfrm>
-          <a:off x="0" y="0"/>
-          <a:ext cx="0" cy="0"/>
-          <a:chOff x="0" y="0"/>
-          <a:chExt cx="0" cy="0"/>
-        </a:xfrm>
-      </p:grpSpPr>
-      <p:sp>
-        <p:nvSpPr>
-          <p:cNvPr id="2" name="Заголовок 1"/>
-          <p:cNvSpPr>
-            <a:spLocks noGrp="1"/>
-          </p:cNvSpPr>
-          <p:nvPr>
-            <p:ph type="title"/>
-          </p:nvPr>
-        </p:nvSpPr>
-        <p:spPr/>
-        <p:txBody>
-          <a:bodyPr/>
-          <a:lstStyle/>
-          <a:p>
-            <a:r>
-              <a:rPr lang="ru-RU" dirty="0" smtClean="0"/>
-              <a:t>Извлечение библиографических ссылок</a:t>
-            </a:r>
-            <a:endParaRPr lang="ru-RU" dirty="0"/>
-          </a:p>
-        </p:txBody>
-      </p:sp>
-      <p:sp>
-        <p:nvSpPr>
-          <p:cNvPr id="3" name="Объект 2"/>
-          <p:cNvSpPr>
-            <a:spLocks noGrp="1"/>
-          </p:cNvSpPr>
-          <p:nvPr>
-            <p:ph idx="1"/>
-          </p:nvPr>
-        </p:nvSpPr>
-        <p:spPr/>
-        <p:txBody>
-          <a:bodyPr/>
-          <a:lstStyle/>
-          <a:p>
-            <a:endParaRPr lang="ru-RU" dirty="0" smtClean="0"/>
-          </a:p>
-          <a:p>
-            <a:r>
-              <a:rPr lang="en-US" sz="2800" dirty="0" smtClean="0">
-                <a:solidFill>
-                  <a:srgbClr val="FF0000"/>
-                </a:solidFill>
-              </a:rPr>
-              <a:t>King</a:t>
-            </a:r>
-            <a:r>
-              <a:rPr lang="en-US" sz="2800" dirty="0">
-                <a:solidFill>
-                  <a:srgbClr val="FF0000"/>
-                </a:solidFill>
-              </a:rPr>
-              <a:t>,  J.R.  (Ed.)    </a:t>
-            </a:r>
-            <a:r>
-              <a:rPr lang="en-US" sz="2800" dirty="0">
-                <a:solidFill>
-                  <a:srgbClr val="00B050"/>
-                </a:solidFill>
-              </a:rPr>
-              <a:t>2005</a:t>
-            </a:r>
-            <a:r>
-              <a:rPr lang="en-US" sz="2800" dirty="0">
-                <a:solidFill>
-                  <a:srgbClr val="00B0F0"/>
-                </a:solidFill>
-              </a:rPr>
-              <a:t>.    Report  of  the  Study  Group  on  the </a:t>
-            </a:r>
-            <a:endParaRPr lang="ru-RU" sz="2800" dirty="0">
-              <a:solidFill>
-                <a:srgbClr val="00B0F0"/>
-              </a:solidFill>
-            </a:endParaRPr>
-          </a:p>
-          <a:p>
-            <a:r>
-              <a:rPr lang="en-US" sz="2800" dirty="0">
-                <a:solidFill>
-                  <a:srgbClr val="00B0F0"/>
-                </a:solidFill>
-              </a:rPr>
-              <a:t>Fisheries  and  Ecosystem  Responses  to  Recent  Regime </a:t>
-            </a:r>
-            <a:endParaRPr lang="ru-RU" sz="2800" dirty="0">
-              <a:solidFill>
-                <a:srgbClr val="00B0F0"/>
-              </a:solidFill>
-            </a:endParaRPr>
-          </a:p>
-          <a:p>
-            <a:r>
-              <a:rPr lang="en-US" sz="2800" dirty="0">
-                <a:solidFill>
-                  <a:srgbClr val="00B0F0"/>
-                </a:solidFill>
-              </a:rPr>
-              <a:t>Shifts. PICES Sci. Rep. No. 28,</a:t>
-            </a:r>
-            <a:r>
-              <a:rPr lang="en-US" sz="2800" dirty="0">
-                <a:solidFill>
-                  <a:srgbClr val="7030A0"/>
-                </a:solidFill>
-              </a:rPr>
-              <a:t> 162 pp</a:t>
-            </a:r>
-            <a:r>
-              <a:rPr lang="en-US" sz="2800" dirty="0"/>
-              <a:t>.</a:t>
-            </a:r>
-            <a:endParaRPr lang="ru-RU" sz="2800" dirty="0"/>
-          </a:p>
-          <a:p>
-            <a:endParaRPr lang="ru-RU" dirty="0"/>
-          </a:p>
-        </p:txBody>
-      </p:sp>
-      <p:sp>
-        <p:nvSpPr>
-          <p:cNvPr id="4" name="Номер слайда 3"/>
-          <p:cNvSpPr>
-            <a:spLocks noGrp="1"/>
-          </p:cNvSpPr>
-          <p:nvPr>
-            <p:ph type="sldNum" sz="quarter" idx="12"/>
-          </p:nvPr>
-        </p:nvSpPr>
-        <p:spPr/>
-        <p:txBody>
-          <a:bodyPr/>
-          <a:lstStyle/>
-          <a:p>
-            <a:fld id="{54312719-E188-4125-8FBE-1E251BCF9D85}" type="slidenum">
-              <a:rPr lang="ru-RU" smtClean="0"/>
-              <a:t>9</a:t>
-            </a:fld>
-            <a:endParaRPr lang="ru-RU"/>
-          </a:p>
-        </p:txBody>
-      </p:sp>
-    </p:spTree>
-    <p:extLst>
-      <p:ext uri="{BB962C8B-B14F-4D97-AF65-F5344CB8AC3E}">
-        <p14:creationId xmlns:p14="http://schemas.microsoft.com/office/powerpoint/2010/main" val="3512029894"/>
-      </p:ext>
-    </p:extLst>
-  </p:cSld>
-  <p:clrMapOvr>
-    <a:masterClrMapping/>
-  </p:clrMapOvr>
+  <p:timing>
+    <p:tnLst>
+      <p:par>
+        <p:cTn id="1" dur="indefinite" restart="never" nodeType="tmRoot"/>
+      </p:par>
+    </p:tnLst>
+  </p:timing>
 </p:sld>
 </file>
 

--- a/report.pptx
+++ b/report.pptx
@@ -212,7 +212,7 @@
           <a:p>
             <a:fld id="{D766DA2C-6D91-4888-A01C-01981EF51355}" type="datetimeFigureOut">
               <a:rPr lang="ru-RU" smtClean="0"/>
-              <a:t>28.05.2018</a:t>
+              <a:t>29.05.2018</a:t>
             </a:fld>
             <a:endParaRPr lang="ru-RU"/>
           </a:p>
@@ -790,7 +790,7 @@
           <a:p>
             <a:fld id="{18837A14-3D39-42D9-9056-F1062FE5D0F9}" type="datetime1">
               <a:rPr lang="ru-RU" smtClean="0"/>
-              <a:t>28.05.2018</a:t>
+              <a:t>29.05.2018</a:t>
             </a:fld>
             <a:endParaRPr lang="ru-RU"/>
           </a:p>
@@ -998,7 +998,7 @@
           <a:p>
             <a:fld id="{3820FA97-3B9C-4C9F-86D0-2D0822049852}" type="datetime1">
               <a:rPr lang="ru-RU" smtClean="0"/>
-              <a:t>28.05.2018</a:t>
+              <a:t>29.05.2018</a:t>
             </a:fld>
             <a:endParaRPr lang="ru-RU"/>
           </a:p>
@@ -1254,7 +1254,7 @@
           <a:p>
             <a:fld id="{96A5DF4A-BDB0-4A4F-8016-D636757619FD}" type="datetime1">
               <a:rPr lang="ru-RU" smtClean="0"/>
-              <a:t>28.05.2018</a:t>
+              <a:t>29.05.2018</a:t>
             </a:fld>
             <a:endParaRPr lang="ru-RU"/>
           </a:p>
@@ -1428,7 +1428,7 @@
           <a:p>
             <a:fld id="{FE59C463-7644-4BCC-9DCC-EC8C567A0F36}" type="datetime1">
               <a:rPr lang="ru-RU" smtClean="0"/>
-              <a:t>28.05.2018</a:t>
+              <a:t>29.05.2018</a:t>
             </a:fld>
             <a:endParaRPr lang="ru-RU"/>
           </a:p>
@@ -1771,7 +1771,7 @@
           <a:p>
             <a:fld id="{6D1229F1-4B30-47BD-8CCF-94D6BFC7AE8E}" type="datetime1">
               <a:rPr lang="ru-RU" smtClean="0"/>
-              <a:t>28.05.2018</a:t>
+              <a:t>29.05.2018</a:t>
             </a:fld>
             <a:endParaRPr lang="ru-RU"/>
           </a:p>
@@ -2046,7 +2046,7 @@
           <a:p>
             <a:fld id="{7D3E3913-5AFD-44C6-8B4C-158E5793D2A4}" type="datetime1">
               <a:rPr lang="ru-RU" smtClean="0"/>
-              <a:t>28.05.2018</a:t>
+              <a:t>29.05.2018</a:t>
             </a:fld>
             <a:endParaRPr lang="ru-RU"/>
           </a:p>
@@ -2425,7 +2425,7 @@
           <a:p>
             <a:fld id="{AF6518BD-5A14-48F4-8C85-7EB83F6CA3F8}" type="datetime1">
               <a:rPr lang="ru-RU" smtClean="0"/>
-              <a:t>28.05.2018</a:t>
+              <a:t>29.05.2018</a:t>
             </a:fld>
             <a:endParaRPr lang="ru-RU"/>
           </a:p>
@@ -2543,7 +2543,7 @@
           <a:p>
             <a:fld id="{2C7BE2EB-2075-4761-9D0C-5FF2BAC03B84}" type="datetime1">
               <a:rPr lang="ru-RU" smtClean="0"/>
-              <a:t>28.05.2018</a:t>
+              <a:t>29.05.2018</a:t>
             </a:fld>
             <a:endParaRPr lang="ru-RU"/>
           </a:p>
@@ -2714,7 +2714,7 @@
           <a:p>
             <a:fld id="{C5FED122-B1B9-4197-AD73-80AAB00358F0}" type="datetime1">
               <a:rPr lang="ru-RU" smtClean="0"/>
-              <a:t>28.05.2018</a:t>
+              <a:t>29.05.2018</a:t>
             </a:fld>
             <a:endParaRPr lang="ru-RU"/>
           </a:p>
@@ -3068,7 +3068,7 @@
           <a:p>
             <a:fld id="{F6FAD313-3015-49C8-90D4-336FF46AF479}" type="datetime1">
               <a:rPr lang="ru-RU" smtClean="0"/>
-              <a:t>28.05.2018</a:t>
+              <a:t>29.05.2018</a:t>
             </a:fld>
             <a:endParaRPr lang="ru-RU"/>
           </a:p>
@@ -3450,7 +3450,7 @@
           <a:p>
             <a:fld id="{82C1DDF3-30EC-40D8-869B-0E53F1E7B123}" type="datetime1">
               <a:rPr lang="ru-RU" smtClean="0"/>
-              <a:t>28.05.2018</a:t>
+              <a:t>29.05.2018</a:t>
             </a:fld>
             <a:endParaRPr lang="ru-RU"/>
           </a:p>
@@ -3737,7 +3737,7 @@
           <a:p>
             <a:fld id="{F4D33611-8D4F-43A3-A0AB-EBE66414247D}" type="datetime1">
               <a:rPr lang="ru-RU" smtClean="0"/>
-              <a:t>28.05.2018</a:t>
+              <a:t>29.05.2018</a:t>
             </a:fld>
             <a:endParaRPr lang="ru-RU"/>
           </a:p>
@@ -6163,11 +6163,7 @@
           <a:p>
             <a:r>
               <a:rPr lang="ru-RU" dirty="0" smtClean="0"/>
-              <a:t>Результаты </a:t>
-            </a:r>
-            <a:r>
-              <a:rPr lang="ru-RU" dirty="0" smtClean="0"/>
-              <a:t>в сравнении с существующими решениями</a:t>
+              <a:t>Результаты в сравнении с существующими решениями</a:t>
             </a:r>
             <a:endParaRPr lang="ru-RU" dirty="0"/>
           </a:p>
@@ -6213,7 +6209,7 @@
         </p:nvGraphicFramePr>
         <p:xfrm>
           <a:off x="1040475" y="1783243"/>
-          <a:ext cx="10172010" cy="2768473"/>
+          <a:ext cx="10172010" cy="2834640"/>
         </p:xfrm>
         <a:graphic>
           <a:graphicData uri="http://schemas.openxmlformats.org/drawingml/2006/table">
@@ -6985,8 +6981,8 @@
           </a:graphicData>
         </a:graphic>
       </p:graphicFrame>
-      <mc:AlternateContent xmlns:mc="http://schemas.openxmlformats.org/markup-compatibility/2006">
-        <mc:Choice xmlns:a14="http://schemas.microsoft.com/office/drawing/2010/main" Requires="a14">
+      <mc:AlternateContent xmlns:mc="http://schemas.openxmlformats.org/markup-compatibility/2006" xmlns:a14="http://schemas.microsoft.com/office/drawing/2010/main">
+        <mc:Choice Requires="a14">
           <p:sp>
             <p:nvSpPr>
               <p:cNvPr id="6" name="Прямоугольник 5"/>
@@ -7072,7 +7068,7 @@
             </p:txBody>
           </p:sp>
         </mc:Choice>
-        <mc:Fallback>
+        <mc:Fallback xmlns="">
           <p:sp>
             <p:nvSpPr>
               <p:cNvPr id="6" name="Прямоугольник 5"/>
@@ -7111,8 +7107,8 @@
           </p:sp>
         </mc:Fallback>
       </mc:AlternateContent>
-      <mc:AlternateContent xmlns:mc="http://schemas.openxmlformats.org/markup-compatibility/2006">
-        <mc:Choice xmlns:a14="http://schemas.microsoft.com/office/drawing/2010/main" Requires="a14">
+      <mc:AlternateContent xmlns:mc="http://schemas.openxmlformats.org/markup-compatibility/2006" xmlns:a14="http://schemas.microsoft.com/office/drawing/2010/main">
+        <mc:Choice Requires="a14">
           <p:sp>
             <p:nvSpPr>
               <p:cNvPr id="8" name="Прямоугольник 7"/>
@@ -7198,7 +7194,7 @@
             </p:txBody>
           </p:sp>
         </mc:Choice>
-        <mc:Fallback>
+        <mc:Fallback xmlns="">
           <p:sp>
             <p:nvSpPr>
               <p:cNvPr id="8" name="Прямоугольник 7"/>
@@ -7237,8 +7233,8 @@
           </p:sp>
         </mc:Fallback>
       </mc:AlternateContent>
-      <mc:AlternateContent xmlns:mc="http://schemas.openxmlformats.org/markup-compatibility/2006">
-        <mc:Choice xmlns:a14="http://schemas.microsoft.com/office/drawing/2010/main" Requires="a14">
+      <mc:AlternateContent xmlns:mc="http://schemas.openxmlformats.org/markup-compatibility/2006" xmlns:a14="http://schemas.microsoft.com/office/drawing/2010/main">
+        <mc:Choice Requires="a14">
           <p:sp>
             <p:nvSpPr>
               <p:cNvPr id="9" name="Прямоугольник 8"/>
@@ -7336,7 +7332,7 @@
             </p:txBody>
           </p:sp>
         </mc:Choice>
-        <mc:Fallback>
+        <mc:Fallback xmlns="">
           <p:sp>
             <p:nvSpPr>
               <p:cNvPr id="9" name="Прямоугольник 8"/>
@@ -7375,8 +7371,8 @@
           </p:sp>
         </mc:Fallback>
       </mc:AlternateContent>
-      <mc:AlternateContent xmlns:mc="http://schemas.openxmlformats.org/markup-compatibility/2006">
-        <mc:Choice xmlns:a14="http://schemas.microsoft.com/office/drawing/2010/main" Requires="a14">
+      <mc:AlternateContent xmlns:mc="http://schemas.openxmlformats.org/markup-compatibility/2006" xmlns:a14="http://schemas.microsoft.com/office/drawing/2010/main">
+        <mc:Choice Requires="a14">
           <p:sp>
             <p:nvSpPr>
               <p:cNvPr id="10" name="Прямоугольник 9"/>
@@ -7450,7 +7446,7 @@
             </p:txBody>
           </p:sp>
         </mc:Choice>
-        <mc:Fallback>
+        <mc:Fallback xmlns="">
           <p:sp>
             <p:nvSpPr>
               <p:cNvPr id="10" name="Прямоугольник 9"/>
@@ -8523,8 +8519,8 @@
           </a:graphicData>
         </a:graphic>
       </p:graphicFrame>
-      <mc:AlternateContent xmlns:mc="http://schemas.openxmlformats.org/markup-compatibility/2006">
-        <mc:Choice xmlns:a14="http://schemas.microsoft.com/office/drawing/2010/main" Requires="a14">
+      <mc:AlternateContent xmlns:mc="http://schemas.openxmlformats.org/markup-compatibility/2006" xmlns:a14="http://schemas.microsoft.com/office/drawing/2010/main">
+        <mc:Choice Requires="a14">
           <p:sp>
             <p:nvSpPr>
               <p:cNvPr id="6" name="Прямоугольник 5"/>
@@ -8610,7 +8606,7 @@
             </p:txBody>
           </p:sp>
         </mc:Choice>
-        <mc:Fallback>
+        <mc:Fallback xmlns="">
           <p:sp>
             <p:nvSpPr>
               <p:cNvPr id="6" name="Прямоугольник 5"/>
@@ -8649,8 +8645,8 @@
           </p:sp>
         </mc:Fallback>
       </mc:AlternateContent>
-      <mc:AlternateContent xmlns:mc="http://schemas.openxmlformats.org/markup-compatibility/2006">
-        <mc:Choice xmlns:a14="http://schemas.microsoft.com/office/drawing/2010/main" Requires="a14">
+      <mc:AlternateContent xmlns:mc="http://schemas.openxmlformats.org/markup-compatibility/2006" xmlns:a14="http://schemas.microsoft.com/office/drawing/2010/main">
+        <mc:Choice Requires="a14">
           <p:sp>
             <p:nvSpPr>
               <p:cNvPr id="7" name="Прямоугольник 6"/>
@@ -8736,7 +8732,7 @@
             </p:txBody>
           </p:sp>
         </mc:Choice>
-        <mc:Fallback>
+        <mc:Fallback xmlns="">
           <p:sp>
             <p:nvSpPr>
               <p:cNvPr id="7" name="Прямоугольник 6"/>
@@ -8775,8 +8771,8 @@
           </p:sp>
         </mc:Fallback>
       </mc:AlternateContent>
-      <mc:AlternateContent xmlns:mc="http://schemas.openxmlformats.org/markup-compatibility/2006">
-        <mc:Choice xmlns:a14="http://schemas.microsoft.com/office/drawing/2010/main" Requires="a14">
+      <mc:AlternateContent xmlns:mc="http://schemas.openxmlformats.org/markup-compatibility/2006" xmlns:a14="http://schemas.microsoft.com/office/drawing/2010/main">
+        <mc:Choice Requires="a14">
           <p:sp>
             <p:nvSpPr>
               <p:cNvPr id="8" name="Прямоугольник 7"/>
@@ -8874,7 +8870,7 @@
             </p:txBody>
           </p:sp>
         </mc:Choice>
-        <mc:Fallback>
+        <mc:Fallback xmlns="">
           <p:sp>
             <p:nvSpPr>
               <p:cNvPr id="8" name="Прямоугольник 7"/>
@@ -8913,8 +8909,8 @@
           </p:sp>
         </mc:Fallback>
       </mc:AlternateContent>
-      <mc:AlternateContent xmlns:mc="http://schemas.openxmlformats.org/markup-compatibility/2006">
-        <mc:Choice xmlns:a14="http://schemas.microsoft.com/office/drawing/2010/main" Requires="a14">
+      <mc:AlternateContent xmlns:mc="http://schemas.openxmlformats.org/markup-compatibility/2006" xmlns:a14="http://schemas.microsoft.com/office/drawing/2010/main">
+        <mc:Choice Requires="a14">
           <p:sp>
             <p:nvSpPr>
               <p:cNvPr id="9" name="Прямоугольник 8"/>
@@ -8988,7 +8984,7 @@
             </p:txBody>
           </p:sp>
         </mc:Choice>
-        <mc:Fallback>
+        <mc:Fallback xmlns="">
           <p:sp>
             <p:nvSpPr>
               <p:cNvPr id="9" name="Прямоугольник 8"/>
@@ -9116,7 +9112,23 @@
             </a:r>
             <a:r>
               <a:rPr lang="en-US" sz="3600" dirty="0" smtClean="0"/>
-              <a:t> 1.5 &lt;=</a:t>
+              <a:t> </a:t>
+            </a:r>
+            <a:r>
+              <a:rPr lang="en-US" sz="3600" dirty="0" smtClean="0"/>
+              <a:t>1.</a:t>
+            </a:r>
+            <a:r>
+              <a:rPr lang="ru-RU" sz="3600" dirty="0"/>
+              <a:t>5</a:t>
+            </a:r>
+            <a:r>
+              <a:rPr lang="en-US" sz="3600" dirty="0" smtClean="0"/>
+              <a:t> </a:t>
+            </a:r>
+            <a:r>
+              <a:rPr lang="en-US" sz="3600" dirty="0" smtClean="0"/>
+              <a:t>&lt;=</a:t>
             </a:r>
           </a:p>
           <a:p>
@@ -9616,17 +9628,12 @@
             </a:r>
             <a:r>
               <a:rPr lang="ru-RU" sz="3600" dirty="0" err="1" smtClean="0"/>
-              <a:t>М</a:t>
-            </a:r>
-            <a:r>
-              <a:rPr lang="ru-RU" sz="3600" dirty="0" err="1" smtClean="0"/>
-              <a:t>етаописаний</a:t>
+              <a:t>Метаописаний</a:t>
             </a:r>
             <a:r>
               <a:rPr lang="ru-RU" sz="3600" dirty="0" smtClean="0"/>
               <a:t> заполняются вручную</a:t>
             </a:r>
-            <a:endParaRPr lang="ru-RU" sz="3600" dirty="0" smtClean="0"/>
           </a:p>
           <a:p>
             <a:pPr>
@@ -9806,11 +9813,7 @@
             </a:r>
             <a:r>
               <a:rPr lang="ru-RU" sz="4400" dirty="0" smtClean="0"/>
-              <a:t>управлять </a:t>
-            </a:r>
-            <a:r>
-              <a:rPr lang="ru-RU" sz="4400" dirty="0" smtClean="0"/>
-              <a:t>данными </a:t>
+              <a:t>управлять данными </a:t>
             </a:r>
             <a:r>
               <a:rPr lang="ru-RU" sz="4400" dirty="0"/>
@@ -10010,7 +10013,7 @@
           <p:nvPr>
             <p:extLst>
               <p:ext uri="{D42A27DB-BD31-4B8C-83A1-F6EECF244321}">
-                <p14:modId xmlns:p14="http://schemas.microsoft.com/office/powerpoint/2010/main" val="3082588437"/>
+                <p14:modId xmlns:p14="http://schemas.microsoft.com/office/powerpoint/2010/main" val="899641507"/>
               </p:ext>
             </p:extLst>
           </p:nvPr>
@@ -10065,8 +10068,8 @@
                     <a:lstStyle/>
                     <a:p>
                       <a:r>
-                        <a:rPr lang="ru-RU" sz="2400" dirty="0" err="1" smtClean="0"/>
-                        <a:t>Распростанение</a:t>
+                        <a:rPr lang="ru-RU" sz="2400" dirty="0" smtClean="0"/>
+                        <a:t>Распространение</a:t>
                       </a:r>
                       <a:endParaRPr lang="ru-RU" sz="2400" dirty="0"/>
                     </a:p>
@@ -10324,6 +10327,10 @@
                         <a:rPr lang="en-US" sz="2400" dirty="0" smtClean="0"/>
                         <a:t>Text </a:t>
                       </a:r>
+                      <a:r>
+                        <a:rPr lang="en-US" sz="2400" dirty="0" smtClean="0"/>
+                        <a:t>Razor</a:t>
+                      </a:r>
                       <a:endParaRPr lang="ru-RU" sz="2400" dirty="0"/>
                     </a:p>
                   </a:txBody>
@@ -10470,11 +10477,7 @@
             </a:r>
             <a:r>
               <a:rPr lang="ru-RU" sz="3600" dirty="0" smtClean="0"/>
-              <a:t>которое </a:t>
-            </a:r>
-            <a:r>
-              <a:rPr lang="ru-RU" sz="3600" dirty="0" smtClean="0"/>
-              <a:t>получает </a:t>
+              <a:t>которое получает </a:t>
             </a:r>
             <a:r>
               <a:rPr lang="en-US" sz="3600" dirty="0" smtClean="0"/>
@@ -10486,23 +10489,11 @@
             </a:r>
             <a:r>
               <a:rPr lang="ru-RU" sz="3600" dirty="0"/>
-              <a:t>и </a:t>
-            </a:r>
-            <a:r>
-              <a:rPr lang="ru-RU" sz="3600" dirty="0"/>
-              <a:t>извлекает из него метаданные. </a:t>
-            </a:r>
-            <a:r>
-              <a:rPr lang="ru-RU" sz="3600" dirty="0"/>
-              <a:t>Также должна быть возможность отредактировать и дополнить эти данные, а затем </a:t>
+              <a:t>и извлекает из него метаданные. Также должна быть возможность отредактировать и дополнить эти данные, а затем </a:t>
             </a:r>
             <a:r>
               <a:rPr lang="ru-RU" sz="3600" dirty="0" smtClean="0"/>
-              <a:t>добавить </a:t>
-            </a:r>
-            <a:r>
-              <a:rPr lang="ru-RU" sz="3600" dirty="0" smtClean="0"/>
-              <a:t>их в систему. </a:t>
+              <a:t>добавить их в систему. </a:t>
             </a:r>
             <a:endParaRPr lang="ru-RU" sz="3600" dirty="0"/>
           </a:p>

--- a/report.pptx
+++ b/report.pptx
@@ -5,7 +5,7 @@
     <p:sldMasterId id="2147483678" r:id="rId1"/>
   </p:sldMasterIdLst>
   <p:notesMasterIdLst>
-    <p:notesMasterId r:id="rId22"/>
+    <p:notesMasterId r:id="rId23"/>
   </p:notesMasterIdLst>
   <p:sldIdLst>
     <p:sldId id="256" r:id="rId2"/>
@@ -27,7 +27,8 @@
     <p:sldId id="272" r:id="rId18"/>
     <p:sldId id="274" r:id="rId19"/>
     <p:sldId id="270" r:id="rId20"/>
-    <p:sldId id="276" r:id="rId21"/>
+    <p:sldId id="277" r:id="rId21"/>
+    <p:sldId id="276" r:id="rId22"/>
   </p:sldIdLst>
   <p:sldSz cx="12192000" cy="6858000"/>
   <p:notesSz cx="6858000" cy="9144000"/>
@@ -216,7 +217,7 @@
           <a:p>
             <a:fld id="{D766DA2C-6D91-4888-A01C-01981EF51355}" type="datetimeFigureOut">
               <a:rPr lang="ru-RU" smtClean="0"/>
-              <a:t>31.05.2018</a:t>
+              <a:t>03.06.2018</a:t>
             </a:fld>
             <a:endParaRPr lang="ru-RU"/>
           </a:p>
@@ -794,7 +795,7 @@
           <a:p>
             <a:fld id="{18837A14-3D39-42D9-9056-F1062FE5D0F9}" type="datetime1">
               <a:rPr lang="ru-RU" smtClean="0"/>
-              <a:t>31.05.2018</a:t>
+              <a:t>03.06.2018</a:t>
             </a:fld>
             <a:endParaRPr lang="ru-RU"/>
           </a:p>
@@ -1002,7 +1003,7 @@
           <a:p>
             <a:fld id="{3820FA97-3B9C-4C9F-86D0-2D0822049852}" type="datetime1">
               <a:rPr lang="ru-RU" smtClean="0"/>
-              <a:t>31.05.2018</a:t>
+              <a:t>03.06.2018</a:t>
             </a:fld>
             <a:endParaRPr lang="ru-RU"/>
           </a:p>
@@ -1258,7 +1259,7 @@
           <a:p>
             <a:fld id="{96A5DF4A-BDB0-4A4F-8016-D636757619FD}" type="datetime1">
               <a:rPr lang="ru-RU" smtClean="0"/>
-              <a:t>31.05.2018</a:t>
+              <a:t>03.06.2018</a:t>
             </a:fld>
             <a:endParaRPr lang="ru-RU"/>
           </a:p>
@@ -1432,7 +1433,7 @@
           <a:p>
             <a:fld id="{FE59C463-7644-4BCC-9DCC-EC8C567A0F36}" type="datetime1">
               <a:rPr lang="ru-RU" smtClean="0"/>
-              <a:t>31.05.2018</a:t>
+              <a:t>03.06.2018</a:t>
             </a:fld>
             <a:endParaRPr lang="ru-RU"/>
           </a:p>
@@ -1775,7 +1776,7 @@
           <a:p>
             <a:fld id="{6D1229F1-4B30-47BD-8CCF-94D6BFC7AE8E}" type="datetime1">
               <a:rPr lang="ru-RU" smtClean="0"/>
-              <a:t>31.05.2018</a:t>
+              <a:t>03.06.2018</a:t>
             </a:fld>
             <a:endParaRPr lang="ru-RU"/>
           </a:p>
@@ -2050,7 +2051,7 @@
           <a:p>
             <a:fld id="{7D3E3913-5AFD-44C6-8B4C-158E5793D2A4}" type="datetime1">
               <a:rPr lang="ru-RU" smtClean="0"/>
-              <a:t>31.05.2018</a:t>
+              <a:t>03.06.2018</a:t>
             </a:fld>
             <a:endParaRPr lang="ru-RU"/>
           </a:p>
@@ -2429,7 +2430,7 @@
           <a:p>
             <a:fld id="{AF6518BD-5A14-48F4-8C85-7EB83F6CA3F8}" type="datetime1">
               <a:rPr lang="ru-RU" smtClean="0"/>
-              <a:t>31.05.2018</a:t>
+              <a:t>03.06.2018</a:t>
             </a:fld>
             <a:endParaRPr lang="ru-RU"/>
           </a:p>
@@ -2547,7 +2548,7 @@
           <a:p>
             <a:fld id="{2C7BE2EB-2075-4761-9D0C-5FF2BAC03B84}" type="datetime1">
               <a:rPr lang="ru-RU" smtClean="0"/>
-              <a:t>31.05.2018</a:t>
+              <a:t>03.06.2018</a:t>
             </a:fld>
             <a:endParaRPr lang="ru-RU"/>
           </a:p>
@@ -2718,7 +2719,7 @@
           <a:p>
             <a:fld id="{C5FED122-B1B9-4197-AD73-80AAB00358F0}" type="datetime1">
               <a:rPr lang="ru-RU" smtClean="0"/>
-              <a:t>31.05.2018</a:t>
+              <a:t>03.06.2018</a:t>
             </a:fld>
             <a:endParaRPr lang="ru-RU"/>
           </a:p>
@@ -3072,7 +3073,7 @@
           <a:p>
             <a:fld id="{F6FAD313-3015-49C8-90D4-336FF46AF479}" type="datetime1">
               <a:rPr lang="ru-RU" smtClean="0"/>
-              <a:t>31.05.2018</a:t>
+              <a:t>03.06.2018</a:t>
             </a:fld>
             <a:endParaRPr lang="ru-RU"/>
           </a:p>
@@ -3454,7 +3455,7 @@
           <a:p>
             <a:fld id="{82C1DDF3-30EC-40D8-869B-0E53F1E7B123}" type="datetime1">
               <a:rPr lang="ru-RU" smtClean="0"/>
-              <a:t>31.05.2018</a:t>
+              <a:t>03.06.2018</a:t>
             </a:fld>
             <a:endParaRPr lang="ru-RU"/>
           </a:p>
@@ -3741,7 +3742,7 @@
           <a:p>
             <a:fld id="{F4D33611-8D4F-43A3-A0AB-EBE66414247D}" type="datetime1">
               <a:rPr lang="ru-RU" smtClean="0"/>
-              <a:t>31.05.2018</a:t>
+              <a:t>03.06.2018</a:t>
             </a:fld>
             <a:endParaRPr lang="ru-RU"/>
           </a:p>
@@ -4419,8 +4420,8 @@
           </a:p>
         </p:txBody>
       </p:sp>
-      <mc:AlternateContent xmlns:mc="http://schemas.openxmlformats.org/markup-compatibility/2006" xmlns:a14="http://schemas.microsoft.com/office/drawing/2010/main">
-        <mc:Choice Requires="a14">
+      <mc:AlternateContent xmlns:mc="http://schemas.openxmlformats.org/markup-compatibility/2006">
+        <mc:Choice xmlns:a14="http://schemas.microsoft.com/office/drawing/2010/main" Requires="a14">
           <p:sp>
             <p:nvSpPr>
               <p:cNvPr id="3" name="Объект 2"/>
@@ -4433,23 +4434,35 @@
             </p:nvSpPr>
             <p:spPr/>
             <p:txBody>
-              <a:bodyPr/>
+              <a:bodyPr>
+                <a:normAutofit fontScale="92500"/>
+              </a:bodyPr>
               <a:lstStyle/>
               <a:p>
                 <a:r>
-                  <a:rPr lang="ru-RU" sz="4000" dirty="0" smtClean="0"/>
+                  <a:rPr lang="ru-RU" sz="4300" dirty="0" smtClean="0"/>
                   <a:t>Для извлечения локаций используется метод с </a:t>
                 </a:r>
                 <a:r>
-                  <a:rPr lang="en-US" sz="4000" dirty="0" smtClean="0"/>
-                  <a:t>LSTM </a:t>
+                  <a:rPr lang="en-US" sz="4300" dirty="0" smtClean="0"/>
+                  <a:t>LSTM (</a:t>
                 </a:r>
                 <a:r>
-                  <a:rPr lang="ru-RU" sz="4000" dirty="0" smtClean="0"/>
-                  <a:t>и словарь с географическими координатами объектов</a:t>
+                  <a:rPr lang="ru-RU" sz="4300" dirty="0" smtClean="0"/>
+                  <a:t>сети с долгой краткосрочной памятью</a:t>
                 </a:r>
-              </a:p>
-              <a:p>
+                <a:r>
+                  <a:rPr lang="en-US" sz="4300" dirty="0" smtClean="0"/>
+                  <a:t>) </a:t>
+                </a:r>
+                <a:r>
+                  <a:rPr lang="ru-RU" sz="4300" dirty="0" smtClean="0"/>
+                  <a:t>и словарь с географическими координатами </a:t>
+                </a:r>
+                <a:r>
+                  <a:rPr lang="ru-RU" sz="4300" dirty="0" smtClean="0"/>
+                  <a:t>объектов.</a:t>
+                </a:r>
                 <a:endParaRPr lang="ru-RU" dirty="0"/>
               </a:p>
               <a:p>
@@ -4540,7 +4553,7 @@
             </p:txBody>
           </p:sp>
         </mc:Choice>
-        <mc:Fallback xmlns="">
+        <mc:Fallback>
           <p:sp>
             <p:nvSpPr>
               <p:cNvPr id="3" name="Объект 2"/>
@@ -7620,8 +7633,8 @@
           </a:graphicData>
         </a:graphic>
       </p:graphicFrame>
-      <mc:AlternateContent xmlns:mc="http://schemas.openxmlformats.org/markup-compatibility/2006" xmlns:a14="http://schemas.microsoft.com/office/drawing/2010/main">
-        <mc:Choice Requires="a14">
+      <mc:AlternateContent xmlns:mc="http://schemas.openxmlformats.org/markup-compatibility/2006">
+        <mc:Choice xmlns:a14="http://schemas.microsoft.com/office/drawing/2010/main" Requires="a14">
           <p:sp>
             <p:nvSpPr>
               <p:cNvPr id="6" name="Прямоугольник 5"/>
@@ -7630,7 +7643,7 @@
             </p:nvSpPr>
             <p:spPr>
               <a:xfrm>
-                <a:off x="65784" y="5073771"/>
+                <a:off x="2389817" y="5457184"/>
                 <a:ext cx="3099951" cy="789960"/>
               </a:xfrm>
               <a:prstGeom prst="rect">
@@ -7707,7 +7720,7 @@
             </p:txBody>
           </p:sp>
         </mc:Choice>
-        <mc:Fallback xmlns="">
+        <mc:Fallback>
           <p:sp>
             <p:nvSpPr>
               <p:cNvPr id="6" name="Прямоугольник 5"/>
@@ -7718,7 +7731,7 @@
             </p:nvSpPr>
             <p:spPr>
               <a:xfrm>
-                <a:off x="65784" y="5073771"/>
+                <a:off x="2389817" y="5457184"/>
                 <a:ext cx="3099951" cy="789960"/>
               </a:xfrm>
               <a:prstGeom prst="rect">
@@ -7746,8 +7759,8 @@
           </p:sp>
         </mc:Fallback>
       </mc:AlternateContent>
-      <mc:AlternateContent xmlns:mc="http://schemas.openxmlformats.org/markup-compatibility/2006" xmlns:a14="http://schemas.microsoft.com/office/drawing/2010/main">
-        <mc:Choice Requires="a14">
+      <mc:AlternateContent xmlns:mc="http://schemas.openxmlformats.org/markup-compatibility/2006">
+        <mc:Choice xmlns:a14="http://schemas.microsoft.com/office/drawing/2010/main" Requires="a14">
           <p:sp>
             <p:nvSpPr>
               <p:cNvPr id="8" name="Прямоугольник 7"/>
@@ -7756,7 +7769,7 @@
             </p:nvSpPr>
             <p:spPr>
               <a:xfrm>
-                <a:off x="3421734" y="5073771"/>
+                <a:off x="5745767" y="5457184"/>
                 <a:ext cx="2687659" cy="789960"/>
               </a:xfrm>
               <a:prstGeom prst="rect">
@@ -7833,7 +7846,7 @@
             </p:txBody>
           </p:sp>
         </mc:Choice>
-        <mc:Fallback xmlns="">
+        <mc:Fallback>
           <p:sp>
             <p:nvSpPr>
               <p:cNvPr id="8" name="Прямоугольник 7"/>
@@ -7844,7 +7857,7 @@
             </p:nvSpPr>
             <p:spPr>
               <a:xfrm>
-                <a:off x="3421734" y="5073771"/>
+                <a:off x="5745767" y="5457184"/>
                 <a:ext cx="2687659" cy="789960"/>
               </a:xfrm>
               <a:prstGeom prst="rect">
@@ -7872,8 +7885,8 @@
           </p:sp>
         </mc:Fallback>
       </mc:AlternateContent>
-      <mc:AlternateContent xmlns:mc="http://schemas.openxmlformats.org/markup-compatibility/2006" xmlns:a14="http://schemas.microsoft.com/office/drawing/2010/main">
-        <mc:Choice Requires="a14">
+      <mc:AlternateContent xmlns:mc="http://schemas.openxmlformats.org/markup-compatibility/2006">
+        <mc:Choice xmlns:a14="http://schemas.microsoft.com/office/drawing/2010/main" Requires="a14">
           <p:sp>
             <p:nvSpPr>
               <p:cNvPr id="9" name="Прямоугольник 8"/>
@@ -7882,7 +7895,7 @@
             </p:nvSpPr>
             <p:spPr>
               <a:xfrm>
-                <a:off x="6150283" y="5112686"/>
+                <a:off x="8474316" y="5457184"/>
                 <a:ext cx="3717684" cy="799771"/>
               </a:xfrm>
               <a:prstGeom prst="rect">
@@ -7971,7 +7984,7 @@
             </p:txBody>
           </p:sp>
         </mc:Choice>
-        <mc:Fallback xmlns="">
+        <mc:Fallback>
           <p:sp>
             <p:nvSpPr>
               <p:cNvPr id="9" name="Прямоугольник 8"/>
@@ -7982,7 +7995,7 @@
             </p:nvSpPr>
             <p:spPr>
               <a:xfrm>
-                <a:off x="6150283" y="5112686"/>
+                <a:off x="8474316" y="5457184"/>
                 <a:ext cx="3717684" cy="799771"/>
               </a:xfrm>
               <a:prstGeom prst="rect">
@@ -8010,8 +8023,8 @@
           </p:sp>
         </mc:Fallback>
       </mc:AlternateContent>
-      <mc:AlternateContent xmlns:mc="http://schemas.openxmlformats.org/markup-compatibility/2006" xmlns:a14="http://schemas.microsoft.com/office/drawing/2010/main">
-        <mc:Choice Requires="a14">
+      <mc:AlternateContent xmlns:mc="http://schemas.openxmlformats.org/markup-compatibility/2006">
+        <mc:Choice xmlns:a14="http://schemas.microsoft.com/office/drawing/2010/main" Requires="a14">
           <p:sp>
             <p:nvSpPr>
               <p:cNvPr id="10" name="Прямоугольник 9"/>
@@ -8020,7 +8033,7 @@
             </p:nvSpPr>
             <p:spPr>
               <a:xfrm>
-                <a:off x="9867967" y="5112686"/>
+                <a:off x="65784" y="5457184"/>
                 <a:ext cx="2324033" cy="781368"/>
               </a:xfrm>
               <a:prstGeom prst="rect">
@@ -8085,7 +8098,7 @@
             </p:txBody>
           </p:sp>
         </mc:Choice>
-        <mc:Fallback xmlns="">
+        <mc:Fallback>
           <p:sp>
             <p:nvSpPr>
               <p:cNvPr id="10" name="Прямоугольник 9"/>
@@ -8096,7 +8109,7 @@
             </p:nvSpPr>
             <p:spPr>
               <a:xfrm>
-                <a:off x="9867967" y="5112686"/>
+                <a:off x="65784" y="5457184"/>
                 <a:ext cx="2324033" cy="781368"/>
               </a:xfrm>
               <a:prstGeom prst="rect">
@@ -9215,8 +9228,8 @@
           </a:graphicData>
         </a:graphic>
       </p:graphicFrame>
-      <mc:AlternateContent xmlns:mc="http://schemas.openxmlformats.org/markup-compatibility/2006" xmlns:a14="http://schemas.microsoft.com/office/drawing/2010/main">
-        <mc:Choice Requires="a14">
+      <mc:AlternateContent xmlns:mc="http://schemas.openxmlformats.org/markup-compatibility/2006">
+        <mc:Choice xmlns:a14="http://schemas.microsoft.com/office/drawing/2010/main" Requires="a14">
           <p:sp>
             <p:nvSpPr>
               <p:cNvPr id="6" name="Прямоугольник 5"/>
@@ -9225,7 +9238,7 @@
             </p:nvSpPr>
             <p:spPr>
               <a:xfrm>
-                <a:off x="0" y="5379336"/>
+                <a:off x="2389817" y="5568802"/>
                 <a:ext cx="3099951" cy="789960"/>
               </a:xfrm>
               <a:prstGeom prst="rect">
@@ -9302,7 +9315,7 @@
             </p:txBody>
           </p:sp>
         </mc:Choice>
-        <mc:Fallback xmlns="">
+        <mc:Fallback>
           <p:sp>
             <p:nvSpPr>
               <p:cNvPr id="6" name="Прямоугольник 5"/>
@@ -9313,7 +9326,7 @@
             </p:nvSpPr>
             <p:spPr>
               <a:xfrm>
-                <a:off x="0" y="5379336"/>
+                <a:off x="2389817" y="5568802"/>
                 <a:ext cx="3099951" cy="789960"/>
               </a:xfrm>
               <a:prstGeom prst="rect">
@@ -9341,8 +9354,8 @@
           </p:sp>
         </mc:Fallback>
       </mc:AlternateContent>
-      <mc:AlternateContent xmlns:mc="http://schemas.openxmlformats.org/markup-compatibility/2006" xmlns:a14="http://schemas.microsoft.com/office/drawing/2010/main">
-        <mc:Choice Requires="a14">
+      <mc:AlternateContent xmlns:mc="http://schemas.openxmlformats.org/markup-compatibility/2006">
+        <mc:Choice xmlns:a14="http://schemas.microsoft.com/office/drawing/2010/main" Requires="a14">
           <p:sp>
             <p:nvSpPr>
               <p:cNvPr id="7" name="Прямоугольник 6"/>
@@ -9351,7 +9364,7 @@
             </p:nvSpPr>
             <p:spPr>
               <a:xfrm>
-                <a:off x="3355950" y="5379336"/>
+                <a:off x="5745767" y="5568802"/>
                 <a:ext cx="2687659" cy="789960"/>
               </a:xfrm>
               <a:prstGeom prst="rect">
@@ -9428,7 +9441,7 @@
             </p:txBody>
           </p:sp>
         </mc:Choice>
-        <mc:Fallback xmlns="">
+        <mc:Fallback>
           <p:sp>
             <p:nvSpPr>
               <p:cNvPr id="7" name="Прямоугольник 6"/>
@@ -9439,7 +9452,7 @@
             </p:nvSpPr>
             <p:spPr>
               <a:xfrm>
-                <a:off x="3355950" y="5379336"/>
+                <a:off x="5745767" y="5568802"/>
                 <a:ext cx="2687659" cy="789960"/>
               </a:xfrm>
               <a:prstGeom prst="rect">
@@ -9467,8 +9480,8 @@
           </p:sp>
         </mc:Fallback>
       </mc:AlternateContent>
-      <mc:AlternateContent xmlns:mc="http://schemas.openxmlformats.org/markup-compatibility/2006" xmlns:a14="http://schemas.microsoft.com/office/drawing/2010/main">
-        <mc:Choice Requires="a14">
+      <mc:AlternateContent xmlns:mc="http://schemas.openxmlformats.org/markup-compatibility/2006">
+        <mc:Choice xmlns:a14="http://schemas.microsoft.com/office/drawing/2010/main" Requires="a14">
           <p:sp>
             <p:nvSpPr>
               <p:cNvPr id="8" name="Прямоугольник 7"/>
@@ -9477,7 +9490,7 @@
             </p:nvSpPr>
             <p:spPr>
               <a:xfrm>
-                <a:off x="6084499" y="5418251"/>
+                <a:off x="8474316" y="5568802"/>
                 <a:ext cx="3717684" cy="799771"/>
               </a:xfrm>
               <a:prstGeom prst="rect">
@@ -9566,7 +9579,7 @@
             </p:txBody>
           </p:sp>
         </mc:Choice>
-        <mc:Fallback xmlns="">
+        <mc:Fallback>
           <p:sp>
             <p:nvSpPr>
               <p:cNvPr id="8" name="Прямоугольник 7"/>
@@ -9577,7 +9590,7 @@
             </p:nvSpPr>
             <p:spPr>
               <a:xfrm>
-                <a:off x="6084499" y="5418251"/>
+                <a:off x="8474316" y="5568802"/>
                 <a:ext cx="3717684" cy="799771"/>
               </a:xfrm>
               <a:prstGeom prst="rect">
@@ -9605,8 +9618,8 @@
           </p:sp>
         </mc:Fallback>
       </mc:AlternateContent>
-      <mc:AlternateContent xmlns:mc="http://schemas.openxmlformats.org/markup-compatibility/2006" xmlns:a14="http://schemas.microsoft.com/office/drawing/2010/main">
-        <mc:Choice Requires="a14">
+      <mc:AlternateContent xmlns:mc="http://schemas.openxmlformats.org/markup-compatibility/2006">
+        <mc:Choice xmlns:a14="http://schemas.microsoft.com/office/drawing/2010/main" Requires="a14">
           <p:sp>
             <p:nvSpPr>
               <p:cNvPr id="9" name="Прямоугольник 8"/>
@@ -9615,7 +9628,7 @@
             </p:nvSpPr>
             <p:spPr>
               <a:xfrm>
-                <a:off x="9802183" y="5418251"/>
+                <a:off x="65784" y="5568802"/>
                 <a:ext cx="2324033" cy="781368"/>
               </a:xfrm>
               <a:prstGeom prst="rect">
@@ -9680,7 +9693,7 @@
             </p:txBody>
           </p:sp>
         </mc:Choice>
-        <mc:Fallback xmlns="">
+        <mc:Fallback>
           <p:sp>
             <p:nvSpPr>
               <p:cNvPr id="9" name="Прямоугольник 8"/>
@@ -9691,7 +9704,7 @@
             </p:nvSpPr>
             <p:spPr>
               <a:xfrm>
-                <a:off x="9802183" y="5418251"/>
+                <a:off x="65784" y="5568802"/>
                 <a:ext cx="2324033" cy="781368"/>
               </a:xfrm>
               <a:prstGeom prst="rect">
@@ -9727,7 +9740,7 @@
         </p:nvSpPr>
         <p:spPr>
           <a:xfrm>
-            <a:off x="1097280" y="4885246"/>
+            <a:off x="1068878" y="5175416"/>
             <a:ext cx="10172007" cy="400110"/>
           </a:xfrm>
           <a:prstGeom prst="rect">
@@ -10772,17 +10785,11 @@
             </a:r>
             <a:r>
               <a:rPr lang="ru-RU" sz="3600" dirty="0"/>
-              <a:t>(более 400 кб.).</a:t>
-            </a:r>
-          </a:p>
-          <a:p>
-            <a:r>
-              <a:rPr lang="en-US" sz="3600" dirty="0" smtClean="0"/>
-              <a:t>1 </a:t>
+              <a:t>(более 400 кб</a:t>
             </a:r>
             <a:r>
               <a:rPr lang="ru-RU" sz="3600" dirty="0" smtClean="0"/>
-              <a:t>окно - 7 вкладок - 3 диалоговых окна</a:t>
+              <a:t>.).</a:t>
             </a:r>
             <a:endParaRPr lang="ru-RU" sz="3600" dirty="0"/>
           </a:p>
@@ -11210,6 +11217,115 @@
       </p:grpSpPr>
       <p:sp>
         <p:nvSpPr>
+          <p:cNvPr id="2" name="Заголовок 1"/>
+          <p:cNvSpPr>
+            <a:spLocks noGrp="1"/>
+          </p:cNvSpPr>
+          <p:nvPr>
+            <p:ph type="title"/>
+          </p:nvPr>
+        </p:nvSpPr>
+        <p:spPr/>
+        <p:txBody>
+          <a:bodyPr/>
+          <a:lstStyle/>
+          <a:p>
+            <a:r>
+              <a:rPr lang="ru-RU" dirty="0" smtClean="0"/>
+              <a:t>Интерфейс </a:t>
+            </a:r>
+            <a:r>
+              <a:rPr lang="en-US" dirty="0" smtClean="0"/>
+              <a:t>GUI</a:t>
+            </a:r>
+            <a:endParaRPr lang="ru-RU" dirty="0"/>
+          </a:p>
+        </p:txBody>
+      </p:sp>
+      <p:pic>
+        <p:nvPicPr>
+          <p:cNvPr id="5" name="Объект 4"/>
+          <p:cNvPicPr>
+            <a:picLocks noGrp="1" noChangeAspect="1"/>
+          </p:cNvPicPr>
+          <p:nvPr>
+            <p:ph idx="1"/>
+          </p:nvPr>
+        </p:nvPicPr>
+        <p:blipFill>
+          <a:blip r:embed="rId2">
+            <a:extLst>
+              <a:ext uri="{28A0092B-C50C-407E-A947-70E740481C1C}">
+                <a14:useLocalDpi xmlns:a14="http://schemas.microsoft.com/office/drawing/2010/main" val="0"/>
+              </a:ext>
+            </a:extLst>
+          </a:blip>
+          <a:stretch>
+            <a:fillRect/>
+          </a:stretch>
+        </p:blipFill>
+        <p:spPr>
+          <a:xfrm>
+            <a:off x="3970838" y="1846263"/>
+            <a:ext cx="4310649" cy="4022725"/>
+          </a:xfrm>
+        </p:spPr>
+      </p:pic>
+      <p:sp>
+        <p:nvSpPr>
+          <p:cNvPr id="4" name="Номер слайда 3"/>
+          <p:cNvSpPr>
+            <a:spLocks noGrp="1"/>
+          </p:cNvSpPr>
+          <p:nvPr>
+            <p:ph type="sldNum" sz="quarter" idx="12"/>
+          </p:nvPr>
+        </p:nvSpPr>
+        <p:spPr/>
+        <p:txBody>
+          <a:bodyPr/>
+          <a:lstStyle/>
+          <a:p>
+            <a:fld id="{54312719-E188-4125-8FBE-1E251BCF9D85}" type="slidenum">
+              <a:rPr lang="ru-RU" smtClean="0"/>
+              <a:t>20</a:t>
+            </a:fld>
+            <a:endParaRPr lang="ru-RU"/>
+          </a:p>
+        </p:txBody>
+      </p:sp>
+    </p:spTree>
+    <p:extLst>
+      <p:ext uri="{BB962C8B-B14F-4D97-AF65-F5344CB8AC3E}">
+        <p14:creationId xmlns:p14="http://schemas.microsoft.com/office/powerpoint/2010/main" val="2068438370"/>
+      </p:ext>
+    </p:extLst>
+  </p:cSld>
+  <p:clrMapOvr>
+    <a:masterClrMapping/>
+  </p:clrMapOvr>
+</p:sld>
+</file>
+
+<file path=ppt/slides/slide21.xml><?xml version="1.0" encoding="utf-8"?>
+<p:sld xmlns:a="http://schemas.openxmlformats.org/drawingml/2006/main" xmlns:r="http://schemas.openxmlformats.org/officeDocument/2006/relationships" xmlns:p="http://schemas.openxmlformats.org/presentationml/2006/main">
+  <p:cSld>
+    <p:spTree>
+      <p:nvGrpSpPr>
+        <p:cNvPr id="1" name=""/>
+        <p:cNvGrpSpPr/>
+        <p:nvPr/>
+      </p:nvGrpSpPr>
+      <p:grpSpPr>
+        <a:xfrm>
+          <a:off x="0" y="0"/>
+          <a:ext cx="0" cy="0"/>
+          <a:chOff x="0" y="0"/>
+          <a:chExt cx="0" cy="0"/>
+        </a:xfrm>
+      </p:grpSpPr>
+      <p:sp>
+        <p:nvSpPr>
           <p:cNvPr id="3" name="Объект 2"/>
           <p:cNvSpPr>
             <a:spLocks noGrp="1"/>
@@ -11328,7 +11444,7 @@
           <a:p>
             <a:fld id="{54312719-E188-4125-8FBE-1E251BCF9D85}" type="slidenum">
               <a:rPr lang="ru-RU" smtClean="0"/>
-              <a:t>20</a:t>
+              <a:t>21</a:t>
             </a:fld>
             <a:endParaRPr lang="ru-RU"/>
           </a:p>
@@ -11880,14 +11996,14 @@
           <p:nvPr>
             <p:extLst>
               <p:ext uri="{D42A27DB-BD31-4B8C-83A1-F6EECF244321}">
-                <p14:modId xmlns:p14="http://schemas.microsoft.com/office/powerpoint/2010/main" val="899641507"/>
+                <p14:modId xmlns:p14="http://schemas.microsoft.com/office/powerpoint/2010/main" val="1216781903"/>
               </p:ext>
             </p:extLst>
           </p:nvPr>
         </p:nvGraphicFramePr>
         <p:xfrm>
-          <a:off x="1040477" y="1845733"/>
-          <a:ext cx="10172007" cy="2934854"/>
+          <a:off x="1097279" y="1845733"/>
+          <a:ext cx="10058400" cy="3673394"/>
         </p:xfrm>
         <a:graphic>
           <a:graphicData uri="http://schemas.openxmlformats.org/drawingml/2006/table">
@@ -11896,9 +12012,9 @@
                 <a:tableStyleId>{5C22544A-7EE6-4342-B048-85BDC9FD1C3A}</a:tableStyleId>
               </a:tblPr>
               <a:tblGrid>
-                <a:gridCol w="3390669"/>
-                <a:gridCol w="3390669"/>
-                <a:gridCol w="3390669"/>
+                <a:gridCol w="3352800"/>
+                <a:gridCol w="3352800"/>
+                <a:gridCol w="3352800"/>
               </a:tblGrid>
               <a:tr h="627734">
                 <a:tc>

--- a/report.pptx
+++ b/report.pptx
@@ -217,7 +217,7 @@
           <a:p>
             <a:fld id="{D766DA2C-6D91-4888-A01C-01981EF51355}" type="datetimeFigureOut">
               <a:rPr lang="ru-RU" smtClean="0"/>
-              <a:t>03.06.2018</a:t>
+              <a:t>04.06.2018</a:t>
             </a:fld>
             <a:endParaRPr lang="ru-RU"/>
           </a:p>
@@ -795,7 +795,7 @@
           <a:p>
             <a:fld id="{18837A14-3D39-42D9-9056-F1062FE5D0F9}" type="datetime1">
               <a:rPr lang="ru-RU" smtClean="0"/>
-              <a:t>03.06.2018</a:t>
+              <a:t>04.06.2018</a:t>
             </a:fld>
             <a:endParaRPr lang="ru-RU"/>
           </a:p>
@@ -1003,7 +1003,7 @@
           <a:p>
             <a:fld id="{3820FA97-3B9C-4C9F-86D0-2D0822049852}" type="datetime1">
               <a:rPr lang="ru-RU" smtClean="0"/>
-              <a:t>03.06.2018</a:t>
+              <a:t>04.06.2018</a:t>
             </a:fld>
             <a:endParaRPr lang="ru-RU"/>
           </a:p>
@@ -1259,7 +1259,7 @@
           <a:p>
             <a:fld id="{96A5DF4A-BDB0-4A4F-8016-D636757619FD}" type="datetime1">
               <a:rPr lang="ru-RU" smtClean="0"/>
-              <a:t>03.06.2018</a:t>
+              <a:t>04.06.2018</a:t>
             </a:fld>
             <a:endParaRPr lang="ru-RU"/>
           </a:p>
@@ -1433,7 +1433,7 @@
           <a:p>
             <a:fld id="{FE59C463-7644-4BCC-9DCC-EC8C567A0F36}" type="datetime1">
               <a:rPr lang="ru-RU" smtClean="0"/>
-              <a:t>03.06.2018</a:t>
+              <a:t>04.06.2018</a:t>
             </a:fld>
             <a:endParaRPr lang="ru-RU"/>
           </a:p>
@@ -1776,7 +1776,7 @@
           <a:p>
             <a:fld id="{6D1229F1-4B30-47BD-8CCF-94D6BFC7AE8E}" type="datetime1">
               <a:rPr lang="ru-RU" smtClean="0"/>
-              <a:t>03.06.2018</a:t>
+              <a:t>04.06.2018</a:t>
             </a:fld>
             <a:endParaRPr lang="ru-RU"/>
           </a:p>
@@ -2051,7 +2051,7 @@
           <a:p>
             <a:fld id="{7D3E3913-5AFD-44C6-8B4C-158E5793D2A4}" type="datetime1">
               <a:rPr lang="ru-RU" smtClean="0"/>
-              <a:t>03.06.2018</a:t>
+              <a:t>04.06.2018</a:t>
             </a:fld>
             <a:endParaRPr lang="ru-RU"/>
           </a:p>
@@ -2430,7 +2430,7 @@
           <a:p>
             <a:fld id="{AF6518BD-5A14-48F4-8C85-7EB83F6CA3F8}" type="datetime1">
               <a:rPr lang="ru-RU" smtClean="0"/>
-              <a:t>03.06.2018</a:t>
+              <a:t>04.06.2018</a:t>
             </a:fld>
             <a:endParaRPr lang="ru-RU"/>
           </a:p>
@@ -2548,7 +2548,7 @@
           <a:p>
             <a:fld id="{2C7BE2EB-2075-4761-9D0C-5FF2BAC03B84}" type="datetime1">
               <a:rPr lang="ru-RU" smtClean="0"/>
-              <a:t>03.06.2018</a:t>
+              <a:t>04.06.2018</a:t>
             </a:fld>
             <a:endParaRPr lang="ru-RU"/>
           </a:p>
@@ -2719,7 +2719,7 @@
           <a:p>
             <a:fld id="{C5FED122-B1B9-4197-AD73-80AAB00358F0}" type="datetime1">
               <a:rPr lang="ru-RU" smtClean="0"/>
-              <a:t>03.06.2018</a:t>
+              <a:t>04.06.2018</a:t>
             </a:fld>
             <a:endParaRPr lang="ru-RU"/>
           </a:p>
@@ -3073,7 +3073,7 @@
           <a:p>
             <a:fld id="{F6FAD313-3015-49C8-90D4-336FF46AF479}" type="datetime1">
               <a:rPr lang="ru-RU" smtClean="0"/>
-              <a:t>03.06.2018</a:t>
+              <a:t>04.06.2018</a:t>
             </a:fld>
             <a:endParaRPr lang="ru-RU"/>
           </a:p>
@@ -3455,7 +3455,7 @@
           <a:p>
             <a:fld id="{82C1DDF3-30EC-40D8-869B-0E53F1E7B123}" type="datetime1">
               <a:rPr lang="ru-RU" smtClean="0"/>
-              <a:t>03.06.2018</a:t>
+              <a:t>04.06.2018</a:t>
             </a:fld>
             <a:endParaRPr lang="ru-RU"/>
           </a:p>
@@ -3742,7 +3742,7 @@
           <a:p>
             <a:fld id="{F4D33611-8D4F-43A3-A0AB-EBE66414247D}" type="datetime1">
               <a:rPr lang="ru-RU" smtClean="0"/>
-              <a:t>03.06.2018</a:t>
+              <a:t>04.06.2018</a:t>
             </a:fld>
             <a:endParaRPr lang="ru-RU"/>
           </a:p>
@@ -4420,8 +4420,8 @@
           </a:p>
         </p:txBody>
       </p:sp>
-      <mc:AlternateContent xmlns:mc="http://schemas.openxmlformats.org/markup-compatibility/2006">
-        <mc:Choice xmlns:a14="http://schemas.microsoft.com/office/drawing/2010/main" Requires="a14">
+      <mc:AlternateContent xmlns:mc="http://schemas.openxmlformats.org/markup-compatibility/2006" xmlns:a14="http://schemas.microsoft.com/office/drawing/2010/main">
+        <mc:Choice Requires="a14">
           <p:sp>
             <p:nvSpPr>
               <p:cNvPr id="3" name="Объект 2"/>
@@ -4457,11 +4457,7 @@
                 </a:r>
                 <a:r>
                   <a:rPr lang="ru-RU" sz="4300" dirty="0" smtClean="0"/>
-                  <a:t>и словарь с географическими координатами </a:t>
-                </a:r>
-                <a:r>
-                  <a:rPr lang="ru-RU" sz="4300" dirty="0" smtClean="0"/>
-                  <a:t>объектов.</a:t>
+                  <a:t>и словарь с географическими координатами объектов.</a:t>
                 </a:r>
                 <a:endParaRPr lang="ru-RU" dirty="0"/>
               </a:p>
@@ -4553,7 +4549,7 @@
             </p:txBody>
           </p:sp>
         </mc:Choice>
-        <mc:Fallback>
+        <mc:Fallback xmlns="">
           <p:sp>
             <p:nvSpPr>
               <p:cNvPr id="3" name="Объект 2"/>
@@ -6854,7 +6850,7 @@
             <p:ph idx="1"/>
             <p:extLst>
               <p:ext uri="{D42A27DB-BD31-4B8C-83A1-F6EECF244321}">
-                <p14:modId xmlns:p14="http://schemas.microsoft.com/office/powerpoint/2010/main" val="3672740485"/>
+                <p14:modId xmlns:p14="http://schemas.microsoft.com/office/powerpoint/2010/main" val="736317915"/>
               </p:ext>
             </p:extLst>
           </p:nvPr>
@@ -7056,10 +7052,22 @@
                         </a:spcAft>
                       </a:pPr>
                       <a:r>
-                        <a:rPr lang="en-US" sz="2400" dirty="0">
-                          <a:effectLst/>
-                        </a:rPr>
-                        <a:t>LSTM</a:t>
+                        <a:rPr lang="en-US" sz="2400" smtClean="0">
+                          <a:effectLst/>
+                          <a:latin typeface="+mn-lt"/>
+                          <a:ea typeface="+mn-ea"/>
+                          <a:cs typeface="+mn-cs"/>
+                        </a:rPr>
+                        <a:t>My</a:t>
+                      </a:r>
+                      <a:r>
+                        <a:rPr lang="en-US" sz="2400" baseline="0" smtClean="0">
+                          <a:effectLst/>
+                          <a:latin typeface="+mn-lt"/>
+                          <a:ea typeface="+mn-ea"/>
+                          <a:cs typeface="+mn-cs"/>
+                        </a:rPr>
+                        <a:t> model</a:t>
                       </a:r>
                       <a:endParaRPr lang="ru-RU" sz="2400" dirty="0">
                         <a:effectLst/>
@@ -7633,8 +7641,8 @@
           </a:graphicData>
         </a:graphic>
       </p:graphicFrame>
-      <mc:AlternateContent xmlns:mc="http://schemas.openxmlformats.org/markup-compatibility/2006">
-        <mc:Choice xmlns:a14="http://schemas.microsoft.com/office/drawing/2010/main" Requires="a14">
+      <mc:AlternateContent xmlns:mc="http://schemas.openxmlformats.org/markup-compatibility/2006" xmlns:a14="http://schemas.microsoft.com/office/drawing/2010/main">
+        <mc:Choice Requires="a14">
           <p:sp>
             <p:nvSpPr>
               <p:cNvPr id="6" name="Прямоугольник 5"/>
@@ -7720,7 +7728,7 @@
             </p:txBody>
           </p:sp>
         </mc:Choice>
-        <mc:Fallback>
+        <mc:Fallback xmlns="">
           <p:sp>
             <p:nvSpPr>
               <p:cNvPr id="6" name="Прямоугольник 5"/>
@@ -7759,8 +7767,8 @@
           </p:sp>
         </mc:Fallback>
       </mc:AlternateContent>
-      <mc:AlternateContent xmlns:mc="http://schemas.openxmlformats.org/markup-compatibility/2006">
-        <mc:Choice xmlns:a14="http://schemas.microsoft.com/office/drawing/2010/main" Requires="a14">
+      <mc:AlternateContent xmlns:mc="http://schemas.openxmlformats.org/markup-compatibility/2006" xmlns:a14="http://schemas.microsoft.com/office/drawing/2010/main">
+        <mc:Choice Requires="a14">
           <p:sp>
             <p:nvSpPr>
               <p:cNvPr id="8" name="Прямоугольник 7"/>
@@ -7846,7 +7854,7 @@
             </p:txBody>
           </p:sp>
         </mc:Choice>
-        <mc:Fallback>
+        <mc:Fallback xmlns="">
           <p:sp>
             <p:nvSpPr>
               <p:cNvPr id="8" name="Прямоугольник 7"/>
@@ -7885,8 +7893,8 @@
           </p:sp>
         </mc:Fallback>
       </mc:AlternateContent>
-      <mc:AlternateContent xmlns:mc="http://schemas.openxmlformats.org/markup-compatibility/2006">
-        <mc:Choice xmlns:a14="http://schemas.microsoft.com/office/drawing/2010/main" Requires="a14">
+      <mc:AlternateContent xmlns:mc="http://schemas.openxmlformats.org/markup-compatibility/2006" xmlns:a14="http://schemas.microsoft.com/office/drawing/2010/main">
+        <mc:Choice Requires="a14">
           <p:sp>
             <p:nvSpPr>
               <p:cNvPr id="9" name="Прямоугольник 8"/>
@@ -7984,7 +7992,7 @@
             </p:txBody>
           </p:sp>
         </mc:Choice>
-        <mc:Fallback>
+        <mc:Fallback xmlns="">
           <p:sp>
             <p:nvSpPr>
               <p:cNvPr id="9" name="Прямоугольник 8"/>
@@ -8023,8 +8031,8 @@
           </p:sp>
         </mc:Fallback>
       </mc:AlternateContent>
-      <mc:AlternateContent xmlns:mc="http://schemas.openxmlformats.org/markup-compatibility/2006">
-        <mc:Choice xmlns:a14="http://schemas.microsoft.com/office/drawing/2010/main" Requires="a14">
+      <mc:AlternateContent xmlns:mc="http://schemas.openxmlformats.org/markup-compatibility/2006" xmlns:a14="http://schemas.microsoft.com/office/drawing/2010/main">
+        <mc:Choice Requires="a14">
           <p:sp>
             <p:nvSpPr>
               <p:cNvPr id="10" name="Прямоугольник 9"/>
@@ -8098,7 +8106,7 @@
             </p:txBody>
           </p:sp>
         </mc:Choice>
-        <mc:Fallback>
+        <mc:Fallback xmlns="">
           <p:sp>
             <p:nvSpPr>
               <p:cNvPr id="10" name="Прямоугольник 9"/>
@@ -9228,8 +9236,8 @@
           </a:graphicData>
         </a:graphic>
       </p:graphicFrame>
-      <mc:AlternateContent xmlns:mc="http://schemas.openxmlformats.org/markup-compatibility/2006">
-        <mc:Choice xmlns:a14="http://schemas.microsoft.com/office/drawing/2010/main" Requires="a14">
+      <mc:AlternateContent xmlns:mc="http://schemas.openxmlformats.org/markup-compatibility/2006" xmlns:a14="http://schemas.microsoft.com/office/drawing/2010/main">
+        <mc:Choice Requires="a14">
           <p:sp>
             <p:nvSpPr>
               <p:cNvPr id="6" name="Прямоугольник 5"/>
@@ -9315,7 +9323,7 @@
             </p:txBody>
           </p:sp>
         </mc:Choice>
-        <mc:Fallback>
+        <mc:Fallback xmlns="">
           <p:sp>
             <p:nvSpPr>
               <p:cNvPr id="6" name="Прямоугольник 5"/>
@@ -9354,8 +9362,8 @@
           </p:sp>
         </mc:Fallback>
       </mc:AlternateContent>
-      <mc:AlternateContent xmlns:mc="http://schemas.openxmlformats.org/markup-compatibility/2006">
-        <mc:Choice xmlns:a14="http://schemas.microsoft.com/office/drawing/2010/main" Requires="a14">
+      <mc:AlternateContent xmlns:mc="http://schemas.openxmlformats.org/markup-compatibility/2006" xmlns:a14="http://schemas.microsoft.com/office/drawing/2010/main">
+        <mc:Choice Requires="a14">
           <p:sp>
             <p:nvSpPr>
               <p:cNvPr id="7" name="Прямоугольник 6"/>
@@ -9441,7 +9449,7 @@
             </p:txBody>
           </p:sp>
         </mc:Choice>
-        <mc:Fallback>
+        <mc:Fallback xmlns="">
           <p:sp>
             <p:nvSpPr>
               <p:cNvPr id="7" name="Прямоугольник 6"/>
@@ -9480,8 +9488,8 @@
           </p:sp>
         </mc:Fallback>
       </mc:AlternateContent>
-      <mc:AlternateContent xmlns:mc="http://schemas.openxmlformats.org/markup-compatibility/2006">
-        <mc:Choice xmlns:a14="http://schemas.microsoft.com/office/drawing/2010/main" Requires="a14">
+      <mc:AlternateContent xmlns:mc="http://schemas.openxmlformats.org/markup-compatibility/2006" xmlns:a14="http://schemas.microsoft.com/office/drawing/2010/main">
+        <mc:Choice Requires="a14">
           <p:sp>
             <p:nvSpPr>
               <p:cNvPr id="8" name="Прямоугольник 7"/>
@@ -9579,7 +9587,7 @@
             </p:txBody>
           </p:sp>
         </mc:Choice>
-        <mc:Fallback>
+        <mc:Fallback xmlns="">
           <p:sp>
             <p:nvSpPr>
               <p:cNvPr id="8" name="Прямоугольник 7"/>
@@ -9618,8 +9626,8 @@
           </p:sp>
         </mc:Fallback>
       </mc:AlternateContent>
-      <mc:AlternateContent xmlns:mc="http://schemas.openxmlformats.org/markup-compatibility/2006">
-        <mc:Choice xmlns:a14="http://schemas.microsoft.com/office/drawing/2010/main" Requires="a14">
+      <mc:AlternateContent xmlns:mc="http://schemas.openxmlformats.org/markup-compatibility/2006" xmlns:a14="http://schemas.microsoft.com/office/drawing/2010/main">
+        <mc:Choice Requires="a14">
           <p:sp>
             <p:nvSpPr>
               <p:cNvPr id="9" name="Прямоугольник 8"/>
@@ -9693,7 +9701,7 @@
             </p:txBody>
           </p:sp>
         </mc:Choice>
-        <mc:Fallback>
+        <mc:Fallback xmlns="">
           <p:sp>
             <p:nvSpPr>
               <p:cNvPr id="9" name="Прямоугольник 8"/>

--- a/report.pptx
+++ b/report.pptx
@@ -217,7 +217,7 @@
           <a:p>
             <a:fld id="{D766DA2C-6D91-4888-A01C-01981EF51355}" type="datetimeFigureOut">
               <a:rPr lang="ru-RU" smtClean="0"/>
-              <a:t>04.06.2018</a:t>
+              <a:t>13.06.2018</a:t>
             </a:fld>
             <a:endParaRPr lang="ru-RU"/>
           </a:p>
@@ -569,6 +569,174 @@
 </p:notes>
 </file>
 
+<file path=ppt/notesSlides/notesSlide2.xml><?xml version="1.0" encoding="utf-8"?>
+<p:notes xmlns:a="http://schemas.openxmlformats.org/drawingml/2006/main" xmlns:r="http://schemas.openxmlformats.org/officeDocument/2006/relationships" xmlns:p="http://schemas.openxmlformats.org/presentationml/2006/main">
+  <p:cSld>
+    <p:spTree>
+      <p:nvGrpSpPr>
+        <p:cNvPr id="1" name=""/>
+        <p:cNvGrpSpPr/>
+        <p:nvPr/>
+      </p:nvGrpSpPr>
+      <p:grpSpPr>
+        <a:xfrm>
+          <a:off x="0" y="0"/>
+          <a:ext cx="0" cy="0"/>
+          <a:chOff x="0" y="0"/>
+          <a:chExt cx="0" cy="0"/>
+        </a:xfrm>
+      </p:grpSpPr>
+      <p:sp>
+        <p:nvSpPr>
+          <p:cNvPr id="2" name="Образ слайда 1"/>
+          <p:cNvSpPr>
+            <a:spLocks noGrp="1" noRot="1" noChangeAspect="1"/>
+          </p:cNvSpPr>
+          <p:nvPr>
+            <p:ph type="sldImg"/>
+          </p:nvPr>
+        </p:nvSpPr>
+        <p:spPr/>
+      </p:sp>
+      <p:sp>
+        <p:nvSpPr>
+          <p:cNvPr id="3" name="Заметки 2"/>
+          <p:cNvSpPr>
+            <a:spLocks noGrp="1"/>
+          </p:cNvSpPr>
+          <p:nvPr>
+            <p:ph type="body" idx="1"/>
+          </p:nvPr>
+        </p:nvSpPr>
+        <p:spPr/>
+        <p:txBody>
+          <a:bodyPr/>
+          <a:lstStyle/>
+          <a:p>
+            <a:endParaRPr lang="ru-RU"/>
+          </a:p>
+        </p:txBody>
+      </p:sp>
+      <p:sp>
+        <p:nvSpPr>
+          <p:cNvPr id="4" name="Номер слайда 3"/>
+          <p:cNvSpPr>
+            <a:spLocks noGrp="1"/>
+          </p:cNvSpPr>
+          <p:nvPr>
+            <p:ph type="sldNum" sz="quarter" idx="10"/>
+          </p:nvPr>
+        </p:nvSpPr>
+        <p:spPr/>
+        <p:txBody>
+          <a:bodyPr/>
+          <a:lstStyle/>
+          <a:p>
+            <a:fld id="{5F96BB40-A219-4818-920B-230C1D1D102D}" type="slidenum">
+              <a:rPr lang="ru-RU" smtClean="0"/>
+              <a:t>3</a:t>
+            </a:fld>
+            <a:endParaRPr lang="ru-RU"/>
+          </a:p>
+        </p:txBody>
+      </p:sp>
+    </p:spTree>
+    <p:extLst>
+      <p:ext uri="{BB962C8B-B14F-4D97-AF65-F5344CB8AC3E}">
+        <p14:creationId xmlns:p14="http://schemas.microsoft.com/office/powerpoint/2010/main" val="2405093728"/>
+      </p:ext>
+    </p:extLst>
+  </p:cSld>
+  <p:clrMapOvr>
+    <a:masterClrMapping/>
+  </p:clrMapOvr>
+</p:notes>
+</file>
+
+<file path=ppt/notesSlides/notesSlide3.xml><?xml version="1.0" encoding="utf-8"?>
+<p:notes xmlns:a="http://schemas.openxmlformats.org/drawingml/2006/main" xmlns:r="http://schemas.openxmlformats.org/officeDocument/2006/relationships" xmlns:p="http://schemas.openxmlformats.org/presentationml/2006/main">
+  <p:cSld>
+    <p:spTree>
+      <p:nvGrpSpPr>
+        <p:cNvPr id="1" name=""/>
+        <p:cNvGrpSpPr/>
+        <p:nvPr/>
+      </p:nvGrpSpPr>
+      <p:grpSpPr>
+        <a:xfrm>
+          <a:off x="0" y="0"/>
+          <a:ext cx="0" cy="0"/>
+          <a:chOff x="0" y="0"/>
+          <a:chExt cx="0" cy="0"/>
+        </a:xfrm>
+      </p:grpSpPr>
+      <p:sp>
+        <p:nvSpPr>
+          <p:cNvPr id="2" name="Образ слайда 1"/>
+          <p:cNvSpPr>
+            <a:spLocks noGrp="1" noRot="1" noChangeAspect="1"/>
+          </p:cNvSpPr>
+          <p:nvPr>
+            <p:ph type="sldImg"/>
+          </p:nvPr>
+        </p:nvSpPr>
+        <p:spPr/>
+      </p:sp>
+      <p:sp>
+        <p:nvSpPr>
+          <p:cNvPr id="3" name="Заметки 2"/>
+          <p:cNvSpPr>
+            <a:spLocks noGrp="1"/>
+          </p:cNvSpPr>
+          <p:nvPr>
+            <p:ph type="body" idx="1"/>
+          </p:nvPr>
+        </p:nvSpPr>
+        <p:spPr/>
+        <p:txBody>
+          <a:bodyPr/>
+          <a:lstStyle/>
+          <a:p>
+            <a:endParaRPr lang="ru-RU" dirty="0"/>
+          </a:p>
+        </p:txBody>
+      </p:sp>
+      <p:sp>
+        <p:nvSpPr>
+          <p:cNvPr id="4" name="Номер слайда 3"/>
+          <p:cNvSpPr>
+            <a:spLocks noGrp="1"/>
+          </p:cNvSpPr>
+          <p:nvPr>
+            <p:ph type="sldNum" sz="quarter" idx="10"/>
+          </p:nvPr>
+        </p:nvSpPr>
+        <p:spPr/>
+        <p:txBody>
+          <a:bodyPr/>
+          <a:lstStyle/>
+          <a:p>
+            <a:fld id="{5F96BB40-A219-4818-920B-230C1D1D102D}" type="slidenum">
+              <a:rPr lang="ru-RU" smtClean="0"/>
+              <a:t>6</a:t>
+            </a:fld>
+            <a:endParaRPr lang="ru-RU"/>
+          </a:p>
+        </p:txBody>
+      </p:sp>
+    </p:spTree>
+    <p:extLst>
+      <p:ext uri="{BB962C8B-B14F-4D97-AF65-F5344CB8AC3E}">
+        <p14:creationId xmlns:p14="http://schemas.microsoft.com/office/powerpoint/2010/main" val="3487361641"/>
+      </p:ext>
+    </p:extLst>
+  </p:cSld>
+  <p:clrMapOvr>
+    <a:masterClrMapping/>
+  </p:clrMapOvr>
+</p:notes>
+</file>
+
 <file path=ppt/slideLayouts/slideLayout1.xml><?xml version="1.0" encoding="utf-8"?>
 <p:sldLayout xmlns:a="http://schemas.openxmlformats.org/drawingml/2006/main" xmlns:r="http://schemas.openxmlformats.org/officeDocument/2006/relationships" xmlns:p="http://schemas.openxmlformats.org/presentationml/2006/main" showMasterSp="0" type="title" preserve="1">
   <p:cSld name="Титульный слайд">
@@ -795,7 +963,7 @@
           <a:p>
             <a:fld id="{18837A14-3D39-42D9-9056-F1062FE5D0F9}" type="datetime1">
               <a:rPr lang="ru-RU" smtClean="0"/>
-              <a:t>04.06.2018</a:t>
+              <a:t>13.06.2018</a:t>
             </a:fld>
             <a:endParaRPr lang="ru-RU"/>
           </a:p>
@@ -1003,7 +1171,7 @@
           <a:p>
             <a:fld id="{3820FA97-3B9C-4C9F-86D0-2D0822049852}" type="datetime1">
               <a:rPr lang="ru-RU" smtClean="0"/>
-              <a:t>04.06.2018</a:t>
+              <a:t>13.06.2018</a:t>
             </a:fld>
             <a:endParaRPr lang="ru-RU"/>
           </a:p>
@@ -1259,7 +1427,7 @@
           <a:p>
             <a:fld id="{96A5DF4A-BDB0-4A4F-8016-D636757619FD}" type="datetime1">
               <a:rPr lang="ru-RU" smtClean="0"/>
-              <a:t>04.06.2018</a:t>
+              <a:t>13.06.2018</a:t>
             </a:fld>
             <a:endParaRPr lang="ru-RU"/>
           </a:p>
@@ -1433,7 +1601,7 @@
           <a:p>
             <a:fld id="{FE59C463-7644-4BCC-9DCC-EC8C567A0F36}" type="datetime1">
               <a:rPr lang="ru-RU" smtClean="0"/>
-              <a:t>04.06.2018</a:t>
+              <a:t>13.06.2018</a:t>
             </a:fld>
             <a:endParaRPr lang="ru-RU"/>
           </a:p>
@@ -1776,7 +1944,7 @@
           <a:p>
             <a:fld id="{6D1229F1-4B30-47BD-8CCF-94D6BFC7AE8E}" type="datetime1">
               <a:rPr lang="ru-RU" smtClean="0"/>
-              <a:t>04.06.2018</a:t>
+              <a:t>13.06.2018</a:t>
             </a:fld>
             <a:endParaRPr lang="ru-RU"/>
           </a:p>
@@ -2051,7 +2219,7 @@
           <a:p>
             <a:fld id="{7D3E3913-5AFD-44C6-8B4C-158E5793D2A4}" type="datetime1">
               <a:rPr lang="ru-RU" smtClean="0"/>
-              <a:t>04.06.2018</a:t>
+              <a:t>13.06.2018</a:t>
             </a:fld>
             <a:endParaRPr lang="ru-RU"/>
           </a:p>
@@ -2430,7 +2598,7 @@
           <a:p>
             <a:fld id="{AF6518BD-5A14-48F4-8C85-7EB83F6CA3F8}" type="datetime1">
               <a:rPr lang="ru-RU" smtClean="0"/>
-              <a:t>04.06.2018</a:t>
+              <a:t>13.06.2018</a:t>
             </a:fld>
             <a:endParaRPr lang="ru-RU"/>
           </a:p>
@@ -2548,7 +2716,7 @@
           <a:p>
             <a:fld id="{2C7BE2EB-2075-4761-9D0C-5FF2BAC03B84}" type="datetime1">
               <a:rPr lang="ru-RU" smtClean="0"/>
-              <a:t>04.06.2018</a:t>
+              <a:t>13.06.2018</a:t>
             </a:fld>
             <a:endParaRPr lang="ru-RU"/>
           </a:p>
@@ -2719,7 +2887,7 @@
           <a:p>
             <a:fld id="{C5FED122-B1B9-4197-AD73-80AAB00358F0}" type="datetime1">
               <a:rPr lang="ru-RU" smtClean="0"/>
-              <a:t>04.06.2018</a:t>
+              <a:t>13.06.2018</a:t>
             </a:fld>
             <a:endParaRPr lang="ru-RU"/>
           </a:p>
@@ -3073,7 +3241,7 @@
           <a:p>
             <a:fld id="{F6FAD313-3015-49C8-90D4-336FF46AF479}" type="datetime1">
               <a:rPr lang="ru-RU" smtClean="0"/>
-              <a:t>04.06.2018</a:t>
+              <a:t>13.06.2018</a:t>
             </a:fld>
             <a:endParaRPr lang="ru-RU"/>
           </a:p>
@@ -3455,7 +3623,7 @@
           <a:p>
             <a:fld id="{82C1DDF3-30EC-40D8-869B-0E53F1E7B123}" type="datetime1">
               <a:rPr lang="ru-RU" smtClean="0"/>
-              <a:t>04.06.2018</a:t>
+              <a:t>13.06.2018</a:t>
             </a:fld>
             <a:endParaRPr lang="ru-RU"/>
           </a:p>
@@ -3742,7 +3910,7 @@
           <a:p>
             <a:fld id="{F4D33611-8D4F-43A3-A0AB-EBE66414247D}" type="datetime1">
               <a:rPr lang="ru-RU" smtClean="0"/>
-              <a:t>04.06.2018</a:t>
+              <a:t>13.06.2018</a:t>
             </a:fld>
             <a:endParaRPr lang="ru-RU"/>
           </a:p>
@@ -4334,21 +4502,33 @@
         </p:spPr>
         <p:txBody>
           <a:bodyPr>
-            <a:normAutofit/>
+            <a:normAutofit fontScale="92500" lnSpcReduction="10000"/>
           </a:bodyPr>
           <a:lstStyle/>
           <a:p>
             <a:pPr algn="l"/>
             <a:r>
               <a:rPr lang="ru-RU" dirty="0" smtClean="0"/>
-              <a:t>Выполнил: Глущенко Д. А., гр. Б8403а </a:t>
+              <a:t>Выполнил: Глущенко </a:t>
+            </a:r>
+            <a:r>
+              <a:rPr lang="ru-RU" dirty="0" smtClean="0"/>
+              <a:t>Даниил Александрович, </a:t>
+            </a:r>
+            <a:r>
+              <a:rPr lang="ru-RU" dirty="0" smtClean="0"/>
+              <a:t>гр. Б8403а </a:t>
             </a:r>
           </a:p>
           <a:p>
             <a:pPr algn="l"/>
             <a:r>
               <a:rPr lang="ru-RU" dirty="0" smtClean="0"/>
-              <a:t>Научный руководитель: к.т.н., доцент, Шевченко И. И.</a:t>
+              <a:t>Научный руководитель: к.т.н., доцент, Шевченко </a:t>
+            </a:r>
+            <a:r>
+              <a:rPr lang="ru-RU" dirty="0" smtClean="0"/>
+              <a:t>Игорь Иванович</a:t>
             </a:r>
             <a:endParaRPr lang="ru-RU" dirty="0"/>
           </a:p>
@@ -4420,8 +4600,8 @@
           </a:p>
         </p:txBody>
       </p:sp>
-      <mc:AlternateContent xmlns:mc="http://schemas.openxmlformats.org/markup-compatibility/2006" xmlns:a14="http://schemas.microsoft.com/office/drawing/2010/main">
-        <mc:Choice Requires="a14">
+      <mc:AlternateContent xmlns:mc="http://schemas.openxmlformats.org/markup-compatibility/2006">
+        <mc:Choice xmlns:a14="http://schemas.microsoft.com/office/drawing/2010/main" Requires="a14">
           <p:sp>
             <p:nvSpPr>
               <p:cNvPr id="3" name="Объект 2"/>
@@ -4432,38 +4612,20 @@
                 <p:ph idx="1"/>
               </p:nvPr>
             </p:nvSpPr>
-            <p:spPr/>
+            <p:spPr>
+              <a:xfrm>
+                <a:off x="1097280" y="2254684"/>
+                <a:ext cx="5190786" cy="4023360"/>
+              </a:xfrm>
+            </p:spPr>
             <p:txBody>
               <a:bodyPr>
-                <a:normAutofit fontScale="92500"/>
+                <a:normAutofit/>
               </a:bodyPr>
               <a:lstStyle/>
               <a:p>
                 <a:r>
-                  <a:rPr lang="ru-RU" sz="4300" dirty="0" smtClean="0"/>
-                  <a:t>Для извлечения локаций используется метод с </a:t>
-                </a:r>
-                <a:r>
-                  <a:rPr lang="en-US" sz="4300" dirty="0" smtClean="0"/>
-                  <a:t>LSTM (</a:t>
-                </a:r>
-                <a:r>
-                  <a:rPr lang="ru-RU" sz="4300" dirty="0" smtClean="0"/>
-                  <a:t>сети с долгой краткосрочной памятью</a:t>
-                </a:r>
-                <a:r>
-                  <a:rPr lang="en-US" sz="4300" dirty="0" smtClean="0"/>
-                  <a:t>) </a:t>
-                </a:r>
-                <a:r>
-                  <a:rPr lang="ru-RU" sz="4300" dirty="0" smtClean="0"/>
-                  <a:t>и словарь с географическими координатами объектов.</a:t>
-                </a:r>
-                <a:endParaRPr lang="ru-RU" dirty="0"/>
-              </a:p>
-              <a:p>
-                <a:r>
-                  <a:rPr lang="ru-RU" sz="3200" b="1" dirty="0"/>
+                  <a:rPr lang="ru-RU" sz="3200" b="1" dirty="0" smtClean="0"/>
                   <a:t>Коэффициент </a:t>
                 </a:r>
                 <a:r>
@@ -4549,7 +4711,7 @@
             </p:txBody>
           </p:sp>
         </mc:Choice>
-        <mc:Fallback xmlns="">
+        <mc:Fallback>
           <p:sp>
             <p:nvSpPr>
               <p:cNvPr id="3" name="Объект 2"/>
@@ -4561,10 +4723,14 @@
               </p:nvPr>
             </p:nvSpPr>
             <p:spPr>
+              <a:xfrm>
+                <a:off x="1097280" y="2254684"/>
+                <a:ext cx="5190786" cy="4023360"/>
+              </a:xfrm>
               <a:blipFill rotWithShape="0">
                 <a:blip r:embed="rId2"/>
                 <a:stretch>
-                  <a:fillRect l="-2121" t="-4242" r="-2667"/>
+                  <a:fillRect l="-2934" t="-3182"/>
                 </a:stretch>
               </a:blipFill>
             </p:spPr>
@@ -4599,13 +4765,147 @@
           <a:lstStyle/>
           <a:p>
             <a:fld id="{54312719-E188-4125-8FBE-1E251BCF9D85}" type="slidenum">
-              <a:rPr lang="ru-RU" smtClean="0"/>
+              <a:rPr lang="ru-RU" sz="2400" smtClean="0"/>
               <a:t>10</a:t>
             </a:fld>
-            <a:endParaRPr lang="ru-RU"/>
+            <a:endParaRPr lang="ru-RU" sz="2400" dirty="0"/>
           </a:p>
         </p:txBody>
       </p:sp>
+      <mc:AlternateContent xmlns:mc="http://schemas.openxmlformats.org/markup-compatibility/2006">
+        <mc:Choice xmlns:a14="http://schemas.microsoft.com/office/drawing/2010/main" Requires="a14">
+          <p:sp>
+            <p:nvSpPr>
+              <p:cNvPr id="5" name="TextBox 4"/>
+              <p:cNvSpPr txBox="1"/>
+              <p:nvPr/>
+            </p:nvSpPr>
+            <p:spPr>
+              <a:xfrm>
+                <a:off x="5611660" y="2718147"/>
+                <a:ext cx="6580340" cy="1815882"/>
+              </a:xfrm>
+              <a:prstGeom prst="rect">
+                <a:avLst/>
+              </a:prstGeom>
+              <a:noFill/>
+            </p:spPr>
+            <p:txBody>
+              <a:bodyPr wrap="square" rtlCol="0">
+                <a:spAutoFit/>
+              </a:bodyPr>
+              <a:lstStyle/>
+              <a:p>
+                <a14:m>
+                  <m:oMath xmlns:m="http://schemas.openxmlformats.org/officeDocument/2006/math">
+                    <m:r>
+                      <a:rPr lang="en-US" sz="2800" b="0" i="1" smtClean="0">
+                        <a:latin typeface="Cambria Math" panose="02040503050406030204" pitchFamily="18" charset="0"/>
+                      </a:rPr>
+                      <m:t>𝑎</m:t>
+                    </m:r>
+                  </m:oMath>
+                </a14:m>
+                <a:r>
+                  <a:rPr lang="en-US" sz="2800" dirty="0" smtClean="0"/>
+                  <a:t> – </a:t>
+                </a:r>
+                <a:r>
+                  <a:rPr lang="ru-RU" sz="2800" dirty="0" smtClean="0"/>
+                  <a:t>количество элементов 1-ого слова</a:t>
+                </a:r>
+              </a:p>
+              <a:p>
+                <a14:m>
+                  <m:oMath xmlns:m="http://schemas.openxmlformats.org/officeDocument/2006/math">
+                    <m:r>
+                      <a:rPr lang="en-US" sz="2800" b="0" i="1" smtClean="0">
+                        <a:latin typeface="Cambria Math" panose="02040503050406030204" pitchFamily="18" charset="0"/>
+                      </a:rPr>
+                      <m:t>𝑏</m:t>
+                    </m:r>
+                  </m:oMath>
+                </a14:m>
+                <a:r>
+                  <a:rPr lang="en-US" sz="2800" dirty="0" smtClean="0"/>
+                  <a:t> - </a:t>
+                </a:r>
+                <a:r>
+                  <a:rPr lang="ru-RU" sz="2800" dirty="0"/>
+                  <a:t>количество элементов </a:t>
+                </a:r>
+                <a:r>
+                  <a:rPr lang="ru-RU" sz="2800" dirty="0" smtClean="0"/>
+                  <a:t>2-ого слова</a:t>
+                </a:r>
+              </a:p>
+              <a:p>
+                <a14:m>
+                  <m:oMath xmlns:m="http://schemas.openxmlformats.org/officeDocument/2006/math">
+                    <m:r>
+                      <a:rPr lang="en-US" sz="2800" b="0" i="1" smtClean="0">
+                        <a:latin typeface="Cambria Math" panose="02040503050406030204" pitchFamily="18" charset="0"/>
+                      </a:rPr>
+                      <m:t>𝑐</m:t>
+                    </m:r>
+                  </m:oMath>
+                </a14:m>
+                <a:r>
+                  <a:rPr lang="ru-RU" sz="2800" dirty="0" smtClean="0"/>
+                  <a:t> – количество общих </a:t>
+                </a:r>
+                <a:r>
+                  <a:rPr lang="ru-RU" sz="2800" dirty="0"/>
+                  <a:t>элементов </a:t>
+                </a:r>
+                <a:r>
+                  <a:rPr lang="ru-RU" sz="2800" dirty="0" smtClean="0"/>
+                  <a:t> 1-ого и 2-ого слов</a:t>
+                </a:r>
+                <a:endParaRPr lang="ru-RU" sz="2800" dirty="0"/>
+              </a:p>
+            </p:txBody>
+          </p:sp>
+        </mc:Choice>
+        <mc:Fallback>
+          <p:sp>
+            <p:nvSpPr>
+              <p:cNvPr id="5" name="TextBox 4"/>
+              <p:cNvSpPr txBox="1">
+                <a:spLocks noRot="1" noChangeAspect="1" noMove="1" noResize="1" noEditPoints="1" noAdjustHandles="1" noChangeArrowheads="1" noChangeShapeType="1" noTextEdit="1"/>
+              </p:cNvSpPr>
+              <p:nvPr/>
+            </p:nvSpPr>
+            <p:spPr>
+              <a:xfrm>
+                <a:off x="5611660" y="2718147"/>
+                <a:ext cx="6580340" cy="1815882"/>
+              </a:xfrm>
+              <a:prstGeom prst="rect">
+                <a:avLst/>
+              </a:prstGeom>
+              <a:blipFill rotWithShape="0">
+                <a:blip r:embed="rId3"/>
+                <a:stretch>
+                  <a:fillRect l="-1946" t="-3356" b="-8725"/>
+                </a:stretch>
+              </a:blipFill>
+            </p:spPr>
+            <p:txBody>
+              <a:bodyPr/>
+              <a:lstStyle/>
+              <a:p>
+                <a:r>
+                  <a:rPr lang="ru-RU">
+                    <a:noFill/>
+                  </a:rPr>
+                  <a:t> </a:t>
+                </a:r>
+              </a:p>
+            </p:txBody>
+          </p:sp>
+        </mc:Fallback>
+      </mc:AlternateContent>
     </p:spTree>
     <p:extLst>
       <p:ext uri="{BB962C8B-B14F-4D97-AF65-F5344CB8AC3E}">
@@ -4781,10 +5081,10 @@
           <a:lstStyle/>
           <a:p>
             <a:fld id="{54312719-E188-4125-8FBE-1E251BCF9D85}" type="slidenum">
-              <a:rPr lang="ru-RU" smtClean="0"/>
+              <a:rPr lang="ru-RU" sz="2400" smtClean="0"/>
               <a:t>11</a:t>
             </a:fld>
-            <a:endParaRPr lang="ru-RU"/>
+            <a:endParaRPr lang="ru-RU" sz="2400" dirty="0"/>
           </a:p>
         </p:txBody>
       </p:sp>
@@ -4837,22 +5137,45 @@
         </p:nvSpPr>
         <p:spPr/>
         <p:txBody>
-          <a:bodyPr/>
+          <a:bodyPr>
+            <a:noAutofit/>
+          </a:bodyPr>
           <a:lstStyle/>
           <a:p>
             <a:r>
-              <a:rPr lang="ru-RU" b="1" dirty="0" smtClean="0"/>
+              <a:rPr lang="ru-RU" sz="4000" b="1" dirty="0" smtClean="0"/>
               <a:t>Извлечение </a:t>
             </a:r>
             <a:r>
-              <a:rPr lang="ru-RU" b="1" dirty="0"/>
-              <a:t>ключевых слов и словосочетаний</a:t>
-            </a:r>
+              <a:rPr lang="ru-RU" sz="4000" b="1" dirty="0"/>
+              <a:t>ключевых слов и </a:t>
+            </a:r>
+            <a:r>
+              <a:rPr lang="ru-RU" sz="4000" b="1" dirty="0" smtClean="0"/>
+              <a:t>словосочетаний</a:t>
+            </a:r>
+            <a:r>
+              <a:rPr lang="en-US" sz="4000" b="1" dirty="0" smtClean="0"/>
+              <a:t> (</a:t>
+            </a:r>
+            <a:r>
+              <a:rPr lang="en-US" sz="4000" b="1" dirty="0"/>
+              <a:t>Rapid Automatic Keyword </a:t>
+            </a:r>
+            <a:r>
+              <a:rPr lang="en-US" sz="4000" b="1" dirty="0" smtClean="0"/>
+              <a:t>Extraction</a:t>
+            </a:r>
+            <a:r>
+              <a:rPr lang="en-US" sz="4000" b="1" dirty="0" smtClean="0"/>
+              <a:t>)</a:t>
+            </a:r>
+            <a:endParaRPr lang="ru-RU" sz="4000" b="1" dirty="0"/>
           </a:p>
         </p:txBody>
       </p:sp>
-      <mc:AlternateContent xmlns:mc="http://schemas.openxmlformats.org/markup-compatibility/2006" xmlns:a14="http://schemas.microsoft.com/office/drawing/2010/main">
-        <mc:Choice Requires="a14">
+      <mc:AlternateContent xmlns:mc="http://schemas.openxmlformats.org/markup-compatibility/2006">
+        <mc:Choice xmlns:a14="http://schemas.microsoft.com/office/drawing/2010/main" Requires="a14">
           <p:sp>
             <p:nvSpPr>
               <p:cNvPr id="3" name="Объект 2"/>
@@ -4868,22 +5191,53 @@
               <a:bodyPr/>
               <a:lstStyle/>
               <a:p>
-                <a:endParaRPr lang="ru-RU" sz="4000" dirty="0" smtClean="0"/>
-              </a:p>
-              <a:p>
-                <a:r>
-                  <a:rPr lang="en-US" sz="4000" dirty="0" smtClean="0"/>
-                  <a:t>Rapid </a:t>
-                </a:r>
-                <a:r>
-                  <a:rPr lang="en-US" sz="4000" dirty="0"/>
-                  <a:t>Automatic Keyword </a:t>
-                </a:r>
-                <a:r>
-                  <a:rPr lang="en-US" sz="4000" dirty="0" smtClean="0"/>
-                  <a:t>Extraction</a:t>
-                </a:r>
-                <a:endParaRPr lang="ru-RU" sz="4000" dirty="0" smtClean="0"/>
+                <a14:m>
+                  <m:oMath xmlns:m="http://schemas.openxmlformats.org/officeDocument/2006/math">
+                    <m:r>
+                      <a:rPr lang="en-US" sz="4000" b="0" i="1" smtClean="0">
+                        <a:latin typeface="Cambria Math" panose="02040503050406030204" pitchFamily="18" charset="0"/>
+                      </a:rPr>
+                      <m:t>𝑃</m:t>
+                    </m:r>
+                    <m:r>
+                      <a:rPr lang="en-US" sz="4000" b="0" i="1" smtClean="0">
+                        <a:latin typeface="Cambria Math" panose="02040503050406030204" pitchFamily="18" charset="0"/>
+                      </a:rPr>
+                      <m:t> −фраз</m:t>
+                    </m:r>
+                    <m:r>
+                      <a:rPr lang="ru-RU" sz="4000" b="0" i="1" smtClean="0">
+                        <a:latin typeface="Cambria Math" panose="02040503050406030204" pitchFamily="18" charset="0"/>
+                      </a:rPr>
+                      <m:t>а, </m:t>
+                    </m:r>
+                    <m:r>
+                      <a:rPr lang="en-US" sz="4000" b="0" i="1" smtClean="0">
+                        <a:latin typeface="Cambria Math" panose="02040503050406030204" pitchFamily="18" charset="0"/>
+                      </a:rPr>
+                      <m:t>𝑤</m:t>
+                    </m:r>
+                    <m:r>
+                      <a:rPr lang="en-US" sz="4000" b="0" i="1" smtClean="0">
+                        <a:latin typeface="Cambria Math" panose="02040503050406030204" pitchFamily="18" charset="0"/>
+                      </a:rPr>
+                      <m:t> −слов</m:t>
+                    </m:r>
+                    <m:r>
+                      <a:rPr lang="ru-RU" sz="4000" b="0" i="1" smtClean="0">
+                        <a:latin typeface="Cambria Math" panose="02040503050406030204" pitchFamily="18" charset="0"/>
+                      </a:rPr>
+                      <m:t>о из </m:t>
+                    </m:r>
+                    <m:r>
+                      <a:rPr lang="en-US" sz="4000" b="0" i="1" smtClean="0">
+                        <a:latin typeface="Cambria Math" panose="02040503050406030204" pitchFamily="18" charset="0"/>
+                      </a:rPr>
+                      <m:t>𝑃</m:t>
+                    </m:r>
+                  </m:oMath>
+                </a14:m>
+                <a:endParaRPr lang="en-US" sz="4000" i="1" dirty="0" smtClean="0"/>
               </a:p>
               <a:p>
                 <a:endParaRPr lang="ru-RU" sz="4000" i="1" dirty="0" smtClean="0"/>
@@ -4912,19 +5266,104 @@
                         </m:ctrlPr>
                       </m:fPr>
                       <m:num>
-                        <m:r>
-                          <a:rPr lang="ru-RU" sz="4000" i="1">
-                            <a:latin typeface="Cambria Math" panose="02040503050406030204" pitchFamily="18" charset="0"/>
-                          </a:rPr>
-                          <m:t>степень слова</m:t>
-                        </m:r>
+                        <m:nary>
+                          <m:naryPr>
+                            <m:chr m:val="∑"/>
+                            <m:supHide m:val="on"/>
+                            <m:ctrlPr>
+                              <a:rPr lang="ru-RU" sz="4000" i="1" smtClean="0">
+                                <a:latin typeface="Cambria Math" panose="02040503050406030204" pitchFamily="18" charset="0"/>
+                              </a:rPr>
+                            </m:ctrlPr>
+                          </m:naryPr>
+                          <m:sub>
+                            <m:r>
+                              <m:rPr>
+                                <m:brk m:alnAt="7"/>
+                              </m:rPr>
+                              <a:rPr lang="en-US" sz="4000" b="0" i="1" smtClean="0">
+                                <a:latin typeface="Cambria Math" panose="02040503050406030204" pitchFamily="18" charset="0"/>
+                              </a:rPr>
+                              <m:t>𝑤</m:t>
+                            </m:r>
+                            <m:r>
+                              <a:rPr lang="en-US" sz="4000" b="0" i="1" smtClean="0">
+                                <a:latin typeface="Cambria Math" panose="02040503050406030204" pitchFamily="18" charset="0"/>
+                              </a:rPr>
+                              <m:t> </m:t>
+                            </m:r>
+                            <m:r>
+                              <a:rPr lang="en-US" sz="4000" b="0" i="1" smtClean="0">
+                                <a:latin typeface="Cambria Math" panose="02040503050406030204" pitchFamily="18" charset="0"/>
+                              </a:rPr>
+                              <m:t>𝑖𝑛</m:t>
+                            </m:r>
+                            <m:r>
+                              <a:rPr lang="en-US" sz="4000" b="0" i="1" smtClean="0">
+                                <a:latin typeface="Cambria Math" panose="02040503050406030204" pitchFamily="18" charset="0"/>
+                              </a:rPr>
+                              <m:t> </m:t>
+                            </m:r>
+                            <m:r>
+                              <a:rPr lang="en-US" sz="4000" b="0" i="1" smtClean="0">
+                                <a:latin typeface="Cambria Math" panose="02040503050406030204" pitchFamily="18" charset="0"/>
+                              </a:rPr>
+                              <m:t>𝑃</m:t>
+                            </m:r>
+                          </m:sub>
+                          <m:sup/>
+                          <m:e>
+                            <m:r>
+                              <a:rPr lang="en-US" sz="4000" b="0" i="1" smtClean="0">
+                                <a:latin typeface="Cambria Math" panose="02040503050406030204" pitchFamily="18" charset="0"/>
+                              </a:rPr>
+                              <m:t>𝑑𝑒𝑔𝑟𝑒𝑒</m:t>
+                            </m:r>
+                            <m:r>
+                              <a:rPr lang="en-US" sz="4000" b="0" i="1" smtClean="0">
+                                <a:latin typeface="Cambria Math" panose="02040503050406030204" pitchFamily="18" charset="0"/>
+                              </a:rPr>
+                              <m:t>(</m:t>
+                            </m:r>
+                            <m:r>
+                              <a:rPr lang="en-US" sz="4000" b="0" i="1" smtClean="0">
+                                <a:latin typeface="Cambria Math" panose="02040503050406030204" pitchFamily="18" charset="0"/>
+                              </a:rPr>
+                              <m:t>𝑤</m:t>
+                            </m:r>
+                            <m:r>
+                              <a:rPr lang="en-US" sz="4000" b="0" i="1" smtClean="0">
+                                <a:latin typeface="Cambria Math" panose="02040503050406030204" pitchFamily="18" charset="0"/>
+                              </a:rPr>
+                              <m:t>)</m:t>
+                            </m:r>
+                          </m:e>
+                        </m:nary>
                       </m:num>
                       <m:den>
                         <m:r>
-                          <a:rPr lang="ru-RU" sz="4000" i="1">
+                          <a:rPr lang="en-US" sz="4000" b="0" i="1" smtClean="0">
                             <a:latin typeface="Cambria Math" panose="02040503050406030204" pitchFamily="18" charset="0"/>
                           </a:rPr>
-                          <m:t>частота</m:t>
+                          <m:t>𝑑𝑒𝑔𝑟𝑒𝑒</m:t>
+                        </m:r>
+                        <m:r>
+                          <a:rPr lang="en-US" sz="4000" b="0" i="1" smtClean="0">
+                            <a:latin typeface="Cambria Math" panose="02040503050406030204" pitchFamily="18" charset="0"/>
+                          </a:rPr>
+                          <m:t>(</m:t>
+                        </m:r>
+                        <m:r>
+                          <a:rPr lang="en-US" sz="4000" b="0" i="1" smtClean="0">
+                            <a:latin typeface="Cambria Math" panose="02040503050406030204" pitchFamily="18" charset="0"/>
+                          </a:rPr>
+                          <m:t>𝑃</m:t>
+                        </m:r>
+                        <m:r>
+                          <a:rPr lang="en-US" sz="4000" b="0" i="1" smtClean="0">
+                            <a:latin typeface="Cambria Math" panose="02040503050406030204" pitchFamily="18" charset="0"/>
+                          </a:rPr>
+                          <m:t>)</m:t>
                         </m:r>
                       </m:den>
                     </m:f>
@@ -4952,7 +5391,7 @@
             </p:txBody>
           </p:sp>
         </mc:Choice>
-        <mc:Fallback xmlns="">
+        <mc:Fallback>
           <p:sp>
             <p:nvSpPr>
               <p:cNvPr id="3" name="Объект 2"/>
@@ -5002,10 +5441,10 @@
           <a:lstStyle/>
           <a:p>
             <a:fld id="{54312719-E188-4125-8FBE-1E251BCF9D85}" type="slidenum">
-              <a:rPr lang="ru-RU" smtClean="0"/>
+              <a:rPr lang="ru-RU" sz="2400" smtClean="0"/>
               <a:t>12</a:t>
             </a:fld>
-            <a:endParaRPr lang="ru-RU"/>
+            <a:endParaRPr lang="ru-RU" sz="2400" dirty="0"/>
           </a:p>
         </p:txBody>
       </p:sp>
@@ -5079,7 +5518,7 @@
             <p:ph idx="1"/>
             <p:extLst>
               <p:ext uri="{D42A27DB-BD31-4B8C-83A1-F6EECF244321}">
-                <p14:modId xmlns:p14="http://schemas.microsoft.com/office/powerpoint/2010/main" val="2997004782"/>
+                <p14:modId xmlns:p14="http://schemas.microsoft.com/office/powerpoint/2010/main" val="2102688752"/>
               </p:ext>
             </p:extLst>
           </p:nvPr>
@@ -5160,10 +5599,10 @@
                     <a:lstStyle/>
                     <a:p>
                       <a:r>
-                        <a:rPr lang="en-US" smtClean="0"/>
-                        <a:t>Batman</a:t>
-                      </a:r>
-                      <a:endParaRPr lang="en-US" dirty="0" smtClean="0"/>
+                        <a:rPr lang="en-US" dirty="0" smtClean="0"/>
+                        <a:t>Pacific Ocean</a:t>
+                      </a:r>
+                      <a:endParaRPr lang="ru-RU" dirty="0"/>
                     </a:p>
                   </a:txBody>
                   <a:tcPr/>
@@ -5175,7 +5614,7 @@
                     <a:p>
                       <a:r>
                         <a:rPr lang="en-US" dirty="0" smtClean="0"/>
-                        <a:t>Batman</a:t>
+                        <a:t>Pacific Ocean</a:t>
                       </a:r>
                       <a:endParaRPr lang="ru-RU" dirty="0"/>
                     </a:p>
@@ -5191,8 +5630,9 @@
                     <a:p>
                       <a:r>
                         <a:rPr lang="en-US" dirty="0" smtClean="0"/>
-                        <a:t>criminals</a:t>
-                      </a:r>
+                        <a:t>East China Sea</a:t>
+                      </a:r>
+                      <a:endParaRPr lang="ru-RU" dirty="0"/>
                     </a:p>
                   </a:txBody>
                   <a:tcPr/>
@@ -5204,7 +5644,7 @@
                     <a:p>
                       <a:r>
                         <a:rPr lang="en-US" dirty="0" smtClean="0"/>
-                        <a:t>criminals</a:t>
+                        <a:t>East China Sea</a:t>
                       </a:r>
                       <a:endParaRPr lang="ru-RU" dirty="0"/>
                     </a:p>
@@ -5220,8 +5660,9 @@
                     <a:p>
                       <a:r>
                         <a:rPr lang="en-US" dirty="0" smtClean="0"/>
-                        <a:t>Gotham City</a:t>
-                      </a:r>
+                        <a:t>Sea of Japan</a:t>
+                      </a:r>
+                      <a:endParaRPr lang="ru-RU" dirty="0"/>
                     </a:p>
                   </a:txBody>
                   <a:tcPr/>
@@ -5233,7 +5674,7 @@
                     <a:p>
                       <a:r>
                         <a:rPr lang="en-US" dirty="0" smtClean="0"/>
-                        <a:t>plague Gotham City</a:t>
+                        <a:t>Sea of Japan</a:t>
                       </a:r>
                       <a:endParaRPr lang="ru-RU" dirty="0"/>
                     </a:p>
@@ -5249,8 +5690,9 @@
                     <a:p>
                       <a:r>
                         <a:rPr lang="en-US" dirty="0" smtClean="0"/>
-                        <a:t>Joker </a:t>
-                      </a:r>
+                        <a:t>PICES SCIENTIFIC REPORT </a:t>
+                      </a:r>
+                      <a:endParaRPr lang="en-US" dirty="0" smtClean="0"/>
                     </a:p>
                   </a:txBody>
                   <a:tcPr/>
@@ -5262,7 +5704,7 @@
                     <a:p>
                       <a:r>
                         <a:rPr lang="en-US" dirty="0" smtClean="0"/>
-                        <a:t>Joker appears</a:t>
+                        <a:t>PICES</a:t>
                       </a:r>
                       <a:endParaRPr lang="ru-RU" dirty="0"/>
                     </a:p>
@@ -5295,8 +5737,9 @@
                       </a:pPr>
                       <a:r>
                         <a:rPr lang="en-US" dirty="0" smtClean="0"/>
-                        <a:t>Bruce Wayne</a:t>
-                      </a:r>
+                        <a:t>Eastern Pacific</a:t>
+                      </a:r>
+                      <a:endParaRPr lang="en-US" dirty="0" smtClean="0"/>
                     </a:p>
                   </a:txBody>
                   <a:tcPr/>
@@ -5337,8 +5780,9 @@
                       </a:pPr>
                       <a:r>
                         <a:rPr lang="en-US" dirty="0" smtClean="0"/>
-                        <a:t>Dent </a:t>
-                      </a:r>
+                        <a:t>Western Pacific</a:t>
+                      </a:r>
+                      <a:endParaRPr lang="en-US" dirty="0" smtClean="0"/>
                     </a:p>
                   </a:txBody>
                   <a:tcPr/>
@@ -5372,7 +5816,7 @@
                     <a:p>
                       <a:r>
                         <a:rPr lang="en-US" dirty="0" smtClean="0"/>
-                        <a:t>Lieutenant James Gordon</a:t>
+                        <a:t>Canadian Shellfish Sanitation Program</a:t>
                       </a:r>
                       <a:endParaRPr lang="ru-RU" dirty="0"/>
                     </a:p>
@@ -5400,10 +5844,10 @@
           <a:lstStyle/>
           <a:p>
             <a:fld id="{54312719-E188-4125-8FBE-1E251BCF9D85}" type="slidenum">
-              <a:rPr lang="ru-RU" smtClean="0"/>
+              <a:rPr lang="ru-RU" sz="2400" smtClean="0"/>
               <a:t>13</a:t>
             </a:fld>
-            <a:endParaRPr lang="ru-RU"/>
+            <a:endParaRPr lang="ru-RU" sz="2400" dirty="0"/>
           </a:p>
         </p:txBody>
       </p:sp>
@@ -5659,7 +6103,7 @@
               <a:rPr lang="ru-RU" smtClean="0"/>
               <a:t>14</a:t>
             </a:fld>
-            <a:endParaRPr lang="ru-RU"/>
+            <a:endParaRPr lang="ru-RU" dirty="0"/>
           </a:p>
         </p:txBody>
       </p:sp>
@@ -5733,13 +6177,13 @@
             <p:ph idx="1"/>
             <p:extLst>
               <p:ext uri="{D42A27DB-BD31-4B8C-83A1-F6EECF244321}">
-                <p14:modId xmlns:p14="http://schemas.microsoft.com/office/powerpoint/2010/main" val="2304672950"/>
+                <p14:modId xmlns:p14="http://schemas.microsoft.com/office/powerpoint/2010/main" val="4150882332"/>
               </p:ext>
             </p:extLst>
           </p:nvPr>
         </p:nvGraphicFramePr>
         <p:xfrm>
-          <a:off x="3286591" y="3368842"/>
+          <a:off x="418130" y="3318738"/>
           <a:ext cx="5231768" cy="2857500"/>
         </p:xfrm>
         <a:graphic>
@@ -6061,10 +6505,13 @@
                         </a:spcAft>
                       </a:pPr>
                       <a:r>
-                        <a:rPr lang="en-US" sz="3200" dirty="0">
-                          <a:effectLst/>
-                        </a:rPr>
-                        <a:t>TP</a:t>
+                        <a:rPr lang="ru-RU" sz="3200" dirty="0" smtClean="0">
+                          <a:effectLst/>
+                          <a:latin typeface="+mn-lt"/>
+                          <a:ea typeface="+mn-ea"/>
+                          <a:cs typeface="+mn-cs"/>
+                        </a:rPr>
+                        <a:t>ИП</a:t>
                       </a:r>
                       <a:endParaRPr lang="ru-RU" sz="3200" dirty="0">
                         <a:effectLst/>
@@ -6090,10 +6537,13 @@
                         </a:spcAft>
                       </a:pPr>
                       <a:r>
-                        <a:rPr lang="en-US" sz="3200" dirty="0">
-                          <a:effectLst/>
-                        </a:rPr>
-                        <a:t>FP</a:t>
+                        <a:rPr lang="ru-RU" sz="3200" dirty="0" smtClean="0">
+                          <a:effectLst/>
+                          <a:latin typeface="+mn-lt"/>
+                          <a:ea typeface="+mn-ea"/>
+                          <a:cs typeface="+mn-cs"/>
+                        </a:rPr>
+                        <a:t>ЛП</a:t>
                       </a:r>
                       <a:endParaRPr lang="ru-RU" sz="3200" dirty="0">
                         <a:effectLst/>
@@ -6176,10 +6626,13 @@
                         </a:spcAft>
                       </a:pPr>
                       <a:r>
-                        <a:rPr lang="en-US" sz="3200" dirty="0">
-                          <a:effectLst/>
-                        </a:rPr>
-                        <a:t>FN</a:t>
+                        <a:rPr lang="ru-RU" sz="3200" dirty="0" smtClean="0">
+                          <a:effectLst/>
+                          <a:latin typeface="+mn-lt"/>
+                          <a:ea typeface="+mn-ea"/>
+                          <a:cs typeface="+mn-cs"/>
+                        </a:rPr>
+                        <a:t>ЛН</a:t>
                       </a:r>
                       <a:endParaRPr lang="ru-RU" sz="3200" dirty="0">
                         <a:effectLst/>
@@ -6205,10 +6658,13 @@
                         </a:spcAft>
                       </a:pPr>
                       <a:r>
-                        <a:rPr lang="en-US" sz="3200" dirty="0">
-                          <a:effectLst/>
-                        </a:rPr>
-                        <a:t>TN</a:t>
+                        <a:rPr lang="ru-RU" sz="3200" dirty="0" smtClean="0">
+                          <a:effectLst/>
+                          <a:latin typeface="+mn-lt"/>
+                          <a:ea typeface="+mn-ea"/>
+                          <a:cs typeface="+mn-cs"/>
+                        </a:rPr>
+                        <a:t>ИН</a:t>
                       </a:r>
                       <a:endParaRPr lang="ru-RU" sz="3200" dirty="0">
                         <a:effectLst/>
@@ -6241,15 +6697,15 @@
           <a:lstStyle/>
           <a:p>
             <a:fld id="{54312719-E188-4125-8FBE-1E251BCF9D85}" type="slidenum">
-              <a:rPr lang="ru-RU" smtClean="0"/>
+              <a:rPr lang="ru-RU" sz="2400" smtClean="0"/>
               <a:t>15</a:t>
             </a:fld>
-            <a:endParaRPr lang="ru-RU"/>
+            <a:endParaRPr lang="ru-RU" sz="2400" dirty="0"/>
           </a:p>
         </p:txBody>
       </p:sp>
-      <mc:AlternateContent xmlns:mc="http://schemas.openxmlformats.org/markup-compatibility/2006" xmlns:a14="http://schemas.microsoft.com/office/drawing/2010/main">
-        <mc:Choice Requires="a14">
+      <mc:AlternateContent xmlns:mc="http://schemas.openxmlformats.org/markup-compatibility/2006">
+        <mc:Choice xmlns:a14="http://schemas.microsoft.com/office/drawing/2010/main" Requires="a14">
           <p:sp>
             <p:nvSpPr>
               <p:cNvPr id="6" name="Прямоугольник 5"/>
@@ -6259,7 +6715,7 @@
             <p:spPr>
               <a:xfrm>
                 <a:off x="0" y="1902055"/>
-                <a:ext cx="3099951" cy="789960"/>
+                <a:ext cx="3168303" cy="789960"/>
               </a:xfrm>
               <a:prstGeom prst="rect">
                 <a:avLst/>
@@ -6279,7 +6735,7 @@
                     </m:oMathParaPr>
                     <m:oMath xmlns:m="http://schemas.openxmlformats.org/officeDocument/2006/math">
                       <m:r>
-                        <a:rPr lang="ru-RU" sz="2400" i="1">
+                        <a:rPr lang="ru-RU" sz="2400" i="1" smtClean="0">
                           <a:latin typeface="Cambria Math" panose="02040503050406030204" pitchFamily="18" charset="0"/>
                         </a:rPr>
                         <m:t>𝑃𝑟𝑒𝑐𝑖𝑠𝑖𝑜𝑛</m:t>
@@ -6300,18 +6756,18 @@
                         </m:fPr>
                         <m:num>
                           <m:r>
-                            <a:rPr lang="ru-RU" sz="2400" i="1">
+                            <a:rPr lang="ru-RU" sz="2400" b="0" i="1" smtClean="0">
                               <a:latin typeface="Cambria Math" panose="02040503050406030204" pitchFamily="18" charset="0"/>
                             </a:rPr>
-                            <m:t>𝑇𝑃</m:t>
+                            <m:t>ИП</m:t>
                           </m:r>
                         </m:num>
                         <m:den>
                           <m:r>
-                            <a:rPr lang="ru-RU" sz="2400" i="1">
+                            <a:rPr lang="ru-RU" sz="2400" b="0" i="0" smtClean="0">
                               <a:latin typeface="Cambria Math" panose="02040503050406030204" pitchFamily="18" charset="0"/>
                             </a:rPr>
-                            <m:t>𝑇𝑃</m:t>
+                            <m:t>ИП</m:t>
                           </m:r>
                           <m:r>
                             <a:rPr lang="ru-RU" sz="2400" i="0">
@@ -6320,10 +6776,10 @@
                             <m:t>+</m:t>
                           </m:r>
                           <m:r>
-                            <a:rPr lang="ru-RU" sz="2400" i="1">
+                            <a:rPr lang="ru-RU" sz="2400" b="0" i="1" smtClean="0">
                               <a:latin typeface="Cambria Math" panose="02040503050406030204" pitchFamily="18" charset="0"/>
                             </a:rPr>
-                            <m:t>𝐹𝑃</m:t>
+                            <m:t>ЛП</m:t>
                           </m:r>
                         </m:den>
                       </m:f>
@@ -6335,7 +6791,7 @@
             </p:txBody>
           </p:sp>
         </mc:Choice>
-        <mc:Fallback xmlns="">
+        <mc:Fallback>
           <p:sp>
             <p:nvSpPr>
               <p:cNvPr id="6" name="Прямоугольник 5"/>
@@ -6347,7 +6803,7 @@
             <p:spPr>
               <a:xfrm>
                 <a:off x="0" y="1902055"/>
-                <a:ext cx="3099951" cy="789960"/>
+                <a:ext cx="3168303" cy="789960"/>
               </a:xfrm>
               <a:prstGeom prst="rect">
                 <a:avLst/>
@@ -6374,8 +6830,8 @@
           </p:sp>
         </mc:Fallback>
       </mc:AlternateContent>
-      <mc:AlternateContent xmlns:mc="http://schemas.openxmlformats.org/markup-compatibility/2006" xmlns:a14="http://schemas.microsoft.com/office/drawing/2010/main">
-        <mc:Choice Requires="a14">
+      <mc:AlternateContent xmlns:mc="http://schemas.openxmlformats.org/markup-compatibility/2006">
+        <mc:Choice xmlns:a14="http://schemas.microsoft.com/office/drawing/2010/main" Requires="a14">
           <p:sp>
             <p:nvSpPr>
               <p:cNvPr id="7" name="Прямоугольник 6"/>
@@ -6385,7 +6841,7 @@
             <p:spPr>
               <a:xfrm>
                 <a:off x="3355950" y="1902055"/>
-                <a:ext cx="2687659" cy="789960"/>
+                <a:ext cx="2725554" cy="789960"/>
               </a:xfrm>
               <a:prstGeom prst="rect">
                 <a:avLst/>
@@ -6405,7 +6861,7 @@
                     </m:oMathParaPr>
                     <m:oMath xmlns:m="http://schemas.openxmlformats.org/officeDocument/2006/math">
                       <m:r>
-                        <a:rPr lang="ru-RU" sz="2400" i="1">
+                        <a:rPr lang="ru-RU" sz="2400" i="1" smtClean="0">
                           <a:latin typeface="Cambria Math" panose="02040503050406030204" pitchFamily="18" charset="0"/>
                         </a:rPr>
                         <m:t>𝑅𝑒𝑐𝑎𝑙𝑙</m:t>
@@ -6426,18 +6882,18 @@
                         </m:fPr>
                         <m:num>
                           <m:r>
-                            <a:rPr lang="ru-RU" sz="2400" i="1">
+                            <a:rPr lang="ru-RU" sz="2400" b="0" i="1" smtClean="0">
                               <a:latin typeface="Cambria Math" panose="02040503050406030204" pitchFamily="18" charset="0"/>
                             </a:rPr>
-                            <m:t>𝑇𝑃</m:t>
+                            <m:t>ИП</m:t>
                           </m:r>
                         </m:num>
                         <m:den>
                           <m:r>
-                            <a:rPr lang="ru-RU" sz="2400" i="1">
+                            <a:rPr lang="ru-RU" sz="2400" b="0" i="0" smtClean="0">
                               <a:latin typeface="Cambria Math" panose="02040503050406030204" pitchFamily="18" charset="0"/>
                             </a:rPr>
-                            <m:t>𝑇𝑃</m:t>
+                            <m:t>ИП</m:t>
                           </m:r>
                           <m:r>
                             <a:rPr lang="ru-RU" sz="2400" i="0">
@@ -6446,10 +6902,10 @@
                             <m:t>+</m:t>
                           </m:r>
                           <m:r>
-                            <a:rPr lang="ru-RU" sz="2400" i="1">
+                            <a:rPr lang="ru-RU" sz="2400" b="0" i="1" smtClean="0">
                               <a:latin typeface="Cambria Math" panose="02040503050406030204" pitchFamily="18" charset="0"/>
                             </a:rPr>
-                            <m:t>𝐹𝑁</m:t>
+                            <m:t>ЛН</m:t>
                           </m:r>
                         </m:den>
                       </m:f>
@@ -6461,7 +6917,7 @@
             </p:txBody>
           </p:sp>
         </mc:Choice>
-        <mc:Fallback xmlns="">
+        <mc:Fallback>
           <p:sp>
             <p:nvSpPr>
               <p:cNvPr id="7" name="Прямоугольник 6"/>
@@ -6473,7 +6929,7 @@
             <p:spPr>
               <a:xfrm>
                 <a:off x="3355950" y="1902055"/>
-                <a:ext cx="2687659" cy="789960"/>
+                <a:ext cx="2725554" cy="789960"/>
               </a:xfrm>
               <a:prstGeom prst="rect">
                 <a:avLst/>
@@ -6638,8 +7094,8 @@
           </p:sp>
         </mc:Fallback>
       </mc:AlternateContent>
-      <mc:AlternateContent xmlns:mc="http://schemas.openxmlformats.org/markup-compatibility/2006" xmlns:a14="http://schemas.microsoft.com/office/drawing/2010/main">
-        <mc:Choice Requires="a14">
+      <mc:AlternateContent xmlns:mc="http://schemas.openxmlformats.org/markup-compatibility/2006">
+        <mc:Choice xmlns:a14="http://schemas.microsoft.com/office/drawing/2010/main" Requires="a14">
           <p:sp>
             <p:nvSpPr>
               <p:cNvPr id="9" name="Прямоугольник 8"/>
@@ -6648,8 +7104,8 @@
             </p:nvSpPr>
             <p:spPr>
               <a:xfrm>
-                <a:off x="9802183" y="1940970"/>
-                <a:ext cx="2324033" cy="781368"/>
+                <a:off x="6126480" y="2956313"/>
+                <a:ext cx="4685898" cy="789960"/>
               </a:xfrm>
               <a:prstGeom prst="rect">
                 <a:avLst/>
@@ -6690,18 +7146,18 @@
                         </m:fPr>
                         <m:num>
                           <m:r>
-                            <a:rPr lang="en-US" sz="2400" b="0" i="1" smtClean="0">
+                            <a:rPr lang="ru-RU" sz="2400" b="0" i="1" smtClean="0">
                               <a:latin typeface="Cambria Math" panose="02040503050406030204" pitchFamily="18" charset="0"/>
                             </a:rPr>
-                            <m:t>𝑇𝑃</m:t>
+                            <m:t>ИП+ЛП</m:t>
                           </m:r>
                         </m:num>
                         <m:den>
                           <m:r>
-                            <a:rPr lang="en-US" sz="2400" b="0" i="1" smtClean="0">
+                            <a:rPr lang="ru-RU" sz="2400" b="0" i="1" smtClean="0">
                               <a:latin typeface="Cambria Math" panose="02040503050406030204" pitchFamily="18" charset="0"/>
                             </a:rPr>
-                            <m:t>𝑁</m:t>
+                            <m:t>ИП+ЛП+ИН+ЛН</m:t>
                           </m:r>
                         </m:den>
                       </m:f>
@@ -6713,7 +7169,7 @@
             </p:txBody>
           </p:sp>
         </mc:Choice>
-        <mc:Fallback xmlns="">
+        <mc:Fallback>
           <p:sp>
             <p:nvSpPr>
               <p:cNvPr id="9" name="Прямоугольник 8"/>
@@ -6724,8 +7180,8 @@
             </p:nvSpPr>
             <p:spPr>
               <a:xfrm>
-                <a:off x="9802183" y="1940970"/>
-                <a:ext cx="2324033" cy="781368"/>
+                <a:off x="6126480" y="2956313"/>
+                <a:ext cx="4685898" cy="789960"/>
               </a:xfrm>
               <a:prstGeom prst="rect">
                 <a:avLst/>
@@ -6833,10 +7289,10 @@
           <a:lstStyle/>
           <a:p>
             <a:fld id="{54312719-E188-4125-8FBE-1E251BCF9D85}" type="slidenum">
-              <a:rPr lang="ru-RU" smtClean="0"/>
+              <a:rPr lang="ru-RU" sz="2400" smtClean="0"/>
               <a:t>16</a:t>
             </a:fld>
-            <a:endParaRPr lang="ru-RU"/>
+            <a:endParaRPr lang="ru-RU" sz="2400" dirty="0"/>
           </a:p>
         </p:txBody>
       </p:sp>
@@ -6850,7 +7306,7 @@
             <p:ph idx="1"/>
             <p:extLst>
               <p:ext uri="{D42A27DB-BD31-4B8C-83A1-F6EECF244321}">
-                <p14:modId xmlns:p14="http://schemas.microsoft.com/office/powerpoint/2010/main" val="736317915"/>
+                <p14:modId xmlns:p14="http://schemas.microsoft.com/office/powerpoint/2010/main" val="1894180721"/>
               </p:ext>
             </p:extLst>
           </p:nvPr>
@@ -7052,22 +7508,22 @@
                         </a:spcAft>
                       </a:pPr>
                       <a:r>
-                        <a:rPr lang="en-US" sz="2400" smtClean="0">
+                        <a:rPr lang="ru-RU" sz="2400" dirty="0" smtClean="0">
                           <a:effectLst/>
                           <a:latin typeface="+mn-lt"/>
                           <a:ea typeface="+mn-ea"/>
                           <a:cs typeface="+mn-cs"/>
                         </a:rPr>
-                        <a:t>My</a:t>
-                      </a:r>
-                      <a:r>
-                        <a:rPr lang="en-US" sz="2400" baseline="0" smtClean="0">
+                        <a:t>Моя</a:t>
+                      </a:r>
+                      <a:r>
+                        <a:rPr lang="ru-RU" sz="2400" baseline="0" dirty="0" smtClean="0">
                           <a:effectLst/>
                           <a:latin typeface="+mn-lt"/>
                           <a:ea typeface="+mn-ea"/>
                           <a:cs typeface="+mn-cs"/>
                         </a:rPr>
-                        <a:t> model</a:t>
+                        <a:t> модель</a:t>
                       </a:r>
                       <a:endParaRPr lang="ru-RU" sz="2400" dirty="0">
                         <a:effectLst/>
@@ -7641,18 +8097,79 @@
           </a:graphicData>
         </a:graphic>
       </p:graphicFrame>
-      <mc:AlternateContent xmlns:mc="http://schemas.openxmlformats.org/markup-compatibility/2006" xmlns:a14="http://schemas.microsoft.com/office/drawing/2010/main">
-        <mc:Choice Requires="a14">
+      <p:sp>
+        <p:nvSpPr>
+          <p:cNvPr id="3" name="TextBox 2"/>
+          <p:cNvSpPr txBox="1"/>
+          <p:nvPr/>
+        </p:nvSpPr>
+        <p:spPr>
+          <a:xfrm>
+            <a:off x="1095511" y="4617883"/>
+            <a:ext cx="10172007" cy="707886"/>
+          </a:xfrm>
+          <a:prstGeom prst="rect">
+            <a:avLst/>
+          </a:prstGeom>
+          <a:noFill/>
+        </p:spPr>
+        <p:txBody>
+          <a:bodyPr wrap="square" rtlCol="0">
+            <a:spAutoFit/>
+          </a:bodyPr>
+          <a:lstStyle/>
+          <a:p>
+            <a:r>
+              <a:rPr lang="ru-RU" sz="2000" dirty="0" smtClean="0"/>
+              <a:t>Тестирование</a:t>
+            </a:r>
+            <a:r>
+              <a:rPr lang="en-US" sz="2000" dirty="0" smtClean="0"/>
+              <a:t> </a:t>
+            </a:r>
+            <a:r>
+              <a:rPr lang="ru-RU" sz="2000" dirty="0" smtClean="0"/>
+              <a:t>осуществлялось на тестовой выборке </a:t>
+            </a:r>
+            <a:r>
+              <a:rPr lang="ru-RU" sz="2000" dirty="0" err="1" smtClean="0"/>
+              <a:t>датасета</a:t>
+            </a:r>
+            <a:r>
+              <a:rPr lang="ru-RU" sz="2000" dirty="0" smtClean="0"/>
+              <a:t> </a:t>
+            </a:r>
+            <a:r>
+              <a:rPr lang="en-US" sz="2000" dirty="0" err="1" smtClean="0"/>
+              <a:t>CoNNL</a:t>
+            </a:r>
+            <a:r>
+              <a:rPr lang="ru-RU" sz="2000" dirty="0"/>
+              <a:t> и отчётах прошлых лет</a:t>
+            </a:r>
+            <a:endParaRPr lang="en-US" sz="2000" dirty="0" smtClean="0"/>
+          </a:p>
+          <a:p>
+            <a:r>
+              <a:rPr lang="ru-RU" sz="2000" dirty="0" smtClean="0"/>
+              <a:t>Данные существующих решений взяты из отчетов разработчиков</a:t>
+            </a:r>
+            <a:endParaRPr lang="ru-RU" sz="2000" dirty="0"/>
+          </a:p>
+        </p:txBody>
+      </p:sp>
+      <mc:AlternateContent xmlns:mc="http://schemas.openxmlformats.org/markup-compatibility/2006">
+        <mc:Choice xmlns:a14="http://schemas.microsoft.com/office/drawing/2010/main" Requires="a14">
           <p:sp>
             <p:nvSpPr>
-              <p:cNvPr id="6" name="Прямоугольник 5"/>
+              <p:cNvPr id="11" name="Прямоугольник 10"/>
               <p:cNvSpPr/>
               <p:nvPr/>
             </p:nvSpPr>
             <p:spPr>
               <a:xfrm>
-                <a:off x="2389817" y="5457184"/>
-                <a:ext cx="3099951" cy="789960"/>
+                <a:off x="3975704" y="5430417"/>
+                <a:ext cx="2676887" cy="673711"/>
               </a:xfrm>
               <a:prstGeom prst="rect">
                 <a:avLst/>
@@ -7672,13 +8189,13 @@
                     </m:oMathParaPr>
                     <m:oMath xmlns:m="http://schemas.openxmlformats.org/officeDocument/2006/math">
                       <m:r>
-                        <a:rPr lang="ru-RU" sz="2400" i="1">
+                        <a:rPr lang="ru-RU" sz="2000" i="1" smtClean="0">
                           <a:latin typeface="Cambria Math" panose="02040503050406030204" pitchFamily="18" charset="0"/>
                         </a:rPr>
                         <m:t>𝑃𝑟𝑒𝑐𝑖𝑠𝑖𝑜𝑛</m:t>
                       </m:r>
                       <m:r>
-                        <a:rPr lang="ru-RU" sz="2400" i="0">
+                        <a:rPr lang="ru-RU" sz="2000" i="0">
                           <a:latin typeface="Cambria Math" panose="02040503050406030204" pitchFamily="18" charset="0"/>
                         </a:rPr>
                         <m:t>=</m:t>
@@ -7686,52 +8203,52 @@
                       <m:f>
                         <m:fPr>
                           <m:ctrlPr>
-                            <a:rPr lang="ru-RU" sz="2400" i="1">
+                            <a:rPr lang="ru-RU" sz="2000" i="1">
                               <a:latin typeface="Cambria Math" panose="02040503050406030204" pitchFamily="18" charset="0"/>
                             </a:rPr>
                           </m:ctrlPr>
                         </m:fPr>
                         <m:num>
                           <m:r>
-                            <a:rPr lang="ru-RU" sz="2400" i="1">
+                            <a:rPr lang="ru-RU" sz="2000" b="0" i="1" smtClean="0">
                               <a:latin typeface="Cambria Math" panose="02040503050406030204" pitchFamily="18" charset="0"/>
                             </a:rPr>
-                            <m:t>𝑇𝑃</m:t>
+                            <m:t>ИП</m:t>
                           </m:r>
                         </m:num>
                         <m:den>
                           <m:r>
-                            <a:rPr lang="ru-RU" sz="2400" i="1">
+                            <a:rPr lang="ru-RU" sz="2000" b="0" i="0" smtClean="0">
                               <a:latin typeface="Cambria Math" panose="02040503050406030204" pitchFamily="18" charset="0"/>
                             </a:rPr>
-                            <m:t>𝑇𝑃</m:t>
+                            <m:t>ИП</m:t>
                           </m:r>
                           <m:r>
-                            <a:rPr lang="ru-RU" sz="2400" i="0">
+                            <a:rPr lang="ru-RU" sz="2000" i="0">
                               <a:latin typeface="Cambria Math" panose="02040503050406030204" pitchFamily="18" charset="0"/>
                             </a:rPr>
                             <m:t>+</m:t>
                           </m:r>
                           <m:r>
-                            <a:rPr lang="ru-RU" sz="2400" i="1">
+                            <a:rPr lang="ru-RU" sz="2000" b="0" i="1" smtClean="0">
                               <a:latin typeface="Cambria Math" panose="02040503050406030204" pitchFamily="18" charset="0"/>
                             </a:rPr>
-                            <m:t>𝐹𝑃</m:t>
+                            <m:t>ЛП</m:t>
                           </m:r>
                         </m:den>
                       </m:f>
                     </m:oMath>
                   </m:oMathPara>
                 </a14:m>
-                <a:endParaRPr lang="ru-RU" sz="2400" dirty="0"/>
+                <a:endParaRPr lang="ru-RU" sz="2000" dirty="0"/>
               </a:p>
             </p:txBody>
           </p:sp>
         </mc:Choice>
-        <mc:Fallback xmlns="">
+        <mc:Fallback>
           <p:sp>
             <p:nvSpPr>
-              <p:cNvPr id="6" name="Прямоугольник 5"/>
+              <p:cNvPr id="11" name="Прямоугольник 10"/>
               <p:cNvSpPr>
                 <a:spLocks noRot="1" noChangeAspect="1" noMove="1" noResize="1" noEditPoints="1" noAdjustHandles="1" noChangeArrowheads="1" noChangeShapeType="1" noTextEdit="1"/>
               </p:cNvSpPr>
@@ -7739,8 +8256,8 @@
             </p:nvSpPr>
             <p:spPr>
               <a:xfrm>
-                <a:off x="2389817" y="5457184"/>
-                <a:ext cx="3099951" cy="789960"/>
+                <a:off x="3975704" y="5430417"/>
+                <a:ext cx="2676887" cy="673711"/>
               </a:xfrm>
               <a:prstGeom prst="rect">
                 <a:avLst/>
@@ -7767,18 +8284,18 @@
           </p:sp>
         </mc:Fallback>
       </mc:AlternateContent>
-      <mc:AlternateContent xmlns:mc="http://schemas.openxmlformats.org/markup-compatibility/2006" xmlns:a14="http://schemas.microsoft.com/office/drawing/2010/main">
-        <mc:Choice Requires="a14">
+      <mc:AlternateContent xmlns:mc="http://schemas.openxmlformats.org/markup-compatibility/2006">
+        <mc:Choice xmlns:a14="http://schemas.microsoft.com/office/drawing/2010/main" Requires="a14">
           <p:sp>
             <p:nvSpPr>
-              <p:cNvPr id="8" name="Прямоугольник 7"/>
+              <p:cNvPr id="12" name="Прямоугольник 11"/>
               <p:cNvSpPr/>
               <p:nvPr/>
             </p:nvSpPr>
             <p:spPr>
               <a:xfrm>
-                <a:off x="5745767" y="5457184"/>
-                <a:ext cx="2687659" cy="789960"/>
+                <a:off x="6652591" y="5430416"/>
+                <a:ext cx="2307170" cy="673711"/>
               </a:xfrm>
               <a:prstGeom prst="rect">
                 <a:avLst/>
@@ -7798,13 +8315,13 @@
                     </m:oMathParaPr>
                     <m:oMath xmlns:m="http://schemas.openxmlformats.org/officeDocument/2006/math">
                       <m:r>
-                        <a:rPr lang="ru-RU" sz="2400" i="1">
+                        <a:rPr lang="ru-RU" sz="2000" i="1" smtClean="0">
                           <a:latin typeface="Cambria Math" panose="02040503050406030204" pitchFamily="18" charset="0"/>
                         </a:rPr>
                         <m:t>𝑅𝑒𝑐𝑎𝑙𝑙</m:t>
                       </m:r>
                       <m:r>
-                        <a:rPr lang="ru-RU" sz="2400" i="0">
+                        <a:rPr lang="ru-RU" sz="2000" i="0">
                           <a:latin typeface="Cambria Math" panose="02040503050406030204" pitchFamily="18" charset="0"/>
                         </a:rPr>
                         <m:t>=</m:t>
@@ -7812,52 +8329,52 @@
                       <m:f>
                         <m:fPr>
                           <m:ctrlPr>
-                            <a:rPr lang="ru-RU" sz="2400" i="1">
+                            <a:rPr lang="ru-RU" sz="2000" i="1">
                               <a:latin typeface="Cambria Math" panose="02040503050406030204" pitchFamily="18" charset="0"/>
                             </a:rPr>
                           </m:ctrlPr>
                         </m:fPr>
                         <m:num>
                           <m:r>
-                            <a:rPr lang="ru-RU" sz="2400" i="1">
+                            <a:rPr lang="ru-RU" sz="2000" b="0" i="1" smtClean="0">
                               <a:latin typeface="Cambria Math" panose="02040503050406030204" pitchFamily="18" charset="0"/>
                             </a:rPr>
-                            <m:t>𝑇𝑃</m:t>
+                            <m:t>ИП</m:t>
                           </m:r>
                         </m:num>
                         <m:den>
                           <m:r>
-                            <a:rPr lang="ru-RU" sz="2400" i="1">
+                            <a:rPr lang="ru-RU" sz="2000" b="0" i="0" smtClean="0">
                               <a:latin typeface="Cambria Math" panose="02040503050406030204" pitchFamily="18" charset="0"/>
                             </a:rPr>
-                            <m:t>𝑇𝑃</m:t>
+                            <m:t>ИП</m:t>
                           </m:r>
                           <m:r>
-                            <a:rPr lang="ru-RU" sz="2400" i="0">
+                            <a:rPr lang="ru-RU" sz="2000" i="0">
                               <a:latin typeface="Cambria Math" panose="02040503050406030204" pitchFamily="18" charset="0"/>
                             </a:rPr>
                             <m:t>+</m:t>
                           </m:r>
                           <m:r>
-                            <a:rPr lang="ru-RU" sz="2400" i="1">
+                            <a:rPr lang="ru-RU" sz="2000" b="0" i="1" smtClean="0">
                               <a:latin typeface="Cambria Math" panose="02040503050406030204" pitchFamily="18" charset="0"/>
                             </a:rPr>
-                            <m:t>𝐹𝑁</m:t>
+                            <m:t>ЛН</m:t>
                           </m:r>
                         </m:den>
                       </m:f>
                     </m:oMath>
                   </m:oMathPara>
                 </a14:m>
-                <a:endParaRPr lang="ru-RU" sz="2400" dirty="0"/>
+                <a:endParaRPr lang="ru-RU" sz="2000" dirty="0"/>
               </a:p>
             </p:txBody>
           </p:sp>
         </mc:Choice>
-        <mc:Fallback xmlns="">
+        <mc:Fallback>
           <p:sp>
             <p:nvSpPr>
-              <p:cNvPr id="8" name="Прямоугольник 7"/>
+              <p:cNvPr id="12" name="Прямоугольник 11"/>
               <p:cNvSpPr>
                 <a:spLocks noRot="1" noChangeAspect="1" noMove="1" noResize="1" noEditPoints="1" noAdjustHandles="1" noChangeArrowheads="1" noChangeShapeType="1" noTextEdit="1"/>
               </p:cNvSpPr>
@@ -7865,8 +8382,8 @@
             </p:nvSpPr>
             <p:spPr>
               <a:xfrm>
-                <a:off x="5745767" y="5457184"/>
-                <a:ext cx="2687659" cy="789960"/>
+                <a:off x="6652591" y="5430416"/>
+                <a:ext cx="2307170" cy="673711"/>
               </a:xfrm>
               <a:prstGeom prst="rect">
                 <a:avLst/>
@@ -7893,18 +8410,18 @@
           </p:sp>
         </mc:Fallback>
       </mc:AlternateContent>
-      <mc:AlternateContent xmlns:mc="http://schemas.openxmlformats.org/markup-compatibility/2006" xmlns:a14="http://schemas.microsoft.com/office/drawing/2010/main">
-        <mc:Choice Requires="a14">
+      <mc:AlternateContent xmlns:mc="http://schemas.openxmlformats.org/markup-compatibility/2006">
+        <mc:Choice xmlns:a14="http://schemas.microsoft.com/office/drawing/2010/main" Requires="a14">
           <p:sp>
             <p:nvSpPr>
-              <p:cNvPr id="9" name="Прямоугольник 8"/>
+              <p:cNvPr id="13" name="Прямоугольник 12"/>
               <p:cNvSpPr/>
               <p:nvPr/>
             </p:nvSpPr>
             <p:spPr>
               <a:xfrm>
-                <a:off x="8474316" y="5457184"/>
-                <a:ext cx="3717684" cy="799771"/>
+                <a:off x="8959761" y="5430415"/>
+                <a:ext cx="3157788" cy="681853"/>
               </a:xfrm>
               <a:prstGeom prst="rect">
                 <a:avLst/>
@@ -7924,13 +8441,13 @@
                     </m:oMathParaPr>
                     <m:oMath xmlns:m="http://schemas.openxmlformats.org/officeDocument/2006/math">
                       <m:r>
-                        <a:rPr lang="en-US" sz="2400" i="1">
+                        <a:rPr lang="en-US" sz="2000" i="1">
                           <a:latin typeface="Cambria Math" panose="02040503050406030204" pitchFamily="18" charset="0"/>
                         </a:rPr>
                         <m:t>𝐹</m:t>
                       </m:r>
                       <m:r>
-                        <a:rPr lang="en-US" sz="2400" i="1">
+                        <a:rPr lang="en-US" sz="2000" i="1">
                           <a:latin typeface="Cambria Math" panose="02040503050406030204" pitchFamily="18" charset="0"/>
                         </a:rPr>
                         <m:t>=2 </m:t>
@@ -7938,26 +8455,26 @@
                       <m:f>
                         <m:fPr>
                           <m:ctrlPr>
-                            <a:rPr lang="ru-RU" sz="2400" i="1">
+                            <a:rPr lang="ru-RU" sz="2000" i="1">
                               <a:latin typeface="Cambria Math" panose="02040503050406030204" pitchFamily="18" charset="0"/>
                             </a:rPr>
                           </m:ctrlPr>
                         </m:fPr>
                         <m:num>
                           <m:r>
-                            <a:rPr lang="en-US" sz="2400" i="1">
+                            <a:rPr lang="en-US" sz="2000" i="1">
                               <a:latin typeface="Cambria Math" panose="02040503050406030204" pitchFamily="18" charset="0"/>
                             </a:rPr>
                             <m:t>𝑃𝑟𝑒𝑐𝑖𝑠𝑖𝑜𝑛</m:t>
                           </m:r>
                           <m:r>
-                            <a:rPr lang="en-US" sz="2400" i="1">
+                            <a:rPr lang="en-US" sz="2000" i="1">
                               <a:latin typeface="Cambria Math" panose="02040503050406030204" pitchFamily="18" charset="0"/>
                             </a:rPr>
                             <m:t> ×</m:t>
                           </m:r>
                           <m:r>
-                            <a:rPr lang="en-US" sz="2400" i="1">
+                            <a:rPr lang="en-US" sz="2000" i="1">
                               <a:latin typeface="Cambria Math" panose="02040503050406030204" pitchFamily="18" charset="0"/>
                             </a:rPr>
                             <m:t>𝑅𝑒𝑐𝑎𝑙𝑙</m:t>
@@ -7965,19 +8482,19 @@
                         </m:num>
                         <m:den>
                           <m:r>
-                            <a:rPr lang="en-US" sz="2400" i="1">
+                            <a:rPr lang="en-US" sz="2000" i="1">
                               <a:latin typeface="Cambria Math" panose="02040503050406030204" pitchFamily="18" charset="0"/>
                             </a:rPr>
                             <m:t>𝑃𝑟𝑒𝑐𝑖𝑠𝑖𝑜𝑛</m:t>
                           </m:r>
                           <m:r>
-                            <a:rPr lang="en-US" sz="2400" i="1">
+                            <a:rPr lang="en-US" sz="2000" i="1">
                               <a:latin typeface="Cambria Math" panose="02040503050406030204" pitchFamily="18" charset="0"/>
                             </a:rPr>
                             <m:t>+</m:t>
                           </m:r>
                           <m:r>
-                            <a:rPr lang="en-US" sz="2400" i="1">
+                            <a:rPr lang="en-US" sz="2000" i="1">
                               <a:latin typeface="Cambria Math" panose="02040503050406030204" pitchFamily="18" charset="0"/>
                             </a:rPr>
                             <m:t>𝑅𝑒𝑐𝑎𝑙𝑙</m:t>
@@ -7987,15 +8504,15 @@
                     </m:oMath>
                   </m:oMathPara>
                 </a14:m>
-                <a:endParaRPr lang="ru-RU" sz="2400" dirty="0"/>
+                <a:endParaRPr lang="ru-RU" sz="2000" dirty="0"/>
               </a:p>
             </p:txBody>
           </p:sp>
         </mc:Choice>
-        <mc:Fallback xmlns="">
+        <mc:Fallback>
           <p:sp>
             <p:nvSpPr>
-              <p:cNvPr id="9" name="Прямоугольник 8"/>
+              <p:cNvPr id="13" name="Прямоугольник 12"/>
               <p:cNvSpPr>
                 <a:spLocks noRot="1" noChangeAspect="1" noMove="1" noResize="1" noEditPoints="1" noAdjustHandles="1" noChangeArrowheads="1" noChangeShapeType="1" noTextEdit="1"/>
               </p:cNvSpPr>
@@ -8003,8 +8520,8 @@
             </p:nvSpPr>
             <p:spPr>
               <a:xfrm>
-                <a:off x="8474316" y="5457184"/>
-                <a:ext cx="3717684" cy="799771"/>
+                <a:off x="8959761" y="5430415"/>
+                <a:ext cx="3157788" cy="681853"/>
               </a:xfrm>
               <a:prstGeom prst="rect">
                 <a:avLst/>
@@ -8031,18 +8548,18 @@
           </p:sp>
         </mc:Fallback>
       </mc:AlternateContent>
-      <mc:AlternateContent xmlns:mc="http://schemas.openxmlformats.org/markup-compatibility/2006" xmlns:a14="http://schemas.microsoft.com/office/drawing/2010/main">
-        <mc:Choice Requires="a14">
+      <mc:AlternateContent xmlns:mc="http://schemas.openxmlformats.org/markup-compatibility/2006">
+        <mc:Choice xmlns:a14="http://schemas.microsoft.com/office/drawing/2010/main" Requires="a14">
           <p:sp>
             <p:nvSpPr>
-              <p:cNvPr id="10" name="Прямоугольник 9"/>
+              <p:cNvPr id="14" name="Прямоугольник 13"/>
               <p:cNvSpPr/>
               <p:nvPr/>
             </p:nvSpPr>
             <p:spPr>
               <a:xfrm>
-                <a:off x="65784" y="5457184"/>
-                <a:ext cx="2324033" cy="781368"/>
+                <a:off x="0" y="5430418"/>
+                <a:ext cx="3975704" cy="673711"/>
               </a:xfrm>
               <a:prstGeom prst="rect">
                 <a:avLst/>
@@ -8062,13 +8579,13 @@
                     </m:oMathParaPr>
                     <m:oMath xmlns:m="http://schemas.openxmlformats.org/officeDocument/2006/math">
                       <m:r>
-                        <a:rPr lang="ru-RU" sz="2400" i="1" smtClean="0">
+                        <a:rPr lang="ru-RU" sz="2000" i="1" smtClean="0">
                           <a:latin typeface="Cambria Math" panose="02040503050406030204" pitchFamily="18" charset="0"/>
                         </a:rPr>
                         <m:t>𝐴𝑐𝑐𝑢𝑟𝑎𝑐𝑦</m:t>
                       </m:r>
                       <m:r>
-                        <a:rPr lang="ru-RU" sz="2400" i="0">
+                        <a:rPr lang="ru-RU" sz="2000" i="0">
                           <a:latin typeface="Cambria Math" panose="02040503050406030204" pitchFamily="18" charset="0"/>
                         </a:rPr>
                         <m:t>=</m:t>
@@ -8076,40 +8593,40 @@
                       <m:f>
                         <m:fPr>
                           <m:ctrlPr>
-                            <a:rPr lang="ru-RU" sz="2400" i="1">
+                            <a:rPr lang="ru-RU" sz="2000" i="1">
                               <a:latin typeface="Cambria Math" panose="02040503050406030204" pitchFamily="18" charset="0"/>
                             </a:rPr>
                           </m:ctrlPr>
                         </m:fPr>
                         <m:num>
                           <m:r>
-                            <a:rPr lang="en-US" sz="2400" b="0" i="1" smtClean="0">
+                            <a:rPr lang="ru-RU" sz="2000" b="0" i="1" smtClean="0">
                               <a:latin typeface="Cambria Math" panose="02040503050406030204" pitchFamily="18" charset="0"/>
                             </a:rPr>
-                            <m:t>𝑇𝑃</m:t>
+                            <m:t>ИП+ЛП</m:t>
                           </m:r>
                         </m:num>
                         <m:den>
                           <m:r>
-                            <a:rPr lang="en-US" sz="2400" b="0" i="1" smtClean="0">
+                            <a:rPr lang="ru-RU" sz="2000" b="0" i="1" smtClean="0">
                               <a:latin typeface="Cambria Math" panose="02040503050406030204" pitchFamily="18" charset="0"/>
                             </a:rPr>
-                            <m:t>𝑁</m:t>
+                            <m:t>ИП+ЛП+ИН+ЛН</m:t>
                           </m:r>
                         </m:den>
                       </m:f>
                     </m:oMath>
                   </m:oMathPara>
                 </a14:m>
-                <a:endParaRPr lang="ru-RU" sz="2400" dirty="0"/>
+                <a:endParaRPr lang="ru-RU" sz="2000" dirty="0"/>
               </a:p>
             </p:txBody>
           </p:sp>
         </mc:Choice>
-        <mc:Fallback xmlns="">
+        <mc:Fallback>
           <p:sp>
             <p:nvSpPr>
-              <p:cNvPr id="10" name="Прямоугольник 9"/>
+              <p:cNvPr id="14" name="Прямоугольник 13"/>
               <p:cNvSpPr>
                 <a:spLocks noRot="1" noChangeAspect="1" noMove="1" noResize="1" noEditPoints="1" noAdjustHandles="1" noChangeArrowheads="1" noChangeShapeType="1" noTextEdit="1"/>
               </p:cNvSpPr>
@@ -8117,8 +8634,8 @@
             </p:nvSpPr>
             <p:spPr>
               <a:xfrm>
-                <a:off x="65784" y="5457184"/>
-                <a:ext cx="2324033" cy="781368"/>
+                <a:off x="0" y="5430418"/>
+                <a:ext cx="3975704" cy="673711"/>
               </a:xfrm>
               <a:prstGeom prst="rect">
                 <a:avLst/>
@@ -8145,63 +8662,6 @@
           </p:sp>
         </mc:Fallback>
       </mc:AlternateContent>
-      <p:sp>
-        <p:nvSpPr>
-          <p:cNvPr id="3" name="TextBox 2"/>
-          <p:cNvSpPr txBox="1"/>
-          <p:nvPr/>
-        </p:nvSpPr>
-        <p:spPr>
-          <a:xfrm>
-            <a:off x="1040476" y="4404800"/>
-            <a:ext cx="10172007" cy="707886"/>
-          </a:xfrm>
-          <a:prstGeom prst="rect">
-            <a:avLst/>
-          </a:prstGeom>
-          <a:noFill/>
-        </p:spPr>
-        <p:txBody>
-          <a:bodyPr wrap="square" rtlCol="0">
-            <a:spAutoFit/>
-          </a:bodyPr>
-          <a:lstStyle/>
-          <a:p>
-            <a:r>
-              <a:rPr lang="ru-RU" sz="2000" dirty="0" smtClean="0"/>
-              <a:t>Тестирование</a:t>
-            </a:r>
-            <a:r>
-              <a:rPr lang="en-US" sz="2000" dirty="0" smtClean="0"/>
-              <a:t> LSTM</a:t>
-            </a:r>
-            <a:r>
-              <a:rPr lang="ru-RU" sz="2000" dirty="0" smtClean="0"/>
-              <a:t> осуществлялось на тестовой выборке </a:t>
-            </a:r>
-            <a:r>
-              <a:rPr lang="ru-RU" sz="2000" dirty="0" err="1" smtClean="0"/>
-              <a:t>датасета</a:t>
-            </a:r>
-            <a:r>
-              <a:rPr lang="ru-RU" sz="2000" dirty="0" smtClean="0"/>
-              <a:t> </a:t>
-            </a:r>
-            <a:r>
-              <a:rPr lang="en-US" sz="2000" dirty="0" err="1" smtClean="0"/>
-              <a:t>CoNNL</a:t>
-            </a:r>
-            <a:endParaRPr lang="en-US" sz="2000" dirty="0" smtClean="0"/>
-          </a:p>
-          <a:p>
-            <a:r>
-              <a:rPr lang="ru-RU" sz="2000" dirty="0" smtClean="0"/>
-              <a:t>Данные существующих решений взяты из отчетов разработчиков</a:t>
-            </a:r>
-            <a:endParaRPr lang="ru-RU" sz="2000" dirty="0"/>
-          </a:p>
-        </p:txBody>
-      </p:sp>
     </p:spTree>
     <p:extLst>
       <p:ext uri="{BB962C8B-B14F-4D97-AF65-F5344CB8AC3E}">
@@ -8282,10 +8742,10 @@
           <a:lstStyle/>
           <a:p>
             <a:fld id="{54312719-E188-4125-8FBE-1E251BCF9D85}" type="slidenum">
-              <a:rPr lang="ru-RU" smtClean="0"/>
+              <a:rPr lang="ru-RU" sz="2400" smtClean="0"/>
               <a:t>17</a:t>
             </a:fld>
-            <a:endParaRPr lang="ru-RU"/>
+            <a:endParaRPr lang="ru-RU" sz="2400" dirty="0"/>
           </a:p>
         </p:txBody>
       </p:sp>
@@ -8298,7 +8758,7 @@
           <p:nvPr>
             <p:extLst>
               <p:ext uri="{D42A27DB-BD31-4B8C-83A1-F6EECF244321}">
-                <p14:modId xmlns:p14="http://schemas.microsoft.com/office/powerpoint/2010/main" val="656463900"/>
+                <p14:modId xmlns:p14="http://schemas.microsoft.com/office/powerpoint/2010/main" val="3968602303"/>
               </p:ext>
             </p:extLst>
           </p:nvPr>
@@ -8500,10 +8960,13 @@
                         </a:spcAft>
                       </a:pPr>
                       <a:r>
-                        <a:rPr lang="en-US" sz="2400" dirty="0">
-                          <a:effectLst/>
-                        </a:rPr>
-                        <a:t>PER</a:t>
+                        <a:rPr lang="ru-RU" sz="2400" dirty="0" smtClean="0">
+                          <a:effectLst/>
+                          <a:latin typeface="+mn-lt"/>
+                          <a:ea typeface="+mn-ea"/>
+                          <a:cs typeface="+mn-cs"/>
+                        </a:rPr>
+                        <a:t>Имена</a:t>
                       </a:r>
                       <a:endParaRPr lang="ru-RU" sz="2400" dirty="0">
                         <a:effectLst/>
@@ -8647,12 +9110,15 @@
                         </a:spcAft>
                       </a:pPr>
                       <a:r>
-                        <a:rPr lang="en-US" sz="2400">
-                          <a:effectLst/>
-                        </a:rPr>
-                        <a:t>LOC</a:t>
-                      </a:r>
-                      <a:endParaRPr lang="ru-RU" sz="2400">
+                        <a:rPr lang="ru-RU" sz="2400" dirty="0" smtClean="0">
+                          <a:effectLst/>
+                          <a:latin typeface="+mn-lt"/>
+                          <a:ea typeface="+mn-ea"/>
+                          <a:cs typeface="+mn-cs"/>
+                        </a:rPr>
+                        <a:t>Локации</a:t>
+                      </a:r>
+                      <a:endParaRPr lang="ru-RU" sz="2400" dirty="0">
                         <a:effectLst/>
                         <a:latin typeface="Calibri" panose="020F0502020204030204" pitchFamily="34" charset="0"/>
                         <a:ea typeface="Calibri" panose="020F0502020204030204" pitchFamily="34" charset="0"/>
@@ -8794,10 +9260,13 @@
                         </a:spcAft>
                       </a:pPr>
                       <a:r>
-                        <a:rPr lang="en-US" sz="2400" dirty="0">
-                          <a:effectLst/>
-                        </a:rPr>
-                        <a:t>ORG</a:t>
+                        <a:rPr lang="ru-RU" sz="2400" dirty="0" smtClean="0">
+                          <a:effectLst/>
+                          <a:latin typeface="+mn-lt"/>
+                          <a:ea typeface="+mn-ea"/>
+                          <a:cs typeface="+mn-cs"/>
+                        </a:rPr>
+                        <a:t>Организации</a:t>
                       </a:r>
                       <a:endParaRPr lang="ru-RU" sz="2400" dirty="0">
                         <a:effectLst/>
@@ -8941,10 +9410,13 @@
                         </a:spcAft>
                       </a:pPr>
                       <a:r>
-                        <a:rPr lang="en-US" sz="2400" dirty="0">
-                          <a:effectLst/>
-                        </a:rPr>
-                        <a:t>MISC</a:t>
+                        <a:rPr lang="ru-RU" sz="2400" dirty="0" smtClean="0">
+                          <a:effectLst/>
+                          <a:latin typeface="+mn-lt"/>
+                          <a:ea typeface="+mn-ea"/>
+                          <a:cs typeface="+mn-cs"/>
+                        </a:rPr>
+                        <a:t>Разное</a:t>
                       </a:r>
                       <a:endParaRPr lang="ru-RU" sz="2400" dirty="0">
                         <a:effectLst/>
@@ -9100,10 +9572,13 @@
                         </a:spcAft>
                       </a:pPr>
                       <a:r>
-                        <a:rPr lang="en-US" sz="2400" dirty="0">
-                          <a:effectLst/>
-                        </a:rPr>
-                        <a:t>REF</a:t>
+                        <a:rPr lang="ru-RU" sz="2400" dirty="0" smtClean="0">
+                          <a:effectLst/>
+                          <a:latin typeface="+mn-lt"/>
+                          <a:ea typeface="+mn-ea"/>
+                          <a:cs typeface="+mn-cs"/>
+                        </a:rPr>
+                        <a:t>Ссылки</a:t>
                       </a:r>
                       <a:endParaRPr lang="ru-RU" sz="2400" dirty="0">
                         <a:effectLst/>
@@ -9129,12 +9604,12 @@
                         </a:spcAft>
                       </a:pPr>
                       <a:r>
-                        <a:rPr lang="en-US" sz="2400">
+                        <a:rPr lang="en-US" sz="2400" dirty="0">
                           <a:effectLst/>
                         </a:rPr>
                         <a:t>95.4</a:t>
                       </a:r>
-                      <a:endParaRPr lang="ru-RU" sz="2400">
+                      <a:endParaRPr lang="ru-RU" sz="2400" dirty="0">
                         <a:effectLst/>
                         <a:latin typeface="Calibri" panose="020F0502020204030204" pitchFamily="34" charset="0"/>
                         <a:ea typeface="Calibri" panose="020F0502020204030204" pitchFamily="34" charset="0"/>
@@ -9158,12 +9633,12 @@
                         </a:spcAft>
                       </a:pPr>
                       <a:r>
-                        <a:rPr lang="en-US" sz="2400">
+                        <a:rPr lang="en-US" sz="2400" dirty="0">
                           <a:effectLst/>
                         </a:rPr>
                         <a:t>98.34</a:t>
                       </a:r>
-                      <a:endParaRPr lang="ru-RU" sz="2400">
+                      <a:endParaRPr lang="ru-RU" sz="2400" dirty="0">
                         <a:effectLst/>
                         <a:latin typeface="Calibri" panose="020F0502020204030204" pitchFamily="34" charset="0"/>
                         <a:ea typeface="Calibri" panose="020F0502020204030204" pitchFamily="34" charset="0"/>
@@ -9236,18 +9711,64 @@
           </a:graphicData>
         </a:graphic>
       </p:graphicFrame>
-      <mc:AlternateContent xmlns:mc="http://schemas.openxmlformats.org/markup-compatibility/2006" xmlns:a14="http://schemas.microsoft.com/office/drawing/2010/main">
-        <mc:Choice Requires="a14">
+      <p:sp>
+        <p:nvSpPr>
+          <p:cNvPr id="10" name="TextBox 9"/>
+          <p:cNvSpPr txBox="1"/>
+          <p:nvPr/>
+        </p:nvSpPr>
+        <p:spPr>
+          <a:xfrm>
+            <a:off x="1068878" y="5175416"/>
+            <a:ext cx="10172007" cy="400110"/>
+          </a:xfrm>
+          <a:prstGeom prst="rect">
+            <a:avLst/>
+          </a:prstGeom>
+          <a:noFill/>
+        </p:spPr>
+        <p:txBody>
+          <a:bodyPr wrap="square" rtlCol="0">
+            <a:spAutoFit/>
+          </a:bodyPr>
+          <a:lstStyle/>
+          <a:p>
+            <a:r>
+              <a:rPr lang="ru-RU" sz="2000" dirty="0" smtClean="0"/>
+              <a:t>Тестирование осуществлялось на тестовой выборке </a:t>
+            </a:r>
+            <a:r>
+              <a:rPr lang="ru-RU" sz="2000" dirty="0" err="1" smtClean="0"/>
+              <a:t>датасета</a:t>
+            </a:r>
+            <a:r>
+              <a:rPr lang="ru-RU" sz="2000" dirty="0" smtClean="0"/>
+              <a:t> </a:t>
+            </a:r>
+            <a:r>
+              <a:rPr lang="en-US" sz="2000" dirty="0" err="1" smtClean="0"/>
+              <a:t>CoNNL</a:t>
+            </a:r>
+            <a:r>
+              <a:rPr lang="ru-RU" sz="2000" dirty="0" smtClean="0"/>
+              <a:t> и отчётах прошлых лет</a:t>
+            </a:r>
+            <a:endParaRPr lang="ru-RU" sz="2000" dirty="0"/>
+          </a:p>
+        </p:txBody>
+      </p:sp>
+      <mc:AlternateContent xmlns:mc="http://schemas.openxmlformats.org/markup-compatibility/2006">
+        <mc:Choice xmlns:a14="http://schemas.microsoft.com/office/drawing/2010/main" Requires="a14">
           <p:sp>
             <p:nvSpPr>
-              <p:cNvPr id="6" name="Прямоугольник 5"/>
+              <p:cNvPr id="11" name="Прямоугольник 10"/>
               <p:cNvSpPr/>
               <p:nvPr/>
             </p:nvSpPr>
             <p:spPr>
               <a:xfrm>
-                <a:off x="2389817" y="5568802"/>
-                <a:ext cx="3099951" cy="789960"/>
+                <a:off x="3975704" y="5575525"/>
+                <a:ext cx="2676887" cy="673711"/>
               </a:xfrm>
               <a:prstGeom prst="rect">
                 <a:avLst/>
@@ -9267,13 +9788,13 @@
                     </m:oMathParaPr>
                     <m:oMath xmlns:m="http://schemas.openxmlformats.org/officeDocument/2006/math">
                       <m:r>
-                        <a:rPr lang="ru-RU" sz="2400" i="1">
+                        <a:rPr lang="ru-RU" sz="2000" i="1" smtClean="0">
                           <a:latin typeface="Cambria Math" panose="02040503050406030204" pitchFamily="18" charset="0"/>
                         </a:rPr>
                         <m:t>𝑃𝑟𝑒𝑐𝑖𝑠𝑖𝑜𝑛</m:t>
                       </m:r>
                       <m:r>
-                        <a:rPr lang="ru-RU" sz="2400" i="0">
+                        <a:rPr lang="ru-RU" sz="2000" i="0">
                           <a:latin typeface="Cambria Math" panose="02040503050406030204" pitchFamily="18" charset="0"/>
                         </a:rPr>
                         <m:t>=</m:t>
@@ -9281,52 +9802,52 @@
                       <m:f>
                         <m:fPr>
                           <m:ctrlPr>
-                            <a:rPr lang="ru-RU" sz="2400" i="1">
+                            <a:rPr lang="ru-RU" sz="2000" i="1">
                               <a:latin typeface="Cambria Math" panose="02040503050406030204" pitchFamily="18" charset="0"/>
                             </a:rPr>
                           </m:ctrlPr>
                         </m:fPr>
                         <m:num>
                           <m:r>
-                            <a:rPr lang="ru-RU" sz="2400" i="1">
+                            <a:rPr lang="ru-RU" sz="2000" b="0" i="1" smtClean="0">
                               <a:latin typeface="Cambria Math" panose="02040503050406030204" pitchFamily="18" charset="0"/>
                             </a:rPr>
-                            <m:t>𝑇𝑃</m:t>
+                            <m:t>ИП</m:t>
                           </m:r>
                         </m:num>
                         <m:den>
                           <m:r>
-                            <a:rPr lang="ru-RU" sz="2400" i="1">
+                            <a:rPr lang="ru-RU" sz="2000" b="0" i="0" smtClean="0">
                               <a:latin typeface="Cambria Math" panose="02040503050406030204" pitchFamily="18" charset="0"/>
                             </a:rPr>
-                            <m:t>𝑇𝑃</m:t>
+                            <m:t>ИП</m:t>
                           </m:r>
                           <m:r>
-                            <a:rPr lang="ru-RU" sz="2400" i="0">
+                            <a:rPr lang="ru-RU" sz="2000" i="0">
                               <a:latin typeface="Cambria Math" panose="02040503050406030204" pitchFamily="18" charset="0"/>
                             </a:rPr>
                             <m:t>+</m:t>
                           </m:r>
                           <m:r>
-                            <a:rPr lang="ru-RU" sz="2400" i="1">
+                            <a:rPr lang="ru-RU" sz="2000" b="0" i="1" smtClean="0">
                               <a:latin typeface="Cambria Math" panose="02040503050406030204" pitchFamily="18" charset="0"/>
                             </a:rPr>
-                            <m:t>𝐹𝑃</m:t>
+                            <m:t>ЛП</m:t>
                           </m:r>
                         </m:den>
                       </m:f>
                     </m:oMath>
                   </m:oMathPara>
                 </a14:m>
-                <a:endParaRPr lang="ru-RU" sz="2400" dirty="0"/>
+                <a:endParaRPr lang="ru-RU" sz="2000" dirty="0"/>
               </a:p>
             </p:txBody>
           </p:sp>
         </mc:Choice>
-        <mc:Fallback xmlns="">
+        <mc:Fallback>
           <p:sp>
             <p:nvSpPr>
-              <p:cNvPr id="6" name="Прямоугольник 5"/>
+              <p:cNvPr id="11" name="Прямоугольник 10"/>
               <p:cNvSpPr>
                 <a:spLocks noRot="1" noChangeAspect="1" noMove="1" noResize="1" noEditPoints="1" noAdjustHandles="1" noChangeArrowheads="1" noChangeShapeType="1" noTextEdit="1"/>
               </p:cNvSpPr>
@@ -9334,8 +9855,8 @@
             </p:nvSpPr>
             <p:spPr>
               <a:xfrm>
-                <a:off x="2389817" y="5568802"/>
-                <a:ext cx="3099951" cy="789960"/>
+                <a:off x="3975704" y="5575525"/>
+                <a:ext cx="2676887" cy="673711"/>
               </a:xfrm>
               <a:prstGeom prst="rect">
                 <a:avLst/>
@@ -9362,18 +9883,18 @@
           </p:sp>
         </mc:Fallback>
       </mc:AlternateContent>
-      <mc:AlternateContent xmlns:mc="http://schemas.openxmlformats.org/markup-compatibility/2006" xmlns:a14="http://schemas.microsoft.com/office/drawing/2010/main">
-        <mc:Choice Requires="a14">
+      <mc:AlternateContent xmlns:mc="http://schemas.openxmlformats.org/markup-compatibility/2006">
+        <mc:Choice xmlns:a14="http://schemas.microsoft.com/office/drawing/2010/main" Requires="a14">
           <p:sp>
             <p:nvSpPr>
-              <p:cNvPr id="7" name="Прямоугольник 6"/>
+              <p:cNvPr id="12" name="Прямоугольник 11"/>
               <p:cNvSpPr/>
               <p:nvPr/>
             </p:nvSpPr>
             <p:spPr>
               <a:xfrm>
-                <a:off x="5745767" y="5568802"/>
-                <a:ext cx="2687659" cy="789960"/>
+                <a:off x="6652591" y="5575524"/>
+                <a:ext cx="2307170" cy="673711"/>
               </a:xfrm>
               <a:prstGeom prst="rect">
                 <a:avLst/>
@@ -9393,13 +9914,13 @@
                     </m:oMathParaPr>
                     <m:oMath xmlns:m="http://schemas.openxmlformats.org/officeDocument/2006/math">
                       <m:r>
-                        <a:rPr lang="ru-RU" sz="2400" i="1">
+                        <a:rPr lang="ru-RU" sz="2000" i="1" smtClean="0">
                           <a:latin typeface="Cambria Math" panose="02040503050406030204" pitchFamily="18" charset="0"/>
                         </a:rPr>
                         <m:t>𝑅𝑒𝑐𝑎𝑙𝑙</m:t>
                       </m:r>
                       <m:r>
-                        <a:rPr lang="ru-RU" sz="2400" i="0">
+                        <a:rPr lang="ru-RU" sz="2000" i="0">
                           <a:latin typeface="Cambria Math" panose="02040503050406030204" pitchFamily="18" charset="0"/>
                         </a:rPr>
                         <m:t>=</m:t>
@@ -9407,52 +9928,52 @@
                       <m:f>
                         <m:fPr>
                           <m:ctrlPr>
-                            <a:rPr lang="ru-RU" sz="2400" i="1">
+                            <a:rPr lang="ru-RU" sz="2000" i="1">
                               <a:latin typeface="Cambria Math" panose="02040503050406030204" pitchFamily="18" charset="0"/>
                             </a:rPr>
                           </m:ctrlPr>
                         </m:fPr>
                         <m:num>
                           <m:r>
-                            <a:rPr lang="ru-RU" sz="2400" i="1">
+                            <a:rPr lang="ru-RU" sz="2000" b="0" i="1" smtClean="0">
                               <a:latin typeface="Cambria Math" panose="02040503050406030204" pitchFamily="18" charset="0"/>
                             </a:rPr>
-                            <m:t>𝑇𝑃</m:t>
+                            <m:t>ИП</m:t>
                           </m:r>
                         </m:num>
                         <m:den>
                           <m:r>
-                            <a:rPr lang="ru-RU" sz="2400" i="1">
+                            <a:rPr lang="ru-RU" sz="2000" b="0" i="0" smtClean="0">
                               <a:latin typeface="Cambria Math" panose="02040503050406030204" pitchFamily="18" charset="0"/>
                             </a:rPr>
-                            <m:t>𝑇𝑃</m:t>
+                            <m:t>ИП</m:t>
                           </m:r>
                           <m:r>
-                            <a:rPr lang="ru-RU" sz="2400" i="0">
+                            <a:rPr lang="ru-RU" sz="2000" i="0">
                               <a:latin typeface="Cambria Math" panose="02040503050406030204" pitchFamily="18" charset="0"/>
                             </a:rPr>
                             <m:t>+</m:t>
                           </m:r>
                           <m:r>
-                            <a:rPr lang="ru-RU" sz="2400" i="1">
+                            <a:rPr lang="ru-RU" sz="2000" b="0" i="1" smtClean="0">
                               <a:latin typeface="Cambria Math" panose="02040503050406030204" pitchFamily="18" charset="0"/>
                             </a:rPr>
-                            <m:t>𝐹𝑁</m:t>
+                            <m:t>ЛН</m:t>
                           </m:r>
                         </m:den>
                       </m:f>
                     </m:oMath>
                   </m:oMathPara>
                 </a14:m>
-                <a:endParaRPr lang="ru-RU" sz="2400" dirty="0"/>
+                <a:endParaRPr lang="ru-RU" sz="2000" dirty="0"/>
               </a:p>
             </p:txBody>
           </p:sp>
         </mc:Choice>
-        <mc:Fallback xmlns="">
+        <mc:Fallback>
           <p:sp>
             <p:nvSpPr>
-              <p:cNvPr id="7" name="Прямоугольник 6"/>
+              <p:cNvPr id="12" name="Прямоугольник 11"/>
               <p:cNvSpPr>
                 <a:spLocks noRot="1" noChangeAspect="1" noMove="1" noResize="1" noEditPoints="1" noAdjustHandles="1" noChangeArrowheads="1" noChangeShapeType="1" noTextEdit="1"/>
               </p:cNvSpPr>
@@ -9460,8 +9981,8 @@
             </p:nvSpPr>
             <p:spPr>
               <a:xfrm>
-                <a:off x="5745767" y="5568802"/>
-                <a:ext cx="2687659" cy="789960"/>
+                <a:off x="6652591" y="5575524"/>
+                <a:ext cx="2307170" cy="673711"/>
               </a:xfrm>
               <a:prstGeom prst="rect">
                 <a:avLst/>
@@ -9488,18 +10009,18 @@
           </p:sp>
         </mc:Fallback>
       </mc:AlternateContent>
-      <mc:AlternateContent xmlns:mc="http://schemas.openxmlformats.org/markup-compatibility/2006" xmlns:a14="http://schemas.microsoft.com/office/drawing/2010/main">
-        <mc:Choice Requires="a14">
+      <mc:AlternateContent xmlns:mc="http://schemas.openxmlformats.org/markup-compatibility/2006">
+        <mc:Choice xmlns:a14="http://schemas.microsoft.com/office/drawing/2010/main" Requires="a14">
           <p:sp>
             <p:nvSpPr>
-              <p:cNvPr id="8" name="Прямоугольник 7"/>
+              <p:cNvPr id="13" name="Прямоугольник 12"/>
               <p:cNvSpPr/>
               <p:nvPr/>
             </p:nvSpPr>
             <p:spPr>
               <a:xfrm>
-                <a:off x="8474316" y="5568802"/>
-                <a:ext cx="3717684" cy="799771"/>
+                <a:off x="8959761" y="5575523"/>
+                <a:ext cx="3157788" cy="681853"/>
               </a:xfrm>
               <a:prstGeom prst="rect">
                 <a:avLst/>
@@ -9519,13 +10040,13 @@
                     </m:oMathParaPr>
                     <m:oMath xmlns:m="http://schemas.openxmlformats.org/officeDocument/2006/math">
                       <m:r>
-                        <a:rPr lang="en-US" sz="2400" i="1">
+                        <a:rPr lang="en-US" sz="2000" i="1">
                           <a:latin typeface="Cambria Math" panose="02040503050406030204" pitchFamily="18" charset="0"/>
                         </a:rPr>
                         <m:t>𝐹</m:t>
                       </m:r>
                       <m:r>
-                        <a:rPr lang="en-US" sz="2400" i="1">
+                        <a:rPr lang="en-US" sz="2000" i="1">
                           <a:latin typeface="Cambria Math" panose="02040503050406030204" pitchFamily="18" charset="0"/>
                         </a:rPr>
                         <m:t>=2 </m:t>
@@ -9533,26 +10054,26 @@
                       <m:f>
                         <m:fPr>
                           <m:ctrlPr>
-                            <a:rPr lang="ru-RU" sz="2400" i="1">
+                            <a:rPr lang="ru-RU" sz="2000" i="1">
                               <a:latin typeface="Cambria Math" panose="02040503050406030204" pitchFamily="18" charset="0"/>
                             </a:rPr>
                           </m:ctrlPr>
                         </m:fPr>
                         <m:num>
                           <m:r>
-                            <a:rPr lang="en-US" sz="2400" i="1">
+                            <a:rPr lang="en-US" sz="2000" i="1">
                               <a:latin typeface="Cambria Math" panose="02040503050406030204" pitchFamily="18" charset="0"/>
                             </a:rPr>
                             <m:t>𝑃𝑟𝑒𝑐𝑖𝑠𝑖𝑜𝑛</m:t>
                           </m:r>
                           <m:r>
-                            <a:rPr lang="en-US" sz="2400" i="1">
+                            <a:rPr lang="en-US" sz="2000" i="1">
                               <a:latin typeface="Cambria Math" panose="02040503050406030204" pitchFamily="18" charset="0"/>
                             </a:rPr>
                             <m:t> ×</m:t>
                           </m:r>
                           <m:r>
-                            <a:rPr lang="en-US" sz="2400" i="1">
+                            <a:rPr lang="en-US" sz="2000" i="1">
                               <a:latin typeface="Cambria Math" panose="02040503050406030204" pitchFamily="18" charset="0"/>
                             </a:rPr>
                             <m:t>𝑅𝑒𝑐𝑎𝑙𝑙</m:t>
@@ -9560,19 +10081,19 @@
                         </m:num>
                         <m:den>
                           <m:r>
-                            <a:rPr lang="en-US" sz="2400" i="1">
+                            <a:rPr lang="en-US" sz="2000" i="1">
                               <a:latin typeface="Cambria Math" panose="02040503050406030204" pitchFamily="18" charset="0"/>
                             </a:rPr>
                             <m:t>𝑃𝑟𝑒𝑐𝑖𝑠𝑖𝑜𝑛</m:t>
                           </m:r>
                           <m:r>
-                            <a:rPr lang="en-US" sz="2400" i="1">
+                            <a:rPr lang="en-US" sz="2000" i="1">
                               <a:latin typeface="Cambria Math" panose="02040503050406030204" pitchFamily="18" charset="0"/>
                             </a:rPr>
                             <m:t>+</m:t>
                           </m:r>
                           <m:r>
-                            <a:rPr lang="en-US" sz="2400" i="1">
+                            <a:rPr lang="en-US" sz="2000" i="1">
                               <a:latin typeface="Cambria Math" panose="02040503050406030204" pitchFamily="18" charset="0"/>
                             </a:rPr>
                             <m:t>𝑅𝑒𝑐𝑎𝑙𝑙</m:t>
@@ -9582,15 +10103,15 @@
                     </m:oMath>
                   </m:oMathPara>
                 </a14:m>
-                <a:endParaRPr lang="ru-RU" sz="2400" dirty="0"/>
+                <a:endParaRPr lang="ru-RU" sz="2000" dirty="0"/>
               </a:p>
             </p:txBody>
           </p:sp>
         </mc:Choice>
-        <mc:Fallback xmlns="">
+        <mc:Fallback>
           <p:sp>
             <p:nvSpPr>
-              <p:cNvPr id="8" name="Прямоугольник 7"/>
+              <p:cNvPr id="13" name="Прямоугольник 12"/>
               <p:cNvSpPr>
                 <a:spLocks noRot="1" noChangeAspect="1" noMove="1" noResize="1" noEditPoints="1" noAdjustHandles="1" noChangeArrowheads="1" noChangeShapeType="1" noTextEdit="1"/>
               </p:cNvSpPr>
@@ -9598,8 +10119,8 @@
             </p:nvSpPr>
             <p:spPr>
               <a:xfrm>
-                <a:off x="8474316" y="5568802"/>
-                <a:ext cx="3717684" cy="799771"/>
+                <a:off x="8959761" y="5575523"/>
+                <a:ext cx="3157788" cy="681853"/>
               </a:xfrm>
               <a:prstGeom prst="rect">
                 <a:avLst/>
@@ -9626,18 +10147,18 @@
           </p:sp>
         </mc:Fallback>
       </mc:AlternateContent>
-      <mc:AlternateContent xmlns:mc="http://schemas.openxmlformats.org/markup-compatibility/2006" xmlns:a14="http://schemas.microsoft.com/office/drawing/2010/main">
-        <mc:Choice Requires="a14">
+      <mc:AlternateContent xmlns:mc="http://schemas.openxmlformats.org/markup-compatibility/2006">
+        <mc:Choice xmlns:a14="http://schemas.microsoft.com/office/drawing/2010/main" Requires="a14">
           <p:sp>
             <p:nvSpPr>
-              <p:cNvPr id="9" name="Прямоугольник 8"/>
+              <p:cNvPr id="14" name="Прямоугольник 13"/>
               <p:cNvSpPr/>
               <p:nvPr/>
             </p:nvSpPr>
             <p:spPr>
               <a:xfrm>
-                <a:off x="65784" y="5568802"/>
-                <a:ext cx="2324033" cy="781368"/>
+                <a:off x="0" y="5575526"/>
+                <a:ext cx="3975704" cy="673711"/>
               </a:xfrm>
               <a:prstGeom prst="rect">
                 <a:avLst/>
@@ -9657,13 +10178,13 @@
                     </m:oMathParaPr>
                     <m:oMath xmlns:m="http://schemas.openxmlformats.org/officeDocument/2006/math">
                       <m:r>
-                        <a:rPr lang="ru-RU" sz="2400" i="1" smtClean="0">
+                        <a:rPr lang="ru-RU" sz="2000" i="1" smtClean="0">
                           <a:latin typeface="Cambria Math" panose="02040503050406030204" pitchFamily="18" charset="0"/>
                         </a:rPr>
                         <m:t>𝐴𝑐𝑐𝑢𝑟𝑎𝑐𝑦</m:t>
                       </m:r>
                       <m:r>
-                        <a:rPr lang="ru-RU" sz="2400" i="0">
+                        <a:rPr lang="ru-RU" sz="2000" i="0">
                           <a:latin typeface="Cambria Math" panose="02040503050406030204" pitchFamily="18" charset="0"/>
                         </a:rPr>
                         <m:t>=</m:t>
@@ -9671,40 +10192,40 @@
                       <m:f>
                         <m:fPr>
                           <m:ctrlPr>
-                            <a:rPr lang="ru-RU" sz="2400" i="1">
+                            <a:rPr lang="ru-RU" sz="2000" i="1">
                               <a:latin typeface="Cambria Math" panose="02040503050406030204" pitchFamily="18" charset="0"/>
                             </a:rPr>
                           </m:ctrlPr>
                         </m:fPr>
                         <m:num>
                           <m:r>
-                            <a:rPr lang="en-US" sz="2400" b="0" i="1" smtClean="0">
+                            <a:rPr lang="ru-RU" sz="2000" b="0" i="1" smtClean="0">
                               <a:latin typeface="Cambria Math" panose="02040503050406030204" pitchFamily="18" charset="0"/>
                             </a:rPr>
-                            <m:t>𝑇𝑃</m:t>
+                            <m:t>ИП+ЛП</m:t>
                           </m:r>
                         </m:num>
                         <m:den>
                           <m:r>
-                            <a:rPr lang="en-US" sz="2400" b="0" i="1" smtClean="0">
+                            <a:rPr lang="ru-RU" sz="2000" b="0" i="1" smtClean="0">
                               <a:latin typeface="Cambria Math" panose="02040503050406030204" pitchFamily="18" charset="0"/>
                             </a:rPr>
-                            <m:t>𝑁</m:t>
+                            <m:t>ИП+ЛП+ИН+ЛН</m:t>
                           </m:r>
                         </m:den>
                       </m:f>
                     </m:oMath>
                   </m:oMathPara>
                 </a14:m>
-                <a:endParaRPr lang="ru-RU" sz="2400" dirty="0"/>
+                <a:endParaRPr lang="ru-RU" sz="2000" dirty="0"/>
               </a:p>
             </p:txBody>
           </p:sp>
         </mc:Choice>
-        <mc:Fallback xmlns="">
+        <mc:Fallback>
           <p:sp>
             <p:nvSpPr>
-              <p:cNvPr id="9" name="Прямоугольник 8"/>
+              <p:cNvPr id="14" name="Прямоугольник 13"/>
               <p:cNvSpPr>
                 <a:spLocks noRot="1" noChangeAspect="1" noMove="1" noResize="1" noEditPoints="1" noAdjustHandles="1" noChangeArrowheads="1" noChangeShapeType="1" noTextEdit="1"/>
               </p:cNvSpPr>
@@ -9712,8 +10233,8 @@
             </p:nvSpPr>
             <p:spPr>
               <a:xfrm>
-                <a:off x="65784" y="5568802"/>
-                <a:ext cx="2324033" cy="781368"/>
+                <a:off x="0" y="5575526"/>
+                <a:ext cx="3975704" cy="673711"/>
               </a:xfrm>
               <a:prstGeom prst="rect">
                 <a:avLst/>
@@ -9740,48 +10261,6 @@
           </p:sp>
         </mc:Fallback>
       </mc:AlternateContent>
-      <p:sp>
-        <p:nvSpPr>
-          <p:cNvPr id="10" name="TextBox 9"/>
-          <p:cNvSpPr txBox="1"/>
-          <p:nvPr/>
-        </p:nvSpPr>
-        <p:spPr>
-          <a:xfrm>
-            <a:off x="1068878" y="5175416"/>
-            <a:ext cx="10172007" cy="400110"/>
-          </a:xfrm>
-          <a:prstGeom prst="rect">
-            <a:avLst/>
-          </a:prstGeom>
-          <a:noFill/>
-        </p:spPr>
-        <p:txBody>
-          <a:bodyPr wrap="square" rtlCol="0">
-            <a:spAutoFit/>
-          </a:bodyPr>
-          <a:lstStyle/>
-          <a:p>
-            <a:r>
-              <a:rPr lang="ru-RU" sz="2000" dirty="0" smtClean="0"/>
-              <a:t>Тестирование осуществлялось на тестовой выборке </a:t>
-            </a:r>
-            <a:r>
-              <a:rPr lang="ru-RU" sz="2000" dirty="0" err="1" smtClean="0"/>
-              <a:t>датасета</a:t>
-            </a:r>
-            <a:r>
-              <a:rPr lang="ru-RU" sz="2000" dirty="0" smtClean="0"/>
-              <a:t> </a:t>
-            </a:r>
-            <a:r>
-              <a:rPr lang="en-US" sz="2000" dirty="0" err="1" smtClean="0"/>
-              <a:t>CoNNL</a:t>
-            </a:r>
-            <a:endParaRPr lang="ru-RU" sz="2000" dirty="0"/>
-          </a:p>
-        </p:txBody>
-      </p:sp>
     </p:spTree>
     <p:extLst>
       <p:ext uri="{BB962C8B-B14F-4D97-AF65-F5344CB8AC3E}">
@@ -9852,14 +10331,14 @@
             <p:ph idx="1"/>
             <p:extLst>
               <p:ext uri="{D42A27DB-BD31-4B8C-83A1-F6EECF244321}">
-                <p14:modId xmlns:p14="http://schemas.microsoft.com/office/powerpoint/2010/main" val="3540727394"/>
+                <p14:modId xmlns:p14="http://schemas.microsoft.com/office/powerpoint/2010/main" val="439780701"/>
               </p:ext>
             </p:extLst>
           </p:nvPr>
         </p:nvGraphicFramePr>
         <p:xfrm>
           <a:off x="0" y="1783645"/>
-          <a:ext cx="12192000" cy="4451033"/>
+          <a:ext cx="12192000" cy="4160965"/>
         </p:xfrm>
         <a:graphic>
           <a:graphicData uri="http://schemas.openxmlformats.org/drawingml/2006/table">
@@ -9868,8 +10347,8 @@
                 <a:tableStyleId>{5C22544A-7EE6-4342-B048-85BDC9FD1C3A}</a:tableStyleId>
               </a:tblPr>
               <a:tblGrid>
-                <a:gridCol w="653143"/>
-                <a:gridCol w="5301343"/>
+                <a:gridCol w="814192"/>
+                <a:gridCol w="5140294"/>
                 <a:gridCol w="6237514"/>
               </a:tblGrid>
               <a:tr h="338666">
@@ -10104,24 +10583,17 @@
                         </a:rPr>
                         <a:t>PICES SCIENTIFIC REPORT  </a:t>
                       </a:r>
-                      <a:endParaRPr lang="ru-RU" sz="1600" dirty="0">
-                        <a:effectLst/>
-                      </a:endParaRPr>
-                    </a:p>
-                    <a:p>
-                      <a:pPr>
-                        <a:lnSpc>
-                          <a:spcPct val="150000"/>
-                        </a:lnSpc>
-                        <a:spcAft>
-                          <a:spcPts val="0"/>
-                        </a:spcAft>
-                      </a:pPr>
+                      <a:r>
+                        <a:rPr lang="en-US" sz="1600" dirty="0" smtClean="0">
+                          <a:effectLst/>
+                        </a:rPr>
+                        <a:t>No</a:t>
+                      </a:r>
                       <a:r>
                         <a:rPr lang="en-US" sz="1600" dirty="0">
                           <a:effectLst/>
                         </a:rPr>
-                        <a:t>No. 50, 2016</a:t>
+                        <a:t>. 50, 2016</a:t>
                       </a:r>
                       <a:endParaRPr lang="ru-RU" sz="1600" dirty="0">
                         <a:effectLst/>
@@ -10680,10 +11152,10 @@
           <a:lstStyle/>
           <a:p>
             <a:fld id="{54312719-E188-4125-8FBE-1E251BCF9D85}" type="slidenum">
-              <a:rPr lang="ru-RU" smtClean="0"/>
+              <a:rPr lang="ru-RU" sz="2400" smtClean="0"/>
               <a:t>18</a:t>
             </a:fld>
-            <a:endParaRPr lang="ru-RU"/>
+            <a:endParaRPr lang="ru-RU" sz="2400" dirty="0"/>
           </a:p>
         </p:txBody>
       </p:sp>
@@ -10783,8 +11255,29 @@
           <a:p>
             <a:r>
               <a:rPr lang="en-US" sz="3600" dirty="0" smtClean="0"/>
-              <a:t>PyQt5</a:t>
-            </a:r>
+              <a:t>PyQt5, </a:t>
+            </a:r>
+            <a:r>
+              <a:rPr lang="en-US" sz="3600" dirty="0" err="1" smtClean="0"/>
+              <a:t>pdfminer</a:t>
+            </a:r>
+            <a:r>
+              <a:rPr lang="en-US" sz="3600" dirty="0" smtClean="0"/>
+              <a:t>, </a:t>
+            </a:r>
+            <a:r>
+              <a:rPr lang="en-US" sz="3600" dirty="0" err="1" smtClean="0"/>
+              <a:t>argparse</a:t>
+            </a:r>
+            <a:r>
+              <a:rPr lang="en-US" sz="3600" dirty="0" smtClean="0"/>
+              <a:t>, </a:t>
+            </a:r>
+            <a:r>
+              <a:rPr lang="en-US" sz="3600" dirty="0"/>
+              <a:t>requests </a:t>
+            </a:r>
+            <a:endParaRPr lang="en-US" sz="3600" dirty="0" smtClean="0"/>
           </a:p>
           <a:p>
             <a:r>
@@ -10819,10 +11312,10 @@
           <a:lstStyle/>
           <a:p>
             <a:fld id="{54312719-E188-4125-8FBE-1E251BCF9D85}" type="slidenum">
-              <a:rPr lang="ru-RU" smtClean="0"/>
+              <a:rPr lang="ru-RU" sz="2400" smtClean="0"/>
               <a:t>19</a:t>
             </a:fld>
-            <a:endParaRPr lang="ru-RU"/>
+            <a:endParaRPr lang="ru-RU" sz="2400" dirty="0"/>
           </a:p>
         </p:txBody>
       </p:sp>
@@ -10903,13 +11396,13 @@
         </p:nvSpPr>
         <p:spPr>
           <a:xfrm>
-            <a:off x="838200" y="3677003"/>
-            <a:ext cx="10515600" cy="2627543"/>
+            <a:off x="5465624" y="3677003"/>
+            <a:ext cx="5888175" cy="2627543"/>
           </a:xfrm>
         </p:spPr>
         <p:txBody>
           <a:bodyPr>
-            <a:normAutofit lnSpcReduction="10000"/>
+            <a:normAutofit fontScale="92500" lnSpcReduction="20000"/>
           </a:bodyPr>
           <a:lstStyle/>
           <a:p>
@@ -10921,20 +11414,19 @@
           <a:p>
             <a:r>
               <a:rPr lang="ru-RU" dirty="0" smtClean="0"/>
-              <a:t>Ключевые словосочетания</a:t>
-            </a:r>
-          </a:p>
-          <a:p>
+              <a:t>Год </a:t>
+            </a:r>
             <a:r>
               <a:rPr lang="ru-RU" dirty="0" smtClean="0"/>
-              <a:t>Год публикации </a:t>
+              <a:t>публикации </a:t>
             </a:r>
           </a:p>
           <a:p>
             <a:r>
               <a:rPr lang="ru-RU" dirty="0" smtClean="0"/>
-              <a:t>Имена авторов </a:t>
-            </a:r>
+              <a:t>Имена </a:t>
+            </a:r>
+            <a:endParaRPr lang="ru-RU" dirty="0" smtClean="0"/>
           </a:p>
           <a:p>
             <a:r>
@@ -10943,10 +11435,41 @@
             </a:r>
           </a:p>
           <a:p>
+            <a:pPr marL="0" indent="0">
+              <a:buNone/>
+            </a:pPr>
             <a:r>
               <a:rPr lang="ru-RU" dirty="0" smtClean="0"/>
-              <a:t>…</a:t>
-            </a:r>
+              <a:t>  </a:t>
+            </a:r>
+            <a:r>
+              <a:rPr lang="ru-RU" dirty="0"/>
+              <a:t>Ключевые словосочетания</a:t>
+            </a:r>
+          </a:p>
+          <a:p>
+            <a:pPr marL="0" indent="0">
+              <a:buNone/>
+            </a:pPr>
+            <a:r>
+              <a:rPr lang="ru-RU" dirty="0"/>
+              <a:t>  Библиографические ссылки </a:t>
+            </a:r>
+            <a:endParaRPr lang="ru-RU" dirty="0" smtClean="0"/>
+          </a:p>
+          <a:p>
+            <a:pPr marL="0" indent="0">
+              <a:buNone/>
+            </a:pPr>
+            <a:r>
+              <a:rPr lang="ru-RU" dirty="0" smtClean="0"/>
+              <a:t>  Названия </a:t>
+            </a:r>
+            <a:r>
+              <a:rPr lang="ru-RU" dirty="0"/>
+              <a:t>организация</a:t>
+            </a:r>
+            <a:endParaRPr lang="ru-RU" dirty="0" smtClean="0"/>
           </a:p>
           <a:p>
             <a:endParaRPr lang="ru-RU" dirty="0"/>
@@ -11089,10 +11612,10 @@
           <a:lstStyle/>
           <a:p>
             <a:fld id="{54312719-E188-4125-8FBE-1E251BCF9D85}" type="slidenum">
-              <a:rPr lang="ru-RU" smtClean="0"/>
+              <a:rPr lang="ru-RU" sz="2400" smtClean="0"/>
               <a:t>2</a:t>
             </a:fld>
-            <a:endParaRPr lang="ru-RU"/>
+            <a:endParaRPr lang="ru-RU" sz="2400" dirty="0"/>
           </a:p>
         </p:txBody>
       </p:sp>
@@ -11240,25 +11763,42 @@
           <a:p>
             <a:r>
               <a:rPr lang="ru-RU" dirty="0" smtClean="0"/>
-              <a:t>Интерфейс </a:t>
-            </a:r>
-            <a:r>
-              <a:rPr lang="en-US" dirty="0" smtClean="0"/>
-              <a:t>GUI</a:t>
+              <a:t>Результаты</a:t>
             </a:r>
             <a:endParaRPr lang="ru-RU" dirty="0"/>
+          </a:p>
+        </p:txBody>
+      </p:sp>
+      <p:sp>
+        <p:nvSpPr>
+          <p:cNvPr id="4" name="Номер слайда 3"/>
+          <p:cNvSpPr>
+            <a:spLocks noGrp="1"/>
+          </p:cNvSpPr>
+          <p:nvPr>
+            <p:ph type="sldNum" sz="quarter" idx="12"/>
+          </p:nvPr>
+        </p:nvSpPr>
+        <p:spPr/>
+        <p:txBody>
+          <a:bodyPr/>
+          <a:lstStyle/>
+          <a:p>
+            <a:fld id="{54312719-E188-4125-8FBE-1E251BCF9D85}" type="slidenum">
+              <a:rPr lang="ru-RU" sz="2400" smtClean="0"/>
+              <a:t>20</a:t>
+            </a:fld>
+            <a:endParaRPr lang="ru-RU" sz="2400" dirty="0"/>
           </a:p>
         </p:txBody>
       </p:sp>
       <p:pic>
         <p:nvPicPr>
-          <p:cNvPr id="5" name="Объект 4"/>
+          <p:cNvPr id="3" name="Рисунок 2"/>
           <p:cNvPicPr>
-            <a:picLocks noGrp="1" noChangeAspect="1"/>
+            <a:picLocks noChangeAspect="1"/>
           </p:cNvPicPr>
-          <p:nvPr>
-            <p:ph idx="1"/>
-          </p:nvPr>
+          <p:nvPr/>
         </p:nvPicPr>
         <p:blipFill>
           <a:blip r:embed="rId2">
@@ -11274,34 +11814,73 @@
         </p:blipFill>
         <p:spPr>
           <a:xfrm>
-            <a:off x="3970838" y="1846263"/>
+            <a:off x="6591914" y="178844"/>
+            <a:ext cx="4805423" cy="3117031"/>
+          </a:xfrm>
+          <a:prstGeom prst="rect">
+            <a:avLst/>
+          </a:prstGeom>
+        </p:spPr>
+      </p:pic>
+      <p:pic>
+        <p:nvPicPr>
+          <p:cNvPr id="7" name="Рисунок 6"/>
+          <p:cNvPicPr>
+            <a:picLocks noChangeAspect="1"/>
+          </p:cNvPicPr>
+          <p:nvPr/>
+        </p:nvPicPr>
+        <p:blipFill>
+          <a:blip r:embed="rId3">
+            <a:extLst>
+              <a:ext uri="{28A0092B-C50C-407E-A947-70E740481C1C}">
+                <a14:useLocalDpi xmlns:a14="http://schemas.microsoft.com/office/drawing/2010/main" val="0"/>
+              </a:ext>
+            </a:extLst>
+          </a:blip>
+          <a:stretch>
+            <a:fillRect/>
+          </a:stretch>
+        </p:blipFill>
+        <p:spPr>
+          <a:xfrm>
+            <a:off x="4763911" y="3180363"/>
+            <a:ext cx="4653233" cy="3279422"/>
+          </a:xfrm>
+          <a:prstGeom prst="rect">
+            <a:avLst/>
+          </a:prstGeom>
+        </p:spPr>
+      </p:pic>
+      <p:pic>
+        <p:nvPicPr>
+          <p:cNvPr id="8" name="Объект 7"/>
+          <p:cNvPicPr>
+            <a:picLocks noGrp="1" noChangeAspect="1"/>
+          </p:cNvPicPr>
+          <p:nvPr>
+            <p:ph idx="1"/>
+          </p:nvPr>
+        </p:nvPicPr>
+        <p:blipFill>
+          <a:blip r:embed="rId4">
+            <a:extLst>
+              <a:ext uri="{28A0092B-C50C-407E-A947-70E740481C1C}">
+                <a14:useLocalDpi xmlns:a14="http://schemas.microsoft.com/office/drawing/2010/main" val="0"/>
+              </a:ext>
+            </a:extLst>
+          </a:blip>
+          <a:stretch>
+            <a:fillRect/>
+          </a:stretch>
+        </p:blipFill>
+        <p:spPr>
+          <a:xfrm>
+            <a:off x="265112" y="1845119"/>
             <a:ext cx="4310649" cy="4022725"/>
           </a:xfrm>
         </p:spPr>
       </p:pic>
-      <p:sp>
-        <p:nvSpPr>
-          <p:cNvPr id="4" name="Номер слайда 3"/>
-          <p:cNvSpPr>
-            <a:spLocks noGrp="1"/>
-          </p:cNvSpPr>
-          <p:nvPr>
-            <p:ph type="sldNum" sz="quarter" idx="12"/>
-          </p:nvPr>
-        </p:nvSpPr>
-        <p:spPr/>
-        <p:txBody>
-          <a:bodyPr/>
-          <a:lstStyle/>
-          <a:p>
-            <a:fld id="{54312719-E188-4125-8FBE-1E251BCF9D85}" type="slidenum">
-              <a:rPr lang="ru-RU" smtClean="0"/>
-              <a:t>20</a:t>
-            </a:fld>
-            <a:endParaRPr lang="ru-RU"/>
-          </a:p>
-        </p:txBody>
-      </p:sp>
     </p:spTree>
     <p:extLst>
       <p:ext uri="{BB962C8B-B14F-4D97-AF65-F5344CB8AC3E}">
@@ -11359,8 +11938,24 @@
             </a:r>
             <a:r>
               <a:rPr lang="ru-RU" sz="2800" dirty="0"/>
-              <a:t>для извлечения NER</a:t>
-            </a:r>
+              <a:t>для извлечения </a:t>
+            </a:r>
+            <a:r>
+              <a:rPr lang="ru-RU" sz="2800" dirty="0" smtClean="0"/>
+              <a:t>NER</a:t>
+            </a:r>
+            <a:endParaRPr lang="en-US" sz="2800" dirty="0" smtClean="0"/>
+          </a:p>
+          <a:p>
+            <a:pPr>
+              <a:buFont typeface="Arial" panose="020B0604020202020204" pitchFamily="34" charset="0"/>
+              <a:buChar char="•"/>
+            </a:pPr>
+            <a:r>
+              <a:rPr lang="ru-RU" sz="2800" dirty="0" smtClean="0"/>
+              <a:t>Неточное сравнение строк.</a:t>
+            </a:r>
+            <a:endParaRPr lang="ru-RU" sz="2800" dirty="0"/>
           </a:p>
           <a:p>
             <a:pPr>
@@ -11451,10 +12046,10 @@
           <a:lstStyle/>
           <a:p>
             <a:fld id="{54312719-E188-4125-8FBE-1E251BCF9D85}" type="slidenum">
-              <a:rPr lang="ru-RU" smtClean="0"/>
+              <a:rPr lang="ru-RU" sz="2400" smtClean="0"/>
               <a:t>21</a:t>
             </a:fld>
-            <a:endParaRPr lang="ru-RU"/>
+            <a:endParaRPr lang="ru-RU" sz="2400" dirty="0"/>
           </a:p>
         </p:txBody>
       </p:sp>
@@ -11536,11 +12131,15 @@
             </a:r>
             <a:r>
               <a:rPr lang="ru-RU" sz="3600" dirty="0" err="1" smtClean="0"/>
-              <a:t>Метаописаний</a:t>
+              <a:t>Метаописания</a:t>
             </a:r>
             <a:r>
               <a:rPr lang="ru-RU" sz="3600" dirty="0" smtClean="0"/>
-              <a:t> заполняются вручную</a:t>
+              <a:t> </a:t>
+            </a:r>
+            <a:r>
+              <a:rPr lang="ru-RU" sz="3600" dirty="0" smtClean="0"/>
+              <a:t>заполняются вручную</a:t>
             </a:r>
           </a:p>
           <a:p>
@@ -11550,8 +12149,32 @@
             </a:pPr>
             <a:r>
               <a:rPr lang="ru-RU" sz="3600" dirty="0" smtClean="0"/>
-              <a:t> Существующие решения не предоставляют весь  необходимый функционал</a:t>
-            </a:r>
+              <a:t> </a:t>
+            </a:r>
+            <a:r>
+              <a:rPr lang="ru-RU" sz="3600" dirty="0" smtClean="0"/>
+              <a:t>Нет интеграции с </a:t>
+            </a:r>
+            <a:r>
+              <a:rPr lang="en-US" sz="3600" dirty="0" err="1" smtClean="0"/>
+              <a:t>GeoNetwork</a:t>
+            </a:r>
+            <a:endParaRPr lang="en-US" sz="3600" dirty="0" smtClean="0"/>
+          </a:p>
+          <a:p>
+            <a:pPr>
+              <a:buFont typeface="Arial" panose="020B0604020202020204" pitchFamily="34" charset="0"/>
+              <a:buChar char="•"/>
+            </a:pPr>
+            <a:r>
+              <a:rPr lang="en-US" sz="3600" dirty="0"/>
+              <a:t> </a:t>
+            </a:r>
+            <a:r>
+              <a:rPr lang="ru-RU" sz="3600" dirty="0" smtClean="0"/>
+              <a:t>Нет поддержки нужных форматов</a:t>
+            </a:r>
+            <a:endParaRPr lang="ru-RU" sz="3600" dirty="0" smtClean="0"/>
           </a:p>
           <a:p>
             <a:pPr>
@@ -11581,10 +12204,10 @@
           <a:lstStyle/>
           <a:p>
             <a:fld id="{54312719-E188-4125-8FBE-1E251BCF9D85}" type="slidenum">
-              <a:rPr lang="ru-RU" smtClean="0"/>
+              <a:rPr lang="ru-RU" sz="2400" smtClean="0"/>
               <a:t>3</a:t>
             </a:fld>
-            <a:endParaRPr lang="ru-RU"/>
+            <a:endParaRPr lang="ru-RU" sz="2400" dirty="0"/>
           </a:p>
         </p:txBody>
       </p:sp>
@@ -11597,7 +12220,7 @@
           <p:nvPr/>
         </p:nvPicPr>
         <p:blipFill>
-          <a:blip r:embed="rId2">
+          <a:blip r:embed="rId3">
             <a:extLst>
               <a:ext uri="{28A0092B-C50C-407E-A947-70E740481C1C}">
                 <a14:useLocalDpi xmlns:a14="http://schemas.microsoft.com/office/drawing/2010/main" val="0"/>
@@ -11762,10 +12385,10 @@
           <a:lstStyle/>
           <a:p>
             <a:fld id="{54312719-E188-4125-8FBE-1E251BCF9D85}" type="slidenum">
-              <a:rPr lang="ru-RU" smtClean="0"/>
+              <a:rPr lang="ru-RU" sz="2400" smtClean="0"/>
               <a:t>4</a:t>
             </a:fld>
-            <a:endParaRPr lang="ru-RU"/>
+            <a:endParaRPr lang="ru-RU" sz="2400" dirty="0"/>
           </a:p>
         </p:txBody>
       </p:sp>
@@ -11833,15 +12456,36 @@
           </a:p>
         </p:txBody>
       </p:sp>
+      <p:sp>
+        <p:nvSpPr>
+          <p:cNvPr id="4" name="Номер слайда 3"/>
+          <p:cNvSpPr>
+            <a:spLocks noGrp="1"/>
+          </p:cNvSpPr>
+          <p:nvPr>
+            <p:ph type="sldNum" sz="quarter" idx="12"/>
+          </p:nvPr>
+        </p:nvSpPr>
+        <p:spPr/>
+        <p:txBody>
+          <a:bodyPr/>
+          <a:lstStyle/>
+          <a:p>
+            <a:fld id="{54312719-E188-4125-8FBE-1E251BCF9D85}" type="slidenum">
+              <a:rPr lang="ru-RU" sz="2400" smtClean="0"/>
+              <a:t>5</a:t>
+            </a:fld>
+            <a:endParaRPr lang="ru-RU" sz="2400" dirty="0"/>
+          </a:p>
+        </p:txBody>
+      </p:sp>
       <p:pic>
         <p:nvPicPr>
-          <p:cNvPr id="5" name="Объект 4"/>
+          <p:cNvPr id="7" name="Рисунок 6"/>
           <p:cNvPicPr>
-            <a:picLocks noGrp="1" noChangeAspect="1"/>
+            <a:picLocks noChangeAspect="1"/>
           </p:cNvPicPr>
-          <p:nvPr>
-            <p:ph idx="1"/>
-          </p:nvPr>
+          <p:nvPr/>
         </p:nvPicPr>
         <p:blipFill>
           <a:blip r:embed="rId2">
@@ -11857,34 +12501,43 @@
         </p:blipFill>
         <p:spPr>
           <a:xfrm>
-            <a:off x="1614089" y="1862667"/>
-            <a:ext cx="9191635" cy="4995333"/>
+            <a:off x="421714" y="5054248"/>
+            <a:ext cx="9231013" cy="1057423"/>
+          </a:xfrm>
+          <a:prstGeom prst="rect">
+            <a:avLst/>
+          </a:prstGeom>
+        </p:spPr>
+      </p:pic>
+      <p:pic>
+        <p:nvPicPr>
+          <p:cNvPr id="9" name="Объект 8"/>
+          <p:cNvPicPr>
+            <a:picLocks noGrp="1" noChangeAspect="1"/>
+          </p:cNvPicPr>
+          <p:nvPr>
+            <p:ph idx="1"/>
+          </p:nvPr>
+        </p:nvPicPr>
+        <p:blipFill>
+          <a:blip r:embed="rId3">
+            <a:extLst>
+              <a:ext uri="{28A0092B-C50C-407E-A947-70E740481C1C}">
+                <a14:useLocalDpi xmlns:a14="http://schemas.microsoft.com/office/drawing/2010/main" val="0"/>
+              </a:ext>
+            </a:extLst>
+          </a:blip>
+          <a:stretch>
+            <a:fillRect/>
+          </a:stretch>
+        </p:blipFill>
+        <p:spPr>
+          <a:xfrm>
+            <a:off x="5037220" y="1031523"/>
+            <a:ext cx="4163980" cy="4022725"/>
           </a:xfrm>
         </p:spPr>
       </p:pic>
-      <p:sp>
-        <p:nvSpPr>
-          <p:cNvPr id="4" name="Номер слайда 3"/>
-          <p:cNvSpPr>
-            <a:spLocks noGrp="1"/>
-          </p:cNvSpPr>
-          <p:nvPr>
-            <p:ph type="sldNum" sz="quarter" idx="12"/>
-          </p:nvPr>
-        </p:nvSpPr>
-        <p:spPr/>
-        <p:txBody>
-          <a:bodyPr/>
-          <a:lstStyle/>
-          <a:p>
-            <a:fld id="{54312719-E188-4125-8FBE-1E251BCF9D85}" type="slidenum">
-              <a:rPr lang="ru-RU" smtClean="0"/>
-              <a:t>5</a:t>
-            </a:fld>
-            <a:endParaRPr lang="ru-RU"/>
-          </a:p>
-        </p:txBody>
-      </p:sp>
     </p:spTree>
     <p:extLst>
       <p:ext uri="{BB962C8B-B14F-4D97-AF65-F5344CB8AC3E}">
@@ -11988,10 +12641,10 @@
           <a:lstStyle/>
           <a:p>
             <a:fld id="{54312719-E188-4125-8FBE-1E251BCF9D85}" type="slidenum">
-              <a:rPr lang="ru-RU" smtClean="0"/>
+              <a:rPr lang="ru-RU" sz="2400" smtClean="0"/>
               <a:t>6</a:t>
             </a:fld>
-            <a:endParaRPr lang="ru-RU"/>
+            <a:endParaRPr lang="ru-RU" sz="2400" dirty="0"/>
           </a:p>
         </p:txBody>
       </p:sp>
@@ -12004,14 +12657,14 @@
           <p:nvPr>
             <p:extLst>
               <p:ext uri="{D42A27DB-BD31-4B8C-83A1-F6EECF244321}">
-                <p14:modId xmlns:p14="http://schemas.microsoft.com/office/powerpoint/2010/main" val="1216781903"/>
+                <p14:modId xmlns:p14="http://schemas.microsoft.com/office/powerpoint/2010/main" val="4050885858"/>
               </p:ext>
             </p:extLst>
           </p:nvPr>
         </p:nvGraphicFramePr>
         <p:xfrm>
-          <a:off x="1097279" y="1845733"/>
-          <a:ext cx="10058400" cy="3673394"/>
+          <a:off x="-2" y="1845733"/>
+          <a:ext cx="12192001" cy="4363234"/>
         </p:xfrm>
         <a:graphic>
           <a:graphicData uri="http://schemas.openxmlformats.org/drawingml/2006/table">
@@ -12020,11 +12673,13 @@
                 <a:tableStyleId>{5C22544A-7EE6-4342-B048-85BDC9FD1C3A}</a:tableStyleId>
               </a:tblPr>
               <a:tblGrid>
-                <a:gridCol w="3352800"/>
-                <a:gridCol w="3352800"/>
-                <a:gridCol w="3352800"/>
+                <a:gridCol w="1840377"/>
+                <a:gridCol w="2776576"/>
+                <a:gridCol w="2536203"/>
+                <a:gridCol w="2453833"/>
+                <a:gridCol w="2585012"/>
               </a:tblGrid>
-              <a:tr h="627734">
+              <a:tr h="975440">
                 <a:tc>
                   <a:txBody>
                     <a:bodyPr/>
@@ -12067,16 +12722,22 @@
                   </a:txBody>
                   <a:tcPr/>
                 </a:tc>
-              </a:tr>
-              <a:tr h="576780">
                 <a:tc>
                   <a:txBody>
                     <a:bodyPr/>
                     <a:lstStyle/>
                     <a:p>
                       <a:r>
-                        <a:rPr lang="en-US" sz="2400" dirty="0" err="1" smtClean="0"/>
-                        <a:t>Cermine</a:t>
+                        <a:rPr lang="ru-RU" sz="2400" dirty="0" smtClean="0"/>
+                        <a:t>Интеграция</a:t>
+                      </a:r>
+                      <a:r>
+                        <a:rPr lang="ru-RU" sz="2400" baseline="0" dirty="0" smtClean="0"/>
+                        <a:t> с </a:t>
+                      </a:r>
+                      <a:r>
+                        <a:rPr lang="en-US" sz="2400" baseline="0" dirty="0" err="1" smtClean="0"/>
+                        <a:t>GeoNetwork</a:t>
                       </a:r>
                       <a:endParaRPr lang="ru-RU" sz="2400" dirty="0"/>
                     </a:p>
@@ -12089,88 +12750,28 @@
                     <a:lstStyle/>
                     <a:p>
                       <a:r>
-                        <a:rPr lang="en-US" sz="2400" kern="1200" dirty="0" smtClean="0">
-                          <a:solidFill>
-                            <a:schemeClr val="dk1"/>
-                          </a:solidFill>
-                          <a:effectLst/>
-                          <a:latin typeface="+mn-lt"/>
-                          <a:ea typeface="+mn-ea"/>
-                          <a:cs typeface="+mn-cs"/>
-                        </a:rPr>
-                        <a:t>CRF</a:t>
-                      </a:r>
-                      <a:r>
-                        <a:rPr lang="ru-RU" sz="2400" kern="1200" dirty="0" smtClean="0">
-                          <a:solidFill>
-                            <a:schemeClr val="dk1"/>
-                          </a:solidFill>
-                          <a:effectLst/>
-                          <a:latin typeface="+mn-lt"/>
-                          <a:ea typeface="+mn-ea"/>
-                          <a:cs typeface="+mn-cs"/>
-                        </a:rPr>
-                        <a:t>, </a:t>
-                      </a:r>
-                      <a:r>
-                        <a:rPr lang="en-US" sz="2400" kern="1200" dirty="0" smtClean="0">
-                          <a:solidFill>
-                            <a:schemeClr val="dk1"/>
-                          </a:solidFill>
-                          <a:effectLst/>
-                          <a:latin typeface="+mn-lt"/>
-                          <a:ea typeface="+mn-ea"/>
-                          <a:cs typeface="+mn-cs"/>
-                        </a:rPr>
-                        <a:t>SVM</a:t>
-                      </a:r>
-                      <a:r>
-                        <a:rPr lang="ru-RU" sz="2400" kern="1200" dirty="0" smtClean="0">
-                          <a:solidFill>
-                            <a:schemeClr val="dk1"/>
-                          </a:solidFill>
-                          <a:effectLst/>
-                          <a:latin typeface="+mn-lt"/>
-                          <a:ea typeface="+mn-ea"/>
-                          <a:cs typeface="+mn-cs"/>
-                        </a:rPr>
-                        <a:t> и </a:t>
-                      </a:r>
-                      <a:r>
-                        <a:rPr lang="en-US" sz="2400" kern="1200" dirty="0" smtClean="0">
-                          <a:solidFill>
-                            <a:schemeClr val="dk1"/>
-                          </a:solidFill>
-                          <a:effectLst/>
-                          <a:latin typeface="+mn-lt"/>
-                          <a:ea typeface="+mn-ea"/>
-                          <a:cs typeface="+mn-cs"/>
-                        </a:rPr>
-                        <a:t>K</a:t>
-                      </a:r>
-                      <a:r>
-                        <a:rPr lang="ru-RU" sz="2400" kern="1200" dirty="0" smtClean="0">
-                          <a:solidFill>
-                            <a:schemeClr val="dk1"/>
-                          </a:solidFill>
-                          <a:effectLst/>
-                          <a:latin typeface="+mn-lt"/>
-                          <a:ea typeface="+mn-ea"/>
-                          <a:cs typeface="+mn-cs"/>
-                        </a:rPr>
-                        <a:t>-</a:t>
-                      </a:r>
-                      <a:r>
-                        <a:rPr lang="en-US" sz="2400" kern="1200" dirty="0" smtClean="0">
-                          <a:solidFill>
-                            <a:schemeClr val="dk1"/>
-                          </a:solidFill>
-                          <a:effectLst/>
-                          <a:latin typeface="+mn-lt"/>
-                          <a:ea typeface="+mn-ea"/>
-                          <a:cs typeface="+mn-cs"/>
-                        </a:rPr>
-                        <a:t>means</a:t>
+                        <a:rPr lang="ru-RU" sz="2400" dirty="0" smtClean="0"/>
+                        <a:t>Поддержка</a:t>
+                      </a:r>
+                      <a:r>
+                        <a:rPr lang="ru-RU" sz="2400" baseline="0" dirty="0" smtClean="0"/>
+                        <a:t> форматов метаданных</a:t>
+                      </a:r>
+                      <a:endParaRPr lang="ru-RU" sz="2400" dirty="0"/>
+                    </a:p>
+                  </a:txBody>
+                  <a:tcPr/>
+                </a:tc>
+              </a:tr>
+              <a:tr h="675305">
+                <a:tc>
+                  <a:txBody>
+                    <a:bodyPr/>
+                    <a:lstStyle/>
+                    <a:p>
+                      <a:r>
+                        <a:rPr lang="en-US" sz="2400" dirty="0" err="1" smtClean="0"/>
+                        <a:t>Cermine</a:t>
                       </a:r>
                       <a:endParaRPr lang="ru-RU" sz="2400" dirty="0"/>
                     </a:p>
@@ -12183,28 +12784,88 @@
                     <a:lstStyle/>
                     <a:p>
                       <a:r>
-                        <a:rPr lang="ru-RU" sz="2400" dirty="0" smtClean="0"/>
-                        <a:t>Открытый исходный</a:t>
-                      </a:r>
-                      <a:r>
-                        <a:rPr lang="ru-RU" sz="2400" baseline="0" dirty="0" smtClean="0"/>
-                        <a:t> код</a:t>
-                      </a:r>
-                      <a:endParaRPr lang="ru-RU" sz="2400" dirty="0"/>
-                    </a:p>
-                  </a:txBody>
-                  <a:tcPr/>
-                </a:tc>
-              </a:tr>
-              <a:tr h="576780">
-                <a:tc>
-                  <a:txBody>
-                    <a:bodyPr/>
-                    <a:lstStyle/>
-                    <a:p>
-                      <a:r>
-                        <a:rPr lang="en-US" sz="2400" dirty="0" smtClean="0"/>
-                        <a:t>GROBID</a:t>
+                        <a:rPr lang="en-US" sz="2400" kern="1200" dirty="0" smtClean="0">
+                          <a:solidFill>
+                            <a:schemeClr val="dk1"/>
+                          </a:solidFill>
+                          <a:effectLst/>
+                          <a:latin typeface="+mn-lt"/>
+                          <a:ea typeface="+mn-ea"/>
+                          <a:cs typeface="+mn-cs"/>
+                        </a:rPr>
+                        <a:t>CRF</a:t>
+                      </a:r>
+                      <a:r>
+                        <a:rPr lang="ru-RU" sz="2400" kern="1200" dirty="0" smtClean="0">
+                          <a:solidFill>
+                            <a:schemeClr val="dk1"/>
+                          </a:solidFill>
+                          <a:effectLst/>
+                          <a:latin typeface="+mn-lt"/>
+                          <a:ea typeface="+mn-ea"/>
+                          <a:cs typeface="+mn-cs"/>
+                        </a:rPr>
+                        <a:t>, </a:t>
+                      </a:r>
+                      <a:r>
+                        <a:rPr lang="en-US" sz="2400" kern="1200" dirty="0" smtClean="0">
+                          <a:solidFill>
+                            <a:schemeClr val="dk1"/>
+                          </a:solidFill>
+                          <a:effectLst/>
+                          <a:latin typeface="+mn-lt"/>
+                          <a:ea typeface="+mn-ea"/>
+                          <a:cs typeface="+mn-cs"/>
+                        </a:rPr>
+                        <a:t>SVM</a:t>
+                      </a:r>
+                      <a:r>
+                        <a:rPr lang="ru-RU" sz="2400" kern="1200" dirty="0" smtClean="0">
+                          <a:solidFill>
+                            <a:schemeClr val="dk1"/>
+                          </a:solidFill>
+                          <a:effectLst/>
+                          <a:latin typeface="+mn-lt"/>
+                          <a:ea typeface="+mn-ea"/>
+                          <a:cs typeface="+mn-cs"/>
+                        </a:rPr>
+                        <a:t> и </a:t>
+                      </a:r>
+                      <a:r>
+                        <a:rPr lang="en-US" sz="2400" kern="1200" dirty="0" smtClean="0">
+                          <a:solidFill>
+                            <a:schemeClr val="dk1"/>
+                          </a:solidFill>
+                          <a:effectLst/>
+                          <a:latin typeface="+mn-lt"/>
+                          <a:ea typeface="+mn-ea"/>
+                          <a:cs typeface="+mn-cs"/>
+                        </a:rPr>
+                        <a:t>K</a:t>
+                      </a:r>
+                      <a:r>
+                        <a:rPr lang="ru-RU" sz="2400" kern="1200" dirty="0" smtClean="0">
+                          <a:solidFill>
+                            <a:schemeClr val="dk1"/>
+                          </a:solidFill>
+                          <a:effectLst/>
+                          <a:latin typeface="+mn-lt"/>
+                          <a:ea typeface="+mn-ea"/>
+                          <a:cs typeface="+mn-cs"/>
+                        </a:rPr>
+                        <a:t>-</a:t>
+                      </a:r>
+                      <a:r>
+                        <a:rPr lang="en-US" sz="2400" kern="1200" dirty="0" smtClean="0">
+                          <a:solidFill>
+                            <a:schemeClr val="dk1"/>
+                          </a:solidFill>
+                          <a:effectLst/>
+                          <a:latin typeface="+mn-lt"/>
+                          <a:ea typeface="+mn-ea"/>
+                          <a:cs typeface="+mn-cs"/>
+                        </a:rPr>
+                        <a:t>means</a:t>
                       </a:r>
                       <a:endParaRPr lang="ru-RU" sz="2400" dirty="0"/>
                     </a:p>
@@ -12217,16 +12878,8 @@
                     <a:lstStyle/>
                     <a:p>
                       <a:r>
-                        <a:rPr lang="en-US" sz="2400" kern="1200" dirty="0" smtClean="0">
-                          <a:solidFill>
-                            <a:schemeClr val="dk1"/>
-                          </a:solidFill>
-                          <a:effectLst/>
-                          <a:latin typeface="+mn-lt"/>
-                          <a:ea typeface="+mn-ea"/>
-                          <a:cs typeface="+mn-cs"/>
-                        </a:rPr>
-                        <a:t>SVM </a:t>
+                        <a:rPr lang="ru-RU" sz="2400" dirty="0" smtClean="0"/>
+                        <a:t>Открытое</a:t>
                       </a:r>
                       <a:endParaRPr lang="ru-RU" sz="2400" dirty="0"/>
                     </a:p>
@@ -12240,27 +12893,7 @@
                     <a:p>
                       <a:r>
                         <a:rPr lang="ru-RU" sz="2400" dirty="0" smtClean="0"/>
-                        <a:t>Открытый исходный</a:t>
-                      </a:r>
-                      <a:r>
-                        <a:rPr lang="ru-RU" sz="2400" baseline="0" dirty="0" smtClean="0"/>
-                        <a:t> код</a:t>
-                      </a:r>
-                      <a:endParaRPr lang="ru-RU" sz="2400" dirty="0"/>
-                    </a:p>
-                  </a:txBody>
-                  <a:tcPr/>
-                </a:tc>
-              </a:tr>
-              <a:tr h="576780">
-                <a:tc>
-                  <a:txBody>
-                    <a:bodyPr/>
-                    <a:lstStyle/>
-                    <a:p>
-                      <a:r>
-                        <a:rPr lang="en-US" sz="2400" dirty="0" err="1" smtClean="0"/>
-                        <a:t>ParsCit</a:t>
+                        <a:t>-</a:t>
                       </a:r>
                       <a:endParaRPr lang="ru-RU" sz="2400" dirty="0"/>
                     </a:p>
@@ -12273,16 +12906,24 @@
                     <a:lstStyle/>
                     <a:p>
                       <a:r>
-                        <a:rPr lang="en-US" sz="2400" kern="1200" dirty="0" smtClean="0">
-                          <a:solidFill>
-                            <a:schemeClr val="dk1"/>
-                          </a:solidFill>
-                          <a:effectLst/>
-                          <a:latin typeface="+mn-lt"/>
-                          <a:ea typeface="+mn-ea"/>
-                          <a:cs typeface="+mn-cs"/>
-                        </a:rPr>
-                        <a:t>CRF </a:t>
+                        <a:rPr lang="ru-RU" sz="2400" dirty="0" smtClean="0"/>
+                        <a:t>-</a:t>
+                      </a:r>
+                      <a:endParaRPr lang="ru-RU" sz="2400" dirty="0"/>
+                    </a:p>
+                  </a:txBody>
+                  <a:tcPr/>
+                </a:tc>
+              </a:tr>
+              <a:tr h="675305">
+                <a:tc>
+                  <a:txBody>
+                    <a:bodyPr/>
+                    <a:lstStyle/>
+                    <a:p>
+                      <a:r>
+                        <a:rPr lang="en-US" sz="2400" dirty="0" smtClean="0"/>
+                        <a:t>GROBID</a:t>
                       </a:r>
                       <a:endParaRPr lang="ru-RU" sz="2400" dirty="0"/>
                     </a:p>
@@ -12295,28 +12936,16 @@
                     <a:lstStyle/>
                     <a:p>
                       <a:r>
-                        <a:rPr lang="ru-RU" sz="2400" dirty="0" smtClean="0"/>
-                        <a:t>Открытый исходный</a:t>
-                      </a:r>
-                      <a:r>
-                        <a:rPr lang="ru-RU" sz="2400" baseline="0" dirty="0" smtClean="0"/>
-                        <a:t> код</a:t>
-                      </a:r>
-                      <a:endParaRPr lang="ru-RU" sz="2400" dirty="0"/>
-                    </a:p>
-                  </a:txBody>
-                  <a:tcPr/>
-                </a:tc>
-              </a:tr>
-              <a:tr h="576780">
-                <a:tc>
-                  <a:txBody>
-                    <a:bodyPr/>
-                    <a:lstStyle/>
-                    <a:p>
-                      <a:r>
-                        <a:rPr lang="en-US" sz="2400" dirty="0" smtClean="0"/>
-                        <a:t>Text Razor</a:t>
+                        <a:rPr lang="en-US" sz="2400" kern="1200" dirty="0" smtClean="0">
+                          <a:solidFill>
+                            <a:schemeClr val="dk1"/>
+                          </a:solidFill>
+                          <a:effectLst/>
+                          <a:latin typeface="+mn-lt"/>
+                          <a:ea typeface="+mn-ea"/>
+                          <a:cs typeface="+mn-cs"/>
+                        </a:rPr>
+                        <a:t>SVM </a:t>
                       </a:r>
                       <a:endParaRPr lang="ru-RU" sz="2400" dirty="0"/>
                     </a:p>
@@ -12329,8 +12958,8 @@
                     <a:lstStyle/>
                     <a:p>
                       <a:r>
-                        <a:rPr lang="en-US" sz="2400" dirty="0" smtClean="0"/>
-                        <a:t>Wikipedia?</a:t>
+                        <a:rPr lang="ru-RU" sz="2400" dirty="0" smtClean="0"/>
+                        <a:t>Открытое</a:t>
                       </a:r>
                       <a:endParaRPr lang="ru-RU" sz="2400" dirty="0"/>
                     </a:p>
@@ -12343,8 +12972,250 @@
                     <a:lstStyle/>
                     <a:p>
                       <a:r>
+                        <a:rPr lang="ru-RU" sz="2400" dirty="0" smtClean="0"/>
+                        <a:t>-</a:t>
+                      </a:r>
+                      <a:endParaRPr lang="ru-RU" sz="2400" dirty="0"/>
+                    </a:p>
+                  </a:txBody>
+                  <a:tcPr/>
+                </a:tc>
+                <a:tc>
+                  <a:txBody>
+                    <a:bodyPr/>
+                    <a:lstStyle/>
+                    <a:p>
+                      <a:r>
+                        <a:rPr lang="ru-RU" sz="2400" dirty="0" smtClean="0"/>
+                        <a:t>-</a:t>
+                      </a:r>
+                      <a:endParaRPr lang="ru-RU" sz="2400" dirty="0"/>
+                    </a:p>
+                  </a:txBody>
+                  <a:tcPr/>
+                </a:tc>
+              </a:tr>
+              <a:tr h="675305">
+                <a:tc>
+                  <a:txBody>
+                    <a:bodyPr/>
+                    <a:lstStyle/>
+                    <a:p>
+                      <a:r>
+                        <a:rPr lang="en-US" sz="2400" dirty="0" err="1" smtClean="0"/>
+                        <a:t>ParsCit</a:t>
+                      </a:r>
+                      <a:endParaRPr lang="ru-RU" sz="2400" dirty="0"/>
+                    </a:p>
+                  </a:txBody>
+                  <a:tcPr/>
+                </a:tc>
+                <a:tc>
+                  <a:txBody>
+                    <a:bodyPr/>
+                    <a:lstStyle/>
+                    <a:p>
+                      <a:r>
+                        <a:rPr lang="en-US" sz="2400" kern="1200" dirty="0" smtClean="0">
+                          <a:solidFill>
+                            <a:schemeClr val="dk1"/>
+                          </a:solidFill>
+                          <a:effectLst/>
+                          <a:latin typeface="+mn-lt"/>
+                          <a:ea typeface="+mn-ea"/>
+                          <a:cs typeface="+mn-cs"/>
+                        </a:rPr>
+                        <a:t>CRF </a:t>
+                      </a:r>
+                      <a:endParaRPr lang="ru-RU" sz="2400" dirty="0"/>
+                    </a:p>
+                  </a:txBody>
+                  <a:tcPr/>
+                </a:tc>
+                <a:tc>
+                  <a:txBody>
+                    <a:bodyPr/>
+                    <a:lstStyle/>
+                    <a:p>
+                      <a:r>
+                        <a:rPr lang="ru-RU" sz="2400" dirty="0" smtClean="0"/>
+                        <a:t>Открытое</a:t>
+                      </a:r>
+                      <a:endParaRPr lang="ru-RU" sz="2400" dirty="0"/>
+                    </a:p>
+                  </a:txBody>
+                  <a:tcPr/>
+                </a:tc>
+                <a:tc>
+                  <a:txBody>
+                    <a:bodyPr/>
+                    <a:lstStyle/>
+                    <a:p>
+                      <a:r>
+                        <a:rPr lang="ru-RU" sz="2400" dirty="0" smtClean="0"/>
+                        <a:t>-</a:t>
+                      </a:r>
+                      <a:endParaRPr lang="ru-RU" sz="2400" dirty="0"/>
+                    </a:p>
+                  </a:txBody>
+                  <a:tcPr/>
+                </a:tc>
+                <a:tc>
+                  <a:txBody>
+                    <a:bodyPr/>
+                    <a:lstStyle/>
+                    <a:p>
+                      <a:r>
+                        <a:rPr lang="ru-RU" sz="2400" dirty="0" smtClean="0"/>
+                        <a:t>-</a:t>
+                      </a:r>
+                      <a:endParaRPr lang="ru-RU" sz="2400" dirty="0"/>
+                    </a:p>
+                  </a:txBody>
+                  <a:tcPr/>
+                </a:tc>
+              </a:tr>
+              <a:tr h="473294">
+                <a:tc>
+                  <a:txBody>
+                    <a:bodyPr/>
+                    <a:lstStyle/>
+                    <a:p>
+                      <a:r>
+                        <a:rPr lang="en-US" sz="2400" dirty="0" smtClean="0"/>
+                        <a:t>Text Razor</a:t>
+                      </a:r>
+                      <a:endParaRPr lang="ru-RU" sz="2400" dirty="0"/>
+                    </a:p>
+                  </a:txBody>
+                  <a:tcPr/>
+                </a:tc>
+                <a:tc>
+                  <a:txBody>
+                    <a:bodyPr/>
+                    <a:lstStyle/>
+                    <a:p>
+                      <a:r>
+                        <a:rPr lang="en-US" sz="2400" dirty="0" smtClean="0"/>
+                        <a:t>Wikipedia?</a:t>
+                      </a:r>
+                      <a:endParaRPr lang="ru-RU" sz="2400" dirty="0"/>
+                    </a:p>
+                  </a:txBody>
+                  <a:tcPr/>
+                </a:tc>
+                <a:tc>
+                  <a:txBody>
+                    <a:bodyPr/>
+                    <a:lstStyle/>
+                    <a:p>
+                      <a:r>
                         <a:rPr lang="ru-RU" sz="2400" dirty="0" err="1" smtClean="0"/>
                         <a:t>Проприетарная</a:t>
+                      </a:r>
+                      <a:endParaRPr lang="ru-RU" sz="2400" dirty="0"/>
+                    </a:p>
+                  </a:txBody>
+                  <a:tcPr/>
+                </a:tc>
+                <a:tc>
+                  <a:txBody>
+                    <a:bodyPr/>
+                    <a:lstStyle/>
+                    <a:p>
+                      <a:r>
+                        <a:rPr lang="ru-RU" sz="2400" dirty="0" smtClean="0"/>
+                        <a:t>-</a:t>
+                      </a:r>
+                      <a:endParaRPr lang="ru-RU" sz="2400" dirty="0"/>
+                    </a:p>
+                  </a:txBody>
+                  <a:tcPr/>
+                </a:tc>
+                <a:tc>
+                  <a:txBody>
+                    <a:bodyPr/>
+                    <a:lstStyle/>
+                    <a:p>
+                      <a:r>
+                        <a:rPr lang="ru-RU" sz="2400" dirty="0" smtClean="0"/>
+                        <a:t>-</a:t>
+                      </a:r>
+                      <a:endParaRPr lang="ru-RU" sz="2400" dirty="0"/>
+                    </a:p>
+                  </a:txBody>
+                  <a:tcPr/>
+                </a:tc>
+              </a:tr>
+              <a:tr h="675305">
+                <a:tc>
+                  <a:txBody>
+                    <a:bodyPr/>
+                    <a:lstStyle/>
+                    <a:p>
+                      <a:r>
+                        <a:rPr lang="ru-RU" sz="2400" dirty="0" smtClean="0"/>
+                        <a:t>Моя модель</a:t>
+                      </a:r>
+                      <a:endParaRPr lang="ru-RU" sz="2400" dirty="0"/>
+                    </a:p>
+                  </a:txBody>
+                  <a:tcPr/>
+                </a:tc>
+                <a:tc>
+                  <a:txBody>
+                    <a:bodyPr/>
+                    <a:lstStyle/>
+                    <a:p>
+                      <a:r>
+                        <a:rPr lang="en-US" sz="2400" dirty="0" smtClean="0"/>
+                        <a:t>LSTM,</a:t>
+                      </a:r>
+                      <a:r>
+                        <a:rPr lang="en-US" sz="2400" baseline="0" dirty="0" smtClean="0"/>
+                        <a:t> Regex, RAKE</a:t>
+                      </a:r>
+                      <a:endParaRPr lang="ru-RU" sz="2400" dirty="0"/>
+                    </a:p>
+                  </a:txBody>
+                  <a:tcPr/>
+                </a:tc>
+                <a:tc>
+                  <a:txBody>
+                    <a:bodyPr/>
+                    <a:lstStyle/>
+                    <a:p>
+                      <a:r>
+                        <a:rPr lang="ru-RU" sz="2400" dirty="0" smtClean="0"/>
+                        <a:t>Открытое</a:t>
+                      </a:r>
+                      <a:endParaRPr lang="ru-RU" sz="2400" dirty="0"/>
+                    </a:p>
+                  </a:txBody>
+                  <a:tcPr/>
+                </a:tc>
+                <a:tc>
+                  <a:txBody>
+                    <a:bodyPr/>
+                    <a:lstStyle/>
+                    <a:p>
+                      <a:r>
+                        <a:rPr lang="ru-RU" sz="2400" dirty="0" smtClean="0"/>
+                        <a:t>+</a:t>
+                      </a:r>
+                      <a:endParaRPr lang="ru-RU" sz="2400" dirty="0"/>
+                    </a:p>
+                  </a:txBody>
+                  <a:tcPr/>
+                </a:tc>
+                <a:tc>
+                  <a:txBody>
+                    <a:bodyPr/>
+                    <a:lstStyle/>
+                    <a:p>
+                      <a:r>
+                        <a:rPr lang="ru-RU" sz="2400" dirty="0" smtClean="0"/>
+                        <a:t>+</a:t>
                       </a:r>
                       <a:endParaRPr lang="ru-RU" sz="2400" dirty="0"/>
                     </a:p>
@@ -12505,10 +13376,10 @@
           <a:lstStyle/>
           <a:p>
             <a:fld id="{54312719-E188-4125-8FBE-1E251BCF9D85}" type="slidenum">
-              <a:rPr lang="ru-RU" smtClean="0"/>
+              <a:rPr lang="ru-RU" sz="2400" smtClean="0"/>
               <a:t>7</a:t>
             </a:fld>
-            <a:endParaRPr lang="ru-RU"/>
+            <a:endParaRPr lang="ru-RU" sz="2400" dirty="0"/>
           </a:p>
         </p:txBody>
       </p:sp>
@@ -12593,10 +13464,10 @@
           <a:lstStyle/>
           <a:p>
             <a:fld id="{54312719-E188-4125-8FBE-1E251BCF9D85}" type="slidenum">
-              <a:rPr lang="ru-RU" smtClean="0"/>
+              <a:rPr lang="ru-RU" sz="2400" smtClean="0"/>
               <a:t>8</a:t>
             </a:fld>
-            <a:endParaRPr lang="ru-RU"/>
+            <a:endParaRPr lang="ru-RU" sz="2400" dirty="0"/>
           </a:p>
         </p:txBody>
       </p:sp>
@@ -12691,122 +13562,6 @@
       </p:sp>
       <p:sp>
         <p:nvSpPr>
-          <p:cNvPr id="3" name="Объект 2"/>
-          <p:cNvSpPr>
-            <a:spLocks noGrp="1"/>
-          </p:cNvSpPr>
-          <p:nvPr>
-            <p:ph idx="1"/>
-          </p:nvPr>
-        </p:nvSpPr>
-        <p:spPr/>
-        <p:txBody>
-          <a:bodyPr>
-            <a:normAutofit/>
-          </a:bodyPr>
-          <a:lstStyle/>
-          <a:p>
-            <a:r>
-              <a:rPr lang="en-US" sz="3200" dirty="0" smtClean="0"/>
-              <a:t>Inna</a:t>
-            </a:r>
-            <a:r>
-              <a:rPr lang="ru-RU" sz="3200" dirty="0" smtClean="0"/>
-              <a:t>  </a:t>
-            </a:r>
-            <a:r>
-              <a:rPr lang="en-US" sz="3200" dirty="0" smtClean="0"/>
-              <a:t>V.</a:t>
-            </a:r>
-            <a:r>
-              <a:rPr lang="ru-RU" sz="3200" dirty="0" smtClean="0"/>
-              <a:t>        </a:t>
-            </a:r>
-            <a:r>
-              <a:rPr lang="en-US" sz="3200" dirty="0" err="1" smtClean="0"/>
-              <a:t>Stonik</a:t>
-            </a:r>
-            <a:r>
-              <a:rPr lang="ru-RU" sz="3200" dirty="0" smtClean="0"/>
-              <a:t> </a:t>
-            </a:r>
-            <a:r>
-              <a:rPr lang="en-US" sz="3200" dirty="0" smtClean="0"/>
-              <a:t>lives</a:t>
-            </a:r>
-            <a:r>
-              <a:rPr lang="ru-RU" sz="3200" dirty="0" smtClean="0"/>
-              <a:t> </a:t>
-            </a:r>
-            <a:r>
-              <a:rPr lang="en-US" sz="3200" dirty="0" smtClean="0"/>
-              <a:t>in</a:t>
-            </a:r>
-            <a:r>
-              <a:rPr lang="ru-RU" sz="3200" dirty="0" smtClean="0"/>
-              <a:t> </a:t>
-            </a:r>
-            <a:r>
-              <a:rPr lang="en-US" sz="3200" dirty="0" smtClean="0"/>
-              <a:t>Vladivostok</a:t>
-            </a:r>
-            <a:endParaRPr lang="ru-RU" sz="3200" dirty="0" smtClean="0"/>
-          </a:p>
-          <a:p>
-            <a:r>
-              <a:rPr lang="en-US" sz="3200" dirty="0"/>
-              <a:t>B</a:t>
-            </a:r>
-            <a:r>
-              <a:rPr lang="en-US" sz="3200" dirty="0" smtClean="0"/>
-              <a:t>-PER</a:t>
-            </a:r>
-            <a:r>
-              <a:rPr lang="ru-RU" sz="3200" dirty="0" smtClean="0"/>
-              <a:t> </a:t>
-            </a:r>
-            <a:r>
-              <a:rPr lang="en-US" sz="3200" dirty="0" smtClean="0"/>
-              <a:t>I-PER</a:t>
-            </a:r>
-            <a:r>
-              <a:rPr lang="ru-RU" sz="3200" dirty="0" smtClean="0"/>
-              <a:t> </a:t>
-            </a:r>
-            <a:r>
-              <a:rPr lang="en-US" sz="3200" dirty="0" smtClean="0"/>
-              <a:t>I-PER</a:t>
-            </a:r>
-            <a:r>
-              <a:rPr lang="ru-RU" sz="3200" dirty="0" smtClean="0"/>
-              <a:t>   </a:t>
-            </a:r>
-            <a:r>
-              <a:rPr lang="en-US" sz="3200" dirty="0" smtClean="0"/>
-              <a:t>O </a:t>
-            </a:r>
-            <a:r>
-              <a:rPr lang="ru-RU" sz="3200" dirty="0" smtClean="0"/>
-              <a:t>     </a:t>
-            </a:r>
-            <a:r>
-              <a:rPr lang="en-US" sz="3200" dirty="0" smtClean="0"/>
-              <a:t>O </a:t>
-            </a:r>
-            <a:r>
-              <a:rPr lang="ru-RU" sz="3200" dirty="0" smtClean="0"/>
-              <a:t> </a:t>
-            </a:r>
-            <a:r>
-              <a:rPr lang="en-US" sz="3200" dirty="0" smtClean="0"/>
-              <a:t>B-LOC</a:t>
-            </a:r>
-            <a:endParaRPr lang="ru-RU" sz="3200" dirty="0"/>
-          </a:p>
-        </p:txBody>
-      </p:sp>
-      <p:sp>
-        <p:nvSpPr>
           <p:cNvPr id="4" name="Номер слайда 3"/>
           <p:cNvSpPr>
             <a:spLocks noGrp="1"/>
@@ -12821,16 +13576,281 @@
           <a:lstStyle/>
           <a:p>
             <a:fld id="{54312719-E188-4125-8FBE-1E251BCF9D85}" type="slidenum">
-              <a:rPr lang="ru-RU" smtClean="0"/>
+              <a:rPr lang="ru-RU" sz="2400" smtClean="0"/>
               <a:t>9</a:t>
             </a:fld>
-            <a:endParaRPr lang="ru-RU"/>
+            <a:endParaRPr lang="ru-RU" sz="2400" dirty="0"/>
           </a:p>
         </p:txBody>
       </p:sp>
+      <p:graphicFrame>
+        <p:nvGraphicFramePr>
+          <p:cNvPr id="5" name="Таблица 4"/>
+          <p:cNvGraphicFramePr>
+            <a:graphicFrameLocks noGrp="1"/>
+          </p:cNvGraphicFramePr>
+          <p:nvPr>
+            <p:extLst>
+              <p:ext uri="{D42A27DB-BD31-4B8C-83A1-F6EECF244321}">
+                <p14:modId xmlns:p14="http://schemas.microsoft.com/office/powerpoint/2010/main" val="3981807823"/>
+              </p:ext>
+            </p:extLst>
+          </p:nvPr>
+        </p:nvGraphicFramePr>
+        <p:xfrm>
+          <a:off x="1097280" y="1845733"/>
+          <a:ext cx="10058398" cy="914400"/>
+        </p:xfrm>
+        <a:graphic>
+          <a:graphicData uri="http://schemas.openxmlformats.org/drawingml/2006/table">
+            <a:tbl>
+              <a:tblPr firstRow="1" bandRow="1">
+                <a:tableStyleId>{5C22544A-7EE6-4342-B048-85BDC9FD1C3A}</a:tableStyleId>
+              </a:tblPr>
+              <a:tblGrid>
+                <a:gridCol w="1436914"/>
+                <a:gridCol w="1436914"/>
+                <a:gridCol w="1436914"/>
+                <a:gridCol w="1436914"/>
+                <a:gridCol w="1436914"/>
+                <a:gridCol w="816994"/>
+                <a:gridCol w="2056834"/>
+              </a:tblGrid>
+              <a:tr h="457200">
+                <a:tc>
+                  <a:txBody>
+                    <a:bodyPr/>
+                    <a:lstStyle/>
+                    <a:p>
+                      <a:r>
+                        <a:rPr lang="ru-RU" sz="2400" dirty="0" smtClean="0"/>
+                        <a:t>Слово</a:t>
+                      </a:r>
+                      <a:endParaRPr lang="ru-RU" sz="2400" dirty="0"/>
+                    </a:p>
+                  </a:txBody>
+                  <a:tcPr/>
+                </a:tc>
+                <a:tc>
+                  <a:txBody>
+                    <a:bodyPr/>
+                    <a:lstStyle/>
+                    <a:p>
+                      <a:r>
+                        <a:rPr lang="en-US" sz="2400" dirty="0" smtClean="0"/>
+                        <a:t>Inna</a:t>
+                      </a:r>
+                      <a:r>
+                        <a:rPr lang="ru-RU" sz="2400" dirty="0" smtClean="0"/>
+                        <a:t> </a:t>
+                      </a:r>
+                      <a:endParaRPr lang="ru-RU" sz="2400" dirty="0"/>
+                    </a:p>
+                  </a:txBody>
+                  <a:tcPr/>
+                </a:tc>
+                <a:tc>
+                  <a:txBody>
+                    <a:bodyPr/>
+                    <a:lstStyle/>
+                    <a:p>
+                      <a:r>
+                        <a:rPr lang="en-US" sz="2400" dirty="0" smtClean="0"/>
+                        <a:t>V.</a:t>
+                      </a:r>
+                      <a:endParaRPr lang="ru-RU" sz="2400" dirty="0"/>
+                    </a:p>
+                  </a:txBody>
+                  <a:tcPr/>
+                </a:tc>
+                <a:tc>
+                  <a:txBody>
+                    <a:bodyPr/>
+                    <a:lstStyle/>
+                    <a:p>
+                      <a:r>
+                        <a:rPr lang="en-US" sz="2400" dirty="0" err="1" smtClean="0"/>
+                        <a:t>Stonik</a:t>
+                      </a:r>
+                      <a:r>
+                        <a:rPr lang="ru-RU" sz="2400" dirty="0" smtClean="0"/>
+                        <a:t> </a:t>
+                      </a:r>
+                      <a:endParaRPr lang="ru-RU" sz="2400" dirty="0"/>
+                    </a:p>
+                  </a:txBody>
+                  <a:tcPr/>
+                </a:tc>
+                <a:tc>
+                  <a:txBody>
+                    <a:bodyPr/>
+                    <a:lstStyle/>
+                    <a:p>
+                      <a:r>
+                        <a:rPr lang="en-US" sz="2400" dirty="0" smtClean="0"/>
+                        <a:t>lives</a:t>
+                      </a:r>
+                      <a:r>
+                        <a:rPr lang="ru-RU" sz="2400" dirty="0" smtClean="0"/>
+                        <a:t> </a:t>
+                      </a:r>
+                      <a:endParaRPr lang="ru-RU" sz="2400" dirty="0"/>
+                    </a:p>
+                  </a:txBody>
+                  <a:tcPr/>
+                </a:tc>
+                <a:tc>
+                  <a:txBody>
+                    <a:bodyPr/>
+                    <a:lstStyle/>
+                    <a:p>
+                      <a:r>
+                        <a:rPr lang="en-US" sz="2400" dirty="0" smtClean="0"/>
+                        <a:t>in</a:t>
+                      </a:r>
+                      <a:r>
+                        <a:rPr lang="ru-RU" sz="2400" dirty="0" smtClean="0"/>
+                        <a:t> </a:t>
+                      </a:r>
+                      <a:endParaRPr lang="ru-RU" sz="2400" dirty="0"/>
+                    </a:p>
+                  </a:txBody>
+                  <a:tcPr/>
+                </a:tc>
+                <a:tc>
+                  <a:txBody>
+                    <a:bodyPr/>
+                    <a:lstStyle/>
+                    <a:p>
+                      <a:r>
+                        <a:rPr lang="en-US" sz="2400" dirty="0" smtClean="0"/>
+                        <a:t>Vladivostok</a:t>
+                      </a:r>
+                      <a:endParaRPr lang="ru-RU" sz="2400" dirty="0"/>
+                    </a:p>
+                  </a:txBody>
+                  <a:tcPr/>
+                </a:tc>
+              </a:tr>
+              <a:tr h="435147">
+                <a:tc>
+                  <a:txBody>
+                    <a:bodyPr/>
+                    <a:lstStyle/>
+                    <a:p>
+                      <a:r>
+                        <a:rPr lang="ru-RU" sz="2400" dirty="0" smtClean="0"/>
+                        <a:t>Тэг</a:t>
+                      </a:r>
+                      <a:endParaRPr lang="ru-RU" sz="2400" dirty="0"/>
+                    </a:p>
+                  </a:txBody>
+                  <a:tcPr/>
+                </a:tc>
+                <a:tc>
+                  <a:txBody>
+                    <a:bodyPr/>
+                    <a:lstStyle/>
+                    <a:p>
+                      <a:r>
+                        <a:rPr lang="en-US" sz="2400" dirty="0" smtClean="0"/>
+                        <a:t>B-PER</a:t>
+                      </a:r>
+                      <a:r>
+                        <a:rPr lang="ru-RU" sz="2400" dirty="0" smtClean="0"/>
+                        <a:t> </a:t>
+                      </a:r>
+                      <a:endParaRPr lang="ru-RU" sz="2400" dirty="0"/>
+                    </a:p>
+                  </a:txBody>
+                  <a:tcPr/>
+                </a:tc>
+                <a:tc>
+                  <a:txBody>
+                    <a:bodyPr/>
+                    <a:lstStyle/>
+                    <a:p>
+                      <a:r>
+                        <a:rPr lang="en-US" sz="2400" dirty="0" smtClean="0"/>
+                        <a:t>I-PER</a:t>
+                      </a:r>
+                      <a:r>
+                        <a:rPr lang="ru-RU" sz="2400" dirty="0" smtClean="0"/>
+                        <a:t> </a:t>
+                      </a:r>
+                      <a:endParaRPr lang="ru-RU" sz="2400" dirty="0"/>
+                    </a:p>
+                  </a:txBody>
+                  <a:tcPr/>
+                </a:tc>
+                <a:tc>
+                  <a:txBody>
+                    <a:bodyPr/>
+                    <a:lstStyle/>
+                    <a:p>
+                      <a:r>
+                        <a:rPr lang="en-US" sz="2400" dirty="0" smtClean="0"/>
+                        <a:t>I-PER</a:t>
+                      </a:r>
+                      <a:r>
+                        <a:rPr lang="ru-RU" sz="2400" dirty="0" smtClean="0"/>
+                        <a:t> </a:t>
+                      </a:r>
+                      <a:endParaRPr lang="ru-RU" sz="2400" dirty="0"/>
+                    </a:p>
+                  </a:txBody>
+                  <a:tcPr/>
+                </a:tc>
+                <a:tc>
+                  <a:txBody>
+                    <a:bodyPr/>
+                    <a:lstStyle/>
+                    <a:p>
+                      <a:r>
+                        <a:rPr lang="en-US" sz="2400" dirty="0" smtClean="0"/>
+                        <a:t>O </a:t>
+                      </a:r>
+                      <a:endParaRPr lang="ru-RU" sz="2400" dirty="0"/>
+                    </a:p>
+                  </a:txBody>
+                  <a:tcPr/>
+                </a:tc>
+                <a:tc>
+                  <a:txBody>
+                    <a:bodyPr/>
+                    <a:lstStyle/>
+                    <a:p>
+                      <a:r>
+                        <a:rPr lang="en-US" sz="2400" dirty="0" smtClean="0"/>
+                        <a:t>O </a:t>
+                      </a:r>
+                      <a:endParaRPr lang="ru-RU" sz="2400" dirty="0"/>
+                    </a:p>
+                  </a:txBody>
+                  <a:tcPr/>
+                </a:tc>
+                <a:tc>
+                  <a:txBody>
+                    <a:bodyPr/>
+                    <a:lstStyle/>
+                    <a:p>
+                      <a:r>
+                        <a:rPr lang="en-US" sz="2400" dirty="0" smtClean="0"/>
+                        <a:t>B-LOC</a:t>
+                      </a:r>
+                      <a:endParaRPr lang="ru-RU" sz="2400" dirty="0"/>
+                    </a:p>
+                  </a:txBody>
+                  <a:tcPr/>
+                </a:tc>
+              </a:tr>
+            </a:tbl>
+          </a:graphicData>
+        </a:graphic>
+      </p:graphicFrame>
       <p:pic>
         <p:nvPicPr>
-          <p:cNvPr id="6" name="Рисунок 5"/>
+          <p:cNvPr id="9" name="Рисунок 8"/>
           <p:cNvPicPr>
             <a:picLocks noChangeAspect="1"/>
           </p:cNvPicPr>
@@ -12850,8 +13870,8 @@
         </p:blipFill>
         <p:spPr>
           <a:xfrm>
-            <a:off x="2727280" y="3297404"/>
-            <a:ext cx="6528414" cy="2959017"/>
+            <a:off x="2727654" y="2760133"/>
+            <a:ext cx="6797650" cy="3527778"/>
           </a:xfrm>
           <a:prstGeom prst="rect">
             <a:avLst/>

--- a/report.pptx
+++ b/report.pptx
@@ -5,30 +5,31 @@
     <p:sldMasterId id="2147483678" r:id="rId1"/>
   </p:sldMasterIdLst>
   <p:notesMasterIdLst>
-    <p:notesMasterId r:id="rId23"/>
+    <p:notesMasterId r:id="rId24"/>
   </p:notesMasterIdLst>
   <p:sldIdLst>
     <p:sldId id="256" r:id="rId2"/>
-    <p:sldId id="257" r:id="rId3"/>
-    <p:sldId id="258" r:id="rId4"/>
-    <p:sldId id="269" r:id="rId5"/>
-    <p:sldId id="275" r:id="rId6"/>
-    <p:sldId id="260" r:id="rId7"/>
-    <p:sldId id="259" r:id="rId8"/>
-    <p:sldId id="261" r:id="rId9"/>
-    <p:sldId id="263" r:id="rId10"/>
-    <p:sldId id="266" r:id="rId11"/>
-    <p:sldId id="265" r:id="rId12"/>
-    <p:sldId id="267" r:id="rId13"/>
-    <p:sldId id="273" r:id="rId14"/>
-    <p:sldId id="271" r:id="rId15"/>
-    <p:sldId id="264" r:id="rId16"/>
-    <p:sldId id="262" r:id="rId17"/>
-    <p:sldId id="272" r:id="rId18"/>
-    <p:sldId id="274" r:id="rId19"/>
-    <p:sldId id="270" r:id="rId20"/>
-    <p:sldId id="277" r:id="rId21"/>
-    <p:sldId id="276" r:id="rId22"/>
+    <p:sldId id="278" r:id="rId3"/>
+    <p:sldId id="257" r:id="rId4"/>
+    <p:sldId id="258" r:id="rId5"/>
+    <p:sldId id="269" r:id="rId6"/>
+    <p:sldId id="275" r:id="rId7"/>
+    <p:sldId id="260" r:id="rId8"/>
+    <p:sldId id="259" r:id="rId9"/>
+    <p:sldId id="261" r:id="rId10"/>
+    <p:sldId id="263" r:id="rId11"/>
+    <p:sldId id="266" r:id="rId12"/>
+    <p:sldId id="265" r:id="rId13"/>
+    <p:sldId id="267" r:id="rId14"/>
+    <p:sldId id="273" r:id="rId15"/>
+    <p:sldId id="271" r:id="rId16"/>
+    <p:sldId id="264" r:id="rId17"/>
+    <p:sldId id="262" r:id="rId18"/>
+    <p:sldId id="272" r:id="rId19"/>
+    <p:sldId id="274" r:id="rId20"/>
+    <p:sldId id="270" r:id="rId21"/>
+    <p:sldId id="277" r:id="rId22"/>
+    <p:sldId id="276" r:id="rId23"/>
   </p:sldIdLst>
   <p:sldSz cx="12192000" cy="6858000"/>
   <p:notesSz cx="6858000" cy="9144000"/>
@@ -217,7 +218,7 @@
           <a:p>
             <a:fld id="{D766DA2C-6D91-4888-A01C-01981EF51355}" type="datetimeFigureOut">
               <a:rPr lang="ru-RU" smtClean="0"/>
-              <a:t>13.06.2018</a:t>
+              <a:t>18.06.2018</a:t>
             </a:fld>
             <a:endParaRPr lang="ru-RU"/>
           </a:p>
@@ -550,7 +551,7 @@
           <a:p>
             <a:fld id="{5F96BB40-A219-4818-920B-230C1D1D102D}" type="slidenum">
               <a:rPr lang="ru-RU" smtClean="0"/>
-              <a:t>2</a:t>
+              <a:t>3</a:t>
             </a:fld>
             <a:endParaRPr lang="ru-RU"/>
           </a:p>
@@ -634,7 +635,7 @@
           <a:p>
             <a:fld id="{5F96BB40-A219-4818-920B-230C1D1D102D}" type="slidenum">
               <a:rPr lang="ru-RU" smtClean="0"/>
-              <a:t>3</a:t>
+              <a:t>4</a:t>
             </a:fld>
             <a:endParaRPr lang="ru-RU"/>
           </a:p>
@@ -718,7 +719,7 @@
           <a:p>
             <a:fld id="{5F96BB40-A219-4818-920B-230C1D1D102D}" type="slidenum">
               <a:rPr lang="ru-RU" smtClean="0"/>
-              <a:t>6</a:t>
+              <a:t>7</a:t>
             </a:fld>
             <a:endParaRPr lang="ru-RU"/>
           </a:p>
@@ -728,6 +729,258 @@
     <p:extLst>
       <p:ext uri="{BB962C8B-B14F-4D97-AF65-F5344CB8AC3E}">
         <p14:creationId xmlns:p14="http://schemas.microsoft.com/office/powerpoint/2010/main" val="3487361641"/>
+      </p:ext>
+    </p:extLst>
+  </p:cSld>
+  <p:clrMapOvr>
+    <a:masterClrMapping/>
+  </p:clrMapOvr>
+</p:notes>
+</file>
+
+<file path=ppt/notesSlides/notesSlide4.xml><?xml version="1.0" encoding="utf-8"?>
+<p:notes xmlns:a="http://schemas.openxmlformats.org/drawingml/2006/main" xmlns:r="http://schemas.openxmlformats.org/officeDocument/2006/relationships" xmlns:p="http://schemas.openxmlformats.org/presentationml/2006/main">
+  <p:cSld>
+    <p:spTree>
+      <p:nvGrpSpPr>
+        <p:cNvPr id="1" name=""/>
+        <p:cNvGrpSpPr/>
+        <p:nvPr/>
+      </p:nvGrpSpPr>
+      <p:grpSpPr>
+        <a:xfrm>
+          <a:off x="0" y="0"/>
+          <a:ext cx="0" cy="0"/>
+          <a:chOff x="0" y="0"/>
+          <a:chExt cx="0" cy="0"/>
+        </a:xfrm>
+      </p:grpSpPr>
+      <p:sp>
+        <p:nvSpPr>
+          <p:cNvPr id="2" name="Образ слайда 1"/>
+          <p:cNvSpPr>
+            <a:spLocks noGrp="1" noRot="1" noChangeAspect="1"/>
+          </p:cNvSpPr>
+          <p:nvPr>
+            <p:ph type="sldImg"/>
+          </p:nvPr>
+        </p:nvSpPr>
+        <p:spPr/>
+      </p:sp>
+      <p:sp>
+        <p:nvSpPr>
+          <p:cNvPr id="3" name="Заметки 2"/>
+          <p:cNvSpPr>
+            <a:spLocks noGrp="1"/>
+          </p:cNvSpPr>
+          <p:nvPr>
+            <p:ph type="body" idx="1"/>
+          </p:nvPr>
+        </p:nvSpPr>
+        <p:spPr/>
+        <p:txBody>
+          <a:bodyPr/>
+          <a:lstStyle/>
+          <a:p>
+            <a:endParaRPr lang="ru-RU"/>
+          </a:p>
+        </p:txBody>
+      </p:sp>
+      <p:sp>
+        <p:nvSpPr>
+          <p:cNvPr id="4" name="Номер слайда 3"/>
+          <p:cNvSpPr>
+            <a:spLocks noGrp="1"/>
+          </p:cNvSpPr>
+          <p:nvPr>
+            <p:ph type="sldNum" sz="quarter" idx="10"/>
+          </p:nvPr>
+        </p:nvSpPr>
+        <p:spPr/>
+        <p:txBody>
+          <a:bodyPr/>
+          <a:lstStyle/>
+          <a:p>
+            <a:fld id="{5F96BB40-A219-4818-920B-230C1D1D102D}" type="slidenum">
+              <a:rPr lang="ru-RU" smtClean="0"/>
+              <a:t>13</a:t>
+            </a:fld>
+            <a:endParaRPr lang="ru-RU"/>
+          </a:p>
+        </p:txBody>
+      </p:sp>
+    </p:spTree>
+    <p:extLst>
+      <p:ext uri="{BB962C8B-B14F-4D97-AF65-F5344CB8AC3E}">
+        <p14:creationId xmlns:p14="http://schemas.microsoft.com/office/powerpoint/2010/main" val="2534929223"/>
+      </p:ext>
+    </p:extLst>
+  </p:cSld>
+  <p:clrMapOvr>
+    <a:masterClrMapping/>
+  </p:clrMapOvr>
+</p:notes>
+</file>
+
+<file path=ppt/notesSlides/notesSlide5.xml><?xml version="1.0" encoding="utf-8"?>
+<p:notes xmlns:a="http://schemas.openxmlformats.org/drawingml/2006/main" xmlns:r="http://schemas.openxmlformats.org/officeDocument/2006/relationships" xmlns:p="http://schemas.openxmlformats.org/presentationml/2006/main">
+  <p:cSld>
+    <p:spTree>
+      <p:nvGrpSpPr>
+        <p:cNvPr id="1" name=""/>
+        <p:cNvGrpSpPr/>
+        <p:nvPr/>
+      </p:nvGrpSpPr>
+      <p:grpSpPr>
+        <a:xfrm>
+          <a:off x="0" y="0"/>
+          <a:ext cx="0" cy="0"/>
+          <a:chOff x="0" y="0"/>
+          <a:chExt cx="0" cy="0"/>
+        </a:xfrm>
+      </p:grpSpPr>
+      <p:sp>
+        <p:nvSpPr>
+          <p:cNvPr id="2" name="Образ слайда 1"/>
+          <p:cNvSpPr>
+            <a:spLocks noGrp="1" noRot="1" noChangeAspect="1"/>
+          </p:cNvSpPr>
+          <p:nvPr>
+            <p:ph type="sldImg"/>
+          </p:nvPr>
+        </p:nvSpPr>
+        <p:spPr/>
+      </p:sp>
+      <p:sp>
+        <p:nvSpPr>
+          <p:cNvPr id="3" name="Заметки 2"/>
+          <p:cNvSpPr>
+            <a:spLocks noGrp="1"/>
+          </p:cNvSpPr>
+          <p:nvPr>
+            <p:ph type="body" idx="1"/>
+          </p:nvPr>
+        </p:nvSpPr>
+        <p:spPr/>
+        <p:txBody>
+          <a:bodyPr/>
+          <a:lstStyle/>
+          <a:p>
+            <a:endParaRPr lang="ru-RU" dirty="0"/>
+          </a:p>
+        </p:txBody>
+      </p:sp>
+      <p:sp>
+        <p:nvSpPr>
+          <p:cNvPr id="4" name="Номер слайда 3"/>
+          <p:cNvSpPr>
+            <a:spLocks noGrp="1"/>
+          </p:cNvSpPr>
+          <p:nvPr>
+            <p:ph type="sldNum" sz="quarter" idx="10"/>
+          </p:nvPr>
+        </p:nvSpPr>
+        <p:spPr/>
+        <p:txBody>
+          <a:bodyPr/>
+          <a:lstStyle/>
+          <a:p>
+            <a:fld id="{5F96BB40-A219-4818-920B-230C1D1D102D}" type="slidenum">
+              <a:rPr lang="ru-RU" smtClean="0"/>
+              <a:t>21</a:t>
+            </a:fld>
+            <a:endParaRPr lang="ru-RU"/>
+          </a:p>
+        </p:txBody>
+      </p:sp>
+    </p:spTree>
+    <p:extLst>
+      <p:ext uri="{BB962C8B-B14F-4D97-AF65-F5344CB8AC3E}">
+        <p14:creationId xmlns:p14="http://schemas.microsoft.com/office/powerpoint/2010/main" val="4222463811"/>
+      </p:ext>
+    </p:extLst>
+  </p:cSld>
+  <p:clrMapOvr>
+    <a:masterClrMapping/>
+  </p:clrMapOvr>
+</p:notes>
+</file>
+
+<file path=ppt/notesSlides/notesSlide6.xml><?xml version="1.0" encoding="utf-8"?>
+<p:notes xmlns:a="http://schemas.openxmlformats.org/drawingml/2006/main" xmlns:r="http://schemas.openxmlformats.org/officeDocument/2006/relationships" xmlns:p="http://schemas.openxmlformats.org/presentationml/2006/main">
+  <p:cSld>
+    <p:spTree>
+      <p:nvGrpSpPr>
+        <p:cNvPr id="1" name=""/>
+        <p:cNvGrpSpPr/>
+        <p:nvPr/>
+      </p:nvGrpSpPr>
+      <p:grpSpPr>
+        <a:xfrm>
+          <a:off x="0" y="0"/>
+          <a:ext cx="0" cy="0"/>
+          <a:chOff x="0" y="0"/>
+          <a:chExt cx="0" cy="0"/>
+        </a:xfrm>
+      </p:grpSpPr>
+      <p:sp>
+        <p:nvSpPr>
+          <p:cNvPr id="2" name="Образ слайда 1"/>
+          <p:cNvSpPr>
+            <a:spLocks noGrp="1" noRot="1" noChangeAspect="1"/>
+          </p:cNvSpPr>
+          <p:nvPr>
+            <p:ph type="sldImg"/>
+          </p:nvPr>
+        </p:nvSpPr>
+        <p:spPr/>
+      </p:sp>
+      <p:sp>
+        <p:nvSpPr>
+          <p:cNvPr id="3" name="Заметки 2"/>
+          <p:cNvSpPr>
+            <a:spLocks noGrp="1"/>
+          </p:cNvSpPr>
+          <p:nvPr>
+            <p:ph type="body" idx="1"/>
+          </p:nvPr>
+        </p:nvSpPr>
+        <p:spPr/>
+        <p:txBody>
+          <a:bodyPr/>
+          <a:lstStyle/>
+          <a:p>
+            <a:endParaRPr lang="ru-RU"/>
+          </a:p>
+        </p:txBody>
+      </p:sp>
+      <p:sp>
+        <p:nvSpPr>
+          <p:cNvPr id="4" name="Номер слайда 3"/>
+          <p:cNvSpPr>
+            <a:spLocks noGrp="1"/>
+          </p:cNvSpPr>
+          <p:nvPr>
+            <p:ph type="sldNum" sz="quarter" idx="10"/>
+          </p:nvPr>
+        </p:nvSpPr>
+        <p:spPr/>
+        <p:txBody>
+          <a:bodyPr/>
+          <a:lstStyle/>
+          <a:p>
+            <a:fld id="{5F96BB40-A219-4818-920B-230C1D1D102D}" type="slidenum">
+              <a:rPr lang="ru-RU" smtClean="0"/>
+              <a:t>22</a:t>
+            </a:fld>
+            <a:endParaRPr lang="ru-RU"/>
+          </a:p>
+        </p:txBody>
+      </p:sp>
+    </p:spTree>
+    <p:extLst>
+      <p:ext uri="{BB962C8B-B14F-4D97-AF65-F5344CB8AC3E}">
+        <p14:creationId xmlns:p14="http://schemas.microsoft.com/office/powerpoint/2010/main" val="116115932"/>
       </p:ext>
     </p:extLst>
   </p:cSld>
@@ -963,7 +1216,7 @@
           <a:p>
             <a:fld id="{18837A14-3D39-42D9-9056-F1062FE5D0F9}" type="datetime1">
               <a:rPr lang="ru-RU" smtClean="0"/>
-              <a:t>13.06.2018</a:t>
+              <a:t>18.06.2018</a:t>
             </a:fld>
             <a:endParaRPr lang="ru-RU"/>
           </a:p>
@@ -1171,7 +1424,7 @@
           <a:p>
             <a:fld id="{3820FA97-3B9C-4C9F-86D0-2D0822049852}" type="datetime1">
               <a:rPr lang="ru-RU" smtClean="0"/>
-              <a:t>13.06.2018</a:t>
+              <a:t>18.06.2018</a:t>
             </a:fld>
             <a:endParaRPr lang="ru-RU"/>
           </a:p>
@@ -1427,7 +1680,7 @@
           <a:p>
             <a:fld id="{96A5DF4A-BDB0-4A4F-8016-D636757619FD}" type="datetime1">
               <a:rPr lang="ru-RU" smtClean="0"/>
-              <a:t>13.06.2018</a:t>
+              <a:t>18.06.2018</a:t>
             </a:fld>
             <a:endParaRPr lang="ru-RU"/>
           </a:p>
@@ -1601,7 +1854,7 @@
           <a:p>
             <a:fld id="{FE59C463-7644-4BCC-9DCC-EC8C567A0F36}" type="datetime1">
               <a:rPr lang="ru-RU" smtClean="0"/>
-              <a:t>13.06.2018</a:t>
+              <a:t>18.06.2018</a:t>
             </a:fld>
             <a:endParaRPr lang="ru-RU"/>
           </a:p>
@@ -1944,7 +2197,7 @@
           <a:p>
             <a:fld id="{6D1229F1-4B30-47BD-8CCF-94D6BFC7AE8E}" type="datetime1">
               <a:rPr lang="ru-RU" smtClean="0"/>
-              <a:t>13.06.2018</a:t>
+              <a:t>18.06.2018</a:t>
             </a:fld>
             <a:endParaRPr lang="ru-RU"/>
           </a:p>
@@ -2219,7 +2472,7 @@
           <a:p>
             <a:fld id="{7D3E3913-5AFD-44C6-8B4C-158E5793D2A4}" type="datetime1">
               <a:rPr lang="ru-RU" smtClean="0"/>
-              <a:t>13.06.2018</a:t>
+              <a:t>18.06.2018</a:t>
             </a:fld>
             <a:endParaRPr lang="ru-RU"/>
           </a:p>
@@ -2598,7 +2851,7 @@
           <a:p>
             <a:fld id="{AF6518BD-5A14-48F4-8C85-7EB83F6CA3F8}" type="datetime1">
               <a:rPr lang="ru-RU" smtClean="0"/>
-              <a:t>13.06.2018</a:t>
+              <a:t>18.06.2018</a:t>
             </a:fld>
             <a:endParaRPr lang="ru-RU"/>
           </a:p>
@@ -2716,7 +2969,7 @@
           <a:p>
             <a:fld id="{2C7BE2EB-2075-4761-9D0C-5FF2BAC03B84}" type="datetime1">
               <a:rPr lang="ru-RU" smtClean="0"/>
-              <a:t>13.06.2018</a:t>
+              <a:t>18.06.2018</a:t>
             </a:fld>
             <a:endParaRPr lang="ru-RU"/>
           </a:p>
@@ -2887,7 +3140,7 @@
           <a:p>
             <a:fld id="{C5FED122-B1B9-4197-AD73-80AAB00358F0}" type="datetime1">
               <a:rPr lang="ru-RU" smtClean="0"/>
-              <a:t>13.06.2018</a:t>
+              <a:t>18.06.2018</a:t>
             </a:fld>
             <a:endParaRPr lang="ru-RU"/>
           </a:p>
@@ -3241,7 +3494,7 @@
           <a:p>
             <a:fld id="{F6FAD313-3015-49C8-90D4-336FF46AF479}" type="datetime1">
               <a:rPr lang="ru-RU" smtClean="0"/>
-              <a:t>13.06.2018</a:t>
+              <a:t>18.06.2018</a:t>
             </a:fld>
             <a:endParaRPr lang="ru-RU"/>
           </a:p>
@@ -3623,7 +3876,7 @@
           <a:p>
             <a:fld id="{82C1DDF3-30EC-40D8-869B-0E53F1E7B123}" type="datetime1">
               <a:rPr lang="ru-RU" smtClean="0"/>
-              <a:t>13.06.2018</a:t>
+              <a:t>18.06.2018</a:t>
             </a:fld>
             <a:endParaRPr lang="ru-RU"/>
           </a:p>
@@ -3910,7 +4163,7 @@
           <a:p>
             <a:fld id="{F4D33611-8D4F-43A3-A0AB-EBE66414247D}" type="datetime1">
               <a:rPr lang="ru-RU" smtClean="0"/>
-              <a:t>13.06.2018</a:t>
+              <a:t>18.06.2018</a:t>
             </a:fld>
             <a:endParaRPr lang="ru-RU"/>
           </a:p>
@@ -4509,26 +4762,14 @@
             <a:pPr algn="l"/>
             <a:r>
               <a:rPr lang="ru-RU" dirty="0" smtClean="0"/>
-              <a:t>Выполнил: Глущенко </a:t>
-            </a:r>
+              <a:t>Выполнил: Глущенко Даниил Александрович, гр. Б8403а </a:t>
+            </a:r>
+          </a:p>
+          <a:p>
+            <a:pPr algn="l"/>
             <a:r>
               <a:rPr lang="ru-RU" dirty="0" smtClean="0"/>
-              <a:t>Даниил Александрович, </a:t>
-            </a:r>
-            <a:r>
-              <a:rPr lang="ru-RU" dirty="0" smtClean="0"/>
-              <a:t>гр. Б8403а </a:t>
-            </a:r>
-          </a:p>
-          <a:p>
-            <a:pPr algn="l"/>
-            <a:r>
-              <a:rPr lang="ru-RU" dirty="0" smtClean="0"/>
-              <a:t>Научный руководитель: к.т.н., доцент, Шевченко </a:t>
-            </a:r>
-            <a:r>
-              <a:rPr lang="ru-RU" dirty="0" smtClean="0"/>
-              <a:t>Игорь Иванович</a:t>
+              <a:t>Научный руководитель: к.т.н., доцент, Шевченко              Игорь Иванович</a:t>
             </a:r>
             <a:endParaRPr lang="ru-RU" dirty="0"/>
           </a:p>
@@ -4583,6 +4824,616 @@
         </p:nvSpPr>
         <p:spPr/>
         <p:txBody>
+          <a:bodyPr/>
+          <a:lstStyle/>
+          <a:p>
+            <a:r>
+              <a:rPr lang="ru-RU" dirty="0" smtClean="0"/>
+              <a:t>Модель</a:t>
+            </a:r>
+            <a:endParaRPr lang="ru-RU" dirty="0"/>
+          </a:p>
+        </p:txBody>
+      </p:sp>
+      <p:sp>
+        <p:nvSpPr>
+          <p:cNvPr id="4" name="Номер слайда 3"/>
+          <p:cNvSpPr>
+            <a:spLocks noGrp="1"/>
+          </p:cNvSpPr>
+          <p:nvPr>
+            <p:ph type="sldNum" sz="quarter" idx="12"/>
+          </p:nvPr>
+        </p:nvSpPr>
+        <p:spPr/>
+        <p:txBody>
+          <a:bodyPr/>
+          <a:lstStyle/>
+          <a:p>
+            <a:fld id="{54312719-E188-4125-8FBE-1E251BCF9D85}" type="slidenum">
+              <a:rPr lang="ru-RU" sz="2400" smtClean="0"/>
+              <a:t>10</a:t>
+            </a:fld>
+            <a:r>
+              <a:rPr lang="en-US" sz="2400" dirty="0"/>
+              <a:t> / 22</a:t>
+            </a:r>
+            <a:endParaRPr lang="ru-RU" sz="2400" dirty="0"/>
+          </a:p>
+        </p:txBody>
+      </p:sp>
+      <p:graphicFrame>
+        <p:nvGraphicFramePr>
+          <p:cNvPr id="5" name="Таблица 4"/>
+          <p:cNvGraphicFramePr>
+            <a:graphicFrameLocks noGrp="1"/>
+          </p:cNvGraphicFramePr>
+          <p:nvPr>
+            <p:extLst>
+              <p:ext uri="{D42A27DB-BD31-4B8C-83A1-F6EECF244321}">
+                <p14:modId xmlns:p14="http://schemas.microsoft.com/office/powerpoint/2010/main" val="1108755140"/>
+              </p:ext>
+            </p:extLst>
+          </p:nvPr>
+        </p:nvGraphicFramePr>
+        <p:xfrm>
+          <a:off x="1097280" y="1845733"/>
+          <a:ext cx="10058398" cy="914400"/>
+        </p:xfrm>
+        <a:graphic>
+          <a:graphicData uri="http://schemas.openxmlformats.org/drawingml/2006/table">
+            <a:tbl>
+              <a:tblPr firstRow="1" bandRow="1">
+                <a:tableStyleId>{5C22544A-7EE6-4342-B048-85BDC9FD1C3A}</a:tableStyleId>
+              </a:tblPr>
+              <a:tblGrid>
+                <a:gridCol w="1436914"/>
+                <a:gridCol w="1436914"/>
+                <a:gridCol w="1436914"/>
+                <a:gridCol w="1436914"/>
+                <a:gridCol w="1436914"/>
+                <a:gridCol w="816994"/>
+                <a:gridCol w="2056834"/>
+              </a:tblGrid>
+              <a:tr h="457200">
+                <a:tc>
+                  <a:txBody>
+                    <a:bodyPr/>
+                    <a:lstStyle/>
+                    <a:p>
+                      <a:r>
+                        <a:rPr lang="ru-RU" sz="2400" dirty="0" smtClean="0">
+                          <a:solidFill>
+                            <a:schemeClr val="bg1"/>
+                          </a:solidFill>
+                        </a:rPr>
+                        <a:t>Слово</a:t>
+                      </a:r>
+                      <a:endParaRPr lang="ru-RU" sz="2400" dirty="0">
+                        <a:solidFill>
+                          <a:schemeClr val="bg1"/>
+                        </a:solidFill>
+                      </a:endParaRPr>
+                    </a:p>
+                  </a:txBody>
+                  <a:tcPr/>
+                </a:tc>
+                <a:tc>
+                  <a:txBody>
+                    <a:bodyPr/>
+                    <a:lstStyle/>
+                    <a:p>
+                      <a:r>
+                        <a:rPr lang="en-US" sz="2400" b="0" dirty="0" smtClean="0">
+                          <a:solidFill>
+                            <a:schemeClr val="tx1"/>
+                          </a:solidFill>
+                        </a:rPr>
+                        <a:t>Inna</a:t>
+                      </a:r>
+                      <a:r>
+                        <a:rPr lang="ru-RU" sz="2400" b="0" dirty="0" smtClean="0">
+                          <a:solidFill>
+                            <a:schemeClr val="tx1"/>
+                          </a:solidFill>
+                        </a:rPr>
+                        <a:t> </a:t>
+                      </a:r>
+                      <a:endParaRPr lang="ru-RU" sz="2400" b="0" dirty="0">
+                        <a:solidFill>
+                          <a:schemeClr val="tx1"/>
+                        </a:solidFill>
+                      </a:endParaRPr>
+                    </a:p>
+                  </a:txBody>
+                  <a:tcPr>
+                    <a:solidFill>
+                      <a:schemeClr val="accent1">
+                        <a:lumMod val="40000"/>
+                        <a:lumOff val="60000"/>
+                      </a:schemeClr>
+                    </a:solidFill>
+                  </a:tcPr>
+                </a:tc>
+                <a:tc>
+                  <a:txBody>
+                    <a:bodyPr/>
+                    <a:lstStyle/>
+                    <a:p>
+                      <a:r>
+                        <a:rPr lang="en-US" sz="2400" b="0" dirty="0" smtClean="0">
+                          <a:solidFill>
+                            <a:schemeClr val="tx1"/>
+                          </a:solidFill>
+                        </a:rPr>
+                        <a:t>V.</a:t>
+                      </a:r>
+                      <a:endParaRPr lang="ru-RU" sz="2400" b="0" dirty="0">
+                        <a:solidFill>
+                          <a:schemeClr val="tx1"/>
+                        </a:solidFill>
+                      </a:endParaRPr>
+                    </a:p>
+                  </a:txBody>
+                  <a:tcPr>
+                    <a:solidFill>
+                      <a:schemeClr val="accent1">
+                        <a:lumMod val="40000"/>
+                        <a:lumOff val="60000"/>
+                      </a:schemeClr>
+                    </a:solidFill>
+                  </a:tcPr>
+                </a:tc>
+                <a:tc>
+                  <a:txBody>
+                    <a:bodyPr/>
+                    <a:lstStyle/>
+                    <a:p>
+                      <a:r>
+                        <a:rPr lang="en-US" sz="2400" b="0" dirty="0" err="1" smtClean="0">
+                          <a:solidFill>
+                            <a:schemeClr val="tx1"/>
+                          </a:solidFill>
+                        </a:rPr>
+                        <a:t>Stonik</a:t>
+                      </a:r>
+                      <a:r>
+                        <a:rPr lang="ru-RU" sz="2400" b="0" dirty="0" smtClean="0">
+                          <a:solidFill>
+                            <a:schemeClr val="tx1"/>
+                          </a:solidFill>
+                        </a:rPr>
+                        <a:t> </a:t>
+                      </a:r>
+                      <a:endParaRPr lang="ru-RU" sz="2400" b="0" dirty="0">
+                        <a:solidFill>
+                          <a:schemeClr val="tx1"/>
+                        </a:solidFill>
+                      </a:endParaRPr>
+                    </a:p>
+                  </a:txBody>
+                  <a:tcPr>
+                    <a:solidFill>
+                      <a:schemeClr val="accent1">
+                        <a:lumMod val="40000"/>
+                        <a:lumOff val="60000"/>
+                      </a:schemeClr>
+                    </a:solidFill>
+                  </a:tcPr>
+                </a:tc>
+                <a:tc>
+                  <a:txBody>
+                    <a:bodyPr/>
+                    <a:lstStyle/>
+                    <a:p>
+                      <a:r>
+                        <a:rPr lang="en-US" sz="2400" b="0" dirty="0" smtClean="0">
+                          <a:solidFill>
+                            <a:schemeClr val="tx1"/>
+                          </a:solidFill>
+                        </a:rPr>
+                        <a:t>lives</a:t>
+                      </a:r>
+                      <a:r>
+                        <a:rPr lang="ru-RU" sz="2400" b="0" dirty="0" smtClean="0">
+                          <a:solidFill>
+                            <a:schemeClr val="tx1"/>
+                          </a:solidFill>
+                        </a:rPr>
+                        <a:t> </a:t>
+                      </a:r>
+                      <a:endParaRPr lang="ru-RU" sz="2400" b="0" dirty="0">
+                        <a:solidFill>
+                          <a:schemeClr val="tx1"/>
+                        </a:solidFill>
+                      </a:endParaRPr>
+                    </a:p>
+                  </a:txBody>
+                  <a:tcPr>
+                    <a:solidFill>
+                      <a:schemeClr val="accent1">
+                        <a:lumMod val="40000"/>
+                        <a:lumOff val="60000"/>
+                      </a:schemeClr>
+                    </a:solidFill>
+                  </a:tcPr>
+                </a:tc>
+                <a:tc>
+                  <a:txBody>
+                    <a:bodyPr/>
+                    <a:lstStyle/>
+                    <a:p>
+                      <a:r>
+                        <a:rPr lang="en-US" sz="2400" b="0" dirty="0" smtClean="0">
+                          <a:solidFill>
+                            <a:schemeClr val="tx1"/>
+                          </a:solidFill>
+                        </a:rPr>
+                        <a:t>in</a:t>
+                      </a:r>
+                      <a:r>
+                        <a:rPr lang="ru-RU" sz="2400" b="0" dirty="0" smtClean="0">
+                          <a:solidFill>
+                            <a:schemeClr val="tx1"/>
+                          </a:solidFill>
+                        </a:rPr>
+                        <a:t> </a:t>
+                      </a:r>
+                      <a:endParaRPr lang="ru-RU" sz="2400" b="0" dirty="0">
+                        <a:solidFill>
+                          <a:schemeClr val="tx1"/>
+                        </a:solidFill>
+                      </a:endParaRPr>
+                    </a:p>
+                  </a:txBody>
+                  <a:tcPr>
+                    <a:solidFill>
+                      <a:schemeClr val="accent1">
+                        <a:lumMod val="40000"/>
+                        <a:lumOff val="60000"/>
+                      </a:schemeClr>
+                    </a:solidFill>
+                  </a:tcPr>
+                </a:tc>
+                <a:tc>
+                  <a:txBody>
+                    <a:bodyPr/>
+                    <a:lstStyle/>
+                    <a:p>
+                      <a:r>
+                        <a:rPr lang="en-US" sz="2400" b="0" dirty="0" smtClean="0">
+                          <a:solidFill>
+                            <a:schemeClr val="tx1"/>
+                          </a:solidFill>
+                        </a:rPr>
+                        <a:t>Vladivostok</a:t>
+                      </a:r>
+                      <a:endParaRPr lang="ru-RU" sz="2400" b="0" dirty="0">
+                        <a:solidFill>
+                          <a:schemeClr val="tx1"/>
+                        </a:solidFill>
+                      </a:endParaRPr>
+                    </a:p>
+                  </a:txBody>
+                  <a:tcPr>
+                    <a:solidFill>
+                      <a:schemeClr val="accent1">
+                        <a:lumMod val="40000"/>
+                        <a:lumOff val="60000"/>
+                      </a:schemeClr>
+                    </a:solidFill>
+                  </a:tcPr>
+                </a:tc>
+              </a:tr>
+              <a:tr h="435147">
+                <a:tc>
+                  <a:txBody>
+                    <a:bodyPr/>
+                    <a:lstStyle/>
+                    <a:p>
+                      <a:r>
+                        <a:rPr lang="ru-RU" sz="2400" b="1" dirty="0" smtClean="0">
+                          <a:solidFill>
+                            <a:schemeClr val="bg1"/>
+                          </a:solidFill>
+                        </a:rPr>
+                        <a:t>Тэг</a:t>
+                      </a:r>
+                      <a:endParaRPr lang="ru-RU" sz="2400" b="1" dirty="0">
+                        <a:solidFill>
+                          <a:schemeClr val="bg1"/>
+                        </a:solidFill>
+                      </a:endParaRPr>
+                    </a:p>
+                  </a:txBody>
+                  <a:tcPr>
+                    <a:solidFill>
+                      <a:schemeClr val="accent1"/>
+                    </a:solidFill>
+                  </a:tcPr>
+                </a:tc>
+                <a:tc>
+                  <a:txBody>
+                    <a:bodyPr/>
+                    <a:lstStyle/>
+                    <a:p>
+                      <a:r>
+                        <a:rPr lang="en-US" sz="2400" dirty="0" smtClean="0">
+                          <a:solidFill>
+                            <a:schemeClr val="tx1"/>
+                          </a:solidFill>
+                        </a:rPr>
+                        <a:t>B-PER</a:t>
+                      </a:r>
+                      <a:r>
+                        <a:rPr lang="ru-RU" sz="2400" dirty="0" smtClean="0">
+                          <a:solidFill>
+                            <a:schemeClr val="tx1"/>
+                          </a:solidFill>
+                        </a:rPr>
+                        <a:t> </a:t>
+                      </a:r>
+                      <a:endParaRPr lang="ru-RU" sz="2400" dirty="0">
+                        <a:solidFill>
+                          <a:schemeClr val="tx1"/>
+                        </a:solidFill>
+                      </a:endParaRPr>
+                    </a:p>
+                  </a:txBody>
+                  <a:tcPr>
+                    <a:solidFill>
+                      <a:schemeClr val="accent1">
+                        <a:lumMod val="40000"/>
+                        <a:lumOff val="60000"/>
+                      </a:schemeClr>
+                    </a:solidFill>
+                  </a:tcPr>
+                </a:tc>
+                <a:tc>
+                  <a:txBody>
+                    <a:bodyPr/>
+                    <a:lstStyle/>
+                    <a:p>
+                      <a:r>
+                        <a:rPr lang="en-US" sz="2400" dirty="0" smtClean="0">
+                          <a:solidFill>
+                            <a:schemeClr val="tx1"/>
+                          </a:solidFill>
+                        </a:rPr>
+                        <a:t>I-PER</a:t>
+                      </a:r>
+                      <a:r>
+                        <a:rPr lang="ru-RU" sz="2400" dirty="0" smtClean="0">
+                          <a:solidFill>
+                            <a:schemeClr val="tx1"/>
+                          </a:solidFill>
+                        </a:rPr>
+                        <a:t> </a:t>
+                      </a:r>
+                      <a:endParaRPr lang="ru-RU" sz="2400" dirty="0">
+                        <a:solidFill>
+                          <a:schemeClr val="tx1"/>
+                        </a:solidFill>
+                      </a:endParaRPr>
+                    </a:p>
+                  </a:txBody>
+                  <a:tcPr>
+                    <a:solidFill>
+                      <a:schemeClr val="accent1">
+                        <a:lumMod val="40000"/>
+                        <a:lumOff val="60000"/>
+                      </a:schemeClr>
+                    </a:solidFill>
+                  </a:tcPr>
+                </a:tc>
+                <a:tc>
+                  <a:txBody>
+                    <a:bodyPr/>
+                    <a:lstStyle/>
+                    <a:p>
+                      <a:r>
+                        <a:rPr lang="en-US" sz="2400" dirty="0" smtClean="0">
+                          <a:solidFill>
+                            <a:schemeClr val="tx1"/>
+                          </a:solidFill>
+                        </a:rPr>
+                        <a:t>I-PER</a:t>
+                      </a:r>
+                      <a:r>
+                        <a:rPr lang="ru-RU" sz="2400" dirty="0" smtClean="0">
+                          <a:solidFill>
+                            <a:schemeClr val="tx1"/>
+                          </a:solidFill>
+                        </a:rPr>
+                        <a:t> </a:t>
+                      </a:r>
+                      <a:endParaRPr lang="ru-RU" sz="2400" dirty="0">
+                        <a:solidFill>
+                          <a:schemeClr val="tx1"/>
+                        </a:solidFill>
+                      </a:endParaRPr>
+                    </a:p>
+                  </a:txBody>
+                  <a:tcPr>
+                    <a:solidFill>
+                      <a:schemeClr val="accent1">
+                        <a:lumMod val="40000"/>
+                        <a:lumOff val="60000"/>
+                      </a:schemeClr>
+                    </a:solidFill>
+                  </a:tcPr>
+                </a:tc>
+                <a:tc>
+                  <a:txBody>
+                    <a:bodyPr/>
+                    <a:lstStyle/>
+                    <a:p>
+                      <a:r>
+                        <a:rPr lang="en-US" sz="2400" smtClean="0">
+                          <a:solidFill>
+                            <a:schemeClr val="tx1"/>
+                          </a:solidFill>
+                        </a:rPr>
+                        <a:t>O</a:t>
+                      </a:r>
+                      <a:endParaRPr lang="ru-RU" sz="2400" dirty="0">
+                        <a:solidFill>
+                          <a:schemeClr val="tx1"/>
+                        </a:solidFill>
+                      </a:endParaRPr>
+                    </a:p>
+                  </a:txBody>
+                  <a:tcPr>
+                    <a:solidFill>
+                      <a:schemeClr val="accent1">
+                        <a:lumMod val="40000"/>
+                        <a:lumOff val="60000"/>
+                      </a:schemeClr>
+                    </a:solidFill>
+                  </a:tcPr>
+                </a:tc>
+                <a:tc>
+                  <a:txBody>
+                    <a:bodyPr/>
+                    <a:lstStyle/>
+                    <a:p>
+                      <a:r>
+                        <a:rPr lang="en-US" sz="2400" dirty="0" smtClean="0">
+                          <a:solidFill>
+                            <a:schemeClr val="tx1"/>
+                          </a:solidFill>
+                        </a:rPr>
+                        <a:t>O </a:t>
+                      </a:r>
+                      <a:endParaRPr lang="ru-RU" sz="2400" dirty="0">
+                        <a:solidFill>
+                          <a:schemeClr val="tx1"/>
+                        </a:solidFill>
+                      </a:endParaRPr>
+                    </a:p>
+                  </a:txBody>
+                  <a:tcPr>
+                    <a:solidFill>
+                      <a:schemeClr val="accent1">
+                        <a:lumMod val="40000"/>
+                        <a:lumOff val="60000"/>
+                      </a:schemeClr>
+                    </a:solidFill>
+                  </a:tcPr>
+                </a:tc>
+                <a:tc>
+                  <a:txBody>
+                    <a:bodyPr/>
+                    <a:lstStyle/>
+                    <a:p>
+                      <a:r>
+                        <a:rPr lang="en-US" sz="2400" dirty="0" smtClean="0">
+                          <a:solidFill>
+                            <a:schemeClr val="tx1"/>
+                          </a:solidFill>
+                        </a:rPr>
+                        <a:t>B-LOC</a:t>
+                      </a:r>
+                      <a:endParaRPr lang="ru-RU" sz="2400" dirty="0">
+                        <a:solidFill>
+                          <a:schemeClr val="tx1"/>
+                        </a:solidFill>
+                      </a:endParaRPr>
+                    </a:p>
+                  </a:txBody>
+                  <a:tcPr>
+                    <a:solidFill>
+                      <a:schemeClr val="accent1">
+                        <a:lumMod val="40000"/>
+                        <a:lumOff val="60000"/>
+                      </a:schemeClr>
+                    </a:solidFill>
+                  </a:tcPr>
+                </a:tc>
+              </a:tr>
+            </a:tbl>
+          </a:graphicData>
+        </a:graphic>
+      </p:graphicFrame>
+      <p:pic>
+        <p:nvPicPr>
+          <p:cNvPr id="6" name="Рисунок 5"/>
+          <p:cNvPicPr>
+            <a:picLocks noChangeAspect="1"/>
+          </p:cNvPicPr>
+          <p:nvPr/>
+        </p:nvPicPr>
+        <p:blipFill>
+          <a:blip r:embed="rId2">
+            <a:extLst>
+              <a:ext uri="{28A0092B-C50C-407E-A947-70E740481C1C}">
+                <a14:useLocalDpi xmlns:a14="http://schemas.microsoft.com/office/drawing/2010/main" val="0"/>
+              </a:ext>
+            </a:extLst>
+          </a:blip>
+          <a:stretch>
+            <a:fillRect/>
+          </a:stretch>
+        </p:blipFill>
+        <p:spPr>
+          <a:xfrm>
+            <a:off x="2616516" y="2928796"/>
+            <a:ext cx="7019925" cy="3362325"/>
+          </a:xfrm>
+          <a:prstGeom prst="rect">
+            <a:avLst/>
+          </a:prstGeom>
+        </p:spPr>
+      </p:pic>
+    </p:spTree>
+    <p:extLst>
+      <p:ext uri="{BB962C8B-B14F-4D97-AF65-F5344CB8AC3E}">
+        <p14:creationId xmlns:p14="http://schemas.microsoft.com/office/powerpoint/2010/main" val="1223865650"/>
+      </p:ext>
+    </p:extLst>
+  </p:cSld>
+  <p:clrMapOvr>
+    <a:masterClrMapping/>
+  </p:clrMapOvr>
+  <p:timing>
+    <p:tnLst>
+      <p:par>
+        <p:cTn id="1" dur="indefinite" restart="never" nodeType="tmRoot"/>
+      </p:par>
+    </p:tnLst>
+  </p:timing>
+</p:sld>
+</file>
+
+<file path=ppt/slides/slide11.xml><?xml version="1.0" encoding="utf-8"?>
+<p:sld xmlns:a="http://schemas.openxmlformats.org/drawingml/2006/main" xmlns:r="http://schemas.openxmlformats.org/officeDocument/2006/relationships" xmlns:p="http://schemas.openxmlformats.org/presentationml/2006/main">
+  <p:cSld>
+    <p:spTree>
+      <p:nvGrpSpPr>
+        <p:cNvPr id="1" name=""/>
+        <p:cNvGrpSpPr/>
+        <p:nvPr/>
+      </p:nvGrpSpPr>
+      <p:grpSpPr>
+        <a:xfrm>
+          <a:off x="0" y="0"/>
+          <a:ext cx="0" cy="0"/>
+          <a:chOff x="0" y="0"/>
+          <a:chExt cx="0" cy="0"/>
+        </a:xfrm>
+      </p:grpSpPr>
+      <p:sp>
+        <p:nvSpPr>
+          <p:cNvPr id="2" name="Заголовок 1"/>
+          <p:cNvSpPr>
+            <a:spLocks noGrp="1"/>
+          </p:cNvSpPr>
+          <p:nvPr>
+            <p:ph type="title"/>
+          </p:nvPr>
+        </p:nvSpPr>
+        <p:spPr/>
+        <p:txBody>
           <a:bodyPr>
             <a:normAutofit/>
           </a:bodyPr>
@@ -4600,8 +5451,8 @@
           </a:p>
         </p:txBody>
       </p:sp>
-      <mc:AlternateContent xmlns:mc="http://schemas.openxmlformats.org/markup-compatibility/2006">
-        <mc:Choice xmlns:a14="http://schemas.microsoft.com/office/drawing/2010/main" Requires="a14">
+      <mc:AlternateContent xmlns:mc="http://schemas.openxmlformats.org/markup-compatibility/2006" xmlns:a14="http://schemas.microsoft.com/office/drawing/2010/main">
+        <mc:Choice Requires="a14">
           <p:sp>
             <p:nvSpPr>
               <p:cNvPr id="3" name="Объект 2"/>
@@ -4711,7 +5562,7 @@
             </p:txBody>
           </p:sp>
         </mc:Choice>
-        <mc:Fallback>
+        <mc:Fallback xmlns="">
           <p:sp>
             <p:nvSpPr>
               <p:cNvPr id="3" name="Объект 2"/>
@@ -4766,14 +5617,18 @@
           <a:p>
             <a:fld id="{54312719-E188-4125-8FBE-1E251BCF9D85}" type="slidenum">
               <a:rPr lang="ru-RU" sz="2400" smtClean="0"/>
-              <a:t>10</a:t>
+              <a:t>11</a:t>
             </a:fld>
+            <a:r>
+              <a:rPr lang="en-US" sz="2400" dirty="0"/>
+              <a:t> / 22</a:t>
+            </a:r>
             <a:endParaRPr lang="ru-RU" sz="2400" dirty="0"/>
           </a:p>
         </p:txBody>
       </p:sp>
-      <mc:AlternateContent xmlns:mc="http://schemas.openxmlformats.org/markup-compatibility/2006">
-        <mc:Choice xmlns:a14="http://schemas.microsoft.com/office/drawing/2010/main" Requires="a14">
+      <mc:AlternateContent xmlns:mc="http://schemas.openxmlformats.org/markup-compatibility/2006" xmlns:a14="http://schemas.microsoft.com/office/drawing/2010/main">
+        <mc:Choice Requires="a14">
           <p:sp>
             <p:nvSpPr>
               <p:cNvPr id="5" name="TextBox 4"/>
@@ -4812,7 +5667,15 @@
                 </a:r>
                 <a:r>
                   <a:rPr lang="ru-RU" sz="2800" dirty="0" smtClean="0"/>
-                  <a:t>количество элементов 1-ого слова</a:t>
+                  <a:t>количество </a:t>
+                </a:r>
+                <a:r>
+                  <a:rPr lang="ru-RU" sz="2800" dirty="0"/>
+                  <a:t>триграмм 1-ого </a:t>
+                </a:r>
+                <a:r>
+                  <a:rPr lang="ru-RU" sz="2800" dirty="0" smtClean="0"/>
+                  <a:t>слова</a:t>
                 </a:r>
               </a:p>
               <a:p>
@@ -4828,11 +5691,15 @@
                 </a14:m>
                 <a:r>
                   <a:rPr lang="en-US" sz="2800" dirty="0" smtClean="0"/>
-                  <a:t> - </a:t>
+                  <a:t> </a:t>
+                </a:r>
+                <a:r>
+                  <a:rPr lang="en-US" sz="2800" dirty="0"/>
+                  <a:t>– </a:t>
                 </a:r>
                 <a:r>
                   <a:rPr lang="ru-RU" sz="2800" dirty="0"/>
-                  <a:t>количество элементов </a:t>
+                  <a:t>количество триграмм </a:t>
                 </a:r>
                 <a:r>
                   <a:rPr lang="ru-RU" sz="2800" dirty="0" smtClean="0"/>
@@ -4856,18 +5723,18 @@
                 </a:r>
                 <a:r>
                   <a:rPr lang="ru-RU" sz="2800" dirty="0"/>
-                  <a:t>элементов </a:t>
+                  <a:t>триграмм 1-ого </a:t>
                 </a:r>
                 <a:r>
                   <a:rPr lang="ru-RU" sz="2800" dirty="0" smtClean="0"/>
-                  <a:t> 1-ого и 2-ого слов</a:t>
+                  <a:t>и 2-ого слов</a:t>
                 </a:r>
                 <a:endParaRPr lang="ru-RU" sz="2800" dirty="0"/>
               </a:p>
             </p:txBody>
           </p:sp>
         </mc:Choice>
-        <mc:Fallback>
+        <mc:Fallback xmlns="">
           <p:sp>
             <p:nvSpPr>
               <p:cNvPr id="5" name="TextBox 4"/>
@@ -4887,7 +5754,7 @@
               <a:blipFill rotWithShape="0">
                 <a:blip r:embed="rId3"/>
                 <a:stretch>
-                  <a:fillRect l="-1946" t="-3356" b="-8725"/>
+                  <a:fillRect l="-1946" t="-3356" r="-1205" b="-8725"/>
                 </a:stretch>
               </a:blipFill>
             </p:spPr>
@@ -4926,7 +5793,7 @@
 </p:sld>
 </file>
 
-<file path=ppt/slides/slide11.xml><?xml version="1.0" encoding="utf-8"?>
+<file path=ppt/slides/slide12.xml><?xml version="1.0" encoding="utf-8"?>
 <p:sld xmlns:a="http://schemas.openxmlformats.org/drawingml/2006/main" xmlns:r="http://schemas.openxmlformats.org/officeDocument/2006/relationships" xmlns:p="http://schemas.openxmlformats.org/presentationml/2006/main">
   <p:cSld>
     <p:spTree>
@@ -5082,8 +5949,12 @@
           <a:p>
             <a:fld id="{54312719-E188-4125-8FBE-1E251BCF9D85}" type="slidenum">
               <a:rPr lang="ru-RU" sz="2400" smtClean="0"/>
-              <a:t>11</a:t>
+              <a:t>12</a:t>
             </a:fld>
+            <a:r>
+              <a:rPr lang="en-US" sz="2400" dirty="0"/>
+              <a:t> / 22</a:t>
+            </a:r>
             <a:endParaRPr lang="ru-RU" sz="2400" dirty="0"/>
           </a:p>
         </p:txBody>
@@ -5108,7 +5979,7 @@
 </p:sld>
 </file>
 
-<file path=ppt/slides/slide12.xml><?xml version="1.0" encoding="utf-8"?>
+<file path=ppt/slides/slide13.xml><?xml version="1.0" encoding="utf-8"?>
 <p:sld xmlns:a="http://schemas.openxmlformats.org/drawingml/2006/main" xmlns:r="http://schemas.openxmlformats.org/officeDocument/2006/relationships" xmlns:p="http://schemas.openxmlformats.org/presentationml/2006/main">
   <p:cSld>
     <p:spTree>
@@ -5164,18 +6035,14 @@
             </a:r>
             <a:r>
               <a:rPr lang="en-US" sz="4000" b="1" dirty="0" smtClean="0"/>
-              <a:t>Extraction</a:t>
-            </a:r>
-            <a:r>
-              <a:rPr lang="en-US" sz="4000" b="1" dirty="0" smtClean="0"/>
-              <a:t>)</a:t>
+              <a:t>Extraction)</a:t>
             </a:r>
             <a:endParaRPr lang="ru-RU" sz="4000" b="1" dirty="0"/>
           </a:p>
         </p:txBody>
       </p:sp>
-      <mc:AlternateContent xmlns:mc="http://schemas.openxmlformats.org/markup-compatibility/2006">
-        <mc:Choice xmlns:a14="http://schemas.microsoft.com/office/drawing/2010/main" Requires="a14">
+      <mc:AlternateContent xmlns:mc="http://schemas.openxmlformats.org/markup-compatibility/2006" xmlns:a14="http://schemas.microsoft.com/office/drawing/2010/main">
+        <mc:Choice Requires="a14">
           <p:sp>
             <p:nvSpPr>
               <p:cNvPr id="3" name="Объект 2"/>
@@ -5203,13 +6070,26 @@
                       <a:rPr lang="en-US" sz="4000" b="0" i="1" smtClean="0">
                         <a:latin typeface="Cambria Math" panose="02040503050406030204" pitchFamily="18" charset="0"/>
                       </a:rPr>
-                      <m:t> −фраз</m:t>
+                      <m:t> −</m:t>
                     </m:r>
                     <m:r>
-                      <a:rPr lang="ru-RU" sz="4000" b="0" i="1" smtClean="0">
+                      <m:rPr>
+                        <m:nor/>
+                      </m:rPr>
+                      <a:rPr lang="ru-RU" sz="4000" dirty="0"/>
+                      <m:t>словосочетани</m:t>
+                    </m:r>
+                    <m:r>
+                      <a:rPr lang="ru-RU" sz="4000" b="0" i="1" dirty="0" smtClean="0">
                         <a:latin typeface="Cambria Math" panose="02040503050406030204" pitchFamily="18" charset="0"/>
                       </a:rPr>
-                      <m:t>а, </m:t>
+                      <m:t>е</m:t>
+                    </m:r>
+                    <m:r>
+                      <a:rPr lang="en-US" sz="4000" b="0" i="1" smtClean="0">
+                        <a:latin typeface="Cambria Math" panose="02040503050406030204" pitchFamily="18" charset="0"/>
+                      </a:rPr>
+                      <m:t>, </m:t>
                     </m:r>
                     <m:r>
                       <a:rPr lang="en-US" sz="4000" b="0" i="1" smtClean="0">
@@ -5221,13 +6101,7 @@
                       <a:rPr lang="en-US" sz="4000" b="0" i="1" smtClean="0">
                         <a:latin typeface="Cambria Math" panose="02040503050406030204" pitchFamily="18" charset="0"/>
                       </a:rPr>
-                      <m:t> −слов</m:t>
-                    </m:r>
-                    <m:r>
-                      <a:rPr lang="ru-RU" sz="4000" b="0" i="1" smtClean="0">
-                        <a:latin typeface="Cambria Math" panose="02040503050406030204" pitchFamily="18" charset="0"/>
-                      </a:rPr>
-                      <m:t>о из </m:t>
+                      <m:t> −слово из </m:t>
                     </m:r>
                     <m:r>
                       <a:rPr lang="en-US" sz="4000" b="0" i="1" smtClean="0">
@@ -5386,12 +6260,25 @@
                 <a:endParaRPr lang="ru-RU" sz="4000" dirty="0"/>
               </a:p>
               <a:p>
-                <a:endParaRPr lang="ru-RU" dirty="0"/>
+                <a14:m>
+                  <m:oMath xmlns:m="http://schemas.openxmlformats.org/officeDocument/2006/math">
+                    <m:r>
+                      <a:rPr lang="ru-RU" i="1">
+                        <a:latin typeface="Cambria Math" panose="02040503050406030204" pitchFamily="18" charset="0"/>
+                      </a:rPr>
+                      <m:t>𝑑𝑒𝑔𝑟𝑒𝑒</m:t>
+                    </m:r>
+                  </m:oMath>
+                </a14:m>
+                <a:r>
+                  <a:rPr lang="ru-RU" dirty="0"/>
+                  <a:t> – Количество встречаемости слова / словосочетания.</a:t>
+                </a:r>
               </a:p>
             </p:txBody>
           </p:sp>
         </mc:Choice>
-        <mc:Fallback>
+        <mc:Fallback xmlns="">
           <p:sp>
             <p:nvSpPr>
               <p:cNvPr id="3" name="Объект 2"/>
@@ -5404,7 +6291,7 @@
             </p:nvSpPr>
             <p:spPr>
               <a:blipFill rotWithShape="0">
-                <a:blip r:embed="rId2"/>
+                <a:blip r:embed="rId3"/>
                 <a:stretch>
                   <a:fillRect l="-1879"/>
                 </a:stretch>
@@ -5442,8 +6329,13 @@
           <a:p>
             <a:fld id="{54312719-E188-4125-8FBE-1E251BCF9D85}" type="slidenum">
               <a:rPr lang="ru-RU" sz="2400" smtClean="0"/>
-              <a:t>12</a:t>
+              <a:pPr/>
+              <a:t>13</a:t>
             </a:fld>
+            <a:r>
+              <a:rPr lang="en-US" sz="2400" dirty="0" smtClean="0"/>
+              <a:t> / 22</a:t>
+            </a:r>
             <a:endParaRPr lang="ru-RU" sz="2400" dirty="0"/>
           </a:p>
         </p:txBody>
@@ -5468,7 +6360,7 @@
 </p:sld>
 </file>
 
-<file path=ppt/slides/slide13.xml><?xml version="1.0" encoding="utf-8"?>
+<file path=ppt/slides/slide14.xml><?xml version="1.0" encoding="utf-8"?>
 <p:sld xmlns:a="http://schemas.openxmlformats.org/drawingml/2006/main" xmlns:r="http://schemas.openxmlformats.org/officeDocument/2006/relationships" xmlns:p="http://schemas.openxmlformats.org/presentationml/2006/main">
   <p:cSld>
     <p:spTree>
@@ -5692,7 +6584,6 @@
                         <a:rPr lang="en-US" dirty="0" smtClean="0"/>
                         <a:t>PICES SCIENTIFIC REPORT </a:t>
                       </a:r>
-                      <a:endParaRPr lang="en-US" dirty="0" smtClean="0"/>
                     </a:p>
                   </a:txBody>
                   <a:tcPr/>
@@ -5739,7 +6630,6 @@
                         <a:rPr lang="en-US" dirty="0" smtClean="0"/>
                         <a:t>Eastern Pacific</a:t>
                       </a:r>
-                      <a:endParaRPr lang="en-US" dirty="0" smtClean="0"/>
                     </a:p>
                   </a:txBody>
                   <a:tcPr/>
@@ -5782,7 +6672,6 @@
                         <a:rPr lang="en-US" dirty="0" smtClean="0"/>
                         <a:t>Western Pacific</a:t>
                       </a:r>
-                      <a:endParaRPr lang="en-US" dirty="0" smtClean="0"/>
                     </a:p>
                   </a:txBody>
                   <a:tcPr/>
@@ -5845,8 +6734,12 @@
           <a:p>
             <a:fld id="{54312719-E188-4125-8FBE-1E251BCF9D85}" type="slidenum">
               <a:rPr lang="ru-RU" sz="2400" smtClean="0"/>
-              <a:t>13</a:t>
+              <a:t>14</a:t>
             </a:fld>
+            <a:r>
+              <a:rPr lang="en-US" sz="2400" dirty="0"/>
+              <a:t> / 22</a:t>
+            </a:r>
             <a:endParaRPr lang="ru-RU" sz="2400" dirty="0"/>
           </a:p>
         </p:txBody>
@@ -5864,7 +6757,7 @@
 </p:sld>
 </file>
 
-<file path=ppt/slides/slide14.xml><?xml version="1.0" encoding="utf-8"?>
+<file path=ppt/slides/slide15.xml><?xml version="1.0" encoding="utf-8"?>
 <p:sld xmlns:a="http://schemas.openxmlformats.org/drawingml/2006/main" xmlns:r="http://schemas.openxmlformats.org/officeDocument/2006/relationships" xmlns:p="http://schemas.openxmlformats.org/presentationml/2006/main">
   <p:cSld>
     <p:spTree>
@@ -6100,10 +6993,14 @@
           <a:lstStyle/>
           <a:p>
             <a:fld id="{54312719-E188-4125-8FBE-1E251BCF9D85}" type="slidenum">
-              <a:rPr lang="ru-RU" smtClean="0"/>
-              <a:t>14</a:t>
+              <a:rPr lang="ru-RU" sz="2400" smtClean="0"/>
+              <a:t>15</a:t>
             </a:fld>
-            <a:endParaRPr lang="ru-RU" dirty="0"/>
+            <a:r>
+              <a:rPr lang="en-US" sz="2400" dirty="0"/>
+              <a:t> / 22</a:t>
+            </a:r>
+            <a:endParaRPr lang="ru-RU" sz="2400" dirty="0"/>
           </a:p>
         </p:txBody>
       </p:sp>
@@ -6127,7 +7024,7 @@
 </p:sld>
 </file>
 
-<file path=ppt/slides/slide15.xml><?xml version="1.0" encoding="utf-8"?>
+<file path=ppt/slides/slide16.xml><?xml version="1.0" encoding="utf-8"?>
 <p:sld xmlns:a="http://schemas.openxmlformats.org/drawingml/2006/main" xmlns:r="http://schemas.openxmlformats.org/officeDocument/2006/relationships" xmlns:p="http://schemas.openxmlformats.org/presentationml/2006/main">
   <p:cSld>
     <p:spTree>
@@ -6698,14 +7595,18 @@
           <a:p>
             <a:fld id="{54312719-E188-4125-8FBE-1E251BCF9D85}" type="slidenum">
               <a:rPr lang="ru-RU" sz="2400" smtClean="0"/>
-              <a:t>15</a:t>
+              <a:t>16</a:t>
             </a:fld>
+            <a:r>
+              <a:rPr lang="en-US" sz="2400" dirty="0"/>
+              <a:t> / 22</a:t>
+            </a:r>
             <a:endParaRPr lang="ru-RU" sz="2400" dirty="0"/>
           </a:p>
         </p:txBody>
       </p:sp>
-      <mc:AlternateContent xmlns:mc="http://schemas.openxmlformats.org/markup-compatibility/2006">
-        <mc:Choice xmlns:a14="http://schemas.microsoft.com/office/drawing/2010/main" Requires="a14">
+      <mc:AlternateContent xmlns:mc="http://schemas.openxmlformats.org/markup-compatibility/2006" xmlns:a14="http://schemas.microsoft.com/office/drawing/2010/main">
+        <mc:Choice Requires="a14">
           <p:sp>
             <p:nvSpPr>
               <p:cNvPr id="6" name="Прямоугольник 5"/>
@@ -6791,7 +7692,7 @@
             </p:txBody>
           </p:sp>
         </mc:Choice>
-        <mc:Fallback>
+        <mc:Fallback xmlns="">
           <p:sp>
             <p:nvSpPr>
               <p:cNvPr id="6" name="Прямоугольник 5"/>
@@ -6830,8 +7731,8 @@
           </p:sp>
         </mc:Fallback>
       </mc:AlternateContent>
-      <mc:AlternateContent xmlns:mc="http://schemas.openxmlformats.org/markup-compatibility/2006">
-        <mc:Choice xmlns:a14="http://schemas.microsoft.com/office/drawing/2010/main" Requires="a14">
+      <mc:AlternateContent xmlns:mc="http://schemas.openxmlformats.org/markup-compatibility/2006" xmlns:a14="http://schemas.microsoft.com/office/drawing/2010/main">
+        <mc:Choice Requires="a14">
           <p:sp>
             <p:nvSpPr>
               <p:cNvPr id="7" name="Прямоугольник 6"/>
@@ -6917,7 +7818,7 @@
             </p:txBody>
           </p:sp>
         </mc:Choice>
-        <mc:Fallback>
+        <mc:Fallback xmlns="">
           <p:sp>
             <p:nvSpPr>
               <p:cNvPr id="7" name="Прямоугольник 6"/>
@@ -7094,8 +7995,8 @@
           </p:sp>
         </mc:Fallback>
       </mc:AlternateContent>
-      <mc:AlternateContent xmlns:mc="http://schemas.openxmlformats.org/markup-compatibility/2006">
-        <mc:Choice xmlns:a14="http://schemas.microsoft.com/office/drawing/2010/main" Requires="a14">
+      <mc:AlternateContent xmlns:mc="http://schemas.openxmlformats.org/markup-compatibility/2006" xmlns:a14="http://schemas.microsoft.com/office/drawing/2010/main">
+        <mc:Choice Requires="a14">
           <p:sp>
             <p:nvSpPr>
               <p:cNvPr id="9" name="Прямоугольник 8"/>
@@ -7169,7 +8070,7 @@
             </p:txBody>
           </p:sp>
         </mc:Choice>
-        <mc:Fallback>
+        <mc:Fallback xmlns="">
           <p:sp>
             <p:nvSpPr>
               <p:cNvPr id="9" name="Прямоугольник 8"/>
@@ -7228,7 +8129,7 @@
 </p:sld>
 </file>
 
-<file path=ppt/slides/slide16.xml><?xml version="1.0" encoding="utf-8"?>
+<file path=ppt/slides/slide17.xml><?xml version="1.0" encoding="utf-8"?>
 <p:sld xmlns:a="http://schemas.openxmlformats.org/drawingml/2006/main" xmlns:r="http://schemas.openxmlformats.org/officeDocument/2006/relationships" xmlns:p="http://schemas.openxmlformats.org/presentationml/2006/main">
   <p:cSld>
     <p:spTree>
@@ -7290,7 +8191,7 @@
           <a:p>
             <a:fld id="{54312719-E188-4125-8FBE-1E251BCF9D85}" type="slidenum">
               <a:rPr lang="ru-RU" sz="2400" smtClean="0"/>
-              <a:t>16</a:t>
+              <a:t>17</a:t>
             </a:fld>
             <a:endParaRPr lang="ru-RU" sz="2400" dirty="0"/>
           </a:p>
@@ -8158,8 +9059,8 @@
           </a:p>
         </p:txBody>
       </p:sp>
-      <mc:AlternateContent xmlns:mc="http://schemas.openxmlformats.org/markup-compatibility/2006">
-        <mc:Choice xmlns:a14="http://schemas.microsoft.com/office/drawing/2010/main" Requires="a14">
+      <mc:AlternateContent xmlns:mc="http://schemas.openxmlformats.org/markup-compatibility/2006" xmlns:a14="http://schemas.microsoft.com/office/drawing/2010/main">
+        <mc:Choice Requires="a14">
           <p:sp>
             <p:nvSpPr>
               <p:cNvPr id="11" name="Прямоугольник 10"/>
@@ -8245,7 +9146,7 @@
             </p:txBody>
           </p:sp>
         </mc:Choice>
-        <mc:Fallback>
+        <mc:Fallback xmlns="">
           <p:sp>
             <p:nvSpPr>
               <p:cNvPr id="11" name="Прямоугольник 10"/>
@@ -8284,8 +9185,8 @@
           </p:sp>
         </mc:Fallback>
       </mc:AlternateContent>
-      <mc:AlternateContent xmlns:mc="http://schemas.openxmlformats.org/markup-compatibility/2006">
-        <mc:Choice xmlns:a14="http://schemas.microsoft.com/office/drawing/2010/main" Requires="a14">
+      <mc:AlternateContent xmlns:mc="http://schemas.openxmlformats.org/markup-compatibility/2006" xmlns:a14="http://schemas.microsoft.com/office/drawing/2010/main">
+        <mc:Choice Requires="a14">
           <p:sp>
             <p:nvSpPr>
               <p:cNvPr id="12" name="Прямоугольник 11"/>
@@ -8371,7 +9272,7 @@
             </p:txBody>
           </p:sp>
         </mc:Choice>
-        <mc:Fallback>
+        <mc:Fallback xmlns="">
           <p:sp>
             <p:nvSpPr>
               <p:cNvPr id="12" name="Прямоугольник 11"/>
@@ -8410,8 +9311,8 @@
           </p:sp>
         </mc:Fallback>
       </mc:AlternateContent>
-      <mc:AlternateContent xmlns:mc="http://schemas.openxmlformats.org/markup-compatibility/2006">
-        <mc:Choice xmlns:a14="http://schemas.microsoft.com/office/drawing/2010/main" Requires="a14">
+      <mc:AlternateContent xmlns:mc="http://schemas.openxmlformats.org/markup-compatibility/2006" xmlns:a14="http://schemas.microsoft.com/office/drawing/2010/main">
+        <mc:Choice Requires="a14">
           <p:sp>
             <p:nvSpPr>
               <p:cNvPr id="13" name="Прямоугольник 12"/>
@@ -8509,7 +9410,7 @@
             </p:txBody>
           </p:sp>
         </mc:Choice>
-        <mc:Fallback>
+        <mc:Fallback xmlns="">
           <p:sp>
             <p:nvSpPr>
               <p:cNvPr id="13" name="Прямоугольник 12"/>
@@ -8548,8 +9449,8 @@
           </p:sp>
         </mc:Fallback>
       </mc:AlternateContent>
-      <mc:AlternateContent xmlns:mc="http://schemas.openxmlformats.org/markup-compatibility/2006">
-        <mc:Choice xmlns:a14="http://schemas.microsoft.com/office/drawing/2010/main" Requires="a14">
+      <mc:AlternateContent xmlns:mc="http://schemas.openxmlformats.org/markup-compatibility/2006" xmlns:a14="http://schemas.microsoft.com/office/drawing/2010/main">
+        <mc:Choice Requires="a14">
           <p:sp>
             <p:nvSpPr>
               <p:cNvPr id="14" name="Прямоугольник 13"/>
@@ -8623,7 +9524,7 @@
             </p:txBody>
           </p:sp>
         </mc:Choice>
-        <mc:Fallback>
+        <mc:Fallback xmlns="">
           <p:sp>
             <p:nvSpPr>
               <p:cNvPr id="14" name="Прямоугольник 13"/>
@@ -8682,7 +9583,7 @@
 </p:sld>
 </file>
 
-<file path=ppt/slides/slide17.xml><?xml version="1.0" encoding="utf-8"?>
+<file path=ppt/slides/slide18.xml><?xml version="1.0" encoding="utf-8"?>
 <p:sld xmlns:a="http://schemas.openxmlformats.org/drawingml/2006/main" xmlns:r="http://schemas.openxmlformats.org/officeDocument/2006/relationships" xmlns:p="http://schemas.openxmlformats.org/presentationml/2006/main">
   <p:cSld>
     <p:spTree>
@@ -8743,8 +9644,12 @@
           <a:p>
             <a:fld id="{54312719-E188-4125-8FBE-1E251BCF9D85}" type="slidenum">
               <a:rPr lang="ru-RU" sz="2400" smtClean="0"/>
-              <a:t>17</a:t>
+              <a:t>18</a:t>
             </a:fld>
+            <a:r>
+              <a:rPr lang="en-US" sz="2400" dirty="0"/>
+              <a:t> / 22</a:t>
+            </a:r>
             <a:endParaRPr lang="ru-RU" sz="2400" dirty="0"/>
           </a:p>
         </p:txBody>
@@ -9757,8 +10662,8 @@
           </a:p>
         </p:txBody>
       </p:sp>
-      <mc:AlternateContent xmlns:mc="http://schemas.openxmlformats.org/markup-compatibility/2006">
-        <mc:Choice xmlns:a14="http://schemas.microsoft.com/office/drawing/2010/main" Requires="a14">
+      <mc:AlternateContent xmlns:mc="http://schemas.openxmlformats.org/markup-compatibility/2006" xmlns:a14="http://schemas.microsoft.com/office/drawing/2010/main">
+        <mc:Choice Requires="a14">
           <p:sp>
             <p:nvSpPr>
               <p:cNvPr id="11" name="Прямоугольник 10"/>
@@ -9844,7 +10749,7 @@
             </p:txBody>
           </p:sp>
         </mc:Choice>
-        <mc:Fallback>
+        <mc:Fallback xmlns="">
           <p:sp>
             <p:nvSpPr>
               <p:cNvPr id="11" name="Прямоугольник 10"/>
@@ -9883,8 +10788,8 @@
           </p:sp>
         </mc:Fallback>
       </mc:AlternateContent>
-      <mc:AlternateContent xmlns:mc="http://schemas.openxmlformats.org/markup-compatibility/2006">
-        <mc:Choice xmlns:a14="http://schemas.microsoft.com/office/drawing/2010/main" Requires="a14">
+      <mc:AlternateContent xmlns:mc="http://schemas.openxmlformats.org/markup-compatibility/2006" xmlns:a14="http://schemas.microsoft.com/office/drawing/2010/main">
+        <mc:Choice Requires="a14">
           <p:sp>
             <p:nvSpPr>
               <p:cNvPr id="12" name="Прямоугольник 11"/>
@@ -9970,7 +10875,7 @@
             </p:txBody>
           </p:sp>
         </mc:Choice>
-        <mc:Fallback>
+        <mc:Fallback xmlns="">
           <p:sp>
             <p:nvSpPr>
               <p:cNvPr id="12" name="Прямоугольник 11"/>
@@ -10009,8 +10914,8 @@
           </p:sp>
         </mc:Fallback>
       </mc:AlternateContent>
-      <mc:AlternateContent xmlns:mc="http://schemas.openxmlformats.org/markup-compatibility/2006">
-        <mc:Choice xmlns:a14="http://schemas.microsoft.com/office/drawing/2010/main" Requires="a14">
+      <mc:AlternateContent xmlns:mc="http://schemas.openxmlformats.org/markup-compatibility/2006" xmlns:a14="http://schemas.microsoft.com/office/drawing/2010/main">
+        <mc:Choice Requires="a14">
           <p:sp>
             <p:nvSpPr>
               <p:cNvPr id="13" name="Прямоугольник 12"/>
@@ -10108,7 +11013,7 @@
             </p:txBody>
           </p:sp>
         </mc:Choice>
-        <mc:Fallback>
+        <mc:Fallback xmlns="">
           <p:sp>
             <p:nvSpPr>
               <p:cNvPr id="13" name="Прямоугольник 12"/>
@@ -10147,8 +11052,8 @@
           </p:sp>
         </mc:Fallback>
       </mc:AlternateContent>
-      <mc:AlternateContent xmlns:mc="http://schemas.openxmlformats.org/markup-compatibility/2006">
-        <mc:Choice xmlns:a14="http://schemas.microsoft.com/office/drawing/2010/main" Requires="a14">
+      <mc:AlternateContent xmlns:mc="http://schemas.openxmlformats.org/markup-compatibility/2006" xmlns:a14="http://schemas.microsoft.com/office/drawing/2010/main">
+        <mc:Choice Requires="a14">
           <p:sp>
             <p:nvSpPr>
               <p:cNvPr id="14" name="Прямоугольник 13"/>
@@ -10222,7 +11127,7 @@
             </p:txBody>
           </p:sp>
         </mc:Choice>
-        <mc:Fallback>
+        <mc:Fallback xmlns="">
           <p:sp>
             <p:nvSpPr>
               <p:cNvPr id="14" name="Прямоугольник 13"/>
@@ -10281,7 +11186,7 @@
 </p:sld>
 </file>
 
-<file path=ppt/slides/slide18.xml><?xml version="1.0" encoding="utf-8"?>
+<file path=ppt/slides/slide19.xml><?xml version="1.0" encoding="utf-8"?>
 <p:sld xmlns:a="http://schemas.openxmlformats.org/drawingml/2006/main" xmlns:r="http://schemas.openxmlformats.org/officeDocument/2006/relationships" xmlns:p="http://schemas.openxmlformats.org/presentationml/2006/main">
   <p:cSld>
     <p:spTree>
@@ -10331,7 +11236,7 @@
             <p:ph idx="1"/>
             <p:extLst>
               <p:ext uri="{D42A27DB-BD31-4B8C-83A1-F6EECF244321}">
-                <p14:modId xmlns:p14="http://schemas.microsoft.com/office/powerpoint/2010/main" val="439780701"/>
+                <p14:modId xmlns:p14="http://schemas.microsoft.com/office/powerpoint/2010/main" val="1216630551"/>
               </p:ext>
             </p:extLst>
           </p:nvPr>
@@ -10418,12 +11323,18 @@
                         </a:spcAft>
                       </a:pPr>
                       <a:r>
-                        <a:rPr lang="ru-RU" sz="1600">
+                        <a:rPr lang="ru-RU" sz="1600" dirty="0" smtClean="0">
                           <a:effectLst/>
                         </a:rPr>
-                        <a:t>Извлекав система</a:t>
-                      </a:r>
-                      <a:endParaRPr lang="ru-RU" sz="1600">
+                        <a:t>Извлекла </a:t>
+                      </a:r>
+                      <a:r>
+                        <a:rPr lang="ru-RU" sz="1600" dirty="0">
+                          <a:effectLst/>
+                        </a:rPr>
+                        <a:t>система</a:t>
+                      </a:r>
+                      <a:endParaRPr lang="ru-RU" sz="1600" dirty="0">
                         <a:effectLst/>
                         <a:latin typeface="Calibri" panose="020F0502020204030204" pitchFamily="34" charset="0"/>
                         <a:ea typeface="Calibri" panose="020F0502020204030204" pitchFamily="34" charset="0"/>
@@ -11153,8 +12064,12 @@
           <a:p>
             <a:fld id="{54312719-E188-4125-8FBE-1E251BCF9D85}" type="slidenum">
               <a:rPr lang="ru-RU" sz="2400" smtClean="0"/>
-              <a:t>18</a:t>
+              <a:t>19</a:t>
             </a:fld>
+            <a:r>
+              <a:rPr lang="en-US" sz="2400" dirty="0"/>
+              <a:t> / 22</a:t>
+            </a:r>
             <a:endParaRPr lang="ru-RU" sz="2400" dirty="0"/>
           </a:p>
         </p:txBody>
@@ -11172,7 +12087,7 @@
 </p:sld>
 </file>
 
-<file path=ppt/slides/slide19.xml><?xml version="1.0" encoding="utf-8"?>
+<file path=ppt/slides/slide2.xml><?xml version="1.0" encoding="utf-8"?>
 <p:sld xmlns:a="http://schemas.openxmlformats.org/drawingml/2006/main" xmlns:r="http://schemas.openxmlformats.org/officeDocument/2006/relationships" xmlns:p="http://schemas.openxmlformats.org/presentationml/2006/main">
   <p:cSld>
     <p:spTree>
@@ -11199,14 +12114,19 @@
             <p:ph type="title"/>
           </p:nvPr>
         </p:nvSpPr>
-        <p:spPr/>
+        <p:spPr>
+          <a:xfrm>
+            <a:off x="1154083" y="83686"/>
+            <a:ext cx="10058400" cy="1450757"/>
+          </a:xfrm>
+        </p:spPr>
         <p:txBody>
           <a:bodyPr/>
           <a:lstStyle/>
           <a:p>
             <a:r>
               <a:rPr lang="ru-RU" dirty="0" smtClean="0"/>
-              <a:t>Проект</a:t>
+              <a:t>Введение</a:t>
             </a:r>
             <a:endParaRPr lang="ru-RU" dirty="0"/>
           </a:p>
@@ -11222,77 +12142,43 @@
             <p:ph idx="1"/>
           </p:nvPr>
         </p:nvSpPr>
-        <p:spPr/>
+        <p:spPr>
+          <a:xfrm>
+            <a:off x="2705100" y="1845734"/>
+            <a:ext cx="8450580" cy="4023360"/>
+          </a:xfrm>
+        </p:spPr>
         <p:txBody>
           <a:bodyPr>
             <a:normAutofit/>
           </a:bodyPr>
           <a:lstStyle/>
           <a:p>
-            <a:r>
-              <a:rPr lang="en-US" sz="3600" dirty="0" smtClean="0"/>
-              <a:t>Python 3.5</a:t>
-            </a:r>
-          </a:p>
-          <a:p>
-            <a:r>
-              <a:rPr lang="en-US" sz="3600" dirty="0" err="1" smtClean="0"/>
-              <a:t>Tensorflow</a:t>
-            </a:r>
-            <a:r>
-              <a:rPr lang="en-US" sz="3600" dirty="0" smtClean="0"/>
-              <a:t> 1.</a:t>
-            </a:r>
-            <a:r>
-              <a:rPr lang="ru-RU" sz="3600" dirty="0"/>
-              <a:t>5</a:t>
-            </a:r>
-            <a:r>
-              <a:rPr lang="en-US" sz="3600" dirty="0" smtClean="0"/>
-              <a:t> &lt;=</a:t>
-            </a:r>
-          </a:p>
-          <a:p>
-            <a:r>
-              <a:rPr lang="en-US" sz="3600" dirty="0" smtClean="0"/>
-              <a:t>PyQt5, </a:t>
-            </a:r>
-            <a:r>
-              <a:rPr lang="en-US" sz="3600" dirty="0" err="1" smtClean="0"/>
-              <a:t>pdfminer</a:t>
-            </a:r>
-            <a:r>
-              <a:rPr lang="en-US" sz="3600" dirty="0" smtClean="0"/>
-              <a:t>, </a:t>
-            </a:r>
-            <a:r>
-              <a:rPr lang="en-US" sz="3600" dirty="0" err="1" smtClean="0"/>
-              <a:t>argparse</a:t>
-            </a:r>
-            <a:r>
-              <a:rPr lang="en-US" sz="3600" dirty="0" smtClean="0"/>
-              <a:t>, </a:t>
-            </a:r>
-            <a:r>
-              <a:rPr lang="en-US" sz="3600" dirty="0"/>
-              <a:t>requests </a:t>
-            </a:r>
-            <a:endParaRPr lang="en-US" sz="3600" dirty="0" smtClean="0"/>
-          </a:p>
-          <a:p>
-            <a:r>
-              <a:rPr lang="ru-RU" sz="3600" dirty="0" smtClean="0"/>
-              <a:t>Написано более 4000 строк кода </a:t>
-            </a:r>
-            <a:r>
-              <a:rPr lang="ru-RU" sz="3600" dirty="0"/>
-              <a:t>(более 400 кб</a:t>
-            </a:r>
-            <a:r>
-              <a:rPr lang="ru-RU" sz="3600" dirty="0" smtClean="0"/>
-              <a:t>.).</a:t>
-            </a:r>
-            <a:endParaRPr lang="ru-RU" sz="3600" dirty="0"/>
+            <a:endParaRPr lang="en-US" sz="3200" b="1" dirty="0" smtClean="0"/>
+          </a:p>
+          <a:p>
+            <a:r>
+              <a:rPr lang="ru-RU" sz="3200" b="1" dirty="0" smtClean="0"/>
+              <a:t>ТИНРО-Центр</a:t>
+            </a:r>
+            <a:endParaRPr lang="en-US" sz="3200" b="1" dirty="0" smtClean="0"/>
+          </a:p>
+          <a:p>
+            <a:endParaRPr lang="en-US" sz="3200" b="1" dirty="0"/>
+          </a:p>
+          <a:p>
+            <a:endParaRPr lang="en-US" sz="3200" b="1" dirty="0" smtClean="0"/>
+          </a:p>
+          <a:p>
+            <a:r>
+              <a:rPr lang="en-US" sz="3200" b="1" dirty="0" smtClean="0"/>
+              <a:t>The </a:t>
+            </a:r>
+            <a:r>
+              <a:rPr lang="en-US" sz="3200" b="1" dirty="0"/>
+              <a:t>north pacific marine scientist organization</a:t>
+            </a:r>
+            <a:endParaRPr lang="ru-RU" sz="3200" b="1" dirty="0"/>
           </a:p>
         </p:txBody>
       </p:sp>
@@ -11313,8 +12199,237 @@
           <a:p>
             <a:fld id="{54312719-E188-4125-8FBE-1E251BCF9D85}" type="slidenum">
               <a:rPr lang="ru-RU" sz="2400" smtClean="0"/>
-              <a:t>19</a:t>
+              <a:t>2</a:t>
             </a:fld>
+            <a:r>
+              <a:rPr lang="en-US" sz="2400" dirty="0" smtClean="0"/>
+              <a:t> / 22</a:t>
+            </a:r>
+            <a:endParaRPr lang="ru-RU" sz="2400" dirty="0"/>
+          </a:p>
+        </p:txBody>
+      </p:sp>
+      <p:pic>
+        <p:nvPicPr>
+          <p:cNvPr id="5" name="Рисунок 4"/>
+          <p:cNvPicPr>
+            <a:picLocks noChangeAspect="1"/>
+          </p:cNvPicPr>
+          <p:nvPr/>
+        </p:nvPicPr>
+        <p:blipFill>
+          <a:blip r:embed="rId2" cstate="print">
+            <a:extLst>
+              <a:ext uri="{28A0092B-C50C-407E-A947-70E740481C1C}">
+                <a14:useLocalDpi xmlns:a14="http://schemas.microsoft.com/office/drawing/2010/main" val="0"/>
+              </a:ext>
+            </a:extLst>
+          </a:blip>
+          <a:stretch>
+            <a:fillRect/>
+          </a:stretch>
+        </p:blipFill>
+        <p:spPr>
+          <a:xfrm>
+            <a:off x="396343" y="3733772"/>
+            <a:ext cx="1982619" cy="2183931"/>
+          </a:xfrm>
+          <a:prstGeom prst="rect">
+            <a:avLst/>
+          </a:prstGeom>
+        </p:spPr>
+      </p:pic>
+      <p:pic>
+        <p:nvPicPr>
+          <p:cNvPr id="6" name="Рисунок 5"/>
+          <p:cNvPicPr>
+            <a:picLocks noChangeAspect="1"/>
+          </p:cNvPicPr>
+          <p:nvPr/>
+        </p:nvPicPr>
+        <p:blipFill>
+          <a:blip r:embed="rId3" cstate="print">
+            <a:extLst>
+              <a:ext uri="{28A0092B-C50C-407E-A947-70E740481C1C}">
+                <a14:useLocalDpi xmlns:a14="http://schemas.microsoft.com/office/drawing/2010/main" val="0"/>
+              </a:ext>
+            </a:extLst>
+          </a:blip>
+          <a:stretch>
+            <a:fillRect/>
+          </a:stretch>
+        </p:blipFill>
+        <p:spPr>
+          <a:xfrm>
+            <a:off x="396343" y="1806667"/>
+            <a:ext cx="2308757" cy="1927105"/>
+          </a:xfrm>
+          <a:prstGeom prst="rect">
+            <a:avLst/>
+          </a:prstGeom>
+        </p:spPr>
+      </p:pic>
+    </p:spTree>
+    <p:extLst>
+      <p:ext uri="{BB962C8B-B14F-4D97-AF65-F5344CB8AC3E}">
+        <p14:creationId xmlns:p14="http://schemas.microsoft.com/office/powerpoint/2010/main" val="3030470234"/>
+      </p:ext>
+    </p:extLst>
+  </p:cSld>
+  <p:clrMapOvr>
+    <a:masterClrMapping/>
+  </p:clrMapOvr>
+</p:sld>
+</file>
+
+<file path=ppt/slides/slide20.xml><?xml version="1.0" encoding="utf-8"?>
+<p:sld xmlns:a="http://schemas.openxmlformats.org/drawingml/2006/main" xmlns:r="http://schemas.openxmlformats.org/officeDocument/2006/relationships" xmlns:p="http://schemas.openxmlformats.org/presentationml/2006/main">
+  <p:cSld>
+    <p:spTree>
+      <p:nvGrpSpPr>
+        <p:cNvPr id="1" name=""/>
+        <p:cNvGrpSpPr/>
+        <p:nvPr/>
+      </p:nvGrpSpPr>
+      <p:grpSpPr>
+        <a:xfrm>
+          <a:off x="0" y="0"/>
+          <a:ext cx="0" cy="0"/>
+          <a:chOff x="0" y="0"/>
+          <a:chExt cx="0" cy="0"/>
+        </a:xfrm>
+      </p:grpSpPr>
+      <p:sp>
+        <p:nvSpPr>
+          <p:cNvPr id="2" name="Заголовок 1"/>
+          <p:cNvSpPr>
+            <a:spLocks noGrp="1"/>
+          </p:cNvSpPr>
+          <p:nvPr>
+            <p:ph type="title"/>
+          </p:nvPr>
+        </p:nvSpPr>
+        <p:spPr/>
+        <p:txBody>
+          <a:bodyPr/>
+          <a:lstStyle/>
+          <a:p>
+            <a:r>
+              <a:rPr lang="ru-RU" dirty="0" smtClean="0"/>
+              <a:t>Проект</a:t>
+            </a:r>
+            <a:endParaRPr lang="ru-RU" dirty="0"/>
+          </a:p>
+        </p:txBody>
+      </p:sp>
+      <p:sp>
+        <p:nvSpPr>
+          <p:cNvPr id="3" name="Объект 2"/>
+          <p:cNvSpPr>
+            <a:spLocks noGrp="1"/>
+          </p:cNvSpPr>
+          <p:nvPr>
+            <p:ph idx="1"/>
+          </p:nvPr>
+        </p:nvSpPr>
+        <p:spPr/>
+        <p:txBody>
+          <a:bodyPr>
+            <a:normAutofit/>
+          </a:bodyPr>
+          <a:lstStyle/>
+          <a:p>
+            <a:r>
+              <a:rPr lang="en-US" sz="3600" dirty="0" smtClean="0"/>
+              <a:t>Python 3.5</a:t>
+            </a:r>
+          </a:p>
+          <a:p>
+            <a:r>
+              <a:rPr lang="en-US" sz="3600" dirty="0" err="1" smtClean="0"/>
+              <a:t>Tensorflow</a:t>
+            </a:r>
+            <a:r>
+              <a:rPr lang="en-US" sz="3600" dirty="0" smtClean="0"/>
+              <a:t> 1.</a:t>
+            </a:r>
+            <a:r>
+              <a:rPr lang="ru-RU" sz="3600" dirty="0"/>
+              <a:t>5</a:t>
+            </a:r>
+            <a:r>
+              <a:rPr lang="en-US" sz="3600" dirty="0" smtClean="0"/>
+              <a:t> </a:t>
+            </a:r>
+            <a:endParaRPr lang="ru-RU" sz="3600" dirty="0" smtClean="0"/>
+          </a:p>
+          <a:p>
+            <a:r>
+              <a:rPr lang="en-US" sz="3600" dirty="0" smtClean="0"/>
+              <a:t>PyQt5, </a:t>
+            </a:r>
+            <a:r>
+              <a:rPr lang="en-US" sz="3600" dirty="0" err="1" smtClean="0"/>
+              <a:t>pdfminer</a:t>
+            </a:r>
+            <a:r>
+              <a:rPr lang="en-US" sz="3600" dirty="0" smtClean="0"/>
+              <a:t>, </a:t>
+            </a:r>
+            <a:r>
+              <a:rPr lang="en-US" sz="3600" dirty="0" err="1" smtClean="0"/>
+              <a:t>argparse</a:t>
+            </a:r>
+            <a:r>
+              <a:rPr lang="en-US" sz="3600" dirty="0" smtClean="0"/>
+              <a:t>, requests, </a:t>
+            </a:r>
+            <a:r>
+              <a:rPr lang="en-US" sz="3600" dirty="0" err="1"/>
+              <a:t>nltk</a:t>
+            </a:r>
+            <a:endParaRPr lang="en-US" sz="3600" dirty="0" smtClean="0"/>
+          </a:p>
+          <a:p>
+            <a:r>
+              <a:rPr lang="ru-RU" sz="3600" dirty="0" smtClean="0"/>
+              <a:t>Написано более 4000 строк кода </a:t>
+            </a:r>
+            <a:r>
+              <a:rPr lang="ru-RU" sz="3600" dirty="0"/>
+              <a:t>(более 400 кб</a:t>
+            </a:r>
+            <a:r>
+              <a:rPr lang="ru-RU" sz="3600" dirty="0" smtClean="0"/>
+              <a:t>.).</a:t>
+            </a:r>
+            <a:endParaRPr lang="ru-RU" sz="3600" dirty="0"/>
+          </a:p>
+        </p:txBody>
+      </p:sp>
+      <p:sp>
+        <p:nvSpPr>
+          <p:cNvPr id="4" name="Номер слайда 3"/>
+          <p:cNvSpPr>
+            <a:spLocks noGrp="1"/>
+          </p:cNvSpPr>
+          <p:nvPr>
+            <p:ph type="sldNum" sz="quarter" idx="12"/>
+          </p:nvPr>
+        </p:nvSpPr>
+        <p:spPr/>
+        <p:txBody>
+          <a:bodyPr/>
+          <a:lstStyle/>
+          <a:p>
+            <a:fld id="{54312719-E188-4125-8FBE-1E251BCF9D85}" type="slidenum">
+              <a:rPr lang="ru-RU" sz="2400" smtClean="0"/>
+              <a:t>20</a:t>
+            </a:fld>
+            <a:r>
+              <a:rPr lang="en-US" sz="2400" dirty="0"/>
+              <a:t> / 22</a:t>
+            </a:r>
             <a:endParaRPr lang="ru-RU" sz="2400" dirty="0"/>
           </a:p>
         </p:txBody>
@@ -11339,7 +12454,7 @@
 </p:sld>
 </file>
 
-<file path=ppt/slides/slide2.xml><?xml version="1.0" encoding="utf-8"?>
+<file path=ppt/slides/slide21.xml><?xml version="1.0" encoding="utf-8"?>
 <p:sld xmlns:a="http://schemas.openxmlformats.org/drawingml/2006/main" xmlns:r="http://schemas.openxmlformats.org/officeDocument/2006/relationships" xmlns:p="http://schemas.openxmlformats.org/presentationml/2006/main">
   <p:cSld>
     <p:spTree>
@@ -11366,404 +12481,14 @@
             <p:ph type="title"/>
           </p:nvPr>
         </p:nvSpPr>
-        <p:spPr>
-          <a:xfrm>
-            <a:off x="1066800" y="304660"/>
-            <a:ext cx="10058400" cy="1450757"/>
-          </a:xfrm>
-        </p:spPr>
-        <p:txBody>
-          <a:bodyPr/>
-          <a:lstStyle/>
-          <a:p>
-            <a:r>
-              <a:rPr lang="ru-RU" dirty="0" smtClean="0"/>
-              <a:t>Введение</a:t>
-            </a:r>
-            <a:endParaRPr lang="ru-RU" dirty="0"/>
-          </a:p>
-        </p:txBody>
-      </p:sp>
-      <p:sp>
-        <p:nvSpPr>
-          <p:cNvPr id="3" name="Объект 2"/>
-          <p:cNvSpPr>
-            <a:spLocks noGrp="1"/>
-          </p:cNvSpPr>
-          <p:nvPr>
-            <p:ph idx="1"/>
-          </p:nvPr>
-        </p:nvSpPr>
-        <p:spPr>
-          <a:xfrm>
-            <a:off x="5465624" y="3677003"/>
-            <a:ext cx="5888175" cy="2627543"/>
-          </a:xfrm>
-        </p:spPr>
-        <p:txBody>
-          <a:bodyPr>
-            <a:normAutofit fontScale="92500" lnSpcReduction="20000"/>
-          </a:bodyPr>
-          <a:lstStyle/>
-          <a:p>
-            <a:r>
-              <a:rPr lang="ru-RU" dirty="0" smtClean="0"/>
-              <a:t>Заголовок </a:t>
-            </a:r>
-          </a:p>
-          <a:p>
-            <a:r>
-              <a:rPr lang="ru-RU" dirty="0" smtClean="0"/>
-              <a:t>Год </a:t>
-            </a:r>
-            <a:r>
-              <a:rPr lang="ru-RU" dirty="0" smtClean="0"/>
-              <a:t>публикации </a:t>
-            </a:r>
-          </a:p>
-          <a:p>
-            <a:r>
-              <a:rPr lang="ru-RU" dirty="0" smtClean="0"/>
-              <a:t>Имена </a:t>
-            </a:r>
-            <a:endParaRPr lang="ru-RU" dirty="0" smtClean="0"/>
-          </a:p>
-          <a:p>
-            <a:r>
-              <a:rPr lang="ru-RU" dirty="0" smtClean="0"/>
-              <a:t>Места с координатной привязкой</a:t>
-            </a:r>
-          </a:p>
-          <a:p>
-            <a:pPr marL="0" indent="0">
-              <a:buNone/>
-            </a:pPr>
-            <a:r>
-              <a:rPr lang="ru-RU" dirty="0" smtClean="0"/>
-              <a:t>  </a:t>
-            </a:r>
-            <a:r>
-              <a:rPr lang="ru-RU" dirty="0"/>
-              <a:t>Ключевые словосочетания</a:t>
-            </a:r>
-          </a:p>
-          <a:p>
-            <a:pPr marL="0" indent="0">
-              <a:buNone/>
-            </a:pPr>
-            <a:r>
-              <a:rPr lang="ru-RU" dirty="0"/>
-              <a:t>  Библиографические ссылки </a:t>
-            </a:r>
-            <a:endParaRPr lang="ru-RU" dirty="0" smtClean="0"/>
-          </a:p>
-          <a:p>
-            <a:pPr marL="0" indent="0">
-              <a:buNone/>
-            </a:pPr>
-            <a:r>
-              <a:rPr lang="ru-RU" dirty="0" smtClean="0"/>
-              <a:t>  Названия </a:t>
-            </a:r>
-            <a:r>
-              <a:rPr lang="ru-RU" dirty="0"/>
-              <a:t>организация</a:t>
-            </a:r>
-            <a:endParaRPr lang="ru-RU" dirty="0" smtClean="0"/>
-          </a:p>
-          <a:p>
-            <a:endParaRPr lang="ru-RU" dirty="0"/>
-          </a:p>
-        </p:txBody>
-      </p:sp>
-      <p:pic>
-        <p:nvPicPr>
-          <p:cNvPr id="4" name="Рисунок 3"/>
-          <p:cNvPicPr>
-            <a:picLocks noChangeAspect="1"/>
-          </p:cNvPicPr>
-          <p:nvPr/>
-        </p:nvPicPr>
-        <p:blipFill>
-          <a:blip r:embed="rId3">
-            <a:extLst>
-              <a:ext uri="{28A0092B-C50C-407E-A947-70E740481C1C}">
-                <a14:useLocalDpi xmlns:a14="http://schemas.microsoft.com/office/drawing/2010/main" val="0"/>
-              </a:ext>
-            </a:extLst>
-          </a:blip>
-          <a:stretch>
-            <a:fillRect/>
-          </a:stretch>
-        </p:blipFill>
-        <p:spPr>
-          <a:xfrm>
-            <a:off x="127438" y="2004556"/>
-            <a:ext cx="2857500" cy="1600200"/>
-          </a:xfrm>
-          <a:prstGeom prst="rect">
-            <a:avLst/>
-          </a:prstGeom>
-        </p:spPr>
-      </p:pic>
-      <p:pic>
-        <p:nvPicPr>
-          <p:cNvPr id="6" name="Рисунок 5"/>
-          <p:cNvPicPr>
-            <a:picLocks noChangeAspect="1"/>
-          </p:cNvPicPr>
-          <p:nvPr/>
-        </p:nvPicPr>
-        <p:blipFill>
-          <a:blip r:embed="rId4">
-            <a:extLst>
-              <a:ext uri="{28A0092B-C50C-407E-A947-70E740481C1C}">
-                <a14:useLocalDpi xmlns:a14="http://schemas.microsoft.com/office/drawing/2010/main" val="0"/>
-              </a:ext>
-            </a:extLst>
-          </a:blip>
-          <a:stretch>
-            <a:fillRect/>
-          </a:stretch>
-        </p:blipFill>
-        <p:spPr>
-          <a:xfrm>
-            <a:off x="4566777" y="1753557"/>
-            <a:ext cx="941539" cy="2143125"/>
-          </a:xfrm>
-          <a:prstGeom prst="rect">
-            <a:avLst/>
-          </a:prstGeom>
-        </p:spPr>
-      </p:pic>
-      <p:pic>
-        <p:nvPicPr>
-          <p:cNvPr id="7" name="Рисунок 6"/>
-          <p:cNvPicPr>
-            <a:picLocks noChangeAspect="1"/>
-          </p:cNvPicPr>
-          <p:nvPr/>
-        </p:nvPicPr>
-        <p:blipFill>
-          <a:blip r:embed="rId5">
-            <a:extLst>
-              <a:ext uri="{28A0092B-C50C-407E-A947-70E740481C1C}">
-                <a14:useLocalDpi xmlns:a14="http://schemas.microsoft.com/office/drawing/2010/main" val="0"/>
-              </a:ext>
-            </a:extLst>
-          </a:blip>
-          <a:stretch>
-            <a:fillRect/>
-          </a:stretch>
-        </p:blipFill>
-        <p:spPr>
-          <a:xfrm>
-            <a:off x="5465625" y="1923659"/>
-            <a:ext cx="2762250" cy="1657350"/>
-          </a:xfrm>
-          <a:prstGeom prst="rect">
-            <a:avLst/>
-          </a:prstGeom>
-        </p:spPr>
-      </p:pic>
-      <p:pic>
-        <p:nvPicPr>
-          <p:cNvPr id="8" name="Рисунок 7"/>
-          <p:cNvPicPr>
-            <a:picLocks noChangeAspect="1"/>
-          </p:cNvPicPr>
-          <p:nvPr/>
-        </p:nvPicPr>
-        <p:blipFill>
-          <a:blip r:embed="rId6">
-            <a:extLst>
-              <a:ext uri="{28A0092B-C50C-407E-A947-70E740481C1C}">
-                <a14:useLocalDpi xmlns:a14="http://schemas.microsoft.com/office/drawing/2010/main" val="0"/>
-              </a:ext>
-            </a:extLst>
-          </a:blip>
-          <a:stretch>
-            <a:fillRect/>
-          </a:stretch>
-        </p:blipFill>
-        <p:spPr>
-          <a:xfrm>
-            <a:off x="3087750" y="2124709"/>
-            <a:ext cx="1693526" cy="1693526"/>
-          </a:xfrm>
-          <a:prstGeom prst="rect">
-            <a:avLst/>
-          </a:prstGeom>
-        </p:spPr>
-      </p:pic>
-      <p:sp>
-        <p:nvSpPr>
-          <p:cNvPr id="9" name="Номер слайда 8"/>
-          <p:cNvSpPr>
-            <a:spLocks noGrp="1"/>
-          </p:cNvSpPr>
-          <p:nvPr>
-            <p:ph type="sldNum" sz="quarter" idx="12"/>
-          </p:nvPr>
-        </p:nvSpPr>
         <p:spPr/>
         <p:txBody>
           <a:bodyPr/>
           <a:lstStyle/>
           <a:p>
-            <a:fld id="{54312719-E188-4125-8FBE-1E251BCF9D85}" type="slidenum">
-              <a:rPr lang="ru-RU" sz="2400" smtClean="0"/>
-              <a:t>2</a:t>
-            </a:fld>
-            <a:endParaRPr lang="ru-RU" sz="2400" dirty="0"/>
-          </a:p>
-        </p:txBody>
-      </p:sp>
-      <p:pic>
-        <p:nvPicPr>
-          <p:cNvPr id="10" name="Рисунок 9"/>
-          <p:cNvPicPr>
-            <a:picLocks noChangeAspect="1"/>
-          </p:cNvPicPr>
-          <p:nvPr/>
-        </p:nvPicPr>
-        <p:blipFill>
-          <a:blip r:embed="rId7">
-            <a:extLst>
-              <a:ext uri="{28A0092B-C50C-407E-A947-70E740481C1C}">
-                <a14:useLocalDpi xmlns:a14="http://schemas.microsoft.com/office/drawing/2010/main" val="0"/>
-              </a:ext>
-            </a:extLst>
-          </a:blip>
-          <a:stretch>
-            <a:fillRect/>
-          </a:stretch>
-        </p:blipFill>
-        <p:spPr>
-          <a:xfrm>
-            <a:off x="9431638" y="2024416"/>
-            <a:ext cx="1428750" cy="1895475"/>
-          </a:xfrm>
-          <a:prstGeom prst="rect">
-            <a:avLst/>
-          </a:prstGeom>
-        </p:spPr>
-      </p:pic>
-      <p:pic>
-        <p:nvPicPr>
-          <p:cNvPr id="11" name="Рисунок 10"/>
-          <p:cNvPicPr>
-            <a:picLocks noChangeAspect="1"/>
-          </p:cNvPicPr>
-          <p:nvPr/>
-        </p:nvPicPr>
-        <p:blipFill>
-          <a:blip r:embed="rId4">
-            <a:extLst>
-              <a:ext uri="{28A0092B-C50C-407E-A947-70E740481C1C}">
-                <a14:useLocalDpi xmlns:a14="http://schemas.microsoft.com/office/drawing/2010/main" val="0"/>
-              </a:ext>
-            </a:extLst>
-          </a:blip>
-          <a:stretch>
-            <a:fillRect/>
-          </a:stretch>
-        </p:blipFill>
-        <p:spPr>
-          <a:xfrm>
-            <a:off x="8227875" y="1744672"/>
-            <a:ext cx="941539" cy="2143125"/>
-          </a:xfrm>
-          <a:prstGeom prst="rect">
-            <a:avLst/>
-          </a:prstGeom>
-        </p:spPr>
-      </p:pic>
-      <p:pic>
-        <p:nvPicPr>
-          <p:cNvPr id="12" name="Рисунок 11"/>
-          <p:cNvPicPr>
-            <a:picLocks noChangeAspect="1"/>
-          </p:cNvPicPr>
-          <p:nvPr/>
-        </p:nvPicPr>
-        <p:blipFill>
-          <a:blip r:embed="rId4">
-            <a:extLst>
-              <a:ext uri="{28A0092B-C50C-407E-A947-70E740481C1C}">
-                <a14:useLocalDpi xmlns:a14="http://schemas.microsoft.com/office/drawing/2010/main" val="0"/>
-              </a:ext>
-            </a:extLst>
-          </a:blip>
-          <a:stretch>
-            <a:fillRect/>
-          </a:stretch>
-        </p:blipFill>
-        <p:spPr>
-          <a:xfrm>
-            <a:off x="2231719" y="1776766"/>
-            <a:ext cx="941539" cy="2143125"/>
-          </a:xfrm>
-          <a:prstGeom prst="rect">
-            <a:avLst/>
-          </a:prstGeom>
-        </p:spPr>
-      </p:pic>
-    </p:spTree>
-    <p:extLst>
-      <p:ext uri="{BB962C8B-B14F-4D97-AF65-F5344CB8AC3E}">
-        <p14:creationId xmlns:p14="http://schemas.microsoft.com/office/powerpoint/2010/main" val="2220832463"/>
-      </p:ext>
-    </p:extLst>
-  </p:cSld>
-  <p:clrMapOvr>
-    <a:masterClrMapping/>
-  </p:clrMapOvr>
-  <p:timing>
-    <p:tnLst>
-      <p:par>
-        <p:cTn id="1" dur="indefinite" restart="never" nodeType="tmRoot"/>
-      </p:par>
-    </p:tnLst>
-  </p:timing>
-</p:sld>
-</file>
-
-<file path=ppt/slides/slide20.xml><?xml version="1.0" encoding="utf-8"?>
-<p:sld xmlns:a="http://schemas.openxmlformats.org/drawingml/2006/main" xmlns:r="http://schemas.openxmlformats.org/officeDocument/2006/relationships" xmlns:p="http://schemas.openxmlformats.org/presentationml/2006/main">
-  <p:cSld>
-    <p:spTree>
-      <p:nvGrpSpPr>
-        <p:cNvPr id="1" name=""/>
-        <p:cNvGrpSpPr/>
-        <p:nvPr/>
-      </p:nvGrpSpPr>
-      <p:grpSpPr>
-        <a:xfrm>
-          <a:off x="0" y="0"/>
-          <a:ext cx="0" cy="0"/>
-          <a:chOff x="0" y="0"/>
-          <a:chExt cx="0" cy="0"/>
-        </a:xfrm>
-      </p:grpSpPr>
-      <p:sp>
-        <p:nvSpPr>
-          <p:cNvPr id="2" name="Заголовок 1"/>
-          <p:cNvSpPr>
-            <a:spLocks noGrp="1"/>
-          </p:cNvSpPr>
-          <p:nvPr>
-            <p:ph type="title"/>
-          </p:nvPr>
-        </p:nvSpPr>
-        <p:spPr/>
-        <p:txBody>
-          <a:bodyPr/>
-          <a:lstStyle/>
-          <a:p>
             <a:r>
               <a:rPr lang="ru-RU" dirty="0" smtClean="0"/>
-              <a:t>Результаты</a:t>
+              <a:t>Интерфейс</a:t>
             </a:r>
             <a:endParaRPr lang="ru-RU" dirty="0"/>
           </a:p>
@@ -11786,8 +12511,12 @@
           <a:p>
             <a:fld id="{54312719-E188-4125-8FBE-1E251BCF9D85}" type="slidenum">
               <a:rPr lang="ru-RU" sz="2400" smtClean="0"/>
-              <a:t>20</a:t>
+              <a:t>21</a:t>
             </a:fld>
+            <a:r>
+              <a:rPr lang="en-US" sz="2400" dirty="0"/>
+              <a:t> / 22</a:t>
+            </a:r>
             <a:endParaRPr lang="ru-RU" sz="2400" dirty="0"/>
           </a:p>
         </p:txBody>
@@ -11801,7 +12530,7 @@
           <p:nvPr/>
         </p:nvPicPr>
         <p:blipFill>
-          <a:blip r:embed="rId2">
+          <a:blip r:embed="rId3">
             <a:extLst>
               <a:ext uri="{28A0092B-C50C-407E-A947-70E740481C1C}">
                 <a14:useLocalDpi xmlns:a14="http://schemas.microsoft.com/office/drawing/2010/main" val="0"/>
@@ -11831,7 +12560,7 @@
           <p:nvPr/>
         </p:nvPicPr>
         <p:blipFill>
-          <a:blip r:embed="rId3">
+          <a:blip r:embed="rId4">
             <a:extLst>
               <a:ext uri="{28A0092B-C50C-407E-A947-70E740481C1C}">
                 <a14:useLocalDpi xmlns:a14="http://schemas.microsoft.com/office/drawing/2010/main" val="0"/>
@@ -11863,7 +12592,7 @@
           </p:nvPr>
         </p:nvPicPr>
         <p:blipFill>
-          <a:blip r:embed="rId4">
+          <a:blip r:embed="rId5">
             <a:extLst>
               <a:ext uri="{28A0092B-C50C-407E-A947-70E740481C1C}">
                 <a14:useLocalDpi xmlns:a14="http://schemas.microsoft.com/office/drawing/2010/main" val="0"/>
@@ -11894,7 +12623,7 @@
 </p:sld>
 </file>
 
-<file path=ppt/slides/slide21.xml><?xml version="1.0" encoding="utf-8"?>
+<file path=ppt/slides/slide22.xml><?xml version="1.0" encoding="utf-8"?>
 <p:sld xmlns:a="http://schemas.openxmlformats.org/drawingml/2006/main" xmlns:r="http://schemas.openxmlformats.org/officeDocument/2006/relationships" xmlns:p="http://schemas.openxmlformats.org/presentationml/2006/main">
   <p:cSld>
     <p:spTree>
@@ -11924,7 +12653,7 @@
         <p:spPr/>
         <p:txBody>
           <a:bodyPr>
-            <a:normAutofit/>
+            <a:normAutofit lnSpcReduction="10000"/>
           </a:bodyPr>
           <a:lstStyle/>
           <a:p>
@@ -11933,16 +12662,12 @@
               <a:buChar char="•"/>
             </a:pPr>
             <a:r>
+              <a:rPr lang="ru-RU" sz="2800" dirty="0"/>
+              <a:t> Алгоритм </a:t>
+            </a:r>
+            <a:r>
               <a:rPr lang="ru-RU" sz="2800" dirty="0" smtClean="0"/>
-              <a:t>LSTM </a:t>
-            </a:r>
-            <a:r>
-              <a:rPr lang="ru-RU" sz="2800" dirty="0"/>
-              <a:t>для извлечения </a:t>
-            </a:r>
-            <a:r>
-              <a:rPr lang="ru-RU" sz="2800" dirty="0" smtClean="0"/>
-              <a:t>NER</a:t>
+              <a:t>LSTM</a:t>
             </a:r>
             <a:endParaRPr lang="en-US" sz="2800" dirty="0" smtClean="0"/>
           </a:p>
@@ -11953,7 +12678,7 @@
             </a:pPr>
             <a:r>
               <a:rPr lang="ru-RU" sz="2800" dirty="0" smtClean="0"/>
-              <a:t>Неточное сравнение строк.</a:t>
+              <a:t> Алгоритм неточного сравнения строк</a:t>
             </a:r>
             <a:endParaRPr lang="ru-RU" sz="2800" dirty="0"/>
           </a:p>
@@ -11963,11 +12688,15 @@
               <a:buChar char="•"/>
             </a:pPr>
             <a:r>
-              <a:rPr lang="ru-RU" sz="2800" dirty="0" err="1" smtClean="0"/>
+              <a:rPr lang="ru-RU" sz="2800" dirty="0"/>
+              <a:t> Алгоритм </a:t>
+            </a:r>
+            <a:r>
+              <a:rPr lang="ru-RU" sz="2800" dirty="0" err="1"/>
               <a:t>Rapid</a:t>
             </a:r>
             <a:r>
-              <a:rPr lang="ru-RU" sz="2800" dirty="0" smtClean="0"/>
+              <a:rPr lang="ru-RU" sz="2800" dirty="0"/>
               <a:t> </a:t>
             </a:r>
             <a:r>
@@ -11999,7 +12728,7 @@
             </a:pPr>
             <a:r>
               <a:rPr lang="ru-RU" sz="2800" dirty="0" smtClean="0"/>
-              <a:t>Регулярные выражения для извлечения библиографических ссылок</a:t>
+              <a:t> Регулярные выражения для извлечения библиографических ссылок</a:t>
             </a:r>
           </a:p>
           <a:p>
@@ -12008,8 +12737,12 @@
               <a:buChar char="•"/>
             </a:pPr>
             <a:r>
+              <a:rPr lang="ru-RU" sz="2800" dirty="0" smtClean="0"/>
+              <a:t> Реализация </a:t>
+            </a:r>
+            <a:r>
               <a:rPr lang="ru-RU" sz="2800" dirty="0"/>
-              <a:t>Реализация добавления метаданных в систему </a:t>
+              <a:t>добавления метаданных в систему </a:t>
             </a:r>
             <a:r>
               <a:rPr lang="ru-RU" sz="2800" dirty="0" err="1"/>
@@ -12023,8 +12756,23 @@
               <a:buChar char="•"/>
             </a:pPr>
             <a:r>
+              <a:rPr lang="ru-RU" sz="2800" dirty="0" smtClean="0"/>
+              <a:t> </a:t>
+            </a:r>
+            <a:r>
               <a:rPr lang="en-US" sz="2800" dirty="0" smtClean="0"/>
               <a:t>GUI</a:t>
+            </a:r>
+            <a:endParaRPr lang="ru-RU" sz="2800" dirty="0" smtClean="0"/>
+          </a:p>
+          <a:p>
+            <a:pPr>
+              <a:buFont typeface="Arial" panose="020B0604020202020204" pitchFamily="34" charset="0"/>
+              <a:buChar char="•"/>
+            </a:pPr>
+            <a:r>
+              <a:rPr lang="ru-RU" sz="2800" dirty="0" smtClean="0"/>
+              <a:t>Внедрения проекта в ТИНРО-Центр</a:t>
             </a:r>
             <a:endParaRPr lang="ru-RU" sz="2800" dirty="0"/>
           </a:p>
@@ -12047,9 +12795,43 @@
           <a:p>
             <a:fld id="{54312719-E188-4125-8FBE-1E251BCF9D85}" type="slidenum">
               <a:rPr lang="ru-RU" sz="2400" smtClean="0"/>
-              <a:t>21</a:t>
+              <a:t>22</a:t>
             </a:fld>
+            <a:r>
+              <a:rPr lang="en-US" sz="2400" dirty="0"/>
+              <a:t> / 22</a:t>
+            </a:r>
             <a:endParaRPr lang="ru-RU" sz="2400" dirty="0"/>
+          </a:p>
+        </p:txBody>
+      </p:sp>
+      <p:sp>
+        <p:nvSpPr>
+          <p:cNvPr id="2" name="TextBox 1"/>
+          <p:cNvSpPr txBox="1"/>
+          <p:nvPr/>
+        </p:nvSpPr>
+        <p:spPr>
+          <a:xfrm>
+            <a:off x="1097280" y="885711"/>
+            <a:ext cx="10115203" cy="830997"/>
+          </a:xfrm>
+          <a:prstGeom prst="rect">
+            <a:avLst/>
+          </a:prstGeom>
+          <a:noFill/>
+        </p:spPr>
+        <p:txBody>
+          <a:bodyPr wrap="square" rtlCol="0">
+            <a:spAutoFit/>
+          </a:bodyPr>
+          <a:lstStyle/>
+          <a:p>
+            <a:r>
+              <a:rPr lang="ru-RU" sz="4800" dirty="0" smtClean="0"/>
+              <a:t>Результаты</a:t>
+            </a:r>
+            <a:endParaRPr lang="ru-RU" sz="4800" dirty="0"/>
           </a:p>
         </p:txBody>
       </p:sp>
@@ -12093,14 +12875,19 @@
             <p:ph type="title"/>
           </p:nvPr>
         </p:nvSpPr>
-        <p:spPr/>
+        <p:spPr>
+          <a:xfrm>
+            <a:off x="1066800" y="304660"/>
+            <a:ext cx="10058400" cy="1450757"/>
+          </a:xfrm>
+        </p:spPr>
         <p:txBody>
           <a:bodyPr/>
           <a:lstStyle/>
           <a:p>
             <a:r>
               <a:rPr lang="ru-RU" dirty="0" smtClean="0"/>
-              <a:t>Актуальность</a:t>
+              <a:t>Введение</a:t>
             </a:r>
             <a:endParaRPr lang="ru-RU" dirty="0"/>
           </a:p>
@@ -12116,104 +12903,86 @@
             <p:ph idx="1"/>
           </p:nvPr>
         </p:nvSpPr>
-        <p:spPr/>
+        <p:spPr>
+          <a:xfrm>
+            <a:off x="5465624" y="3677003"/>
+            <a:ext cx="5888175" cy="2627543"/>
+          </a:xfrm>
+        </p:spPr>
         <p:txBody>
-          <a:bodyPr/>
+          <a:bodyPr>
+            <a:normAutofit fontScale="92500" lnSpcReduction="20000"/>
+          </a:bodyPr>
           <a:lstStyle/>
           <a:p>
-            <a:pPr>
-              <a:buFont typeface="Arial" panose="020B0604020202020204" pitchFamily="34" charset="0"/>
-              <a:buChar char="•"/>
+            <a:r>
+              <a:rPr lang="ru-RU" dirty="0" smtClean="0"/>
+              <a:t>Заголовок </a:t>
+            </a:r>
+          </a:p>
+          <a:p>
+            <a:r>
+              <a:rPr lang="ru-RU" dirty="0" smtClean="0"/>
+              <a:t>Год публикации </a:t>
+            </a:r>
+          </a:p>
+          <a:p>
+            <a:r>
+              <a:rPr lang="ru-RU" dirty="0" smtClean="0"/>
+              <a:t>Имена </a:t>
+            </a:r>
+          </a:p>
+          <a:p>
+            <a:r>
+              <a:rPr lang="ru-RU" dirty="0" smtClean="0"/>
+              <a:t>Места с координатной привязкой</a:t>
+            </a:r>
+          </a:p>
+          <a:p>
+            <a:pPr marL="0" indent="0">
+              <a:buNone/>
             </a:pPr>
             <a:r>
-              <a:rPr lang="ru-RU" sz="3600" dirty="0" smtClean="0"/>
-              <a:t> </a:t>
-            </a:r>
-            <a:r>
-              <a:rPr lang="ru-RU" sz="3600" dirty="0" err="1" smtClean="0"/>
-              <a:t>Метаописания</a:t>
-            </a:r>
-            <a:r>
-              <a:rPr lang="ru-RU" sz="3600" dirty="0" smtClean="0"/>
-              <a:t> </a:t>
-            </a:r>
-            <a:r>
-              <a:rPr lang="ru-RU" sz="3600" dirty="0" smtClean="0"/>
-              <a:t>заполняются вручную</a:t>
-            </a:r>
-          </a:p>
-          <a:p>
-            <a:pPr>
-              <a:buFont typeface="Arial" panose="020B0604020202020204" pitchFamily="34" charset="0"/>
-              <a:buChar char="•"/>
+              <a:rPr lang="ru-RU" dirty="0" smtClean="0"/>
+              <a:t>  </a:t>
+            </a:r>
+            <a:r>
+              <a:rPr lang="ru-RU" dirty="0"/>
+              <a:t>Ключевые словосочетания</a:t>
+            </a:r>
+          </a:p>
+          <a:p>
+            <a:pPr marL="0" indent="0">
+              <a:buNone/>
             </a:pPr>
             <a:r>
-              <a:rPr lang="ru-RU" sz="3600" dirty="0" smtClean="0"/>
-              <a:t> </a:t>
-            </a:r>
-            <a:r>
-              <a:rPr lang="ru-RU" sz="3600" dirty="0" smtClean="0"/>
-              <a:t>Нет интеграции с </a:t>
-            </a:r>
-            <a:r>
-              <a:rPr lang="en-US" sz="3600" dirty="0" err="1" smtClean="0"/>
-              <a:t>GeoNetwork</a:t>
-            </a:r>
-            <a:endParaRPr lang="en-US" sz="3600" dirty="0" smtClean="0"/>
-          </a:p>
-          <a:p>
-            <a:pPr>
-              <a:buFont typeface="Arial" panose="020B0604020202020204" pitchFamily="34" charset="0"/>
-              <a:buChar char="•"/>
+              <a:rPr lang="ru-RU" dirty="0"/>
+              <a:t>  Библиографические ссылки </a:t>
+            </a:r>
+            <a:endParaRPr lang="ru-RU" dirty="0" smtClean="0"/>
+          </a:p>
+          <a:p>
+            <a:pPr marL="0" indent="0">
+              <a:buNone/>
             </a:pPr>
             <a:r>
-              <a:rPr lang="en-US" sz="3600" dirty="0"/>
-              <a:t> </a:t>
-            </a:r>
-            <a:r>
-              <a:rPr lang="ru-RU" sz="3600" dirty="0" smtClean="0"/>
-              <a:t>Нет поддержки нужных форматов</a:t>
-            </a:r>
-            <a:endParaRPr lang="ru-RU" sz="3600" dirty="0" smtClean="0"/>
-          </a:p>
-          <a:p>
-            <a:pPr>
-              <a:buFont typeface="Arial" panose="020B0604020202020204" pitchFamily="34" charset="0"/>
-              <a:buChar char="•"/>
-            </a:pPr>
+              <a:rPr lang="ru-RU" dirty="0" smtClean="0"/>
+              <a:t>  Названия </a:t>
+            </a:r>
+            <a:r>
+              <a:rPr lang="ru-RU" dirty="0"/>
+              <a:t>организация</a:t>
+            </a:r>
             <a:endParaRPr lang="ru-RU" dirty="0" smtClean="0"/>
           </a:p>
           <a:p>
             <a:endParaRPr lang="ru-RU" dirty="0"/>
-          </a:p>
-        </p:txBody>
-      </p:sp>
-      <p:sp>
-        <p:nvSpPr>
-          <p:cNvPr id="4" name="Номер слайда 3"/>
-          <p:cNvSpPr>
-            <a:spLocks noGrp="1"/>
-          </p:cNvSpPr>
-          <p:nvPr>
-            <p:ph type="sldNum" sz="quarter" idx="12"/>
-          </p:nvPr>
-        </p:nvSpPr>
-        <p:spPr/>
-        <p:txBody>
-          <a:bodyPr/>
-          <a:lstStyle/>
-          <a:p>
-            <a:fld id="{54312719-E188-4125-8FBE-1E251BCF9D85}" type="slidenum">
-              <a:rPr lang="ru-RU" sz="2400" smtClean="0"/>
-              <a:t>3</a:t>
-            </a:fld>
-            <a:endParaRPr lang="ru-RU" sz="2400" dirty="0"/>
           </a:p>
         </p:txBody>
       </p:sp>
       <p:pic>
         <p:nvPicPr>
-          <p:cNvPr id="7" name="Рисунок 6"/>
+          <p:cNvPr id="6" name="Рисунок 5"/>
           <p:cNvPicPr>
             <a:picLocks noChangeAspect="1"/>
           </p:cNvPicPr>
@@ -12233,8 +13002,215 @@
         </p:blipFill>
         <p:spPr>
           <a:xfrm>
-            <a:off x="3091542" y="3727174"/>
-            <a:ext cx="6397337" cy="3130826"/>
+            <a:off x="4566777" y="1753557"/>
+            <a:ext cx="941539" cy="2143125"/>
+          </a:xfrm>
+          <a:prstGeom prst="rect">
+            <a:avLst/>
+          </a:prstGeom>
+        </p:spPr>
+      </p:pic>
+      <p:pic>
+        <p:nvPicPr>
+          <p:cNvPr id="7" name="Рисунок 6"/>
+          <p:cNvPicPr>
+            <a:picLocks noChangeAspect="1"/>
+          </p:cNvPicPr>
+          <p:nvPr/>
+        </p:nvPicPr>
+        <p:blipFill>
+          <a:blip r:embed="rId4">
+            <a:extLst>
+              <a:ext uri="{28A0092B-C50C-407E-A947-70E740481C1C}">
+                <a14:useLocalDpi xmlns:a14="http://schemas.microsoft.com/office/drawing/2010/main" val="0"/>
+              </a:ext>
+            </a:extLst>
+          </a:blip>
+          <a:stretch>
+            <a:fillRect/>
+          </a:stretch>
+        </p:blipFill>
+        <p:spPr>
+          <a:xfrm>
+            <a:off x="5465625" y="1923659"/>
+            <a:ext cx="2762250" cy="1657350"/>
+          </a:xfrm>
+          <a:prstGeom prst="rect">
+            <a:avLst/>
+          </a:prstGeom>
+        </p:spPr>
+      </p:pic>
+      <p:pic>
+        <p:nvPicPr>
+          <p:cNvPr id="8" name="Рисунок 7"/>
+          <p:cNvPicPr>
+            <a:picLocks noChangeAspect="1"/>
+          </p:cNvPicPr>
+          <p:nvPr/>
+        </p:nvPicPr>
+        <p:blipFill>
+          <a:blip r:embed="rId5">
+            <a:extLst>
+              <a:ext uri="{28A0092B-C50C-407E-A947-70E740481C1C}">
+                <a14:useLocalDpi xmlns:a14="http://schemas.microsoft.com/office/drawing/2010/main" val="0"/>
+              </a:ext>
+            </a:extLst>
+          </a:blip>
+          <a:stretch>
+            <a:fillRect/>
+          </a:stretch>
+        </p:blipFill>
+        <p:spPr>
+          <a:xfrm>
+            <a:off x="3087750" y="2124709"/>
+            <a:ext cx="1693526" cy="1693526"/>
+          </a:xfrm>
+          <a:prstGeom prst="rect">
+            <a:avLst/>
+          </a:prstGeom>
+        </p:spPr>
+      </p:pic>
+      <p:sp>
+        <p:nvSpPr>
+          <p:cNvPr id="9" name="Номер слайда 8"/>
+          <p:cNvSpPr>
+            <a:spLocks noGrp="1"/>
+          </p:cNvSpPr>
+          <p:nvPr>
+            <p:ph type="sldNum" sz="quarter" idx="12"/>
+          </p:nvPr>
+        </p:nvSpPr>
+        <p:spPr/>
+        <p:txBody>
+          <a:bodyPr/>
+          <a:lstStyle/>
+          <a:p>
+            <a:fld id="{54312719-E188-4125-8FBE-1E251BCF9D85}" type="slidenum">
+              <a:rPr lang="ru-RU" sz="2400" smtClean="0"/>
+              <a:t>3</a:t>
+            </a:fld>
+            <a:r>
+              <a:rPr lang="en-US" sz="2400" dirty="0"/>
+              <a:t> / 22</a:t>
+            </a:r>
+            <a:endParaRPr lang="ru-RU" sz="2400" dirty="0"/>
+          </a:p>
+        </p:txBody>
+      </p:sp>
+      <p:pic>
+        <p:nvPicPr>
+          <p:cNvPr id="10" name="Рисунок 9"/>
+          <p:cNvPicPr>
+            <a:picLocks noChangeAspect="1"/>
+          </p:cNvPicPr>
+          <p:nvPr/>
+        </p:nvPicPr>
+        <p:blipFill>
+          <a:blip r:embed="rId6">
+            <a:extLst>
+              <a:ext uri="{28A0092B-C50C-407E-A947-70E740481C1C}">
+                <a14:useLocalDpi xmlns:a14="http://schemas.microsoft.com/office/drawing/2010/main" val="0"/>
+              </a:ext>
+            </a:extLst>
+          </a:blip>
+          <a:stretch>
+            <a:fillRect/>
+          </a:stretch>
+        </p:blipFill>
+        <p:spPr>
+          <a:xfrm>
+            <a:off x="9431638" y="2024416"/>
+            <a:ext cx="1428750" cy="1895475"/>
+          </a:xfrm>
+          <a:prstGeom prst="rect">
+            <a:avLst/>
+          </a:prstGeom>
+        </p:spPr>
+      </p:pic>
+      <p:pic>
+        <p:nvPicPr>
+          <p:cNvPr id="11" name="Рисунок 10"/>
+          <p:cNvPicPr>
+            <a:picLocks noChangeAspect="1"/>
+          </p:cNvPicPr>
+          <p:nvPr/>
+        </p:nvPicPr>
+        <p:blipFill>
+          <a:blip r:embed="rId3">
+            <a:extLst>
+              <a:ext uri="{28A0092B-C50C-407E-A947-70E740481C1C}">
+                <a14:useLocalDpi xmlns:a14="http://schemas.microsoft.com/office/drawing/2010/main" val="0"/>
+              </a:ext>
+            </a:extLst>
+          </a:blip>
+          <a:stretch>
+            <a:fillRect/>
+          </a:stretch>
+        </p:blipFill>
+        <p:spPr>
+          <a:xfrm>
+            <a:off x="8227875" y="1744672"/>
+            <a:ext cx="941539" cy="2143125"/>
+          </a:xfrm>
+          <a:prstGeom prst="rect">
+            <a:avLst/>
+          </a:prstGeom>
+        </p:spPr>
+      </p:pic>
+      <p:pic>
+        <p:nvPicPr>
+          <p:cNvPr id="12" name="Рисунок 11"/>
+          <p:cNvPicPr>
+            <a:picLocks noChangeAspect="1"/>
+          </p:cNvPicPr>
+          <p:nvPr/>
+        </p:nvPicPr>
+        <p:blipFill>
+          <a:blip r:embed="rId3">
+            <a:extLst>
+              <a:ext uri="{28A0092B-C50C-407E-A947-70E740481C1C}">
+                <a14:useLocalDpi xmlns:a14="http://schemas.microsoft.com/office/drawing/2010/main" val="0"/>
+              </a:ext>
+            </a:extLst>
+          </a:blip>
+          <a:stretch>
+            <a:fillRect/>
+          </a:stretch>
+        </p:blipFill>
+        <p:spPr>
+          <a:xfrm>
+            <a:off x="2231719" y="1776766"/>
+            <a:ext cx="941539" cy="2143125"/>
+          </a:xfrm>
+          <a:prstGeom prst="rect">
+            <a:avLst/>
+          </a:prstGeom>
+        </p:spPr>
+      </p:pic>
+      <p:pic>
+        <p:nvPicPr>
+          <p:cNvPr id="5" name="Рисунок 4"/>
+          <p:cNvPicPr>
+            <a:picLocks noChangeAspect="1"/>
+          </p:cNvPicPr>
+          <p:nvPr/>
+        </p:nvPicPr>
+        <p:blipFill>
+          <a:blip r:embed="rId7" cstate="print">
+            <a:extLst>
+              <a:ext uri="{28A0092B-C50C-407E-A947-70E740481C1C}">
+                <a14:useLocalDpi xmlns:a14="http://schemas.microsoft.com/office/drawing/2010/main" val="0"/>
+              </a:ext>
+            </a:extLst>
+          </a:blip>
+          <a:stretch>
+            <a:fillRect/>
+          </a:stretch>
+        </p:blipFill>
+        <p:spPr>
+          <a:xfrm>
+            <a:off x="752960" y="2113003"/>
+            <a:ext cx="1564000" cy="1564000"/>
           </a:xfrm>
           <a:prstGeom prst="rect">
             <a:avLst/>
@@ -12244,7 +13220,7 @@
     </p:spTree>
     <p:extLst>
       <p:ext uri="{BB962C8B-B14F-4D97-AF65-F5344CB8AC3E}">
-        <p14:creationId xmlns:p14="http://schemas.microsoft.com/office/powerpoint/2010/main" val="3296679865"/>
+        <p14:creationId xmlns:p14="http://schemas.microsoft.com/office/powerpoint/2010/main" val="2220832463"/>
       </p:ext>
     </p:extLst>
   </p:cSld>
@@ -12295,7 +13271,7 @@
           <a:p>
             <a:r>
               <a:rPr lang="ru-RU" dirty="0" smtClean="0"/>
-              <a:t>Формат данных</a:t>
+              <a:t>Актуальность</a:t>
             </a:r>
             <a:endParaRPr lang="ru-RU" dirty="0"/>
           </a:p>
@@ -12313,44 +13289,24 @@
         </p:nvSpPr>
         <p:spPr/>
         <p:txBody>
-          <a:bodyPr>
-            <a:normAutofit/>
-          </a:bodyPr>
+          <a:bodyPr/>
           <a:lstStyle/>
-          <a:p>
-            <a:r>
-              <a:rPr lang="ru-RU" sz="4400" b="1" dirty="0" err="1" smtClean="0"/>
-              <a:t>Метаописания</a:t>
-            </a:r>
-            <a:r>
-              <a:rPr lang="ru-RU" sz="4400" b="1" dirty="0" smtClean="0"/>
-              <a:t> </a:t>
-            </a:r>
-            <a:r>
-              <a:rPr lang="ru-RU" sz="4400" dirty="0" smtClean="0"/>
-              <a:t>— </a:t>
-            </a:r>
-            <a:r>
-              <a:rPr lang="ru-RU" sz="4400" dirty="0"/>
-              <a:t>информация о другой </a:t>
-            </a:r>
-            <a:r>
-              <a:rPr lang="ru-RU" sz="4400" dirty="0" smtClean="0"/>
-              <a:t>информации. </a:t>
-            </a:r>
-          </a:p>
           <a:p>
             <a:pPr>
               <a:buFont typeface="Arial" panose="020B0604020202020204" pitchFamily="34" charset="0"/>
               <a:buChar char="•"/>
             </a:pPr>
             <a:r>
-              <a:rPr lang="en-US" sz="4400" dirty="0" smtClean="0"/>
-              <a:t>ISO </a:t>
-            </a:r>
-            <a:r>
-              <a:rPr lang="en-US" sz="4400" dirty="0"/>
-              <a:t>19115v2</a:t>
+              <a:rPr lang="ru-RU" sz="3600" dirty="0" smtClean="0"/>
+              <a:t> </a:t>
+            </a:r>
+            <a:r>
+              <a:rPr lang="ru-RU" sz="3600" dirty="0" err="1" smtClean="0"/>
+              <a:t>Метаописания</a:t>
+            </a:r>
+            <a:r>
+              <a:rPr lang="ru-RU" sz="3600" dirty="0" smtClean="0"/>
+              <a:t> заполняются вручную</a:t>
             </a:r>
           </a:p>
           <a:p>
@@ -12359,13 +13315,17 @@
               <a:buChar char="•"/>
             </a:pPr>
             <a:r>
-              <a:rPr lang="en-US" sz="4400" dirty="0" smtClean="0"/>
-              <a:t>FGDC</a:t>
-            </a:r>
-            <a:endParaRPr lang="ru-RU" sz="4400" dirty="0" smtClean="0"/>
-          </a:p>
-          <a:p>
-            <a:endParaRPr lang="ru-RU" sz="4400" dirty="0"/>
+              <a:rPr lang="ru-RU" sz="3600" dirty="0" smtClean="0"/>
+              <a:t> Нет интеграции с </a:t>
+            </a:r>
+            <a:r>
+              <a:rPr lang="en-US" sz="3600" dirty="0" err="1" smtClean="0"/>
+              <a:t>GeoNetwork</a:t>
+            </a:r>
+            <a:endParaRPr lang="ru-RU" dirty="0" smtClean="0"/>
+          </a:p>
+          <a:p>
+            <a:endParaRPr lang="ru-RU" dirty="0"/>
           </a:p>
         </p:txBody>
       </p:sp>
@@ -12388,14 +13348,48 @@
               <a:rPr lang="ru-RU" sz="2400" smtClean="0"/>
               <a:t>4</a:t>
             </a:fld>
+            <a:r>
+              <a:rPr lang="en-US" sz="2400" dirty="0"/>
+              <a:t> / 22</a:t>
+            </a:r>
             <a:endParaRPr lang="ru-RU" sz="2400" dirty="0"/>
           </a:p>
         </p:txBody>
       </p:sp>
+      <p:pic>
+        <p:nvPicPr>
+          <p:cNvPr id="7" name="Рисунок 6"/>
+          <p:cNvPicPr>
+            <a:picLocks noChangeAspect="1"/>
+          </p:cNvPicPr>
+          <p:nvPr/>
+        </p:nvPicPr>
+        <p:blipFill>
+          <a:blip r:embed="rId3">
+            <a:extLst>
+              <a:ext uri="{28A0092B-C50C-407E-A947-70E740481C1C}">
+                <a14:useLocalDpi xmlns:a14="http://schemas.microsoft.com/office/drawing/2010/main" val="0"/>
+              </a:ext>
+            </a:extLst>
+          </a:blip>
+          <a:stretch>
+            <a:fillRect/>
+          </a:stretch>
+        </p:blipFill>
+        <p:spPr>
+          <a:xfrm>
+            <a:off x="2515809" y="3328959"/>
+            <a:ext cx="6397337" cy="3130826"/>
+          </a:xfrm>
+          <a:prstGeom prst="rect">
+            <a:avLst/>
+          </a:prstGeom>
+        </p:spPr>
+      </p:pic>
     </p:spTree>
     <p:extLst>
       <p:ext uri="{BB962C8B-B14F-4D97-AF65-F5344CB8AC3E}">
-        <p14:creationId xmlns:p14="http://schemas.microsoft.com/office/powerpoint/2010/main" val="106252291"/>
+        <p14:creationId xmlns:p14="http://schemas.microsoft.com/office/powerpoint/2010/main" val="3296679865"/>
       </p:ext>
     </p:extLst>
   </p:cSld>
@@ -12446,13 +13440,85 @@
           <a:p>
             <a:r>
               <a:rPr lang="ru-RU" dirty="0" smtClean="0"/>
-              <a:t>Пример метаданных в системе </a:t>
-            </a:r>
-            <a:r>
-              <a:rPr lang="en-US" dirty="0" err="1" smtClean="0"/>
-              <a:t>GeoNetwork</a:t>
+              <a:t>Формат данных</a:t>
             </a:r>
             <a:endParaRPr lang="ru-RU" dirty="0"/>
+          </a:p>
+        </p:txBody>
+      </p:sp>
+      <p:sp>
+        <p:nvSpPr>
+          <p:cNvPr id="3" name="Объект 2"/>
+          <p:cNvSpPr>
+            <a:spLocks noGrp="1"/>
+          </p:cNvSpPr>
+          <p:nvPr>
+            <p:ph idx="1"/>
+          </p:nvPr>
+        </p:nvSpPr>
+        <p:spPr/>
+        <p:txBody>
+          <a:bodyPr>
+            <a:normAutofit/>
+          </a:bodyPr>
+          <a:lstStyle/>
+          <a:p>
+            <a:r>
+              <a:rPr lang="ru-RU" sz="4400" b="1" dirty="0" err="1" smtClean="0"/>
+              <a:t>Метаописания</a:t>
+            </a:r>
+            <a:r>
+              <a:rPr lang="ru-RU" sz="4400" b="1" dirty="0" smtClean="0"/>
+              <a:t> </a:t>
+            </a:r>
+            <a:r>
+              <a:rPr lang="ru-RU" sz="4400" dirty="0" smtClean="0"/>
+              <a:t>— </a:t>
+            </a:r>
+            <a:r>
+              <a:rPr lang="ru-RU" sz="4400" dirty="0"/>
+              <a:t>информация о другой </a:t>
+            </a:r>
+            <a:r>
+              <a:rPr lang="ru-RU" sz="4400" dirty="0" smtClean="0"/>
+              <a:t>информации. </a:t>
+            </a:r>
+          </a:p>
+          <a:p>
+            <a:pPr>
+              <a:buFont typeface="Arial" panose="020B0604020202020204" pitchFamily="34" charset="0"/>
+              <a:buChar char="•"/>
+            </a:pPr>
+            <a:r>
+              <a:rPr lang="ru-RU" sz="4400" dirty="0" smtClean="0"/>
+              <a:t> </a:t>
+            </a:r>
+            <a:r>
+              <a:rPr lang="en-US" sz="4400" dirty="0" smtClean="0"/>
+              <a:t>ISO </a:t>
+            </a:r>
+            <a:r>
+              <a:rPr lang="en-US" sz="4400" dirty="0"/>
+              <a:t>19115v2</a:t>
+            </a:r>
+          </a:p>
+          <a:p>
+            <a:pPr>
+              <a:buFont typeface="Arial" panose="020B0604020202020204" pitchFamily="34" charset="0"/>
+              <a:buChar char="•"/>
+            </a:pPr>
+            <a:r>
+              <a:rPr lang="ru-RU" sz="4400" dirty="0" smtClean="0"/>
+              <a:t> </a:t>
+            </a:r>
+            <a:r>
+              <a:rPr lang="en-US" sz="4400" dirty="0" smtClean="0"/>
+              <a:t>FGDC</a:t>
+            </a:r>
+            <a:endParaRPr lang="ru-RU" sz="4400" dirty="0" smtClean="0"/>
+          </a:p>
+          <a:p>
+            <a:endParaRPr lang="ru-RU" sz="4400" dirty="0"/>
           </a:p>
         </p:txBody>
       </p:sp>
@@ -12475,6 +13541,106 @@
               <a:rPr lang="ru-RU" sz="2400" smtClean="0"/>
               <a:t>5</a:t>
             </a:fld>
+            <a:r>
+              <a:rPr lang="en-US" sz="2400" dirty="0"/>
+              <a:t> / 22</a:t>
+            </a:r>
+            <a:endParaRPr lang="ru-RU" sz="2400" dirty="0"/>
+          </a:p>
+        </p:txBody>
+      </p:sp>
+    </p:spTree>
+    <p:extLst>
+      <p:ext uri="{BB962C8B-B14F-4D97-AF65-F5344CB8AC3E}">
+        <p14:creationId xmlns:p14="http://schemas.microsoft.com/office/powerpoint/2010/main" val="106252291"/>
+      </p:ext>
+    </p:extLst>
+  </p:cSld>
+  <p:clrMapOvr>
+    <a:masterClrMapping/>
+  </p:clrMapOvr>
+  <p:timing>
+    <p:tnLst>
+      <p:par>
+        <p:cTn id="1" dur="indefinite" restart="never" nodeType="tmRoot"/>
+      </p:par>
+    </p:tnLst>
+  </p:timing>
+</p:sld>
+</file>
+
+<file path=ppt/slides/slide6.xml><?xml version="1.0" encoding="utf-8"?>
+<p:sld xmlns:a="http://schemas.openxmlformats.org/drawingml/2006/main" xmlns:r="http://schemas.openxmlformats.org/officeDocument/2006/relationships" xmlns:p="http://schemas.openxmlformats.org/presentationml/2006/main">
+  <p:cSld>
+    <p:spTree>
+      <p:nvGrpSpPr>
+        <p:cNvPr id="1" name=""/>
+        <p:cNvGrpSpPr/>
+        <p:nvPr/>
+      </p:nvGrpSpPr>
+      <p:grpSpPr>
+        <a:xfrm>
+          <a:off x="0" y="0"/>
+          <a:ext cx="0" cy="0"/>
+          <a:chOff x="0" y="0"/>
+          <a:chExt cx="0" cy="0"/>
+        </a:xfrm>
+      </p:grpSpPr>
+      <p:sp>
+        <p:nvSpPr>
+          <p:cNvPr id="2" name="Заголовок 1"/>
+          <p:cNvSpPr>
+            <a:spLocks noGrp="1"/>
+          </p:cNvSpPr>
+          <p:nvPr>
+            <p:ph type="title"/>
+          </p:nvPr>
+        </p:nvSpPr>
+        <p:spPr>
+          <a:xfrm>
+            <a:off x="3025422" y="286603"/>
+            <a:ext cx="8130258" cy="1450757"/>
+          </a:xfrm>
+        </p:spPr>
+        <p:txBody>
+          <a:bodyPr/>
+          <a:lstStyle/>
+          <a:p>
+            <a:r>
+              <a:rPr lang="ru-RU" dirty="0" smtClean="0"/>
+              <a:t>Пример метаданных в системе </a:t>
+            </a:r>
+            <a:r>
+              <a:rPr lang="en-US" dirty="0" err="1" smtClean="0"/>
+              <a:t>GeoNetwork</a:t>
+            </a:r>
+            <a:endParaRPr lang="ru-RU" dirty="0"/>
+          </a:p>
+        </p:txBody>
+      </p:sp>
+      <p:sp>
+        <p:nvSpPr>
+          <p:cNvPr id="4" name="Номер слайда 3"/>
+          <p:cNvSpPr>
+            <a:spLocks noGrp="1"/>
+          </p:cNvSpPr>
+          <p:nvPr>
+            <p:ph type="sldNum" sz="quarter" idx="12"/>
+          </p:nvPr>
+        </p:nvSpPr>
+        <p:spPr/>
+        <p:txBody>
+          <a:bodyPr/>
+          <a:lstStyle/>
+          <a:p>
+            <a:fld id="{54312719-E188-4125-8FBE-1E251BCF9D85}" type="slidenum">
+              <a:rPr lang="ru-RU" sz="2400" smtClean="0"/>
+              <a:t>6</a:t>
+            </a:fld>
+            <a:r>
+              <a:rPr lang="en-US" sz="2400" dirty="0"/>
+              <a:t> / 22</a:t>
+            </a:r>
             <a:endParaRPr lang="ru-RU" sz="2400" dirty="0"/>
           </a:p>
         </p:txBody>
@@ -12533,11 +13699,121 @@
         </p:blipFill>
         <p:spPr>
           <a:xfrm>
-            <a:off x="5037220" y="1031523"/>
+            <a:off x="7570737" y="1147939"/>
             <a:ext cx="4163980" cy="4022725"/>
           </a:xfrm>
         </p:spPr>
       </p:pic>
+      <p:pic>
+        <p:nvPicPr>
+          <p:cNvPr id="3" name="Рисунок 2"/>
+          <p:cNvPicPr>
+            <a:picLocks noChangeAspect="1"/>
+          </p:cNvPicPr>
+          <p:nvPr/>
+        </p:nvPicPr>
+        <p:blipFill>
+          <a:blip r:embed="rId4">
+            <a:extLst>
+              <a:ext uri="{28A0092B-C50C-407E-A947-70E740481C1C}">
+                <a14:useLocalDpi xmlns:a14="http://schemas.microsoft.com/office/drawing/2010/main" val="0"/>
+              </a:ext>
+            </a:extLst>
+          </a:blip>
+          <a:stretch>
+            <a:fillRect/>
+          </a:stretch>
+        </p:blipFill>
+        <p:spPr>
+          <a:xfrm>
+            <a:off x="180624" y="286603"/>
+            <a:ext cx="2844798" cy="3727232"/>
+          </a:xfrm>
+          <a:prstGeom prst="rect">
+            <a:avLst/>
+          </a:prstGeom>
+        </p:spPr>
+      </p:pic>
+      <p:sp>
+        <p:nvSpPr>
+          <p:cNvPr id="10" name="Стрелка вправо 9"/>
+          <p:cNvSpPr/>
+          <p:nvPr/>
+        </p:nvSpPr>
+        <p:spPr>
+          <a:xfrm rot="1063107">
+            <a:off x="3050673" y="2899245"/>
+            <a:ext cx="5115701" cy="383822"/>
+          </a:xfrm>
+          <a:prstGeom prst="rightArrow">
+            <a:avLst/>
+          </a:prstGeom>
+        </p:spPr>
+        <p:style>
+          <a:lnRef idx="2">
+            <a:schemeClr val="accent1">
+              <a:shade val="50000"/>
+            </a:schemeClr>
+          </a:lnRef>
+          <a:fillRef idx="1">
+            <a:schemeClr val="accent1"/>
+          </a:fillRef>
+          <a:effectRef idx="0">
+            <a:schemeClr val="accent1"/>
+          </a:effectRef>
+          <a:fontRef idx="minor">
+            <a:schemeClr val="lt1"/>
+          </a:fontRef>
+        </p:style>
+        <p:txBody>
+          <a:bodyPr rtlCol="0" anchor="ctr"/>
+          <a:lstStyle/>
+          <a:p>
+            <a:pPr algn="ctr"/>
+            <a:endParaRPr lang="ru-RU"/>
+          </a:p>
+        </p:txBody>
+      </p:sp>
+      <p:sp>
+        <p:nvSpPr>
+          <p:cNvPr id="11" name="Стрелка вправо 10"/>
+          <p:cNvSpPr/>
+          <p:nvPr/>
+        </p:nvSpPr>
+        <p:spPr>
+          <a:xfrm rot="5400000">
+            <a:off x="1956961" y="4502651"/>
+            <a:ext cx="1284278" cy="383822"/>
+          </a:xfrm>
+          <a:prstGeom prst="rightArrow">
+            <a:avLst/>
+          </a:prstGeom>
+        </p:spPr>
+        <p:style>
+          <a:lnRef idx="2">
+            <a:schemeClr val="accent1">
+              <a:shade val="50000"/>
+            </a:schemeClr>
+          </a:lnRef>
+          <a:fillRef idx="1">
+            <a:schemeClr val="accent1"/>
+          </a:fillRef>
+          <a:effectRef idx="0">
+            <a:schemeClr val="accent1"/>
+          </a:effectRef>
+          <a:fontRef idx="minor">
+            <a:schemeClr val="lt1"/>
+          </a:fontRef>
+        </p:style>
+        <p:txBody>
+          <a:bodyPr rtlCol="0" anchor="ctr"/>
+          <a:lstStyle/>
+          <a:p>
+            <a:pPr algn="ctr"/>
+            <a:endParaRPr lang="ru-RU"/>
+          </a:p>
+        </p:txBody>
+      </p:sp>
     </p:spTree>
     <p:extLst>
       <p:ext uri="{BB962C8B-B14F-4D97-AF65-F5344CB8AC3E}">
@@ -12548,702 +13824,6 @@
   <p:clrMapOvr>
     <a:masterClrMapping/>
   </p:clrMapOvr>
-</p:sld>
-</file>
-
-<file path=ppt/slides/slide6.xml><?xml version="1.0" encoding="utf-8"?>
-<p:sld xmlns:a="http://schemas.openxmlformats.org/drawingml/2006/main" xmlns:r="http://schemas.openxmlformats.org/officeDocument/2006/relationships" xmlns:p="http://schemas.openxmlformats.org/presentationml/2006/main">
-  <p:cSld>
-    <p:spTree>
-      <p:nvGrpSpPr>
-        <p:cNvPr id="1" name=""/>
-        <p:cNvGrpSpPr/>
-        <p:nvPr/>
-      </p:nvGrpSpPr>
-      <p:grpSpPr>
-        <a:xfrm>
-          <a:off x="0" y="0"/>
-          <a:ext cx="0" cy="0"/>
-          <a:chOff x="0" y="0"/>
-          <a:chExt cx="0" cy="0"/>
-        </a:xfrm>
-      </p:grpSpPr>
-      <p:sp>
-        <p:nvSpPr>
-          <p:cNvPr id="2" name="Заголовок 1"/>
-          <p:cNvSpPr>
-            <a:spLocks noGrp="1"/>
-          </p:cNvSpPr>
-          <p:nvPr>
-            <p:ph type="title"/>
-          </p:nvPr>
-        </p:nvSpPr>
-        <p:spPr>
-          <a:xfrm>
-            <a:off x="1097280" y="1388533"/>
-            <a:ext cx="10115203" cy="914401"/>
-          </a:xfrm>
-        </p:spPr>
-        <p:txBody>
-          <a:bodyPr>
-            <a:normAutofit fontScale="90000"/>
-          </a:bodyPr>
-          <a:lstStyle/>
-          <a:p>
-            <a:r>
-              <a:rPr lang="ru-RU" dirty="0"/>
-              <a:t>Обзор существующих решений</a:t>
-            </a:r>
-            <a:br>
-              <a:rPr lang="ru-RU" dirty="0"/>
-            </a:br>
-            <a:endParaRPr lang="ru-RU" dirty="0"/>
-          </a:p>
-        </p:txBody>
-      </p:sp>
-      <p:sp>
-        <p:nvSpPr>
-          <p:cNvPr id="3" name="Объект 2"/>
-          <p:cNvSpPr>
-            <a:spLocks noGrp="1"/>
-          </p:cNvSpPr>
-          <p:nvPr>
-            <p:ph idx="1"/>
-          </p:nvPr>
-        </p:nvSpPr>
-        <p:spPr/>
-        <p:txBody>
-          <a:bodyPr>
-            <a:normAutofit/>
-          </a:bodyPr>
-          <a:lstStyle/>
-          <a:p>
-            <a:pPr marL="0" indent="0">
-              <a:buNone/>
-            </a:pPr>
-            <a:endParaRPr lang="ru-RU" sz="4400" dirty="0"/>
-          </a:p>
-        </p:txBody>
-      </p:sp>
-      <p:sp>
-        <p:nvSpPr>
-          <p:cNvPr id="4" name="Номер слайда 3"/>
-          <p:cNvSpPr>
-            <a:spLocks noGrp="1"/>
-          </p:cNvSpPr>
-          <p:nvPr>
-            <p:ph type="sldNum" sz="quarter" idx="12"/>
-          </p:nvPr>
-        </p:nvSpPr>
-        <p:spPr/>
-        <p:txBody>
-          <a:bodyPr/>
-          <a:lstStyle/>
-          <a:p>
-            <a:fld id="{54312719-E188-4125-8FBE-1E251BCF9D85}" type="slidenum">
-              <a:rPr lang="ru-RU" sz="2400" smtClean="0"/>
-              <a:t>6</a:t>
-            </a:fld>
-            <a:endParaRPr lang="ru-RU" sz="2400" dirty="0"/>
-          </a:p>
-        </p:txBody>
-      </p:sp>
-      <p:graphicFrame>
-        <p:nvGraphicFramePr>
-          <p:cNvPr id="5" name="Таблица 4"/>
-          <p:cNvGraphicFramePr>
-            <a:graphicFrameLocks noGrp="1"/>
-          </p:cNvGraphicFramePr>
-          <p:nvPr>
-            <p:extLst>
-              <p:ext uri="{D42A27DB-BD31-4B8C-83A1-F6EECF244321}">
-                <p14:modId xmlns:p14="http://schemas.microsoft.com/office/powerpoint/2010/main" val="4050885858"/>
-              </p:ext>
-            </p:extLst>
-          </p:nvPr>
-        </p:nvGraphicFramePr>
-        <p:xfrm>
-          <a:off x="-2" y="1845733"/>
-          <a:ext cx="12192001" cy="4363234"/>
-        </p:xfrm>
-        <a:graphic>
-          <a:graphicData uri="http://schemas.openxmlformats.org/drawingml/2006/table">
-            <a:tbl>
-              <a:tblPr firstRow="1" bandRow="1">
-                <a:tableStyleId>{5C22544A-7EE6-4342-B048-85BDC9FD1C3A}</a:tableStyleId>
-              </a:tblPr>
-              <a:tblGrid>
-                <a:gridCol w="1840377"/>
-                <a:gridCol w="2776576"/>
-                <a:gridCol w="2536203"/>
-                <a:gridCol w="2453833"/>
-                <a:gridCol w="2585012"/>
-              </a:tblGrid>
-              <a:tr h="975440">
-                <a:tc>
-                  <a:txBody>
-                    <a:bodyPr/>
-                    <a:lstStyle/>
-                    <a:p>
-                      <a:r>
-                        <a:rPr lang="ru-RU" sz="2400" dirty="0" smtClean="0"/>
-                        <a:t>Название</a:t>
-                      </a:r>
-                      <a:endParaRPr lang="ru-RU" sz="2400" dirty="0"/>
-                    </a:p>
-                  </a:txBody>
-                  <a:tcPr/>
-                </a:tc>
-                <a:tc>
-                  <a:txBody>
-                    <a:bodyPr/>
-                    <a:lstStyle/>
-                    <a:p>
-                      <a:r>
-                        <a:rPr lang="ru-RU" sz="2400" dirty="0" smtClean="0"/>
-                        <a:t>Алгоритм</a:t>
-                      </a:r>
-                      <a:endParaRPr lang="ru-RU" sz="2400" dirty="0"/>
-                    </a:p>
-                  </a:txBody>
-                  <a:tcPr/>
-                </a:tc>
-                <a:tc>
-                  <a:txBody>
-                    <a:bodyPr/>
-                    <a:lstStyle/>
-                    <a:p>
-                      <a:r>
-                        <a:rPr lang="ru-RU" sz="2400" dirty="0" smtClean="0"/>
-                        <a:t>Распространение</a:t>
-                      </a:r>
-                      <a:endParaRPr lang="ru-RU" sz="2400" dirty="0"/>
-                    </a:p>
-                  </a:txBody>
-                  <a:tcPr/>
-                </a:tc>
-                <a:tc>
-                  <a:txBody>
-                    <a:bodyPr/>
-                    <a:lstStyle/>
-                    <a:p>
-                      <a:r>
-                        <a:rPr lang="ru-RU" sz="2400" dirty="0" smtClean="0"/>
-                        <a:t>Интеграция</a:t>
-                      </a:r>
-                      <a:r>
-                        <a:rPr lang="ru-RU" sz="2400" baseline="0" dirty="0" smtClean="0"/>
-                        <a:t> с </a:t>
-                      </a:r>
-                      <a:r>
-                        <a:rPr lang="en-US" sz="2400" baseline="0" dirty="0" err="1" smtClean="0"/>
-                        <a:t>GeoNetwork</a:t>
-                      </a:r>
-                      <a:endParaRPr lang="ru-RU" sz="2400" dirty="0"/>
-                    </a:p>
-                  </a:txBody>
-                  <a:tcPr/>
-                </a:tc>
-                <a:tc>
-                  <a:txBody>
-                    <a:bodyPr/>
-                    <a:lstStyle/>
-                    <a:p>
-                      <a:r>
-                        <a:rPr lang="ru-RU" sz="2400" dirty="0" smtClean="0"/>
-                        <a:t>Поддержка</a:t>
-                      </a:r>
-                      <a:r>
-                        <a:rPr lang="ru-RU" sz="2400" baseline="0" dirty="0" smtClean="0"/>
-                        <a:t> форматов метаданных</a:t>
-                      </a:r>
-                      <a:endParaRPr lang="ru-RU" sz="2400" dirty="0"/>
-                    </a:p>
-                  </a:txBody>
-                  <a:tcPr/>
-                </a:tc>
-              </a:tr>
-              <a:tr h="675305">
-                <a:tc>
-                  <a:txBody>
-                    <a:bodyPr/>
-                    <a:lstStyle/>
-                    <a:p>
-                      <a:r>
-                        <a:rPr lang="en-US" sz="2400" dirty="0" err="1" smtClean="0"/>
-                        <a:t>Cermine</a:t>
-                      </a:r>
-                      <a:endParaRPr lang="ru-RU" sz="2400" dirty="0"/>
-                    </a:p>
-                  </a:txBody>
-                  <a:tcPr/>
-                </a:tc>
-                <a:tc>
-                  <a:txBody>
-                    <a:bodyPr/>
-                    <a:lstStyle/>
-                    <a:p>
-                      <a:r>
-                        <a:rPr lang="en-US" sz="2400" kern="1200" dirty="0" smtClean="0">
-                          <a:solidFill>
-                            <a:schemeClr val="dk1"/>
-                          </a:solidFill>
-                          <a:effectLst/>
-                          <a:latin typeface="+mn-lt"/>
-                          <a:ea typeface="+mn-ea"/>
-                          <a:cs typeface="+mn-cs"/>
-                        </a:rPr>
-                        <a:t>CRF</a:t>
-                      </a:r>
-                      <a:r>
-                        <a:rPr lang="ru-RU" sz="2400" kern="1200" dirty="0" smtClean="0">
-                          <a:solidFill>
-                            <a:schemeClr val="dk1"/>
-                          </a:solidFill>
-                          <a:effectLst/>
-                          <a:latin typeface="+mn-lt"/>
-                          <a:ea typeface="+mn-ea"/>
-                          <a:cs typeface="+mn-cs"/>
-                        </a:rPr>
-                        <a:t>, </a:t>
-                      </a:r>
-                      <a:r>
-                        <a:rPr lang="en-US" sz="2400" kern="1200" dirty="0" smtClean="0">
-                          <a:solidFill>
-                            <a:schemeClr val="dk1"/>
-                          </a:solidFill>
-                          <a:effectLst/>
-                          <a:latin typeface="+mn-lt"/>
-                          <a:ea typeface="+mn-ea"/>
-                          <a:cs typeface="+mn-cs"/>
-                        </a:rPr>
-                        <a:t>SVM</a:t>
-                      </a:r>
-                      <a:r>
-                        <a:rPr lang="ru-RU" sz="2400" kern="1200" dirty="0" smtClean="0">
-                          <a:solidFill>
-                            <a:schemeClr val="dk1"/>
-                          </a:solidFill>
-                          <a:effectLst/>
-                          <a:latin typeface="+mn-lt"/>
-                          <a:ea typeface="+mn-ea"/>
-                          <a:cs typeface="+mn-cs"/>
-                        </a:rPr>
-                        <a:t> и </a:t>
-                      </a:r>
-                      <a:r>
-                        <a:rPr lang="en-US" sz="2400" kern="1200" dirty="0" smtClean="0">
-                          <a:solidFill>
-                            <a:schemeClr val="dk1"/>
-                          </a:solidFill>
-                          <a:effectLst/>
-                          <a:latin typeface="+mn-lt"/>
-                          <a:ea typeface="+mn-ea"/>
-                          <a:cs typeface="+mn-cs"/>
-                        </a:rPr>
-                        <a:t>K</a:t>
-                      </a:r>
-                      <a:r>
-                        <a:rPr lang="ru-RU" sz="2400" kern="1200" dirty="0" smtClean="0">
-                          <a:solidFill>
-                            <a:schemeClr val="dk1"/>
-                          </a:solidFill>
-                          <a:effectLst/>
-                          <a:latin typeface="+mn-lt"/>
-                          <a:ea typeface="+mn-ea"/>
-                          <a:cs typeface="+mn-cs"/>
-                        </a:rPr>
-                        <a:t>-</a:t>
-                      </a:r>
-                      <a:r>
-                        <a:rPr lang="en-US" sz="2400" kern="1200" dirty="0" smtClean="0">
-                          <a:solidFill>
-                            <a:schemeClr val="dk1"/>
-                          </a:solidFill>
-                          <a:effectLst/>
-                          <a:latin typeface="+mn-lt"/>
-                          <a:ea typeface="+mn-ea"/>
-                          <a:cs typeface="+mn-cs"/>
-                        </a:rPr>
-                        <a:t>means</a:t>
-                      </a:r>
-                      <a:endParaRPr lang="ru-RU" sz="2400" dirty="0"/>
-                    </a:p>
-                  </a:txBody>
-                  <a:tcPr/>
-                </a:tc>
-                <a:tc>
-                  <a:txBody>
-                    <a:bodyPr/>
-                    <a:lstStyle/>
-                    <a:p>
-                      <a:r>
-                        <a:rPr lang="ru-RU" sz="2400" dirty="0" smtClean="0"/>
-                        <a:t>Открытое</a:t>
-                      </a:r>
-                      <a:endParaRPr lang="ru-RU" sz="2400" dirty="0"/>
-                    </a:p>
-                  </a:txBody>
-                  <a:tcPr/>
-                </a:tc>
-                <a:tc>
-                  <a:txBody>
-                    <a:bodyPr/>
-                    <a:lstStyle/>
-                    <a:p>
-                      <a:r>
-                        <a:rPr lang="ru-RU" sz="2400" dirty="0" smtClean="0"/>
-                        <a:t>-</a:t>
-                      </a:r>
-                      <a:endParaRPr lang="ru-RU" sz="2400" dirty="0"/>
-                    </a:p>
-                  </a:txBody>
-                  <a:tcPr/>
-                </a:tc>
-                <a:tc>
-                  <a:txBody>
-                    <a:bodyPr/>
-                    <a:lstStyle/>
-                    <a:p>
-                      <a:r>
-                        <a:rPr lang="ru-RU" sz="2400" dirty="0" smtClean="0"/>
-                        <a:t>-</a:t>
-                      </a:r>
-                      <a:endParaRPr lang="ru-RU" sz="2400" dirty="0"/>
-                    </a:p>
-                  </a:txBody>
-                  <a:tcPr/>
-                </a:tc>
-              </a:tr>
-              <a:tr h="675305">
-                <a:tc>
-                  <a:txBody>
-                    <a:bodyPr/>
-                    <a:lstStyle/>
-                    <a:p>
-                      <a:r>
-                        <a:rPr lang="en-US" sz="2400" dirty="0" smtClean="0"/>
-                        <a:t>GROBID</a:t>
-                      </a:r>
-                      <a:endParaRPr lang="ru-RU" sz="2400" dirty="0"/>
-                    </a:p>
-                  </a:txBody>
-                  <a:tcPr/>
-                </a:tc>
-                <a:tc>
-                  <a:txBody>
-                    <a:bodyPr/>
-                    <a:lstStyle/>
-                    <a:p>
-                      <a:r>
-                        <a:rPr lang="en-US" sz="2400" kern="1200" dirty="0" smtClean="0">
-                          <a:solidFill>
-                            <a:schemeClr val="dk1"/>
-                          </a:solidFill>
-                          <a:effectLst/>
-                          <a:latin typeface="+mn-lt"/>
-                          <a:ea typeface="+mn-ea"/>
-                          <a:cs typeface="+mn-cs"/>
-                        </a:rPr>
-                        <a:t>SVM </a:t>
-                      </a:r>
-                      <a:endParaRPr lang="ru-RU" sz="2400" dirty="0"/>
-                    </a:p>
-                  </a:txBody>
-                  <a:tcPr/>
-                </a:tc>
-                <a:tc>
-                  <a:txBody>
-                    <a:bodyPr/>
-                    <a:lstStyle/>
-                    <a:p>
-                      <a:r>
-                        <a:rPr lang="ru-RU" sz="2400" dirty="0" smtClean="0"/>
-                        <a:t>Открытое</a:t>
-                      </a:r>
-                      <a:endParaRPr lang="ru-RU" sz="2400" dirty="0"/>
-                    </a:p>
-                  </a:txBody>
-                  <a:tcPr/>
-                </a:tc>
-                <a:tc>
-                  <a:txBody>
-                    <a:bodyPr/>
-                    <a:lstStyle/>
-                    <a:p>
-                      <a:r>
-                        <a:rPr lang="ru-RU" sz="2400" dirty="0" smtClean="0"/>
-                        <a:t>-</a:t>
-                      </a:r>
-                      <a:endParaRPr lang="ru-RU" sz="2400" dirty="0"/>
-                    </a:p>
-                  </a:txBody>
-                  <a:tcPr/>
-                </a:tc>
-                <a:tc>
-                  <a:txBody>
-                    <a:bodyPr/>
-                    <a:lstStyle/>
-                    <a:p>
-                      <a:r>
-                        <a:rPr lang="ru-RU" sz="2400" dirty="0" smtClean="0"/>
-                        <a:t>-</a:t>
-                      </a:r>
-                      <a:endParaRPr lang="ru-RU" sz="2400" dirty="0"/>
-                    </a:p>
-                  </a:txBody>
-                  <a:tcPr/>
-                </a:tc>
-              </a:tr>
-              <a:tr h="675305">
-                <a:tc>
-                  <a:txBody>
-                    <a:bodyPr/>
-                    <a:lstStyle/>
-                    <a:p>
-                      <a:r>
-                        <a:rPr lang="en-US" sz="2400" dirty="0" err="1" smtClean="0"/>
-                        <a:t>ParsCit</a:t>
-                      </a:r>
-                      <a:endParaRPr lang="ru-RU" sz="2400" dirty="0"/>
-                    </a:p>
-                  </a:txBody>
-                  <a:tcPr/>
-                </a:tc>
-                <a:tc>
-                  <a:txBody>
-                    <a:bodyPr/>
-                    <a:lstStyle/>
-                    <a:p>
-                      <a:r>
-                        <a:rPr lang="en-US" sz="2400" kern="1200" dirty="0" smtClean="0">
-                          <a:solidFill>
-                            <a:schemeClr val="dk1"/>
-                          </a:solidFill>
-                          <a:effectLst/>
-                          <a:latin typeface="+mn-lt"/>
-                          <a:ea typeface="+mn-ea"/>
-                          <a:cs typeface="+mn-cs"/>
-                        </a:rPr>
-                        <a:t>CRF </a:t>
-                      </a:r>
-                      <a:endParaRPr lang="ru-RU" sz="2400" dirty="0"/>
-                    </a:p>
-                  </a:txBody>
-                  <a:tcPr/>
-                </a:tc>
-                <a:tc>
-                  <a:txBody>
-                    <a:bodyPr/>
-                    <a:lstStyle/>
-                    <a:p>
-                      <a:r>
-                        <a:rPr lang="ru-RU" sz="2400" dirty="0" smtClean="0"/>
-                        <a:t>Открытое</a:t>
-                      </a:r>
-                      <a:endParaRPr lang="ru-RU" sz="2400" dirty="0"/>
-                    </a:p>
-                  </a:txBody>
-                  <a:tcPr/>
-                </a:tc>
-                <a:tc>
-                  <a:txBody>
-                    <a:bodyPr/>
-                    <a:lstStyle/>
-                    <a:p>
-                      <a:r>
-                        <a:rPr lang="ru-RU" sz="2400" dirty="0" smtClean="0"/>
-                        <a:t>-</a:t>
-                      </a:r>
-                      <a:endParaRPr lang="ru-RU" sz="2400" dirty="0"/>
-                    </a:p>
-                  </a:txBody>
-                  <a:tcPr/>
-                </a:tc>
-                <a:tc>
-                  <a:txBody>
-                    <a:bodyPr/>
-                    <a:lstStyle/>
-                    <a:p>
-                      <a:r>
-                        <a:rPr lang="ru-RU" sz="2400" dirty="0" smtClean="0"/>
-                        <a:t>-</a:t>
-                      </a:r>
-                      <a:endParaRPr lang="ru-RU" sz="2400" dirty="0"/>
-                    </a:p>
-                  </a:txBody>
-                  <a:tcPr/>
-                </a:tc>
-              </a:tr>
-              <a:tr h="473294">
-                <a:tc>
-                  <a:txBody>
-                    <a:bodyPr/>
-                    <a:lstStyle/>
-                    <a:p>
-                      <a:r>
-                        <a:rPr lang="en-US" sz="2400" dirty="0" smtClean="0"/>
-                        <a:t>Text Razor</a:t>
-                      </a:r>
-                      <a:endParaRPr lang="ru-RU" sz="2400" dirty="0"/>
-                    </a:p>
-                  </a:txBody>
-                  <a:tcPr/>
-                </a:tc>
-                <a:tc>
-                  <a:txBody>
-                    <a:bodyPr/>
-                    <a:lstStyle/>
-                    <a:p>
-                      <a:r>
-                        <a:rPr lang="en-US" sz="2400" dirty="0" smtClean="0"/>
-                        <a:t>Wikipedia?</a:t>
-                      </a:r>
-                      <a:endParaRPr lang="ru-RU" sz="2400" dirty="0"/>
-                    </a:p>
-                  </a:txBody>
-                  <a:tcPr/>
-                </a:tc>
-                <a:tc>
-                  <a:txBody>
-                    <a:bodyPr/>
-                    <a:lstStyle/>
-                    <a:p>
-                      <a:r>
-                        <a:rPr lang="ru-RU" sz="2400" dirty="0" err="1" smtClean="0"/>
-                        <a:t>Проприетарная</a:t>
-                      </a:r>
-                      <a:endParaRPr lang="ru-RU" sz="2400" dirty="0"/>
-                    </a:p>
-                  </a:txBody>
-                  <a:tcPr/>
-                </a:tc>
-                <a:tc>
-                  <a:txBody>
-                    <a:bodyPr/>
-                    <a:lstStyle/>
-                    <a:p>
-                      <a:r>
-                        <a:rPr lang="ru-RU" sz="2400" dirty="0" smtClean="0"/>
-                        <a:t>-</a:t>
-                      </a:r>
-                      <a:endParaRPr lang="ru-RU" sz="2400" dirty="0"/>
-                    </a:p>
-                  </a:txBody>
-                  <a:tcPr/>
-                </a:tc>
-                <a:tc>
-                  <a:txBody>
-                    <a:bodyPr/>
-                    <a:lstStyle/>
-                    <a:p>
-                      <a:r>
-                        <a:rPr lang="ru-RU" sz="2400" dirty="0" smtClean="0"/>
-                        <a:t>-</a:t>
-                      </a:r>
-                      <a:endParaRPr lang="ru-RU" sz="2400" dirty="0"/>
-                    </a:p>
-                  </a:txBody>
-                  <a:tcPr/>
-                </a:tc>
-              </a:tr>
-              <a:tr h="675305">
-                <a:tc>
-                  <a:txBody>
-                    <a:bodyPr/>
-                    <a:lstStyle/>
-                    <a:p>
-                      <a:r>
-                        <a:rPr lang="ru-RU" sz="2400" dirty="0" smtClean="0"/>
-                        <a:t>Моя модель</a:t>
-                      </a:r>
-                      <a:endParaRPr lang="ru-RU" sz="2400" dirty="0"/>
-                    </a:p>
-                  </a:txBody>
-                  <a:tcPr/>
-                </a:tc>
-                <a:tc>
-                  <a:txBody>
-                    <a:bodyPr/>
-                    <a:lstStyle/>
-                    <a:p>
-                      <a:r>
-                        <a:rPr lang="en-US" sz="2400" dirty="0" smtClean="0"/>
-                        <a:t>LSTM,</a:t>
-                      </a:r>
-                      <a:r>
-                        <a:rPr lang="en-US" sz="2400" baseline="0" dirty="0" smtClean="0"/>
-                        <a:t> Regex, RAKE</a:t>
-                      </a:r>
-                      <a:endParaRPr lang="ru-RU" sz="2400" dirty="0"/>
-                    </a:p>
-                  </a:txBody>
-                  <a:tcPr/>
-                </a:tc>
-                <a:tc>
-                  <a:txBody>
-                    <a:bodyPr/>
-                    <a:lstStyle/>
-                    <a:p>
-                      <a:r>
-                        <a:rPr lang="ru-RU" sz="2400" dirty="0" smtClean="0"/>
-                        <a:t>Открытое</a:t>
-                      </a:r>
-                      <a:endParaRPr lang="ru-RU" sz="2400" dirty="0"/>
-                    </a:p>
-                  </a:txBody>
-                  <a:tcPr/>
-                </a:tc>
-                <a:tc>
-                  <a:txBody>
-                    <a:bodyPr/>
-                    <a:lstStyle/>
-                    <a:p>
-                      <a:r>
-                        <a:rPr lang="ru-RU" sz="2400" dirty="0" smtClean="0"/>
-                        <a:t>+</a:t>
-                      </a:r>
-                      <a:endParaRPr lang="ru-RU" sz="2400" dirty="0"/>
-                    </a:p>
-                  </a:txBody>
-                  <a:tcPr/>
-                </a:tc>
-                <a:tc>
-                  <a:txBody>
-                    <a:bodyPr/>
-                    <a:lstStyle/>
-                    <a:p>
-                      <a:r>
-                        <a:rPr lang="ru-RU" sz="2400" dirty="0" smtClean="0"/>
-                        <a:t>+</a:t>
-                      </a:r>
-                      <a:endParaRPr lang="ru-RU" sz="2400" dirty="0"/>
-                    </a:p>
-                  </a:txBody>
-                  <a:tcPr/>
-                </a:tc>
-              </a:tr>
-            </a:tbl>
-          </a:graphicData>
-        </a:graphic>
-      </p:graphicFrame>
-    </p:spTree>
-    <p:extLst>
-      <p:ext uri="{BB962C8B-B14F-4D97-AF65-F5344CB8AC3E}">
-        <p14:creationId xmlns:p14="http://schemas.microsoft.com/office/powerpoint/2010/main" val="3419937178"/>
-      </p:ext>
-    </p:extLst>
-  </p:cSld>
-  <p:clrMapOvr>
-    <a:masterClrMapping/>
-  </p:clrMapOvr>
-  <p:timing>
-    <p:tnLst>
-      <p:par>
-        <p:cTn id="1" dur="indefinite" restart="never" nodeType="tmRoot"/>
-      </p:par>
-    </p:tnLst>
-  </p:timing>
 </p:sld>
 </file>
 
@@ -13274,15 +13854,25 @@
             <p:ph type="title"/>
           </p:nvPr>
         </p:nvSpPr>
-        <p:spPr/>
+        <p:spPr>
+          <a:xfrm>
+            <a:off x="1097280" y="1388533"/>
+            <a:ext cx="10115203" cy="914401"/>
+          </a:xfrm>
+        </p:spPr>
         <p:txBody>
-          <a:bodyPr/>
+          <a:bodyPr>
+            <a:normAutofit fontScale="90000"/>
+          </a:bodyPr>
           <a:lstStyle/>
           <a:p>
             <a:r>
-              <a:rPr lang="ru-RU" dirty="0" smtClean="0"/>
-              <a:t>Цель работы</a:t>
-            </a:r>
+              <a:rPr lang="ru-RU" dirty="0"/>
+              <a:t>Обзор существующих решений</a:t>
+            </a:r>
+            <a:br>
+              <a:rPr lang="ru-RU" dirty="0"/>
+            </a:br>
             <a:endParaRPr lang="ru-RU" dirty="0"/>
           </a:p>
         </p:txBody>
@@ -13304,59 +13894,10 @@
           </a:bodyPr>
           <a:lstStyle/>
           <a:p>
-            <a:pPr lvl="0"/>
-            <a:r>
-              <a:rPr lang="ru-RU" sz="3600" dirty="0" smtClean="0"/>
-              <a:t>Реализовать приложение </a:t>
-            </a:r>
-            <a:r>
-              <a:rPr lang="ru-RU" sz="3600" dirty="0"/>
-              <a:t>для </a:t>
-            </a:r>
-            <a:r>
-              <a:rPr lang="ru-RU" sz="3600" dirty="0" smtClean="0"/>
-              <a:t>автоматизации подготовки </a:t>
-            </a:r>
-            <a:r>
-              <a:rPr lang="ru-RU" sz="3600" dirty="0" err="1" smtClean="0"/>
-              <a:t>метаописаний</a:t>
-            </a:r>
-            <a:r>
-              <a:rPr lang="ru-RU" sz="3600" dirty="0" smtClean="0"/>
-              <a:t> для </a:t>
-            </a:r>
-            <a:r>
-              <a:rPr lang="en-US" sz="3600" dirty="0" err="1" smtClean="0"/>
-              <a:t>GeoNetwork</a:t>
-            </a:r>
-            <a:r>
-              <a:rPr lang="ru-RU" sz="3600" dirty="0"/>
-              <a:t>, </a:t>
-            </a:r>
-            <a:r>
-              <a:rPr lang="ru-RU" sz="3600" dirty="0" smtClean="0"/>
-              <a:t>которое получает </a:t>
-            </a:r>
-            <a:r>
-              <a:rPr lang="en-US" sz="3600" dirty="0" smtClean="0"/>
-              <a:t>PDF </a:t>
-            </a:r>
-            <a:r>
-              <a:rPr lang="ru-RU" sz="3600" dirty="0" smtClean="0"/>
-              <a:t>файл </a:t>
-            </a:r>
-            <a:r>
-              <a:rPr lang="ru-RU" sz="3600" dirty="0"/>
-              <a:t>и извлекает из него метаданные. Также должна быть возможность отредактировать и дополнить эти данные, а затем </a:t>
-            </a:r>
-            <a:r>
-              <a:rPr lang="ru-RU" sz="3600" dirty="0" smtClean="0"/>
-              <a:t>добавить их в систему. </a:t>
-            </a:r>
-            <a:endParaRPr lang="ru-RU" sz="3600" dirty="0"/>
-          </a:p>
-          <a:p>
-            <a:endParaRPr lang="ru-RU" dirty="0"/>
+            <a:pPr marL="0" indent="0">
+              <a:buNone/>
+            </a:pPr>
+            <a:endParaRPr lang="ru-RU" sz="4400" dirty="0"/>
           </a:p>
         </p:txBody>
       </p:sp>
@@ -13379,14 +13920,605 @@
               <a:rPr lang="ru-RU" sz="2400" smtClean="0"/>
               <a:t>7</a:t>
             </a:fld>
+            <a:r>
+              <a:rPr lang="en-US" sz="2400" dirty="0"/>
+              <a:t> / 22</a:t>
+            </a:r>
             <a:endParaRPr lang="ru-RU" sz="2400" dirty="0"/>
           </a:p>
         </p:txBody>
       </p:sp>
+      <p:graphicFrame>
+        <p:nvGraphicFramePr>
+          <p:cNvPr id="5" name="Таблица 4"/>
+          <p:cNvGraphicFramePr>
+            <a:graphicFrameLocks noGrp="1"/>
+          </p:cNvGraphicFramePr>
+          <p:nvPr>
+            <p:extLst>
+              <p:ext uri="{D42A27DB-BD31-4B8C-83A1-F6EECF244321}">
+                <p14:modId xmlns:p14="http://schemas.microsoft.com/office/powerpoint/2010/main" val="457181427"/>
+              </p:ext>
+            </p:extLst>
+          </p:nvPr>
+        </p:nvGraphicFramePr>
+        <p:xfrm>
+          <a:off x="-2" y="1845733"/>
+          <a:ext cx="12192001" cy="4363234"/>
+        </p:xfrm>
+        <a:graphic>
+          <a:graphicData uri="http://schemas.openxmlformats.org/drawingml/2006/table">
+            <a:tbl>
+              <a:tblPr firstRow="1" bandRow="1">
+                <a:tableStyleId>{5C22544A-7EE6-4342-B048-85BDC9FD1C3A}</a:tableStyleId>
+              </a:tblPr>
+              <a:tblGrid>
+                <a:gridCol w="2009424"/>
+                <a:gridCol w="2867378"/>
+                <a:gridCol w="2276354"/>
+                <a:gridCol w="2453833"/>
+                <a:gridCol w="2585012"/>
+              </a:tblGrid>
+              <a:tr h="975440">
+                <a:tc>
+                  <a:txBody>
+                    <a:bodyPr/>
+                    <a:lstStyle/>
+                    <a:p>
+                      <a:r>
+                        <a:rPr lang="ru-RU" sz="2400" dirty="0" smtClean="0"/>
+                        <a:t>Название</a:t>
+                      </a:r>
+                      <a:endParaRPr lang="ru-RU" sz="2400" dirty="0"/>
+                    </a:p>
+                  </a:txBody>
+                  <a:tcPr/>
+                </a:tc>
+                <a:tc>
+                  <a:txBody>
+                    <a:bodyPr/>
+                    <a:lstStyle/>
+                    <a:p>
+                      <a:r>
+                        <a:rPr lang="ru-RU" sz="2400" dirty="0" smtClean="0"/>
+                        <a:t>Алгоритм</a:t>
+                      </a:r>
+                      <a:endParaRPr lang="ru-RU" sz="2400" dirty="0"/>
+                    </a:p>
+                  </a:txBody>
+                  <a:tcPr/>
+                </a:tc>
+                <a:tc>
+                  <a:txBody>
+                    <a:bodyPr/>
+                    <a:lstStyle/>
+                    <a:p>
+                      <a:r>
+                        <a:rPr lang="ru-RU" sz="2400" dirty="0" smtClean="0"/>
+                        <a:t>Распространение</a:t>
+                      </a:r>
+                      <a:endParaRPr lang="ru-RU" sz="2400" dirty="0"/>
+                    </a:p>
+                  </a:txBody>
+                  <a:tcPr/>
+                </a:tc>
+                <a:tc>
+                  <a:txBody>
+                    <a:bodyPr/>
+                    <a:lstStyle/>
+                    <a:p>
+                      <a:r>
+                        <a:rPr lang="ru-RU" sz="2400" dirty="0" smtClean="0"/>
+                        <a:t>Интеграция</a:t>
+                      </a:r>
+                      <a:r>
+                        <a:rPr lang="ru-RU" sz="2400" baseline="0" dirty="0" smtClean="0"/>
+                        <a:t> с </a:t>
+                      </a:r>
+                      <a:r>
+                        <a:rPr lang="en-US" sz="2400" baseline="0" dirty="0" err="1" smtClean="0"/>
+                        <a:t>GeoNetwork</a:t>
+                      </a:r>
+                      <a:endParaRPr lang="ru-RU" sz="2400" dirty="0"/>
+                    </a:p>
+                  </a:txBody>
+                  <a:tcPr/>
+                </a:tc>
+                <a:tc>
+                  <a:txBody>
+                    <a:bodyPr/>
+                    <a:lstStyle/>
+                    <a:p>
+                      <a:r>
+                        <a:rPr lang="ru-RU" sz="2400" dirty="0" smtClean="0"/>
+                        <a:t>Поддержка</a:t>
+                      </a:r>
+                      <a:r>
+                        <a:rPr lang="ru-RU" sz="2400" baseline="0" dirty="0" smtClean="0"/>
+                        <a:t> форматов метаданных</a:t>
+                      </a:r>
+                      <a:endParaRPr lang="ru-RU" sz="2400" dirty="0"/>
+                    </a:p>
+                  </a:txBody>
+                  <a:tcPr/>
+                </a:tc>
+              </a:tr>
+              <a:tr h="675305">
+                <a:tc>
+                  <a:txBody>
+                    <a:bodyPr/>
+                    <a:lstStyle/>
+                    <a:p>
+                      <a:r>
+                        <a:rPr lang="en-US" sz="2400" dirty="0" err="1" smtClean="0"/>
+                        <a:t>Cermine</a:t>
+                      </a:r>
+                      <a:endParaRPr lang="ru-RU" sz="2400" dirty="0"/>
+                    </a:p>
+                  </a:txBody>
+                  <a:tcPr/>
+                </a:tc>
+                <a:tc>
+                  <a:txBody>
+                    <a:bodyPr/>
+                    <a:lstStyle/>
+                    <a:p>
+                      <a:r>
+                        <a:rPr lang="en-US" sz="2400" kern="1200" dirty="0" smtClean="0">
+                          <a:solidFill>
+                            <a:schemeClr val="dk1"/>
+                          </a:solidFill>
+                          <a:effectLst/>
+                          <a:latin typeface="+mn-lt"/>
+                          <a:ea typeface="+mn-ea"/>
+                          <a:cs typeface="+mn-cs"/>
+                        </a:rPr>
+                        <a:t>CRF</a:t>
+                      </a:r>
+                      <a:r>
+                        <a:rPr lang="ru-RU" sz="2400" kern="1200" dirty="0" smtClean="0">
+                          <a:solidFill>
+                            <a:schemeClr val="dk1"/>
+                          </a:solidFill>
+                          <a:effectLst/>
+                          <a:latin typeface="+mn-lt"/>
+                          <a:ea typeface="+mn-ea"/>
+                          <a:cs typeface="+mn-cs"/>
+                        </a:rPr>
+                        <a:t>, </a:t>
+                      </a:r>
+                      <a:r>
+                        <a:rPr lang="en-US" sz="2400" kern="1200" dirty="0" smtClean="0">
+                          <a:solidFill>
+                            <a:schemeClr val="dk1"/>
+                          </a:solidFill>
+                          <a:effectLst/>
+                          <a:latin typeface="+mn-lt"/>
+                          <a:ea typeface="+mn-ea"/>
+                          <a:cs typeface="+mn-cs"/>
+                        </a:rPr>
+                        <a:t>SVM</a:t>
+                      </a:r>
+                      <a:r>
+                        <a:rPr lang="ru-RU" sz="2400" kern="1200" dirty="0" smtClean="0">
+                          <a:solidFill>
+                            <a:schemeClr val="dk1"/>
+                          </a:solidFill>
+                          <a:effectLst/>
+                          <a:latin typeface="+mn-lt"/>
+                          <a:ea typeface="+mn-ea"/>
+                          <a:cs typeface="+mn-cs"/>
+                        </a:rPr>
+                        <a:t> и </a:t>
+                      </a:r>
+                      <a:r>
+                        <a:rPr lang="en-US" sz="2400" kern="1200" dirty="0" smtClean="0">
+                          <a:solidFill>
+                            <a:schemeClr val="dk1"/>
+                          </a:solidFill>
+                          <a:effectLst/>
+                          <a:latin typeface="+mn-lt"/>
+                          <a:ea typeface="+mn-ea"/>
+                          <a:cs typeface="+mn-cs"/>
+                        </a:rPr>
+                        <a:t>K</a:t>
+                      </a:r>
+                      <a:r>
+                        <a:rPr lang="ru-RU" sz="2400" kern="1200" dirty="0" smtClean="0">
+                          <a:solidFill>
+                            <a:schemeClr val="dk1"/>
+                          </a:solidFill>
+                          <a:effectLst/>
+                          <a:latin typeface="+mn-lt"/>
+                          <a:ea typeface="+mn-ea"/>
+                          <a:cs typeface="+mn-cs"/>
+                        </a:rPr>
+                        <a:t>-</a:t>
+                      </a:r>
+                      <a:r>
+                        <a:rPr lang="en-US" sz="2400" kern="1200" dirty="0" smtClean="0">
+                          <a:solidFill>
+                            <a:schemeClr val="dk1"/>
+                          </a:solidFill>
+                          <a:effectLst/>
+                          <a:latin typeface="+mn-lt"/>
+                          <a:ea typeface="+mn-ea"/>
+                          <a:cs typeface="+mn-cs"/>
+                        </a:rPr>
+                        <a:t>means</a:t>
+                      </a:r>
+                      <a:endParaRPr lang="ru-RU" sz="2400" dirty="0"/>
+                    </a:p>
+                  </a:txBody>
+                  <a:tcPr/>
+                </a:tc>
+                <a:tc>
+                  <a:txBody>
+                    <a:bodyPr/>
+                    <a:lstStyle/>
+                    <a:p>
+                      <a:r>
+                        <a:rPr lang="ru-RU" sz="2400" dirty="0" smtClean="0"/>
+                        <a:t>Открытое</a:t>
+                      </a:r>
+                      <a:endParaRPr lang="ru-RU" sz="2400" dirty="0"/>
+                    </a:p>
+                  </a:txBody>
+                  <a:tcPr/>
+                </a:tc>
+                <a:tc>
+                  <a:txBody>
+                    <a:bodyPr/>
+                    <a:lstStyle/>
+                    <a:p>
+                      <a:r>
+                        <a:rPr lang="ru-RU" sz="2400" dirty="0" smtClean="0"/>
+                        <a:t>-</a:t>
+                      </a:r>
+                      <a:endParaRPr lang="ru-RU" sz="2400" dirty="0"/>
+                    </a:p>
+                  </a:txBody>
+                  <a:tcPr/>
+                </a:tc>
+                <a:tc>
+                  <a:txBody>
+                    <a:bodyPr/>
+                    <a:lstStyle/>
+                    <a:p>
+                      <a:r>
+                        <a:rPr lang="ru-RU" sz="2400" dirty="0" smtClean="0"/>
+                        <a:t>-</a:t>
+                      </a:r>
+                      <a:endParaRPr lang="ru-RU" sz="2400" dirty="0"/>
+                    </a:p>
+                  </a:txBody>
+                  <a:tcPr/>
+                </a:tc>
+              </a:tr>
+              <a:tr h="675305">
+                <a:tc>
+                  <a:txBody>
+                    <a:bodyPr/>
+                    <a:lstStyle/>
+                    <a:p>
+                      <a:r>
+                        <a:rPr lang="en-US" sz="2400" dirty="0" smtClean="0"/>
+                        <a:t>GROBID</a:t>
+                      </a:r>
+                      <a:endParaRPr lang="ru-RU" sz="2400" dirty="0"/>
+                    </a:p>
+                  </a:txBody>
+                  <a:tcPr/>
+                </a:tc>
+                <a:tc>
+                  <a:txBody>
+                    <a:bodyPr/>
+                    <a:lstStyle/>
+                    <a:p>
+                      <a:r>
+                        <a:rPr lang="en-US" sz="2400" kern="1200" dirty="0" smtClean="0">
+                          <a:solidFill>
+                            <a:schemeClr val="dk1"/>
+                          </a:solidFill>
+                          <a:effectLst/>
+                          <a:latin typeface="+mn-lt"/>
+                          <a:ea typeface="+mn-ea"/>
+                          <a:cs typeface="+mn-cs"/>
+                        </a:rPr>
+                        <a:t>SVM </a:t>
+                      </a:r>
+                      <a:endParaRPr lang="ru-RU" sz="2400" dirty="0"/>
+                    </a:p>
+                  </a:txBody>
+                  <a:tcPr/>
+                </a:tc>
+                <a:tc>
+                  <a:txBody>
+                    <a:bodyPr/>
+                    <a:lstStyle/>
+                    <a:p>
+                      <a:r>
+                        <a:rPr lang="ru-RU" sz="2400" dirty="0" smtClean="0"/>
+                        <a:t>Открытое</a:t>
+                      </a:r>
+                      <a:endParaRPr lang="ru-RU" sz="2400" dirty="0"/>
+                    </a:p>
+                  </a:txBody>
+                  <a:tcPr/>
+                </a:tc>
+                <a:tc>
+                  <a:txBody>
+                    <a:bodyPr/>
+                    <a:lstStyle/>
+                    <a:p>
+                      <a:r>
+                        <a:rPr lang="ru-RU" sz="2400" dirty="0" smtClean="0"/>
+                        <a:t>-</a:t>
+                      </a:r>
+                      <a:endParaRPr lang="ru-RU" sz="2400" dirty="0"/>
+                    </a:p>
+                  </a:txBody>
+                  <a:tcPr/>
+                </a:tc>
+                <a:tc>
+                  <a:txBody>
+                    <a:bodyPr/>
+                    <a:lstStyle/>
+                    <a:p>
+                      <a:r>
+                        <a:rPr lang="ru-RU" sz="2400" dirty="0" smtClean="0"/>
+                        <a:t>-</a:t>
+                      </a:r>
+                      <a:endParaRPr lang="ru-RU" sz="2400" dirty="0"/>
+                    </a:p>
+                  </a:txBody>
+                  <a:tcPr/>
+                </a:tc>
+              </a:tr>
+              <a:tr h="675305">
+                <a:tc>
+                  <a:txBody>
+                    <a:bodyPr/>
+                    <a:lstStyle/>
+                    <a:p>
+                      <a:r>
+                        <a:rPr lang="en-US" sz="2400" dirty="0" err="1" smtClean="0"/>
+                        <a:t>ParsCit</a:t>
+                      </a:r>
+                      <a:endParaRPr lang="ru-RU" sz="2400" dirty="0"/>
+                    </a:p>
+                  </a:txBody>
+                  <a:tcPr/>
+                </a:tc>
+                <a:tc>
+                  <a:txBody>
+                    <a:bodyPr/>
+                    <a:lstStyle/>
+                    <a:p>
+                      <a:r>
+                        <a:rPr lang="en-US" sz="2400" kern="1200" dirty="0" smtClean="0">
+                          <a:solidFill>
+                            <a:schemeClr val="dk1"/>
+                          </a:solidFill>
+                          <a:effectLst/>
+                          <a:latin typeface="+mn-lt"/>
+                          <a:ea typeface="+mn-ea"/>
+                          <a:cs typeface="+mn-cs"/>
+                        </a:rPr>
+                        <a:t>CRF </a:t>
+                      </a:r>
+                      <a:endParaRPr lang="ru-RU" sz="2400" dirty="0"/>
+                    </a:p>
+                  </a:txBody>
+                  <a:tcPr/>
+                </a:tc>
+                <a:tc>
+                  <a:txBody>
+                    <a:bodyPr/>
+                    <a:lstStyle/>
+                    <a:p>
+                      <a:r>
+                        <a:rPr lang="ru-RU" sz="2400" dirty="0" smtClean="0"/>
+                        <a:t>Открытое</a:t>
+                      </a:r>
+                      <a:endParaRPr lang="ru-RU" sz="2400" dirty="0"/>
+                    </a:p>
+                  </a:txBody>
+                  <a:tcPr/>
+                </a:tc>
+                <a:tc>
+                  <a:txBody>
+                    <a:bodyPr/>
+                    <a:lstStyle/>
+                    <a:p>
+                      <a:r>
+                        <a:rPr lang="ru-RU" sz="2400" dirty="0" smtClean="0"/>
+                        <a:t>-</a:t>
+                      </a:r>
+                      <a:endParaRPr lang="ru-RU" sz="2400" dirty="0"/>
+                    </a:p>
+                  </a:txBody>
+                  <a:tcPr/>
+                </a:tc>
+                <a:tc>
+                  <a:txBody>
+                    <a:bodyPr/>
+                    <a:lstStyle/>
+                    <a:p>
+                      <a:r>
+                        <a:rPr lang="ru-RU" sz="2400" dirty="0" smtClean="0"/>
+                        <a:t>-</a:t>
+                      </a:r>
+                      <a:endParaRPr lang="ru-RU" sz="2400" dirty="0"/>
+                    </a:p>
+                  </a:txBody>
+                  <a:tcPr/>
+                </a:tc>
+              </a:tr>
+              <a:tr h="473294">
+                <a:tc>
+                  <a:txBody>
+                    <a:bodyPr/>
+                    <a:lstStyle/>
+                    <a:p>
+                      <a:r>
+                        <a:rPr lang="en-US" sz="2400" dirty="0" smtClean="0"/>
+                        <a:t>Text Razor</a:t>
+                      </a:r>
+                      <a:endParaRPr lang="ru-RU" sz="2400" dirty="0"/>
+                    </a:p>
+                  </a:txBody>
+                  <a:tcPr/>
+                </a:tc>
+                <a:tc>
+                  <a:txBody>
+                    <a:bodyPr/>
+                    <a:lstStyle/>
+                    <a:p>
+                      <a:r>
+                        <a:rPr lang="en-US" sz="2400" dirty="0" smtClean="0"/>
+                        <a:t>Wikipedia?</a:t>
+                      </a:r>
+                      <a:endParaRPr lang="ru-RU" sz="2400" dirty="0"/>
+                    </a:p>
+                  </a:txBody>
+                  <a:tcPr/>
+                </a:tc>
+                <a:tc>
+                  <a:txBody>
+                    <a:bodyPr/>
+                    <a:lstStyle/>
+                    <a:p>
+                      <a:r>
+                        <a:rPr lang="ru-RU" sz="2400" dirty="0" err="1" smtClean="0"/>
+                        <a:t>Проприетарная</a:t>
+                      </a:r>
+                      <a:endParaRPr lang="ru-RU" sz="2400" dirty="0"/>
+                    </a:p>
+                  </a:txBody>
+                  <a:tcPr/>
+                </a:tc>
+                <a:tc>
+                  <a:txBody>
+                    <a:bodyPr/>
+                    <a:lstStyle/>
+                    <a:p>
+                      <a:r>
+                        <a:rPr lang="ru-RU" sz="2400" dirty="0" smtClean="0"/>
+                        <a:t>-</a:t>
+                      </a:r>
+                      <a:endParaRPr lang="ru-RU" sz="2400" dirty="0"/>
+                    </a:p>
+                  </a:txBody>
+                  <a:tcPr/>
+                </a:tc>
+                <a:tc>
+                  <a:txBody>
+                    <a:bodyPr/>
+                    <a:lstStyle/>
+                    <a:p>
+                      <a:r>
+                        <a:rPr lang="ru-RU" sz="2400" dirty="0" smtClean="0"/>
+                        <a:t>-</a:t>
+                      </a:r>
+                      <a:endParaRPr lang="ru-RU" sz="2400" dirty="0"/>
+                    </a:p>
+                  </a:txBody>
+                  <a:tcPr/>
+                </a:tc>
+              </a:tr>
+              <a:tr h="675305">
+                <a:tc>
+                  <a:txBody>
+                    <a:bodyPr/>
+                    <a:lstStyle/>
+                    <a:p>
+                      <a:r>
+                        <a:rPr lang="ru-RU" sz="2400" b="1" dirty="0" smtClean="0">
+                          <a:solidFill>
+                            <a:schemeClr val="tx1"/>
+                          </a:solidFill>
+                        </a:rPr>
+                        <a:t>Моя модель</a:t>
+                      </a:r>
+                      <a:endParaRPr lang="ru-RU" sz="2400" b="1" dirty="0">
+                        <a:solidFill>
+                          <a:schemeClr val="tx1"/>
+                        </a:solidFill>
+                      </a:endParaRPr>
+                    </a:p>
+                  </a:txBody>
+                  <a:tcPr/>
+                </a:tc>
+                <a:tc>
+                  <a:txBody>
+                    <a:bodyPr/>
+                    <a:lstStyle/>
+                    <a:p>
+                      <a:r>
+                        <a:rPr lang="en-US" sz="2400" b="1" dirty="0" smtClean="0"/>
+                        <a:t>LSTM,</a:t>
+                      </a:r>
+                      <a:r>
+                        <a:rPr lang="en-US" sz="2400" b="1" baseline="0" dirty="0" smtClean="0"/>
+                        <a:t> Regex, RAKE</a:t>
+                      </a:r>
+                      <a:endParaRPr lang="ru-RU" sz="2400" b="1" dirty="0"/>
+                    </a:p>
+                  </a:txBody>
+                  <a:tcPr/>
+                </a:tc>
+                <a:tc>
+                  <a:txBody>
+                    <a:bodyPr/>
+                    <a:lstStyle/>
+                    <a:p>
+                      <a:r>
+                        <a:rPr lang="ru-RU" sz="2400" b="1" dirty="0" smtClean="0"/>
+                        <a:t>Открытое</a:t>
+                      </a:r>
+                      <a:endParaRPr lang="ru-RU" sz="2400" b="1" dirty="0"/>
+                    </a:p>
+                  </a:txBody>
+                  <a:tcPr/>
+                </a:tc>
+                <a:tc>
+                  <a:txBody>
+                    <a:bodyPr/>
+                    <a:lstStyle/>
+                    <a:p>
+                      <a:r>
+                        <a:rPr lang="ru-RU" sz="2400" b="1" dirty="0" smtClean="0"/>
+                        <a:t>+</a:t>
+                      </a:r>
+                      <a:endParaRPr lang="ru-RU" sz="2400" b="1" dirty="0"/>
+                    </a:p>
+                  </a:txBody>
+                  <a:tcPr/>
+                </a:tc>
+                <a:tc>
+                  <a:txBody>
+                    <a:bodyPr/>
+                    <a:lstStyle/>
+                    <a:p>
+                      <a:r>
+                        <a:rPr lang="ru-RU" sz="2400" b="1" dirty="0" smtClean="0"/>
+                        <a:t>+</a:t>
+                      </a:r>
+                      <a:endParaRPr lang="ru-RU" sz="2400" b="1" dirty="0"/>
+                    </a:p>
+                  </a:txBody>
+                  <a:tcPr/>
+                </a:tc>
+              </a:tr>
+            </a:tbl>
+          </a:graphicData>
+        </a:graphic>
+      </p:graphicFrame>
     </p:spTree>
     <p:extLst>
       <p:ext uri="{BB962C8B-B14F-4D97-AF65-F5344CB8AC3E}">
-        <p14:creationId xmlns:p14="http://schemas.microsoft.com/office/powerpoint/2010/main" val="3132151549"/>
+        <p14:creationId xmlns:p14="http://schemas.microsoft.com/office/powerpoint/2010/main" val="3419937178"/>
       </p:ext>
     </p:extLst>
   </p:cSld>
@@ -13430,19 +14562,84 @@
             <p:ph type="title"/>
           </p:nvPr>
         </p:nvSpPr>
-        <p:spPr>
-          <a:xfrm>
-            <a:off x="1154083" y="0"/>
-            <a:ext cx="10058400" cy="1193854"/>
-          </a:xfrm>
-        </p:spPr>
+        <p:spPr/>
         <p:txBody>
           <a:bodyPr/>
           <a:lstStyle/>
           <a:p>
             <a:r>
               <a:rPr lang="ru-RU" dirty="0" smtClean="0"/>
-              <a:t>Архитектура системы</a:t>
+              <a:t>Цель работы</a:t>
+            </a:r>
+            <a:endParaRPr lang="ru-RU" dirty="0"/>
+          </a:p>
+        </p:txBody>
+      </p:sp>
+      <p:sp>
+        <p:nvSpPr>
+          <p:cNvPr id="3" name="Объект 2"/>
+          <p:cNvSpPr>
+            <a:spLocks noGrp="1"/>
+          </p:cNvSpPr>
+          <p:nvPr>
+            <p:ph idx="1"/>
+          </p:nvPr>
+        </p:nvSpPr>
+        <p:spPr/>
+        <p:txBody>
+          <a:bodyPr>
+            <a:normAutofit/>
+          </a:bodyPr>
+          <a:lstStyle/>
+          <a:p>
+            <a:pPr lvl="0"/>
+            <a:r>
+              <a:rPr lang="ru-RU" sz="3600" dirty="0" smtClean="0"/>
+              <a:t>Реализовать приложение </a:t>
+            </a:r>
+            <a:r>
+              <a:rPr lang="ru-RU" sz="3600" dirty="0"/>
+              <a:t>для </a:t>
+            </a:r>
+            <a:r>
+              <a:rPr lang="ru-RU" sz="3600" dirty="0" smtClean="0"/>
+              <a:t>автоматизации подготовки </a:t>
+            </a:r>
+            <a:r>
+              <a:rPr lang="ru-RU" sz="3600" dirty="0" err="1" smtClean="0"/>
+              <a:t>метаописаний</a:t>
+            </a:r>
+            <a:r>
+              <a:rPr lang="ru-RU" sz="3600" dirty="0" smtClean="0"/>
+              <a:t> для </a:t>
+            </a:r>
+            <a:r>
+              <a:rPr lang="en-US" sz="3600" dirty="0" err="1" smtClean="0"/>
+              <a:t>GeoNetwork</a:t>
+            </a:r>
+            <a:r>
+              <a:rPr lang="ru-RU" sz="3600" dirty="0"/>
+              <a:t>, </a:t>
+            </a:r>
+            <a:r>
+              <a:rPr lang="ru-RU" sz="3600" dirty="0" smtClean="0"/>
+              <a:t>которое получает неструктурированный</a:t>
+            </a:r>
+            <a:r>
+              <a:rPr lang="en-US" sz="3600" dirty="0" smtClean="0"/>
+              <a:t> </a:t>
+            </a:r>
+            <a:r>
+              <a:rPr lang="ru-RU" sz="3600" dirty="0" smtClean="0"/>
+              <a:t>текст </a:t>
+            </a:r>
+            <a:r>
+              <a:rPr lang="ru-RU" sz="3600" dirty="0"/>
+              <a:t>и извлекает из него метаданные</a:t>
+            </a:r>
+            <a:r>
+              <a:rPr lang="ru-RU" sz="3600" dirty="0" smtClean="0"/>
+              <a:t>.</a:t>
             </a:r>
             <a:endParaRPr lang="ru-RU" dirty="0"/>
           </a:p>
@@ -13467,43 +14664,18 @@
               <a:rPr lang="ru-RU" sz="2400" smtClean="0"/>
               <a:t>8</a:t>
             </a:fld>
+            <a:r>
+              <a:rPr lang="en-US" sz="2400" dirty="0"/>
+              <a:t> / 22</a:t>
+            </a:r>
             <a:endParaRPr lang="ru-RU" sz="2400" dirty="0"/>
           </a:p>
         </p:txBody>
       </p:sp>
-      <p:pic>
-        <p:nvPicPr>
-          <p:cNvPr id="7" name="Объект 6"/>
-          <p:cNvPicPr>
-            <a:picLocks noGrp="1" noChangeAspect="1"/>
-          </p:cNvPicPr>
-          <p:nvPr>
-            <p:ph idx="1"/>
-          </p:nvPr>
-        </p:nvPicPr>
-        <p:blipFill>
-          <a:blip r:embed="rId2">
-            <a:extLst>
-              <a:ext uri="{28A0092B-C50C-407E-A947-70E740481C1C}">
-                <a14:useLocalDpi xmlns:a14="http://schemas.microsoft.com/office/drawing/2010/main" val="0"/>
-              </a:ext>
-            </a:extLst>
-          </a:blip>
-          <a:stretch>
-            <a:fillRect/>
-          </a:stretch>
-        </p:blipFill>
-        <p:spPr>
-          <a:xfrm>
-            <a:off x="2251883" y="1893244"/>
-            <a:ext cx="7648575" cy="3867150"/>
-          </a:xfrm>
-        </p:spPr>
-      </p:pic>
     </p:spTree>
     <p:extLst>
       <p:ext uri="{BB962C8B-B14F-4D97-AF65-F5344CB8AC3E}">
-        <p14:creationId xmlns:p14="http://schemas.microsoft.com/office/powerpoint/2010/main" val="2745529671"/>
+        <p14:creationId xmlns:p14="http://schemas.microsoft.com/office/powerpoint/2010/main" val="3132151549"/>
       </p:ext>
     </p:extLst>
   </p:cSld>
@@ -13547,14 +14719,19 @@
             <p:ph type="title"/>
           </p:nvPr>
         </p:nvSpPr>
-        <p:spPr/>
+        <p:spPr>
+          <a:xfrm>
+            <a:off x="1154083" y="0"/>
+            <a:ext cx="10058400" cy="1193854"/>
+          </a:xfrm>
+        </p:spPr>
         <p:txBody>
           <a:bodyPr/>
           <a:lstStyle/>
           <a:p>
             <a:r>
               <a:rPr lang="ru-RU" dirty="0" smtClean="0"/>
-              <a:t>Модель</a:t>
+              <a:t>Архитектура системы</a:t>
             </a:r>
             <a:endParaRPr lang="ru-RU" dirty="0"/>
           </a:p>
@@ -13579,282 +14756,23 @@
               <a:rPr lang="ru-RU" sz="2400" smtClean="0"/>
               <a:t>9</a:t>
             </a:fld>
+            <a:r>
+              <a:rPr lang="en-US" sz="2400" dirty="0"/>
+              <a:t> / 22</a:t>
+            </a:r>
             <a:endParaRPr lang="ru-RU" sz="2400" dirty="0"/>
           </a:p>
         </p:txBody>
       </p:sp>
-      <p:graphicFrame>
-        <p:nvGraphicFramePr>
-          <p:cNvPr id="5" name="Таблица 4"/>
-          <p:cNvGraphicFramePr>
-            <a:graphicFrameLocks noGrp="1"/>
-          </p:cNvGraphicFramePr>
-          <p:nvPr>
-            <p:extLst>
-              <p:ext uri="{D42A27DB-BD31-4B8C-83A1-F6EECF244321}">
-                <p14:modId xmlns:p14="http://schemas.microsoft.com/office/powerpoint/2010/main" val="3981807823"/>
-              </p:ext>
-            </p:extLst>
-          </p:nvPr>
-        </p:nvGraphicFramePr>
-        <p:xfrm>
-          <a:off x="1097280" y="1845733"/>
-          <a:ext cx="10058398" cy="914400"/>
-        </p:xfrm>
-        <a:graphic>
-          <a:graphicData uri="http://schemas.openxmlformats.org/drawingml/2006/table">
-            <a:tbl>
-              <a:tblPr firstRow="1" bandRow="1">
-                <a:tableStyleId>{5C22544A-7EE6-4342-B048-85BDC9FD1C3A}</a:tableStyleId>
-              </a:tblPr>
-              <a:tblGrid>
-                <a:gridCol w="1436914"/>
-                <a:gridCol w="1436914"/>
-                <a:gridCol w="1436914"/>
-                <a:gridCol w="1436914"/>
-                <a:gridCol w="1436914"/>
-                <a:gridCol w="816994"/>
-                <a:gridCol w="2056834"/>
-              </a:tblGrid>
-              <a:tr h="457200">
-                <a:tc>
-                  <a:txBody>
-                    <a:bodyPr/>
-                    <a:lstStyle/>
-                    <a:p>
-                      <a:r>
-                        <a:rPr lang="ru-RU" sz="2400" dirty="0" smtClean="0"/>
-                        <a:t>Слово</a:t>
-                      </a:r>
-                      <a:endParaRPr lang="ru-RU" sz="2400" dirty="0"/>
-                    </a:p>
-                  </a:txBody>
-                  <a:tcPr/>
-                </a:tc>
-                <a:tc>
-                  <a:txBody>
-                    <a:bodyPr/>
-                    <a:lstStyle/>
-                    <a:p>
-                      <a:r>
-                        <a:rPr lang="en-US" sz="2400" dirty="0" smtClean="0"/>
-                        <a:t>Inna</a:t>
-                      </a:r>
-                      <a:r>
-                        <a:rPr lang="ru-RU" sz="2400" dirty="0" smtClean="0"/>
-                        <a:t> </a:t>
-                      </a:r>
-                      <a:endParaRPr lang="ru-RU" sz="2400" dirty="0"/>
-                    </a:p>
-                  </a:txBody>
-                  <a:tcPr/>
-                </a:tc>
-                <a:tc>
-                  <a:txBody>
-                    <a:bodyPr/>
-                    <a:lstStyle/>
-                    <a:p>
-                      <a:r>
-                        <a:rPr lang="en-US" sz="2400" dirty="0" smtClean="0"/>
-                        <a:t>V.</a:t>
-                      </a:r>
-                      <a:endParaRPr lang="ru-RU" sz="2400" dirty="0"/>
-                    </a:p>
-                  </a:txBody>
-                  <a:tcPr/>
-                </a:tc>
-                <a:tc>
-                  <a:txBody>
-                    <a:bodyPr/>
-                    <a:lstStyle/>
-                    <a:p>
-                      <a:r>
-                        <a:rPr lang="en-US" sz="2400" dirty="0" err="1" smtClean="0"/>
-                        <a:t>Stonik</a:t>
-                      </a:r>
-                      <a:r>
-                        <a:rPr lang="ru-RU" sz="2400" dirty="0" smtClean="0"/>
-                        <a:t> </a:t>
-                      </a:r>
-                      <a:endParaRPr lang="ru-RU" sz="2400" dirty="0"/>
-                    </a:p>
-                  </a:txBody>
-                  <a:tcPr/>
-                </a:tc>
-                <a:tc>
-                  <a:txBody>
-                    <a:bodyPr/>
-                    <a:lstStyle/>
-                    <a:p>
-                      <a:r>
-                        <a:rPr lang="en-US" sz="2400" dirty="0" smtClean="0"/>
-                        <a:t>lives</a:t>
-                      </a:r>
-                      <a:r>
-                        <a:rPr lang="ru-RU" sz="2400" dirty="0" smtClean="0"/>
-                        <a:t> </a:t>
-                      </a:r>
-                      <a:endParaRPr lang="ru-RU" sz="2400" dirty="0"/>
-                    </a:p>
-                  </a:txBody>
-                  <a:tcPr/>
-                </a:tc>
-                <a:tc>
-                  <a:txBody>
-                    <a:bodyPr/>
-                    <a:lstStyle/>
-                    <a:p>
-                      <a:r>
-                        <a:rPr lang="en-US" sz="2400" dirty="0" smtClean="0"/>
-                        <a:t>in</a:t>
-                      </a:r>
-                      <a:r>
-                        <a:rPr lang="ru-RU" sz="2400" dirty="0" smtClean="0"/>
-                        <a:t> </a:t>
-                      </a:r>
-                      <a:endParaRPr lang="ru-RU" sz="2400" dirty="0"/>
-                    </a:p>
-                  </a:txBody>
-                  <a:tcPr/>
-                </a:tc>
-                <a:tc>
-                  <a:txBody>
-                    <a:bodyPr/>
-                    <a:lstStyle/>
-                    <a:p>
-                      <a:r>
-                        <a:rPr lang="en-US" sz="2400" dirty="0" smtClean="0"/>
-                        <a:t>Vladivostok</a:t>
-                      </a:r>
-                      <a:endParaRPr lang="ru-RU" sz="2400" dirty="0"/>
-                    </a:p>
-                  </a:txBody>
-                  <a:tcPr/>
-                </a:tc>
-              </a:tr>
-              <a:tr h="435147">
-                <a:tc>
-                  <a:txBody>
-                    <a:bodyPr/>
-                    <a:lstStyle/>
-                    <a:p>
-                      <a:r>
-                        <a:rPr lang="ru-RU" sz="2400" dirty="0" smtClean="0"/>
-                        <a:t>Тэг</a:t>
-                      </a:r>
-                      <a:endParaRPr lang="ru-RU" sz="2400" dirty="0"/>
-                    </a:p>
-                  </a:txBody>
-                  <a:tcPr/>
-                </a:tc>
-                <a:tc>
-                  <a:txBody>
-                    <a:bodyPr/>
-                    <a:lstStyle/>
-                    <a:p>
-                      <a:r>
-                        <a:rPr lang="en-US" sz="2400" dirty="0" smtClean="0"/>
-                        <a:t>B-PER</a:t>
-                      </a:r>
-                      <a:r>
-                        <a:rPr lang="ru-RU" sz="2400" dirty="0" smtClean="0"/>
-                        <a:t> </a:t>
-                      </a:r>
-                      <a:endParaRPr lang="ru-RU" sz="2400" dirty="0"/>
-                    </a:p>
-                  </a:txBody>
-                  <a:tcPr/>
-                </a:tc>
-                <a:tc>
-                  <a:txBody>
-                    <a:bodyPr/>
-                    <a:lstStyle/>
-                    <a:p>
-                      <a:r>
-                        <a:rPr lang="en-US" sz="2400" dirty="0" smtClean="0"/>
-                        <a:t>I-PER</a:t>
-                      </a:r>
-                      <a:r>
-                        <a:rPr lang="ru-RU" sz="2400" dirty="0" smtClean="0"/>
-                        <a:t> </a:t>
-                      </a:r>
-                      <a:endParaRPr lang="ru-RU" sz="2400" dirty="0"/>
-                    </a:p>
-                  </a:txBody>
-                  <a:tcPr/>
-                </a:tc>
-                <a:tc>
-                  <a:txBody>
-                    <a:bodyPr/>
-                    <a:lstStyle/>
-                    <a:p>
-                      <a:r>
-                        <a:rPr lang="en-US" sz="2400" dirty="0" smtClean="0"/>
-                        <a:t>I-PER</a:t>
-                      </a:r>
-                      <a:r>
-                        <a:rPr lang="ru-RU" sz="2400" dirty="0" smtClean="0"/>
-                        <a:t> </a:t>
-                      </a:r>
-                      <a:endParaRPr lang="ru-RU" sz="2400" dirty="0"/>
-                    </a:p>
-                  </a:txBody>
-                  <a:tcPr/>
-                </a:tc>
-                <a:tc>
-                  <a:txBody>
-                    <a:bodyPr/>
-                    <a:lstStyle/>
-                    <a:p>
-                      <a:r>
-                        <a:rPr lang="en-US" sz="2400" dirty="0" smtClean="0"/>
-                        <a:t>O </a:t>
-                      </a:r>
-                      <a:endParaRPr lang="ru-RU" sz="2400" dirty="0"/>
-                    </a:p>
-                  </a:txBody>
-                  <a:tcPr/>
-                </a:tc>
-                <a:tc>
-                  <a:txBody>
-                    <a:bodyPr/>
-                    <a:lstStyle/>
-                    <a:p>
-                      <a:r>
-                        <a:rPr lang="en-US" sz="2400" dirty="0" smtClean="0"/>
-                        <a:t>O </a:t>
-                      </a:r>
-                      <a:endParaRPr lang="ru-RU" sz="2400" dirty="0"/>
-                    </a:p>
-                  </a:txBody>
-                  <a:tcPr/>
-                </a:tc>
-                <a:tc>
-                  <a:txBody>
-                    <a:bodyPr/>
-                    <a:lstStyle/>
-                    <a:p>
-                      <a:r>
-                        <a:rPr lang="en-US" sz="2400" dirty="0" smtClean="0"/>
-                        <a:t>B-LOC</a:t>
-                      </a:r>
-                      <a:endParaRPr lang="ru-RU" sz="2400" dirty="0"/>
-                    </a:p>
-                  </a:txBody>
-                  <a:tcPr/>
-                </a:tc>
-              </a:tr>
-            </a:tbl>
-          </a:graphicData>
-        </a:graphic>
-      </p:graphicFrame>
       <p:pic>
         <p:nvPicPr>
-          <p:cNvPr id="9" name="Рисунок 8"/>
+          <p:cNvPr id="5" name="Объект 4"/>
           <p:cNvPicPr>
-            <a:picLocks noChangeAspect="1"/>
+            <a:picLocks noGrp="1" noChangeAspect="1"/>
           </p:cNvPicPr>
-          <p:nvPr/>
+          <p:nvPr>
+            <p:ph idx="1"/>
+          </p:nvPr>
         </p:nvPicPr>
         <p:blipFill>
           <a:blip r:embed="rId2">
@@ -13870,18 +14788,15 @@
         </p:blipFill>
         <p:spPr>
           <a:xfrm>
-            <a:off x="2727654" y="2760133"/>
-            <a:ext cx="6797650" cy="3527778"/>
+            <a:off x="2368550" y="2014538"/>
+            <a:ext cx="7515225" cy="3686175"/>
           </a:xfrm>
-          <a:prstGeom prst="rect">
-            <a:avLst/>
-          </a:prstGeom>
         </p:spPr>
       </p:pic>
     </p:spTree>
     <p:extLst>
       <p:ext uri="{BB962C8B-B14F-4D97-AF65-F5344CB8AC3E}">
-        <p14:creationId xmlns:p14="http://schemas.microsoft.com/office/powerpoint/2010/main" val="1223865650"/>
+        <p14:creationId xmlns:p14="http://schemas.microsoft.com/office/powerpoint/2010/main" val="2745529671"/>
       </p:ext>
     </p:extLst>
   </p:cSld>
